--- a/figs/architectures.pptx
+++ b/figs/architectures.pptx
@@ -5,13 +5,14 @@
     <p:sldMasterId id="2147483672" r:id="rId1"/>
   </p:sldMasterIdLst>
   <p:notesMasterIdLst>
-    <p:notesMasterId r:id="rId6"/>
+    <p:notesMasterId r:id="rId7"/>
   </p:notesMasterIdLst>
   <p:sldIdLst>
     <p:sldId id="257" r:id="rId2"/>
     <p:sldId id="258" r:id="rId3"/>
-    <p:sldId id="256" r:id="rId4"/>
-    <p:sldId id="259" r:id="rId5"/>
+    <p:sldId id="260" r:id="rId4"/>
+    <p:sldId id="256" r:id="rId5"/>
+    <p:sldId id="259" r:id="rId6"/>
   </p:sldIdLst>
   <p:sldSz cx="18288000" cy="10972800"/>
   <p:notesSz cx="6858000" cy="9144000"/>
@@ -724,7 +725,7 @@
     </p:spTree>
     <p:extLst>
       <p:ext uri="{BB962C8B-B14F-4D97-AF65-F5344CB8AC3E}">
-        <p14:creationId xmlns:p14="http://schemas.microsoft.com/office/powerpoint/2010/main" val="3108729311"/>
+        <p14:creationId xmlns:p14="http://schemas.microsoft.com/office/powerpoint/2010/main" val="611169021"/>
       </p:ext>
     </p:extLst>
   </p:cSld>
@@ -805,6 +806,95 @@
             <a:fld id="{95795B34-2175-4743-8E7D-FCECFD298AEA}" type="slidenum">
               <a:rPr lang="en-US" smtClean="0"/>
               <a:t>4</a:t>
+            </a:fld>
+            <a:endParaRPr lang="en-US"/>
+          </a:p>
+        </p:txBody>
+      </p:sp>
+    </p:spTree>
+    <p:extLst>
+      <p:ext uri="{BB962C8B-B14F-4D97-AF65-F5344CB8AC3E}">
+        <p14:creationId xmlns:p14="http://schemas.microsoft.com/office/powerpoint/2010/main" val="3108729311"/>
+      </p:ext>
+    </p:extLst>
+  </p:cSld>
+  <p:clrMapOvr>
+    <a:masterClrMapping/>
+  </p:clrMapOvr>
+</p:notes>
+</file>
+
+<file path=ppt/notesSlides/notesSlide5.xml><?xml version="1.0" encoding="utf-8"?>
+<p:notes xmlns:a="http://schemas.openxmlformats.org/drawingml/2006/main" xmlns:r="http://schemas.openxmlformats.org/officeDocument/2006/relationships" xmlns:p="http://schemas.openxmlformats.org/presentationml/2006/main">
+  <p:cSld>
+    <p:spTree>
+      <p:nvGrpSpPr>
+        <p:cNvPr id="1" name=""/>
+        <p:cNvGrpSpPr/>
+        <p:nvPr/>
+      </p:nvGrpSpPr>
+      <p:grpSpPr>
+        <a:xfrm>
+          <a:off x="0" y="0"/>
+          <a:ext cx="0" cy="0"/>
+          <a:chOff x="0" y="0"/>
+          <a:chExt cx="0" cy="0"/>
+        </a:xfrm>
+      </p:grpSpPr>
+      <p:sp>
+        <p:nvSpPr>
+          <p:cNvPr id="2" name="Slide Image Placeholder 1"/>
+          <p:cNvSpPr>
+            <a:spLocks noGrp="1" noRot="1" noChangeAspect="1"/>
+          </p:cNvSpPr>
+          <p:nvPr>
+            <p:ph type="sldImg"/>
+          </p:nvPr>
+        </p:nvSpPr>
+        <p:spPr>
+          <a:xfrm>
+            <a:off x="857250" y="1143000"/>
+            <a:ext cx="5143500" cy="3086100"/>
+          </a:xfrm>
+        </p:spPr>
+      </p:sp>
+      <p:sp>
+        <p:nvSpPr>
+          <p:cNvPr id="3" name="Notes Placeholder 2"/>
+          <p:cNvSpPr>
+            <a:spLocks noGrp="1"/>
+          </p:cNvSpPr>
+          <p:nvPr>
+            <p:ph type="body" idx="1"/>
+          </p:nvPr>
+        </p:nvSpPr>
+        <p:spPr/>
+        <p:txBody>
+          <a:bodyPr/>
+          <a:lstStyle/>
+          <a:p>
+            <a:endParaRPr lang="en-US" dirty="0"/>
+          </a:p>
+        </p:txBody>
+      </p:sp>
+      <p:sp>
+        <p:nvSpPr>
+          <p:cNvPr id="4" name="Slide Number Placeholder 3"/>
+          <p:cNvSpPr>
+            <a:spLocks noGrp="1"/>
+          </p:cNvSpPr>
+          <p:nvPr>
+            <p:ph type="sldNum" sz="quarter" idx="5"/>
+          </p:nvPr>
+        </p:nvSpPr>
+        <p:spPr/>
+        <p:txBody>
+          <a:bodyPr/>
+          <a:lstStyle/>
+          <a:p>
+            <a:fld id="{95795B34-2175-4743-8E7D-FCECFD298AEA}" type="slidenum">
+              <a:rPr lang="en-US" smtClean="0"/>
+              <a:t>5</a:t>
             </a:fld>
             <a:endParaRPr lang="en-US"/>
           </a:p>
@@ -3684,320 +3774,12 @@
           <a:chExt cx="0" cy="0"/>
         </a:xfrm>
       </p:grpSpPr>
-      <p:sp>
-        <p:nvSpPr>
-          <p:cNvPr id="5" name="Rectangle 4">
+      <p:grpSp>
+        <p:nvGrpSpPr>
+          <p:cNvPr id="25" name="Group 24">
             <a:extLst>
               <a:ext uri="{FF2B5EF4-FFF2-40B4-BE49-F238E27FC236}">
-                <a16:creationId xmlns:a16="http://schemas.microsoft.com/office/drawing/2014/main" id="{4C314C17-7D9F-4679-BB52-3B92E03E5AD9}"/>
-              </a:ext>
-            </a:extLst>
-          </p:cNvPr>
-          <p:cNvSpPr/>
-          <p:nvPr/>
-        </p:nvSpPr>
-        <p:spPr>
-          <a:xfrm rot="16200000">
-            <a:off x="3915607" y="5227688"/>
-            <a:ext cx="1556548" cy="174103"/>
-          </a:xfrm>
-          <a:prstGeom prst="rect">
-            <a:avLst/>
-          </a:prstGeom>
-          <a:solidFill>
-            <a:srgbClr val="FF00FF"/>
-          </a:solidFill>
-          <a:ln>
-            <a:noFill/>
-          </a:ln>
-        </p:spPr>
-        <p:style>
-          <a:lnRef idx="2">
-            <a:schemeClr val="accent1">
-              <a:shade val="50000"/>
-            </a:schemeClr>
-          </a:lnRef>
-          <a:fillRef idx="1">
-            <a:schemeClr val="accent1"/>
-          </a:fillRef>
-          <a:effectRef idx="0">
-            <a:schemeClr val="accent1"/>
-          </a:effectRef>
-          <a:fontRef idx="minor">
-            <a:schemeClr val="lt1"/>
-          </a:fontRef>
-        </p:style>
-        <p:txBody>
-          <a:bodyPr rtlCol="0" anchor="ctr"/>
-          <a:lstStyle/>
-          <a:p>
-            <a:pPr algn="ctr"/>
-            <a:r>
-              <a:rPr lang="en-US" sz="1200" dirty="0">
-                <a:solidFill>
-                  <a:schemeClr val="tx1"/>
-                </a:solidFill>
-                <a:latin typeface="DejaVu Sans" panose="020B0603030804020204" pitchFamily="34" charset="0"/>
-                <a:ea typeface="DejaVu Sans" panose="020B0603030804020204" pitchFamily="34" charset="0"/>
-                <a:cs typeface="DejaVu Sans" panose="020B0603030804020204" pitchFamily="34" charset="0"/>
-              </a:rPr>
-              <a:t>Conv</a:t>
-            </a:r>
-          </a:p>
-        </p:txBody>
-      </p:sp>
-      <p:sp>
-        <p:nvSpPr>
-          <p:cNvPr id="6" name="Rectangle 5">
-            <a:extLst>
-              <a:ext uri="{FF2B5EF4-FFF2-40B4-BE49-F238E27FC236}">
-                <a16:creationId xmlns:a16="http://schemas.microsoft.com/office/drawing/2014/main" id="{BB5421BE-E655-4117-BD1D-12CC982CF853}"/>
-              </a:ext>
-            </a:extLst>
-          </p:cNvPr>
-          <p:cNvSpPr/>
-          <p:nvPr/>
-        </p:nvSpPr>
-        <p:spPr>
-          <a:xfrm rot="16200000">
-            <a:off x="4150346" y="5227688"/>
-            <a:ext cx="1556548" cy="174103"/>
-          </a:xfrm>
-          <a:prstGeom prst="rect">
-            <a:avLst/>
-          </a:prstGeom>
-          <a:solidFill>
-            <a:srgbClr val="00FFFF"/>
-          </a:solidFill>
-          <a:ln>
-            <a:noFill/>
-          </a:ln>
-        </p:spPr>
-        <p:style>
-          <a:lnRef idx="2">
-            <a:schemeClr val="accent1">
-              <a:shade val="50000"/>
-            </a:schemeClr>
-          </a:lnRef>
-          <a:fillRef idx="1">
-            <a:schemeClr val="accent1"/>
-          </a:fillRef>
-          <a:effectRef idx="0">
-            <a:schemeClr val="accent1"/>
-          </a:effectRef>
-          <a:fontRef idx="minor">
-            <a:schemeClr val="lt1"/>
-          </a:fontRef>
-        </p:style>
-        <p:txBody>
-          <a:bodyPr rtlCol="0" anchor="ctr"/>
-          <a:lstStyle/>
-          <a:p>
-            <a:pPr algn="ctr"/>
-            <a:r>
-              <a:rPr lang="en-US" sz="1200" dirty="0">
-                <a:solidFill>
-                  <a:schemeClr val="tx1"/>
-                </a:solidFill>
-                <a:latin typeface="DejaVu Sans" panose="020B0603030804020204" pitchFamily="34" charset="0"/>
-                <a:ea typeface="DejaVu Sans" panose="020B0603030804020204" pitchFamily="34" charset="0"/>
-                <a:cs typeface="DejaVu Sans" panose="020B0603030804020204" pitchFamily="34" charset="0"/>
-              </a:rPr>
-              <a:t>ReLU</a:t>
-            </a:r>
-          </a:p>
-        </p:txBody>
-      </p:sp>
-      <p:cxnSp>
-        <p:nvCxnSpPr>
-          <p:cNvPr id="12" name="Straight Arrow Connector 11">
-            <a:extLst>
-              <a:ext uri="{FF2B5EF4-FFF2-40B4-BE49-F238E27FC236}">
-                <a16:creationId xmlns:a16="http://schemas.microsoft.com/office/drawing/2014/main" id="{0EDA0DAF-DF58-4BC7-927A-8B04084726D8}"/>
-              </a:ext>
-            </a:extLst>
-          </p:cNvPr>
-          <p:cNvCxnSpPr/>
-          <p:nvPr/>
-        </p:nvCxnSpPr>
-        <p:spPr>
-          <a:xfrm flipV="1">
-            <a:off x="5017054" y="5314736"/>
-            <a:ext cx="158276" cy="1"/>
-          </a:xfrm>
-          <a:prstGeom prst="straightConnector1">
-            <a:avLst/>
-          </a:prstGeom>
-          <a:ln w="38100">
-            <a:solidFill>
-              <a:schemeClr val="tx1"/>
-            </a:solidFill>
-            <a:tailEnd type="triangle"/>
-          </a:ln>
-        </p:spPr>
-        <p:style>
-          <a:lnRef idx="1">
-            <a:schemeClr val="accent1"/>
-          </a:lnRef>
-          <a:fillRef idx="0">
-            <a:schemeClr val="accent1"/>
-          </a:fillRef>
-          <a:effectRef idx="0">
-            <a:schemeClr val="accent1"/>
-          </a:effectRef>
-          <a:fontRef idx="minor">
-            <a:schemeClr val="tx1"/>
-          </a:fontRef>
-        </p:style>
-      </p:cxnSp>
-      <p:sp>
-        <p:nvSpPr>
-          <p:cNvPr id="20" name="TextBox 19">
-            <a:extLst>
-              <a:ext uri="{FF2B5EF4-FFF2-40B4-BE49-F238E27FC236}">
-                <a16:creationId xmlns:a16="http://schemas.microsoft.com/office/drawing/2014/main" id="{BD48993C-F3D0-4F91-839E-033B6199FBF2}"/>
-              </a:ext>
-            </a:extLst>
-          </p:cNvPr>
-          <p:cNvSpPr txBox="1"/>
-          <p:nvPr/>
-        </p:nvSpPr>
-        <p:spPr>
-          <a:xfrm>
-            <a:off x="3162537" y="5166703"/>
-            <a:ext cx="1045595" cy="461665"/>
-          </a:xfrm>
-          <a:prstGeom prst="rect">
-            <a:avLst/>
-          </a:prstGeom>
-          <a:noFill/>
-        </p:spPr>
-        <p:txBody>
-          <a:bodyPr wrap="square" rtlCol="0">
-            <a:spAutoFit/>
-          </a:bodyPr>
-          <a:lstStyle/>
-          <a:p>
-            <a:pPr algn="ctr"/>
-            <a:r>
-              <a:rPr lang="en-US" sz="1200" dirty="0">
-                <a:latin typeface="DejaVu Sans" panose="020B0603030804020204" pitchFamily="34" charset="0"/>
-                <a:ea typeface="DejaVu Sans" panose="020B0603030804020204" pitchFamily="34" charset="0"/>
-                <a:cs typeface="DejaVu Sans" panose="020B0603030804020204" pitchFamily="34" charset="0"/>
-              </a:rPr>
-              <a:t>LR Patch</a:t>
-            </a:r>
-          </a:p>
-          <a:p>
-            <a:pPr algn="ctr"/>
-            <a:r>
-              <a:rPr lang="en-US" sz="1200" dirty="0">
-                <a:latin typeface="DejaVu Sans" panose="020B0603030804020204" pitchFamily="34" charset="0"/>
-                <a:ea typeface="DejaVu Sans" panose="020B0603030804020204" pitchFamily="34" charset="0"/>
-                <a:cs typeface="DejaVu Sans" panose="020B0603030804020204" pitchFamily="34" charset="0"/>
-              </a:rPr>
-              <a:t>2x64x64</a:t>
-            </a:r>
-          </a:p>
-        </p:txBody>
-      </p:sp>
-      <p:sp>
-        <p:nvSpPr>
-          <p:cNvPr id="91" name="TextBox 90">
-            <a:extLst>
-              <a:ext uri="{FF2B5EF4-FFF2-40B4-BE49-F238E27FC236}">
-                <a16:creationId xmlns:a16="http://schemas.microsoft.com/office/drawing/2014/main" id="{FF8D127F-83D4-4CA1-A031-30372BD227A8}"/>
-              </a:ext>
-            </a:extLst>
-          </p:cNvPr>
-          <p:cNvSpPr txBox="1"/>
-          <p:nvPr/>
-        </p:nvSpPr>
-        <p:spPr>
-          <a:xfrm>
-            <a:off x="8798115" y="5166703"/>
-            <a:ext cx="1045595" cy="461665"/>
-          </a:xfrm>
-          <a:prstGeom prst="rect">
-            <a:avLst/>
-          </a:prstGeom>
-          <a:noFill/>
-        </p:spPr>
-        <p:txBody>
-          <a:bodyPr wrap="square" rtlCol="0">
-            <a:spAutoFit/>
-          </a:bodyPr>
-          <a:lstStyle/>
-          <a:p>
-            <a:pPr algn="ctr"/>
-            <a:r>
-              <a:rPr lang="en-US" sz="1200" dirty="0">
-                <a:latin typeface="DejaVu Sans" panose="020B0603030804020204" pitchFamily="34" charset="0"/>
-                <a:ea typeface="DejaVu Sans" panose="020B0603030804020204" pitchFamily="34" charset="0"/>
-                <a:cs typeface="DejaVu Sans" panose="020B0603030804020204" pitchFamily="34" charset="0"/>
-              </a:rPr>
-              <a:t>SR Patch</a:t>
-            </a:r>
-          </a:p>
-          <a:p>
-            <a:pPr algn="ctr"/>
-            <a:r>
-              <a:rPr lang="en-US" sz="1200" dirty="0">
-                <a:latin typeface="DejaVu Sans" panose="020B0603030804020204" pitchFamily="34" charset="0"/>
-                <a:ea typeface="DejaVu Sans" panose="020B0603030804020204" pitchFamily="34" charset="0"/>
-                <a:cs typeface="DejaVu Sans" panose="020B0603030804020204" pitchFamily="34" charset="0"/>
-              </a:rPr>
-              <a:t>2x64x64</a:t>
-            </a:r>
-          </a:p>
-        </p:txBody>
-      </p:sp>
-      <p:pic>
-        <p:nvPicPr>
-          <p:cNvPr id="23" name="Picture 22" descr="\documentclass{article}&#10;\usepackage{amsmath, amssymb, amsthm}&#10;\usepackage{xcolor}&#10;\pagestyle{empty}&#10;\begin{document}&#10;\setlength\parindent{0pt}&#10;&#10;\newcommand{\argmin}{\operatornamewithlimits{argmin}}&#10;\newcommand{\argmax}{\operatornamewithlimits{argmax}}&#10;\newcommand{\rtwo}{\mathbb{R}^2}&#10;\newcommand{\rone}{\mathbb{R}}&#10;\newcommand{\ex}{\mathbb{E}}&#10;\newcommand{\normal}{\mathcal{N}}&#10;\newcommand{\vor}{\mathcal{V}}&#10;\newcommand{\st}{\mid}&#10;\newcommand{\set}[1]{\left\{#1\right\}}&#10;\newcommand{\norm}[1]{\left\lVert #1\right\rVert}&#10;\newcommand{\rt}{\rightarrow}&#10;&#10;$f_1$&#10;&#10;\end{document}" title="IguanaTex Bitmap Display">
-            <a:extLst>
-              <a:ext uri="{FF2B5EF4-FFF2-40B4-BE49-F238E27FC236}">
-                <a16:creationId xmlns:a16="http://schemas.microsoft.com/office/drawing/2014/main" id="{4538E1BD-F9B1-40E0-A5DA-E5AE2614F130}"/>
-              </a:ext>
-            </a:extLst>
-          </p:cNvPr>
-          <p:cNvPicPr>
-            <a:picLocks noChangeAspect="1"/>
-          </p:cNvPicPr>
-          <p:nvPr>
-            <p:custDataLst>
-              <p:tags r:id="rId1"/>
-            </p:custDataLst>
-          </p:nvPr>
-        </p:nvPicPr>
-        <p:blipFill>
-          <a:blip r:embed="rId8">
-            <a:extLst>
-              <a:ext uri="{28A0092B-C50C-407E-A947-70E740481C1C}">
-                <a14:useLocalDpi xmlns:a14="http://schemas.microsoft.com/office/drawing/2010/main" val="0"/>
-              </a:ext>
-            </a:extLst>
-          </a:blip>
-          <a:stretch>
-            <a:fillRect/>
-          </a:stretch>
-        </p:blipFill>
-        <p:spPr>
-          <a:xfrm>
-            <a:off x="4599209" y="6180717"/>
-            <a:ext cx="154860" cy="184126"/>
-          </a:xfrm>
-          <a:prstGeom prst="rect">
-            <a:avLst/>
-          </a:prstGeom>
-        </p:spPr>
-      </p:pic>
-      <p:grpSp>
-        <p:nvGrpSpPr>
-          <p:cNvPr id="21" name="Group 20">
-            <a:extLst>
-              <a:ext uri="{FF2B5EF4-FFF2-40B4-BE49-F238E27FC236}">
-                <a16:creationId xmlns:a16="http://schemas.microsoft.com/office/drawing/2014/main" id="{30E3DB41-65EA-4B83-935F-B423F0C40AF5}"/>
+                <a16:creationId xmlns:a16="http://schemas.microsoft.com/office/drawing/2014/main" id="{9A0B43CC-CF85-435A-90B8-9CBBB7EB2A7B}"/>
               </a:ext>
             </a:extLst>
           </p:cNvPr>
@@ -4006,18 +3788,184 @@
         </p:nvGrpSpPr>
         <p:grpSpPr>
           <a:xfrm>
-            <a:off x="5048795" y="5166703"/>
-            <a:ext cx="1045595" cy="461665"/>
-            <a:chOff x="2252252" y="3109301"/>
-            <a:chExt cx="1045595" cy="461665"/>
+            <a:off x="3029543" y="1214875"/>
+            <a:ext cx="6681173" cy="1828379"/>
+            <a:chOff x="5588834" y="573974"/>
+            <a:chExt cx="6681173" cy="1828379"/>
           </a:xfrm>
         </p:grpSpPr>
         <p:sp>
           <p:nvSpPr>
-            <p:cNvPr id="108" name="TextBox 107">
+            <p:cNvPr id="26" name="Rectangle 25">
               <a:extLst>
                 <a:ext uri="{FF2B5EF4-FFF2-40B4-BE49-F238E27FC236}">
-                  <a16:creationId xmlns:a16="http://schemas.microsoft.com/office/drawing/2014/main" id="{F4326218-F5A1-4ACF-B823-88CEDA7D6463}"/>
+                  <a16:creationId xmlns:a16="http://schemas.microsoft.com/office/drawing/2014/main" id="{AC42A685-31C2-40F3-869E-2428D71725BB}"/>
+                </a:ext>
+              </a:extLst>
+            </p:cNvPr>
+            <p:cNvSpPr/>
+            <p:nvPr/>
+          </p:nvSpPr>
+          <p:spPr>
+            <a:xfrm rot="16200000">
+              <a:off x="6341905" y="1265196"/>
+              <a:ext cx="1556548" cy="174103"/>
+            </a:xfrm>
+            <a:prstGeom prst="rect">
+              <a:avLst/>
+            </a:prstGeom>
+            <a:solidFill>
+              <a:srgbClr val="FF00FF"/>
+            </a:solidFill>
+            <a:ln>
+              <a:noFill/>
+            </a:ln>
+          </p:spPr>
+          <p:style>
+            <a:lnRef idx="2">
+              <a:schemeClr val="accent1">
+                <a:shade val="50000"/>
+              </a:schemeClr>
+            </a:lnRef>
+            <a:fillRef idx="1">
+              <a:schemeClr val="accent1"/>
+            </a:fillRef>
+            <a:effectRef idx="0">
+              <a:schemeClr val="accent1"/>
+            </a:effectRef>
+            <a:fontRef idx="minor">
+              <a:schemeClr val="lt1"/>
+            </a:fontRef>
+          </p:style>
+          <p:txBody>
+            <a:bodyPr rtlCol="0" anchor="ctr"/>
+            <a:lstStyle/>
+            <a:p>
+              <a:pPr algn="ctr"/>
+              <a:r>
+                <a:rPr lang="en-US" sz="1200" dirty="0">
+                  <a:solidFill>
+                    <a:schemeClr val="tx1"/>
+                  </a:solidFill>
+                  <a:latin typeface="DejaVu Sans" panose="020B0603030804020204" pitchFamily="34" charset="0"/>
+                  <a:ea typeface="DejaVu Sans" panose="020B0603030804020204" pitchFamily="34" charset="0"/>
+                  <a:cs typeface="DejaVu Sans" panose="020B0603030804020204" pitchFamily="34" charset="0"/>
+                </a:rPr>
+                <a:t>Conv</a:t>
+              </a:r>
+            </a:p>
+          </p:txBody>
+        </p:sp>
+        <p:sp>
+          <p:nvSpPr>
+            <p:cNvPr id="29" name="Rectangle 28">
+              <a:extLst>
+                <a:ext uri="{FF2B5EF4-FFF2-40B4-BE49-F238E27FC236}">
+                  <a16:creationId xmlns:a16="http://schemas.microsoft.com/office/drawing/2014/main" id="{CCEFAAF7-ED8A-42E0-A37C-BAC9195DC66E}"/>
+                </a:ext>
+              </a:extLst>
+            </p:cNvPr>
+            <p:cNvSpPr/>
+            <p:nvPr/>
+          </p:nvSpPr>
+          <p:spPr>
+            <a:xfrm rot="16200000">
+              <a:off x="6576644" y="1265196"/>
+              <a:ext cx="1556548" cy="174103"/>
+            </a:xfrm>
+            <a:prstGeom prst="rect">
+              <a:avLst/>
+            </a:prstGeom>
+            <a:solidFill>
+              <a:srgbClr val="00FFFF"/>
+            </a:solidFill>
+            <a:ln>
+              <a:noFill/>
+            </a:ln>
+          </p:spPr>
+          <p:style>
+            <a:lnRef idx="2">
+              <a:schemeClr val="accent1">
+                <a:shade val="50000"/>
+              </a:schemeClr>
+            </a:lnRef>
+            <a:fillRef idx="1">
+              <a:schemeClr val="accent1"/>
+            </a:fillRef>
+            <a:effectRef idx="0">
+              <a:schemeClr val="accent1"/>
+            </a:effectRef>
+            <a:fontRef idx="minor">
+              <a:schemeClr val="lt1"/>
+            </a:fontRef>
+          </p:style>
+          <p:txBody>
+            <a:bodyPr rtlCol="0" anchor="ctr"/>
+            <a:lstStyle/>
+            <a:p>
+              <a:pPr algn="ctr"/>
+              <a:r>
+                <a:rPr lang="en-US" sz="1200" dirty="0">
+                  <a:solidFill>
+                    <a:schemeClr val="tx1"/>
+                  </a:solidFill>
+                  <a:latin typeface="DejaVu Sans" panose="020B0603030804020204" pitchFamily="34" charset="0"/>
+                  <a:ea typeface="DejaVu Sans" panose="020B0603030804020204" pitchFamily="34" charset="0"/>
+                  <a:cs typeface="DejaVu Sans" panose="020B0603030804020204" pitchFamily="34" charset="0"/>
+                </a:rPr>
+                <a:t>ReLU</a:t>
+              </a:r>
+            </a:p>
+          </p:txBody>
+        </p:sp>
+        <p:cxnSp>
+          <p:nvCxnSpPr>
+            <p:cNvPr id="31" name="Straight Arrow Connector 30">
+              <a:extLst>
+                <a:ext uri="{FF2B5EF4-FFF2-40B4-BE49-F238E27FC236}">
+                  <a16:creationId xmlns:a16="http://schemas.microsoft.com/office/drawing/2014/main" id="{2FACF343-B7D3-43C8-AD98-DDF488F71385}"/>
+                </a:ext>
+              </a:extLst>
+            </p:cNvPr>
+            <p:cNvCxnSpPr/>
+            <p:nvPr/>
+          </p:nvCxnSpPr>
+          <p:spPr>
+            <a:xfrm flipV="1">
+              <a:off x="7443352" y="1352244"/>
+              <a:ext cx="158276" cy="1"/>
+            </a:xfrm>
+            <a:prstGeom prst="straightConnector1">
+              <a:avLst/>
+            </a:prstGeom>
+            <a:ln w="38100">
+              <a:solidFill>
+                <a:schemeClr val="tx1"/>
+              </a:solidFill>
+              <a:tailEnd type="triangle"/>
+            </a:ln>
+          </p:spPr>
+          <p:style>
+            <a:lnRef idx="1">
+              <a:schemeClr val="accent1"/>
+            </a:lnRef>
+            <a:fillRef idx="0">
+              <a:schemeClr val="accent1"/>
+            </a:fillRef>
+            <a:effectRef idx="0">
+              <a:schemeClr val="accent1"/>
+            </a:effectRef>
+            <a:fontRef idx="minor">
+              <a:schemeClr val="tx1"/>
+            </a:fontRef>
+          </p:style>
+        </p:cxnSp>
+        <p:sp>
+          <p:nvSpPr>
+            <p:cNvPr id="32" name="TextBox 31">
+              <a:extLst>
+                <a:ext uri="{FF2B5EF4-FFF2-40B4-BE49-F238E27FC236}">
+                  <a16:creationId xmlns:a16="http://schemas.microsoft.com/office/drawing/2014/main" id="{B7E336B5-1D96-4721-85A2-A3FFFD68667D}"/>
                 </a:ext>
               </a:extLst>
             </p:cNvPr>
@@ -4026,7 +3974,7 @@
           </p:nvSpPr>
           <p:spPr>
             <a:xfrm>
-              <a:off x="2252252" y="3109301"/>
+              <a:off x="5588834" y="1204211"/>
               <a:ext cx="1045595" cy="461665"/>
             </a:xfrm>
             <a:prstGeom prst="rect">
@@ -4047,7 +3995,7 @@
                   <a:ea typeface="DejaVu Sans" panose="020B0603030804020204" pitchFamily="34" charset="0"/>
                   <a:cs typeface="DejaVu Sans" panose="020B0603030804020204" pitchFamily="34" charset="0"/>
                 </a:rPr>
-                <a:t>Tensor</a:t>
+                <a:t>LR Patch</a:t>
               </a:r>
             </a:p>
             <a:p>
@@ -4058,328 +4006,17 @@
                   <a:ea typeface="DejaVu Sans" panose="020B0603030804020204" pitchFamily="34" charset="0"/>
                   <a:cs typeface="DejaVu Sans" panose="020B0603030804020204" pitchFamily="34" charset="0"/>
                 </a:rPr>
-                <a:t>    x64x64</a:t>
+                <a:t>2x64x64</a:t>
               </a:r>
             </a:p>
           </p:txBody>
         </p:sp>
-        <p:pic>
-          <p:nvPicPr>
-            <p:cNvPr id="19" name="Picture 18" descr="\documentclass{article}&#10;\usepackage{amsmath, amssymb, amsthm}&#10;\usepackage{xcolor}&#10;\pagestyle{empty}&#10;\begin{document}&#10;\setlength\parindent{0pt}&#10;&#10;\newcommand{\argmin}{\operatornamewithlimits{argmin}}&#10;\newcommand{\argmax}{\operatornamewithlimits{argmax}}&#10;\newcommand{\rtwo}{\mathbb{R}^2}&#10;\newcommand{\rone}{\mathbb{R}}&#10;\newcommand{\ex}{\mathbb{E}}&#10;\newcommand{\normal}{\mathcal{N}}&#10;\newcommand{\vor}{\mathcal{V}}&#10;\newcommand{\st}{\mid}&#10;\newcommand{\set}[1]{\left\{#1\right\}}&#10;\newcommand{\norm}[1]{\left\lVert #1\right\rVert}&#10;\newcommand{\rt}{\rightarrow}&#10;&#10;$n_1$&#10;&#10;\end{document}" title="IguanaTex Bitmap Display">
+        <p:sp>
+          <p:nvSpPr>
+            <p:cNvPr id="33" name="TextBox 32">
               <a:extLst>
                 <a:ext uri="{FF2B5EF4-FFF2-40B4-BE49-F238E27FC236}">
-                  <a16:creationId xmlns:a16="http://schemas.microsoft.com/office/drawing/2014/main" id="{406F7A74-75DD-46C6-B505-56FD014C383D}"/>
-                </a:ext>
-              </a:extLst>
-            </p:cNvPr>
-            <p:cNvPicPr>
-              <a:picLocks noChangeAspect="1"/>
-            </p:cNvPicPr>
-            <p:nvPr>
-              <p:custDataLst>
-                <p:tags r:id="rId5"/>
-              </p:custDataLst>
-            </p:nvPr>
-          </p:nvPicPr>
-          <p:blipFill>
-            <a:blip r:embed="rId9">
-              <a:extLst>
-                <a:ext uri="{28A0092B-C50C-407E-A947-70E740481C1C}">
-                  <a14:useLocalDpi xmlns:a14="http://schemas.microsoft.com/office/drawing/2010/main" val="0"/>
-                </a:ext>
-              </a:extLst>
-            </a:blip>
-            <a:stretch>
-              <a:fillRect/>
-            </a:stretch>
-          </p:blipFill>
-          <p:spPr>
-            <a:xfrm>
-              <a:off x="2367780" y="3388147"/>
-              <a:ext cx="184124" cy="119498"/>
-            </a:xfrm>
-            <a:prstGeom prst="rect">
-              <a:avLst/>
-            </a:prstGeom>
-          </p:spPr>
-        </p:pic>
-      </p:grpSp>
-      <p:cxnSp>
-        <p:nvCxnSpPr>
-          <p:cNvPr id="96" name="Straight Arrow Connector 95">
-            <a:extLst>
-              <a:ext uri="{FF2B5EF4-FFF2-40B4-BE49-F238E27FC236}">
-                <a16:creationId xmlns:a16="http://schemas.microsoft.com/office/drawing/2014/main" id="{80F07338-6236-49DC-A9F2-50EFD53835B3}"/>
-              </a:ext>
-            </a:extLst>
-          </p:cNvPr>
-          <p:cNvCxnSpPr>
-            <a:cxnSpLocks/>
-          </p:cNvCxnSpPr>
-          <p:nvPr/>
-        </p:nvCxnSpPr>
-        <p:spPr>
-          <a:xfrm>
-            <a:off x="4114800" y="5314734"/>
-            <a:ext cx="437486" cy="0"/>
-          </a:xfrm>
-          <a:prstGeom prst="straightConnector1">
-            <a:avLst/>
-          </a:prstGeom>
-          <a:ln w="38100">
-            <a:solidFill>
-              <a:schemeClr val="tx1"/>
-            </a:solidFill>
-            <a:tailEnd type="triangle"/>
-          </a:ln>
-        </p:spPr>
-        <p:style>
-          <a:lnRef idx="1">
-            <a:schemeClr val="accent1"/>
-          </a:lnRef>
-          <a:fillRef idx="0">
-            <a:schemeClr val="accent1"/>
-          </a:fillRef>
-          <a:effectRef idx="0">
-            <a:schemeClr val="accent1"/>
-          </a:effectRef>
-          <a:fontRef idx="minor">
-            <a:schemeClr val="tx1"/>
-          </a:fontRef>
-        </p:style>
-      </p:cxnSp>
-      <p:sp>
-        <p:nvSpPr>
-          <p:cNvPr id="114" name="Rectangle 113">
-            <a:extLst>
-              <a:ext uri="{FF2B5EF4-FFF2-40B4-BE49-F238E27FC236}">
-                <a16:creationId xmlns:a16="http://schemas.microsoft.com/office/drawing/2014/main" id="{2A752B6F-DA0C-44EF-BA1A-2579C78D0660}"/>
-              </a:ext>
-            </a:extLst>
-          </p:cNvPr>
-          <p:cNvSpPr/>
-          <p:nvPr/>
-        </p:nvSpPr>
-        <p:spPr>
-          <a:xfrm rot="16200000">
-            <a:off x="5765535" y="5227688"/>
-            <a:ext cx="1556548" cy="174103"/>
-          </a:xfrm>
-          <a:prstGeom prst="rect">
-            <a:avLst/>
-          </a:prstGeom>
-          <a:solidFill>
-            <a:srgbClr val="FF00FF"/>
-          </a:solidFill>
-          <a:ln>
-            <a:noFill/>
-          </a:ln>
-        </p:spPr>
-        <p:style>
-          <a:lnRef idx="2">
-            <a:schemeClr val="accent1">
-              <a:shade val="50000"/>
-            </a:schemeClr>
-          </a:lnRef>
-          <a:fillRef idx="1">
-            <a:schemeClr val="accent1"/>
-          </a:fillRef>
-          <a:effectRef idx="0">
-            <a:schemeClr val="accent1"/>
-          </a:effectRef>
-          <a:fontRef idx="minor">
-            <a:schemeClr val="lt1"/>
-          </a:fontRef>
-        </p:style>
-        <p:txBody>
-          <a:bodyPr rtlCol="0" anchor="ctr"/>
-          <a:lstStyle/>
-          <a:p>
-            <a:pPr algn="ctr"/>
-            <a:r>
-              <a:rPr lang="en-US" sz="1200" dirty="0">
-                <a:solidFill>
-                  <a:schemeClr val="tx1"/>
-                </a:solidFill>
-                <a:latin typeface="DejaVu Sans" panose="020B0603030804020204" pitchFamily="34" charset="0"/>
-                <a:ea typeface="DejaVu Sans" panose="020B0603030804020204" pitchFamily="34" charset="0"/>
-                <a:cs typeface="DejaVu Sans" panose="020B0603030804020204" pitchFamily="34" charset="0"/>
-              </a:rPr>
-              <a:t>Conv</a:t>
-            </a:r>
-          </a:p>
-        </p:txBody>
-      </p:sp>
-      <p:sp>
-        <p:nvSpPr>
-          <p:cNvPr id="115" name="Rectangle 114">
-            <a:extLst>
-              <a:ext uri="{FF2B5EF4-FFF2-40B4-BE49-F238E27FC236}">
-                <a16:creationId xmlns:a16="http://schemas.microsoft.com/office/drawing/2014/main" id="{93511755-4028-4E14-9464-5EE24C6544E0}"/>
-              </a:ext>
-            </a:extLst>
-          </p:cNvPr>
-          <p:cNvSpPr/>
-          <p:nvPr/>
-        </p:nvSpPr>
-        <p:spPr>
-          <a:xfrm rot="16200000">
-            <a:off x="6000274" y="5227688"/>
-            <a:ext cx="1556548" cy="174103"/>
-          </a:xfrm>
-          <a:prstGeom prst="rect">
-            <a:avLst/>
-          </a:prstGeom>
-          <a:solidFill>
-            <a:srgbClr val="00FFFF"/>
-          </a:solidFill>
-          <a:ln>
-            <a:noFill/>
-          </a:ln>
-        </p:spPr>
-        <p:style>
-          <a:lnRef idx="2">
-            <a:schemeClr val="accent1">
-              <a:shade val="50000"/>
-            </a:schemeClr>
-          </a:lnRef>
-          <a:fillRef idx="1">
-            <a:schemeClr val="accent1"/>
-          </a:fillRef>
-          <a:effectRef idx="0">
-            <a:schemeClr val="accent1"/>
-          </a:effectRef>
-          <a:fontRef idx="minor">
-            <a:schemeClr val="lt1"/>
-          </a:fontRef>
-        </p:style>
-        <p:txBody>
-          <a:bodyPr rtlCol="0" anchor="ctr"/>
-          <a:lstStyle/>
-          <a:p>
-            <a:pPr algn="ctr"/>
-            <a:r>
-              <a:rPr lang="en-US" sz="1200" dirty="0">
-                <a:solidFill>
-                  <a:schemeClr val="tx1"/>
-                </a:solidFill>
-                <a:latin typeface="DejaVu Sans" panose="020B0603030804020204" pitchFamily="34" charset="0"/>
-                <a:ea typeface="DejaVu Sans" panose="020B0603030804020204" pitchFamily="34" charset="0"/>
-                <a:cs typeface="DejaVu Sans" panose="020B0603030804020204" pitchFamily="34" charset="0"/>
-              </a:rPr>
-              <a:t>ReLU</a:t>
-            </a:r>
-          </a:p>
-        </p:txBody>
-      </p:sp>
-      <p:cxnSp>
-        <p:nvCxnSpPr>
-          <p:cNvPr id="116" name="Straight Arrow Connector 115">
-            <a:extLst>
-              <a:ext uri="{FF2B5EF4-FFF2-40B4-BE49-F238E27FC236}">
-                <a16:creationId xmlns:a16="http://schemas.microsoft.com/office/drawing/2014/main" id="{C6247EAE-F0CC-4D7E-A937-DBE7273F3983}"/>
-              </a:ext>
-            </a:extLst>
-          </p:cNvPr>
-          <p:cNvCxnSpPr/>
-          <p:nvPr/>
-        </p:nvCxnSpPr>
-        <p:spPr>
-          <a:xfrm flipV="1">
-            <a:off x="6866982" y="5314736"/>
-            <a:ext cx="158276" cy="1"/>
-          </a:xfrm>
-          <a:prstGeom prst="straightConnector1">
-            <a:avLst/>
-          </a:prstGeom>
-          <a:ln w="38100">
-            <a:solidFill>
-              <a:schemeClr val="tx1"/>
-            </a:solidFill>
-            <a:tailEnd type="triangle"/>
-          </a:ln>
-        </p:spPr>
-        <p:style>
-          <a:lnRef idx="1">
-            <a:schemeClr val="accent1"/>
-          </a:lnRef>
-          <a:fillRef idx="0">
-            <a:schemeClr val="accent1"/>
-          </a:fillRef>
-          <a:effectRef idx="0">
-            <a:schemeClr val="accent1"/>
-          </a:effectRef>
-          <a:fontRef idx="minor">
-            <a:schemeClr val="tx1"/>
-          </a:fontRef>
-        </p:style>
-      </p:cxnSp>
-      <p:pic>
-        <p:nvPicPr>
-          <p:cNvPr id="30" name="Picture 29" descr="\documentclass{article}&#10;\usepackage{amsmath, amssymb, amsthm}&#10;\usepackage{xcolor}&#10;\pagestyle{empty}&#10;\begin{document}&#10;\setlength\parindent{0pt}&#10;&#10;\newcommand{\argmin}{\operatornamewithlimits{argmin}}&#10;\newcommand{\argmax}{\operatornamewithlimits{argmax}}&#10;\newcommand{\rtwo}{\mathbb{R}^2}&#10;\newcommand{\rone}{\mathbb{R}}&#10;\newcommand{\ex}{\mathbb{E}}&#10;\newcommand{\normal}{\mathcal{N}}&#10;\newcommand{\vor}{\mathcal{V}}&#10;\newcommand{\st}{\mid}&#10;\newcommand{\set}[1]{\left\{#1\right\}}&#10;\newcommand{\norm}[1]{\left\lVert #1\right\rVert}&#10;\newcommand{\rt}{\rightarrow}&#10;&#10;$f_2$&#10;&#10;\end{document}" title="IguanaTex Bitmap Display">
-            <a:extLst>
-              <a:ext uri="{FF2B5EF4-FFF2-40B4-BE49-F238E27FC236}">
-                <a16:creationId xmlns:a16="http://schemas.microsoft.com/office/drawing/2014/main" id="{9F29E535-2899-468F-81F7-CFF7EDEF75AB}"/>
-              </a:ext>
-            </a:extLst>
-          </p:cNvPr>
-          <p:cNvPicPr>
-            <a:picLocks noChangeAspect="1"/>
-          </p:cNvPicPr>
-          <p:nvPr>
-            <p:custDataLst>
-              <p:tags r:id="rId2"/>
-            </p:custDataLst>
-          </p:nvPr>
-        </p:nvPicPr>
-        <p:blipFill>
-          <a:blip r:embed="rId10">
-            <a:extLst>
-              <a:ext uri="{28A0092B-C50C-407E-A947-70E740481C1C}">
-                <a14:useLocalDpi xmlns:a14="http://schemas.microsoft.com/office/drawing/2010/main" val="0"/>
-              </a:ext>
-            </a:extLst>
-          </a:blip>
-          <a:stretch>
-            <a:fillRect/>
-          </a:stretch>
-        </p:blipFill>
-        <p:spPr>
-          <a:xfrm>
-            <a:off x="6449139" y="6180717"/>
-            <a:ext cx="159737" cy="184126"/>
-          </a:xfrm>
-          <a:prstGeom prst="rect">
-            <a:avLst/>
-          </a:prstGeom>
-        </p:spPr>
-      </p:pic>
-      <p:grpSp>
-        <p:nvGrpSpPr>
-          <p:cNvPr id="28" name="Group 27">
-            <a:extLst>
-              <a:ext uri="{FF2B5EF4-FFF2-40B4-BE49-F238E27FC236}">
-                <a16:creationId xmlns:a16="http://schemas.microsoft.com/office/drawing/2014/main" id="{6328D95D-582F-4CF4-B2D1-EFE63B5C4CE4}"/>
-              </a:ext>
-            </a:extLst>
-          </p:cNvPr>
-          <p:cNvGrpSpPr/>
-          <p:nvPr/>
-        </p:nvGrpSpPr>
-        <p:grpSpPr>
-          <a:xfrm>
-            <a:off x="6898723" y="5166703"/>
-            <a:ext cx="1045595" cy="461665"/>
-            <a:chOff x="3850721" y="3109301"/>
-            <a:chExt cx="1045595" cy="461665"/>
-          </a:xfrm>
-        </p:grpSpPr>
-        <p:sp>
-          <p:nvSpPr>
-            <p:cNvPr id="122" name="TextBox 121">
-              <a:extLst>
-                <a:ext uri="{FF2B5EF4-FFF2-40B4-BE49-F238E27FC236}">
-                  <a16:creationId xmlns:a16="http://schemas.microsoft.com/office/drawing/2014/main" id="{58747814-97F8-4D84-B5C6-5B74BD17C881}"/>
+                  <a16:creationId xmlns:a16="http://schemas.microsoft.com/office/drawing/2014/main" id="{CA992ADF-AD51-41DC-A030-39D26C54EAE5}"/>
                 </a:ext>
               </a:extLst>
             </p:cNvPr>
@@ -4388,7 +4025,7 @@
           </p:nvSpPr>
           <p:spPr>
             <a:xfrm>
-              <a:off x="3850721" y="3109301"/>
+              <a:off x="11224412" y="1204211"/>
               <a:ext cx="1045595" cy="461665"/>
             </a:xfrm>
             <a:prstGeom prst="rect">
@@ -4409,7 +4046,7 @@
                   <a:ea typeface="DejaVu Sans" panose="020B0603030804020204" pitchFamily="34" charset="0"/>
                   <a:cs typeface="DejaVu Sans" panose="020B0603030804020204" pitchFamily="34" charset="0"/>
                 </a:rPr>
-                <a:t>Tensor</a:t>
+                <a:t>SR Patch</a:t>
               </a:r>
             </a:p>
             <a:p>
@@ -4420,17 +4057,17 @@
                   <a:ea typeface="DejaVu Sans" panose="020B0603030804020204" pitchFamily="34" charset="0"/>
                   <a:cs typeface="DejaVu Sans" panose="020B0603030804020204" pitchFamily="34" charset="0"/>
                 </a:rPr>
-                <a:t>    x64x64</a:t>
+                <a:t>2x64x64</a:t>
               </a:r>
             </a:p>
           </p:txBody>
         </p:sp>
         <p:pic>
           <p:nvPicPr>
-            <p:cNvPr id="27" name="Picture 26" descr="\documentclass{article}&#10;\usepackage{amsmath, amssymb, amsthm}&#10;\usepackage{xcolor}&#10;\pagestyle{empty}&#10;\begin{document}&#10;\setlength\parindent{0pt}&#10;&#10;\newcommand{\argmin}{\operatornamewithlimits{argmin}}&#10;\newcommand{\argmax}{\operatornamewithlimits{argmax}}&#10;\newcommand{\rtwo}{\mathbb{R}^2}&#10;\newcommand{\rone}{\mathbb{R}}&#10;\newcommand{\ex}{\mathbb{E}}&#10;\newcommand{\normal}{\mathcal{N}}&#10;\newcommand{\vor}{\mathcal{V}}&#10;\newcommand{\st}{\mid}&#10;\newcommand{\set}[1]{\left\{#1\right\}}&#10;\newcommand{\norm}[1]{\left\lVert #1\right\rVert}&#10;\newcommand{\rt}{\rightarrow}&#10;&#10;$n_2$&#10;&#10;\end{document}" title="IguanaTex Bitmap Display">
+            <p:cNvPr id="34" name="Picture 33" descr="\documentclass{article}&#10;\usepackage{amsmath, amssymb, amsthm}&#10;\usepackage{xcolor}&#10;\pagestyle{empty}&#10;\begin{document}&#10;\setlength\parindent{0pt}&#10;&#10;\newcommand{\argmin}{\operatornamewithlimits{argmin}}&#10;\newcommand{\argmax}{\operatornamewithlimits{argmax}}&#10;\newcommand{\rtwo}{\mathbb{R}^2}&#10;\newcommand{\rone}{\mathbb{R}}&#10;\newcommand{\ex}{\mathbb{E}}&#10;\newcommand{\normal}{\mathcal{N}}&#10;\newcommand{\vor}{\mathcal{V}}&#10;\newcommand{\st}{\mid}&#10;\newcommand{\set}[1]{\left\{#1\right\}}&#10;\newcommand{\norm}[1]{\left\lVert #1\right\rVert}&#10;\newcommand{\rt}{\rightarrow}&#10;&#10;$f_1$&#10;&#10;\end{document}" title="IguanaTex Bitmap Display">
               <a:extLst>
                 <a:ext uri="{FF2B5EF4-FFF2-40B4-BE49-F238E27FC236}">
-                  <a16:creationId xmlns:a16="http://schemas.microsoft.com/office/drawing/2014/main" id="{FE2D2FD0-3A3E-4512-8D99-938D80FBD946}"/>
+                  <a16:creationId xmlns:a16="http://schemas.microsoft.com/office/drawing/2014/main" id="{8D04F080-AA3C-4A7B-A396-97D02636A08D}"/>
                 </a:ext>
               </a:extLst>
             </p:cNvPr>
@@ -4439,12 +4076,12 @@
             </p:cNvPicPr>
             <p:nvPr>
               <p:custDataLst>
-                <p:tags r:id="rId4"/>
+                <p:tags r:id="rId1"/>
               </p:custDataLst>
             </p:nvPr>
           </p:nvPicPr>
           <p:blipFill>
-            <a:blip r:embed="rId11">
+            <a:blip r:embed="rId8">
               <a:extLst>
                 <a:ext uri="{28A0092B-C50C-407E-A947-70E740481C1C}">
                   <a14:useLocalDpi xmlns:a14="http://schemas.microsoft.com/office/drawing/2010/main" val="0"/>
@@ -4457,309 +4094,783 @@
           </p:blipFill>
           <p:spPr>
             <a:xfrm>
-              <a:off x="3966249" y="3388147"/>
-              <a:ext cx="187782" cy="119498"/>
+              <a:off x="7025507" y="2218226"/>
+              <a:ext cx="154860" cy="184126"/>
             </a:xfrm>
             <a:prstGeom prst="rect">
               <a:avLst/>
             </a:prstGeom>
           </p:spPr>
         </p:pic>
+        <p:grpSp>
+          <p:nvGrpSpPr>
+            <p:cNvPr id="35" name="Group 34">
+              <a:extLst>
+                <a:ext uri="{FF2B5EF4-FFF2-40B4-BE49-F238E27FC236}">
+                  <a16:creationId xmlns:a16="http://schemas.microsoft.com/office/drawing/2014/main" id="{401607FC-9EB9-4E8B-A910-C35AFC510EAC}"/>
+                </a:ext>
+              </a:extLst>
+            </p:cNvPr>
+            <p:cNvGrpSpPr/>
+            <p:nvPr/>
+          </p:nvGrpSpPr>
+          <p:grpSpPr>
+            <a:xfrm>
+              <a:off x="7475092" y="1204211"/>
+              <a:ext cx="1045595" cy="461665"/>
+              <a:chOff x="2252252" y="3109301"/>
+              <a:chExt cx="1045595" cy="461665"/>
+            </a:xfrm>
+          </p:grpSpPr>
+          <p:sp>
+            <p:nvSpPr>
+              <p:cNvPr id="51" name="TextBox 50">
+                <a:extLst>
+                  <a:ext uri="{FF2B5EF4-FFF2-40B4-BE49-F238E27FC236}">
+                    <a16:creationId xmlns:a16="http://schemas.microsoft.com/office/drawing/2014/main" id="{ABF004D7-7DB3-4FCB-AC76-92AEB341DA40}"/>
+                  </a:ext>
+                </a:extLst>
+              </p:cNvPr>
+              <p:cNvSpPr txBox="1"/>
+              <p:nvPr/>
+            </p:nvSpPr>
+            <p:spPr>
+              <a:xfrm>
+                <a:off x="2252252" y="3109301"/>
+                <a:ext cx="1045595" cy="461665"/>
+              </a:xfrm>
+              <a:prstGeom prst="rect">
+                <a:avLst/>
+              </a:prstGeom>
+              <a:noFill/>
+            </p:spPr>
+            <p:txBody>
+              <a:bodyPr wrap="square" rtlCol="0">
+                <a:spAutoFit/>
+              </a:bodyPr>
+              <a:lstStyle/>
+              <a:p>
+                <a:pPr algn="ctr"/>
+                <a:r>
+                  <a:rPr lang="en-US" sz="1200" dirty="0">
+                    <a:latin typeface="DejaVu Sans" panose="020B0603030804020204" pitchFamily="34" charset="0"/>
+                    <a:ea typeface="DejaVu Sans" panose="020B0603030804020204" pitchFamily="34" charset="0"/>
+                    <a:cs typeface="DejaVu Sans" panose="020B0603030804020204" pitchFamily="34" charset="0"/>
+                  </a:rPr>
+                  <a:t>Tensor</a:t>
+                </a:r>
+              </a:p>
+              <a:p>
+                <a:pPr algn="ctr"/>
+                <a:r>
+                  <a:rPr lang="en-US" sz="1200" dirty="0">
+                    <a:latin typeface="DejaVu Sans" panose="020B0603030804020204" pitchFamily="34" charset="0"/>
+                    <a:ea typeface="DejaVu Sans" panose="020B0603030804020204" pitchFamily="34" charset="0"/>
+                    <a:cs typeface="DejaVu Sans" panose="020B0603030804020204" pitchFamily="34" charset="0"/>
+                  </a:rPr>
+                  <a:t>    x64x64</a:t>
+                </a:r>
+              </a:p>
+            </p:txBody>
+          </p:sp>
+          <p:pic>
+            <p:nvPicPr>
+              <p:cNvPr id="52" name="Picture 51" descr="\documentclass{article}&#10;\usepackage{amsmath, amssymb, amsthm}&#10;\usepackage{xcolor}&#10;\pagestyle{empty}&#10;\begin{document}&#10;\setlength\parindent{0pt}&#10;&#10;\newcommand{\argmin}{\operatornamewithlimits{argmin}}&#10;\newcommand{\argmax}{\operatornamewithlimits{argmax}}&#10;\newcommand{\rtwo}{\mathbb{R}^2}&#10;\newcommand{\rone}{\mathbb{R}}&#10;\newcommand{\ex}{\mathbb{E}}&#10;\newcommand{\normal}{\mathcal{N}}&#10;\newcommand{\vor}{\mathcal{V}}&#10;\newcommand{\st}{\mid}&#10;\newcommand{\set}[1]{\left\{#1\right\}}&#10;\newcommand{\norm}[1]{\left\lVert #1\right\rVert}&#10;\newcommand{\rt}{\rightarrow}&#10;&#10;$n_1$&#10;&#10;\end{document}" title="IguanaTex Bitmap Display">
+                <a:extLst>
+                  <a:ext uri="{FF2B5EF4-FFF2-40B4-BE49-F238E27FC236}">
+                    <a16:creationId xmlns:a16="http://schemas.microsoft.com/office/drawing/2014/main" id="{91394D9E-90D6-432E-90A1-10B00282F600}"/>
+                  </a:ext>
+                </a:extLst>
+              </p:cNvPr>
+              <p:cNvPicPr>
+                <a:picLocks noChangeAspect="1"/>
+              </p:cNvPicPr>
+              <p:nvPr>
+                <p:custDataLst>
+                  <p:tags r:id="rId5"/>
+                </p:custDataLst>
+              </p:nvPr>
+            </p:nvPicPr>
+            <p:blipFill>
+              <a:blip r:embed="rId9">
+                <a:extLst>
+                  <a:ext uri="{28A0092B-C50C-407E-A947-70E740481C1C}">
+                    <a14:useLocalDpi xmlns:a14="http://schemas.microsoft.com/office/drawing/2010/main" val="0"/>
+                  </a:ext>
+                </a:extLst>
+              </a:blip>
+              <a:stretch>
+                <a:fillRect/>
+              </a:stretch>
+            </p:blipFill>
+            <p:spPr>
+              <a:xfrm>
+                <a:off x="2367780" y="3388147"/>
+                <a:ext cx="184124" cy="119498"/>
+              </a:xfrm>
+              <a:prstGeom prst="rect">
+                <a:avLst/>
+              </a:prstGeom>
+            </p:spPr>
+          </p:pic>
+        </p:grpSp>
+        <p:cxnSp>
+          <p:nvCxnSpPr>
+            <p:cNvPr id="36" name="Straight Arrow Connector 35">
+              <a:extLst>
+                <a:ext uri="{FF2B5EF4-FFF2-40B4-BE49-F238E27FC236}">
+                  <a16:creationId xmlns:a16="http://schemas.microsoft.com/office/drawing/2014/main" id="{0DC44377-584C-4005-A9E1-ADAD7111A149}"/>
+                </a:ext>
+              </a:extLst>
+            </p:cNvPr>
+            <p:cNvCxnSpPr>
+              <a:cxnSpLocks/>
+            </p:cNvCxnSpPr>
+            <p:nvPr/>
+          </p:nvCxnSpPr>
+          <p:spPr>
+            <a:xfrm>
+              <a:off x="6541098" y="1352243"/>
+              <a:ext cx="437486" cy="0"/>
+            </a:xfrm>
+            <a:prstGeom prst="straightConnector1">
+              <a:avLst/>
+            </a:prstGeom>
+            <a:ln w="38100">
+              <a:solidFill>
+                <a:schemeClr val="tx1"/>
+              </a:solidFill>
+              <a:tailEnd type="triangle"/>
+            </a:ln>
+          </p:spPr>
+          <p:style>
+            <a:lnRef idx="1">
+              <a:schemeClr val="accent1"/>
+            </a:lnRef>
+            <a:fillRef idx="0">
+              <a:schemeClr val="accent1"/>
+            </a:fillRef>
+            <a:effectRef idx="0">
+              <a:schemeClr val="accent1"/>
+            </a:effectRef>
+            <a:fontRef idx="minor">
+              <a:schemeClr val="tx1"/>
+            </a:fontRef>
+          </p:style>
+        </p:cxnSp>
+        <p:sp>
+          <p:nvSpPr>
+            <p:cNvPr id="38" name="Rectangle 37">
+              <a:extLst>
+                <a:ext uri="{FF2B5EF4-FFF2-40B4-BE49-F238E27FC236}">
+                  <a16:creationId xmlns:a16="http://schemas.microsoft.com/office/drawing/2014/main" id="{94146D8E-5CF0-49E1-82AC-1A07B804A5B4}"/>
+                </a:ext>
+              </a:extLst>
+            </p:cNvPr>
+            <p:cNvSpPr/>
+            <p:nvPr/>
+          </p:nvSpPr>
+          <p:spPr>
+            <a:xfrm rot="16200000">
+              <a:off x="8191833" y="1265196"/>
+              <a:ext cx="1556548" cy="174103"/>
+            </a:xfrm>
+            <a:prstGeom prst="rect">
+              <a:avLst/>
+            </a:prstGeom>
+            <a:solidFill>
+              <a:srgbClr val="FF00FF"/>
+            </a:solidFill>
+            <a:ln>
+              <a:noFill/>
+            </a:ln>
+          </p:spPr>
+          <p:style>
+            <a:lnRef idx="2">
+              <a:schemeClr val="accent1">
+                <a:shade val="50000"/>
+              </a:schemeClr>
+            </a:lnRef>
+            <a:fillRef idx="1">
+              <a:schemeClr val="accent1"/>
+            </a:fillRef>
+            <a:effectRef idx="0">
+              <a:schemeClr val="accent1"/>
+            </a:effectRef>
+            <a:fontRef idx="minor">
+              <a:schemeClr val="lt1"/>
+            </a:fontRef>
+          </p:style>
+          <p:txBody>
+            <a:bodyPr rtlCol="0" anchor="ctr"/>
+            <a:lstStyle/>
+            <a:p>
+              <a:pPr algn="ctr"/>
+              <a:r>
+                <a:rPr lang="en-US" sz="1200" dirty="0">
+                  <a:solidFill>
+                    <a:schemeClr val="tx1"/>
+                  </a:solidFill>
+                  <a:latin typeface="DejaVu Sans" panose="020B0603030804020204" pitchFamily="34" charset="0"/>
+                  <a:ea typeface="DejaVu Sans" panose="020B0603030804020204" pitchFamily="34" charset="0"/>
+                  <a:cs typeface="DejaVu Sans" panose="020B0603030804020204" pitchFamily="34" charset="0"/>
+                </a:rPr>
+                <a:t>Conv</a:t>
+              </a:r>
+            </a:p>
+          </p:txBody>
+        </p:sp>
+        <p:sp>
+          <p:nvSpPr>
+            <p:cNvPr id="39" name="Rectangle 38">
+              <a:extLst>
+                <a:ext uri="{FF2B5EF4-FFF2-40B4-BE49-F238E27FC236}">
+                  <a16:creationId xmlns:a16="http://schemas.microsoft.com/office/drawing/2014/main" id="{EBC17404-4E11-42C0-8A50-51B9C32D54D2}"/>
+                </a:ext>
+              </a:extLst>
+            </p:cNvPr>
+            <p:cNvSpPr/>
+            <p:nvPr/>
+          </p:nvSpPr>
+          <p:spPr>
+            <a:xfrm rot="16200000">
+              <a:off x="8426572" y="1265196"/>
+              <a:ext cx="1556548" cy="174103"/>
+            </a:xfrm>
+            <a:prstGeom prst="rect">
+              <a:avLst/>
+            </a:prstGeom>
+            <a:solidFill>
+              <a:srgbClr val="00FFFF"/>
+            </a:solidFill>
+            <a:ln>
+              <a:noFill/>
+            </a:ln>
+          </p:spPr>
+          <p:style>
+            <a:lnRef idx="2">
+              <a:schemeClr val="accent1">
+                <a:shade val="50000"/>
+              </a:schemeClr>
+            </a:lnRef>
+            <a:fillRef idx="1">
+              <a:schemeClr val="accent1"/>
+            </a:fillRef>
+            <a:effectRef idx="0">
+              <a:schemeClr val="accent1"/>
+            </a:effectRef>
+            <a:fontRef idx="minor">
+              <a:schemeClr val="lt1"/>
+            </a:fontRef>
+          </p:style>
+          <p:txBody>
+            <a:bodyPr rtlCol="0" anchor="ctr"/>
+            <a:lstStyle/>
+            <a:p>
+              <a:pPr algn="ctr"/>
+              <a:r>
+                <a:rPr lang="en-US" sz="1200" dirty="0">
+                  <a:solidFill>
+                    <a:schemeClr val="tx1"/>
+                  </a:solidFill>
+                  <a:latin typeface="DejaVu Sans" panose="020B0603030804020204" pitchFamily="34" charset="0"/>
+                  <a:ea typeface="DejaVu Sans" panose="020B0603030804020204" pitchFamily="34" charset="0"/>
+                  <a:cs typeface="DejaVu Sans" panose="020B0603030804020204" pitchFamily="34" charset="0"/>
+                </a:rPr>
+                <a:t>ReLU</a:t>
+              </a:r>
+            </a:p>
+          </p:txBody>
+        </p:sp>
+        <p:cxnSp>
+          <p:nvCxnSpPr>
+            <p:cNvPr id="40" name="Straight Arrow Connector 39">
+              <a:extLst>
+                <a:ext uri="{FF2B5EF4-FFF2-40B4-BE49-F238E27FC236}">
+                  <a16:creationId xmlns:a16="http://schemas.microsoft.com/office/drawing/2014/main" id="{B2136C93-E8AB-4F0D-B2D3-18C0121F894E}"/>
+                </a:ext>
+              </a:extLst>
+            </p:cNvPr>
+            <p:cNvCxnSpPr/>
+            <p:nvPr/>
+          </p:nvCxnSpPr>
+          <p:spPr>
+            <a:xfrm flipV="1">
+              <a:off x="9293280" y="1352244"/>
+              <a:ext cx="158276" cy="1"/>
+            </a:xfrm>
+            <a:prstGeom prst="straightConnector1">
+              <a:avLst/>
+            </a:prstGeom>
+            <a:ln w="38100">
+              <a:solidFill>
+                <a:schemeClr val="tx1"/>
+              </a:solidFill>
+              <a:tailEnd type="triangle"/>
+            </a:ln>
+          </p:spPr>
+          <p:style>
+            <a:lnRef idx="1">
+              <a:schemeClr val="accent1"/>
+            </a:lnRef>
+            <a:fillRef idx="0">
+              <a:schemeClr val="accent1"/>
+            </a:fillRef>
+            <a:effectRef idx="0">
+              <a:schemeClr val="accent1"/>
+            </a:effectRef>
+            <a:fontRef idx="minor">
+              <a:schemeClr val="tx1"/>
+            </a:fontRef>
+          </p:style>
+        </p:cxnSp>
+        <p:pic>
+          <p:nvPicPr>
+            <p:cNvPr id="41" name="Picture 40" descr="\documentclass{article}&#10;\usepackage{amsmath, amssymb, amsthm}&#10;\usepackage{xcolor}&#10;\pagestyle{empty}&#10;\begin{document}&#10;\setlength\parindent{0pt}&#10;&#10;\newcommand{\argmin}{\operatornamewithlimits{argmin}}&#10;\newcommand{\argmax}{\operatornamewithlimits{argmax}}&#10;\newcommand{\rtwo}{\mathbb{R}^2}&#10;\newcommand{\rone}{\mathbb{R}}&#10;\newcommand{\ex}{\mathbb{E}}&#10;\newcommand{\normal}{\mathcal{N}}&#10;\newcommand{\vor}{\mathcal{V}}&#10;\newcommand{\st}{\mid}&#10;\newcommand{\set}[1]{\left\{#1\right\}}&#10;\newcommand{\norm}[1]{\left\lVert #1\right\rVert}&#10;\newcommand{\rt}{\rightarrow}&#10;&#10;$f_2$&#10;&#10;\end{document}" title="IguanaTex Bitmap Display">
+              <a:extLst>
+                <a:ext uri="{FF2B5EF4-FFF2-40B4-BE49-F238E27FC236}">
+                  <a16:creationId xmlns:a16="http://schemas.microsoft.com/office/drawing/2014/main" id="{EF5BBC75-BC04-4B3C-91A3-07470BE4454C}"/>
+                </a:ext>
+              </a:extLst>
+            </p:cNvPr>
+            <p:cNvPicPr>
+              <a:picLocks noChangeAspect="1"/>
+            </p:cNvPicPr>
+            <p:nvPr>
+              <p:custDataLst>
+                <p:tags r:id="rId2"/>
+              </p:custDataLst>
+            </p:nvPr>
+          </p:nvPicPr>
+          <p:blipFill>
+            <a:blip r:embed="rId10">
+              <a:extLst>
+                <a:ext uri="{28A0092B-C50C-407E-A947-70E740481C1C}">
+                  <a14:useLocalDpi xmlns:a14="http://schemas.microsoft.com/office/drawing/2010/main" val="0"/>
+                </a:ext>
+              </a:extLst>
+            </a:blip>
+            <a:stretch>
+              <a:fillRect/>
+            </a:stretch>
+          </p:blipFill>
+          <p:spPr>
+            <a:xfrm>
+              <a:off x="8875436" y="2218226"/>
+              <a:ext cx="159737" cy="184126"/>
+            </a:xfrm>
+            <a:prstGeom prst="rect">
+              <a:avLst/>
+            </a:prstGeom>
+          </p:spPr>
+        </p:pic>
+        <p:grpSp>
+          <p:nvGrpSpPr>
+            <p:cNvPr id="42" name="Group 41">
+              <a:extLst>
+                <a:ext uri="{FF2B5EF4-FFF2-40B4-BE49-F238E27FC236}">
+                  <a16:creationId xmlns:a16="http://schemas.microsoft.com/office/drawing/2014/main" id="{6D18B2A4-BCDC-43DD-A5ED-4657AE666112}"/>
+                </a:ext>
+              </a:extLst>
+            </p:cNvPr>
+            <p:cNvGrpSpPr/>
+            <p:nvPr/>
+          </p:nvGrpSpPr>
+          <p:grpSpPr>
+            <a:xfrm>
+              <a:off x="9325020" y="1204211"/>
+              <a:ext cx="1045595" cy="461665"/>
+              <a:chOff x="3850721" y="3109301"/>
+              <a:chExt cx="1045595" cy="461665"/>
+            </a:xfrm>
+          </p:grpSpPr>
+          <p:sp>
+            <p:nvSpPr>
+              <p:cNvPr id="49" name="TextBox 48">
+                <a:extLst>
+                  <a:ext uri="{FF2B5EF4-FFF2-40B4-BE49-F238E27FC236}">
+                    <a16:creationId xmlns:a16="http://schemas.microsoft.com/office/drawing/2014/main" id="{93F0B4AA-A581-4026-A436-437D6CA2033E}"/>
+                  </a:ext>
+                </a:extLst>
+              </p:cNvPr>
+              <p:cNvSpPr txBox="1"/>
+              <p:nvPr/>
+            </p:nvSpPr>
+            <p:spPr>
+              <a:xfrm>
+                <a:off x="3850721" y="3109301"/>
+                <a:ext cx="1045595" cy="461665"/>
+              </a:xfrm>
+              <a:prstGeom prst="rect">
+                <a:avLst/>
+              </a:prstGeom>
+              <a:noFill/>
+            </p:spPr>
+            <p:txBody>
+              <a:bodyPr wrap="square" rtlCol="0">
+                <a:spAutoFit/>
+              </a:bodyPr>
+              <a:lstStyle/>
+              <a:p>
+                <a:pPr algn="ctr"/>
+                <a:r>
+                  <a:rPr lang="en-US" sz="1200" dirty="0">
+                    <a:latin typeface="DejaVu Sans" panose="020B0603030804020204" pitchFamily="34" charset="0"/>
+                    <a:ea typeface="DejaVu Sans" panose="020B0603030804020204" pitchFamily="34" charset="0"/>
+                    <a:cs typeface="DejaVu Sans" panose="020B0603030804020204" pitchFamily="34" charset="0"/>
+                  </a:rPr>
+                  <a:t>Tensor</a:t>
+                </a:r>
+              </a:p>
+              <a:p>
+                <a:pPr algn="ctr"/>
+                <a:r>
+                  <a:rPr lang="en-US" sz="1200" dirty="0">
+                    <a:latin typeface="DejaVu Sans" panose="020B0603030804020204" pitchFamily="34" charset="0"/>
+                    <a:ea typeface="DejaVu Sans" panose="020B0603030804020204" pitchFamily="34" charset="0"/>
+                    <a:cs typeface="DejaVu Sans" panose="020B0603030804020204" pitchFamily="34" charset="0"/>
+                  </a:rPr>
+                  <a:t>    x64x64</a:t>
+                </a:r>
+              </a:p>
+            </p:txBody>
+          </p:sp>
+          <p:pic>
+            <p:nvPicPr>
+              <p:cNvPr id="50" name="Picture 49" descr="\documentclass{article}&#10;\usepackage{amsmath, amssymb, amsthm}&#10;\usepackage{xcolor}&#10;\pagestyle{empty}&#10;\begin{document}&#10;\setlength\parindent{0pt}&#10;&#10;\newcommand{\argmin}{\operatornamewithlimits{argmin}}&#10;\newcommand{\argmax}{\operatornamewithlimits{argmax}}&#10;\newcommand{\rtwo}{\mathbb{R}^2}&#10;\newcommand{\rone}{\mathbb{R}}&#10;\newcommand{\ex}{\mathbb{E}}&#10;\newcommand{\normal}{\mathcal{N}}&#10;\newcommand{\vor}{\mathcal{V}}&#10;\newcommand{\st}{\mid}&#10;\newcommand{\set}[1]{\left\{#1\right\}}&#10;\newcommand{\norm}[1]{\left\lVert #1\right\rVert}&#10;\newcommand{\rt}{\rightarrow}&#10;&#10;$n_2$&#10;&#10;\end{document}" title="IguanaTex Bitmap Display">
+                <a:extLst>
+                  <a:ext uri="{FF2B5EF4-FFF2-40B4-BE49-F238E27FC236}">
+                    <a16:creationId xmlns:a16="http://schemas.microsoft.com/office/drawing/2014/main" id="{B4DA27B5-D2E5-4037-BE3A-FA088EE19A82}"/>
+                  </a:ext>
+                </a:extLst>
+              </p:cNvPr>
+              <p:cNvPicPr>
+                <a:picLocks noChangeAspect="1"/>
+              </p:cNvPicPr>
+              <p:nvPr>
+                <p:custDataLst>
+                  <p:tags r:id="rId4"/>
+                </p:custDataLst>
+              </p:nvPr>
+            </p:nvPicPr>
+            <p:blipFill>
+              <a:blip r:embed="rId11">
+                <a:extLst>
+                  <a:ext uri="{28A0092B-C50C-407E-A947-70E740481C1C}">
+                    <a14:useLocalDpi xmlns:a14="http://schemas.microsoft.com/office/drawing/2010/main" val="0"/>
+                  </a:ext>
+                </a:extLst>
+              </a:blip>
+              <a:stretch>
+                <a:fillRect/>
+              </a:stretch>
+            </p:blipFill>
+            <p:spPr>
+              <a:xfrm>
+                <a:off x="3966249" y="3388147"/>
+                <a:ext cx="187782" cy="119498"/>
+              </a:xfrm>
+              <a:prstGeom prst="rect">
+                <a:avLst/>
+              </a:prstGeom>
+            </p:spPr>
+          </p:pic>
+        </p:grpSp>
+        <p:cxnSp>
+          <p:nvCxnSpPr>
+            <p:cNvPr id="43" name="Straight Arrow Connector 42">
+              <a:extLst>
+                <a:ext uri="{FF2B5EF4-FFF2-40B4-BE49-F238E27FC236}">
+                  <a16:creationId xmlns:a16="http://schemas.microsoft.com/office/drawing/2014/main" id="{1D978C0B-2E50-4106-9DC4-3DFA8B543D49}"/>
+                </a:ext>
+              </a:extLst>
+            </p:cNvPr>
+            <p:cNvCxnSpPr>
+              <a:cxnSpLocks/>
+            </p:cNvCxnSpPr>
+            <p:nvPr/>
+          </p:nvCxnSpPr>
+          <p:spPr>
+            <a:xfrm>
+              <a:off x="8391026" y="1352243"/>
+              <a:ext cx="437486" cy="0"/>
+            </a:xfrm>
+            <a:prstGeom prst="straightConnector1">
+              <a:avLst/>
+            </a:prstGeom>
+            <a:ln w="38100">
+              <a:solidFill>
+                <a:schemeClr val="tx1"/>
+              </a:solidFill>
+              <a:tailEnd type="triangle"/>
+            </a:ln>
+          </p:spPr>
+          <p:style>
+            <a:lnRef idx="1">
+              <a:schemeClr val="accent1"/>
+            </a:lnRef>
+            <a:fillRef idx="0">
+              <a:schemeClr val="accent1"/>
+            </a:fillRef>
+            <a:effectRef idx="0">
+              <a:schemeClr val="accent1"/>
+            </a:effectRef>
+            <a:fontRef idx="minor">
+              <a:schemeClr val="tx1"/>
+            </a:fontRef>
+          </p:style>
+        </p:cxnSp>
+        <p:sp>
+          <p:nvSpPr>
+            <p:cNvPr id="44" name="Rectangle 43">
+              <a:extLst>
+                <a:ext uri="{FF2B5EF4-FFF2-40B4-BE49-F238E27FC236}">
+                  <a16:creationId xmlns:a16="http://schemas.microsoft.com/office/drawing/2014/main" id="{0CE1686F-C92E-4325-9682-66C06AEC61AD}"/>
+                </a:ext>
+              </a:extLst>
+            </p:cNvPr>
+            <p:cNvSpPr/>
+            <p:nvPr/>
+          </p:nvSpPr>
+          <p:spPr>
+            <a:xfrm rot="16200000">
+              <a:off x="10043826" y="1265197"/>
+              <a:ext cx="1556548" cy="174103"/>
+            </a:xfrm>
+            <a:prstGeom prst="rect">
+              <a:avLst/>
+            </a:prstGeom>
+            <a:solidFill>
+              <a:srgbClr val="FF00FF"/>
+            </a:solidFill>
+            <a:ln>
+              <a:noFill/>
+            </a:ln>
+          </p:spPr>
+          <p:style>
+            <a:lnRef idx="2">
+              <a:schemeClr val="accent1">
+                <a:shade val="50000"/>
+              </a:schemeClr>
+            </a:lnRef>
+            <a:fillRef idx="1">
+              <a:schemeClr val="accent1"/>
+            </a:fillRef>
+            <a:effectRef idx="0">
+              <a:schemeClr val="accent1"/>
+            </a:effectRef>
+            <a:fontRef idx="minor">
+              <a:schemeClr val="lt1"/>
+            </a:fontRef>
+          </p:style>
+          <p:txBody>
+            <a:bodyPr rtlCol="0" anchor="ctr"/>
+            <a:lstStyle/>
+            <a:p>
+              <a:pPr algn="ctr"/>
+              <a:r>
+                <a:rPr lang="en-US" sz="1200" dirty="0">
+                  <a:solidFill>
+                    <a:schemeClr val="tx1"/>
+                  </a:solidFill>
+                  <a:latin typeface="DejaVu Sans" panose="020B0603030804020204" pitchFamily="34" charset="0"/>
+                  <a:ea typeface="DejaVu Sans" panose="020B0603030804020204" pitchFamily="34" charset="0"/>
+                  <a:cs typeface="DejaVu Sans" panose="020B0603030804020204" pitchFamily="34" charset="0"/>
+                </a:rPr>
+                <a:t>Conv</a:t>
+              </a:r>
+            </a:p>
+          </p:txBody>
+        </p:sp>
+        <p:sp>
+          <p:nvSpPr>
+            <p:cNvPr id="45" name="Rectangle 44">
+              <a:extLst>
+                <a:ext uri="{FF2B5EF4-FFF2-40B4-BE49-F238E27FC236}">
+                  <a16:creationId xmlns:a16="http://schemas.microsoft.com/office/drawing/2014/main" id="{D4FF67F4-31BF-4614-8829-1C33012436D3}"/>
+                </a:ext>
+              </a:extLst>
+            </p:cNvPr>
+            <p:cNvSpPr/>
+            <p:nvPr/>
+          </p:nvSpPr>
+          <p:spPr>
+            <a:xfrm rot="16200000">
+              <a:off x="10278565" y="1265197"/>
+              <a:ext cx="1556548" cy="174103"/>
+            </a:xfrm>
+            <a:prstGeom prst="rect">
+              <a:avLst/>
+            </a:prstGeom>
+            <a:solidFill>
+              <a:srgbClr val="00FFFF"/>
+            </a:solidFill>
+            <a:ln>
+              <a:noFill/>
+            </a:ln>
+          </p:spPr>
+          <p:style>
+            <a:lnRef idx="2">
+              <a:schemeClr val="accent1">
+                <a:shade val="50000"/>
+              </a:schemeClr>
+            </a:lnRef>
+            <a:fillRef idx="1">
+              <a:schemeClr val="accent1"/>
+            </a:fillRef>
+            <a:effectRef idx="0">
+              <a:schemeClr val="accent1"/>
+            </a:effectRef>
+            <a:fontRef idx="minor">
+              <a:schemeClr val="lt1"/>
+            </a:fontRef>
+          </p:style>
+          <p:txBody>
+            <a:bodyPr rtlCol="0" anchor="ctr"/>
+            <a:lstStyle/>
+            <a:p>
+              <a:pPr algn="ctr"/>
+              <a:r>
+                <a:rPr lang="en-US" sz="1200" dirty="0">
+                  <a:solidFill>
+                    <a:schemeClr val="tx1"/>
+                  </a:solidFill>
+                  <a:latin typeface="DejaVu Sans" panose="020B0603030804020204" pitchFamily="34" charset="0"/>
+                  <a:ea typeface="DejaVu Sans" panose="020B0603030804020204" pitchFamily="34" charset="0"/>
+                  <a:cs typeface="DejaVu Sans" panose="020B0603030804020204" pitchFamily="34" charset="0"/>
+                </a:rPr>
+                <a:t>ReLU</a:t>
+              </a:r>
+            </a:p>
+          </p:txBody>
+        </p:sp>
+        <p:cxnSp>
+          <p:nvCxnSpPr>
+            <p:cNvPr id="46" name="Straight Arrow Connector 45">
+              <a:extLst>
+                <a:ext uri="{FF2B5EF4-FFF2-40B4-BE49-F238E27FC236}">
+                  <a16:creationId xmlns:a16="http://schemas.microsoft.com/office/drawing/2014/main" id="{446B9DD0-246E-4DE1-93B8-899D88561E30}"/>
+                </a:ext>
+              </a:extLst>
+            </p:cNvPr>
+            <p:cNvCxnSpPr/>
+            <p:nvPr/>
+          </p:nvCxnSpPr>
+          <p:spPr>
+            <a:xfrm flipV="1">
+              <a:off x="11145273" y="1352245"/>
+              <a:ext cx="158276" cy="1"/>
+            </a:xfrm>
+            <a:prstGeom prst="straightConnector1">
+              <a:avLst/>
+            </a:prstGeom>
+            <a:ln w="38100">
+              <a:solidFill>
+                <a:schemeClr val="tx1"/>
+              </a:solidFill>
+              <a:tailEnd type="triangle"/>
+            </a:ln>
+          </p:spPr>
+          <p:style>
+            <a:lnRef idx="1">
+              <a:schemeClr val="accent1"/>
+            </a:lnRef>
+            <a:fillRef idx="0">
+              <a:schemeClr val="accent1"/>
+            </a:fillRef>
+            <a:effectRef idx="0">
+              <a:schemeClr val="accent1"/>
+            </a:effectRef>
+            <a:fontRef idx="minor">
+              <a:schemeClr val="tx1"/>
+            </a:fontRef>
+          </p:style>
+        </p:cxnSp>
+        <p:pic>
+          <p:nvPicPr>
+            <p:cNvPr id="47" name="Picture 46" descr="\documentclass{article}&#10;\usepackage{amsmath, amssymb, amsthm}&#10;\usepackage{xcolor}&#10;\pagestyle{empty}&#10;\begin{document}&#10;\setlength\parindent{0pt}&#10;&#10;\newcommand{\argmin}{\operatornamewithlimits{argmin}}&#10;\newcommand{\argmax}{\operatornamewithlimits{argmax}}&#10;\newcommand{\rtwo}{\mathbb{R}^2}&#10;\newcommand{\rone}{\mathbb{R}}&#10;\newcommand{\ex}{\mathbb{E}}&#10;\newcommand{\normal}{\mathcal{N}}&#10;\newcommand{\vor}{\mathcal{V}}&#10;\newcommand{\st}{\mid}&#10;\newcommand{\set}[1]{\left\{#1\right\}}&#10;\newcommand{\norm}[1]{\left\lVert #1\right\rVert}&#10;\newcommand{\rt}{\rightarrow}&#10;&#10;$f_3$&#10;&#10;\end{document}" title="IguanaTex Bitmap Display">
+              <a:extLst>
+                <a:ext uri="{FF2B5EF4-FFF2-40B4-BE49-F238E27FC236}">
+                  <a16:creationId xmlns:a16="http://schemas.microsoft.com/office/drawing/2014/main" id="{F84DF747-05FF-4357-B415-6D94641D2E04}"/>
+                </a:ext>
+              </a:extLst>
+            </p:cNvPr>
+            <p:cNvPicPr>
+              <a:picLocks noChangeAspect="1"/>
+            </p:cNvPicPr>
+            <p:nvPr>
+              <p:custDataLst>
+                <p:tags r:id="rId3"/>
+              </p:custDataLst>
+            </p:nvPr>
+          </p:nvPicPr>
+          <p:blipFill>
+            <a:blip r:embed="rId12">
+              <a:extLst>
+                <a:ext uri="{28A0092B-C50C-407E-A947-70E740481C1C}">
+                  <a14:useLocalDpi xmlns:a14="http://schemas.microsoft.com/office/drawing/2010/main" val="0"/>
+                </a:ext>
+              </a:extLst>
+            </a:blip>
+            <a:stretch>
+              <a:fillRect/>
+            </a:stretch>
+          </p:blipFill>
+          <p:spPr>
+            <a:xfrm>
+              <a:off x="10727428" y="2218227"/>
+              <a:ext cx="160956" cy="184126"/>
+            </a:xfrm>
+            <a:prstGeom prst="rect">
+              <a:avLst/>
+            </a:prstGeom>
+          </p:spPr>
+        </p:pic>
+        <p:cxnSp>
+          <p:nvCxnSpPr>
+            <p:cNvPr id="48" name="Straight Arrow Connector 47">
+              <a:extLst>
+                <a:ext uri="{FF2B5EF4-FFF2-40B4-BE49-F238E27FC236}">
+                  <a16:creationId xmlns:a16="http://schemas.microsoft.com/office/drawing/2014/main" id="{D10BCA59-6EFC-4945-8BDC-D42CD43BCE9B}"/>
+                </a:ext>
+              </a:extLst>
+            </p:cNvPr>
+            <p:cNvCxnSpPr>
+              <a:cxnSpLocks/>
+            </p:cNvCxnSpPr>
+            <p:nvPr/>
+          </p:nvCxnSpPr>
+          <p:spPr>
+            <a:xfrm>
+              <a:off x="10243019" y="1352244"/>
+              <a:ext cx="437486" cy="0"/>
+            </a:xfrm>
+            <a:prstGeom prst="straightConnector1">
+              <a:avLst/>
+            </a:prstGeom>
+            <a:ln w="38100">
+              <a:solidFill>
+                <a:schemeClr val="tx1"/>
+              </a:solidFill>
+              <a:tailEnd type="triangle"/>
+            </a:ln>
+          </p:spPr>
+          <p:style>
+            <a:lnRef idx="1">
+              <a:schemeClr val="accent1"/>
+            </a:lnRef>
+            <a:fillRef idx="0">
+              <a:schemeClr val="accent1"/>
+            </a:fillRef>
+            <a:effectRef idx="0">
+              <a:schemeClr val="accent1"/>
+            </a:effectRef>
+            <a:fontRef idx="minor">
+              <a:schemeClr val="tx1"/>
+            </a:fontRef>
+          </p:style>
+        </p:cxnSp>
       </p:grpSp>
-      <p:cxnSp>
-        <p:nvCxnSpPr>
-          <p:cNvPr id="124" name="Straight Arrow Connector 123">
-            <a:extLst>
-              <a:ext uri="{FF2B5EF4-FFF2-40B4-BE49-F238E27FC236}">
-                <a16:creationId xmlns:a16="http://schemas.microsoft.com/office/drawing/2014/main" id="{D78763B6-DE02-4116-ACC6-A4E2D4CEEFBC}"/>
-              </a:ext>
-            </a:extLst>
-          </p:cNvPr>
-          <p:cNvCxnSpPr>
-            <a:cxnSpLocks/>
-          </p:cNvCxnSpPr>
-          <p:nvPr/>
-        </p:nvCxnSpPr>
-        <p:spPr>
-          <a:xfrm>
-            <a:off x="5964728" y="5314734"/>
-            <a:ext cx="437486" cy="0"/>
-          </a:xfrm>
-          <a:prstGeom prst="straightConnector1">
-            <a:avLst/>
-          </a:prstGeom>
-          <a:ln w="38100">
-            <a:solidFill>
-              <a:schemeClr val="tx1"/>
-            </a:solidFill>
-            <a:tailEnd type="triangle"/>
-          </a:ln>
-        </p:spPr>
-        <p:style>
-          <a:lnRef idx="1">
-            <a:schemeClr val="accent1"/>
-          </a:lnRef>
-          <a:fillRef idx="0">
-            <a:schemeClr val="accent1"/>
-          </a:fillRef>
-          <a:effectRef idx="0">
-            <a:schemeClr val="accent1"/>
-          </a:effectRef>
-          <a:fontRef idx="minor">
-            <a:schemeClr val="tx1"/>
-          </a:fontRef>
-        </p:style>
-      </p:cxnSp>
-      <p:sp>
-        <p:nvSpPr>
-          <p:cNvPr id="126" name="Rectangle 125">
-            <a:extLst>
-              <a:ext uri="{FF2B5EF4-FFF2-40B4-BE49-F238E27FC236}">
-                <a16:creationId xmlns:a16="http://schemas.microsoft.com/office/drawing/2014/main" id="{E2944C84-1AFC-48CB-8002-FE6EBAAEDFC8}"/>
-              </a:ext>
-            </a:extLst>
-          </p:cNvPr>
-          <p:cNvSpPr/>
-          <p:nvPr/>
-        </p:nvSpPr>
-        <p:spPr>
-          <a:xfrm rot="16200000">
-            <a:off x="7617528" y="5227689"/>
-            <a:ext cx="1556548" cy="174103"/>
-          </a:xfrm>
-          <a:prstGeom prst="rect">
-            <a:avLst/>
-          </a:prstGeom>
-          <a:solidFill>
-            <a:srgbClr val="FF00FF"/>
-          </a:solidFill>
-          <a:ln>
-            <a:noFill/>
-          </a:ln>
-        </p:spPr>
-        <p:style>
-          <a:lnRef idx="2">
-            <a:schemeClr val="accent1">
-              <a:shade val="50000"/>
-            </a:schemeClr>
-          </a:lnRef>
-          <a:fillRef idx="1">
-            <a:schemeClr val="accent1"/>
-          </a:fillRef>
-          <a:effectRef idx="0">
-            <a:schemeClr val="accent1"/>
-          </a:effectRef>
-          <a:fontRef idx="minor">
-            <a:schemeClr val="lt1"/>
-          </a:fontRef>
-        </p:style>
-        <p:txBody>
-          <a:bodyPr rtlCol="0" anchor="ctr"/>
-          <a:lstStyle/>
-          <a:p>
-            <a:pPr algn="ctr"/>
-            <a:r>
-              <a:rPr lang="en-US" sz="1200" dirty="0">
-                <a:solidFill>
-                  <a:schemeClr val="tx1"/>
-                </a:solidFill>
-                <a:latin typeface="DejaVu Sans" panose="020B0603030804020204" pitchFamily="34" charset="0"/>
-                <a:ea typeface="DejaVu Sans" panose="020B0603030804020204" pitchFamily="34" charset="0"/>
-                <a:cs typeface="DejaVu Sans" panose="020B0603030804020204" pitchFamily="34" charset="0"/>
-              </a:rPr>
-              <a:t>Conv</a:t>
-            </a:r>
-          </a:p>
-        </p:txBody>
-      </p:sp>
-      <p:sp>
-        <p:nvSpPr>
-          <p:cNvPr id="127" name="Rectangle 126">
-            <a:extLst>
-              <a:ext uri="{FF2B5EF4-FFF2-40B4-BE49-F238E27FC236}">
-                <a16:creationId xmlns:a16="http://schemas.microsoft.com/office/drawing/2014/main" id="{936DE46F-A9A8-4F0E-93E1-5289BD710883}"/>
-              </a:ext>
-            </a:extLst>
-          </p:cNvPr>
-          <p:cNvSpPr/>
-          <p:nvPr/>
-        </p:nvSpPr>
-        <p:spPr>
-          <a:xfrm rot="16200000">
-            <a:off x="7852267" y="5227689"/>
-            <a:ext cx="1556548" cy="174103"/>
-          </a:xfrm>
-          <a:prstGeom prst="rect">
-            <a:avLst/>
-          </a:prstGeom>
-          <a:solidFill>
-            <a:srgbClr val="00FFFF"/>
-          </a:solidFill>
-          <a:ln>
-            <a:noFill/>
-          </a:ln>
-        </p:spPr>
-        <p:style>
-          <a:lnRef idx="2">
-            <a:schemeClr val="accent1">
-              <a:shade val="50000"/>
-            </a:schemeClr>
-          </a:lnRef>
-          <a:fillRef idx="1">
-            <a:schemeClr val="accent1"/>
-          </a:fillRef>
-          <a:effectRef idx="0">
-            <a:schemeClr val="accent1"/>
-          </a:effectRef>
-          <a:fontRef idx="minor">
-            <a:schemeClr val="lt1"/>
-          </a:fontRef>
-        </p:style>
-        <p:txBody>
-          <a:bodyPr rtlCol="0" anchor="ctr"/>
-          <a:lstStyle/>
-          <a:p>
-            <a:pPr algn="ctr"/>
-            <a:r>
-              <a:rPr lang="en-US" sz="1200" dirty="0">
-                <a:solidFill>
-                  <a:schemeClr val="tx1"/>
-                </a:solidFill>
-                <a:latin typeface="DejaVu Sans" panose="020B0603030804020204" pitchFamily="34" charset="0"/>
-                <a:ea typeface="DejaVu Sans" panose="020B0603030804020204" pitchFamily="34" charset="0"/>
-                <a:cs typeface="DejaVu Sans" panose="020B0603030804020204" pitchFamily="34" charset="0"/>
-              </a:rPr>
-              <a:t>ReLU</a:t>
-            </a:r>
-          </a:p>
-        </p:txBody>
-      </p:sp>
-      <p:cxnSp>
-        <p:nvCxnSpPr>
-          <p:cNvPr id="128" name="Straight Arrow Connector 127">
-            <a:extLst>
-              <a:ext uri="{FF2B5EF4-FFF2-40B4-BE49-F238E27FC236}">
-                <a16:creationId xmlns:a16="http://schemas.microsoft.com/office/drawing/2014/main" id="{7ED56B24-4308-4AB4-A46D-C24FC939C765}"/>
-              </a:ext>
-            </a:extLst>
-          </p:cNvPr>
-          <p:cNvCxnSpPr/>
-          <p:nvPr/>
-        </p:nvCxnSpPr>
-        <p:spPr>
-          <a:xfrm flipV="1">
-            <a:off x="8718975" y="5314737"/>
-            <a:ext cx="158276" cy="1"/>
-          </a:xfrm>
-          <a:prstGeom prst="straightConnector1">
-            <a:avLst/>
-          </a:prstGeom>
-          <a:ln w="38100">
-            <a:solidFill>
-              <a:schemeClr val="tx1"/>
-            </a:solidFill>
-            <a:tailEnd type="triangle"/>
-          </a:ln>
-        </p:spPr>
-        <p:style>
-          <a:lnRef idx="1">
-            <a:schemeClr val="accent1"/>
-          </a:lnRef>
-          <a:fillRef idx="0">
-            <a:schemeClr val="accent1"/>
-          </a:fillRef>
-          <a:effectRef idx="0">
-            <a:schemeClr val="accent1"/>
-          </a:effectRef>
-          <a:fontRef idx="minor">
-            <a:schemeClr val="tx1"/>
-          </a:fontRef>
-        </p:style>
-      </p:cxnSp>
-      <p:pic>
-        <p:nvPicPr>
-          <p:cNvPr id="37" name="Picture 36" descr="\documentclass{article}&#10;\usepackage{amsmath, amssymb, amsthm}&#10;\usepackage{xcolor}&#10;\pagestyle{empty}&#10;\begin{document}&#10;\setlength\parindent{0pt}&#10;&#10;\newcommand{\argmin}{\operatornamewithlimits{argmin}}&#10;\newcommand{\argmax}{\operatornamewithlimits{argmax}}&#10;\newcommand{\rtwo}{\mathbb{R}^2}&#10;\newcommand{\rone}{\mathbb{R}}&#10;\newcommand{\ex}{\mathbb{E}}&#10;\newcommand{\normal}{\mathcal{N}}&#10;\newcommand{\vor}{\mathcal{V}}&#10;\newcommand{\st}{\mid}&#10;\newcommand{\set}[1]{\left\{#1\right\}}&#10;\newcommand{\norm}[1]{\left\lVert #1\right\rVert}&#10;\newcommand{\rt}{\rightarrow}&#10;&#10;$f_3$&#10;&#10;\end{document}" title="IguanaTex Bitmap Display">
-            <a:extLst>
-              <a:ext uri="{FF2B5EF4-FFF2-40B4-BE49-F238E27FC236}">
-                <a16:creationId xmlns:a16="http://schemas.microsoft.com/office/drawing/2014/main" id="{825BEC8D-B80E-4F81-A5D0-CD9B3A3C0601}"/>
-              </a:ext>
-            </a:extLst>
-          </p:cNvPr>
-          <p:cNvPicPr>
-            <a:picLocks noChangeAspect="1"/>
-          </p:cNvPicPr>
-          <p:nvPr>
-            <p:custDataLst>
-              <p:tags r:id="rId3"/>
-            </p:custDataLst>
-          </p:nvPr>
-        </p:nvPicPr>
-        <p:blipFill>
-          <a:blip r:embed="rId12">
-            <a:extLst>
-              <a:ext uri="{28A0092B-C50C-407E-A947-70E740481C1C}">
-                <a14:useLocalDpi xmlns:a14="http://schemas.microsoft.com/office/drawing/2010/main" val="0"/>
-              </a:ext>
-            </a:extLst>
-          </a:blip>
-          <a:stretch>
-            <a:fillRect/>
-          </a:stretch>
-        </p:blipFill>
-        <p:spPr>
-          <a:xfrm>
-            <a:off x="8301130" y="6180718"/>
-            <a:ext cx="160956" cy="184126"/>
-          </a:xfrm>
-          <a:prstGeom prst="rect">
-            <a:avLst/>
-          </a:prstGeom>
-        </p:spPr>
-      </p:pic>
-      <p:cxnSp>
-        <p:nvCxnSpPr>
-          <p:cNvPr id="133" name="Straight Arrow Connector 132">
-            <a:extLst>
-              <a:ext uri="{FF2B5EF4-FFF2-40B4-BE49-F238E27FC236}">
-                <a16:creationId xmlns:a16="http://schemas.microsoft.com/office/drawing/2014/main" id="{F6024463-46D0-4BBF-BB57-BCACA5FF48DC}"/>
-              </a:ext>
-            </a:extLst>
-          </p:cNvPr>
-          <p:cNvCxnSpPr>
-            <a:cxnSpLocks/>
-          </p:cNvCxnSpPr>
-          <p:nvPr/>
-        </p:nvCxnSpPr>
-        <p:spPr>
-          <a:xfrm>
-            <a:off x="7816721" y="5314735"/>
-            <a:ext cx="437486" cy="0"/>
-          </a:xfrm>
-          <a:prstGeom prst="straightConnector1">
-            <a:avLst/>
-          </a:prstGeom>
-          <a:ln w="38100">
-            <a:solidFill>
-              <a:schemeClr val="tx1"/>
-            </a:solidFill>
-            <a:tailEnd type="triangle"/>
-          </a:ln>
-        </p:spPr>
-        <p:style>
-          <a:lnRef idx="1">
-            <a:schemeClr val="accent1"/>
-          </a:lnRef>
-          <a:fillRef idx="0">
-            <a:schemeClr val="accent1"/>
-          </a:fillRef>
-          <a:effectRef idx="0">
-            <a:schemeClr val="accent1"/>
-          </a:effectRef>
-          <a:fontRef idx="minor">
-            <a:schemeClr val="tx1"/>
-          </a:fontRef>
-        </p:style>
-      </p:cxnSp>
     </p:spTree>
     <p:extLst>
       <p:ext uri="{BB962C8B-B14F-4D97-AF65-F5344CB8AC3E}">
@@ -6196,6 +6307,46 @@
           </a:fontRef>
         </p:style>
       </p:cxnSp>
+      <p:sp>
+        <p:nvSpPr>
+          <p:cNvPr id="2" name="TextBox 1">
+            <a:extLst>
+              <a:ext uri="{FF2B5EF4-FFF2-40B4-BE49-F238E27FC236}">
+                <a16:creationId xmlns:a16="http://schemas.microsoft.com/office/drawing/2014/main" id="{AF12595A-FBA1-4F1E-8AAC-54C931CD1F7A}"/>
+              </a:ext>
+            </a:extLst>
+          </p:cNvPr>
+          <p:cNvSpPr txBox="1"/>
+          <p:nvPr/>
+        </p:nvSpPr>
+        <p:spPr>
+          <a:xfrm>
+            <a:off x="4952794" y="4405031"/>
+            <a:ext cx="4143164" cy="2062103"/>
+          </a:xfrm>
+          <a:prstGeom prst="rect">
+            <a:avLst/>
+          </a:prstGeom>
+          <a:noFill/>
+        </p:spPr>
+        <p:txBody>
+          <a:bodyPr wrap="square" rtlCol="0">
+            <a:spAutoFit/>
+          </a:bodyPr>
+          <a:lstStyle/>
+          <a:p>
+            <a:pPr algn="ctr"/>
+            <a:r>
+              <a:rPr lang="en-US" sz="12800" dirty="0">
+                <a:latin typeface="DejaVu Sans" panose="020B0603030804020204" pitchFamily="34" charset="0"/>
+                <a:ea typeface="DejaVu Sans" panose="020B0603030804020204" pitchFamily="34" charset="0"/>
+                <a:cs typeface="DejaVu Sans" panose="020B0603030804020204" pitchFamily="34" charset="0"/>
+              </a:rPr>
+              <a:t>OLD</a:t>
+            </a:r>
+          </a:p>
+        </p:txBody>
+      </p:sp>
     </p:spTree>
     <p:extLst>
       <p:ext uri="{BB962C8B-B14F-4D97-AF65-F5344CB8AC3E}">
@@ -6226,12 +6377,1376 @@
           <a:chExt cx="0" cy="0"/>
         </a:xfrm>
       </p:grpSpPr>
+      <p:grpSp>
+        <p:nvGrpSpPr>
+          <p:cNvPr id="38" name="Group 37">
+            <a:extLst>
+              <a:ext uri="{FF2B5EF4-FFF2-40B4-BE49-F238E27FC236}">
+                <a16:creationId xmlns:a16="http://schemas.microsoft.com/office/drawing/2014/main" id="{7250A2F8-5CCF-4021-89DD-C06ADF337410}"/>
+              </a:ext>
+            </a:extLst>
+          </p:cNvPr>
+          <p:cNvGrpSpPr/>
+          <p:nvPr/>
+        </p:nvGrpSpPr>
+        <p:grpSpPr>
+          <a:xfrm>
+            <a:off x="2647704" y="3799325"/>
+            <a:ext cx="6805547" cy="2641141"/>
+            <a:chOff x="2647704" y="3799325"/>
+            <a:chExt cx="6805547" cy="2641141"/>
+          </a:xfrm>
+        </p:grpSpPr>
+        <p:sp>
+          <p:nvSpPr>
+            <p:cNvPr id="39" name="Rectangle 38">
+              <a:extLst>
+                <a:ext uri="{FF2B5EF4-FFF2-40B4-BE49-F238E27FC236}">
+                  <a16:creationId xmlns:a16="http://schemas.microsoft.com/office/drawing/2014/main" id="{00C87F42-5A6F-4C41-9AAD-314E201D874B}"/>
+                </a:ext>
+              </a:extLst>
+            </p:cNvPr>
+            <p:cNvSpPr/>
+            <p:nvPr/>
+          </p:nvSpPr>
+          <p:spPr>
+            <a:xfrm rot="16200000">
+              <a:off x="3416201" y="4970174"/>
+              <a:ext cx="1556548" cy="174103"/>
+            </a:xfrm>
+            <a:prstGeom prst="rect">
+              <a:avLst/>
+            </a:prstGeom>
+            <a:solidFill>
+              <a:srgbClr val="FF00FF"/>
+            </a:solidFill>
+            <a:ln>
+              <a:noFill/>
+            </a:ln>
+          </p:spPr>
+          <p:style>
+            <a:lnRef idx="2">
+              <a:schemeClr val="accent1">
+                <a:shade val="50000"/>
+              </a:schemeClr>
+            </a:lnRef>
+            <a:fillRef idx="1">
+              <a:schemeClr val="accent1"/>
+            </a:fillRef>
+            <a:effectRef idx="0">
+              <a:schemeClr val="accent1"/>
+            </a:effectRef>
+            <a:fontRef idx="minor">
+              <a:schemeClr val="lt1"/>
+            </a:fontRef>
+          </p:style>
+          <p:txBody>
+            <a:bodyPr rtlCol="0" anchor="ctr"/>
+            <a:lstStyle/>
+            <a:p>
+              <a:pPr algn="ctr"/>
+              <a:r>
+                <a:rPr lang="en-US" sz="1200" dirty="0">
+                  <a:solidFill>
+                    <a:schemeClr val="tx1"/>
+                  </a:solidFill>
+                  <a:latin typeface="DejaVu Sans" panose="020B0603030804020204" pitchFamily="34" charset="0"/>
+                  <a:ea typeface="DejaVu Sans" panose="020B0603030804020204" pitchFamily="34" charset="0"/>
+                  <a:cs typeface="DejaVu Sans" panose="020B0603030804020204" pitchFamily="34" charset="0"/>
+                </a:rPr>
+                <a:t>Conv</a:t>
+              </a:r>
+            </a:p>
+          </p:txBody>
+        </p:sp>
+        <p:sp>
+          <p:nvSpPr>
+            <p:cNvPr id="40" name="Rectangle 39">
+              <a:extLst>
+                <a:ext uri="{FF2B5EF4-FFF2-40B4-BE49-F238E27FC236}">
+                  <a16:creationId xmlns:a16="http://schemas.microsoft.com/office/drawing/2014/main" id="{CAA8A4AD-0F49-409B-A949-DB60AAC43DDF}"/>
+                </a:ext>
+              </a:extLst>
+            </p:cNvPr>
+            <p:cNvSpPr/>
+            <p:nvPr/>
+          </p:nvSpPr>
+          <p:spPr>
+            <a:xfrm rot="16200000">
+              <a:off x="3650940" y="4970174"/>
+              <a:ext cx="1556548" cy="174103"/>
+            </a:xfrm>
+            <a:prstGeom prst="rect">
+              <a:avLst/>
+            </a:prstGeom>
+            <a:solidFill>
+              <a:srgbClr val="00FFFF"/>
+            </a:solidFill>
+            <a:ln>
+              <a:noFill/>
+            </a:ln>
+          </p:spPr>
+          <p:style>
+            <a:lnRef idx="2">
+              <a:schemeClr val="accent1">
+                <a:shade val="50000"/>
+              </a:schemeClr>
+            </a:lnRef>
+            <a:fillRef idx="1">
+              <a:schemeClr val="accent1"/>
+            </a:fillRef>
+            <a:effectRef idx="0">
+              <a:schemeClr val="accent1"/>
+            </a:effectRef>
+            <a:fontRef idx="minor">
+              <a:schemeClr val="lt1"/>
+            </a:fontRef>
+          </p:style>
+          <p:txBody>
+            <a:bodyPr rtlCol="0" anchor="ctr"/>
+            <a:lstStyle/>
+            <a:p>
+              <a:pPr algn="ctr"/>
+              <a:r>
+                <a:rPr lang="en-US" sz="1200" dirty="0">
+                  <a:solidFill>
+                    <a:schemeClr val="tx1"/>
+                  </a:solidFill>
+                  <a:latin typeface="DejaVu Sans" panose="020B0603030804020204" pitchFamily="34" charset="0"/>
+                  <a:ea typeface="DejaVu Sans" panose="020B0603030804020204" pitchFamily="34" charset="0"/>
+                  <a:cs typeface="DejaVu Sans" panose="020B0603030804020204" pitchFamily="34" charset="0"/>
+                </a:rPr>
+                <a:t>ReLU</a:t>
+              </a:r>
+            </a:p>
+          </p:txBody>
+        </p:sp>
+        <p:cxnSp>
+          <p:nvCxnSpPr>
+            <p:cNvPr id="41" name="Straight Arrow Connector 40">
+              <a:extLst>
+                <a:ext uri="{FF2B5EF4-FFF2-40B4-BE49-F238E27FC236}">
+                  <a16:creationId xmlns:a16="http://schemas.microsoft.com/office/drawing/2014/main" id="{BB441B38-4E9E-41EE-8E3C-5388F2F6855C}"/>
+                </a:ext>
+              </a:extLst>
+            </p:cNvPr>
+            <p:cNvCxnSpPr>
+              <a:cxnSpLocks/>
+            </p:cNvCxnSpPr>
+            <p:nvPr/>
+          </p:nvCxnSpPr>
+          <p:spPr>
+            <a:xfrm>
+              <a:off x="5426017" y="5057220"/>
+              <a:ext cx="437486" cy="0"/>
+            </a:xfrm>
+            <a:prstGeom prst="straightConnector1">
+              <a:avLst/>
+            </a:prstGeom>
+            <a:ln w="38100">
+              <a:solidFill>
+                <a:schemeClr val="tx1"/>
+              </a:solidFill>
+              <a:tailEnd type="triangle"/>
+            </a:ln>
+          </p:spPr>
+          <p:style>
+            <a:lnRef idx="1">
+              <a:schemeClr val="accent1"/>
+            </a:lnRef>
+            <a:fillRef idx="0">
+              <a:schemeClr val="accent1"/>
+            </a:fillRef>
+            <a:effectRef idx="0">
+              <a:schemeClr val="accent1"/>
+            </a:effectRef>
+            <a:fontRef idx="minor">
+              <a:schemeClr val="tx1"/>
+            </a:fontRef>
+          </p:style>
+        </p:cxnSp>
+        <p:sp>
+          <p:nvSpPr>
+            <p:cNvPr id="42" name="TextBox 41">
+              <a:extLst>
+                <a:ext uri="{FF2B5EF4-FFF2-40B4-BE49-F238E27FC236}">
+                  <a16:creationId xmlns:a16="http://schemas.microsoft.com/office/drawing/2014/main" id="{6E9CC3AA-5A03-476C-971D-0EFBDE20B0AA}"/>
+                </a:ext>
+              </a:extLst>
+            </p:cNvPr>
+            <p:cNvSpPr txBox="1"/>
+            <p:nvPr/>
+          </p:nvSpPr>
+          <p:spPr>
+            <a:xfrm>
+              <a:off x="2647704" y="4909189"/>
+              <a:ext cx="1045595" cy="461665"/>
+            </a:xfrm>
+            <a:prstGeom prst="rect">
+              <a:avLst/>
+            </a:prstGeom>
+            <a:noFill/>
+          </p:spPr>
+          <p:txBody>
+            <a:bodyPr wrap="square" rtlCol="0">
+              <a:spAutoFit/>
+            </a:bodyPr>
+            <a:lstStyle/>
+            <a:p>
+              <a:pPr algn="ctr"/>
+              <a:r>
+                <a:rPr lang="en-US" sz="1200" dirty="0">
+                  <a:latin typeface="DejaVu Sans" panose="020B0603030804020204" pitchFamily="34" charset="0"/>
+                  <a:ea typeface="DejaVu Sans" panose="020B0603030804020204" pitchFamily="34" charset="0"/>
+                  <a:cs typeface="DejaVu Sans" panose="020B0603030804020204" pitchFamily="34" charset="0"/>
+                </a:rPr>
+                <a:t>LR Patch</a:t>
+              </a:r>
+            </a:p>
+            <a:p>
+              <a:pPr algn="ctr"/>
+              <a:r>
+                <a:rPr lang="en-US" sz="1200" dirty="0">
+                  <a:latin typeface="DejaVu Sans" panose="020B0603030804020204" pitchFamily="34" charset="0"/>
+                  <a:ea typeface="DejaVu Sans" panose="020B0603030804020204" pitchFamily="34" charset="0"/>
+                  <a:cs typeface="DejaVu Sans" panose="020B0603030804020204" pitchFamily="34" charset="0"/>
+                </a:rPr>
+                <a:t>2x64x64</a:t>
+              </a:r>
+            </a:p>
+          </p:txBody>
+        </p:sp>
+        <p:sp>
+          <p:nvSpPr>
+            <p:cNvPr id="43" name="Rectangle 42">
+              <a:extLst>
+                <a:ext uri="{FF2B5EF4-FFF2-40B4-BE49-F238E27FC236}">
+                  <a16:creationId xmlns:a16="http://schemas.microsoft.com/office/drawing/2014/main" id="{F7EA7BC9-6F70-4D89-BD42-7885DD156603}"/>
+                </a:ext>
+              </a:extLst>
+            </p:cNvPr>
+            <p:cNvSpPr/>
+            <p:nvPr/>
+          </p:nvSpPr>
+          <p:spPr>
+            <a:xfrm rot="16200000">
+              <a:off x="5248103" y="4970171"/>
+              <a:ext cx="1556548" cy="174103"/>
+            </a:xfrm>
+            <a:prstGeom prst="rect">
+              <a:avLst/>
+            </a:prstGeom>
+            <a:solidFill>
+              <a:srgbClr val="FF00FF"/>
+            </a:solidFill>
+            <a:ln>
+              <a:noFill/>
+            </a:ln>
+          </p:spPr>
+          <p:style>
+            <a:lnRef idx="2">
+              <a:schemeClr val="accent1">
+                <a:shade val="50000"/>
+              </a:schemeClr>
+            </a:lnRef>
+            <a:fillRef idx="1">
+              <a:schemeClr val="accent1"/>
+            </a:fillRef>
+            <a:effectRef idx="0">
+              <a:schemeClr val="accent1"/>
+            </a:effectRef>
+            <a:fontRef idx="minor">
+              <a:schemeClr val="lt1"/>
+            </a:fontRef>
+          </p:style>
+          <p:txBody>
+            <a:bodyPr rtlCol="0" anchor="ctr"/>
+            <a:lstStyle/>
+            <a:p>
+              <a:pPr algn="ctr"/>
+              <a:r>
+                <a:rPr lang="en-US" sz="1200" dirty="0">
+                  <a:solidFill>
+                    <a:schemeClr val="tx1"/>
+                  </a:solidFill>
+                  <a:latin typeface="DejaVu Sans" panose="020B0603030804020204" pitchFamily="34" charset="0"/>
+                  <a:ea typeface="DejaVu Sans" panose="020B0603030804020204" pitchFamily="34" charset="0"/>
+                  <a:cs typeface="DejaVu Sans" panose="020B0603030804020204" pitchFamily="34" charset="0"/>
+                </a:rPr>
+                <a:t>Conv</a:t>
+              </a:r>
+            </a:p>
+          </p:txBody>
+        </p:sp>
+        <p:sp>
+          <p:nvSpPr>
+            <p:cNvPr id="44" name="Rectangle 43">
+              <a:extLst>
+                <a:ext uri="{FF2B5EF4-FFF2-40B4-BE49-F238E27FC236}">
+                  <a16:creationId xmlns:a16="http://schemas.microsoft.com/office/drawing/2014/main" id="{7475FED7-375E-40CB-B2AA-3617A7E4348E}"/>
+                </a:ext>
+              </a:extLst>
+            </p:cNvPr>
+            <p:cNvSpPr/>
+            <p:nvPr/>
+          </p:nvSpPr>
+          <p:spPr>
+            <a:xfrm rot="16200000">
+              <a:off x="5482842" y="4970171"/>
+              <a:ext cx="1556548" cy="174103"/>
+            </a:xfrm>
+            <a:prstGeom prst="rect">
+              <a:avLst/>
+            </a:prstGeom>
+            <a:solidFill>
+              <a:srgbClr val="FFFF00"/>
+            </a:solidFill>
+            <a:ln>
+              <a:noFill/>
+            </a:ln>
+          </p:spPr>
+          <p:style>
+            <a:lnRef idx="2">
+              <a:schemeClr val="accent1">
+                <a:shade val="50000"/>
+              </a:schemeClr>
+            </a:lnRef>
+            <a:fillRef idx="1">
+              <a:schemeClr val="accent1"/>
+            </a:fillRef>
+            <a:effectRef idx="0">
+              <a:schemeClr val="accent1"/>
+            </a:effectRef>
+            <a:fontRef idx="minor">
+              <a:schemeClr val="lt1"/>
+            </a:fontRef>
+          </p:style>
+          <p:txBody>
+            <a:bodyPr rtlCol="0" anchor="ctr"/>
+            <a:lstStyle/>
+            <a:p>
+              <a:pPr algn="ctr"/>
+              <a:r>
+                <a:rPr lang="en-US" sz="1200" dirty="0">
+                  <a:solidFill>
+                    <a:schemeClr val="tx1"/>
+                  </a:solidFill>
+                  <a:latin typeface="DejaVu Sans" panose="020B0603030804020204" pitchFamily="34" charset="0"/>
+                  <a:ea typeface="DejaVu Sans" panose="020B0603030804020204" pitchFamily="34" charset="0"/>
+                  <a:cs typeface="DejaVu Sans" panose="020B0603030804020204" pitchFamily="34" charset="0"/>
+                </a:rPr>
+                <a:t>ReLU</a:t>
+              </a:r>
+            </a:p>
+          </p:txBody>
+        </p:sp>
+        <p:sp>
+          <p:nvSpPr>
+            <p:cNvPr id="45" name="Rectangle 44">
+              <a:extLst>
+                <a:ext uri="{FF2B5EF4-FFF2-40B4-BE49-F238E27FC236}">
+                  <a16:creationId xmlns:a16="http://schemas.microsoft.com/office/drawing/2014/main" id="{44A2CF37-0365-4E3F-B7A3-6C048AEB0CF7}"/>
+                </a:ext>
+              </a:extLst>
+            </p:cNvPr>
+            <p:cNvSpPr/>
+            <p:nvPr/>
+          </p:nvSpPr>
+          <p:spPr>
+            <a:xfrm>
+              <a:off x="5571806" y="4131607"/>
+              <a:ext cx="932379" cy="2121416"/>
+            </a:xfrm>
+            <a:prstGeom prst="rect">
+              <a:avLst/>
+            </a:prstGeom>
+            <a:noFill/>
+            <a:ln w="38100">
+              <a:solidFill>
+                <a:schemeClr val="tx1"/>
+              </a:solidFill>
+            </a:ln>
+          </p:spPr>
+          <p:style>
+            <a:lnRef idx="2">
+              <a:schemeClr val="accent1">
+                <a:shade val="50000"/>
+              </a:schemeClr>
+            </a:lnRef>
+            <a:fillRef idx="1">
+              <a:schemeClr val="accent1"/>
+            </a:fillRef>
+            <a:effectRef idx="0">
+              <a:schemeClr val="accent1"/>
+            </a:effectRef>
+            <a:fontRef idx="minor">
+              <a:schemeClr val="lt1"/>
+            </a:fontRef>
+          </p:style>
+          <p:txBody>
+            <a:bodyPr rtlCol="0" anchor="ctr"/>
+            <a:lstStyle/>
+            <a:p>
+              <a:pPr algn="ctr"/>
+              <a:endParaRPr lang="en-US"/>
+            </a:p>
+          </p:txBody>
+        </p:sp>
+        <p:grpSp>
+          <p:nvGrpSpPr>
+            <p:cNvPr id="46" name="Group 45">
+              <a:extLst>
+                <a:ext uri="{FF2B5EF4-FFF2-40B4-BE49-F238E27FC236}">
+                  <a16:creationId xmlns:a16="http://schemas.microsoft.com/office/drawing/2014/main" id="{A910F7D3-2834-4F2A-B68D-DC37CBF74B97}"/>
+                </a:ext>
+              </a:extLst>
+            </p:cNvPr>
+            <p:cNvGrpSpPr/>
+            <p:nvPr/>
+          </p:nvGrpSpPr>
+          <p:grpSpPr>
+            <a:xfrm>
+              <a:off x="5560952" y="3799325"/>
+              <a:ext cx="1104957" cy="276999"/>
+              <a:chOff x="963306" y="5313601"/>
+              <a:chExt cx="1104957" cy="276999"/>
+            </a:xfrm>
+          </p:grpSpPr>
+          <p:sp>
+            <p:nvSpPr>
+              <p:cNvPr id="78" name="TextBox 77">
+                <a:extLst>
+                  <a:ext uri="{FF2B5EF4-FFF2-40B4-BE49-F238E27FC236}">
+                    <a16:creationId xmlns:a16="http://schemas.microsoft.com/office/drawing/2014/main" id="{0103D859-D3F8-4BC8-9F51-D3ED3557F5AB}"/>
+                  </a:ext>
+                </a:extLst>
+              </p:cNvPr>
+              <p:cNvSpPr txBox="1"/>
+              <p:nvPr/>
+            </p:nvSpPr>
+            <p:spPr>
+              <a:xfrm>
+                <a:off x="1383989" y="5313601"/>
+                <a:ext cx="684274" cy="276999"/>
+              </a:xfrm>
+              <a:prstGeom prst="rect">
+                <a:avLst/>
+              </a:prstGeom>
+              <a:noFill/>
+            </p:spPr>
+            <p:txBody>
+              <a:bodyPr wrap="square" rtlCol="0">
+                <a:spAutoFit/>
+              </a:bodyPr>
+              <a:lstStyle/>
+              <a:p>
+                <a:pPr algn="ctr"/>
+                <a:r>
+                  <a:rPr lang="en-US" sz="1200" dirty="0">
+                    <a:latin typeface="DejaVu Sans" panose="020B0603030804020204" pitchFamily="34" charset="0"/>
+                    <a:ea typeface="DejaVu Sans" panose="020B0603030804020204" pitchFamily="34" charset="0"/>
+                    <a:cs typeface="DejaVu Sans" panose="020B0603030804020204" pitchFamily="34" charset="0"/>
+                  </a:rPr>
+                  <a:t>Blocks</a:t>
+                </a:r>
+              </a:p>
+            </p:txBody>
+          </p:sp>
+          <p:pic>
+            <p:nvPicPr>
+              <p:cNvPr id="79" name="Picture 78" descr="\documentclass{article}&#10;\usepackage{amsmath, amssymb, amsthm}&#10;\usepackage{xcolor}&#10;\pagestyle{empty}&#10;\begin{document}&#10;\setlength\parindent{0pt}&#10;&#10;\newcommand{\argmin}{\operatornamewithlimits{argmin}}&#10;\newcommand{\argmax}{\operatornamewithlimits{argmax}}&#10;\newcommand{\rtwo}{\mathbb{R}^2}&#10;\newcommand{\rone}{\mathbb{R}}&#10;\newcommand{\ex}{\mathbb{E}}&#10;\newcommand{\normal}{\mathcal{N}}&#10;\newcommand{\vor}{\mathcal{V}}&#10;\newcommand{\st}{\mid}&#10;\newcommand{\set}[1]{\left\{#1\right\}}&#10;\newcommand{\norm}[1]{\left\lVert #1\right\rVert}&#10;\newcommand{\rt}{\rightarrow}&#10;&#10;$\ell-2$&#10;&#10;\end{document}" title="IguanaTex Bitmap Display">
+                <a:extLst>
+                  <a:ext uri="{FF2B5EF4-FFF2-40B4-BE49-F238E27FC236}">
+                    <a16:creationId xmlns:a16="http://schemas.microsoft.com/office/drawing/2014/main" id="{ECCCD688-ADAA-43B4-8907-AD5035CE6AF9}"/>
+                  </a:ext>
+                </a:extLst>
+              </p:cNvPr>
+              <p:cNvPicPr>
+                <a:picLocks noChangeAspect="1"/>
+              </p:cNvPicPr>
+              <p:nvPr>
+                <p:custDataLst>
+                  <p:tags r:id="rId5"/>
+                </p:custDataLst>
+              </p:nvPr>
+            </p:nvPicPr>
+            <p:blipFill>
+              <a:blip r:embed="rId8">
+                <a:extLst>
+                  <a:ext uri="{28A0092B-C50C-407E-A947-70E740481C1C}">
+                    <a14:useLocalDpi xmlns:a14="http://schemas.microsoft.com/office/drawing/2010/main" val="0"/>
+                  </a:ext>
+                </a:extLst>
+              </a:blip>
+              <a:stretch>
+                <a:fillRect/>
+              </a:stretch>
+            </p:blipFill>
+            <p:spPr>
+              <a:xfrm>
+                <a:off x="963306" y="5371927"/>
+                <a:ext cx="420683" cy="145105"/>
+              </a:xfrm>
+              <a:prstGeom prst="rect">
+                <a:avLst/>
+              </a:prstGeom>
+            </p:spPr>
+          </p:pic>
+        </p:grpSp>
+        <p:sp>
+          <p:nvSpPr>
+            <p:cNvPr id="47" name="Oval 46">
+              <a:extLst>
+                <a:ext uri="{FF2B5EF4-FFF2-40B4-BE49-F238E27FC236}">
+                  <a16:creationId xmlns:a16="http://schemas.microsoft.com/office/drawing/2014/main" id="{CE4E20D1-C67A-4AB0-818E-F5574F58E00F}"/>
+                </a:ext>
+              </a:extLst>
+            </p:cNvPr>
+            <p:cNvSpPr/>
+            <p:nvPr/>
+          </p:nvSpPr>
+          <p:spPr>
+            <a:xfrm>
+              <a:off x="6865760" y="4935880"/>
+              <a:ext cx="242689" cy="242689"/>
+            </a:xfrm>
+            <a:prstGeom prst="ellipse">
+              <a:avLst/>
+            </a:prstGeom>
+            <a:noFill/>
+            <a:ln>
+              <a:solidFill>
+                <a:schemeClr val="tx1"/>
+              </a:solidFill>
+            </a:ln>
+          </p:spPr>
+          <p:style>
+            <a:lnRef idx="2">
+              <a:schemeClr val="accent1">
+                <a:shade val="50000"/>
+              </a:schemeClr>
+            </a:lnRef>
+            <a:fillRef idx="1">
+              <a:schemeClr val="accent1"/>
+            </a:fillRef>
+            <a:effectRef idx="0">
+              <a:schemeClr val="accent1"/>
+            </a:effectRef>
+            <a:fontRef idx="minor">
+              <a:schemeClr val="lt1"/>
+            </a:fontRef>
+          </p:style>
+          <p:txBody>
+            <a:bodyPr rtlCol="0" anchor="ctr"/>
+            <a:lstStyle/>
+            <a:p>
+              <a:pPr algn="ctr"/>
+              <a:r>
+                <a:rPr lang="en-US" sz="1200" dirty="0">
+                  <a:solidFill>
+                    <a:schemeClr val="tx1"/>
+                  </a:solidFill>
+                  <a:latin typeface="DejaVu Sans" panose="020B0603030804020204" pitchFamily="34" charset="0"/>
+                  <a:ea typeface="DejaVu Sans" panose="020B0603030804020204" pitchFamily="34" charset="0"/>
+                  <a:cs typeface="DejaVu Sans" panose="020B0603030804020204" pitchFamily="34" charset="0"/>
+                </a:rPr>
+                <a:t>+</a:t>
+              </a:r>
+            </a:p>
+          </p:txBody>
+        </p:sp>
+        <p:cxnSp>
+          <p:nvCxnSpPr>
+            <p:cNvPr id="48" name="Straight Connector 47">
+              <a:extLst>
+                <a:ext uri="{FF2B5EF4-FFF2-40B4-BE49-F238E27FC236}">
+                  <a16:creationId xmlns:a16="http://schemas.microsoft.com/office/drawing/2014/main" id="{59D1DF43-112F-436C-85B4-8F9A25A40A4C}"/>
+                </a:ext>
+              </a:extLst>
+            </p:cNvPr>
+            <p:cNvCxnSpPr>
+              <a:cxnSpLocks/>
+            </p:cNvCxnSpPr>
+            <p:nvPr/>
+          </p:nvCxnSpPr>
+          <p:spPr>
+            <a:xfrm>
+              <a:off x="5043750" y="5411766"/>
+              <a:ext cx="0" cy="1028700"/>
+            </a:xfrm>
+            <a:prstGeom prst="line">
+              <a:avLst/>
+            </a:prstGeom>
+            <a:ln w="38100">
+              <a:solidFill>
+                <a:schemeClr val="tx1"/>
+              </a:solidFill>
+            </a:ln>
+          </p:spPr>
+          <p:style>
+            <a:lnRef idx="1">
+              <a:schemeClr val="accent1"/>
+            </a:lnRef>
+            <a:fillRef idx="0">
+              <a:schemeClr val="accent1"/>
+            </a:fillRef>
+            <a:effectRef idx="0">
+              <a:schemeClr val="accent1"/>
+            </a:effectRef>
+            <a:fontRef idx="minor">
+              <a:schemeClr val="tx1"/>
+            </a:fontRef>
+          </p:style>
+        </p:cxnSp>
+        <p:cxnSp>
+          <p:nvCxnSpPr>
+            <p:cNvPr id="51" name="Straight Arrow Connector 50">
+              <a:extLst>
+                <a:ext uri="{FF2B5EF4-FFF2-40B4-BE49-F238E27FC236}">
+                  <a16:creationId xmlns:a16="http://schemas.microsoft.com/office/drawing/2014/main" id="{7EAF3D38-2B23-461B-9204-73527B4AD098}"/>
+                </a:ext>
+              </a:extLst>
+            </p:cNvPr>
+            <p:cNvCxnSpPr>
+              <a:cxnSpLocks/>
+            </p:cNvCxnSpPr>
+            <p:nvPr/>
+          </p:nvCxnSpPr>
+          <p:spPr>
+            <a:xfrm flipV="1">
+              <a:off x="6987102" y="5228886"/>
+              <a:ext cx="0" cy="1211580"/>
+            </a:xfrm>
+            <a:prstGeom prst="straightConnector1">
+              <a:avLst/>
+            </a:prstGeom>
+            <a:ln w="38100">
+              <a:solidFill>
+                <a:schemeClr val="tx1"/>
+              </a:solidFill>
+              <a:tailEnd type="triangle"/>
+            </a:ln>
+          </p:spPr>
+          <p:style>
+            <a:lnRef idx="1">
+              <a:schemeClr val="accent1"/>
+            </a:lnRef>
+            <a:fillRef idx="0">
+              <a:schemeClr val="accent1"/>
+            </a:fillRef>
+            <a:effectRef idx="0">
+              <a:schemeClr val="accent1"/>
+            </a:effectRef>
+            <a:fontRef idx="minor">
+              <a:schemeClr val="tx1"/>
+            </a:fontRef>
+          </p:style>
+        </p:cxnSp>
+        <p:cxnSp>
+          <p:nvCxnSpPr>
+            <p:cNvPr id="52" name="Straight Connector 51">
+              <a:extLst>
+                <a:ext uri="{FF2B5EF4-FFF2-40B4-BE49-F238E27FC236}">
+                  <a16:creationId xmlns:a16="http://schemas.microsoft.com/office/drawing/2014/main" id="{65038863-39D3-4C1A-A431-B9AA7D73135E}"/>
+                </a:ext>
+              </a:extLst>
+            </p:cNvPr>
+            <p:cNvCxnSpPr>
+              <a:cxnSpLocks/>
+            </p:cNvCxnSpPr>
+            <p:nvPr/>
+          </p:nvCxnSpPr>
+          <p:spPr>
+            <a:xfrm>
+              <a:off x="5043750" y="6420664"/>
+              <a:ext cx="1943352" cy="0"/>
+            </a:xfrm>
+            <a:prstGeom prst="line">
+              <a:avLst/>
+            </a:prstGeom>
+            <a:ln w="38100">
+              <a:solidFill>
+                <a:schemeClr val="tx1"/>
+              </a:solidFill>
+            </a:ln>
+          </p:spPr>
+          <p:style>
+            <a:lnRef idx="1">
+              <a:schemeClr val="accent1"/>
+            </a:lnRef>
+            <a:fillRef idx="0">
+              <a:schemeClr val="accent1"/>
+            </a:fillRef>
+            <a:effectRef idx="0">
+              <a:schemeClr val="accent1"/>
+            </a:effectRef>
+            <a:fontRef idx="minor">
+              <a:schemeClr val="tx1"/>
+            </a:fontRef>
+          </p:style>
+        </p:cxnSp>
+        <p:sp>
+          <p:nvSpPr>
+            <p:cNvPr id="53" name="TextBox 52">
+              <a:extLst>
+                <a:ext uri="{FF2B5EF4-FFF2-40B4-BE49-F238E27FC236}">
+                  <a16:creationId xmlns:a16="http://schemas.microsoft.com/office/drawing/2014/main" id="{5F79314C-6722-4D87-9DA4-E646177D7054}"/>
+                </a:ext>
+              </a:extLst>
+            </p:cNvPr>
+            <p:cNvSpPr txBox="1"/>
+            <p:nvPr/>
+          </p:nvSpPr>
+          <p:spPr>
+            <a:xfrm>
+              <a:off x="8407656" y="4909189"/>
+              <a:ext cx="1045595" cy="461665"/>
+            </a:xfrm>
+            <a:prstGeom prst="rect">
+              <a:avLst/>
+            </a:prstGeom>
+            <a:noFill/>
+          </p:spPr>
+          <p:txBody>
+            <a:bodyPr wrap="square" rtlCol="0">
+              <a:spAutoFit/>
+            </a:bodyPr>
+            <a:lstStyle/>
+            <a:p>
+              <a:pPr algn="ctr"/>
+              <a:r>
+                <a:rPr lang="en-US" sz="1200" dirty="0">
+                  <a:latin typeface="DejaVu Sans" panose="020B0603030804020204" pitchFamily="34" charset="0"/>
+                  <a:ea typeface="DejaVu Sans" panose="020B0603030804020204" pitchFamily="34" charset="0"/>
+                  <a:cs typeface="DejaVu Sans" panose="020B0603030804020204" pitchFamily="34" charset="0"/>
+                </a:rPr>
+                <a:t>SR Patch</a:t>
+              </a:r>
+            </a:p>
+            <a:p>
+              <a:pPr algn="ctr"/>
+              <a:r>
+                <a:rPr lang="en-US" sz="1200" dirty="0">
+                  <a:latin typeface="DejaVu Sans" panose="020B0603030804020204" pitchFamily="34" charset="0"/>
+                  <a:ea typeface="DejaVu Sans" panose="020B0603030804020204" pitchFamily="34" charset="0"/>
+                  <a:cs typeface="DejaVu Sans" panose="020B0603030804020204" pitchFamily="34" charset="0"/>
+                </a:rPr>
+                <a:t>2x64x64</a:t>
+              </a:r>
+            </a:p>
+          </p:txBody>
+        </p:sp>
+        <p:pic>
+          <p:nvPicPr>
+            <p:cNvPr id="56" name="Picture 55" descr="\documentclass{article}&#10;\usepackage{amsmath, amssymb, amsthm}&#10;\usepackage{xcolor}&#10;\pagestyle{empty}&#10;\begin{document}&#10;\setlength\parindent{0pt}&#10;&#10;\newcommand{\argmin}{\operatornamewithlimits{argmin}}&#10;\newcommand{\argmax}{\operatornamewithlimits{argmax}}&#10;\newcommand{\rtwo}{\mathbb{R}^2}&#10;\newcommand{\rone}{\mathbb{R}}&#10;\newcommand{\ex}{\mathbb{E}}&#10;\newcommand{\normal}{\mathcal{N}}&#10;\newcommand{\vor}{\mathcal{V}}&#10;\newcommand{\st}{\mid}&#10;\newcommand{\set}[1]{\left\{#1\right\}}&#10;\newcommand{\norm}[1]{\left\lVert #1\right\rVert}&#10;\newcommand{\rt}{\rightarrow}&#10;&#10;$k$&#10;&#10;\end{document}" title="IguanaTex Bitmap Display">
+              <a:extLst>
+                <a:ext uri="{FF2B5EF4-FFF2-40B4-BE49-F238E27FC236}">
+                  <a16:creationId xmlns:a16="http://schemas.microsoft.com/office/drawing/2014/main" id="{4C1E71C7-B685-420D-8891-D51581EDE3B2}"/>
+                </a:ext>
+              </a:extLst>
+            </p:cNvPr>
+            <p:cNvPicPr>
+              <a:picLocks noChangeAspect="1"/>
+            </p:cNvPicPr>
+            <p:nvPr>
+              <p:custDataLst>
+                <p:tags r:id="rId1"/>
+              </p:custDataLst>
+            </p:nvPr>
+          </p:nvPicPr>
+          <p:blipFill>
+            <a:blip r:embed="rId9">
+              <a:extLst>
+                <a:ext uri="{28A0092B-C50C-407E-A947-70E740481C1C}">
+                  <a14:useLocalDpi xmlns:a14="http://schemas.microsoft.com/office/drawing/2010/main" val="0"/>
+                </a:ext>
+              </a:extLst>
+            </a:blip>
+            <a:stretch>
+              <a:fillRect/>
+            </a:stretch>
+          </p:blipFill>
+          <p:spPr>
+            <a:xfrm>
+              <a:off x="4122624" y="5946065"/>
+              <a:ext cx="91453" cy="142667"/>
+            </a:xfrm>
+            <a:prstGeom prst="rect">
+              <a:avLst/>
+            </a:prstGeom>
+          </p:spPr>
+        </p:pic>
+        <p:grpSp>
+          <p:nvGrpSpPr>
+            <p:cNvPr id="57" name="Group 56">
+              <a:extLst>
+                <a:ext uri="{FF2B5EF4-FFF2-40B4-BE49-F238E27FC236}">
+                  <a16:creationId xmlns:a16="http://schemas.microsoft.com/office/drawing/2014/main" id="{5C965799-4196-4878-8D6B-E8A4328D9DCE}"/>
+                </a:ext>
+              </a:extLst>
+            </p:cNvPr>
+            <p:cNvGrpSpPr/>
+            <p:nvPr/>
+          </p:nvGrpSpPr>
+          <p:grpSpPr>
+            <a:xfrm>
+              <a:off x="4520953" y="4909189"/>
+              <a:ext cx="1045595" cy="461665"/>
+              <a:chOff x="1962691" y="3109301"/>
+              <a:chExt cx="1045595" cy="461665"/>
+            </a:xfrm>
+          </p:grpSpPr>
+          <p:sp>
+            <p:nvSpPr>
+              <p:cNvPr id="76" name="TextBox 75">
+                <a:extLst>
+                  <a:ext uri="{FF2B5EF4-FFF2-40B4-BE49-F238E27FC236}">
+                    <a16:creationId xmlns:a16="http://schemas.microsoft.com/office/drawing/2014/main" id="{9C74FF61-2123-4646-897C-3743288CB75E}"/>
+                  </a:ext>
+                </a:extLst>
+              </p:cNvPr>
+              <p:cNvSpPr txBox="1"/>
+              <p:nvPr/>
+            </p:nvSpPr>
+            <p:spPr>
+              <a:xfrm>
+                <a:off x="1962691" y="3109301"/>
+                <a:ext cx="1045595" cy="461665"/>
+              </a:xfrm>
+              <a:prstGeom prst="rect">
+                <a:avLst/>
+              </a:prstGeom>
+              <a:noFill/>
+            </p:spPr>
+            <p:txBody>
+              <a:bodyPr wrap="square" rtlCol="0">
+                <a:spAutoFit/>
+              </a:bodyPr>
+              <a:lstStyle/>
+              <a:p>
+                <a:pPr algn="ctr"/>
+                <a:r>
+                  <a:rPr lang="en-US" sz="1200" dirty="0">
+                    <a:latin typeface="DejaVu Sans" panose="020B0603030804020204" pitchFamily="34" charset="0"/>
+                    <a:ea typeface="DejaVu Sans" panose="020B0603030804020204" pitchFamily="34" charset="0"/>
+                    <a:cs typeface="DejaVu Sans" panose="020B0603030804020204" pitchFamily="34" charset="0"/>
+                  </a:rPr>
+                  <a:t>Tensor</a:t>
+                </a:r>
+              </a:p>
+              <a:p>
+                <a:pPr algn="ctr"/>
+                <a:r>
+                  <a:rPr lang="en-US" sz="1200" dirty="0">
+                    <a:latin typeface="DejaVu Sans" panose="020B0603030804020204" pitchFamily="34" charset="0"/>
+                    <a:ea typeface="DejaVu Sans" panose="020B0603030804020204" pitchFamily="34" charset="0"/>
+                    <a:cs typeface="DejaVu Sans" panose="020B0603030804020204" pitchFamily="34" charset="0"/>
+                  </a:rPr>
+                  <a:t>   x64x64</a:t>
+                </a:r>
+              </a:p>
+            </p:txBody>
+          </p:sp>
+          <p:pic>
+            <p:nvPicPr>
+              <p:cNvPr id="77" name="Picture 76" descr="\documentclass{article}&#10;\usepackage{amsmath, amssymb, amsthm}&#10;\usepackage{xcolor}&#10;\pagestyle{empty}&#10;\begin{document}&#10;\setlength\parindent{0pt}&#10;&#10;\newcommand{\argmin}{\operatornamewithlimits{argmin}}&#10;\newcommand{\argmax}{\operatornamewithlimits{argmax}}&#10;\newcommand{\rtwo}{\mathbb{R}^2}&#10;\newcommand{\rone}{\mathbb{R}}&#10;\newcommand{\ex}{\mathbb{E}}&#10;\newcommand{\normal}{\mathcal{N}}&#10;\newcommand{\vor}{\mathcal{V}}&#10;\newcommand{\st}{\mid}&#10;\newcommand{\set}[1]{\left\{#1\right\}}&#10;\newcommand{\norm}[1]{\left\lVert #1\right\rVert}&#10;\newcommand{\rt}{\rightarrow}&#10;&#10;$d$&#10;&#10;\end{document}" title="IguanaTex Bitmap Display">
+                <a:extLst>
+                  <a:ext uri="{FF2B5EF4-FFF2-40B4-BE49-F238E27FC236}">
+                    <a16:creationId xmlns:a16="http://schemas.microsoft.com/office/drawing/2014/main" id="{CCC7C36F-89D0-4B60-B65B-BD8BC2C4EEFE}"/>
+                  </a:ext>
+                </a:extLst>
+              </p:cNvPr>
+              <p:cNvPicPr>
+                <a:picLocks noChangeAspect="1"/>
+              </p:cNvPicPr>
+              <p:nvPr>
+                <p:custDataLst>
+                  <p:tags r:id="rId4"/>
+                </p:custDataLst>
+              </p:nvPr>
+            </p:nvPicPr>
+            <p:blipFill>
+              <a:blip r:embed="rId10">
+                <a:extLst>
+                  <a:ext uri="{28A0092B-C50C-407E-A947-70E740481C1C}">
+                    <a14:useLocalDpi xmlns:a14="http://schemas.microsoft.com/office/drawing/2010/main" val="0"/>
+                  </a:ext>
+                </a:extLst>
+              </a:blip>
+              <a:stretch>
+                <a:fillRect/>
+              </a:stretch>
+            </p:blipFill>
+            <p:spPr>
+              <a:xfrm>
+                <a:off x="2139179" y="3350047"/>
+                <a:ext cx="96330" cy="142666"/>
+              </a:xfrm>
+              <a:prstGeom prst="rect">
+                <a:avLst/>
+              </a:prstGeom>
+            </p:spPr>
+          </p:pic>
+        </p:grpSp>
+        <p:sp>
+          <p:nvSpPr>
+            <p:cNvPr id="59" name="Rectangle 58">
+              <a:extLst>
+                <a:ext uri="{FF2B5EF4-FFF2-40B4-BE49-F238E27FC236}">
+                  <a16:creationId xmlns:a16="http://schemas.microsoft.com/office/drawing/2014/main" id="{2BA00AFE-F4D5-45F5-8042-3B5EBEF4E58B}"/>
+                </a:ext>
+              </a:extLst>
+            </p:cNvPr>
+            <p:cNvSpPr/>
+            <p:nvPr/>
+          </p:nvSpPr>
+          <p:spPr>
+            <a:xfrm rot="16200000">
+              <a:off x="6960265" y="4970175"/>
+              <a:ext cx="1556548" cy="174103"/>
+            </a:xfrm>
+            <a:prstGeom prst="rect">
+              <a:avLst/>
+            </a:prstGeom>
+            <a:solidFill>
+              <a:srgbClr val="FF00FF"/>
+            </a:solidFill>
+            <a:ln>
+              <a:noFill/>
+            </a:ln>
+          </p:spPr>
+          <p:style>
+            <a:lnRef idx="2">
+              <a:schemeClr val="accent1">
+                <a:shade val="50000"/>
+              </a:schemeClr>
+            </a:lnRef>
+            <a:fillRef idx="1">
+              <a:schemeClr val="accent1"/>
+            </a:fillRef>
+            <a:effectRef idx="0">
+              <a:schemeClr val="accent1"/>
+            </a:effectRef>
+            <a:fontRef idx="minor">
+              <a:schemeClr val="lt1"/>
+            </a:fontRef>
+          </p:style>
+          <p:txBody>
+            <a:bodyPr rtlCol="0" anchor="ctr"/>
+            <a:lstStyle/>
+            <a:p>
+              <a:pPr algn="ctr"/>
+              <a:r>
+                <a:rPr lang="en-US" sz="1200" dirty="0">
+                  <a:solidFill>
+                    <a:schemeClr val="tx1"/>
+                  </a:solidFill>
+                  <a:latin typeface="DejaVu Sans" panose="020B0603030804020204" pitchFamily="34" charset="0"/>
+                  <a:ea typeface="DejaVu Sans" panose="020B0603030804020204" pitchFamily="34" charset="0"/>
+                  <a:cs typeface="DejaVu Sans" panose="020B0603030804020204" pitchFamily="34" charset="0"/>
+                </a:rPr>
+                <a:t>Conv</a:t>
+              </a:r>
+            </a:p>
+          </p:txBody>
+        </p:sp>
+        <p:sp>
+          <p:nvSpPr>
+            <p:cNvPr id="60" name="Rectangle 59">
+              <a:extLst>
+                <a:ext uri="{FF2B5EF4-FFF2-40B4-BE49-F238E27FC236}">
+                  <a16:creationId xmlns:a16="http://schemas.microsoft.com/office/drawing/2014/main" id="{F6E5AABF-DC2C-452F-A7B1-53D4CD730610}"/>
+                </a:ext>
+              </a:extLst>
+            </p:cNvPr>
+            <p:cNvSpPr/>
+            <p:nvPr/>
+          </p:nvSpPr>
+          <p:spPr>
+            <a:xfrm rot="16200000">
+              <a:off x="7195004" y="4970175"/>
+              <a:ext cx="1556548" cy="174103"/>
+            </a:xfrm>
+            <a:prstGeom prst="rect">
+              <a:avLst/>
+            </a:prstGeom>
+            <a:solidFill>
+              <a:srgbClr val="00FFFF"/>
+            </a:solidFill>
+            <a:ln>
+              <a:noFill/>
+            </a:ln>
+          </p:spPr>
+          <p:style>
+            <a:lnRef idx="2">
+              <a:schemeClr val="accent1">
+                <a:shade val="50000"/>
+              </a:schemeClr>
+            </a:lnRef>
+            <a:fillRef idx="1">
+              <a:schemeClr val="accent1"/>
+            </a:fillRef>
+            <a:effectRef idx="0">
+              <a:schemeClr val="accent1"/>
+            </a:effectRef>
+            <a:fontRef idx="minor">
+              <a:schemeClr val="lt1"/>
+            </a:fontRef>
+          </p:style>
+          <p:txBody>
+            <a:bodyPr rtlCol="0" anchor="ctr"/>
+            <a:lstStyle/>
+            <a:p>
+              <a:pPr algn="ctr"/>
+              <a:r>
+                <a:rPr lang="en-US" sz="1200" dirty="0">
+                  <a:solidFill>
+                    <a:schemeClr val="tx1"/>
+                  </a:solidFill>
+                  <a:latin typeface="DejaVu Sans" panose="020B0603030804020204" pitchFamily="34" charset="0"/>
+                  <a:ea typeface="DejaVu Sans" panose="020B0603030804020204" pitchFamily="34" charset="0"/>
+                  <a:cs typeface="DejaVu Sans" panose="020B0603030804020204" pitchFamily="34" charset="0"/>
+                </a:rPr>
+                <a:t>ReLU</a:t>
+              </a:r>
+            </a:p>
+          </p:txBody>
+        </p:sp>
+        <p:pic>
+          <p:nvPicPr>
+            <p:cNvPr id="65" name="Picture 64" descr="\documentclass{article}&#10;\usepackage{amsmath, amssymb, amsthm}&#10;\usepackage{xcolor}&#10;\pagestyle{empty}&#10;\begin{document}&#10;\setlength\parindent{0pt}&#10;&#10;\newcommand{\argmin}{\operatornamewithlimits{argmin}}&#10;\newcommand{\argmax}{\operatornamewithlimits{argmax}}&#10;\newcommand{\rtwo}{\mathbb{R}^2}&#10;\newcommand{\rone}{\mathbb{R}}&#10;\newcommand{\ex}{\mathbb{E}}&#10;\newcommand{\normal}{\mathcal{N}}&#10;\newcommand{\vor}{\mathcal{V}}&#10;\newcommand{\st}{\mid}&#10;\newcommand{\set}[1]{\left\{#1\right\}}&#10;\newcommand{\norm}[1]{\left\lVert #1\right\rVert}&#10;\newcommand{\rt}{\rightarrow}&#10;&#10;$k$&#10;&#10;\end{document}" title="IguanaTex Bitmap Display">
+              <a:extLst>
+                <a:ext uri="{FF2B5EF4-FFF2-40B4-BE49-F238E27FC236}">
+                  <a16:creationId xmlns:a16="http://schemas.microsoft.com/office/drawing/2014/main" id="{2E51CF21-38E9-4D81-B9D3-C088915C9672}"/>
+                </a:ext>
+              </a:extLst>
+            </p:cNvPr>
+            <p:cNvPicPr>
+              <a:picLocks noChangeAspect="1"/>
+            </p:cNvPicPr>
+            <p:nvPr>
+              <p:custDataLst>
+                <p:tags r:id="rId2"/>
+              </p:custDataLst>
+            </p:nvPr>
+          </p:nvPicPr>
+          <p:blipFill>
+            <a:blip r:embed="rId9">
+              <a:extLst>
+                <a:ext uri="{28A0092B-C50C-407E-A947-70E740481C1C}">
+                  <a14:useLocalDpi xmlns:a14="http://schemas.microsoft.com/office/drawing/2010/main" val="0"/>
+                </a:ext>
+              </a:extLst>
+            </a:blip>
+            <a:stretch>
+              <a:fillRect/>
+            </a:stretch>
+          </p:blipFill>
+          <p:spPr>
+            <a:xfrm>
+              <a:off x="7666688" y="5946066"/>
+              <a:ext cx="91453" cy="142667"/>
+            </a:xfrm>
+            <a:prstGeom prst="rect">
+              <a:avLst/>
+            </a:prstGeom>
+          </p:spPr>
+        </p:pic>
+        <p:cxnSp>
+          <p:nvCxnSpPr>
+            <p:cNvPr id="66" name="Straight Arrow Connector 65">
+              <a:extLst>
+                <a:ext uri="{FF2B5EF4-FFF2-40B4-BE49-F238E27FC236}">
+                  <a16:creationId xmlns:a16="http://schemas.microsoft.com/office/drawing/2014/main" id="{E4D8EF58-BF45-49D3-977F-5BB7BE16D49E}"/>
+                </a:ext>
+              </a:extLst>
+            </p:cNvPr>
+            <p:cNvCxnSpPr>
+              <a:cxnSpLocks/>
+            </p:cNvCxnSpPr>
+            <p:nvPr/>
+          </p:nvCxnSpPr>
+          <p:spPr>
+            <a:xfrm>
+              <a:off x="6348168" y="5057220"/>
+              <a:ext cx="437486" cy="0"/>
+            </a:xfrm>
+            <a:prstGeom prst="straightConnector1">
+              <a:avLst/>
+            </a:prstGeom>
+            <a:ln w="38100">
+              <a:solidFill>
+                <a:schemeClr val="tx1"/>
+              </a:solidFill>
+              <a:tailEnd type="triangle"/>
+            </a:ln>
+          </p:spPr>
+          <p:style>
+            <a:lnRef idx="1">
+              <a:schemeClr val="accent1"/>
+            </a:lnRef>
+            <a:fillRef idx="0">
+              <a:schemeClr val="accent1"/>
+            </a:fillRef>
+            <a:effectRef idx="0">
+              <a:schemeClr val="accent1"/>
+            </a:effectRef>
+            <a:fontRef idx="minor">
+              <a:schemeClr val="tx1"/>
+            </a:fontRef>
+          </p:style>
+        </p:cxnSp>
+        <p:cxnSp>
+          <p:nvCxnSpPr>
+            <p:cNvPr id="67" name="Straight Arrow Connector 66">
+              <a:extLst>
+                <a:ext uri="{FF2B5EF4-FFF2-40B4-BE49-F238E27FC236}">
+                  <a16:creationId xmlns:a16="http://schemas.microsoft.com/office/drawing/2014/main" id="{B83A773B-07E5-4052-B9F3-F6B13701AA37}"/>
+                </a:ext>
+              </a:extLst>
+            </p:cNvPr>
+            <p:cNvCxnSpPr/>
+            <p:nvPr/>
+          </p:nvCxnSpPr>
+          <p:spPr>
+            <a:xfrm flipV="1">
+              <a:off x="4518714" y="5057222"/>
+              <a:ext cx="158276" cy="1"/>
+            </a:xfrm>
+            <a:prstGeom prst="straightConnector1">
+              <a:avLst/>
+            </a:prstGeom>
+            <a:ln w="38100">
+              <a:solidFill>
+                <a:schemeClr val="tx1"/>
+              </a:solidFill>
+              <a:tailEnd type="triangle"/>
+            </a:ln>
+          </p:spPr>
+          <p:style>
+            <a:lnRef idx="1">
+              <a:schemeClr val="accent1"/>
+            </a:lnRef>
+            <a:fillRef idx="0">
+              <a:schemeClr val="accent1"/>
+            </a:fillRef>
+            <a:effectRef idx="0">
+              <a:schemeClr val="accent1"/>
+            </a:effectRef>
+            <a:fontRef idx="minor">
+              <a:schemeClr val="tx1"/>
+            </a:fontRef>
+          </p:style>
+        </p:cxnSp>
+        <p:cxnSp>
+          <p:nvCxnSpPr>
+            <p:cNvPr id="69" name="Straight Arrow Connector 68">
+              <a:extLst>
+                <a:ext uri="{FF2B5EF4-FFF2-40B4-BE49-F238E27FC236}">
+                  <a16:creationId xmlns:a16="http://schemas.microsoft.com/office/drawing/2014/main" id="{3EEEBFD8-4F39-4E2F-BBC0-B80BCCD58743}"/>
+                </a:ext>
+              </a:extLst>
+            </p:cNvPr>
+            <p:cNvCxnSpPr>
+              <a:cxnSpLocks/>
+            </p:cNvCxnSpPr>
+            <p:nvPr/>
+          </p:nvCxnSpPr>
+          <p:spPr>
+            <a:xfrm>
+              <a:off x="7108449" y="5057220"/>
+              <a:ext cx="437486" cy="0"/>
+            </a:xfrm>
+            <a:prstGeom prst="straightConnector1">
+              <a:avLst/>
+            </a:prstGeom>
+            <a:ln w="38100">
+              <a:solidFill>
+                <a:schemeClr val="tx1"/>
+              </a:solidFill>
+              <a:tailEnd type="triangle"/>
+            </a:ln>
+          </p:spPr>
+          <p:style>
+            <a:lnRef idx="1">
+              <a:schemeClr val="accent1"/>
+            </a:lnRef>
+            <a:fillRef idx="0">
+              <a:schemeClr val="accent1"/>
+            </a:fillRef>
+            <a:effectRef idx="0">
+              <a:schemeClr val="accent1"/>
+            </a:effectRef>
+            <a:fontRef idx="minor">
+              <a:schemeClr val="tx1"/>
+            </a:fontRef>
+          </p:style>
+        </p:cxnSp>
+        <p:pic>
+          <p:nvPicPr>
+            <p:cNvPr id="70" name="Picture 69" descr="\documentclass{article}&#10;\usepackage{amsmath, amssymb, amsthm}&#10;\usepackage{xcolor}&#10;\pagestyle{empty}&#10;\begin{document}&#10;\setlength\parindent{0pt}&#10;&#10;\newcommand{\argmin}{\operatornamewithlimits{argmin}}&#10;\newcommand{\argmax}{\operatornamewithlimits{argmax}}&#10;\newcommand{\rtwo}{\mathbb{R}^2}&#10;\newcommand{\rone}{\mathbb{R}}&#10;\newcommand{\ex}{\mathbb{E}}&#10;\newcommand{\normal}{\mathcal{N}}&#10;\newcommand{\vor}{\mathcal{V}}&#10;\newcommand{\st}{\mid}&#10;\newcommand{\set}[1]{\left\{#1\right\}}&#10;\newcommand{\norm}[1]{\left\lVert #1\right\rVert}&#10;\newcommand{\rt}{\rightarrow}&#10;&#10;$k$&#10;&#10;\end{document}" title="IguanaTex Bitmap Display">
+              <a:extLst>
+                <a:ext uri="{FF2B5EF4-FFF2-40B4-BE49-F238E27FC236}">
+                  <a16:creationId xmlns:a16="http://schemas.microsoft.com/office/drawing/2014/main" id="{19F8C8A3-CE5A-44ED-A8E9-A19E0673DA95}"/>
+                </a:ext>
+              </a:extLst>
+            </p:cNvPr>
+            <p:cNvPicPr>
+              <a:picLocks noChangeAspect="1"/>
+            </p:cNvPicPr>
+            <p:nvPr>
+              <p:custDataLst>
+                <p:tags r:id="rId3"/>
+              </p:custDataLst>
+            </p:nvPr>
+          </p:nvPicPr>
+          <p:blipFill>
+            <a:blip r:embed="rId9">
+              <a:extLst>
+                <a:ext uri="{28A0092B-C50C-407E-A947-70E740481C1C}">
+                  <a14:useLocalDpi xmlns:a14="http://schemas.microsoft.com/office/drawing/2010/main" val="0"/>
+                </a:ext>
+              </a:extLst>
+            </a:blip>
+            <a:stretch>
+              <a:fillRect/>
+            </a:stretch>
+          </p:blipFill>
+          <p:spPr>
+            <a:xfrm>
+              <a:off x="5946542" y="5946066"/>
+              <a:ext cx="91453" cy="142667"/>
+            </a:xfrm>
+            <a:prstGeom prst="rect">
+              <a:avLst/>
+            </a:prstGeom>
+          </p:spPr>
+        </p:pic>
+        <p:cxnSp>
+          <p:nvCxnSpPr>
+            <p:cNvPr id="71" name="Straight Arrow Connector 70">
+              <a:extLst>
+                <a:ext uri="{FF2B5EF4-FFF2-40B4-BE49-F238E27FC236}">
+                  <a16:creationId xmlns:a16="http://schemas.microsoft.com/office/drawing/2014/main" id="{59855080-B368-4DDB-AAC4-FFB89B1B47CA}"/>
+                </a:ext>
+              </a:extLst>
+            </p:cNvPr>
+            <p:cNvCxnSpPr>
+              <a:cxnSpLocks/>
+            </p:cNvCxnSpPr>
+            <p:nvPr/>
+          </p:nvCxnSpPr>
+          <p:spPr>
+            <a:xfrm>
+              <a:off x="8060330" y="5057220"/>
+              <a:ext cx="437486" cy="0"/>
+            </a:xfrm>
+            <a:prstGeom prst="straightConnector1">
+              <a:avLst/>
+            </a:prstGeom>
+            <a:ln w="38100">
+              <a:solidFill>
+                <a:schemeClr val="tx1"/>
+              </a:solidFill>
+              <a:tailEnd type="triangle"/>
+            </a:ln>
+          </p:spPr>
+          <p:style>
+            <a:lnRef idx="1">
+              <a:schemeClr val="accent1"/>
+            </a:lnRef>
+            <a:fillRef idx="0">
+              <a:schemeClr val="accent1"/>
+            </a:fillRef>
+            <a:effectRef idx="0">
+              <a:schemeClr val="accent1"/>
+            </a:effectRef>
+            <a:fontRef idx="minor">
+              <a:schemeClr val="tx1"/>
+            </a:fontRef>
+          </p:style>
+        </p:cxnSp>
+        <p:cxnSp>
+          <p:nvCxnSpPr>
+            <p:cNvPr id="75" name="Straight Arrow Connector 74">
+              <a:extLst>
+                <a:ext uri="{FF2B5EF4-FFF2-40B4-BE49-F238E27FC236}">
+                  <a16:creationId xmlns:a16="http://schemas.microsoft.com/office/drawing/2014/main" id="{2DC4C741-089A-4E81-AE52-1205BFD03F1F}"/>
+                </a:ext>
+              </a:extLst>
+            </p:cNvPr>
+            <p:cNvCxnSpPr>
+              <a:cxnSpLocks/>
+            </p:cNvCxnSpPr>
+            <p:nvPr/>
+          </p:nvCxnSpPr>
+          <p:spPr>
+            <a:xfrm>
+              <a:off x="3599967" y="5057220"/>
+              <a:ext cx="437486" cy="0"/>
+            </a:xfrm>
+            <a:prstGeom prst="straightConnector1">
+              <a:avLst/>
+            </a:prstGeom>
+            <a:ln w="38100">
+              <a:solidFill>
+                <a:schemeClr val="tx1"/>
+              </a:solidFill>
+              <a:tailEnd type="triangle"/>
+            </a:ln>
+          </p:spPr>
+          <p:style>
+            <a:lnRef idx="1">
+              <a:schemeClr val="accent1"/>
+            </a:lnRef>
+            <a:fillRef idx="0">
+              <a:schemeClr val="accent1"/>
+            </a:fillRef>
+            <a:effectRef idx="0">
+              <a:schemeClr val="accent1"/>
+            </a:effectRef>
+            <a:fontRef idx="minor">
+              <a:schemeClr val="tx1"/>
+            </a:fontRef>
+          </p:style>
+        </p:cxnSp>
+      </p:grpSp>
+    </p:spTree>
+    <p:extLst>
+      <p:ext uri="{BB962C8B-B14F-4D97-AF65-F5344CB8AC3E}">
+        <p14:creationId xmlns:p14="http://schemas.microsoft.com/office/powerpoint/2010/main" val="592372776"/>
+      </p:ext>
+    </p:extLst>
+  </p:cSld>
+  <p:clrMapOvr>
+    <a:masterClrMapping/>
+  </p:clrMapOvr>
+</p:sld>
+</file>
+
+<file path=ppt/slides/slide4.xml><?xml version="1.0" encoding="utf-8"?>
+<p:sld xmlns:a="http://schemas.openxmlformats.org/drawingml/2006/main" xmlns:r="http://schemas.openxmlformats.org/officeDocument/2006/relationships" xmlns:p="http://schemas.openxmlformats.org/presentationml/2006/main">
+  <p:cSld>
+    <p:spTree>
+      <p:nvGrpSpPr>
+        <p:cNvPr id="1" name=""/>
+        <p:cNvGrpSpPr/>
+        <p:nvPr/>
+      </p:nvGrpSpPr>
+      <p:grpSpPr>
+        <a:xfrm>
+          <a:off x="0" y="0"/>
+          <a:ext cx="0" cy="0"/>
+          <a:chOff x="0" y="0"/>
+          <a:chExt cx="0" cy="0"/>
+        </a:xfrm>
+      </p:grpSpPr>
       <p:sp>
         <p:nvSpPr>
-          <p:cNvPr id="5" name="Rectangle 4">
+          <p:cNvPr id="57" name="Rectangle 56">
             <a:extLst>
               <a:ext uri="{FF2B5EF4-FFF2-40B4-BE49-F238E27FC236}">
-                <a16:creationId xmlns:a16="http://schemas.microsoft.com/office/drawing/2014/main" id="{4C314C17-7D9F-4679-BB52-3B92E03E5AD9}"/>
+                <a16:creationId xmlns:a16="http://schemas.microsoft.com/office/drawing/2014/main" id="{6D8F619C-74B6-4457-B470-6DF9C01CB374}"/>
               </a:ext>
             </a:extLst>
           </p:cNvPr>
@@ -6240,7 +7755,7 @@
         </p:nvSpPr>
         <p:spPr>
           <a:xfrm rot="16200000">
-            <a:off x="3831785" y="5227688"/>
+            <a:off x="1624215" y="8585389"/>
             <a:ext cx="1556548" cy="174103"/>
           </a:xfrm>
           <a:prstGeom prst="rect">
@@ -6290,10 +7805,10 @@
       </p:sp>
       <p:sp>
         <p:nvSpPr>
-          <p:cNvPr id="6" name="Rectangle 5">
+          <p:cNvPr id="58" name="Rectangle 57">
             <a:extLst>
               <a:ext uri="{FF2B5EF4-FFF2-40B4-BE49-F238E27FC236}">
-                <a16:creationId xmlns:a16="http://schemas.microsoft.com/office/drawing/2014/main" id="{BB5421BE-E655-4117-BD1D-12CC982CF853}"/>
+                <a16:creationId xmlns:a16="http://schemas.microsoft.com/office/drawing/2014/main" id="{5ACB1CCA-68F9-4758-A6EB-EE7E5E5FD735}"/>
               </a:ext>
             </a:extLst>
           </p:cNvPr>
@@ -6302,7 +7817,7 @@
         </p:nvSpPr>
         <p:spPr>
           <a:xfrm rot="16200000">
-            <a:off x="4066524" y="5227688"/>
+            <a:off x="1858954" y="8585389"/>
             <a:ext cx="1556548" cy="174103"/>
           </a:xfrm>
           <a:prstGeom prst="rect">
@@ -6352,10 +7867,10 @@
       </p:sp>
       <p:cxnSp>
         <p:nvCxnSpPr>
-          <p:cNvPr id="12" name="Straight Arrow Connector 11">
+          <p:cNvPr id="59" name="Straight Arrow Connector 58">
             <a:extLst>
               <a:ext uri="{FF2B5EF4-FFF2-40B4-BE49-F238E27FC236}">
-                <a16:creationId xmlns:a16="http://schemas.microsoft.com/office/drawing/2014/main" id="{0EDA0DAF-DF58-4BC7-927A-8B04084726D8}"/>
+                <a16:creationId xmlns:a16="http://schemas.microsoft.com/office/drawing/2014/main" id="{B487C43C-7378-47F2-B4B5-49B73F74B14D}"/>
               </a:ext>
             </a:extLst>
           </p:cNvPr>
@@ -6364,7 +7879,7 @@
         </p:nvCxnSpPr>
         <p:spPr>
           <a:xfrm flipV="1">
-            <a:off x="4933232" y="5314736"/>
+            <a:off x="2725662" y="8672437"/>
             <a:ext cx="158276" cy="1"/>
           </a:xfrm>
           <a:prstGeom prst="straightConnector1">
@@ -6394,10 +7909,10 @@
       </p:cxnSp>
       <p:cxnSp>
         <p:nvCxnSpPr>
-          <p:cNvPr id="16" name="Straight Arrow Connector 15">
+          <p:cNvPr id="60" name="Straight Arrow Connector 59">
             <a:extLst>
               <a:ext uri="{FF2B5EF4-FFF2-40B4-BE49-F238E27FC236}">
-                <a16:creationId xmlns:a16="http://schemas.microsoft.com/office/drawing/2014/main" id="{2B0B034B-0C1B-4285-9838-179272BBAE72}"/>
+                <a16:creationId xmlns:a16="http://schemas.microsoft.com/office/drawing/2014/main" id="{12483356-73DC-4ACD-9311-8CD120642A80}"/>
               </a:ext>
             </a:extLst>
           </p:cNvPr>
@@ -6408,7 +7923,7 @@
         </p:nvCxnSpPr>
         <p:spPr>
           <a:xfrm>
-            <a:off x="4114802" y="5314734"/>
+            <a:off x="1907231" y="8672436"/>
             <a:ext cx="291699" cy="0"/>
           </a:xfrm>
           <a:prstGeom prst="straightConnector1">
@@ -6438,10 +7953,10 @@
       </p:cxnSp>
       <p:sp>
         <p:nvSpPr>
-          <p:cNvPr id="20" name="TextBox 19">
+          <p:cNvPr id="61" name="TextBox 60">
             <a:extLst>
               <a:ext uri="{FF2B5EF4-FFF2-40B4-BE49-F238E27FC236}">
-                <a16:creationId xmlns:a16="http://schemas.microsoft.com/office/drawing/2014/main" id="{BD48993C-F3D0-4F91-839E-033B6199FBF2}"/>
+                <a16:creationId xmlns:a16="http://schemas.microsoft.com/office/drawing/2014/main" id="{77E331D4-FDAA-4BB1-B398-E50916BB2939}"/>
               </a:ext>
             </a:extLst>
           </p:cNvPr>
@@ -6450,7 +7965,7 @@
         </p:nvSpPr>
         <p:spPr>
           <a:xfrm>
-            <a:off x="3162537" y="5166703"/>
+            <a:off x="954966" y="8524404"/>
             <a:ext cx="1045595" cy="461665"/>
           </a:xfrm>
           <a:prstGeom prst="rect">
@@ -6489,10 +8004,10 @@
       </p:sp>
       <p:sp>
         <p:nvSpPr>
-          <p:cNvPr id="25" name="Oval 24">
+          <p:cNvPr id="62" name="Oval 61">
             <a:extLst>
               <a:ext uri="{FF2B5EF4-FFF2-40B4-BE49-F238E27FC236}">
-                <a16:creationId xmlns:a16="http://schemas.microsoft.com/office/drawing/2014/main" id="{1C59870A-B308-4D34-9A51-936851F45642}"/>
+                <a16:creationId xmlns:a16="http://schemas.microsoft.com/office/drawing/2014/main" id="{5637EF16-CE04-46E7-802C-369D1370F3E2}"/>
               </a:ext>
             </a:extLst>
           </p:cNvPr>
@@ -6501,7 +8016,7 @@
         </p:nvSpPr>
         <p:spPr>
           <a:xfrm>
-            <a:off x="8091165" y="5193394"/>
+            <a:off x="5883594" y="8551095"/>
             <a:ext cx="242689" cy="242689"/>
           </a:xfrm>
           <a:prstGeom prst="ellipse">
@@ -6551,10 +8066,10 @@
       </p:sp>
       <p:cxnSp>
         <p:nvCxnSpPr>
-          <p:cNvPr id="31" name="Straight Arrow Connector 30">
+          <p:cNvPr id="63" name="Straight Arrow Connector 62">
             <a:extLst>
               <a:ext uri="{FF2B5EF4-FFF2-40B4-BE49-F238E27FC236}">
-                <a16:creationId xmlns:a16="http://schemas.microsoft.com/office/drawing/2014/main" id="{ED159E46-82CD-41F7-AD0B-39F1CE38E739}"/>
+                <a16:creationId xmlns:a16="http://schemas.microsoft.com/office/drawing/2014/main" id="{EE21A7FC-B3D8-44C1-9950-222E6317BA25}"/>
               </a:ext>
             </a:extLst>
           </p:cNvPr>
@@ -6565,7 +8080,7 @@
         </p:nvCxnSpPr>
         <p:spPr>
           <a:xfrm flipV="1">
-            <a:off x="8324180" y="5314740"/>
+            <a:off x="6116609" y="8672441"/>
             <a:ext cx="446343" cy="1"/>
           </a:xfrm>
           <a:prstGeom prst="straightConnector1">
@@ -6595,10 +8110,10 @@
       </p:cxnSp>
       <p:cxnSp>
         <p:nvCxnSpPr>
-          <p:cNvPr id="32" name="Straight Arrow Connector 31">
+          <p:cNvPr id="64" name="Straight Arrow Connector 63">
             <a:extLst>
               <a:ext uri="{FF2B5EF4-FFF2-40B4-BE49-F238E27FC236}">
-                <a16:creationId xmlns:a16="http://schemas.microsoft.com/office/drawing/2014/main" id="{F7F9F711-929E-4BD0-B444-70E5D2E7C32C}"/>
+                <a16:creationId xmlns:a16="http://schemas.microsoft.com/office/drawing/2014/main" id="{40CA24C3-D3C3-4F30-A046-5E89CFFA6BDA}"/>
               </a:ext>
             </a:extLst>
           </p:cNvPr>
@@ -6609,7 +8124,7 @@
         </p:nvCxnSpPr>
         <p:spPr>
           <a:xfrm>
-            <a:off x="5907026" y="5314735"/>
+            <a:off x="3699455" y="8672437"/>
             <a:ext cx="898149" cy="0"/>
           </a:xfrm>
           <a:prstGeom prst="straightConnector1">
@@ -6639,10 +8154,10 @@
       </p:cxnSp>
       <p:cxnSp>
         <p:nvCxnSpPr>
-          <p:cNvPr id="33" name="Straight Connector 32">
+          <p:cNvPr id="67" name="Straight Connector 66">
             <a:extLst>
               <a:ext uri="{FF2B5EF4-FFF2-40B4-BE49-F238E27FC236}">
-                <a16:creationId xmlns:a16="http://schemas.microsoft.com/office/drawing/2014/main" id="{D829C855-DB41-49D6-8299-EFA8B6B5AB33}"/>
+                <a16:creationId xmlns:a16="http://schemas.microsoft.com/office/drawing/2014/main" id="{B5096430-B294-48AC-BFEC-C02C82A34C9D}"/>
               </a:ext>
             </a:extLst>
           </p:cNvPr>
@@ -6653,7 +8168,7 @@
         </p:nvCxnSpPr>
         <p:spPr>
           <a:xfrm flipV="1">
-            <a:off x="6646896" y="4367726"/>
+            <a:off x="4349696" y="7725427"/>
             <a:ext cx="0" cy="947013"/>
           </a:xfrm>
           <a:prstGeom prst="line">
@@ -6682,10 +8197,10 @@
       </p:cxnSp>
       <p:cxnSp>
         <p:nvCxnSpPr>
-          <p:cNvPr id="34" name="Straight Arrow Connector 33">
+          <p:cNvPr id="71" name="Straight Arrow Connector 70">
             <a:extLst>
               <a:ext uri="{FF2B5EF4-FFF2-40B4-BE49-F238E27FC236}">
-                <a16:creationId xmlns:a16="http://schemas.microsoft.com/office/drawing/2014/main" id="{DB1E31F7-6D6A-418D-A6F7-0176765E6A06}"/>
+                <a16:creationId xmlns:a16="http://schemas.microsoft.com/office/drawing/2014/main" id="{25552764-A32F-4296-98D3-B30C14F1B0DB}"/>
               </a:ext>
             </a:extLst>
           </p:cNvPr>
@@ -6696,7 +8211,7 @@
         </p:nvCxnSpPr>
         <p:spPr>
           <a:xfrm>
-            <a:off x="8212506" y="4367726"/>
+            <a:off x="6004936" y="7725427"/>
             <a:ext cx="0" cy="754445"/>
           </a:xfrm>
           <a:prstGeom prst="straightConnector1">
@@ -6726,20 +8241,22 @@
       </p:cxnSp>
       <p:cxnSp>
         <p:nvCxnSpPr>
-          <p:cNvPr id="35" name="Straight Connector 34">
+          <p:cNvPr id="75" name="Straight Connector 74">
             <a:extLst>
               <a:ext uri="{FF2B5EF4-FFF2-40B4-BE49-F238E27FC236}">
-                <a16:creationId xmlns:a16="http://schemas.microsoft.com/office/drawing/2014/main" id="{688D5B6B-6FCB-4625-9F05-8E3F206F9E74}"/>
+                <a16:creationId xmlns:a16="http://schemas.microsoft.com/office/drawing/2014/main" id="{907CCC70-8954-4D5B-8CAF-015FB928150B}"/>
               </a:ext>
             </a:extLst>
           </p:cNvPr>
-          <p:cNvCxnSpPr/>
+          <p:cNvCxnSpPr>
+            <a:cxnSpLocks/>
+          </p:cNvCxnSpPr>
           <p:nvPr/>
         </p:nvCxnSpPr>
         <p:spPr>
           <a:xfrm>
-            <a:off x="6646896" y="4367722"/>
-            <a:ext cx="1565610" cy="0"/>
+            <a:off x="4349696" y="7725424"/>
+            <a:ext cx="1655240" cy="0"/>
           </a:xfrm>
           <a:prstGeom prst="line">
             <a:avLst/>
@@ -6767,10 +8284,10 @@
       </p:cxnSp>
       <p:sp>
         <p:nvSpPr>
-          <p:cNvPr id="49" name="Rectangle 48">
+          <p:cNvPr id="76" name="Rectangle 75">
             <a:extLst>
               <a:ext uri="{FF2B5EF4-FFF2-40B4-BE49-F238E27FC236}">
-                <a16:creationId xmlns:a16="http://schemas.microsoft.com/office/drawing/2014/main" id="{F6430801-9FB5-4BA9-B422-4983E4964B52}"/>
+                <a16:creationId xmlns:a16="http://schemas.microsoft.com/office/drawing/2014/main" id="{20E86B93-8F74-45E3-A829-41A103357211}"/>
               </a:ext>
             </a:extLst>
           </p:cNvPr>
@@ -6779,7 +8296,7 @@
         </p:nvSpPr>
         <p:spPr>
           <a:xfrm rot="16200000">
-            <a:off x="6192568" y="5227685"/>
+            <a:off x="3984998" y="8585386"/>
             <a:ext cx="1556548" cy="174103"/>
           </a:xfrm>
           <a:prstGeom prst="rect">
@@ -6829,10 +8346,10 @@
       </p:sp>
       <p:sp>
         <p:nvSpPr>
-          <p:cNvPr id="50" name="Rectangle 49">
+          <p:cNvPr id="77" name="Rectangle 76">
             <a:extLst>
               <a:ext uri="{FF2B5EF4-FFF2-40B4-BE49-F238E27FC236}">
-                <a16:creationId xmlns:a16="http://schemas.microsoft.com/office/drawing/2014/main" id="{6D184B1C-382F-4719-A1D2-2286D0F9D151}"/>
+                <a16:creationId xmlns:a16="http://schemas.microsoft.com/office/drawing/2014/main" id="{CBE192C9-FF21-4122-814F-CB236D547952}"/>
               </a:ext>
             </a:extLst>
           </p:cNvPr>
@@ -6841,7 +8358,7 @@
         </p:nvSpPr>
         <p:spPr>
           <a:xfrm rot="16200000">
-            <a:off x="6427307" y="5227685"/>
+            <a:off x="4219737" y="8585386"/>
             <a:ext cx="1556548" cy="174103"/>
           </a:xfrm>
           <a:prstGeom prst="rect">
@@ -6891,10 +8408,10 @@
       </p:sp>
       <p:sp>
         <p:nvSpPr>
-          <p:cNvPr id="51" name="Rectangle 50">
+          <p:cNvPr id="80" name="Rectangle 79">
             <a:extLst>
               <a:ext uri="{FF2B5EF4-FFF2-40B4-BE49-F238E27FC236}">
-                <a16:creationId xmlns:a16="http://schemas.microsoft.com/office/drawing/2014/main" id="{923037E5-17F9-403C-ACCC-947BE16D3721}"/>
+                <a16:creationId xmlns:a16="http://schemas.microsoft.com/office/drawing/2014/main" id="{3858C7B8-DB4B-4B60-88FB-78527F37E557}"/>
               </a:ext>
             </a:extLst>
           </p:cNvPr>
@@ -6903,7 +8420,7 @@
         </p:nvSpPr>
         <p:spPr>
           <a:xfrm rot="16200000">
-            <a:off x="6660323" y="5227685"/>
+            <a:off x="4452753" y="8585386"/>
             <a:ext cx="1556548" cy="174103"/>
           </a:xfrm>
           <a:prstGeom prst="rect">
@@ -6953,10 +8470,10 @@
       </p:sp>
       <p:sp>
         <p:nvSpPr>
-          <p:cNvPr id="52" name="Rectangle 51">
+          <p:cNvPr id="81" name="Rectangle 80">
             <a:extLst>
               <a:ext uri="{FF2B5EF4-FFF2-40B4-BE49-F238E27FC236}">
-                <a16:creationId xmlns:a16="http://schemas.microsoft.com/office/drawing/2014/main" id="{019C7BD5-D390-4566-AF6D-5231F3EE6D9E}"/>
+                <a16:creationId xmlns:a16="http://schemas.microsoft.com/office/drawing/2014/main" id="{56769468-374B-49A9-A5EF-919CB049ABF3}"/>
               </a:ext>
             </a:extLst>
           </p:cNvPr>
@@ -6965,7 +8482,7 @@
         </p:nvSpPr>
         <p:spPr>
           <a:xfrm rot="16200000">
-            <a:off x="6892642" y="5227685"/>
+            <a:off x="4685072" y="8585386"/>
             <a:ext cx="1556548" cy="174103"/>
           </a:xfrm>
           <a:prstGeom prst="rect">
@@ -7015,10 +8532,10 @@
       </p:sp>
       <p:sp>
         <p:nvSpPr>
-          <p:cNvPr id="53" name="Rectangle 52">
+          <p:cNvPr id="86" name="Rectangle 85">
             <a:extLst>
               <a:ext uri="{FF2B5EF4-FFF2-40B4-BE49-F238E27FC236}">
-                <a16:creationId xmlns:a16="http://schemas.microsoft.com/office/drawing/2014/main" id="{19E63813-05B7-4FED-A5CC-28B299E0BEA6}"/>
+                <a16:creationId xmlns:a16="http://schemas.microsoft.com/office/drawing/2014/main" id="{5C22F566-4588-40D3-A791-15449EB44CAE}"/>
               </a:ext>
             </a:extLst>
           </p:cNvPr>
@@ -7027,7 +8544,7 @@
         </p:nvSpPr>
         <p:spPr>
           <a:xfrm rot="16200000">
-            <a:off x="7127381" y="5227685"/>
+            <a:off x="4919811" y="8585386"/>
             <a:ext cx="1556548" cy="174103"/>
           </a:xfrm>
           <a:prstGeom prst="rect">
@@ -7077,10 +8594,10 @@
       </p:sp>
       <p:sp>
         <p:nvSpPr>
-          <p:cNvPr id="54" name="Rectangle 53">
+          <p:cNvPr id="90" name="Rectangle 89">
             <a:extLst>
               <a:ext uri="{FF2B5EF4-FFF2-40B4-BE49-F238E27FC236}">
-                <a16:creationId xmlns:a16="http://schemas.microsoft.com/office/drawing/2014/main" id="{8FABFAC0-C74D-48C9-B78F-30F8F24FCCFA}"/>
+                <a16:creationId xmlns:a16="http://schemas.microsoft.com/office/drawing/2014/main" id="{76D6ACF7-B626-44EA-A495-4E1305DEEBB5}"/>
               </a:ext>
             </a:extLst>
           </p:cNvPr>
@@ -7089,14 +8606,14 @@
         </p:nvSpPr>
         <p:spPr>
           <a:xfrm>
-            <a:off x="6325525" y="4168304"/>
+            <a:off x="4117955" y="7526005"/>
             <a:ext cx="2242024" cy="2342235"/>
           </a:xfrm>
           <a:prstGeom prst="rect">
             <a:avLst/>
           </a:prstGeom>
           <a:noFill/>
-          <a:ln>
+          <a:ln w="38100">
             <a:solidFill>
               <a:schemeClr val="tx1"/>
             </a:solidFill>
@@ -7129,10 +8646,10 @@
       </p:sp>
       <p:grpSp>
         <p:nvGrpSpPr>
-          <p:cNvPr id="66" name="Group 65">
+          <p:cNvPr id="92" name="Group 91">
             <a:extLst>
               <a:ext uri="{FF2B5EF4-FFF2-40B4-BE49-F238E27FC236}">
-                <a16:creationId xmlns:a16="http://schemas.microsoft.com/office/drawing/2014/main" id="{0119BB55-02B6-4CDB-83B7-CA53589758C5}"/>
+                <a16:creationId xmlns:a16="http://schemas.microsoft.com/office/drawing/2014/main" id="{2B71E376-AA8B-45A6-A1BE-E7FFEF775103}"/>
               </a:ext>
             </a:extLst>
           </p:cNvPr>
@@ -7141,7 +8658,7 @@
         </p:nvGrpSpPr>
         <p:grpSpPr>
           <a:xfrm>
-            <a:off x="6771590" y="3820083"/>
+            <a:off x="4564019" y="7177784"/>
             <a:ext cx="1508121" cy="276999"/>
             <a:chOff x="3864985" y="1828016"/>
             <a:chExt cx="1508121" cy="276999"/>
@@ -7149,10 +8666,10 @@
         </p:grpSpPr>
         <p:sp>
           <p:nvSpPr>
-            <p:cNvPr id="55" name="TextBox 54">
+            <p:cNvPr id="135" name="TextBox 134">
               <a:extLst>
                 <a:ext uri="{FF2B5EF4-FFF2-40B4-BE49-F238E27FC236}">
-                  <a16:creationId xmlns:a16="http://schemas.microsoft.com/office/drawing/2014/main" id="{13FD578E-1AA5-4310-9A15-EDC06DCA284D}"/>
+                  <a16:creationId xmlns:a16="http://schemas.microsoft.com/office/drawing/2014/main" id="{8639C898-B152-4A35-A3D9-6D096F6DC290}"/>
                 </a:ext>
               </a:extLst>
             </p:cNvPr>
@@ -7189,10 +8706,10 @@
         </p:sp>
         <p:pic>
           <p:nvPicPr>
-            <p:cNvPr id="65" name="Picture 64" descr="\documentclass{article}&#10;\usepackage{amsmath, amssymb, amsthm}&#10;\usepackage{xcolor}&#10;\pagestyle{empty}&#10;\begin{document}&#10;\setlength\parindent{0pt}&#10;&#10;\newcommand{\argmin}{\operatornamewithlimits{argmin}}&#10;\newcommand{\argmax}{\operatornamewithlimits{argmax}}&#10;\newcommand{\rtwo}{\mathbb{R}^2}&#10;\newcommand{\rone}{\mathbb{R}}&#10;\newcommand{\ex}{\mathbb{E}}&#10;\newcommand{\normal}{\mathcal{N}}&#10;\newcommand{\vor}{\mathcal{V}}&#10;\newcommand{\st}{\mid}&#10;\newcommand{\set}[1]{\left\{#1\right\}}&#10;\newcommand{\norm}[1]{\left\lVert #1\right\rVert}&#10;\newcommand{\rt}{\rightarrow}&#10;&#10;$\ell$&#10;&#10;\end{document}" title="IguanaTex Bitmap Display">
+            <p:cNvPr id="136" name="Picture 135" descr="\documentclass{article}&#10;\usepackage{amsmath, amssymb, amsthm}&#10;\usepackage{xcolor}&#10;\pagestyle{empty}&#10;\begin{document}&#10;\setlength\parindent{0pt}&#10;&#10;\newcommand{\argmin}{\operatornamewithlimits{argmin}}&#10;\newcommand{\argmax}{\operatornamewithlimits{argmax}}&#10;\newcommand{\rtwo}{\mathbb{R}^2}&#10;\newcommand{\rone}{\mathbb{R}}&#10;\newcommand{\ex}{\mathbb{E}}&#10;\newcommand{\normal}{\mathcal{N}}&#10;\newcommand{\vor}{\mathcal{V}}&#10;\newcommand{\st}{\mid}&#10;\newcommand{\set}[1]{\left\{#1\right\}}&#10;\newcommand{\norm}[1]{\left\lVert #1\right\rVert}&#10;\newcommand{\rt}{\rightarrow}&#10;&#10;$\ell$&#10;&#10;\end{document}" title="IguanaTex Bitmap Display">
               <a:extLst>
                 <a:ext uri="{FF2B5EF4-FFF2-40B4-BE49-F238E27FC236}">
-                  <a16:creationId xmlns:a16="http://schemas.microsoft.com/office/drawing/2014/main" id="{15B2C9F7-A208-4D45-9A55-5E3A966CEEF3}"/>
+                  <a16:creationId xmlns:a16="http://schemas.microsoft.com/office/drawing/2014/main" id="{3C820C53-982F-4E2B-BE0D-705D1E87A2FA}"/>
                 </a:ext>
               </a:extLst>
             </p:cNvPr>
@@ -7230,10 +8747,10 @@
       </p:grpSp>
       <p:sp>
         <p:nvSpPr>
-          <p:cNvPr id="68" name="Oval 67">
+          <p:cNvPr id="93" name="Oval 92">
             <a:extLst>
               <a:ext uri="{FF2B5EF4-FFF2-40B4-BE49-F238E27FC236}">
-                <a16:creationId xmlns:a16="http://schemas.microsoft.com/office/drawing/2014/main" id="{CCD3887A-B8EB-4FB8-A8B5-BB6BC6DBF5EB}"/>
+                <a16:creationId xmlns:a16="http://schemas.microsoft.com/office/drawing/2014/main" id="{D9739B7F-D91F-46E8-9787-ACF16EBA8123}"/>
               </a:ext>
             </a:extLst>
           </p:cNvPr>
@@ -7242,7 +8759,7 @@
         </p:nvSpPr>
         <p:spPr>
           <a:xfrm>
-            <a:off x="9370578" y="5193394"/>
+            <a:off x="7163007" y="8551095"/>
             <a:ext cx="242689" cy="242689"/>
           </a:xfrm>
           <a:prstGeom prst="ellipse">
@@ -7292,10 +8809,10 @@
       </p:sp>
       <p:sp>
         <p:nvSpPr>
-          <p:cNvPr id="69" name="Rectangle 68">
+          <p:cNvPr id="96" name="Rectangle 95">
             <a:extLst>
               <a:ext uri="{FF2B5EF4-FFF2-40B4-BE49-F238E27FC236}">
-                <a16:creationId xmlns:a16="http://schemas.microsoft.com/office/drawing/2014/main" id="{2AC489E8-1528-40EA-B767-EB389B0B07CD}"/>
+                <a16:creationId xmlns:a16="http://schemas.microsoft.com/office/drawing/2014/main" id="{A7FEC269-73A2-4F0C-998D-204A2942C789}"/>
               </a:ext>
             </a:extLst>
           </p:cNvPr>
@@ -7304,7 +8821,7 @@
         </p:nvSpPr>
         <p:spPr>
           <a:xfrm rot="16200000">
-            <a:off x="8172055" y="5227685"/>
+            <a:off x="5964485" y="8585386"/>
             <a:ext cx="1556548" cy="174103"/>
           </a:xfrm>
           <a:prstGeom prst="rect">
@@ -7354,10 +8871,10 @@
       </p:sp>
       <p:sp>
         <p:nvSpPr>
-          <p:cNvPr id="70" name="Rectangle 69">
+          <p:cNvPr id="97" name="Rectangle 96">
             <a:extLst>
               <a:ext uri="{FF2B5EF4-FFF2-40B4-BE49-F238E27FC236}">
-                <a16:creationId xmlns:a16="http://schemas.microsoft.com/office/drawing/2014/main" id="{B0AE84BB-BDC1-45DC-852F-D20DC0625B38}"/>
+                <a16:creationId xmlns:a16="http://schemas.microsoft.com/office/drawing/2014/main" id="{C29DEB4A-C777-4561-8A90-3CD355DCC55A}"/>
               </a:ext>
             </a:extLst>
           </p:cNvPr>
@@ -7366,7 +8883,7 @@
         </p:nvSpPr>
         <p:spPr>
           <a:xfrm rot="16200000">
-            <a:off x="8406794" y="5227685"/>
+            <a:off x="6199224" y="8585386"/>
             <a:ext cx="1556548" cy="174103"/>
           </a:xfrm>
           <a:prstGeom prst="rect">
@@ -7416,10 +8933,10 @@
       </p:sp>
       <p:cxnSp>
         <p:nvCxnSpPr>
-          <p:cNvPr id="72" name="Straight Connector 71">
+          <p:cNvPr id="103" name="Straight Connector 102">
             <a:extLst>
               <a:ext uri="{FF2B5EF4-FFF2-40B4-BE49-F238E27FC236}">
-                <a16:creationId xmlns:a16="http://schemas.microsoft.com/office/drawing/2014/main" id="{E757F88A-9604-4302-BF5B-B98E8BEAD1AF}"/>
+                <a16:creationId xmlns:a16="http://schemas.microsoft.com/office/drawing/2014/main" id="{06E16448-99A2-4B56-99F8-8EC782FF4A9E}"/>
               </a:ext>
             </a:extLst>
           </p:cNvPr>
@@ -7430,7 +8947,7 @@
         </p:nvCxnSpPr>
         <p:spPr>
           <a:xfrm>
-            <a:off x="6100985" y="5296820"/>
+            <a:off x="3893415" y="8654522"/>
             <a:ext cx="0" cy="1401160"/>
           </a:xfrm>
           <a:prstGeom prst="line">
@@ -7459,10 +8976,10 @@
       </p:cxnSp>
       <p:cxnSp>
         <p:nvCxnSpPr>
-          <p:cNvPr id="73" name="Straight Arrow Connector 72">
+          <p:cNvPr id="104" name="Straight Arrow Connector 103">
             <a:extLst>
               <a:ext uri="{FF2B5EF4-FFF2-40B4-BE49-F238E27FC236}">
-                <a16:creationId xmlns:a16="http://schemas.microsoft.com/office/drawing/2014/main" id="{CC2DB075-E0ED-4352-9E8E-1087C35840BB}"/>
+                <a16:creationId xmlns:a16="http://schemas.microsoft.com/office/drawing/2014/main" id="{34B1A3E1-E7D8-432B-80E1-35B03DD8D1E0}"/>
               </a:ext>
             </a:extLst>
           </p:cNvPr>
@@ -7473,7 +8990,7 @@
         </p:nvCxnSpPr>
         <p:spPr>
           <a:xfrm flipV="1">
-            <a:off x="9495395" y="5486400"/>
+            <a:off x="7287825" y="8844102"/>
             <a:ext cx="0" cy="1211580"/>
           </a:xfrm>
           <a:prstGeom prst="straightConnector1">
@@ -7503,10 +9020,10 @@
       </p:cxnSp>
       <p:cxnSp>
         <p:nvCxnSpPr>
-          <p:cNvPr id="74" name="Straight Connector 73">
+          <p:cNvPr id="105" name="Straight Connector 104">
             <a:extLst>
               <a:ext uri="{FF2B5EF4-FFF2-40B4-BE49-F238E27FC236}">
-                <a16:creationId xmlns:a16="http://schemas.microsoft.com/office/drawing/2014/main" id="{A67AA587-91EE-410A-BE36-61BBDA6D37AC}"/>
+                <a16:creationId xmlns:a16="http://schemas.microsoft.com/office/drawing/2014/main" id="{9A15222A-F21B-477C-B740-42DF34C4DB5B}"/>
               </a:ext>
             </a:extLst>
           </p:cNvPr>
@@ -7517,7 +9034,7 @@
         </p:nvCxnSpPr>
         <p:spPr>
           <a:xfrm>
-            <a:off x="6100985" y="6678178"/>
+            <a:off x="3893415" y="10035880"/>
             <a:ext cx="3394410" cy="0"/>
           </a:xfrm>
           <a:prstGeom prst="line">
@@ -7546,10 +9063,10 @@
       </p:cxnSp>
       <p:sp>
         <p:nvSpPr>
-          <p:cNvPr id="78" name="Rectangle 77">
+          <p:cNvPr id="106" name="Rectangle 105">
             <a:extLst>
               <a:ext uri="{FF2B5EF4-FFF2-40B4-BE49-F238E27FC236}">
-                <a16:creationId xmlns:a16="http://schemas.microsoft.com/office/drawing/2014/main" id="{E924F0C6-8111-4BDD-A4B3-17CA3D0F1C91}"/>
+                <a16:creationId xmlns:a16="http://schemas.microsoft.com/office/drawing/2014/main" id="{92E1CF5C-34F3-4E98-8669-50C304F93441}"/>
               </a:ext>
             </a:extLst>
           </p:cNvPr>
@@ -7558,7 +9075,7 @@
         </p:nvSpPr>
         <p:spPr>
           <a:xfrm rot="16200000">
-            <a:off x="9408654" y="5227689"/>
+            <a:off x="7201084" y="8585390"/>
             <a:ext cx="1556548" cy="174103"/>
           </a:xfrm>
           <a:prstGeom prst="rect">
@@ -7608,10 +9125,10 @@
       </p:sp>
       <p:sp>
         <p:nvSpPr>
-          <p:cNvPr id="79" name="Rectangle 78">
+          <p:cNvPr id="107" name="Rectangle 106">
             <a:extLst>
               <a:ext uri="{FF2B5EF4-FFF2-40B4-BE49-F238E27FC236}">
-                <a16:creationId xmlns:a16="http://schemas.microsoft.com/office/drawing/2014/main" id="{41E75FCD-28C4-4BCE-8C60-8559A601615F}"/>
+                <a16:creationId xmlns:a16="http://schemas.microsoft.com/office/drawing/2014/main" id="{E7E0B805-FD98-4D26-BEF3-BEDB407ED2EB}"/>
               </a:ext>
             </a:extLst>
           </p:cNvPr>
@@ -7620,7 +9137,7 @@
         </p:nvSpPr>
         <p:spPr>
           <a:xfrm rot="16200000">
-            <a:off x="9643393" y="5227689"/>
+            <a:off x="7435823" y="8585390"/>
             <a:ext cx="1556548" cy="174103"/>
           </a:xfrm>
           <a:prstGeom prst="rect">
@@ -7670,10 +9187,10 @@
       </p:sp>
       <p:cxnSp>
         <p:nvCxnSpPr>
-          <p:cNvPr id="82" name="Straight Arrow Connector 81">
+          <p:cNvPr id="111" name="Straight Arrow Connector 110">
             <a:extLst>
               <a:ext uri="{FF2B5EF4-FFF2-40B4-BE49-F238E27FC236}">
-                <a16:creationId xmlns:a16="http://schemas.microsoft.com/office/drawing/2014/main" id="{42FBBB83-158B-4859-8307-1FD7BEDB575E}"/>
+                <a16:creationId xmlns:a16="http://schemas.microsoft.com/office/drawing/2014/main" id="{4C211A49-E1AD-4E72-A339-8C730B3EFCD7}"/>
               </a:ext>
             </a:extLst>
           </p:cNvPr>
@@ -7684,7 +9201,7 @@
         </p:nvCxnSpPr>
         <p:spPr>
           <a:xfrm>
-            <a:off x="9613265" y="5314734"/>
+            <a:off x="7405695" y="8672436"/>
             <a:ext cx="374806" cy="0"/>
           </a:xfrm>
           <a:prstGeom prst="straightConnector1">
@@ -7714,10 +9231,10 @@
       </p:cxnSp>
       <p:sp>
         <p:nvSpPr>
-          <p:cNvPr id="83" name="Rectangle 82">
+          <p:cNvPr id="112" name="Rectangle 111">
             <a:extLst>
               <a:ext uri="{FF2B5EF4-FFF2-40B4-BE49-F238E27FC236}">
-                <a16:creationId xmlns:a16="http://schemas.microsoft.com/office/drawing/2014/main" id="{FDC5FF45-0181-4A85-BD22-8ED2654B24A4}"/>
+                <a16:creationId xmlns:a16="http://schemas.microsoft.com/office/drawing/2014/main" id="{DB3225A5-AF40-4AB3-9D5B-0ADB73D5D08D}"/>
               </a:ext>
             </a:extLst>
           </p:cNvPr>
@@ -7726,7 +9243,7 @@
         </p:nvSpPr>
         <p:spPr>
           <a:xfrm rot="16200000">
-            <a:off x="9896338" y="5227689"/>
+            <a:off x="7688768" y="8585390"/>
             <a:ext cx="1556548" cy="174103"/>
           </a:xfrm>
           <a:prstGeom prst="rect">
@@ -7776,10 +9293,10 @@
       </p:sp>
       <p:sp>
         <p:nvSpPr>
-          <p:cNvPr id="84" name="Rectangle 83">
+          <p:cNvPr id="113" name="Rectangle 112">
             <a:extLst>
               <a:ext uri="{FF2B5EF4-FFF2-40B4-BE49-F238E27FC236}">
-                <a16:creationId xmlns:a16="http://schemas.microsoft.com/office/drawing/2014/main" id="{52C58F3B-1F1A-477D-8130-0AC0260850D0}"/>
+                <a16:creationId xmlns:a16="http://schemas.microsoft.com/office/drawing/2014/main" id="{76377381-31E5-4272-866B-95951FB0409C}"/>
               </a:ext>
             </a:extLst>
           </p:cNvPr>
@@ -7788,7 +9305,7 @@
         </p:nvSpPr>
         <p:spPr>
           <a:xfrm rot="16200000">
-            <a:off x="10131077" y="5227689"/>
+            <a:off x="7923507" y="8585390"/>
             <a:ext cx="1556548" cy="174103"/>
           </a:xfrm>
           <a:prstGeom prst="rect">
@@ -7838,10 +9355,10 @@
       </p:sp>
       <p:cxnSp>
         <p:nvCxnSpPr>
-          <p:cNvPr id="85" name="Straight Arrow Connector 84">
+          <p:cNvPr id="114" name="Straight Arrow Connector 113">
             <a:extLst>
               <a:ext uri="{FF2B5EF4-FFF2-40B4-BE49-F238E27FC236}">
-                <a16:creationId xmlns:a16="http://schemas.microsoft.com/office/drawing/2014/main" id="{85D4FB73-4A32-43D8-BD27-8EDBC642BEA9}"/>
+                <a16:creationId xmlns:a16="http://schemas.microsoft.com/office/drawing/2014/main" id="{D638D5D2-529E-4189-A00B-161F64B25E45}"/>
               </a:ext>
             </a:extLst>
           </p:cNvPr>
@@ -7850,7 +9367,7 @@
         </p:nvCxnSpPr>
         <p:spPr>
           <a:xfrm flipV="1">
-            <a:off x="10990905" y="5314736"/>
+            <a:off x="8783335" y="8672437"/>
             <a:ext cx="158276" cy="1"/>
           </a:xfrm>
           <a:prstGeom prst="straightConnector1">
@@ -7880,10 +9397,10 @@
       </p:cxnSp>
       <p:cxnSp>
         <p:nvCxnSpPr>
-          <p:cNvPr id="87" name="Straight Arrow Connector 86">
+          <p:cNvPr id="115" name="Straight Arrow Connector 114">
             <a:extLst>
               <a:ext uri="{FF2B5EF4-FFF2-40B4-BE49-F238E27FC236}">
-                <a16:creationId xmlns:a16="http://schemas.microsoft.com/office/drawing/2014/main" id="{F36789BF-12D5-4982-86A4-9725AC4F9583}"/>
+                <a16:creationId xmlns:a16="http://schemas.microsoft.com/office/drawing/2014/main" id="{37EDF3D9-E948-481C-9340-2E556E3564B7}"/>
               </a:ext>
             </a:extLst>
           </p:cNvPr>
@@ -7894,7 +9411,7 @@
         </p:nvCxnSpPr>
         <p:spPr>
           <a:xfrm>
-            <a:off x="11990705" y="5314734"/>
+            <a:off x="9783135" y="8672436"/>
             <a:ext cx="374806" cy="0"/>
           </a:xfrm>
           <a:prstGeom prst="straightConnector1">
@@ -7924,10 +9441,10 @@
       </p:cxnSp>
       <p:sp>
         <p:nvSpPr>
-          <p:cNvPr id="88" name="Rectangle 87">
+          <p:cNvPr id="116" name="Rectangle 115">
             <a:extLst>
               <a:ext uri="{FF2B5EF4-FFF2-40B4-BE49-F238E27FC236}">
-                <a16:creationId xmlns:a16="http://schemas.microsoft.com/office/drawing/2014/main" id="{B3FBC194-92C4-4971-80B0-D3EAD4658368}"/>
+                <a16:creationId xmlns:a16="http://schemas.microsoft.com/office/drawing/2014/main" id="{5FF488C4-C81C-468A-9057-2FA6CE41B31C}"/>
               </a:ext>
             </a:extLst>
           </p:cNvPr>
@@ -7936,7 +9453,7 @@
         </p:nvSpPr>
         <p:spPr>
           <a:xfrm rot="16200000">
-            <a:off x="11780906" y="5227689"/>
+            <a:off x="9573336" y="8585390"/>
             <a:ext cx="1556548" cy="174103"/>
           </a:xfrm>
           <a:prstGeom prst="rect">
@@ -7986,10 +9503,10 @@
       </p:sp>
       <p:cxnSp>
         <p:nvCxnSpPr>
-          <p:cNvPr id="89" name="Straight Arrow Connector 88">
+          <p:cNvPr id="120" name="Straight Arrow Connector 119">
             <a:extLst>
               <a:ext uri="{FF2B5EF4-FFF2-40B4-BE49-F238E27FC236}">
-                <a16:creationId xmlns:a16="http://schemas.microsoft.com/office/drawing/2014/main" id="{8843644A-67C5-4EA1-ACBF-1FBE6DF61C45}"/>
+                <a16:creationId xmlns:a16="http://schemas.microsoft.com/office/drawing/2014/main" id="{FA6709EA-C94D-4EC8-BED6-ADEB532EF920}"/>
               </a:ext>
             </a:extLst>
           </p:cNvPr>
@@ -8000,7 +9517,7 @@
         </p:nvCxnSpPr>
         <p:spPr>
           <a:xfrm>
-            <a:off x="12638612" y="5314734"/>
+            <a:off x="10431042" y="8672436"/>
             <a:ext cx="374806" cy="0"/>
           </a:xfrm>
           <a:prstGeom prst="straightConnector1">
@@ -8030,10 +9547,10 @@
       </p:cxnSp>
       <p:sp>
         <p:nvSpPr>
-          <p:cNvPr id="91" name="TextBox 90">
+          <p:cNvPr id="121" name="TextBox 120">
             <a:extLst>
               <a:ext uri="{FF2B5EF4-FFF2-40B4-BE49-F238E27FC236}">
-                <a16:creationId xmlns:a16="http://schemas.microsoft.com/office/drawing/2014/main" id="{FF8D127F-83D4-4CA1-A031-30372BD227A8}"/>
+                <a16:creationId xmlns:a16="http://schemas.microsoft.com/office/drawing/2014/main" id="{AC31A42A-DB71-46C4-A2B0-AD0BF144556D}"/>
               </a:ext>
             </a:extLst>
           </p:cNvPr>
@@ -8042,8 +9559,8 @@
         </p:nvSpPr>
         <p:spPr>
           <a:xfrm>
-            <a:off x="12947266" y="5166703"/>
-            <a:ext cx="1045595" cy="461665"/>
+            <a:off x="10812366" y="8524404"/>
+            <a:ext cx="887110" cy="461665"/>
           </a:xfrm>
           <a:prstGeom prst="rect">
             <a:avLst/>
@@ -8056,7 +9573,6 @@
           </a:bodyPr>
           <a:lstStyle/>
           <a:p>
-            <a:pPr algn="ctr"/>
             <a:r>
               <a:rPr lang="en-US" sz="1200" dirty="0">
                 <a:latin typeface="DejaVu Sans" panose="020B0603030804020204" pitchFamily="34" charset="0"/>
@@ -8067,7 +9583,6 @@
             </a:r>
           </a:p>
           <a:p>
-            <a:pPr algn="ctr"/>
             <a:r>
               <a:rPr lang="en-US" sz="1200" dirty="0">
                 <a:latin typeface="DejaVu Sans" panose="020B0603030804020204" pitchFamily="34" charset="0"/>
@@ -8081,10 +9596,10 @@
       </p:sp>
       <p:pic>
         <p:nvPicPr>
-          <p:cNvPr id="94" name="Picture 93" descr="\documentclass{article}&#10;\usepackage{amsmath, amssymb, amsthm}&#10;\usepackage{xcolor}&#10;\pagestyle{empty}&#10;\begin{document}&#10;\setlength\parindent{0pt}&#10;&#10;\newcommand{\argmin}{\operatornamewithlimits{argmin}}&#10;\newcommand{\argmax}{\operatornamewithlimits{argmax}}&#10;\newcommand{\rtwo}{\mathbb{R}^2}&#10;\newcommand{\rone}{\mathbb{R}}&#10;\newcommand{\ex}{\mathbb{E}}&#10;\newcommand{\normal}{\mathcal{N}}&#10;\newcommand{\vor}{\mathcal{V}}&#10;\newcommand{\st}{\mid}&#10;\newcommand{\set}[1]{\left\{#1\right\}}&#10;\newcommand{\norm}[1]{\left\lVert #1\right\rVert}&#10;\newcommand{\rt}{\rightarrow}&#10;&#10;$k_1$&#10;&#10;\end{document}" title="IguanaTex Bitmap Display">
+          <p:cNvPr id="122" name="Picture 121" descr="\documentclass{article}&#10;\usepackage{amsmath, amssymb, amsthm}&#10;\usepackage{xcolor}&#10;\pagestyle{empty}&#10;\begin{document}&#10;\setlength\parindent{0pt}&#10;&#10;\newcommand{\argmin}{\operatornamewithlimits{argmin}}&#10;\newcommand{\argmax}{\operatornamewithlimits{argmax}}&#10;\newcommand{\rtwo}{\mathbb{R}^2}&#10;\newcommand{\rone}{\mathbb{R}}&#10;\newcommand{\ex}{\mathbb{E}}&#10;\newcommand{\normal}{\mathcal{N}}&#10;\newcommand{\vor}{\mathcal{V}}&#10;\newcommand{\st}{\mid}&#10;\newcommand{\set}[1]{\left\{#1\right\}}&#10;\newcommand{\norm}[1]{\left\lVert #1\right\rVert}&#10;\newcommand{\rt}{\rightarrow}&#10;&#10;$k_1$&#10;&#10;\end{document}" title="IguanaTex Bitmap Display">
             <a:extLst>
               <a:ext uri="{FF2B5EF4-FFF2-40B4-BE49-F238E27FC236}">
-                <a16:creationId xmlns:a16="http://schemas.microsoft.com/office/drawing/2014/main" id="{CD291FFC-55E3-48A8-9F16-9A54FE51BD4B}"/>
+                <a16:creationId xmlns:a16="http://schemas.microsoft.com/office/drawing/2014/main" id="{8D135EB1-D726-45E2-A4E9-B849139D11FA}"/>
               </a:ext>
             </a:extLst>
           </p:cNvPr>
@@ -8111,7 +9626,7 @@
         </p:blipFill>
         <p:spPr>
           <a:xfrm>
-            <a:off x="4522966" y="6203577"/>
+            <a:off x="2315396" y="9561279"/>
             <a:ext cx="162176" cy="170712"/>
           </a:xfrm>
           <a:prstGeom prst="rect">
@@ -8121,10 +9636,10 @@
       </p:pic>
       <p:pic>
         <p:nvPicPr>
-          <p:cNvPr id="95" name="Picture 94" descr="\documentclass{article}&#10;\usepackage{amsmath, amssymb, amsthm}&#10;\usepackage{xcolor}&#10;\pagestyle{empty}&#10;\begin{document}&#10;\setlength\parindent{0pt}&#10;&#10;\newcommand{\argmin}{\operatornamewithlimits{argmin}}&#10;\newcommand{\argmax}{\operatornamewithlimits{argmax}}&#10;\newcommand{\rtwo}{\mathbb{R}^2}&#10;\newcommand{\rone}{\mathbb{R}}&#10;\newcommand{\ex}{\mathbb{E}}&#10;\newcommand{\normal}{\mathcal{N}}&#10;\newcommand{\vor}{\mathcal{V}}&#10;\newcommand{\st}{\mid}&#10;\newcommand{\set}[1]{\left\{#1\right\}}&#10;\newcommand{\norm}[1]{\left\lVert #1\right\rVert}&#10;\newcommand{\rt}{\rightarrow}&#10;&#10;$k_1$&#10;&#10;\end{document}" title="IguanaTex Bitmap Display">
+          <p:cNvPr id="123" name="Picture 122" descr="\documentclass{article}&#10;\usepackage{amsmath, amssymb, amsthm}&#10;\usepackage{xcolor}&#10;\pagestyle{empty}&#10;\begin{document}&#10;\setlength\parindent{0pt}&#10;&#10;\newcommand{\argmin}{\operatornamewithlimits{argmin}}&#10;\newcommand{\argmax}{\operatornamewithlimits{argmax}}&#10;\newcommand{\rtwo}{\mathbb{R}^2}&#10;\newcommand{\rone}{\mathbb{R}}&#10;\newcommand{\ex}{\mathbb{E}}&#10;\newcommand{\normal}{\mathcal{N}}&#10;\newcommand{\vor}{\mathcal{V}}&#10;\newcommand{\st}{\mid}&#10;\newcommand{\set}[1]{\left\{#1\right\}}&#10;\newcommand{\norm}[1]{\left\lVert #1\right\rVert}&#10;\newcommand{\rt}{\rightarrow}&#10;&#10;$k_1$&#10;&#10;\end{document}" title="IguanaTex Bitmap Display">
             <a:extLst>
               <a:ext uri="{FF2B5EF4-FFF2-40B4-BE49-F238E27FC236}">
-                <a16:creationId xmlns:a16="http://schemas.microsoft.com/office/drawing/2014/main" id="{4D8D7FB2-A3C7-4567-BA5B-45EF55C2BF0A}"/>
+                <a16:creationId xmlns:a16="http://schemas.microsoft.com/office/drawing/2014/main" id="{D71518CD-D9C2-4B25-873F-3807FC00E365}"/>
               </a:ext>
             </a:extLst>
           </p:cNvPr>
@@ -8151,7 +9666,7 @@
         </p:blipFill>
         <p:spPr>
           <a:xfrm>
-            <a:off x="12484056" y="6203577"/>
+            <a:off x="10276486" y="9561279"/>
             <a:ext cx="162176" cy="170712"/>
           </a:xfrm>
           <a:prstGeom prst="rect">
@@ -8161,10 +9676,10 @@
       </p:pic>
       <p:pic>
         <p:nvPicPr>
-          <p:cNvPr id="98" name="Picture 97" descr="\documentclass{article}&#10;\usepackage{amsmath, amssymb, amsthm}&#10;\usepackage{xcolor}&#10;\pagestyle{empty}&#10;\begin{document}&#10;\setlength\parindent{0pt}&#10;&#10;\newcommand{\argmin}{\operatornamewithlimits{argmin}}&#10;\newcommand{\argmax}{\operatornamewithlimits{argmax}}&#10;\newcommand{\rtwo}{\mathbb{R}^2}&#10;\newcommand{\rone}{\mathbb{R}}&#10;\newcommand{\ex}{\mathbb{E}}&#10;\newcommand{\normal}{\mathcal{N}}&#10;\newcommand{\vor}{\mathcal{V}}&#10;\newcommand{\st}{\mid}&#10;\newcommand{\set}[1]{\left\{#1\right\}}&#10;\newcommand{\norm}[1]{\left\lVert #1\right\rVert}&#10;\newcommand{\rt}{\rightarrow}&#10;&#10;$k_2$&#10;&#10;\end{document}" title="IguanaTex Bitmap Display">
+          <p:cNvPr id="124" name="Picture 123" descr="\documentclass{article}&#10;\usepackage{amsmath, amssymb, amsthm}&#10;\usepackage{xcolor}&#10;\pagestyle{empty}&#10;\begin{document}&#10;\setlength\parindent{0pt}&#10;&#10;\newcommand{\argmin}{\operatornamewithlimits{argmin}}&#10;\newcommand{\argmax}{\operatornamewithlimits{argmax}}&#10;\newcommand{\rtwo}{\mathbb{R}^2}&#10;\newcommand{\rone}{\mathbb{R}}&#10;\newcommand{\ex}{\mathbb{E}}&#10;\newcommand{\normal}{\mathcal{N}}&#10;\newcommand{\vor}{\mathcal{V}}&#10;\newcommand{\st}{\mid}&#10;\newcommand{\set}[1]{\left\{#1\right\}}&#10;\newcommand{\norm}[1]{\left\lVert #1\right\rVert}&#10;\newcommand{\rt}{\rightarrow}&#10;&#10;$k_2$&#10;&#10;\end{document}" title="IguanaTex Bitmap Display">
             <a:extLst>
               <a:ext uri="{FF2B5EF4-FFF2-40B4-BE49-F238E27FC236}">
-                <a16:creationId xmlns:a16="http://schemas.microsoft.com/office/drawing/2014/main" id="{F3768434-E03B-46EC-A9A2-4B7C042DA9CB}"/>
+                <a16:creationId xmlns:a16="http://schemas.microsoft.com/office/drawing/2014/main" id="{AD5D4579-CDFE-441F-8A6D-2E729E561AF8}"/>
               </a:ext>
             </a:extLst>
           </p:cNvPr>
@@ -8191,7 +9706,7 @@
         </p:blipFill>
         <p:spPr>
           <a:xfrm>
-            <a:off x="6911010" y="6203577"/>
+            <a:off x="4703440" y="9561279"/>
             <a:ext cx="165834" cy="170712"/>
           </a:xfrm>
           <a:prstGeom prst="rect">
@@ -8201,10 +9716,10 @@
       </p:pic>
       <p:pic>
         <p:nvPicPr>
-          <p:cNvPr id="99" name="Picture 98" descr="\documentclass{article}&#10;\usepackage{amsmath, amssymb, amsthm}&#10;\usepackage{xcolor}&#10;\pagestyle{empty}&#10;\begin{document}&#10;\setlength\parindent{0pt}&#10;&#10;\newcommand{\argmin}{\operatornamewithlimits{argmin}}&#10;\newcommand{\argmax}{\operatornamewithlimits{argmax}}&#10;\newcommand{\rtwo}{\mathbb{R}^2}&#10;\newcommand{\rone}{\mathbb{R}}&#10;\newcommand{\ex}{\mathbb{E}}&#10;\newcommand{\normal}{\mathcal{N}}&#10;\newcommand{\vor}{\mathcal{V}}&#10;\newcommand{\st}{\mid}&#10;\newcommand{\set}[1]{\left\{#1\right\}}&#10;\newcommand{\norm}[1]{\left\lVert #1\right\rVert}&#10;\newcommand{\rt}{\rightarrow}&#10;&#10;$k_2$&#10;&#10;\end{document}" title="IguanaTex Bitmap Display">
+          <p:cNvPr id="125" name="Picture 124" descr="\documentclass{article}&#10;\usepackage{amsmath, amssymb, amsthm}&#10;\usepackage{xcolor}&#10;\pagestyle{empty}&#10;\begin{document}&#10;\setlength\parindent{0pt}&#10;&#10;\newcommand{\argmin}{\operatornamewithlimits{argmin}}&#10;\newcommand{\argmax}{\operatornamewithlimits{argmax}}&#10;\newcommand{\rtwo}{\mathbb{R}^2}&#10;\newcommand{\rone}{\mathbb{R}}&#10;\newcommand{\ex}{\mathbb{E}}&#10;\newcommand{\normal}{\mathcal{N}}&#10;\newcommand{\vor}{\mathcal{V}}&#10;\newcommand{\st}{\mid}&#10;\newcommand{\set}[1]{\left\{#1\right\}}&#10;\newcommand{\norm}[1]{\left\lVert #1\right\rVert}&#10;\newcommand{\rt}{\rightarrow}&#10;&#10;$k_2$&#10;&#10;\end{document}" title="IguanaTex Bitmap Display">
             <a:extLst>
               <a:ext uri="{FF2B5EF4-FFF2-40B4-BE49-F238E27FC236}">
-                <a16:creationId xmlns:a16="http://schemas.microsoft.com/office/drawing/2014/main" id="{0ACBA4C4-212A-49A7-8FC6-DFE1F06578C6}"/>
+                <a16:creationId xmlns:a16="http://schemas.microsoft.com/office/drawing/2014/main" id="{7389078E-74F2-4BB7-AB93-54BAA549EF17}"/>
               </a:ext>
             </a:extLst>
           </p:cNvPr>
@@ -8231,7 +9746,7 @@
         </p:blipFill>
         <p:spPr>
           <a:xfrm>
-            <a:off x="7592134" y="6203577"/>
+            <a:off x="5384564" y="9561279"/>
             <a:ext cx="165834" cy="170712"/>
           </a:xfrm>
           <a:prstGeom prst="rect">
@@ -8241,10 +9756,10 @@
       </p:pic>
       <p:pic>
         <p:nvPicPr>
-          <p:cNvPr id="100" name="Picture 99" descr="\documentclass{article}&#10;\usepackage{amsmath, amssymb, amsthm}&#10;\usepackage{xcolor}&#10;\pagestyle{empty}&#10;\begin{document}&#10;\setlength\parindent{0pt}&#10;&#10;\newcommand{\argmin}{\operatornamewithlimits{argmin}}&#10;\newcommand{\argmax}{\operatornamewithlimits{argmax}}&#10;\newcommand{\rtwo}{\mathbb{R}^2}&#10;\newcommand{\rone}{\mathbb{R}}&#10;\newcommand{\ex}{\mathbb{E}}&#10;\newcommand{\normal}{\mathcal{N}}&#10;\newcommand{\vor}{\mathcal{V}}&#10;\newcommand{\st}{\mid}&#10;\newcommand{\set}[1]{\left\{#1\right\}}&#10;\newcommand{\norm}[1]{\left\lVert #1\right\rVert}&#10;\newcommand{\rt}{\rightarrow}&#10;&#10;$k_2$&#10;&#10;\end{document}" title="IguanaTex Bitmap Display">
+          <p:cNvPr id="126" name="Picture 125" descr="\documentclass{article}&#10;\usepackage{amsmath, amssymb, amsthm}&#10;\usepackage{xcolor}&#10;\pagestyle{empty}&#10;\begin{document}&#10;\setlength\parindent{0pt}&#10;&#10;\newcommand{\argmin}{\operatornamewithlimits{argmin}}&#10;\newcommand{\argmax}{\operatornamewithlimits{argmax}}&#10;\newcommand{\rtwo}{\mathbb{R}^2}&#10;\newcommand{\rone}{\mathbb{R}}&#10;\newcommand{\ex}{\mathbb{E}}&#10;\newcommand{\normal}{\mathcal{N}}&#10;\newcommand{\vor}{\mathcal{V}}&#10;\newcommand{\st}{\mid}&#10;\newcommand{\set}[1]{\left\{#1\right\}}&#10;\newcommand{\norm}[1]{\left\lVert #1\right\rVert}&#10;\newcommand{\rt}{\rightarrow}&#10;&#10;$k_2$&#10;&#10;\end{document}" title="IguanaTex Bitmap Display">
             <a:extLst>
               <a:ext uri="{FF2B5EF4-FFF2-40B4-BE49-F238E27FC236}">
-                <a16:creationId xmlns:a16="http://schemas.microsoft.com/office/drawing/2014/main" id="{A24CBECF-80C7-47C5-BEEB-5C0B402CBD6F}"/>
+                <a16:creationId xmlns:a16="http://schemas.microsoft.com/office/drawing/2014/main" id="{0262E2A3-1251-4951-9946-E4CD32E03916}"/>
               </a:ext>
             </a:extLst>
           </p:cNvPr>
@@ -8271,7 +9786,7 @@
         </p:blipFill>
         <p:spPr>
           <a:xfrm>
-            <a:off x="8865638" y="6203577"/>
+            <a:off x="6658068" y="9561279"/>
             <a:ext cx="165834" cy="170712"/>
           </a:xfrm>
           <a:prstGeom prst="rect">
@@ -8281,10 +9796,10 @@
       </p:pic>
       <p:pic>
         <p:nvPicPr>
-          <p:cNvPr id="101" name="Picture 100" descr="\documentclass{article}&#10;\usepackage{amsmath, amssymb, amsthm}&#10;\usepackage{xcolor}&#10;\pagestyle{empty}&#10;\begin{document}&#10;\setlength\parindent{0pt}&#10;&#10;\newcommand{\argmin}{\operatornamewithlimits{argmin}}&#10;\newcommand{\argmax}{\operatornamewithlimits{argmax}}&#10;\newcommand{\rtwo}{\mathbb{R}^2}&#10;\newcommand{\rone}{\mathbb{R}}&#10;\newcommand{\ex}{\mathbb{E}}&#10;\newcommand{\normal}{\mathcal{N}}&#10;\newcommand{\vor}{\mathcal{V}}&#10;\newcommand{\st}{\mid}&#10;\newcommand{\set}[1]{\left\{#1\right\}}&#10;\newcommand{\norm}[1]{\left\lVert #1\right\rVert}&#10;\newcommand{\rt}{\rightarrow}&#10;&#10;$k_2$&#10;&#10;\end{document}" title="IguanaTex Bitmap Display">
+          <p:cNvPr id="127" name="Picture 126" descr="\documentclass{article}&#10;\usepackage{amsmath, amssymb, amsthm}&#10;\usepackage{xcolor}&#10;\pagestyle{empty}&#10;\begin{document}&#10;\setlength\parindent{0pt}&#10;&#10;\newcommand{\argmin}{\operatornamewithlimits{argmin}}&#10;\newcommand{\argmax}{\operatornamewithlimits{argmax}}&#10;\newcommand{\rtwo}{\mathbb{R}^2}&#10;\newcommand{\rone}{\mathbb{R}}&#10;\newcommand{\ex}{\mathbb{E}}&#10;\newcommand{\normal}{\mathcal{N}}&#10;\newcommand{\vor}{\mathcal{V}}&#10;\newcommand{\st}{\mid}&#10;\newcommand{\set}[1]{\left\{#1\right\}}&#10;\newcommand{\norm}[1]{\left\lVert #1\right\rVert}&#10;\newcommand{\rt}{\rightarrow}&#10;&#10;$k_2$&#10;&#10;\end{document}" title="IguanaTex Bitmap Display">
             <a:extLst>
               <a:ext uri="{FF2B5EF4-FFF2-40B4-BE49-F238E27FC236}">
-                <a16:creationId xmlns:a16="http://schemas.microsoft.com/office/drawing/2014/main" id="{C5E9BF41-E9D4-4B3A-A748-CF14C1D23A41}"/>
+                <a16:creationId xmlns:a16="http://schemas.microsoft.com/office/drawing/2014/main" id="{7F4F154B-FC09-4D78-9105-59CAD12D0FBA}"/>
               </a:ext>
             </a:extLst>
           </p:cNvPr>
@@ -8311,7 +9826,7 @@
         </p:blipFill>
         <p:spPr>
           <a:xfrm>
-            <a:off x="10099876" y="6203577"/>
+            <a:off x="7892306" y="9561279"/>
             <a:ext cx="165834" cy="170712"/>
           </a:xfrm>
           <a:prstGeom prst="rect">
@@ -8321,10 +9836,10 @@
       </p:pic>
       <p:pic>
         <p:nvPicPr>
-          <p:cNvPr id="102" name="Picture 101" descr="\documentclass{article}&#10;\usepackage{amsmath, amssymb, amsthm}&#10;\usepackage{xcolor}&#10;\pagestyle{empty}&#10;\begin{document}&#10;\setlength\parindent{0pt}&#10;&#10;\newcommand{\argmin}{\operatornamewithlimits{argmin}}&#10;\newcommand{\argmax}{\operatornamewithlimits{argmax}}&#10;\newcommand{\rtwo}{\mathbb{R}^2}&#10;\newcommand{\rone}{\mathbb{R}}&#10;\newcommand{\ex}{\mathbb{E}}&#10;\newcommand{\normal}{\mathcal{N}}&#10;\newcommand{\vor}{\mathcal{V}}&#10;\newcommand{\st}{\mid}&#10;\newcommand{\set}[1]{\left\{#1\right\}}&#10;\newcommand{\norm}[1]{\left\lVert #1\right\rVert}&#10;\newcommand{\rt}{\rightarrow}&#10;&#10;$k_2$&#10;&#10;\end{document}" title="IguanaTex Bitmap Display">
+          <p:cNvPr id="128" name="Picture 127" descr="\documentclass{article}&#10;\usepackage{amsmath, amssymb, amsthm}&#10;\usepackage{xcolor}&#10;\pagestyle{empty}&#10;\begin{document}&#10;\setlength\parindent{0pt}&#10;&#10;\newcommand{\argmin}{\operatornamewithlimits{argmin}}&#10;\newcommand{\argmax}{\operatornamewithlimits{argmax}}&#10;\newcommand{\rtwo}{\mathbb{R}^2}&#10;\newcommand{\rone}{\mathbb{R}}&#10;\newcommand{\ex}{\mathbb{E}}&#10;\newcommand{\normal}{\mathcal{N}}&#10;\newcommand{\vor}{\mathcal{V}}&#10;\newcommand{\st}{\mid}&#10;\newcommand{\set}[1]{\left\{#1\right\}}&#10;\newcommand{\norm}[1]{\left\lVert #1\right\rVert}&#10;\newcommand{\rt}{\rightarrow}&#10;&#10;$k_2$&#10;&#10;\end{document}" title="IguanaTex Bitmap Display">
             <a:extLst>
               <a:ext uri="{FF2B5EF4-FFF2-40B4-BE49-F238E27FC236}">
-                <a16:creationId xmlns:a16="http://schemas.microsoft.com/office/drawing/2014/main" id="{11E8C89E-5AEE-4177-9DE2-CA538C427674}"/>
+                <a16:creationId xmlns:a16="http://schemas.microsoft.com/office/drawing/2014/main" id="{E1FA6B50-B3B8-441E-BC2B-5D5B325A85ED}"/>
               </a:ext>
             </a:extLst>
           </p:cNvPr>
@@ -8351,7 +9866,7 @@
         </p:blipFill>
         <p:spPr>
           <a:xfrm>
-            <a:off x="10595830" y="6203577"/>
+            <a:off x="8388260" y="9561279"/>
             <a:ext cx="165834" cy="170712"/>
           </a:xfrm>
           <a:prstGeom prst="rect">
@@ -8361,10 +9876,10 @@
       </p:pic>
       <p:grpSp>
         <p:nvGrpSpPr>
-          <p:cNvPr id="110" name="Group 109">
+          <p:cNvPr id="129" name="Group 128">
             <a:extLst>
               <a:ext uri="{FF2B5EF4-FFF2-40B4-BE49-F238E27FC236}">
-                <a16:creationId xmlns:a16="http://schemas.microsoft.com/office/drawing/2014/main" id="{BDEF5E04-07B6-4769-810D-1FE2954F288E}"/>
+                <a16:creationId xmlns:a16="http://schemas.microsoft.com/office/drawing/2014/main" id="{FDA8151D-1605-483C-8188-6EE712A7163F}"/>
               </a:ext>
             </a:extLst>
           </p:cNvPr>
@@ -8373,7 +9888,7 @@
         </p:nvGrpSpPr>
         <p:grpSpPr>
           <a:xfrm>
-            <a:off x="4964973" y="5166703"/>
+            <a:off x="2757402" y="8524404"/>
             <a:ext cx="1045595" cy="461665"/>
             <a:chOff x="1962691" y="3109301"/>
             <a:chExt cx="1045595" cy="461665"/>
@@ -8381,10 +9896,10 @@
         </p:grpSpPr>
         <p:sp>
           <p:nvSpPr>
-            <p:cNvPr id="108" name="TextBox 107">
+            <p:cNvPr id="133" name="TextBox 132">
               <a:extLst>
                 <a:ext uri="{FF2B5EF4-FFF2-40B4-BE49-F238E27FC236}">
-                  <a16:creationId xmlns:a16="http://schemas.microsoft.com/office/drawing/2014/main" id="{F4326218-F5A1-4ACF-B823-88CEDA7D6463}"/>
+                  <a16:creationId xmlns:a16="http://schemas.microsoft.com/office/drawing/2014/main" id="{2C7474DB-2ED0-41D3-B95C-707AB07A4F86}"/>
                 </a:ext>
               </a:extLst>
             </p:cNvPr>
@@ -8432,10 +9947,10 @@
         </p:sp>
         <p:pic>
           <p:nvPicPr>
-            <p:cNvPr id="109" name="Picture 108" descr="\documentclass{article}&#10;\usepackage{amsmath, amssymb, amsthm}&#10;\usepackage{xcolor}&#10;\pagestyle{empty}&#10;\begin{document}&#10;\setlength\parindent{0pt}&#10;&#10;\newcommand{\argmin}{\operatornamewithlimits{argmin}}&#10;\newcommand{\argmax}{\operatornamewithlimits{argmax}}&#10;\newcommand{\rtwo}{\mathbb{R}^2}&#10;\newcommand{\rone}{\mathbb{R}}&#10;\newcommand{\ex}{\mathbb{E}}&#10;\newcommand{\normal}{\mathcal{N}}&#10;\newcommand{\vor}{\mathcal{V}}&#10;\newcommand{\st}{\mid}&#10;\newcommand{\set}[1]{\left\{#1\right\}}&#10;\newcommand{\norm}[1]{\left\lVert #1\right\rVert}&#10;\newcommand{\rt}{\rightarrow}&#10;&#10;$d$&#10;&#10;\end{document}" title="IguanaTex Bitmap Display">
+            <p:cNvPr id="134" name="Picture 133" descr="\documentclass{article}&#10;\usepackage{amsmath, amssymb, amsthm}&#10;\usepackage{xcolor}&#10;\pagestyle{empty}&#10;\begin{document}&#10;\setlength\parindent{0pt}&#10;&#10;\newcommand{\argmin}{\operatornamewithlimits{argmin}}&#10;\newcommand{\argmax}{\operatornamewithlimits{argmax}}&#10;\newcommand{\rtwo}{\mathbb{R}^2}&#10;\newcommand{\rone}{\mathbb{R}}&#10;\newcommand{\ex}{\mathbb{E}}&#10;\newcommand{\normal}{\mathcal{N}}&#10;\newcommand{\vor}{\mathcal{V}}&#10;\newcommand{\st}{\mid}&#10;\newcommand{\set}[1]{\left\{#1\right\}}&#10;\newcommand{\norm}[1]{\left\lVert #1\right\rVert}&#10;\newcommand{\rt}{\rightarrow}&#10;&#10;$d$&#10;&#10;\end{document}" title="IguanaTex Bitmap Display">
               <a:extLst>
                 <a:ext uri="{FF2B5EF4-FFF2-40B4-BE49-F238E27FC236}">
-                  <a16:creationId xmlns:a16="http://schemas.microsoft.com/office/drawing/2014/main" id="{28E3CFAF-D3C1-459A-883B-D41BCFEEA1AA}"/>
+                  <a16:creationId xmlns:a16="http://schemas.microsoft.com/office/drawing/2014/main" id="{967C6599-63D4-4996-BAC1-9459A4DD3698}"/>
                 </a:ext>
               </a:extLst>
             </p:cNvPr>
@@ -8473,10 +9988,10 @@
       </p:grpSp>
       <p:grpSp>
         <p:nvGrpSpPr>
-          <p:cNvPr id="117" name="Group 116">
+          <p:cNvPr id="130" name="Group 129">
             <a:extLst>
               <a:ext uri="{FF2B5EF4-FFF2-40B4-BE49-F238E27FC236}">
-                <a16:creationId xmlns:a16="http://schemas.microsoft.com/office/drawing/2014/main" id="{92D3491D-4D55-4CE6-8FC0-DDBECD473FA1}"/>
+                <a16:creationId xmlns:a16="http://schemas.microsoft.com/office/drawing/2014/main" id="{C9758077-5073-427D-8BA5-0193FE6E746A}"/>
               </a:ext>
             </a:extLst>
           </p:cNvPr>
@@ -8485,7 +10000,7 @@
         </p:nvGrpSpPr>
         <p:grpSpPr>
           <a:xfrm>
-            <a:off x="11049912" y="5166703"/>
+            <a:off x="8842341" y="8524404"/>
             <a:ext cx="1045595" cy="461665"/>
             <a:chOff x="1962691" y="3109301"/>
             <a:chExt cx="1045595" cy="461665"/>
@@ -8493,10 +10008,10 @@
         </p:grpSpPr>
         <p:sp>
           <p:nvSpPr>
-            <p:cNvPr id="118" name="TextBox 117">
+            <p:cNvPr id="131" name="TextBox 130">
               <a:extLst>
                 <a:ext uri="{FF2B5EF4-FFF2-40B4-BE49-F238E27FC236}">
-                  <a16:creationId xmlns:a16="http://schemas.microsoft.com/office/drawing/2014/main" id="{4D0CC126-7745-4639-BBF2-3061A86881F4}"/>
+                  <a16:creationId xmlns:a16="http://schemas.microsoft.com/office/drawing/2014/main" id="{E2CF5B17-0AE7-4683-A249-92675791034E}"/>
                 </a:ext>
               </a:extLst>
             </p:cNvPr>
@@ -8544,10 +10059,10 @@
         </p:sp>
         <p:pic>
           <p:nvPicPr>
-            <p:cNvPr id="119" name="Picture 118" descr="\documentclass{article}&#10;\usepackage{amsmath, amssymb, amsthm}&#10;\usepackage{xcolor}&#10;\pagestyle{empty}&#10;\begin{document}&#10;\setlength\parindent{0pt}&#10;&#10;\newcommand{\argmin}{\operatornamewithlimits{argmin}}&#10;\newcommand{\argmax}{\operatornamewithlimits{argmax}}&#10;\newcommand{\rtwo}{\mathbb{R}^2}&#10;\newcommand{\rone}{\mathbb{R}}&#10;\newcommand{\ex}{\mathbb{E}}&#10;\newcommand{\normal}{\mathcal{N}}&#10;\newcommand{\vor}{\mathcal{V}}&#10;\newcommand{\st}{\mid}&#10;\newcommand{\set}[1]{\left\{#1\right\}}&#10;\newcommand{\norm}[1]{\left\lVert #1\right\rVert}&#10;\newcommand{\rt}{\rightarrow}&#10;&#10;$d$&#10;&#10;\end{document}" title="IguanaTex Bitmap Display">
+            <p:cNvPr id="132" name="Picture 131" descr="\documentclass{article}&#10;\usepackage{amsmath, amssymb, amsthm}&#10;\usepackage{xcolor}&#10;\pagestyle{empty}&#10;\begin{document}&#10;\setlength\parindent{0pt}&#10;&#10;\newcommand{\argmin}{\operatornamewithlimits{argmin}}&#10;\newcommand{\argmax}{\operatornamewithlimits{argmax}}&#10;\newcommand{\rtwo}{\mathbb{R}^2}&#10;\newcommand{\rone}{\mathbb{R}}&#10;\newcommand{\ex}{\mathbb{E}}&#10;\newcommand{\normal}{\mathcal{N}}&#10;\newcommand{\vor}{\mathcal{V}}&#10;\newcommand{\st}{\mid}&#10;\newcommand{\set}[1]{\left\{#1\right\}}&#10;\newcommand{\norm}[1]{\left\lVert #1\right\rVert}&#10;\newcommand{\rt}{\rightarrow}&#10;&#10;$d$&#10;&#10;\end{document}" title="IguanaTex Bitmap Display">
               <a:extLst>
                 <a:ext uri="{FF2B5EF4-FFF2-40B4-BE49-F238E27FC236}">
-                  <a16:creationId xmlns:a16="http://schemas.microsoft.com/office/drawing/2014/main" id="{D8BCDB26-BB4D-4D54-8665-520314AD891D}"/>
+                  <a16:creationId xmlns:a16="http://schemas.microsoft.com/office/drawing/2014/main" id="{64FC6F97-9D9D-4E21-B5E0-543E3C1EFAD8}"/>
                 </a:ext>
               </a:extLst>
             </p:cNvPr>
@@ -8596,7 +10111,7 @@
 </p:sld>
 </file>
 
-<file path=ppt/slides/slide4.xml><?xml version="1.0" encoding="utf-8"?>
+<file path=ppt/slides/slide5.xml><?xml version="1.0" encoding="utf-8"?>
 <p:sld xmlns:a="http://schemas.openxmlformats.org/drawingml/2006/main" xmlns:r="http://schemas.openxmlformats.org/officeDocument/2006/relationships" xmlns:p="http://schemas.openxmlformats.org/presentationml/2006/main">
   <p:cSld>
     <p:spTree>
@@ -8615,10 +10130,10 @@
       </p:grpSpPr>
       <p:grpSp>
         <p:nvGrpSpPr>
-          <p:cNvPr id="2" name="Group 1">
+          <p:cNvPr id="11" name="Group 10">
             <a:extLst>
               <a:ext uri="{FF2B5EF4-FFF2-40B4-BE49-F238E27FC236}">
-                <a16:creationId xmlns:a16="http://schemas.microsoft.com/office/drawing/2014/main" id="{F3540409-8C65-4730-9960-9CE282A98200}"/>
+                <a16:creationId xmlns:a16="http://schemas.microsoft.com/office/drawing/2014/main" id="{637A1F73-AAE6-4957-B17E-6A458F3EBEB5}"/>
               </a:ext>
             </a:extLst>
           </p:cNvPr>
@@ -9132,7 +10647,7 @@
             </p:nvCxnSpPr>
             <p:spPr>
               <a:xfrm flipV="1">
-                <a:off x="7045730" y="5419818"/>
+                <a:off x="6956100" y="5419818"/>
                 <a:ext cx="0" cy="947013"/>
               </a:xfrm>
               <a:prstGeom prst="line">
@@ -9212,13 +10727,15 @@
                   </a:ext>
                 </a:extLst>
               </p:cNvPr>
-              <p:cNvCxnSpPr/>
+              <p:cNvCxnSpPr>
+                <a:cxnSpLocks/>
+              </p:cNvCxnSpPr>
               <p:nvPr/>
             </p:nvCxnSpPr>
             <p:spPr>
               <a:xfrm>
-                <a:off x="7045730" y="5419815"/>
-                <a:ext cx="1565610" cy="0"/>
+                <a:off x="6956100" y="5419815"/>
+                <a:ext cx="1655240" cy="0"/>
               </a:xfrm>
               <a:prstGeom prst="line">
                 <a:avLst/>
@@ -9575,7 +11092,7 @@
                 <a:avLst/>
               </a:prstGeom>
               <a:noFill/>
-              <a:ln>
+              <a:ln w="38100">
                 <a:solidFill>
                   <a:schemeClr val="tx1"/>
                 </a:solidFill>
@@ -11063,1433 +12580,6 @@
         </p:grpSp>
         <p:grpSp>
           <p:nvGrpSpPr>
-            <p:cNvPr id="4" name="Group 3">
-              <a:extLst>
-                <a:ext uri="{FF2B5EF4-FFF2-40B4-BE49-F238E27FC236}">
-                  <a16:creationId xmlns:a16="http://schemas.microsoft.com/office/drawing/2014/main" id="{36B50653-EC69-4EBC-89D6-5D113358BEC3}"/>
-                </a:ext>
-              </a:extLst>
-            </p:cNvPr>
-            <p:cNvGrpSpPr/>
-            <p:nvPr/>
-          </p:nvGrpSpPr>
-          <p:grpSpPr>
-            <a:xfrm>
-              <a:off x="2398276" y="3789948"/>
-              <a:ext cx="7943704" cy="2641142"/>
-              <a:chOff x="8541643" y="1352591"/>
-              <a:chExt cx="7943704" cy="2641142"/>
-            </a:xfrm>
-          </p:grpSpPr>
-          <p:sp>
-            <p:nvSpPr>
-              <p:cNvPr id="56" name="Rectangle 55">
-                <a:extLst>
-                  <a:ext uri="{FF2B5EF4-FFF2-40B4-BE49-F238E27FC236}">
-                    <a16:creationId xmlns:a16="http://schemas.microsoft.com/office/drawing/2014/main" id="{EC81F7D6-CFF5-4AC9-A09A-C26B00788767}"/>
-                  </a:ext>
-                </a:extLst>
-              </p:cNvPr>
-              <p:cNvSpPr/>
-              <p:nvPr/>
-            </p:nvSpPr>
-            <p:spPr>
-              <a:xfrm rot="16200000">
-                <a:off x="9546173" y="2523440"/>
-                <a:ext cx="1556548" cy="174103"/>
-              </a:xfrm>
-              <a:prstGeom prst="rect">
-                <a:avLst/>
-              </a:prstGeom>
-              <a:solidFill>
-                <a:srgbClr val="FF00FF"/>
-              </a:solidFill>
-              <a:ln>
-                <a:noFill/>
-              </a:ln>
-            </p:spPr>
-            <p:style>
-              <a:lnRef idx="2">
-                <a:schemeClr val="accent1">
-                  <a:shade val="50000"/>
-                </a:schemeClr>
-              </a:lnRef>
-              <a:fillRef idx="1">
-                <a:schemeClr val="accent1"/>
-              </a:fillRef>
-              <a:effectRef idx="0">
-                <a:schemeClr val="accent1"/>
-              </a:effectRef>
-              <a:fontRef idx="minor">
-                <a:schemeClr val="lt1"/>
-              </a:fontRef>
-            </p:style>
-            <p:txBody>
-              <a:bodyPr rtlCol="0" anchor="ctr"/>
-              <a:lstStyle/>
-              <a:p>
-                <a:pPr algn="ctr"/>
-                <a:r>
-                  <a:rPr lang="en-US" sz="1200" dirty="0">
-                    <a:solidFill>
-                      <a:schemeClr val="tx1"/>
-                    </a:solidFill>
-                    <a:latin typeface="DejaVu Sans" panose="020B0603030804020204" pitchFamily="34" charset="0"/>
-                    <a:ea typeface="DejaVu Sans" panose="020B0603030804020204" pitchFamily="34" charset="0"/>
-                    <a:cs typeface="DejaVu Sans" panose="020B0603030804020204" pitchFamily="34" charset="0"/>
-                  </a:rPr>
-                  <a:t>Conv</a:t>
-                </a:r>
-              </a:p>
-            </p:txBody>
-          </p:sp>
-          <p:sp>
-            <p:nvSpPr>
-              <p:cNvPr id="57" name="Rectangle 56">
-                <a:extLst>
-                  <a:ext uri="{FF2B5EF4-FFF2-40B4-BE49-F238E27FC236}">
-                    <a16:creationId xmlns:a16="http://schemas.microsoft.com/office/drawing/2014/main" id="{ABEA7282-24FC-4DF3-8085-E9B0A4D710A2}"/>
-                  </a:ext>
-                </a:extLst>
-              </p:cNvPr>
-              <p:cNvSpPr/>
-              <p:nvPr/>
-            </p:nvSpPr>
-            <p:spPr>
-              <a:xfrm rot="16200000">
-                <a:off x="9780912" y="2523440"/>
-                <a:ext cx="1556548" cy="174103"/>
-              </a:xfrm>
-              <a:prstGeom prst="rect">
-                <a:avLst/>
-              </a:prstGeom>
-              <a:solidFill>
-                <a:srgbClr val="00FFFF"/>
-              </a:solidFill>
-              <a:ln>
-                <a:noFill/>
-              </a:ln>
-            </p:spPr>
-            <p:style>
-              <a:lnRef idx="2">
-                <a:schemeClr val="accent1">
-                  <a:shade val="50000"/>
-                </a:schemeClr>
-              </a:lnRef>
-              <a:fillRef idx="1">
-                <a:schemeClr val="accent1"/>
-              </a:fillRef>
-              <a:effectRef idx="0">
-                <a:schemeClr val="accent1"/>
-              </a:effectRef>
-              <a:fontRef idx="minor">
-                <a:schemeClr val="lt1"/>
-              </a:fontRef>
-            </p:style>
-            <p:txBody>
-              <a:bodyPr rtlCol="0" anchor="ctr"/>
-              <a:lstStyle/>
-              <a:p>
-                <a:pPr algn="ctr"/>
-                <a:r>
-                  <a:rPr lang="en-US" sz="1200" dirty="0">
-                    <a:solidFill>
-                      <a:schemeClr val="tx1"/>
-                    </a:solidFill>
-                    <a:latin typeface="DejaVu Sans" panose="020B0603030804020204" pitchFamily="34" charset="0"/>
-                    <a:ea typeface="DejaVu Sans" panose="020B0603030804020204" pitchFamily="34" charset="0"/>
-                    <a:cs typeface="DejaVu Sans" panose="020B0603030804020204" pitchFamily="34" charset="0"/>
-                  </a:rPr>
-                  <a:t>ReLU</a:t>
-                </a:r>
-              </a:p>
-            </p:txBody>
-          </p:sp>
-          <p:cxnSp>
-            <p:nvCxnSpPr>
-              <p:cNvPr id="58" name="Straight Arrow Connector 57">
-                <a:extLst>
-                  <a:ext uri="{FF2B5EF4-FFF2-40B4-BE49-F238E27FC236}">
-                    <a16:creationId xmlns:a16="http://schemas.microsoft.com/office/drawing/2014/main" id="{09C6DD43-B9F4-4814-92BB-E0CA3096B783}"/>
-                  </a:ext>
-                </a:extLst>
-              </p:cNvPr>
-              <p:cNvCxnSpPr/>
-              <p:nvPr/>
-            </p:nvCxnSpPr>
-            <p:spPr>
-              <a:xfrm flipV="1">
-                <a:off x="10647620" y="2610488"/>
-                <a:ext cx="158276" cy="1"/>
-              </a:xfrm>
-              <a:prstGeom prst="straightConnector1">
-                <a:avLst/>
-              </a:prstGeom>
-              <a:ln w="38100">
-                <a:solidFill>
-                  <a:schemeClr val="tx1"/>
-                </a:solidFill>
-                <a:tailEnd type="triangle"/>
-              </a:ln>
-            </p:spPr>
-            <p:style>
-              <a:lnRef idx="1">
-                <a:schemeClr val="accent1"/>
-              </a:lnRef>
-              <a:fillRef idx="0">
-                <a:schemeClr val="accent1"/>
-              </a:fillRef>
-              <a:effectRef idx="0">
-                <a:schemeClr val="accent1"/>
-              </a:effectRef>
-              <a:fontRef idx="minor">
-                <a:schemeClr val="tx1"/>
-              </a:fontRef>
-            </p:style>
-          </p:cxnSp>
-          <p:cxnSp>
-            <p:nvCxnSpPr>
-              <p:cNvPr id="59" name="Straight Arrow Connector 58">
-                <a:extLst>
-                  <a:ext uri="{FF2B5EF4-FFF2-40B4-BE49-F238E27FC236}">
-                    <a16:creationId xmlns:a16="http://schemas.microsoft.com/office/drawing/2014/main" id="{BEA34E02-17DF-4E0C-8C3B-5BDAF4500286}"/>
-                  </a:ext>
-                </a:extLst>
-              </p:cNvPr>
-              <p:cNvCxnSpPr>
-                <a:cxnSpLocks/>
-              </p:cNvCxnSpPr>
-              <p:nvPr/>
-            </p:nvCxnSpPr>
-            <p:spPr>
-              <a:xfrm>
-                <a:off x="11566547" y="2610487"/>
-                <a:ext cx="437486" cy="0"/>
-              </a:xfrm>
-              <a:prstGeom prst="straightConnector1">
-                <a:avLst/>
-              </a:prstGeom>
-              <a:ln w="38100">
-                <a:solidFill>
-                  <a:schemeClr val="tx1"/>
-                </a:solidFill>
-                <a:tailEnd type="triangle"/>
-              </a:ln>
-            </p:spPr>
-            <p:style>
-              <a:lnRef idx="1">
-                <a:schemeClr val="accent1"/>
-              </a:lnRef>
-              <a:fillRef idx="0">
-                <a:schemeClr val="accent1"/>
-              </a:fillRef>
-              <a:effectRef idx="0">
-                <a:schemeClr val="accent1"/>
-              </a:effectRef>
-              <a:fontRef idx="minor">
-                <a:schemeClr val="tx1"/>
-              </a:fontRef>
-            </p:style>
-          </p:cxnSp>
-          <p:sp>
-            <p:nvSpPr>
-              <p:cNvPr id="60" name="TextBox 59">
-                <a:extLst>
-                  <a:ext uri="{FF2B5EF4-FFF2-40B4-BE49-F238E27FC236}">
-                    <a16:creationId xmlns:a16="http://schemas.microsoft.com/office/drawing/2014/main" id="{313288BC-68CD-45BE-A6E1-547FE6EEA75B}"/>
-                  </a:ext>
-                </a:extLst>
-              </p:cNvPr>
-              <p:cNvSpPr txBox="1"/>
-              <p:nvPr/>
-            </p:nvSpPr>
-            <p:spPr>
-              <a:xfrm>
-                <a:off x="8541643" y="2462455"/>
-                <a:ext cx="1045595" cy="461665"/>
-              </a:xfrm>
-              <a:prstGeom prst="rect">
-                <a:avLst/>
-              </a:prstGeom>
-              <a:noFill/>
-            </p:spPr>
-            <p:txBody>
-              <a:bodyPr wrap="square" rtlCol="0">
-                <a:spAutoFit/>
-              </a:bodyPr>
-              <a:lstStyle/>
-              <a:p>
-                <a:pPr algn="ctr"/>
-                <a:r>
-                  <a:rPr lang="en-US" sz="1200" dirty="0">
-                    <a:latin typeface="DejaVu Sans" panose="020B0603030804020204" pitchFamily="34" charset="0"/>
-                    <a:ea typeface="DejaVu Sans" panose="020B0603030804020204" pitchFamily="34" charset="0"/>
-                    <a:cs typeface="DejaVu Sans" panose="020B0603030804020204" pitchFamily="34" charset="0"/>
-                  </a:rPr>
-                  <a:t>LR Patch</a:t>
-                </a:r>
-              </a:p>
-              <a:p>
-                <a:pPr algn="ctr"/>
-                <a:r>
-                  <a:rPr lang="en-US" sz="1200" dirty="0">
-                    <a:latin typeface="DejaVu Sans" panose="020B0603030804020204" pitchFamily="34" charset="0"/>
-                    <a:ea typeface="DejaVu Sans" panose="020B0603030804020204" pitchFamily="34" charset="0"/>
-                    <a:cs typeface="DejaVu Sans" panose="020B0603030804020204" pitchFamily="34" charset="0"/>
-                  </a:rPr>
-                  <a:t>2x64x64</a:t>
-                </a:r>
-              </a:p>
-            </p:txBody>
-          </p:sp>
-          <p:sp>
-            <p:nvSpPr>
-              <p:cNvPr id="61" name="Rectangle 60">
-                <a:extLst>
-                  <a:ext uri="{FF2B5EF4-FFF2-40B4-BE49-F238E27FC236}">
-                    <a16:creationId xmlns:a16="http://schemas.microsoft.com/office/drawing/2014/main" id="{DBAAC2F6-5434-4857-B394-45296DCE9FC1}"/>
-                  </a:ext>
-                </a:extLst>
-              </p:cNvPr>
-              <p:cNvSpPr/>
-              <p:nvPr/>
-            </p:nvSpPr>
-            <p:spPr>
-              <a:xfrm rot="16200000">
-                <a:off x="11388633" y="2523437"/>
-                <a:ext cx="1556548" cy="174103"/>
-              </a:xfrm>
-              <a:prstGeom prst="rect">
-                <a:avLst/>
-              </a:prstGeom>
-              <a:solidFill>
-                <a:srgbClr val="FF00FF"/>
-              </a:solidFill>
-              <a:ln>
-                <a:noFill/>
-              </a:ln>
-            </p:spPr>
-            <p:style>
-              <a:lnRef idx="2">
-                <a:schemeClr val="accent1">
-                  <a:shade val="50000"/>
-                </a:schemeClr>
-              </a:lnRef>
-              <a:fillRef idx="1">
-                <a:schemeClr val="accent1"/>
-              </a:fillRef>
-              <a:effectRef idx="0">
-                <a:schemeClr val="accent1"/>
-              </a:effectRef>
-              <a:fontRef idx="minor">
-                <a:schemeClr val="lt1"/>
-              </a:fontRef>
-            </p:style>
-            <p:txBody>
-              <a:bodyPr rtlCol="0" anchor="ctr"/>
-              <a:lstStyle/>
-              <a:p>
-                <a:pPr algn="ctr"/>
-                <a:r>
-                  <a:rPr lang="en-US" sz="1200" dirty="0">
-                    <a:solidFill>
-                      <a:schemeClr val="tx1"/>
-                    </a:solidFill>
-                    <a:latin typeface="DejaVu Sans" panose="020B0603030804020204" pitchFamily="34" charset="0"/>
-                    <a:ea typeface="DejaVu Sans" panose="020B0603030804020204" pitchFamily="34" charset="0"/>
-                    <a:cs typeface="DejaVu Sans" panose="020B0603030804020204" pitchFamily="34" charset="0"/>
-                  </a:rPr>
-                  <a:t>Conv</a:t>
-                </a:r>
-              </a:p>
-            </p:txBody>
-          </p:sp>
-          <p:sp>
-            <p:nvSpPr>
-              <p:cNvPr id="62" name="Rectangle 61">
-                <a:extLst>
-                  <a:ext uri="{FF2B5EF4-FFF2-40B4-BE49-F238E27FC236}">
-                    <a16:creationId xmlns:a16="http://schemas.microsoft.com/office/drawing/2014/main" id="{91F1B8E3-9D1F-433E-BC59-136FBD4294A0}"/>
-                  </a:ext>
-                </a:extLst>
-              </p:cNvPr>
-              <p:cNvSpPr/>
-              <p:nvPr/>
-            </p:nvSpPr>
-            <p:spPr>
-              <a:xfrm rot="16200000">
-                <a:off x="11623372" y="2523437"/>
-                <a:ext cx="1556548" cy="174103"/>
-              </a:xfrm>
-              <a:prstGeom prst="rect">
-                <a:avLst/>
-              </a:prstGeom>
-              <a:solidFill>
-                <a:srgbClr val="FFFF00"/>
-              </a:solidFill>
-              <a:ln>
-                <a:noFill/>
-              </a:ln>
-            </p:spPr>
-            <p:style>
-              <a:lnRef idx="2">
-                <a:schemeClr val="accent1">
-                  <a:shade val="50000"/>
-                </a:schemeClr>
-              </a:lnRef>
-              <a:fillRef idx="1">
-                <a:schemeClr val="accent1"/>
-              </a:fillRef>
-              <a:effectRef idx="0">
-                <a:schemeClr val="accent1"/>
-              </a:effectRef>
-              <a:fontRef idx="minor">
-                <a:schemeClr val="lt1"/>
-              </a:fontRef>
-            </p:style>
-            <p:txBody>
-              <a:bodyPr rtlCol="0" anchor="ctr"/>
-              <a:lstStyle/>
-              <a:p>
-                <a:pPr algn="ctr"/>
-                <a:r>
-                  <a:rPr lang="en-US" sz="1200" dirty="0">
-                    <a:solidFill>
-                      <a:schemeClr val="tx1"/>
-                    </a:solidFill>
-                    <a:latin typeface="DejaVu Sans" panose="020B0603030804020204" pitchFamily="34" charset="0"/>
-                    <a:ea typeface="DejaVu Sans" panose="020B0603030804020204" pitchFamily="34" charset="0"/>
-                    <a:cs typeface="DejaVu Sans" panose="020B0603030804020204" pitchFamily="34" charset="0"/>
-                  </a:rPr>
-                  <a:t>ReLU</a:t>
-                </a:r>
-              </a:p>
-            </p:txBody>
-          </p:sp>
-          <p:sp>
-            <p:nvSpPr>
-              <p:cNvPr id="63" name="Rectangle 62">
-                <a:extLst>
-                  <a:ext uri="{FF2B5EF4-FFF2-40B4-BE49-F238E27FC236}">
-                    <a16:creationId xmlns:a16="http://schemas.microsoft.com/office/drawing/2014/main" id="{25789B34-FE0F-465E-91EA-22FFF2E40399}"/>
-                  </a:ext>
-                </a:extLst>
-              </p:cNvPr>
-              <p:cNvSpPr/>
-              <p:nvPr/>
-            </p:nvSpPr>
-            <p:spPr>
-              <a:xfrm>
-                <a:off x="11712335" y="1684874"/>
-                <a:ext cx="932379" cy="2121416"/>
-              </a:xfrm>
-              <a:prstGeom prst="rect">
-                <a:avLst/>
-              </a:prstGeom>
-              <a:noFill/>
-              <a:ln>
-                <a:solidFill>
-                  <a:schemeClr val="tx1"/>
-                </a:solidFill>
-              </a:ln>
-            </p:spPr>
-            <p:style>
-              <a:lnRef idx="2">
-                <a:schemeClr val="accent1">
-                  <a:shade val="50000"/>
-                </a:schemeClr>
-              </a:lnRef>
-              <a:fillRef idx="1">
-                <a:schemeClr val="accent1"/>
-              </a:fillRef>
-              <a:effectRef idx="0">
-                <a:schemeClr val="accent1"/>
-              </a:effectRef>
-              <a:fontRef idx="minor">
-                <a:schemeClr val="lt1"/>
-              </a:fontRef>
-            </p:style>
-            <p:txBody>
-              <a:bodyPr rtlCol="0" anchor="ctr"/>
-              <a:lstStyle/>
-              <a:p>
-                <a:pPr algn="ctr"/>
-                <a:endParaRPr lang="en-US"/>
-              </a:p>
-            </p:txBody>
-          </p:sp>
-          <p:grpSp>
-            <p:nvGrpSpPr>
-              <p:cNvPr id="64" name="Group 63">
-                <a:extLst>
-                  <a:ext uri="{FF2B5EF4-FFF2-40B4-BE49-F238E27FC236}">
-                    <a16:creationId xmlns:a16="http://schemas.microsoft.com/office/drawing/2014/main" id="{2FFA9ED0-4523-4D23-8AF7-5A7308E4C663}"/>
-                  </a:ext>
-                </a:extLst>
-              </p:cNvPr>
-              <p:cNvGrpSpPr/>
-              <p:nvPr/>
-            </p:nvGrpSpPr>
-            <p:grpSpPr>
-              <a:xfrm>
-                <a:off x="11701481" y="1352591"/>
-                <a:ext cx="1104957" cy="276999"/>
-                <a:chOff x="963306" y="5313601"/>
-                <a:chExt cx="1104957" cy="276999"/>
-              </a:xfrm>
-            </p:grpSpPr>
-            <p:sp>
-              <p:nvSpPr>
-                <p:cNvPr id="67" name="TextBox 66">
-                  <a:extLst>
-                    <a:ext uri="{FF2B5EF4-FFF2-40B4-BE49-F238E27FC236}">
-                      <a16:creationId xmlns:a16="http://schemas.microsoft.com/office/drawing/2014/main" id="{672B8F46-53A9-4054-8236-C33461C4C933}"/>
-                    </a:ext>
-                  </a:extLst>
-                </p:cNvPr>
-                <p:cNvSpPr txBox="1"/>
-                <p:nvPr/>
-              </p:nvSpPr>
-              <p:spPr>
-                <a:xfrm>
-                  <a:off x="1383989" y="5313601"/>
-                  <a:ext cx="684274" cy="276999"/>
-                </a:xfrm>
-                <a:prstGeom prst="rect">
-                  <a:avLst/>
-                </a:prstGeom>
-                <a:noFill/>
-              </p:spPr>
-              <p:txBody>
-                <a:bodyPr wrap="square" rtlCol="0">
-                  <a:spAutoFit/>
-                </a:bodyPr>
-                <a:lstStyle/>
-                <a:p>
-                  <a:pPr algn="ctr"/>
-                  <a:r>
-                    <a:rPr lang="en-US" sz="1200" dirty="0">
-                      <a:latin typeface="DejaVu Sans" panose="020B0603030804020204" pitchFamily="34" charset="0"/>
-                      <a:ea typeface="DejaVu Sans" panose="020B0603030804020204" pitchFamily="34" charset="0"/>
-                      <a:cs typeface="DejaVu Sans" panose="020B0603030804020204" pitchFamily="34" charset="0"/>
-                    </a:rPr>
-                    <a:t>Blocks</a:t>
-                  </a:r>
-                </a:p>
-              </p:txBody>
-            </p:sp>
-            <p:pic>
-              <p:nvPicPr>
-                <p:cNvPr id="71" name="Picture 70" descr="\documentclass{article}&#10;\usepackage{amsmath, amssymb, amsthm}&#10;\usepackage{xcolor}&#10;\pagestyle{empty}&#10;\begin{document}&#10;\setlength\parindent{0pt}&#10;&#10;\newcommand{\argmin}{\operatornamewithlimits{argmin}}&#10;\newcommand{\argmax}{\operatornamewithlimits{argmax}}&#10;\newcommand{\rtwo}{\mathbb{R}^2}&#10;\newcommand{\rone}{\mathbb{R}}&#10;\newcommand{\ex}{\mathbb{E}}&#10;\newcommand{\normal}{\mathcal{N}}&#10;\newcommand{\vor}{\mathcal{V}}&#10;\newcommand{\st}{\mid}&#10;\newcommand{\set}[1]{\left\{#1\right\}}&#10;\newcommand{\norm}[1]{\left\lVert #1\right\rVert}&#10;\newcommand{\rt}{\rightarrow}&#10;&#10;$\ell-2$&#10;&#10;\end{document}" title="IguanaTex Bitmap Display">
-                  <a:extLst>
-                    <a:ext uri="{FF2B5EF4-FFF2-40B4-BE49-F238E27FC236}">
-                      <a16:creationId xmlns:a16="http://schemas.microsoft.com/office/drawing/2014/main" id="{61E73160-623D-4D16-A104-C7D13AFEA9E0}"/>
-                    </a:ext>
-                  </a:extLst>
-                </p:cNvPr>
-                <p:cNvPicPr>
-                  <a:picLocks noChangeAspect="1"/>
-                </p:cNvPicPr>
-                <p:nvPr>
-                  <p:custDataLst>
-                    <p:tags r:id="rId10"/>
-                  </p:custDataLst>
-                </p:nvPr>
-              </p:nvPicPr>
-              <p:blipFill>
-                <a:blip r:embed="rId27">
-                  <a:extLst>
-                    <a:ext uri="{28A0092B-C50C-407E-A947-70E740481C1C}">
-                      <a14:useLocalDpi xmlns:a14="http://schemas.microsoft.com/office/drawing/2010/main" val="0"/>
-                    </a:ext>
-                  </a:extLst>
-                </a:blip>
-                <a:stretch>
-                  <a:fillRect/>
-                </a:stretch>
-              </p:blipFill>
-              <p:spPr>
-                <a:xfrm>
-                  <a:off x="963306" y="5371927"/>
-                  <a:ext cx="420683" cy="145105"/>
-                </a:xfrm>
-                <a:prstGeom prst="rect">
-                  <a:avLst/>
-                </a:prstGeom>
-              </p:spPr>
-            </p:pic>
-          </p:grpSp>
-          <p:sp>
-            <p:nvSpPr>
-              <p:cNvPr id="75" name="Oval 74">
-                <a:extLst>
-                  <a:ext uri="{FF2B5EF4-FFF2-40B4-BE49-F238E27FC236}">
-                    <a16:creationId xmlns:a16="http://schemas.microsoft.com/office/drawing/2014/main" id="{A6C5208A-144E-4233-9B3B-FA7B7BC81E8D}"/>
-                  </a:ext>
-                </a:extLst>
-              </p:cNvPr>
-              <p:cNvSpPr/>
-              <p:nvPr/>
-            </p:nvSpPr>
-            <p:spPr>
-              <a:xfrm>
-                <a:off x="14818064" y="2489146"/>
-                <a:ext cx="242689" cy="242689"/>
-              </a:xfrm>
-              <a:prstGeom prst="ellipse">
-                <a:avLst/>
-              </a:prstGeom>
-              <a:noFill/>
-              <a:ln>
-                <a:solidFill>
-                  <a:schemeClr val="tx1"/>
-                </a:solidFill>
-              </a:ln>
-            </p:spPr>
-            <p:style>
-              <a:lnRef idx="2">
-                <a:schemeClr val="accent1">
-                  <a:shade val="50000"/>
-                </a:schemeClr>
-              </a:lnRef>
-              <a:fillRef idx="1">
-                <a:schemeClr val="accent1"/>
-              </a:fillRef>
-              <a:effectRef idx="0">
-                <a:schemeClr val="accent1"/>
-              </a:effectRef>
-              <a:fontRef idx="minor">
-                <a:schemeClr val="lt1"/>
-              </a:fontRef>
-            </p:style>
-            <p:txBody>
-              <a:bodyPr rtlCol="0" anchor="ctr"/>
-              <a:lstStyle/>
-              <a:p>
-                <a:pPr algn="ctr"/>
-                <a:r>
-                  <a:rPr lang="en-US" sz="1200" dirty="0">
-                    <a:solidFill>
-                      <a:schemeClr val="tx1"/>
-                    </a:solidFill>
-                    <a:latin typeface="DejaVu Sans" panose="020B0603030804020204" pitchFamily="34" charset="0"/>
-                    <a:ea typeface="DejaVu Sans" panose="020B0603030804020204" pitchFamily="34" charset="0"/>
-                    <a:cs typeface="DejaVu Sans" panose="020B0603030804020204" pitchFamily="34" charset="0"/>
-                  </a:rPr>
-                  <a:t>+</a:t>
-                </a:r>
-              </a:p>
-            </p:txBody>
-          </p:sp>
-          <p:cxnSp>
-            <p:nvCxnSpPr>
-              <p:cNvPr id="76" name="Straight Connector 75">
-                <a:extLst>
-                  <a:ext uri="{FF2B5EF4-FFF2-40B4-BE49-F238E27FC236}">
-                    <a16:creationId xmlns:a16="http://schemas.microsoft.com/office/drawing/2014/main" id="{F9299C54-AD2A-413E-ACA3-DBC6A10EF41E}"/>
-                  </a:ext>
-                </a:extLst>
-              </p:cNvPr>
-              <p:cNvCxnSpPr>
-                <a:cxnSpLocks/>
-              </p:cNvCxnSpPr>
-              <p:nvPr/>
-            </p:nvCxnSpPr>
-            <p:spPr>
-              <a:xfrm>
-                <a:off x="9811096" y="2592573"/>
-                <a:ext cx="0" cy="1401160"/>
-              </a:xfrm>
-              <a:prstGeom prst="line">
-                <a:avLst/>
-              </a:prstGeom>
-              <a:ln w="38100">
-                <a:solidFill>
-                  <a:schemeClr val="tx1"/>
-                </a:solidFill>
-              </a:ln>
-            </p:spPr>
-            <p:style>
-              <a:lnRef idx="1">
-                <a:schemeClr val="accent1"/>
-              </a:lnRef>
-              <a:fillRef idx="0">
-                <a:schemeClr val="accent1"/>
-              </a:fillRef>
-              <a:effectRef idx="0">
-                <a:schemeClr val="accent1"/>
-              </a:effectRef>
-              <a:fontRef idx="minor">
-                <a:schemeClr val="tx1"/>
-              </a:fontRef>
-            </p:style>
-          </p:cxnSp>
-          <p:cxnSp>
-            <p:nvCxnSpPr>
-              <p:cNvPr id="77" name="Straight Arrow Connector 76">
-                <a:extLst>
-                  <a:ext uri="{FF2B5EF4-FFF2-40B4-BE49-F238E27FC236}">
-                    <a16:creationId xmlns:a16="http://schemas.microsoft.com/office/drawing/2014/main" id="{423DADBD-3A63-463E-BDAA-298B6C73D88E}"/>
-                  </a:ext>
-                </a:extLst>
-              </p:cNvPr>
-              <p:cNvCxnSpPr>
-                <a:cxnSpLocks/>
-              </p:cNvCxnSpPr>
-              <p:nvPr/>
-            </p:nvCxnSpPr>
-            <p:spPr>
-              <a:xfrm flipV="1">
-                <a:off x="14939407" y="2782153"/>
-                <a:ext cx="0" cy="1211580"/>
-              </a:xfrm>
-              <a:prstGeom prst="straightConnector1">
-                <a:avLst/>
-              </a:prstGeom>
-              <a:ln w="38100">
-                <a:solidFill>
-                  <a:schemeClr val="tx1"/>
-                </a:solidFill>
-                <a:tailEnd type="triangle"/>
-              </a:ln>
-            </p:spPr>
-            <p:style>
-              <a:lnRef idx="1">
-                <a:schemeClr val="accent1"/>
-              </a:lnRef>
-              <a:fillRef idx="0">
-                <a:schemeClr val="accent1"/>
-              </a:fillRef>
-              <a:effectRef idx="0">
-                <a:schemeClr val="accent1"/>
-              </a:effectRef>
-              <a:fontRef idx="minor">
-                <a:schemeClr val="tx1"/>
-              </a:fontRef>
-            </p:style>
-          </p:cxnSp>
-          <p:cxnSp>
-            <p:nvCxnSpPr>
-              <p:cNvPr id="80" name="Straight Connector 79">
-                <a:extLst>
-                  <a:ext uri="{FF2B5EF4-FFF2-40B4-BE49-F238E27FC236}">
-                    <a16:creationId xmlns:a16="http://schemas.microsoft.com/office/drawing/2014/main" id="{8185DF97-85D2-42E2-8BF8-28E7A99A2CA6}"/>
-                  </a:ext>
-                </a:extLst>
-              </p:cNvPr>
-              <p:cNvCxnSpPr>
-                <a:cxnSpLocks/>
-              </p:cNvCxnSpPr>
-              <p:nvPr/>
-            </p:nvCxnSpPr>
-            <p:spPr>
-              <a:xfrm>
-                <a:off x="9811097" y="3973931"/>
-                <a:ext cx="5128311" cy="0"/>
-              </a:xfrm>
-              <a:prstGeom prst="line">
-                <a:avLst/>
-              </a:prstGeom>
-              <a:ln w="38100">
-                <a:solidFill>
-                  <a:schemeClr val="tx1"/>
-                </a:solidFill>
-              </a:ln>
-            </p:spPr>
-            <p:style>
-              <a:lnRef idx="1">
-                <a:schemeClr val="accent1"/>
-              </a:lnRef>
-              <a:fillRef idx="0">
-                <a:schemeClr val="accent1"/>
-              </a:fillRef>
-              <a:effectRef idx="0">
-                <a:schemeClr val="accent1"/>
-              </a:effectRef>
-              <a:fontRef idx="minor">
-                <a:schemeClr val="tx1"/>
-              </a:fontRef>
-            </p:style>
-          </p:cxnSp>
-          <p:sp>
-            <p:nvSpPr>
-              <p:cNvPr id="81" name="TextBox 80">
-                <a:extLst>
-                  <a:ext uri="{FF2B5EF4-FFF2-40B4-BE49-F238E27FC236}">
-                    <a16:creationId xmlns:a16="http://schemas.microsoft.com/office/drawing/2014/main" id="{ADE05BA4-76EF-426E-A1C3-B12F06325FC9}"/>
-                  </a:ext>
-                </a:extLst>
-              </p:cNvPr>
-              <p:cNvSpPr txBox="1"/>
-              <p:nvPr/>
-            </p:nvSpPr>
-            <p:spPr>
-              <a:xfrm>
-                <a:off x="15439752" y="2462455"/>
-                <a:ext cx="1045595" cy="461665"/>
-              </a:xfrm>
-              <a:prstGeom prst="rect">
-                <a:avLst/>
-              </a:prstGeom>
-              <a:noFill/>
-            </p:spPr>
-            <p:txBody>
-              <a:bodyPr wrap="square" rtlCol="0">
-                <a:spAutoFit/>
-              </a:bodyPr>
-              <a:lstStyle/>
-              <a:p>
-                <a:pPr algn="ctr"/>
-                <a:r>
-                  <a:rPr lang="en-US" sz="1200" dirty="0">
-                    <a:latin typeface="DejaVu Sans" panose="020B0603030804020204" pitchFamily="34" charset="0"/>
-                    <a:ea typeface="DejaVu Sans" panose="020B0603030804020204" pitchFamily="34" charset="0"/>
-                    <a:cs typeface="DejaVu Sans" panose="020B0603030804020204" pitchFamily="34" charset="0"/>
-                  </a:rPr>
-                  <a:t>SR Patch</a:t>
-                </a:r>
-              </a:p>
-              <a:p>
-                <a:pPr algn="ctr"/>
-                <a:r>
-                  <a:rPr lang="en-US" sz="1200" dirty="0">
-                    <a:latin typeface="DejaVu Sans" panose="020B0603030804020204" pitchFamily="34" charset="0"/>
-                    <a:ea typeface="DejaVu Sans" panose="020B0603030804020204" pitchFamily="34" charset="0"/>
-                    <a:cs typeface="DejaVu Sans" panose="020B0603030804020204" pitchFamily="34" charset="0"/>
-                  </a:rPr>
-                  <a:t>2x64x64</a:t>
-                </a:r>
-              </a:p>
-            </p:txBody>
-          </p:sp>
-          <p:pic>
-            <p:nvPicPr>
-              <p:cNvPr id="86" name="Picture 85" descr="\documentclass{article}&#10;\usepackage{amsmath, amssymb, amsthm}&#10;\usepackage{xcolor}&#10;\pagestyle{empty}&#10;\begin{document}&#10;\setlength\parindent{0pt}&#10;&#10;\newcommand{\argmin}{\operatornamewithlimits{argmin}}&#10;\newcommand{\argmax}{\operatornamewithlimits{argmax}}&#10;\newcommand{\rtwo}{\mathbb{R}^2}&#10;\newcommand{\rone}{\mathbb{R}}&#10;\newcommand{\ex}{\mathbb{E}}&#10;\newcommand{\normal}{\mathcal{N}}&#10;\newcommand{\vor}{\mathcal{V}}&#10;\newcommand{\st}{\mid}&#10;\newcommand{\set}[1]{\left\{#1\right\}}&#10;\newcommand{\norm}[1]{\left\lVert #1\right\rVert}&#10;\newcommand{\rt}{\rightarrow}&#10;&#10;$k$&#10;&#10;\end{document}" title="IguanaTex Bitmap Display">
-                <a:extLst>
-                  <a:ext uri="{FF2B5EF4-FFF2-40B4-BE49-F238E27FC236}">
-                    <a16:creationId xmlns:a16="http://schemas.microsoft.com/office/drawing/2014/main" id="{BF0BAA6B-9012-4E70-93FB-FF3D7D928A08}"/>
-                  </a:ext>
-                </a:extLst>
-              </p:cNvPr>
-              <p:cNvPicPr>
-                <a:picLocks noChangeAspect="1"/>
-              </p:cNvPicPr>
-              <p:nvPr>
-                <p:custDataLst>
-                  <p:tags r:id="rId6"/>
-                </p:custDataLst>
-              </p:nvPr>
-            </p:nvPicPr>
-            <p:blipFill>
-              <a:blip r:embed="rId28">
-                <a:extLst>
-                  <a:ext uri="{28A0092B-C50C-407E-A947-70E740481C1C}">
-                    <a14:useLocalDpi xmlns:a14="http://schemas.microsoft.com/office/drawing/2010/main" val="0"/>
-                  </a:ext>
-                </a:extLst>
-              </a:blip>
-              <a:stretch>
-                <a:fillRect/>
-              </a:stretch>
-            </p:blipFill>
-            <p:spPr>
-              <a:xfrm>
-                <a:off x="10252595" y="3499331"/>
-                <a:ext cx="91453" cy="142667"/>
-              </a:xfrm>
-              <a:prstGeom prst="rect">
-                <a:avLst/>
-              </a:prstGeom>
-            </p:spPr>
-          </p:pic>
-          <p:grpSp>
-            <p:nvGrpSpPr>
-              <p:cNvPr id="90" name="Group 89">
-                <a:extLst>
-                  <a:ext uri="{FF2B5EF4-FFF2-40B4-BE49-F238E27FC236}">
-                    <a16:creationId xmlns:a16="http://schemas.microsoft.com/office/drawing/2014/main" id="{8F1A72BF-8452-4B97-952E-6333A4EA9789}"/>
-                  </a:ext>
-                </a:extLst>
-              </p:cNvPr>
-              <p:cNvGrpSpPr/>
-              <p:nvPr/>
-            </p:nvGrpSpPr>
-            <p:grpSpPr>
-              <a:xfrm>
-                <a:off x="10679360" y="2462455"/>
-                <a:ext cx="1045595" cy="461665"/>
-                <a:chOff x="1962691" y="3109301"/>
-                <a:chExt cx="1045595" cy="461665"/>
-              </a:xfrm>
-            </p:grpSpPr>
-            <p:sp>
-              <p:nvSpPr>
-                <p:cNvPr id="92" name="TextBox 91">
-                  <a:extLst>
-                    <a:ext uri="{FF2B5EF4-FFF2-40B4-BE49-F238E27FC236}">
-                      <a16:creationId xmlns:a16="http://schemas.microsoft.com/office/drawing/2014/main" id="{0BCB8ED9-82BC-40D1-9802-EFF4C7F65D64}"/>
-                    </a:ext>
-                  </a:extLst>
-                </p:cNvPr>
-                <p:cNvSpPr txBox="1"/>
-                <p:nvPr/>
-              </p:nvSpPr>
-              <p:spPr>
-                <a:xfrm>
-                  <a:off x="1962691" y="3109301"/>
-                  <a:ext cx="1045595" cy="461665"/>
-                </a:xfrm>
-                <a:prstGeom prst="rect">
-                  <a:avLst/>
-                </a:prstGeom>
-                <a:noFill/>
-              </p:spPr>
-              <p:txBody>
-                <a:bodyPr wrap="square" rtlCol="0">
-                  <a:spAutoFit/>
-                </a:bodyPr>
-                <a:lstStyle/>
-                <a:p>
-                  <a:pPr algn="ctr"/>
-                  <a:r>
-                    <a:rPr lang="en-US" sz="1200" dirty="0">
-                      <a:latin typeface="DejaVu Sans" panose="020B0603030804020204" pitchFamily="34" charset="0"/>
-                      <a:ea typeface="DejaVu Sans" panose="020B0603030804020204" pitchFamily="34" charset="0"/>
-                      <a:cs typeface="DejaVu Sans" panose="020B0603030804020204" pitchFamily="34" charset="0"/>
-                    </a:rPr>
-                    <a:t>Tensor</a:t>
-                  </a:r>
-                </a:p>
-                <a:p>
-                  <a:pPr algn="ctr"/>
-                  <a:r>
-                    <a:rPr lang="en-US" sz="1200" dirty="0">
-                      <a:latin typeface="DejaVu Sans" panose="020B0603030804020204" pitchFamily="34" charset="0"/>
-                      <a:ea typeface="DejaVu Sans" panose="020B0603030804020204" pitchFamily="34" charset="0"/>
-                      <a:cs typeface="DejaVu Sans" panose="020B0603030804020204" pitchFamily="34" charset="0"/>
-                    </a:rPr>
-                    <a:t>   x64x64</a:t>
-                  </a:r>
-                </a:p>
-              </p:txBody>
-            </p:sp>
-            <p:pic>
-              <p:nvPicPr>
-                <p:cNvPr id="93" name="Picture 92" descr="\documentclass{article}&#10;\usepackage{amsmath, amssymb, amsthm}&#10;\usepackage{xcolor}&#10;\pagestyle{empty}&#10;\begin{document}&#10;\setlength\parindent{0pt}&#10;&#10;\newcommand{\argmin}{\operatornamewithlimits{argmin}}&#10;\newcommand{\argmax}{\operatornamewithlimits{argmax}}&#10;\newcommand{\rtwo}{\mathbb{R}^2}&#10;\newcommand{\rone}{\mathbb{R}}&#10;\newcommand{\ex}{\mathbb{E}}&#10;\newcommand{\normal}{\mathcal{N}}&#10;\newcommand{\vor}{\mathcal{V}}&#10;\newcommand{\st}{\mid}&#10;\newcommand{\set}[1]{\left\{#1\right\}}&#10;\newcommand{\norm}[1]{\left\lVert #1\right\rVert}&#10;\newcommand{\rt}{\rightarrow}&#10;&#10;$d$&#10;&#10;\end{document}" title="IguanaTex Bitmap Display">
-                  <a:extLst>
-                    <a:ext uri="{FF2B5EF4-FFF2-40B4-BE49-F238E27FC236}">
-                      <a16:creationId xmlns:a16="http://schemas.microsoft.com/office/drawing/2014/main" id="{112E82B4-0E04-4CFF-B365-014F1F6D968E}"/>
-                    </a:ext>
-                  </a:extLst>
-                </p:cNvPr>
-                <p:cNvPicPr>
-                  <a:picLocks noChangeAspect="1"/>
-                </p:cNvPicPr>
-                <p:nvPr>
-                  <p:custDataLst>
-                    <p:tags r:id="rId9"/>
-                  </p:custDataLst>
-                </p:nvPr>
-              </p:nvPicPr>
-              <p:blipFill>
-                <a:blip r:embed="rId26">
-                  <a:extLst>
-                    <a:ext uri="{28A0092B-C50C-407E-A947-70E740481C1C}">
-                      <a14:useLocalDpi xmlns:a14="http://schemas.microsoft.com/office/drawing/2010/main" val="0"/>
-                    </a:ext>
-                  </a:extLst>
-                </a:blip>
-                <a:stretch>
-                  <a:fillRect/>
-                </a:stretch>
-              </p:blipFill>
-              <p:spPr>
-                <a:xfrm>
-                  <a:off x="2139179" y="3350047"/>
-                  <a:ext cx="96330" cy="142666"/>
-                </a:xfrm>
-                <a:prstGeom prst="rect">
-                  <a:avLst/>
-                </a:prstGeom>
-              </p:spPr>
-            </p:pic>
-          </p:grpSp>
-          <p:cxnSp>
-            <p:nvCxnSpPr>
-              <p:cNvPr id="96" name="Straight Arrow Connector 95">
-                <a:extLst>
-                  <a:ext uri="{FF2B5EF4-FFF2-40B4-BE49-F238E27FC236}">
-                    <a16:creationId xmlns:a16="http://schemas.microsoft.com/office/drawing/2014/main" id="{C00C1A22-45C1-4C7E-890E-2C54D07945D8}"/>
-                  </a:ext>
-                </a:extLst>
-              </p:cNvPr>
-              <p:cNvCxnSpPr>
-                <a:cxnSpLocks/>
-              </p:cNvCxnSpPr>
-              <p:nvPr/>
-            </p:nvCxnSpPr>
-            <p:spPr>
-              <a:xfrm>
-                <a:off x="9493907" y="2610487"/>
-                <a:ext cx="684276" cy="0"/>
-              </a:xfrm>
-              <a:prstGeom prst="straightConnector1">
-                <a:avLst/>
-              </a:prstGeom>
-              <a:ln w="38100">
-                <a:solidFill>
-                  <a:schemeClr val="tx1"/>
-                </a:solidFill>
-                <a:tailEnd type="triangle"/>
-              </a:ln>
-            </p:spPr>
-            <p:style>
-              <a:lnRef idx="1">
-                <a:schemeClr val="accent1"/>
-              </a:lnRef>
-              <a:fillRef idx="0">
-                <a:schemeClr val="accent1"/>
-              </a:fillRef>
-              <a:effectRef idx="0">
-                <a:schemeClr val="accent1"/>
-              </a:effectRef>
-              <a:fontRef idx="minor">
-                <a:schemeClr val="tx1"/>
-              </a:fontRef>
-            </p:style>
-          </p:cxnSp>
-          <p:sp>
-            <p:nvSpPr>
-              <p:cNvPr id="97" name="Rectangle 96">
-                <a:extLst>
-                  <a:ext uri="{FF2B5EF4-FFF2-40B4-BE49-F238E27FC236}">
-                    <a16:creationId xmlns:a16="http://schemas.microsoft.com/office/drawing/2014/main" id="{7A626812-48E4-4F07-A90E-48BB5FDF6B2C}"/>
-                  </a:ext>
-                </a:extLst>
-              </p:cNvPr>
-              <p:cNvSpPr/>
-              <p:nvPr/>
-            </p:nvSpPr>
-            <p:spPr>
-              <a:xfrm rot="16200000">
-                <a:off x="12306704" y="2523441"/>
-                <a:ext cx="1556548" cy="174103"/>
-              </a:xfrm>
-              <a:prstGeom prst="rect">
-                <a:avLst/>
-              </a:prstGeom>
-              <a:solidFill>
-                <a:srgbClr val="FF00FF"/>
-              </a:solidFill>
-              <a:ln>
-                <a:noFill/>
-              </a:ln>
-            </p:spPr>
-            <p:style>
-              <a:lnRef idx="2">
-                <a:schemeClr val="accent1">
-                  <a:shade val="50000"/>
-                </a:schemeClr>
-              </a:lnRef>
-              <a:fillRef idx="1">
-                <a:schemeClr val="accent1"/>
-              </a:fillRef>
-              <a:effectRef idx="0">
-                <a:schemeClr val="accent1"/>
-              </a:effectRef>
-              <a:fontRef idx="minor">
-                <a:schemeClr val="lt1"/>
-              </a:fontRef>
-            </p:style>
-            <p:txBody>
-              <a:bodyPr rtlCol="0" anchor="ctr"/>
-              <a:lstStyle/>
-              <a:p>
-                <a:pPr algn="ctr"/>
-                <a:r>
-                  <a:rPr lang="en-US" sz="1200" dirty="0">
-                    <a:solidFill>
-                      <a:schemeClr val="tx1"/>
-                    </a:solidFill>
-                    <a:latin typeface="DejaVu Sans" panose="020B0603030804020204" pitchFamily="34" charset="0"/>
-                    <a:ea typeface="DejaVu Sans" panose="020B0603030804020204" pitchFamily="34" charset="0"/>
-                    <a:cs typeface="DejaVu Sans" panose="020B0603030804020204" pitchFamily="34" charset="0"/>
-                  </a:rPr>
-                  <a:t>Conv</a:t>
-                </a:r>
-              </a:p>
-            </p:txBody>
-          </p:sp>
-          <p:sp>
-            <p:nvSpPr>
-              <p:cNvPr id="103" name="Rectangle 102">
-                <a:extLst>
-                  <a:ext uri="{FF2B5EF4-FFF2-40B4-BE49-F238E27FC236}">
-                    <a16:creationId xmlns:a16="http://schemas.microsoft.com/office/drawing/2014/main" id="{DDBEB466-E3E5-485A-83D9-F5A841202BE1}"/>
-                  </a:ext>
-                </a:extLst>
-              </p:cNvPr>
-              <p:cNvSpPr/>
-              <p:nvPr/>
-            </p:nvSpPr>
-            <p:spPr>
-              <a:xfrm rot="16200000">
-                <a:off x="12541443" y="2523441"/>
-                <a:ext cx="1556548" cy="174103"/>
-              </a:xfrm>
-              <a:prstGeom prst="rect">
-                <a:avLst/>
-              </a:prstGeom>
-              <a:solidFill>
-                <a:srgbClr val="00FFFF"/>
-              </a:solidFill>
-              <a:ln>
-                <a:noFill/>
-              </a:ln>
-            </p:spPr>
-            <p:style>
-              <a:lnRef idx="2">
-                <a:schemeClr val="accent1">
-                  <a:shade val="50000"/>
-                </a:schemeClr>
-              </a:lnRef>
-              <a:fillRef idx="1">
-                <a:schemeClr val="accent1"/>
-              </a:fillRef>
-              <a:effectRef idx="0">
-                <a:schemeClr val="accent1"/>
-              </a:effectRef>
-              <a:fontRef idx="minor">
-                <a:schemeClr val="lt1"/>
-              </a:fontRef>
-            </p:style>
-            <p:txBody>
-              <a:bodyPr rtlCol="0" anchor="ctr"/>
-              <a:lstStyle/>
-              <a:p>
-                <a:pPr algn="ctr"/>
-                <a:r>
-                  <a:rPr lang="en-US" sz="1200" dirty="0">
-                    <a:solidFill>
-                      <a:schemeClr val="tx1"/>
-                    </a:solidFill>
-                    <a:latin typeface="DejaVu Sans" panose="020B0603030804020204" pitchFamily="34" charset="0"/>
-                    <a:ea typeface="DejaVu Sans" panose="020B0603030804020204" pitchFamily="34" charset="0"/>
-                    <a:cs typeface="DejaVu Sans" panose="020B0603030804020204" pitchFamily="34" charset="0"/>
-                  </a:rPr>
-                  <a:t>ReLU</a:t>
-                </a:r>
-              </a:p>
-            </p:txBody>
-          </p:sp>
-          <p:pic>
-            <p:nvPicPr>
-              <p:cNvPr id="104" name="Picture 103" descr="\documentclass{article}&#10;\usepackage{amsmath, amssymb, amsthm}&#10;\usepackage{xcolor}&#10;\pagestyle{empty}&#10;\begin{document}&#10;\setlength\parindent{0pt}&#10;&#10;\newcommand{\argmin}{\operatornamewithlimits{argmin}}&#10;\newcommand{\argmax}{\operatornamewithlimits{argmax}}&#10;\newcommand{\rtwo}{\mathbb{R}^2}&#10;\newcommand{\rone}{\mathbb{R}}&#10;\newcommand{\ex}{\mathbb{E}}&#10;\newcommand{\normal}{\mathcal{N}}&#10;\newcommand{\vor}{\mathcal{V}}&#10;\newcommand{\st}{\mid}&#10;\newcommand{\set}[1]{\left\{#1\right\}}&#10;\newcommand{\norm}[1]{\left\lVert #1\right\rVert}&#10;\newcommand{\rt}{\rightarrow}&#10;&#10;$k$&#10;&#10;\end{document}" title="IguanaTex Bitmap Display">
-                <a:extLst>
-                  <a:ext uri="{FF2B5EF4-FFF2-40B4-BE49-F238E27FC236}">
-                    <a16:creationId xmlns:a16="http://schemas.microsoft.com/office/drawing/2014/main" id="{F8A48FFE-CF4C-4067-A4C8-F6BDD90F2A45}"/>
-                  </a:ext>
-                </a:extLst>
-              </p:cNvPr>
-              <p:cNvPicPr>
-                <a:picLocks noChangeAspect="1"/>
-              </p:cNvPicPr>
-              <p:nvPr>
-                <p:custDataLst>
-                  <p:tags r:id="rId7"/>
-                </p:custDataLst>
-              </p:nvPr>
-            </p:nvPicPr>
-            <p:blipFill>
-              <a:blip r:embed="rId28">
-                <a:extLst>
-                  <a:ext uri="{28A0092B-C50C-407E-A947-70E740481C1C}">
-                    <a14:useLocalDpi xmlns:a14="http://schemas.microsoft.com/office/drawing/2010/main" val="0"/>
-                  </a:ext>
-                </a:extLst>
-              </a:blip>
-              <a:stretch>
-                <a:fillRect/>
-              </a:stretch>
-            </p:blipFill>
-            <p:spPr>
-              <a:xfrm>
-                <a:off x="13013126" y="3499332"/>
-                <a:ext cx="91453" cy="142667"/>
-              </a:xfrm>
-              <a:prstGeom prst="rect">
-                <a:avLst/>
-              </a:prstGeom>
-            </p:spPr>
-          </p:pic>
-          <p:cxnSp>
-            <p:nvCxnSpPr>
-              <p:cNvPr id="105" name="Straight Arrow Connector 104">
-                <a:extLst>
-                  <a:ext uri="{FF2B5EF4-FFF2-40B4-BE49-F238E27FC236}">
-                    <a16:creationId xmlns:a16="http://schemas.microsoft.com/office/drawing/2014/main" id="{78B25FEA-EF6F-4739-AFF3-A65AB6FB8728}"/>
-                  </a:ext>
-                </a:extLst>
-              </p:cNvPr>
-              <p:cNvCxnSpPr>
-                <a:cxnSpLocks/>
-              </p:cNvCxnSpPr>
-              <p:nvPr/>
-            </p:nvCxnSpPr>
-            <p:spPr>
-              <a:xfrm>
-                <a:off x="12488698" y="2610487"/>
-                <a:ext cx="437486" cy="0"/>
-              </a:xfrm>
-              <a:prstGeom prst="straightConnector1">
-                <a:avLst/>
-              </a:prstGeom>
-              <a:ln w="38100">
-                <a:solidFill>
-                  <a:schemeClr val="tx1"/>
-                </a:solidFill>
-                <a:tailEnd type="triangle"/>
-              </a:ln>
-            </p:spPr>
-            <p:style>
-              <a:lnRef idx="1">
-                <a:schemeClr val="accent1"/>
-              </a:lnRef>
-              <a:fillRef idx="0">
-                <a:schemeClr val="accent1"/>
-              </a:fillRef>
-              <a:effectRef idx="0">
-                <a:schemeClr val="accent1"/>
-              </a:effectRef>
-              <a:fontRef idx="minor">
-                <a:schemeClr val="tx1"/>
-              </a:fontRef>
-            </p:style>
-          </p:cxnSp>
-          <p:cxnSp>
-            <p:nvCxnSpPr>
-              <p:cNvPr id="106" name="Straight Arrow Connector 105">
-                <a:extLst>
-                  <a:ext uri="{FF2B5EF4-FFF2-40B4-BE49-F238E27FC236}">
-                    <a16:creationId xmlns:a16="http://schemas.microsoft.com/office/drawing/2014/main" id="{9FB371D5-106D-4EE7-8C56-692D9CD15688}"/>
-                  </a:ext>
-                </a:extLst>
-              </p:cNvPr>
-              <p:cNvCxnSpPr/>
-              <p:nvPr/>
-            </p:nvCxnSpPr>
-            <p:spPr>
-              <a:xfrm flipV="1">
-                <a:off x="13379607" y="2610488"/>
-                <a:ext cx="158276" cy="1"/>
-              </a:xfrm>
-              <a:prstGeom prst="straightConnector1">
-                <a:avLst/>
-              </a:prstGeom>
-              <a:ln w="38100">
-                <a:solidFill>
-                  <a:schemeClr val="tx1"/>
-                </a:solidFill>
-                <a:tailEnd type="triangle"/>
-              </a:ln>
-            </p:spPr>
-            <p:style>
-              <a:lnRef idx="1">
-                <a:schemeClr val="accent1"/>
-              </a:lnRef>
-              <a:fillRef idx="0">
-                <a:schemeClr val="accent1"/>
-              </a:fillRef>
-              <a:effectRef idx="0">
-                <a:schemeClr val="accent1"/>
-              </a:effectRef>
-              <a:fontRef idx="minor">
-                <a:schemeClr val="tx1"/>
-              </a:fontRef>
-            </p:style>
-          </p:cxnSp>
-          <p:sp>
-            <p:nvSpPr>
-              <p:cNvPr id="107" name="TextBox 106">
-                <a:extLst>
-                  <a:ext uri="{FF2B5EF4-FFF2-40B4-BE49-F238E27FC236}">
-                    <a16:creationId xmlns:a16="http://schemas.microsoft.com/office/drawing/2014/main" id="{95E3FC77-A294-4D6A-81FB-A62A7E9B21DB}"/>
-                  </a:ext>
-                </a:extLst>
-              </p:cNvPr>
-              <p:cNvSpPr txBox="1"/>
-              <p:nvPr/>
-            </p:nvSpPr>
-            <p:spPr>
-              <a:xfrm>
-                <a:off x="13411347" y="2462455"/>
-                <a:ext cx="1045595" cy="461665"/>
-              </a:xfrm>
-              <a:prstGeom prst="rect">
-                <a:avLst/>
-              </a:prstGeom>
-              <a:noFill/>
-            </p:spPr>
-            <p:txBody>
-              <a:bodyPr wrap="square" rtlCol="0">
-                <a:spAutoFit/>
-              </a:bodyPr>
-              <a:lstStyle/>
-              <a:p>
-                <a:pPr algn="ctr"/>
-                <a:r>
-                  <a:rPr lang="en-US" sz="1200" dirty="0">
-                    <a:latin typeface="DejaVu Sans" panose="020B0603030804020204" pitchFamily="34" charset="0"/>
-                    <a:ea typeface="DejaVu Sans" panose="020B0603030804020204" pitchFamily="34" charset="0"/>
-                    <a:cs typeface="DejaVu Sans" panose="020B0603030804020204" pitchFamily="34" charset="0"/>
-                  </a:rPr>
-                  <a:t>Tensor</a:t>
-                </a:r>
-              </a:p>
-              <a:p>
-                <a:pPr algn="ctr"/>
-                <a:r>
-                  <a:rPr lang="en-US" sz="1200" dirty="0">
-                    <a:latin typeface="DejaVu Sans" panose="020B0603030804020204" pitchFamily="34" charset="0"/>
-                    <a:ea typeface="DejaVu Sans" panose="020B0603030804020204" pitchFamily="34" charset="0"/>
-                    <a:cs typeface="DejaVu Sans" panose="020B0603030804020204" pitchFamily="34" charset="0"/>
-                  </a:rPr>
-                  <a:t>2x64x64</a:t>
-                </a:r>
-              </a:p>
-            </p:txBody>
-          </p:sp>
-          <p:cxnSp>
-            <p:nvCxnSpPr>
-              <p:cNvPr id="111" name="Straight Arrow Connector 110">
-                <a:extLst>
-                  <a:ext uri="{FF2B5EF4-FFF2-40B4-BE49-F238E27FC236}">
-                    <a16:creationId xmlns:a16="http://schemas.microsoft.com/office/drawing/2014/main" id="{A4CB3BB8-0061-4F50-9759-61771CAEA6B2}"/>
-                  </a:ext>
-                </a:extLst>
-              </p:cNvPr>
-              <p:cNvCxnSpPr>
-                <a:cxnSpLocks/>
-              </p:cNvCxnSpPr>
-              <p:nvPr/>
-            </p:nvCxnSpPr>
-            <p:spPr>
-              <a:xfrm>
-                <a:off x="14304364" y="2610487"/>
-                <a:ext cx="437486" cy="0"/>
-              </a:xfrm>
-              <a:prstGeom prst="straightConnector1">
-                <a:avLst/>
-              </a:prstGeom>
-              <a:ln w="38100">
-                <a:solidFill>
-                  <a:schemeClr val="tx1"/>
-                </a:solidFill>
-                <a:tailEnd type="triangle"/>
-              </a:ln>
-            </p:spPr>
-            <p:style>
-              <a:lnRef idx="1">
-                <a:schemeClr val="accent1"/>
-              </a:lnRef>
-              <a:fillRef idx="0">
-                <a:schemeClr val="accent1"/>
-              </a:fillRef>
-              <a:effectRef idx="0">
-                <a:schemeClr val="accent1"/>
-              </a:effectRef>
-              <a:fontRef idx="minor">
-                <a:schemeClr val="tx1"/>
-              </a:fontRef>
-            </p:style>
-          </p:cxnSp>
-          <p:pic>
-            <p:nvPicPr>
-              <p:cNvPr id="112" name="Picture 111" descr="\documentclass{article}&#10;\usepackage{amsmath, amssymb, amsthm}&#10;\usepackage{xcolor}&#10;\pagestyle{empty}&#10;\begin{document}&#10;\setlength\parindent{0pt}&#10;&#10;\newcommand{\argmin}{\operatornamewithlimits{argmin}}&#10;\newcommand{\argmax}{\operatornamewithlimits{argmax}}&#10;\newcommand{\rtwo}{\mathbb{R}^2}&#10;\newcommand{\rone}{\mathbb{R}}&#10;\newcommand{\ex}{\mathbb{E}}&#10;\newcommand{\normal}{\mathcal{N}}&#10;\newcommand{\vor}{\mathcal{V}}&#10;\newcommand{\st}{\mid}&#10;\newcommand{\set}[1]{\left\{#1\right\}}&#10;\newcommand{\norm}[1]{\left\lVert #1\right\rVert}&#10;\newcommand{\rt}{\rightarrow}&#10;&#10;$k$&#10;&#10;\end{document}" title="IguanaTex Bitmap Display">
-                <a:extLst>
-                  <a:ext uri="{FF2B5EF4-FFF2-40B4-BE49-F238E27FC236}">
-                    <a16:creationId xmlns:a16="http://schemas.microsoft.com/office/drawing/2014/main" id="{8912606A-E8C9-4C2C-A533-126191C77B1A}"/>
-                  </a:ext>
-                </a:extLst>
-              </p:cNvPr>
-              <p:cNvPicPr>
-                <a:picLocks noChangeAspect="1"/>
-              </p:cNvPicPr>
-              <p:nvPr>
-                <p:custDataLst>
-                  <p:tags r:id="rId8"/>
-                </p:custDataLst>
-              </p:nvPr>
-            </p:nvPicPr>
-            <p:blipFill>
-              <a:blip r:embed="rId28">
-                <a:extLst>
-                  <a:ext uri="{28A0092B-C50C-407E-A947-70E740481C1C}">
-                    <a14:useLocalDpi xmlns:a14="http://schemas.microsoft.com/office/drawing/2010/main" val="0"/>
-                  </a:ext>
-                </a:extLst>
-              </a:blip>
-              <a:stretch>
-                <a:fillRect/>
-              </a:stretch>
-            </p:blipFill>
-            <p:spPr>
-              <a:xfrm>
-                <a:off x="12087071" y="3499332"/>
-                <a:ext cx="91453" cy="142667"/>
-              </a:xfrm>
-              <a:prstGeom prst="rect">
-                <a:avLst/>
-              </a:prstGeom>
-            </p:spPr>
-          </p:pic>
-          <p:cxnSp>
-            <p:nvCxnSpPr>
-              <p:cNvPr id="113" name="Straight Arrow Connector 112">
-                <a:extLst>
-                  <a:ext uri="{FF2B5EF4-FFF2-40B4-BE49-F238E27FC236}">
-                    <a16:creationId xmlns:a16="http://schemas.microsoft.com/office/drawing/2014/main" id="{80B7DFC1-3946-4693-99A1-071A82EAD840}"/>
-                  </a:ext>
-                </a:extLst>
-              </p:cNvPr>
-              <p:cNvCxnSpPr>
-                <a:cxnSpLocks/>
-              </p:cNvCxnSpPr>
-              <p:nvPr/>
-            </p:nvCxnSpPr>
-            <p:spPr>
-              <a:xfrm>
-                <a:off x="15060752" y="2610487"/>
-                <a:ext cx="437486" cy="0"/>
-              </a:xfrm>
-              <a:prstGeom prst="straightConnector1">
-                <a:avLst/>
-              </a:prstGeom>
-              <a:ln w="38100">
-                <a:solidFill>
-                  <a:schemeClr val="tx1"/>
-                </a:solidFill>
-                <a:tailEnd type="triangle"/>
-              </a:ln>
-            </p:spPr>
-            <p:style>
-              <a:lnRef idx="1">
-                <a:schemeClr val="accent1"/>
-              </a:lnRef>
-              <a:fillRef idx="0">
-                <a:schemeClr val="accent1"/>
-              </a:fillRef>
-              <a:effectRef idx="0">
-                <a:schemeClr val="accent1"/>
-              </a:effectRef>
-              <a:fontRef idx="minor">
-                <a:schemeClr val="tx1"/>
-              </a:fontRef>
-            </p:style>
-          </p:cxnSp>
-        </p:grpSp>
-        <p:grpSp>
-          <p:nvGrpSpPr>
             <p:cNvPr id="3" name="Group 2">
               <a:extLst>
                 <a:ext uri="{FF2B5EF4-FFF2-40B4-BE49-F238E27FC236}">
@@ -12502,7 +12592,7 @@
           </p:nvGrpSpPr>
           <p:grpSpPr>
             <a:xfrm>
-              <a:off x="3029543" y="1214875"/>
+              <a:off x="2986635" y="1214875"/>
               <a:ext cx="6681173" cy="1828379"/>
               <a:chOff x="5588834" y="573974"/>
               <a:chExt cx="6681173" cy="1828379"/>
@@ -12790,12 +12880,12 @@
               </p:cNvPicPr>
               <p:nvPr>
                 <p:custDataLst>
-                  <p:tags r:id="rId1"/>
+                  <p:tags r:id="rId6"/>
                 </p:custDataLst>
               </p:nvPr>
             </p:nvPicPr>
             <p:blipFill>
-              <a:blip r:embed="rId29">
+              <a:blip r:embed="rId27">
                 <a:extLst>
                   <a:ext uri="{28A0092B-C50C-407E-A947-70E740481C1C}">
                     <a14:useLocalDpi xmlns:a14="http://schemas.microsoft.com/office/drawing/2010/main" val="0"/>
@@ -12901,12 +12991,12 @@
                 </p:cNvPicPr>
                 <p:nvPr>
                   <p:custDataLst>
-                    <p:tags r:id="rId5"/>
+                    <p:tags r:id="rId10"/>
                   </p:custDataLst>
                 </p:nvPr>
               </p:nvPicPr>
               <p:blipFill>
-                <a:blip r:embed="rId30">
+                <a:blip r:embed="rId28">
                   <a:extLst>
                     <a:ext uri="{28A0092B-C50C-407E-A947-70E740481C1C}">
                       <a14:useLocalDpi xmlns:a14="http://schemas.microsoft.com/office/drawing/2010/main" val="0"/>
@@ -13152,12 +13242,12 @@
               </p:cNvPicPr>
               <p:nvPr>
                 <p:custDataLst>
-                  <p:tags r:id="rId2"/>
+                  <p:tags r:id="rId7"/>
                 </p:custDataLst>
               </p:nvPr>
             </p:nvPicPr>
             <p:blipFill>
-              <a:blip r:embed="rId31">
+              <a:blip r:embed="rId29">
                 <a:extLst>
                   <a:ext uri="{28A0092B-C50C-407E-A947-70E740481C1C}">
                     <a14:useLocalDpi xmlns:a14="http://schemas.microsoft.com/office/drawing/2010/main" val="0"/>
@@ -13263,12 +13353,12 @@
                 </p:cNvPicPr>
                 <p:nvPr>
                   <p:custDataLst>
-                    <p:tags r:id="rId4"/>
+                    <p:tags r:id="rId9"/>
                   </p:custDataLst>
                 </p:nvPr>
               </p:nvPicPr>
               <p:blipFill>
-                <a:blip r:embed="rId32">
+                <a:blip r:embed="rId30">
                   <a:extLst>
                     <a:ext uri="{28A0092B-C50C-407E-A947-70E740481C1C}">
                       <a14:useLocalDpi xmlns:a14="http://schemas.microsoft.com/office/drawing/2010/main" val="0"/>
@@ -13514,12 +13604,12 @@
               </p:cNvPicPr>
               <p:nvPr>
                 <p:custDataLst>
-                  <p:tags r:id="rId3"/>
+                  <p:tags r:id="rId8"/>
                 </p:custDataLst>
               </p:nvPr>
             </p:nvPicPr>
             <p:blipFill>
-              <a:blip r:embed="rId33">
+              <a:blip r:embed="rId31">
                 <a:extLst>
                   <a:ext uri="{28A0092B-C50C-407E-A947-70E740481C1C}">
                     <a14:useLocalDpi xmlns:a14="http://schemas.microsoft.com/office/drawing/2010/main" val="0"/>
@@ -13702,6 +13792,1340 @@
             </a:p>
           </p:txBody>
         </p:sp>
+        <p:grpSp>
+          <p:nvGrpSpPr>
+            <p:cNvPr id="10" name="Group 9">
+              <a:extLst>
+                <a:ext uri="{FF2B5EF4-FFF2-40B4-BE49-F238E27FC236}">
+                  <a16:creationId xmlns:a16="http://schemas.microsoft.com/office/drawing/2014/main" id="{2A21AA70-E394-4896-BF33-0D543ADF986E}"/>
+                </a:ext>
+              </a:extLst>
+            </p:cNvPr>
+            <p:cNvGrpSpPr/>
+            <p:nvPr/>
+          </p:nvGrpSpPr>
+          <p:grpSpPr>
+            <a:xfrm>
+              <a:off x="2924448" y="3799325"/>
+              <a:ext cx="6805547" cy="2641141"/>
+              <a:chOff x="2647704" y="3799325"/>
+              <a:chExt cx="6805547" cy="2641141"/>
+            </a:xfrm>
+          </p:grpSpPr>
+          <p:sp>
+            <p:nvSpPr>
+              <p:cNvPr id="144" name="Rectangle 143">
+                <a:extLst>
+                  <a:ext uri="{FF2B5EF4-FFF2-40B4-BE49-F238E27FC236}">
+                    <a16:creationId xmlns:a16="http://schemas.microsoft.com/office/drawing/2014/main" id="{97FFC3D1-440B-4C1F-9727-5FDDEE45A4A1}"/>
+                  </a:ext>
+                </a:extLst>
+              </p:cNvPr>
+              <p:cNvSpPr/>
+              <p:nvPr/>
+            </p:nvSpPr>
+            <p:spPr>
+              <a:xfrm rot="16200000">
+                <a:off x="3416201" y="4970174"/>
+                <a:ext cx="1556548" cy="174103"/>
+              </a:xfrm>
+              <a:prstGeom prst="rect">
+                <a:avLst/>
+              </a:prstGeom>
+              <a:solidFill>
+                <a:srgbClr val="FF00FF"/>
+              </a:solidFill>
+              <a:ln>
+                <a:noFill/>
+              </a:ln>
+            </p:spPr>
+            <p:style>
+              <a:lnRef idx="2">
+                <a:schemeClr val="accent1">
+                  <a:shade val="50000"/>
+                </a:schemeClr>
+              </a:lnRef>
+              <a:fillRef idx="1">
+                <a:schemeClr val="accent1"/>
+              </a:fillRef>
+              <a:effectRef idx="0">
+                <a:schemeClr val="accent1"/>
+              </a:effectRef>
+              <a:fontRef idx="minor">
+                <a:schemeClr val="lt1"/>
+              </a:fontRef>
+            </p:style>
+            <p:txBody>
+              <a:bodyPr rtlCol="0" anchor="ctr"/>
+              <a:lstStyle/>
+              <a:p>
+                <a:pPr algn="ctr"/>
+                <a:r>
+                  <a:rPr lang="en-US" sz="1200" dirty="0">
+                    <a:solidFill>
+                      <a:schemeClr val="tx1"/>
+                    </a:solidFill>
+                    <a:latin typeface="DejaVu Sans" panose="020B0603030804020204" pitchFamily="34" charset="0"/>
+                    <a:ea typeface="DejaVu Sans" panose="020B0603030804020204" pitchFamily="34" charset="0"/>
+                    <a:cs typeface="DejaVu Sans" panose="020B0603030804020204" pitchFamily="34" charset="0"/>
+                  </a:rPr>
+                  <a:t>Conv</a:t>
+                </a:r>
+              </a:p>
+            </p:txBody>
+          </p:sp>
+          <p:sp>
+            <p:nvSpPr>
+              <p:cNvPr id="145" name="Rectangle 144">
+                <a:extLst>
+                  <a:ext uri="{FF2B5EF4-FFF2-40B4-BE49-F238E27FC236}">
+                    <a16:creationId xmlns:a16="http://schemas.microsoft.com/office/drawing/2014/main" id="{665689A4-5B0A-41CF-80CF-0AB8BBA26F9D}"/>
+                  </a:ext>
+                </a:extLst>
+              </p:cNvPr>
+              <p:cNvSpPr/>
+              <p:nvPr/>
+            </p:nvSpPr>
+            <p:spPr>
+              <a:xfrm rot="16200000">
+                <a:off x="3650940" y="4970174"/>
+                <a:ext cx="1556548" cy="174103"/>
+              </a:xfrm>
+              <a:prstGeom prst="rect">
+                <a:avLst/>
+              </a:prstGeom>
+              <a:solidFill>
+                <a:srgbClr val="00FFFF"/>
+              </a:solidFill>
+              <a:ln>
+                <a:noFill/>
+              </a:ln>
+            </p:spPr>
+            <p:style>
+              <a:lnRef idx="2">
+                <a:schemeClr val="accent1">
+                  <a:shade val="50000"/>
+                </a:schemeClr>
+              </a:lnRef>
+              <a:fillRef idx="1">
+                <a:schemeClr val="accent1"/>
+              </a:fillRef>
+              <a:effectRef idx="0">
+                <a:schemeClr val="accent1"/>
+              </a:effectRef>
+              <a:fontRef idx="minor">
+                <a:schemeClr val="lt1"/>
+              </a:fontRef>
+            </p:style>
+            <p:txBody>
+              <a:bodyPr rtlCol="0" anchor="ctr"/>
+              <a:lstStyle/>
+              <a:p>
+                <a:pPr algn="ctr"/>
+                <a:r>
+                  <a:rPr lang="en-US" sz="1200" dirty="0">
+                    <a:solidFill>
+                      <a:schemeClr val="tx1"/>
+                    </a:solidFill>
+                    <a:latin typeface="DejaVu Sans" panose="020B0603030804020204" pitchFamily="34" charset="0"/>
+                    <a:ea typeface="DejaVu Sans" panose="020B0603030804020204" pitchFamily="34" charset="0"/>
+                    <a:cs typeface="DejaVu Sans" panose="020B0603030804020204" pitchFamily="34" charset="0"/>
+                  </a:rPr>
+                  <a:t>ReLU</a:t>
+                </a:r>
+              </a:p>
+            </p:txBody>
+          </p:sp>
+          <p:cxnSp>
+            <p:nvCxnSpPr>
+              <p:cNvPr id="146" name="Straight Arrow Connector 145">
+                <a:extLst>
+                  <a:ext uri="{FF2B5EF4-FFF2-40B4-BE49-F238E27FC236}">
+                    <a16:creationId xmlns:a16="http://schemas.microsoft.com/office/drawing/2014/main" id="{F782E9E9-0075-494A-938F-6D71609D6DD6}"/>
+                  </a:ext>
+                </a:extLst>
+              </p:cNvPr>
+              <p:cNvCxnSpPr>
+                <a:cxnSpLocks/>
+              </p:cNvCxnSpPr>
+              <p:nvPr/>
+            </p:nvCxnSpPr>
+            <p:spPr>
+              <a:xfrm>
+                <a:off x="5426017" y="5057220"/>
+                <a:ext cx="437486" cy="0"/>
+              </a:xfrm>
+              <a:prstGeom prst="straightConnector1">
+                <a:avLst/>
+              </a:prstGeom>
+              <a:ln w="38100">
+                <a:solidFill>
+                  <a:schemeClr val="tx1"/>
+                </a:solidFill>
+                <a:tailEnd type="triangle"/>
+              </a:ln>
+            </p:spPr>
+            <p:style>
+              <a:lnRef idx="1">
+                <a:schemeClr val="accent1"/>
+              </a:lnRef>
+              <a:fillRef idx="0">
+                <a:schemeClr val="accent1"/>
+              </a:fillRef>
+              <a:effectRef idx="0">
+                <a:schemeClr val="accent1"/>
+              </a:effectRef>
+              <a:fontRef idx="minor">
+                <a:schemeClr val="tx1"/>
+              </a:fontRef>
+            </p:style>
+          </p:cxnSp>
+          <p:sp>
+            <p:nvSpPr>
+              <p:cNvPr id="147" name="TextBox 146">
+                <a:extLst>
+                  <a:ext uri="{FF2B5EF4-FFF2-40B4-BE49-F238E27FC236}">
+                    <a16:creationId xmlns:a16="http://schemas.microsoft.com/office/drawing/2014/main" id="{14944FF7-8455-4097-BCA1-E5030F395776}"/>
+                  </a:ext>
+                </a:extLst>
+              </p:cNvPr>
+              <p:cNvSpPr txBox="1"/>
+              <p:nvPr/>
+            </p:nvSpPr>
+            <p:spPr>
+              <a:xfrm>
+                <a:off x="2647704" y="4909189"/>
+                <a:ext cx="1045595" cy="461665"/>
+              </a:xfrm>
+              <a:prstGeom prst="rect">
+                <a:avLst/>
+              </a:prstGeom>
+              <a:noFill/>
+            </p:spPr>
+            <p:txBody>
+              <a:bodyPr wrap="square" rtlCol="0">
+                <a:spAutoFit/>
+              </a:bodyPr>
+              <a:lstStyle/>
+              <a:p>
+                <a:pPr algn="ctr"/>
+                <a:r>
+                  <a:rPr lang="en-US" sz="1200" dirty="0">
+                    <a:latin typeface="DejaVu Sans" panose="020B0603030804020204" pitchFamily="34" charset="0"/>
+                    <a:ea typeface="DejaVu Sans" panose="020B0603030804020204" pitchFamily="34" charset="0"/>
+                    <a:cs typeface="DejaVu Sans" panose="020B0603030804020204" pitchFamily="34" charset="0"/>
+                  </a:rPr>
+                  <a:t>LR Patch</a:t>
+                </a:r>
+              </a:p>
+              <a:p>
+                <a:pPr algn="ctr"/>
+                <a:r>
+                  <a:rPr lang="en-US" sz="1200" dirty="0">
+                    <a:latin typeface="DejaVu Sans" panose="020B0603030804020204" pitchFamily="34" charset="0"/>
+                    <a:ea typeface="DejaVu Sans" panose="020B0603030804020204" pitchFamily="34" charset="0"/>
+                    <a:cs typeface="DejaVu Sans" panose="020B0603030804020204" pitchFamily="34" charset="0"/>
+                  </a:rPr>
+                  <a:t>2x64x64</a:t>
+                </a:r>
+              </a:p>
+            </p:txBody>
+          </p:sp>
+          <p:sp>
+            <p:nvSpPr>
+              <p:cNvPr id="148" name="Rectangle 147">
+                <a:extLst>
+                  <a:ext uri="{FF2B5EF4-FFF2-40B4-BE49-F238E27FC236}">
+                    <a16:creationId xmlns:a16="http://schemas.microsoft.com/office/drawing/2014/main" id="{EF9887DC-3777-4DBF-B176-0A9154BC6601}"/>
+                  </a:ext>
+                </a:extLst>
+              </p:cNvPr>
+              <p:cNvSpPr/>
+              <p:nvPr/>
+            </p:nvSpPr>
+            <p:spPr>
+              <a:xfrm rot="16200000">
+                <a:off x="5248103" y="4970171"/>
+                <a:ext cx="1556548" cy="174103"/>
+              </a:xfrm>
+              <a:prstGeom prst="rect">
+                <a:avLst/>
+              </a:prstGeom>
+              <a:solidFill>
+                <a:srgbClr val="FF00FF"/>
+              </a:solidFill>
+              <a:ln>
+                <a:noFill/>
+              </a:ln>
+            </p:spPr>
+            <p:style>
+              <a:lnRef idx="2">
+                <a:schemeClr val="accent1">
+                  <a:shade val="50000"/>
+                </a:schemeClr>
+              </a:lnRef>
+              <a:fillRef idx="1">
+                <a:schemeClr val="accent1"/>
+              </a:fillRef>
+              <a:effectRef idx="0">
+                <a:schemeClr val="accent1"/>
+              </a:effectRef>
+              <a:fontRef idx="minor">
+                <a:schemeClr val="lt1"/>
+              </a:fontRef>
+            </p:style>
+            <p:txBody>
+              <a:bodyPr rtlCol="0" anchor="ctr"/>
+              <a:lstStyle/>
+              <a:p>
+                <a:pPr algn="ctr"/>
+                <a:r>
+                  <a:rPr lang="en-US" sz="1200" dirty="0">
+                    <a:solidFill>
+                      <a:schemeClr val="tx1"/>
+                    </a:solidFill>
+                    <a:latin typeface="DejaVu Sans" panose="020B0603030804020204" pitchFamily="34" charset="0"/>
+                    <a:ea typeface="DejaVu Sans" panose="020B0603030804020204" pitchFamily="34" charset="0"/>
+                    <a:cs typeface="DejaVu Sans" panose="020B0603030804020204" pitchFamily="34" charset="0"/>
+                  </a:rPr>
+                  <a:t>Conv</a:t>
+                </a:r>
+              </a:p>
+            </p:txBody>
+          </p:sp>
+          <p:sp>
+            <p:nvSpPr>
+              <p:cNvPr id="149" name="Rectangle 148">
+                <a:extLst>
+                  <a:ext uri="{FF2B5EF4-FFF2-40B4-BE49-F238E27FC236}">
+                    <a16:creationId xmlns:a16="http://schemas.microsoft.com/office/drawing/2014/main" id="{BC6C4EAC-0C0F-431E-AE98-2A226BA2DA1C}"/>
+                  </a:ext>
+                </a:extLst>
+              </p:cNvPr>
+              <p:cNvSpPr/>
+              <p:nvPr/>
+            </p:nvSpPr>
+            <p:spPr>
+              <a:xfrm rot="16200000">
+                <a:off x="5482842" y="4970171"/>
+                <a:ext cx="1556548" cy="174103"/>
+              </a:xfrm>
+              <a:prstGeom prst="rect">
+                <a:avLst/>
+              </a:prstGeom>
+              <a:solidFill>
+                <a:srgbClr val="FFFF00"/>
+              </a:solidFill>
+              <a:ln>
+                <a:noFill/>
+              </a:ln>
+            </p:spPr>
+            <p:style>
+              <a:lnRef idx="2">
+                <a:schemeClr val="accent1">
+                  <a:shade val="50000"/>
+                </a:schemeClr>
+              </a:lnRef>
+              <a:fillRef idx="1">
+                <a:schemeClr val="accent1"/>
+              </a:fillRef>
+              <a:effectRef idx="0">
+                <a:schemeClr val="accent1"/>
+              </a:effectRef>
+              <a:fontRef idx="minor">
+                <a:schemeClr val="lt1"/>
+              </a:fontRef>
+            </p:style>
+            <p:txBody>
+              <a:bodyPr rtlCol="0" anchor="ctr"/>
+              <a:lstStyle/>
+              <a:p>
+                <a:pPr algn="ctr"/>
+                <a:r>
+                  <a:rPr lang="en-US" sz="1200" dirty="0">
+                    <a:solidFill>
+                      <a:schemeClr val="tx1"/>
+                    </a:solidFill>
+                    <a:latin typeface="DejaVu Sans" panose="020B0603030804020204" pitchFamily="34" charset="0"/>
+                    <a:ea typeface="DejaVu Sans" panose="020B0603030804020204" pitchFamily="34" charset="0"/>
+                    <a:cs typeface="DejaVu Sans" panose="020B0603030804020204" pitchFamily="34" charset="0"/>
+                  </a:rPr>
+                  <a:t>ReLU</a:t>
+                </a:r>
+              </a:p>
+            </p:txBody>
+          </p:sp>
+          <p:sp>
+            <p:nvSpPr>
+              <p:cNvPr id="150" name="Rectangle 149">
+                <a:extLst>
+                  <a:ext uri="{FF2B5EF4-FFF2-40B4-BE49-F238E27FC236}">
+                    <a16:creationId xmlns:a16="http://schemas.microsoft.com/office/drawing/2014/main" id="{0A5C676F-6DF7-4E69-B058-B2644BC8A929}"/>
+                  </a:ext>
+                </a:extLst>
+              </p:cNvPr>
+              <p:cNvSpPr/>
+              <p:nvPr/>
+            </p:nvSpPr>
+            <p:spPr>
+              <a:xfrm>
+                <a:off x="5571806" y="4131607"/>
+                <a:ext cx="932379" cy="2121416"/>
+              </a:xfrm>
+              <a:prstGeom prst="rect">
+                <a:avLst/>
+              </a:prstGeom>
+              <a:noFill/>
+              <a:ln w="38100">
+                <a:solidFill>
+                  <a:schemeClr val="tx1"/>
+                </a:solidFill>
+              </a:ln>
+            </p:spPr>
+            <p:style>
+              <a:lnRef idx="2">
+                <a:schemeClr val="accent1">
+                  <a:shade val="50000"/>
+                </a:schemeClr>
+              </a:lnRef>
+              <a:fillRef idx="1">
+                <a:schemeClr val="accent1"/>
+              </a:fillRef>
+              <a:effectRef idx="0">
+                <a:schemeClr val="accent1"/>
+              </a:effectRef>
+              <a:fontRef idx="minor">
+                <a:schemeClr val="lt1"/>
+              </a:fontRef>
+            </p:style>
+            <p:txBody>
+              <a:bodyPr rtlCol="0" anchor="ctr"/>
+              <a:lstStyle/>
+              <a:p>
+                <a:pPr algn="ctr"/>
+                <a:endParaRPr lang="en-US"/>
+              </a:p>
+            </p:txBody>
+          </p:sp>
+          <p:grpSp>
+            <p:nvGrpSpPr>
+              <p:cNvPr id="151" name="Group 150">
+                <a:extLst>
+                  <a:ext uri="{FF2B5EF4-FFF2-40B4-BE49-F238E27FC236}">
+                    <a16:creationId xmlns:a16="http://schemas.microsoft.com/office/drawing/2014/main" id="{168F18C4-1DB2-4198-BE98-0A58EAEB2E05}"/>
+                  </a:ext>
+                </a:extLst>
+              </p:cNvPr>
+              <p:cNvGrpSpPr/>
+              <p:nvPr/>
+            </p:nvGrpSpPr>
+            <p:grpSpPr>
+              <a:xfrm>
+                <a:off x="5560952" y="3799325"/>
+                <a:ext cx="1104957" cy="276999"/>
+                <a:chOff x="963306" y="5313601"/>
+                <a:chExt cx="1104957" cy="276999"/>
+              </a:xfrm>
+            </p:grpSpPr>
+            <p:sp>
+              <p:nvSpPr>
+                <p:cNvPr id="170" name="TextBox 169">
+                  <a:extLst>
+                    <a:ext uri="{FF2B5EF4-FFF2-40B4-BE49-F238E27FC236}">
+                      <a16:creationId xmlns:a16="http://schemas.microsoft.com/office/drawing/2014/main" id="{35CE3660-19AF-419B-920C-872D8CE39C6B}"/>
+                    </a:ext>
+                  </a:extLst>
+                </p:cNvPr>
+                <p:cNvSpPr txBox="1"/>
+                <p:nvPr/>
+              </p:nvSpPr>
+              <p:spPr>
+                <a:xfrm>
+                  <a:off x="1383989" y="5313601"/>
+                  <a:ext cx="684274" cy="276999"/>
+                </a:xfrm>
+                <a:prstGeom prst="rect">
+                  <a:avLst/>
+                </a:prstGeom>
+                <a:noFill/>
+              </p:spPr>
+              <p:txBody>
+                <a:bodyPr wrap="square" rtlCol="0">
+                  <a:spAutoFit/>
+                </a:bodyPr>
+                <a:lstStyle/>
+                <a:p>
+                  <a:pPr algn="ctr"/>
+                  <a:r>
+                    <a:rPr lang="en-US" sz="1200" dirty="0">
+                      <a:latin typeface="DejaVu Sans" panose="020B0603030804020204" pitchFamily="34" charset="0"/>
+                      <a:ea typeface="DejaVu Sans" panose="020B0603030804020204" pitchFamily="34" charset="0"/>
+                      <a:cs typeface="DejaVu Sans" panose="020B0603030804020204" pitchFamily="34" charset="0"/>
+                    </a:rPr>
+                    <a:t>Blocks</a:t>
+                  </a:r>
+                </a:p>
+              </p:txBody>
+            </p:sp>
+            <p:pic>
+              <p:nvPicPr>
+                <p:cNvPr id="171" name="Picture 170" descr="\documentclass{article}&#10;\usepackage{amsmath, amssymb, amsthm}&#10;\usepackage{xcolor}&#10;\pagestyle{empty}&#10;\begin{document}&#10;\setlength\parindent{0pt}&#10;&#10;\newcommand{\argmin}{\operatornamewithlimits{argmin}}&#10;\newcommand{\argmax}{\operatornamewithlimits{argmax}}&#10;\newcommand{\rtwo}{\mathbb{R}^2}&#10;\newcommand{\rone}{\mathbb{R}}&#10;\newcommand{\ex}{\mathbb{E}}&#10;\newcommand{\normal}{\mathcal{N}}&#10;\newcommand{\vor}{\mathcal{V}}&#10;\newcommand{\st}{\mid}&#10;\newcommand{\set}[1]{\left\{#1\right\}}&#10;\newcommand{\norm}[1]{\left\lVert #1\right\rVert}&#10;\newcommand{\rt}{\rightarrow}&#10;&#10;$\ell-2$&#10;&#10;\end{document}" title="IguanaTex Bitmap Display">
+                  <a:extLst>
+                    <a:ext uri="{FF2B5EF4-FFF2-40B4-BE49-F238E27FC236}">
+                      <a16:creationId xmlns:a16="http://schemas.microsoft.com/office/drawing/2014/main" id="{9A446ABA-5107-4C31-A548-A9379A4BBCEC}"/>
+                    </a:ext>
+                  </a:extLst>
+                </p:cNvPr>
+                <p:cNvPicPr>
+                  <a:picLocks noChangeAspect="1"/>
+                </p:cNvPicPr>
+                <p:nvPr>
+                  <p:custDataLst>
+                    <p:tags r:id="rId5"/>
+                  </p:custDataLst>
+                </p:nvPr>
+              </p:nvPicPr>
+              <p:blipFill>
+                <a:blip r:embed="rId32">
+                  <a:extLst>
+                    <a:ext uri="{28A0092B-C50C-407E-A947-70E740481C1C}">
+                      <a14:useLocalDpi xmlns:a14="http://schemas.microsoft.com/office/drawing/2010/main" val="0"/>
+                    </a:ext>
+                  </a:extLst>
+                </a:blip>
+                <a:stretch>
+                  <a:fillRect/>
+                </a:stretch>
+              </p:blipFill>
+              <p:spPr>
+                <a:xfrm>
+                  <a:off x="963306" y="5371927"/>
+                  <a:ext cx="420683" cy="145105"/>
+                </a:xfrm>
+                <a:prstGeom prst="rect">
+                  <a:avLst/>
+                </a:prstGeom>
+              </p:spPr>
+            </p:pic>
+          </p:grpSp>
+          <p:sp>
+            <p:nvSpPr>
+              <p:cNvPr id="152" name="Oval 151">
+                <a:extLst>
+                  <a:ext uri="{FF2B5EF4-FFF2-40B4-BE49-F238E27FC236}">
+                    <a16:creationId xmlns:a16="http://schemas.microsoft.com/office/drawing/2014/main" id="{C8720980-B28C-4031-8515-D61690E82E15}"/>
+                  </a:ext>
+                </a:extLst>
+              </p:cNvPr>
+              <p:cNvSpPr/>
+              <p:nvPr/>
+            </p:nvSpPr>
+            <p:spPr>
+              <a:xfrm>
+                <a:off x="6865760" y="4935880"/>
+                <a:ext cx="242689" cy="242689"/>
+              </a:xfrm>
+              <a:prstGeom prst="ellipse">
+                <a:avLst/>
+              </a:prstGeom>
+              <a:noFill/>
+              <a:ln>
+                <a:solidFill>
+                  <a:schemeClr val="tx1"/>
+                </a:solidFill>
+              </a:ln>
+            </p:spPr>
+            <p:style>
+              <a:lnRef idx="2">
+                <a:schemeClr val="accent1">
+                  <a:shade val="50000"/>
+                </a:schemeClr>
+              </a:lnRef>
+              <a:fillRef idx="1">
+                <a:schemeClr val="accent1"/>
+              </a:fillRef>
+              <a:effectRef idx="0">
+                <a:schemeClr val="accent1"/>
+              </a:effectRef>
+              <a:fontRef idx="minor">
+                <a:schemeClr val="lt1"/>
+              </a:fontRef>
+            </p:style>
+            <p:txBody>
+              <a:bodyPr rtlCol="0" anchor="ctr"/>
+              <a:lstStyle/>
+              <a:p>
+                <a:pPr algn="ctr"/>
+                <a:r>
+                  <a:rPr lang="en-US" sz="1200" dirty="0">
+                    <a:solidFill>
+                      <a:schemeClr val="tx1"/>
+                    </a:solidFill>
+                    <a:latin typeface="DejaVu Sans" panose="020B0603030804020204" pitchFamily="34" charset="0"/>
+                    <a:ea typeface="DejaVu Sans" panose="020B0603030804020204" pitchFamily="34" charset="0"/>
+                    <a:cs typeface="DejaVu Sans" panose="020B0603030804020204" pitchFamily="34" charset="0"/>
+                  </a:rPr>
+                  <a:t>+</a:t>
+                </a:r>
+              </a:p>
+            </p:txBody>
+          </p:sp>
+          <p:cxnSp>
+            <p:nvCxnSpPr>
+              <p:cNvPr id="153" name="Straight Connector 152">
+                <a:extLst>
+                  <a:ext uri="{FF2B5EF4-FFF2-40B4-BE49-F238E27FC236}">
+                    <a16:creationId xmlns:a16="http://schemas.microsoft.com/office/drawing/2014/main" id="{D48650F7-2A6D-4E18-B02E-CA244913BA45}"/>
+                  </a:ext>
+                </a:extLst>
+              </p:cNvPr>
+              <p:cNvCxnSpPr>
+                <a:cxnSpLocks/>
+              </p:cNvCxnSpPr>
+              <p:nvPr/>
+            </p:nvCxnSpPr>
+            <p:spPr>
+              <a:xfrm>
+                <a:off x="5043750" y="5411766"/>
+                <a:ext cx="0" cy="1028700"/>
+              </a:xfrm>
+              <a:prstGeom prst="line">
+                <a:avLst/>
+              </a:prstGeom>
+              <a:ln w="38100">
+                <a:solidFill>
+                  <a:schemeClr val="tx1"/>
+                </a:solidFill>
+              </a:ln>
+            </p:spPr>
+            <p:style>
+              <a:lnRef idx="1">
+                <a:schemeClr val="accent1"/>
+              </a:lnRef>
+              <a:fillRef idx="0">
+                <a:schemeClr val="accent1"/>
+              </a:fillRef>
+              <a:effectRef idx="0">
+                <a:schemeClr val="accent1"/>
+              </a:effectRef>
+              <a:fontRef idx="minor">
+                <a:schemeClr val="tx1"/>
+              </a:fontRef>
+            </p:style>
+          </p:cxnSp>
+          <p:cxnSp>
+            <p:nvCxnSpPr>
+              <p:cNvPr id="154" name="Straight Arrow Connector 153">
+                <a:extLst>
+                  <a:ext uri="{FF2B5EF4-FFF2-40B4-BE49-F238E27FC236}">
+                    <a16:creationId xmlns:a16="http://schemas.microsoft.com/office/drawing/2014/main" id="{FA1D2928-3A9D-4E89-BC66-D6D29DF6B3EA}"/>
+                  </a:ext>
+                </a:extLst>
+              </p:cNvPr>
+              <p:cNvCxnSpPr>
+                <a:cxnSpLocks/>
+              </p:cNvCxnSpPr>
+              <p:nvPr/>
+            </p:nvCxnSpPr>
+            <p:spPr>
+              <a:xfrm flipV="1">
+                <a:off x="6987102" y="5228886"/>
+                <a:ext cx="0" cy="1211580"/>
+              </a:xfrm>
+              <a:prstGeom prst="straightConnector1">
+                <a:avLst/>
+              </a:prstGeom>
+              <a:ln w="38100">
+                <a:solidFill>
+                  <a:schemeClr val="tx1"/>
+                </a:solidFill>
+                <a:tailEnd type="triangle"/>
+              </a:ln>
+            </p:spPr>
+            <p:style>
+              <a:lnRef idx="1">
+                <a:schemeClr val="accent1"/>
+              </a:lnRef>
+              <a:fillRef idx="0">
+                <a:schemeClr val="accent1"/>
+              </a:fillRef>
+              <a:effectRef idx="0">
+                <a:schemeClr val="accent1"/>
+              </a:effectRef>
+              <a:fontRef idx="minor">
+                <a:schemeClr val="tx1"/>
+              </a:fontRef>
+            </p:style>
+          </p:cxnSp>
+          <p:cxnSp>
+            <p:nvCxnSpPr>
+              <p:cNvPr id="155" name="Straight Connector 154">
+                <a:extLst>
+                  <a:ext uri="{FF2B5EF4-FFF2-40B4-BE49-F238E27FC236}">
+                    <a16:creationId xmlns:a16="http://schemas.microsoft.com/office/drawing/2014/main" id="{68D73656-226E-4392-9176-5FF873C131B3}"/>
+                  </a:ext>
+                </a:extLst>
+              </p:cNvPr>
+              <p:cNvCxnSpPr>
+                <a:cxnSpLocks/>
+              </p:cNvCxnSpPr>
+              <p:nvPr/>
+            </p:nvCxnSpPr>
+            <p:spPr>
+              <a:xfrm>
+                <a:off x="5043750" y="6420664"/>
+                <a:ext cx="1943352" cy="0"/>
+              </a:xfrm>
+              <a:prstGeom prst="line">
+                <a:avLst/>
+              </a:prstGeom>
+              <a:ln w="38100">
+                <a:solidFill>
+                  <a:schemeClr val="tx1"/>
+                </a:solidFill>
+              </a:ln>
+            </p:spPr>
+            <p:style>
+              <a:lnRef idx="1">
+                <a:schemeClr val="accent1"/>
+              </a:lnRef>
+              <a:fillRef idx="0">
+                <a:schemeClr val="accent1"/>
+              </a:fillRef>
+              <a:effectRef idx="0">
+                <a:schemeClr val="accent1"/>
+              </a:effectRef>
+              <a:fontRef idx="minor">
+                <a:schemeClr val="tx1"/>
+              </a:fontRef>
+            </p:style>
+          </p:cxnSp>
+          <p:sp>
+            <p:nvSpPr>
+              <p:cNvPr id="156" name="TextBox 155">
+                <a:extLst>
+                  <a:ext uri="{FF2B5EF4-FFF2-40B4-BE49-F238E27FC236}">
+                    <a16:creationId xmlns:a16="http://schemas.microsoft.com/office/drawing/2014/main" id="{D701762A-486C-4A91-9785-FAA4C0E86BE4}"/>
+                  </a:ext>
+                </a:extLst>
+              </p:cNvPr>
+              <p:cNvSpPr txBox="1"/>
+              <p:nvPr/>
+            </p:nvSpPr>
+            <p:spPr>
+              <a:xfrm>
+                <a:off x="8407656" y="4909189"/>
+                <a:ext cx="1045595" cy="461665"/>
+              </a:xfrm>
+              <a:prstGeom prst="rect">
+                <a:avLst/>
+              </a:prstGeom>
+              <a:noFill/>
+            </p:spPr>
+            <p:txBody>
+              <a:bodyPr wrap="square" rtlCol="0">
+                <a:spAutoFit/>
+              </a:bodyPr>
+              <a:lstStyle/>
+              <a:p>
+                <a:pPr algn="ctr"/>
+                <a:r>
+                  <a:rPr lang="en-US" sz="1200" dirty="0">
+                    <a:latin typeface="DejaVu Sans" panose="020B0603030804020204" pitchFamily="34" charset="0"/>
+                    <a:ea typeface="DejaVu Sans" panose="020B0603030804020204" pitchFamily="34" charset="0"/>
+                    <a:cs typeface="DejaVu Sans" panose="020B0603030804020204" pitchFamily="34" charset="0"/>
+                  </a:rPr>
+                  <a:t>SR Patch</a:t>
+                </a:r>
+              </a:p>
+              <a:p>
+                <a:pPr algn="ctr"/>
+                <a:r>
+                  <a:rPr lang="en-US" sz="1200" dirty="0">
+                    <a:latin typeface="DejaVu Sans" panose="020B0603030804020204" pitchFamily="34" charset="0"/>
+                    <a:ea typeface="DejaVu Sans" panose="020B0603030804020204" pitchFamily="34" charset="0"/>
+                    <a:cs typeface="DejaVu Sans" panose="020B0603030804020204" pitchFamily="34" charset="0"/>
+                  </a:rPr>
+                  <a:t>2x64x64</a:t>
+                </a:r>
+              </a:p>
+            </p:txBody>
+          </p:sp>
+          <p:pic>
+            <p:nvPicPr>
+              <p:cNvPr id="157" name="Picture 156" descr="\documentclass{article}&#10;\usepackage{amsmath, amssymb, amsthm}&#10;\usepackage{xcolor}&#10;\pagestyle{empty}&#10;\begin{document}&#10;\setlength\parindent{0pt}&#10;&#10;\newcommand{\argmin}{\operatornamewithlimits{argmin}}&#10;\newcommand{\argmax}{\operatornamewithlimits{argmax}}&#10;\newcommand{\rtwo}{\mathbb{R}^2}&#10;\newcommand{\rone}{\mathbb{R}}&#10;\newcommand{\ex}{\mathbb{E}}&#10;\newcommand{\normal}{\mathcal{N}}&#10;\newcommand{\vor}{\mathcal{V}}&#10;\newcommand{\st}{\mid}&#10;\newcommand{\set}[1]{\left\{#1\right\}}&#10;\newcommand{\norm}[1]{\left\lVert #1\right\rVert}&#10;\newcommand{\rt}{\rightarrow}&#10;&#10;$k$&#10;&#10;\end{document}" title="IguanaTex Bitmap Display">
+                <a:extLst>
+                  <a:ext uri="{FF2B5EF4-FFF2-40B4-BE49-F238E27FC236}">
+                    <a16:creationId xmlns:a16="http://schemas.microsoft.com/office/drawing/2014/main" id="{0F17DAD1-CABA-4BC1-99B9-AC5FDCA28CFE}"/>
+                  </a:ext>
+                </a:extLst>
+              </p:cNvPr>
+              <p:cNvPicPr>
+                <a:picLocks noChangeAspect="1"/>
+              </p:cNvPicPr>
+              <p:nvPr>
+                <p:custDataLst>
+                  <p:tags r:id="rId1"/>
+                </p:custDataLst>
+              </p:nvPr>
+            </p:nvPicPr>
+            <p:blipFill>
+              <a:blip r:embed="rId33">
+                <a:extLst>
+                  <a:ext uri="{28A0092B-C50C-407E-A947-70E740481C1C}">
+                    <a14:useLocalDpi xmlns:a14="http://schemas.microsoft.com/office/drawing/2010/main" val="0"/>
+                  </a:ext>
+                </a:extLst>
+              </a:blip>
+              <a:stretch>
+                <a:fillRect/>
+              </a:stretch>
+            </p:blipFill>
+            <p:spPr>
+              <a:xfrm>
+                <a:off x="4122624" y="5946065"/>
+                <a:ext cx="91453" cy="142667"/>
+              </a:xfrm>
+              <a:prstGeom prst="rect">
+                <a:avLst/>
+              </a:prstGeom>
+            </p:spPr>
+          </p:pic>
+          <p:grpSp>
+            <p:nvGrpSpPr>
+              <p:cNvPr id="158" name="Group 157">
+                <a:extLst>
+                  <a:ext uri="{FF2B5EF4-FFF2-40B4-BE49-F238E27FC236}">
+                    <a16:creationId xmlns:a16="http://schemas.microsoft.com/office/drawing/2014/main" id="{44CD4810-BA4F-4DBC-9ECE-05898D7DA3DF}"/>
+                  </a:ext>
+                </a:extLst>
+              </p:cNvPr>
+              <p:cNvGrpSpPr/>
+              <p:nvPr/>
+            </p:nvGrpSpPr>
+            <p:grpSpPr>
+              <a:xfrm>
+                <a:off x="4520953" y="4909189"/>
+                <a:ext cx="1045595" cy="461665"/>
+                <a:chOff x="1962691" y="3109301"/>
+                <a:chExt cx="1045595" cy="461665"/>
+              </a:xfrm>
+            </p:grpSpPr>
+            <p:sp>
+              <p:nvSpPr>
+                <p:cNvPr id="168" name="TextBox 167">
+                  <a:extLst>
+                    <a:ext uri="{FF2B5EF4-FFF2-40B4-BE49-F238E27FC236}">
+                      <a16:creationId xmlns:a16="http://schemas.microsoft.com/office/drawing/2014/main" id="{0019FE9F-C9C3-4B11-89DB-2C6F08EDF989}"/>
+                    </a:ext>
+                  </a:extLst>
+                </p:cNvPr>
+                <p:cNvSpPr txBox="1"/>
+                <p:nvPr/>
+              </p:nvSpPr>
+              <p:spPr>
+                <a:xfrm>
+                  <a:off x="1962691" y="3109301"/>
+                  <a:ext cx="1045595" cy="461665"/>
+                </a:xfrm>
+                <a:prstGeom prst="rect">
+                  <a:avLst/>
+                </a:prstGeom>
+                <a:noFill/>
+              </p:spPr>
+              <p:txBody>
+                <a:bodyPr wrap="square" rtlCol="0">
+                  <a:spAutoFit/>
+                </a:bodyPr>
+                <a:lstStyle/>
+                <a:p>
+                  <a:pPr algn="ctr"/>
+                  <a:r>
+                    <a:rPr lang="en-US" sz="1200" dirty="0">
+                      <a:latin typeface="DejaVu Sans" panose="020B0603030804020204" pitchFamily="34" charset="0"/>
+                      <a:ea typeface="DejaVu Sans" panose="020B0603030804020204" pitchFamily="34" charset="0"/>
+                      <a:cs typeface="DejaVu Sans" panose="020B0603030804020204" pitchFamily="34" charset="0"/>
+                    </a:rPr>
+                    <a:t>Tensor</a:t>
+                  </a:r>
+                </a:p>
+                <a:p>
+                  <a:pPr algn="ctr"/>
+                  <a:r>
+                    <a:rPr lang="en-US" sz="1200" dirty="0">
+                      <a:latin typeface="DejaVu Sans" panose="020B0603030804020204" pitchFamily="34" charset="0"/>
+                      <a:ea typeface="DejaVu Sans" panose="020B0603030804020204" pitchFamily="34" charset="0"/>
+                      <a:cs typeface="DejaVu Sans" panose="020B0603030804020204" pitchFamily="34" charset="0"/>
+                    </a:rPr>
+                    <a:t>   x64x64</a:t>
+                  </a:r>
+                </a:p>
+              </p:txBody>
+            </p:sp>
+            <p:pic>
+              <p:nvPicPr>
+                <p:cNvPr id="169" name="Picture 168" descr="\documentclass{article}&#10;\usepackage{amsmath, amssymb, amsthm}&#10;\usepackage{xcolor}&#10;\pagestyle{empty}&#10;\begin{document}&#10;\setlength\parindent{0pt}&#10;&#10;\newcommand{\argmin}{\operatornamewithlimits{argmin}}&#10;\newcommand{\argmax}{\operatornamewithlimits{argmax}}&#10;\newcommand{\rtwo}{\mathbb{R}^2}&#10;\newcommand{\rone}{\mathbb{R}}&#10;\newcommand{\ex}{\mathbb{E}}&#10;\newcommand{\normal}{\mathcal{N}}&#10;\newcommand{\vor}{\mathcal{V}}&#10;\newcommand{\st}{\mid}&#10;\newcommand{\set}[1]{\left\{#1\right\}}&#10;\newcommand{\norm}[1]{\left\lVert #1\right\rVert}&#10;\newcommand{\rt}{\rightarrow}&#10;&#10;$d$&#10;&#10;\end{document}" title="IguanaTex Bitmap Display">
+                  <a:extLst>
+                    <a:ext uri="{FF2B5EF4-FFF2-40B4-BE49-F238E27FC236}">
+                      <a16:creationId xmlns:a16="http://schemas.microsoft.com/office/drawing/2014/main" id="{524DF5DC-F61F-485E-928A-C7303CF096DA}"/>
+                    </a:ext>
+                  </a:extLst>
+                </p:cNvPr>
+                <p:cNvPicPr>
+                  <a:picLocks noChangeAspect="1"/>
+                </p:cNvPicPr>
+                <p:nvPr>
+                  <p:custDataLst>
+                    <p:tags r:id="rId4"/>
+                  </p:custDataLst>
+                </p:nvPr>
+              </p:nvPicPr>
+              <p:blipFill>
+                <a:blip r:embed="rId26">
+                  <a:extLst>
+                    <a:ext uri="{28A0092B-C50C-407E-A947-70E740481C1C}">
+                      <a14:useLocalDpi xmlns:a14="http://schemas.microsoft.com/office/drawing/2010/main" val="0"/>
+                    </a:ext>
+                  </a:extLst>
+                </a:blip>
+                <a:stretch>
+                  <a:fillRect/>
+                </a:stretch>
+              </p:blipFill>
+              <p:spPr>
+                <a:xfrm>
+                  <a:off x="2139179" y="3350047"/>
+                  <a:ext cx="96330" cy="142666"/>
+                </a:xfrm>
+                <a:prstGeom prst="rect">
+                  <a:avLst/>
+                </a:prstGeom>
+              </p:spPr>
+            </p:pic>
+          </p:grpSp>
+          <p:sp>
+            <p:nvSpPr>
+              <p:cNvPr id="159" name="Rectangle 158">
+                <a:extLst>
+                  <a:ext uri="{FF2B5EF4-FFF2-40B4-BE49-F238E27FC236}">
+                    <a16:creationId xmlns:a16="http://schemas.microsoft.com/office/drawing/2014/main" id="{6B9A7B41-C79C-45E0-A72C-B284439D62EB}"/>
+                  </a:ext>
+                </a:extLst>
+              </p:cNvPr>
+              <p:cNvSpPr/>
+              <p:nvPr/>
+            </p:nvSpPr>
+            <p:spPr>
+              <a:xfrm rot="16200000">
+                <a:off x="6960265" y="4970175"/>
+                <a:ext cx="1556548" cy="174103"/>
+              </a:xfrm>
+              <a:prstGeom prst="rect">
+                <a:avLst/>
+              </a:prstGeom>
+              <a:solidFill>
+                <a:srgbClr val="FF00FF"/>
+              </a:solidFill>
+              <a:ln>
+                <a:noFill/>
+              </a:ln>
+            </p:spPr>
+            <p:style>
+              <a:lnRef idx="2">
+                <a:schemeClr val="accent1">
+                  <a:shade val="50000"/>
+                </a:schemeClr>
+              </a:lnRef>
+              <a:fillRef idx="1">
+                <a:schemeClr val="accent1"/>
+              </a:fillRef>
+              <a:effectRef idx="0">
+                <a:schemeClr val="accent1"/>
+              </a:effectRef>
+              <a:fontRef idx="minor">
+                <a:schemeClr val="lt1"/>
+              </a:fontRef>
+            </p:style>
+            <p:txBody>
+              <a:bodyPr rtlCol="0" anchor="ctr"/>
+              <a:lstStyle/>
+              <a:p>
+                <a:pPr algn="ctr"/>
+                <a:r>
+                  <a:rPr lang="en-US" sz="1200" dirty="0">
+                    <a:solidFill>
+                      <a:schemeClr val="tx1"/>
+                    </a:solidFill>
+                    <a:latin typeface="DejaVu Sans" panose="020B0603030804020204" pitchFamily="34" charset="0"/>
+                    <a:ea typeface="DejaVu Sans" panose="020B0603030804020204" pitchFamily="34" charset="0"/>
+                    <a:cs typeface="DejaVu Sans" panose="020B0603030804020204" pitchFamily="34" charset="0"/>
+                  </a:rPr>
+                  <a:t>Conv</a:t>
+                </a:r>
+              </a:p>
+            </p:txBody>
+          </p:sp>
+          <p:sp>
+            <p:nvSpPr>
+              <p:cNvPr id="160" name="Rectangle 159">
+                <a:extLst>
+                  <a:ext uri="{FF2B5EF4-FFF2-40B4-BE49-F238E27FC236}">
+                    <a16:creationId xmlns:a16="http://schemas.microsoft.com/office/drawing/2014/main" id="{412B3B58-BAB7-42A6-9067-82BA4DE65CCF}"/>
+                  </a:ext>
+                </a:extLst>
+              </p:cNvPr>
+              <p:cNvSpPr/>
+              <p:nvPr/>
+            </p:nvSpPr>
+            <p:spPr>
+              <a:xfrm rot="16200000">
+                <a:off x="7195004" y="4970175"/>
+                <a:ext cx="1556548" cy="174103"/>
+              </a:xfrm>
+              <a:prstGeom prst="rect">
+                <a:avLst/>
+              </a:prstGeom>
+              <a:solidFill>
+                <a:srgbClr val="00FFFF"/>
+              </a:solidFill>
+              <a:ln>
+                <a:noFill/>
+              </a:ln>
+            </p:spPr>
+            <p:style>
+              <a:lnRef idx="2">
+                <a:schemeClr val="accent1">
+                  <a:shade val="50000"/>
+                </a:schemeClr>
+              </a:lnRef>
+              <a:fillRef idx="1">
+                <a:schemeClr val="accent1"/>
+              </a:fillRef>
+              <a:effectRef idx="0">
+                <a:schemeClr val="accent1"/>
+              </a:effectRef>
+              <a:fontRef idx="minor">
+                <a:schemeClr val="lt1"/>
+              </a:fontRef>
+            </p:style>
+            <p:txBody>
+              <a:bodyPr rtlCol="0" anchor="ctr"/>
+              <a:lstStyle/>
+              <a:p>
+                <a:pPr algn="ctr"/>
+                <a:r>
+                  <a:rPr lang="en-US" sz="1200" dirty="0">
+                    <a:solidFill>
+                      <a:schemeClr val="tx1"/>
+                    </a:solidFill>
+                    <a:latin typeface="DejaVu Sans" panose="020B0603030804020204" pitchFamily="34" charset="0"/>
+                    <a:ea typeface="DejaVu Sans" panose="020B0603030804020204" pitchFamily="34" charset="0"/>
+                    <a:cs typeface="DejaVu Sans" panose="020B0603030804020204" pitchFamily="34" charset="0"/>
+                  </a:rPr>
+                  <a:t>ReLU</a:t>
+                </a:r>
+              </a:p>
+            </p:txBody>
+          </p:sp>
+          <p:pic>
+            <p:nvPicPr>
+              <p:cNvPr id="161" name="Picture 160" descr="\documentclass{article}&#10;\usepackage{amsmath, amssymb, amsthm}&#10;\usepackage{xcolor}&#10;\pagestyle{empty}&#10;\begin{document}&#10;\setlength\parindent{0pt}&#10;&#10;\newcommand{\argmin}{\operatornamewithlimits{argmin}}&#10;\newcommand{\argmax}{\operatornamewithlimits{argmax}}&#10;\newcommand{\rtwo}{\mathbb{R}^2}&#10;\newcommand{\rone}{\mathbb{R}}&#10;\newcommand{\ex}{\mathbb{E}}&#10;\newcommand{\normal}{\mathcal{N}}&#10;\newcommand{\vor}{\mathcal{V}}&#10;\newcommand{\st}{\mid}&#10;\newcommand{\set}[1]{\left\{#1\right\}}&#10;\newcommand{\norm}[1]{\left\lVert #1\right\rVert}&#10;\newcommand{\rt}{\rightarrow}&#10;&#10;$k$&#10;&#10;\end{document}" title="IguanaTex Bitmap Display">
+                <a:extLst>
+                  <a:ext uri="{FF2B5EF4-FFF2-40B4-BE49-F238E27FC236}">
+                    <a16:creationId xmlns:a16="http://schemas.microsoft.com/office/drawing/2014/main" id="{3AFC9295-41E8-49B1-A31C-0FBCF6FF576C}"/>
+                  </a:ext>
+                </a:extLst>
+              </p:cNvPr>
+              <p:cNvPicPr>
+                <a:picLocks noChangeAspect="1"/>
+              </p:cNvPicPr>
+              <p:nvPr>
+                <p:custDataLst>
+                  <p:tags r:id="rId2"/>
+                </p:custDataLst>
+              </p:nvPr>
+            </p:nvPicPr>
+            <p:blipFill>
+              <a:blip r:embed="rId33">
+                <a:extLst>
+                  <a:ext uri="{28A0092B-C50C-407E-A947-70E740481C1C}">
+                    <a14:useLocalDpi xmlns:a14="http://schemas.microsoft.com/office/drawing/2010/main" val="0"/>
+                  </a:ext>
+                </a:extLst>
+              </a:blip>
+              <a:stretch>
+                <a:fillRect/>
+              </a:stretch>
+            </p:blipFill>
+            <p:spPr>
+              <a:xfrm>
+                <a:off x="7666688" y="5946066"/>
+                <a:ext cx="91453" cy="142667"/>
+              </a:xfrm>
+              <a:prstGeom prst="rect">
+                <a:avLst/>
+              </a:prstGeom>
+            </p:spPr>
+          </p:pic>
+          <p:cxnSp>
+            <p:nvCxnSpPr>
+              <p:cNvPr id="162" name="Straight Arrow Connector 161">
+                <a:extLst>
+                  <a:ext uri="{FF2B5EF4-FFF2-40B4-BE49-F238E27FC236}">
+                    <a16:creationId xmlns:a16="http://schemas.microsoft.com/office/drawing/2014/main" id="{1E75FF6D-0A60-4742-B047-F5707FB87307}"/>
+                  </a:ext>
+                </a:extLst>
+              </p:cNvPr>
+              <p:cNvCxnSpPr>
+                <a:cxnSpLocks/>
+              </p:cNvCxnSpPr>
+              <p:nvPr/>
+            </p:nvCxnSpPr>
+            <p:spPr>
+              <a:xfrm>
+                <a:off x="6348168" y="5057220"/>
+                <a:ext cx="437486" cy="0"/>
+              </a:xfrm>
+              <a:prstGeom prst="straightConnector1">
+                <a:avLst/>
+              </a:prstGeom>
+              <a:ln w="38100">
+                <a:solidFill>
+                  <a:schemeClr val="tx1"/>
+                </a:solidFill>
+                <a:tailEnd type="triangle"/>
+              </a:ln>
+            </p:spPr>
+            <p:style>
+              <a:lnRef idx="1">
+                <a:schemeClr val="accent1"/>
+              </a:lnRef>
+              <a:fillRef idx="0">
+                <a:schemeClr val="accent1"/>
+              </a:fillRef>
+              <a:effectRef idx="0">
+                <a:schemeClr val="accent1"/>
+              </a:effectRef>
+              <a:fontRef idx="minor">
+                <a:schemeClr val="tx1"/>
+              </a:fontRef>
+            </p:style>
+          </p:cxnSp>
+          <p:cxnSp>
+            <p:nvCxnSpPr>
+              <p:cNvPr id="163" name="Straight Arrow Connector 162">
+                <a:extLst>
+                  <a:ext uri="{FF2B5EF4-FFF2-40B4-BE49-F238E27FC236}">
+                    <a16:creationId xmlns:a16="http://schemas.microsoft.com/office/drawing/2014/main" id="{AF5A9D03-99C5-4ED3-8764-B34EA18372C6}"/>
+                  </a:ext>
+                </a:extLst>
+              </p:cNvPr>
+              <p:cNvCxnSpPr/>
+              <p:nvPr/>
+            </p:nvCxnSpPr>
+            <p:spPr>
+              <a:xfrm flipV="1">
+                <a:off x="4518714" y="5057222"/>
+                <a:ext cx="158276" cy="1"/>
+              </a:xfrm>
+              <a:prstGeom prst="straightConnector1">
+                <a:avLst/>
+              </a:prstGeom>
+              <a:ln w="38100">
+                <a:solidFill>
+                  <a:schemeClr val="tx1"/>
+                </a:solidFill>
+                <a:tailEnd type="triangle"/>
+              </a:ln>
+            </p:spPr>
+            <p:style>
+              <a:lnRef idx="1">
+                <a:schemeClr val="accent1"/>
+              </a:lnRef>
+              <a:fillRef idx="0">
+                <a:schemeClr val="accent1"/>
+              </a:fillRef>
+              <a:effectRef idx="0">
+                <a:schemeClr val="accent1"/>
+              </a:effectRef>
+              <a:fontRef idx="minor">
+                <a:schemeClr val="tx1"/>
+              </a:fontRef>
+            </p:style>
+          </p:cxnSp>
+          <p:cxnSp>
+            <p:nvCxnSpPr>
+              <p:cNvPr id="164" name="Straight Arrow Connector 163">
+                <a:extLst>
+                  <a:ext uri="{FF2B5EF4-FFF2-40B4-BE49-F238E27FC236}">
+                    <a16:creationId xmlns:a16="http://schemas.microsoft.com/office/drawing/2014/main" id="{488E17F2-1B89-4E96-A63F-589489DCA483}"/>
+                  </a:ext>
+                </a:extLst>
+              </p:cNvPr>
+              <p:cNvCxnSpPr>
+                <a:cxnSpLocks/>
+              </p:cNvCxnSpPr>
+              <p:nvPr/>
+            </p:nvCxnSpPr>
+            <p:spPr>
+              <a:xfrm>
+                <a:off x="7108449" y="5057220"/>
+                <a:ext cx="437486" cy="0"/>
+              </a:xfrm>
+              <a:prstGeom prst="straightConnector1">
+                <a:avLst/>
+              </a:prstGeom>
+              <a:ln w="38100">
+                <a:solidFill>
+                  <a:schemeClr val="tx1"/>
+                </a:solidFill>
+                <a:tailEnd type="triangle"/>
+              </a:ln>
+            </p:spPr>
+            <p:style>
+              <a:lnRef idx="1">
+                <a:schemeClr val="accent1"/>
+              </a:lnRef>
+              <a:fillRef idx="0">
+                <a:schemeClr val="accent1"/>
+              </a:fillRef>
+              <a:effectRef idx="0">
+                <a:schemeClr val="accent1"/>
+              </a:effectRef>
+              <a:fontRef idx="minor">
+                <a:schemeClr val="tx1"/>
+              </a:fontRef>
+            </p:style>
+          </p:cxnSp>
+          <p:pic>
+            <p:nvPicPr>
+              <p:cNvPr id="165" name="Picture 164" descr="\documentclass{article}&#10;\usepackage{amsmath, amssymb, amsthm}&#10;\usepackage{xcolor}&#10;\pagestyle{empty}&#10;\begin{document}&#10;\setlength\parindent{0pt}&#10;&#10;\newcommand{\argmin}{\operatornamewithlimits{argmin}}&#10;\newcommand{\argmax}{\operatornamewithlimits{argmax}}&#10;\newcommand{\rtwo}{\mathbb{R}^2}&#10;\newcommand{\rone}{\mathbb{R}}&#10;\newcommand{\ex}{\mathbb{E}}&#10;\newcommand{\normal}{\mathcal{N}}&#10;\newcommand{\vor}{\mathcal{V}}&#10;\newcommand{\st}{\mid}&#10;\newcommand{\set}[1]{\left\{#1\right\}}&#10;\newcommand{\norm}[1]{\left\lVert #1\right\rVert}&#10;\newcommand{\rt}{\rightarrow}&#10;&#10;$k$&#10;&#10;\end{document}" title="IguanaTex Bitmap Display">
+                <a:extLst>
+                  <a:ext uri="{FF2B5EF4-FFF2-40B4-BE49-F238E27FC236}">
+                    <a16:creationId xmlns:a16="http://schemas.microsoft.com/office/drawing/2014/main" id="{57E21907-4382-48E6-BA7A-2CE95055998D}"/>
+                  </a:ext>
+                </a:extLst>
+              </p:cNvPr>
+              <p:cNvPicPr>
+                <a:picLocks noChangeAspect="1"/>
+              </p:cNvPicPr>
+              <p:nvPr>
+                <p:custDataLst>
+                  <p:tags r:id="rId3"/>
+                </p:custDataLst>
+              </p:nvPr>
+            </p:nvPicPr>
+            <p:blipFill>
+              <a:blip r:embed="rId33">
+                <a:extLst>
+                  <a:ext uri="{28A0092B-C50C-407E-A947-70E740481C1C}">
+                    <a14:useLocalDpi xmlns:a14="http://schemas.microsoft.com/office/drawing/2010/main" val="0"/>
+                  </a:ext>
+                </a:extLst>
+              </a:blip>
+              <a:stretch>
+                <a:fillRect/>
+              </a:stretch>
+            </p:blipFill>
+            <p:spPr>
+              <a:xfrm>
+                <a:off x="5946542" y="5946066"/>
+                <a:ext cx="91453" cy="142667"/>
+              </a:xfrm>
+              <a:prstGeom prst="rect">
+                <a:avLst/>
+              </a:prstGeom>
+            </p:spPr>
+          </p:pic>
+          <p:cxnSp>
+            <p:nvCxnSpPr>
+              <p:cNvPr id="166" name="Straight Arrow Connector 165">
+                <a:extLst>
+                  <a:ext uri="{FF2B5EF4-FFF2-40B4-BE49-F238E27FC236}">
+                    <a16:creationId xmlns:a16="http://schemas.microsoft.com/office/drawing/2014/main" id="{2F7B8CCE-11FC-4E71-95DB-5E6E1FDF896F}"/>
+                  </a:ext>
+                </a:extLst>
+              </p:cNvPr>
+              <p:cNvCxnSpPr>
+                <a:cxnSpLocks/>
+              </p:cNvCxnSpPr>
+              <p:nvPr/>
+            </p:nvCxnSpPr>
+            <p:spPr>
+              <a:xfrm>
+                <a:off x="8060330" y="5057220"/>
+                <a:ext cx="437486" cy="0"/>
+              </a:xfrm>
+              <a:prstGeom prst="straightConnector1">
+                <a:avLst/>
+              </a:prstGeom>
+              <a:ln w="38100">
+                <a:solidFill>
+                  <a:schemeClr val="tx1"/>
+                </a:solidFill>
+                <a:tailEnd type="triangle"/>
+              </a:ln>
+            </p:spPr>
+            <p:style>
+              <a:lnRef idx="1">
+                <a:schemeClr val="accent1"/>
+              </a:lnRef>
+              <a:fillRef idx="0">
+                <a:schemeClr val="accent1"/>
+              </a:fillRef>
+              <a:effectRef idx="0">
+                <a:schemeClr val="accent1"/>
+              </a:effectRef>
+              <a:fontRef idx="minor">
+                <a:schemeClr val="tx1"/>
+              </a:fontRef>
+            </p:style>
+          </p:cxnSp>
+          <p:cxnSp>
+            <p:nvCxnSpPr>
+              <p:cNvPr id="167" name="Straight Arrow Connector 166">
+                <a:extLst>
+                  <a:ext uri="{FF2B5EF4-FFF2-40B4-BE49-F238E27FC236}">
+                    <a16:creationId xmlns:a16="http://schemas.microsoft.com/office/drawing/2014/main" id="{9FF39B85-4366-4192-B69B-1BF7CAC432C4}"/>
+                  </a:ext>
+                </a:extLst>
+              </p:cNvPr>
+              <p:cNvCxnSpPr>
+                <a:cxnSpLocks/>
+              </p:cNvCxnSpPr>
+              <p:nvPr/>
+            </p:nvCxnSpPr>
+            <p:spPr>
+              <a:xfrm>
+                <a:off x="3599967" y="5057220"/>
+                <a:ext cx="437486" cy="0"/>
+              </a:xfrm>
+              <a:prstGeom prst="straightConnector1">
+                <a:avLst/>
+              </a:prstGeom>
+              <a:ln w="38100">
+                <a:solidFill>
+                  <a:schemeClr val="tx1"/>
+                </a:solidFill>
+                <a:tailEnd type="triangle"/>
+              </a:ln>
+            </p:spPr>
+            <p:style>
+              <a:lnRef idx="1">
+                <a:schemeClr val="accent1"/>
+              </a:lnRef>
+              <a:fillRef idx="0">
+                <a:schemeClr val="accent1"/>
+              </a:fillRef>
+              <a:effectRef idx="0">
+                <a:schemeClr val="accent1"/>
+              </a:effectRef>
+              <a:fontRef idx="minor">
+                <a:schemeClr val="tx1"/>
+              </a:fontRef>
+            </p:style>
+          </p:cxnSp>
+        </p:grpSp>
       </p:grpSp>
     </p:spTree>
     <p:extLst>
@@ -13755,11 +15179,11 @@
 <file path=ppt/tags/tag11.xml><?xml version="1.0" encoding="utf-8"?>
 <p:tagLst xmlns:a="http://schemas.openxmlformats.org/drawingml/2006/main" xmlns:r="http://schemas.openxmlformats.org/officeDocument/2006/relationships" xmlns:p="http://schemas.openxmlformats.org/presentationml/2006/main">
   <p:tag name="OUTPUTDPI" val="1200"/>
-  <p:tag name="ORIGINALHEIGHT" val="105.0146"/>
-  <p:tag name="ORIGINALWIDTH" val="99.76394"/>
-  <p:tag name="LATEXADDIN" val="\documentclass{article}&#10;\usepackage{amsmath, amssymb, amsthm}&#10;\usepackage{xcolor}&#10;\pagestyle{empty}&#10;\begin{document}&#10;\setlength\parindent{0pt}&#10;&#10;\newcommand{\argmin}{\operatornamewithlimits{argmin}}&#10;\newcommand{\argmax}{\operatornamewithlimits{argmax}}&#10;\newcommand{\rtwo}{\mathbb{R}^2}&#10;\newcommand{\rone}{\mathbb{R}}&#10;\newcommand{\ex}{\mathbb{E}}&#10;\newcommand{\normal}{\mathcal{N}}&#10;\newcommand{\vor}{\mathcal{V}}&#10;\newcommand{\st}{\mid}&#10;\newcommand{\set}[1]{\left\{#1\right\}}&#10;\newcommand{\norm}[1]{\left\lVert #1\right\rVert}&#10;\newcommand{\rt}{\rightarrow}&#10;&#10;$k_1$&#10;&#10;\end{document}"/>
+  <p:tag name="ORIGINALHEIGHT" val="87.76228"/>
+  <p:tag name="ORIGINALWIDTH" val="56.25787"/>
+  <p:tag name="LATEXADDIN" val="\documentclass{article}&#10;\usepackage{amsmath, amssymb, amsthm}&#10;\usepackage{xcolor}&#10;\pagestyle{empty}&#10;\begin{document}&#10;\setlength\parindent{0pt}&#10;&#10;\newcommand{\argmin}{\operatornamewithlimits{argmin}}&#10;\newcommand{\argmax}{\operatornamewithlimits{argmax}}&#10;\newcommand{\rtwo}{\mathbb{R}^2}&#10;\newcommand{\rone}{\mathbb{R}}&#10;\newcommand{\ex}{\mathbb{E}}&#10;\newcommand{\normal}{\mathcal{N}}&#10;\newcommand{\vor}{\mathcal{V}}&#10;\newcommand{\st}{\mid}&#10;\newcommand{\set}[1]{\left\{#1\right\}}&#10;\newcommand{\norm}[1]{\left\lVert #1\right\rVert}&#10;\newcommand{\rt}{\rightarrow}&#10;&#10;$k$&#10;&#10;\end{document}"/>
   <p:tag name="IGUANATEXSIZE" val="16"/>
-  <p:tag name="IGUANATEXCURSOR" val="558"/>
+  <p:tag name="IGUANATEXCURSOR" val="556"/>
   <p:tag name="TRANSPARENCY" val="True"/>
   <p:tag name="LATEXENGINEID" val="1"/>
   <p:tag name="TEMPFOLDER" val="c:\temp\"/>
@@ -13771,6 +15195,78 @@
 </file>
 
 <file path=ppt/tags/tag12.xml><?xml version="1.0" encoding="utf-8"?>
+<p:tagLst xmlns:a="http://schemas.openxmlformats.org/drawingml/2006/main" xmlns:r="http://schemas.openxmlformats.org/officeDocument/2006/relationships" xmlns:p="http://schemas.openxmlformats.org/presentationml/2006/main">
+  <p:tag name="OUTPUTDPI" val="1200"/>
+  <p:tag name="ORIGINALHEIGHT" val="87.76228"/>
+  <p:tag name="ORIGINALWIDTH" val="56.25787"/>
+  <p:tag name="LATEXADDIN" val="\documentclass{article}&#10;\usepackage{amsmath, amssymb, amsthm}&#10;\usepackage{xcolor}&#10;\pagestyle{empty}&#10;\begin{document}&#10;\setlength\parindent{0pt}&#10;&#10;\newcommand{\argmin}{\operatornamewithlimits{argmin}}&#10;\newcommand{\argmax}{\operatornamewithlimits{argmax}}&#10;\newcommand{\rtwo}{\mathbb{R}^2}&#10;\newcommand{\rone}{\mathbb{R}}&#10;\newcommand{\ex}{\mathbb{E}}&#10;\newcommand{\normal}{\mathcal{N}}&#10;\newcommand{\vor}{\mathcal{V}}&#10;\newcommand{\st}{\mid}&#10;\newcommand{\set}[1]{\left\{#1\right\}}&#10;\newcommand{\norm}[1]{\left\lVert #1\right\rVert}&#10;\newcommand{\rt}{\rightarrow}&#10;&#10;$k$&#10;&#10;\end{document}"/>
+  <p:tag name="IGUANATEXSIZE" val="16"/>
+  <p:tag name="IGUANATEXCURSOR" val="556"/>
+  <p:tag name="TRANSPARENCY" val="True"/>
+  <p:tag name="LATEXENGINEID" val="1"/>
+  <p:tag name="TEMPFOLDER" val="c:\temp\"/>
+  <p:tag name="LATEXFORMHEIGHT" val="424"/>
+  <p:tag name="LATEXFORMWIDTH" val="384"/>
+  <p:tag name="LATEXFORMWRAP" val="True"/>
+  <p:tag name="BITMAPVECTOR" val="0"/>
+</p:tagLst>
+</file>
+
+<file path=ppt/tags/tag13.xml><?xml version="1.0" encoding="utf-8"?>
+<p:tagLst xmlns:a="http://schemas.openxmlformats.org/drawingml/2006/main" xmlns:r="http://schemas.openxmlformats.org/officeDocument/2006/relationships" xmlns:p="http://schemas.openxmlformats.org/presentationml/2006/main">
+  <p:tag name="OUTPUTDPI" val="1200"/>
+  <p:tag name="ORIGINALHEIGHT" val="87.76228"/>
+  <p:tag name="ORIGINALWIDTH" val="56.25787"/>
+  <p:tag name="LATEXADDIN" val="\documentclass{article}&#10;\usepackage{amsmath, amssymb, amsthm}&#10;\usepackage{xcolor}&#10;\pagestyle{empty}&#10;\begin{document}&#10;\setlength\parindent{0pt}&#10;&#10;\newcommand{\argmin}{\operatornamewithlimits{argmin}}&#10;\newcommand{\argmax}{\operatornamewithlimits{argmax}}&#10;\newcommand{\rtwo}{\mathbb{R}^2}&#10;\newcommand{\rone}{\mathbb{R}}&#10;\newcommand{\ex}{\mathbb{E}}&#10;\newcommand{\normal}{\mathcal{N}}&#10;\newcommand{\vor}{\mathcal{V}}&#10;\newcommand{\st}{\mid}&#10;\newcommand{\set}[1]{\left\{#1\right\}}&#10;\newcommand{\norm}[1]{\left\lVert #1\right\rVert}&#10;\newcommand{\rt}{\rightarrow}&#10;&#10;$k$&#10;&#10;\end{document}"/>
+  <p:tag name="IGUANATEXSIZE" val="16"/>
+  <p:tag name="IGUANATEXCURSOR" val="556"/>
+  <p:tag name="TRANSPARENCY" val="True"/>
+  <p:tag name="LATEXENGINEID" val="1"/>
+  <p:tag name="TEMPFOLDER" val="c:\temp\"/>
+  <p:tag name="LATEXFORMHEIGHT" val="424"/>
+  <p:tag name="LATEXFORMWIDTH" val="384"/>
+  <p:tag name="LATEXFORMWRAP" val="True"/>
+  <p:tag name="BITMAPVECTOR" val="0"/>
+</p:tagLst>
+</file>
+
+<file path=ppt/tags/tag14.xml><?xml version="1.0" encoding="utf-8"?>
+<p:tagLst xmlns:a="http://schemas.openxmlformats.org/drawingml/2006/main" xmlns:r="http://schemas.openxmlformats.org/officeDocument/2006/relationships" xmlns:p="http://schemas.openxmlformats.org/presentationml/2006/main">
+  <p:tag name="OUTPUTDPI" val="1200"/>
+  <p:tag name="ORIGINALHEIGHT" val="87.76228"/>
+  <p:tag name="ORIGINALWIDTH" val="59.25827"/>
+  <p:tag name="LATEXADDIN" val="\documentclass{article}&#10;\usepackage{amsmath, amssymb, amsthm}&#10;\usepackage{xcolor}&#10;\pagestyle{empty}&#10;\begin{document}&#10;\setlength\parindent{0pt}&#10;&#10;\newcommand{\argmin}{\operatornamewithlimits{argmin}}&#10;\newcommand{\argmax}{\operatornamewithlimits{argmax}}&#10;\newcommand{\rtwo}{\mathbb{R}^2}&#10;\newcommand{\rone}{\mathbb{R}}&#10;\newcommand{\ex}{\mathbb{E}}&#10;\newcommand{\normal}{\mathcal{N}}&#10;\newcommand{\vor}{\mathcal{V}}&#10;\newcommand{\st}{\mid}&#10;\newcommand{\set}[1]{\left\{#1\right\}}&#10;\newcommand{\norm}[1]{\left\lVert #1\right\rVert}&#10;\newcommand{\rt}{\rightarrow}&#10;&#10;$d$&#10;&#10;\end{document}"/>
+  <p:tag name="IGUANATEXSIZE" val="16"/>
+  <p:tag name="IGUANATEXCURSOR" val="556"/>
+  <p:tag name="TRANSPARENCY" val="True"/>
+  <p:tag name="LATEXENGINEID" val="1"/>
+  <p:tag name="TEMPFOLDER" val="c:\temp\"/>
+  <p:tag name="LATEXFORMHEIGHT" val="424"/>
+  <p:tag name="LATEXFORMWIDTH" val="384"/>
+  <p:tag name="LATEXFORMWRAP" val="True"/>
+  <p:tag name="BITMAPVECTOR" val="0"/>
+</p:tagLst>
+</file>
+
+<file path=ppt/tags/tag15.xml><?xml version="1.0" encoding="utf-8"?>
+<p:tagLst xmlns:a="http://schemas.openxmlformats.org/drawingml/2006/main" xmlns:r="http://schemas.openxmlformats.org/officeDocument/2006/relationships" xmlns:p="http://schemas.openxmlformats.org/presentationml/2006/main">
+  <p:tag name="OUTPUTDPI" val="1200"/>
+  <p:tag name="ORIGINALHEIGHT" val="89.26244"/>
+  <p:tag name="ORIGINALWIDTH" val="258.7861"/>
+  <p:tag name="LATEXADDIN" val="\documentclass{article}&#10;\usepackage{amsmath, amssymb, amsthm}&#10;\usepackage{xcolor}&#10;\pagestyle{empty}&#10;\begin{document}&#10;\setlength\parindent{0pt}&#10;&#10;\newcommand{\argmin}{\operatornamewithlimits{argmin}}&#10;\newcommand{\argmax}{\operatornamewithlimits{argmax}}&#10;\newcommand{\rtwo}{\mathbb{R}^2}&#10;\newcommand{\rone}{\mathbb{R}}&#10;\newcommand{\ex}{\mathbb{E}}&#10;\newcommand{\normal}{\mathcal{N}}&#10;\newcommand{\vor}{\mathcal{V}}&#10;\newcommand{\st}{\mid}&#10;\newcommand{\set}[1]{\left\{#1\right\}}&#10;\newcommand{\norm}[1]{\left\lVert #1\right\rVert}&#10;\newcommand{\rt}{\rightarrow}&#10;&#10;$\ell-2$&#10;&#10;\end{document}"/>
+  <p:tag name="IGUANATEXSIZE" val="16"/>
+  <p:tag name="IGUANATEXCURSOR" val="561"/>
+  <p:tag name="TRANSPARENCY" val="True"/>
+  <p:tag name="LATEXENGINEID" val="1"/>
+  <p:tag name="TEMPFOLDER" val="c:\temp\"/>
+  <p:tag name="LATEXFORMHEIGHT" val="424"/>
+  <p:tag name="LATEXFORMWIDTH" val="384"/>
+  <p:tag name="LATEXFORMWRAP" val="True"/>
+  <p:tag name="BITMAPVECTOR" val="0"/>
+</p:tagLst>
+</file>
+
+<file path=ppt/tags/tag16.xml><?xml version="1.0" encoding="utf-8"?>
 <p:tagLst xmlns:a="http://schemas.openxmlformats.org/drawingml/2006/main" xmlns:r="http://schemas.openxmlformats.org/officeDocument/2006/relationships" xmlns:p="http://schemas.openxmlformats.org/presentationml/2006/main">
   <p:tag name="OUTPUTDPI" val="1200"/>
   <p:tag name="ORIGINALHEIGHT" val="105.0146"/>
@@ -13788,7 +15284,25 @@
 </p:tagLst>
 </file>
 
-<file path=ppt/tags/tag13.xml><?xml version="1.0" encoding="utf-8"?>
+<file path=ppt/tags/tag17.xml><?xml version="1.0" encoding="utf-8"?>
+<p:tagLst xmlns:a="http://schemas.openxmlformats.org/drawingml/2006/main" xmlns:r="http://schemas.openxmlformats.org/officeDocument/2006/relationships" xmlns:p="http://schemas.openxmlformats.org/presentationml/2006/main">
+  <p:tag name="OUTPUTDPI" val="1200"/>
+  <p:tag name="ORIGINALHEIGHT" val="105.0146"/>
+  <p:tag name="ORIGINALWIDTH" val="99.76394"/>
+  <p:tag name="LATEXADDIN" val="\documentclass{article}&#10;\usepackage{amsmath, amssymb, amsthm}&#10;\usepackage{xcolor}&#10;\pagestyle{empty}&#10;\begin{document}&#10;\setlength\parindent{0pt}&#10;&#10;\newcommand{\argmin}{\operatornamewithlimits{argmin}}&#10;\newcommand{\argmax}{\operatornamewithlimits{argmax}}&#10;\newcommand{\rtwo}{\mathbb{R}^2}&#10;\newcommand{\rone}{\mathbb{R}}&#10;\newcommand{\ex}{\mathbb{E}}&#10;\newcommand{\normal}{\mathcal{N}}&#10;\newcommand{\vor}{\mathcal{V}}&#10;\newcommand{\st}{\mid}&#10;\newcommand{\set}[1]{\left\{#1\right\}}&#10;\newcommand{\norm}[1]{\left\lVert #1\right\rVert}&#10;\newcommand{\rt}{\rightarrow}&#10;&#10;$k_1$&#10;&#10;\end{document}"/>
+  <p:tag name="IGUANATEXSIZE" val="16"/>
+  <p:tag name="IGUANATEXCURSOR" val="558"/>
+  <p:tag name="TRANSPARENCY" val="True"/>
+  <p:tag name="LATEXENGINEID" val="1"/>
+  <p:tag name="TEMPFOLDER" val="c:\temp\"/>
+  <p:tag name="LATEXFORMHEIGHT" val="424"/>
+  <p:tag name="LATEXFORMWIDTH" val="384"/>
+  <p:tag name="LATEXFORMWRAP" val="True"/>
+  <p:tag name="BITMAPVECTOR" val="0"/>
+</p:tagLst>
+</file>
+
+<file path=ppt/tags/tag18.xml><?xml version="1.0" encoding="utf-8"?>
 <p:tagLst xmlns:a="http://schemas.openxmlformats.org/drawingml/2006/main" xmlns:r="http://schemas.openxmlformats.org/officeDocument/2006/relationships" xmlns:p="http://schemas.openxmlformats.org/presentationml/2006/main">
   <p:tag name="OUTPUTDPI" val="1200"/>
   <p:tag name="ORIGINALHEIGHT" val="105.0146"/>
@@ -13806,7 +15320,7 @@
 </p:tagLst>
 </file>
 
-<file path=ppt/tags/tag14.xml><?xml version="1.0" encoding="utf-8"?>
+<file path=ppt/tags/tag19.xml><?xml version="1.0" encoding="utf-8"?>
 <p:tagLst xmlns:a="http://schemas.openxmlformats.org/drawingml/2006/main" xmlns:r="http://schemas.openxmlformats.org/officeDocument/2006/relationships" xmlns:p="http://schemas.openxmlformats.org/presentationml/2006/main">
   <p:tag name="OUTPUTDPI" val="1200"/>
   <p:tag name="ORIGINALHEIGHT" val="105.0146"/>
@@ -13814,96 +15328,6 @@
   <p:tag name="LATEXADDIN" val="\documentclass{article}&#10;\usepackage{amsmath, amssymb, amsthm}&#10;\usepackage{xcolor}&#10;\pagestyle{empty}&#10;\begin{document}&#10;\setlength\parindent{0pt}&#10;&#10;\newcommand{\argmin}{\operatornamewithlimits{argmin}}&#10;\newcommand{\argmax}{\operatornamewithlimits{argmax}}&#10;\newcommand{\rtwo}{\mathbb{R}^2}&#10;\newcommand{\rone}{\mathbb{R}}&#10;\newcommand{\ex}{\mathbb{E}}&#10;\newcommand{\normal}{\mathcal{N}}&#10;\newcommand{\vor}{\mathcal{V}}&#10;\newcommand{\st}{\mid}&#10;\newcommand{\set}[1]{\left\{#1\right\}}&#10;\newcommand{\norm}[1]{\left\lVert #1\right\rVert}&#10;\newcommand{\rt}{\rightarrow}&#10;&#10;$k_2$&#10;&#10;\end{document}"/>
   <p:tag name="IGUANATEXSIZE" val="16"/>
   <p:tag name="IGUANATEXCURSOR" val="558"/>
-  <p:tag name="TRANSPARENCY" val="True"/>
-  <p:tag name="LATEXENGINEID" val="1"/>
-  <p:tag name="TEMPFOLDER" val="c:\temp\"/>
-  <p:tag name="LATEXFORMHEIGHT" val="424"/>
-  <p:tag name="LATEXFORMWIDTH" val="384"/>
-  <p:tag name="LATEXFORMWRAP" val="True"/>
-  <p:tag name="BITMAPVECTOR" val="0"/>
-</p:tagLst>
-</file>
-
-<file path=ppt/tags/tag15.xml><?xml version="1.0" encoding="utf-8"?>
-<p:tagLst xmlns:a="http://schemas.openxmlformats.org/drawingml/2006/main" xmlns:r="http://schemas.openxmlformats.org/officeDocument/2006/relationships" xmlns:p="http://schemas.openxmlformats.org/presentationml/2006/main">
-  <p:tag name="OUTPUTDPI" val="1200"/>
-  <p:tag name="ORIGINALHEIGHT" val="105.0146"/>
-  <p:tag name="ORIGINALWIDTH" val="102.0143"/>
-  <p:tag name="LATEXADDIN" val="\documentclass{article}&#10;\usepackage{amsmath, amssymb, amsthm}&#10;\usepackage{xcolor}&#10;\pagestyle{empty}&#10;\begin{document}&#10;\setlength\parindent{0pt}&#10;&#10;\newcommand{\argmin}{\operatornamewithlimits{argmin}}&#10;\newcommand{\argmax}{\operatornamewithlimits{argmax}}&#10;\newcommand{\rtwo}{\mathbb{R}^2}&#10;\newcommand{\rone}{\mathbb{R}}&#10;\newcommand{\ex}{\mathbb{E}}&#10;\newcommand{\normal}{\mathcal{N}}&#10;\newcommand{\vor}{\mathcal{V}}&#10;\newcommand{\st}{\mid}&#10;\newcommand{\set}[1]{\left\{#1\right\}}&#10;\newcommand{\norm}[1]{\left\lVert #1\right\rVert}&#10;\newcommand{\rt}{\rightarrow}&#10;&#10;$k_2$&#10;&#10;\end{document}"/>
-  <p:tag name="IGUANATEXSIZE" val="16"/>
-  <p:tag name="IGUANATEXCURSOR" val="558"/>
-  <p:tag name="TRANSPARENCY" val="True"/>
-  <p:tag name="LATEXENGINEID" val="1"/>
-  <p:tag name="TEMPFOLDER" val="c:\temp\"/>
-  <p:tag name="LATEXFORMHEIGHT" val="424"/>
-  <p:tag name="LATEXFORMWIDTH" val="384"/>
-  <p:tag name="LATEXFORMWRAP" val="True"/>
-  <p:tag name="BITMAPVECTOR" val="0"/>
-</p:tagLst>
-</file>
-
-<file path=ppt/tags/tag16.xml><?xml version="1.0" encoding="utf-8"?>
-<p:tagLst xmlns:a="http://schemas.openxmlformats.org/drawingml/2006/main" xmlns:r="http://schemas.openxmlformats.org/officeDocument/2006/relationships" xmlns:p="http://schemas.openxmlformats.org/presentationml/2006/main">
-  <p:tag name="OUTPUTDPI" val="1200"/>
-  <p:tag name="ORIGINALHEIGHT" val="105.0146"/>
-  <p:tag name="ORIGINALWIDTH" val="102.0143"/>
-  <p:tag name="LATEXADDIN" val="\documentclass{article}&#10;\usepackage{amsmath, amssymb, amsthm}&#10;\usepackage{xcolor}&#10;\pagestyle{empty}&#10;\begin{document}&#10;\setlength\parindent{0pt}&#10;&#10;\newcommand{\argmin}{\operatornamewithlimits{argmin}}&#10;\newcommand{\argmax}{\operatornamewithlimits{argmax}}&#10;\newcommand{\rtwo}{\mathbb{R}^2}&#10;\newcommand{\rone}{\mathbb{R}}&#10;\newcommand{\ex}{\mathbb{E}}&#10;\newcommand{\normal}{\mathcal{N}}&#10;\newcommand{\vor}{\mathcal{V}}&#10;\newcommand{\st}{\mid}&#10;\newcommand{\set}[1]{\left\{#1\right\}}&#10;\newcommand{\norm}[1]{\left\lVert #1\right\rVert}&#10;\newcommand{\rt}{\rightarrow}&#10;&#10;$k_2$&#10;&#10;\end{document}"/>
-  <p:tag name="IGUANATEXSIZE" val="16"/>
-  <p:tag name="IGUANATEXCURSOR" val="558"/>
-  <p:tag name="TRANSPARENCY" val="True"/>
-  <p:tag name="LATEXENGINEID" val="1"/>
-  <p:tag name="TEMPFOLDER" val="c:\temp\"/>
-  <p:tag name="LATEXFORMHEIGHT" val="424"/>
-  <p:tag name="LATEXFORMWIDTH" val="384"/>
-  <p:tag name="LATEXFORMWRAP" val="True"/>
-  <p:tag name="BITMAPVECTOR" val="0"/>
-</p:tagLst>
-</file>
-
-<file path=ppt/tags/tag17.xml><?xml version="1.0" encoding="utf-8"?>
-<p:tagLst xmlns:a="http://schemas.openxmlformats.org/drawingml/2006/main" xmlns:r="http://schemas.openxmlformats.org/officeDocument/2006/relationships" xmlns:p="http://schemas.openxmlformats.org/presentationml/2006/main">
-  <p:tag name="OUTPUTDPI" val="1200"/>
-  <p:tag name="ORIGINALHEIGHT" val="105.0146"/>
-  <p:tag name="ORIGINALWIDTH" val="102.0143"/>
-  <p:tag name="LATEXADDIN" val="\documentclass{article}&#10;\usepackage{amsmath, amssymb, amsthm}&#10;\usepackage{xcolor}&#10;\pagestyle{empty}&#10;\begin{document}&#10;\setlength\parindent{0pt}&#10;&#10;\newcommand{\argmin}{\operatornamewithlimits{argmin}}&#10;\newcommand{\argmax}{\operatornamewithlimits{argmax}}&#10;\newcommand{\rtwo}{\mathbb{R}^2}&#10;\newcommand{\rone}{\mathbb{R}}&#10;\newcommand{\ex}{\mathbb{E}}&#10;\newcommand{\normal}{\mathcal{N}}&#10;\newcommand{\vor}{\mathcal{V}}&#10;\newcommand{\st}{\mid}&#10;\newcommand{\set}[1]{\left\{#1\right\}}&#10;\newcommand{\norm}[1]{\left\lVert #1\right\rVert}&#10;\newcommand{\rt}{\rightarrow}&#10;&#10;$k_2$&#10;&#10;\end{document}"/>
-  <p:tag name="IGUANATEXSIZE" val="16"/>
-  <p:tag name="IGUANATEXCURSOR" val="558"/>
-  <p:tag name="TRANSPARENCY" val="True"/>
-  <p:tag name="LATEXENGINEID" val="1"/>
-  <p:tag name="TEMPFOLDER" val="c:\temp\"/>
-  <p:tag name="LATEXFORMHEIGHT" val="424"/>
-  <p:tag name="LATEXFORMWIDTH" val="384"/>
-  <p:tag name="LATEXFORMWRAP" val="True"/>
-  <p:tag name="BITMAPVECTOR" val="0"/>
-</p:tagLst>
-</file>
-
-<file path=ppt/tags/tag18.xml><?xml version="1.0" encoding="utf-8"?>
-<p:tagLst xmlns:a="http://schemas.openxmlformats.org/drawingml/2006/main" xmlns:r="http://schemas.openxmlformats.org/officeDocument/2006/relationships" xmlns:p="http://schemas.openxmlformats.org/presentationml/2006/main">
-  <p:tag name="OUTPUTDPI" val="1200"/>
-  <p:tag name="ORIGINALHEIGHT" val="87.76228"/>
-  <p:tag name="ORIGINALWIDTH" val="59.25827"/>
-  <p:tag name="LATEXADDIN" val="\documentclass{article}&#10;\usepackage{amsmath, amssymb, amsthm}&#10;\usepackage{xcolor}&#10;\pagestyle{empty}&#10;\begin{document}&#10;\setlength\parindent{0pt}&#10;&#10;\newcommand{\argmin}{\operatornamewithlimits{argmin}}&#10;\newcommand{\argmax}{\operatornamewithlimits{argmax}}&#10;\newcommand{\rtwo}{\mathbb{R}^2}&#10;\newcommand{\rone}{\mathbb{R}}&#10;\newcommand{\ex}{\mathbb{E}}&#10;\newcommand{\normal}{\mathcal{N}}&#10;\newcommand{\vor}{\mathcal{V}}&#10;\newcommand{\st}{\mid}&#10;\newcommand{\set}[1]{\left\{#1\right\}}&#10;\newcommand{\norm}[1]{\left\lVert #1\right\rVert}&#10;\newcommand{\rt}{\rightarrow}&#10;&#10;$d$&#10;&#10;\end{document}"/>
-  <p:tag name="IGUANATEXSIZE" val="16"/>
-  <p:tag name="IGUANATEXCURSOR" val="556"/>
-  <p:tag name="TRANSPARENCY" val="True"/>
-  <p:tag name="LATEXENGINEID" val="1"/>
-  <p:tag name="TEMPFOLDER" val="c:\temp\"/>
-  <p:tag name="LATEXFORMHEIGHT" val="424"/>
-  <p:tag name="LATEXFORMWIDTH" val="384"/>
-  <p:tag name="LATEXFORMWRAP" val="True"/>
-  <p:tag name="BITMAPVECTOR" val="0"/>
-</p:tagLst>
-</file>
-
-<file path=ppt/tags/tag19.xml><?xml version="1.0" encoding="utf-8"?>
-<p:tagLst xmlns:a="http://schemas.openxmlformats.org/drawingml/2006/main" xmlns:r="http://schemas.openxmlformats.org/officeDocument/2006/relationships" xmlns:p="http://schemas.openxmlformats.org/presentationml/2006/main">
-  <p:tag name="OUTPUTDPI" val="1200"/>
-  <p:tag name="ORIGINALHEIGHT" val="87.76228"/>
-  <p:tag name="ORIGINALWIDTH" val="59.25827"/>
-  <p:tag name="LATEXADDIN" val="\documentclass{article}&#10;\usepackage{amsmath, amssymb, amsthm}&#10;\usepackage{xcolor}&#10;\pagestyle{empty}&#10;\begin{document}&#10;\setlength\parindent{0pt}&#10;&#10;\newcommand{\argmin}{\operatornamewithlimits{argmin}}&#10;\newcommand{\argmax}{\operatornamewithlimits{argmax}}&#10;\newcommand{\rtwo}{\mathbb{R}^2}&#10;\newcommand{\rone}{\mathbb{R}}&#10;\newcommand{\ex}{\mathbb{E}}&#10;\newcommand{\normal}{\mathcal{N}}&#10;\newcommand{\vor}{\mathcal{V}}&#10;\newcommand{\st}{\mid}&#10;\newcommand{\set}[1]{\left\{#1\right\}}&#10;\newcommand{\norm}[1]{\left\lVert #1\right\rVert}&#10;\newcommand{\rt}{\rightarrow}&#10;&#10;$d$&#10;&#10;\end{document}"/>
-  <p:tag name="IGUANATEXSIZE" val="16"/>
-  <p:tag name="IGUANATEXCURSOR" val="556"/>
   <p:tag name="TRANSPARENCY" val="True"/>
   <p:tag name="LATEXENGINEID" val="1"/>
   <p:tag name="TEMPFOLDER" val="c:\temp\"/>
@@ -13935,11 +15359,11 @@
 <file path=ppt/tags/tag20.xml><?xml version="1.0" encoding="utf-8"?>
 <p:tagLst xmlns:a="http://schemas.openxmlformats.org/drawingml/2006/main" xmlns:r="http://schemas.openxmlformats.org/officeDocument/2006/relationships" xmlns:p="http://schemas.openxmlformats.org/presentationml/2006/main">
   <p:tag name="OUTPUTDPI" val="1200"/>
-  <p:tag name="ORIGINALHEIGHT" val="89.26244"/>
-  <p:tag name="ORIGINALWIDTH" val="48.75677"/>
-  <p:tag name="LATEXADDIN" val="\documentclass{article}&#10;\usepackage{amsmath, amssymb, amsthm}&#10;\usepackage{xcolor}&#10;\pagestyle{empty}&#10;\begin{document}&#10;\setlength\parindent{0pt}&#10;&#10;\newcommand{\argmin}{\operatornamewithlimits{argmin}}&#10;\newcommand{\argmax}{\operatornamewithlimits{argmax}}&#10;\newcommand{\rtwo}{\mathbb{R}^2}&#10;\newcommand{\rone}{\mathbb{R}}&#10;\newcommand{\ex}{\mathbb{E}}&#10;\newcommand{\normal}{\mathcal{N}}&#10;\newcommand{\vor}{\mathcal{V}}&#10;\newcommand{\st}{\mid}&#10;\newcommand{\set}[1]{\left\{#1\right\}}&#10;\newcommand{\norm}[1]{\left\lVert #1\right\rVert}&#10;\newcommand{\rt}{\rightarrow}&#10;&#10;$\ell$&#10;&#10;\end{document}"/>
+  <p:tag name="ORIGINALHEIGHT" val="105.0146"/>
+  <p:tag name="ORIGINALWIDTH" val="102.0143"/>
+  <p:tag name="LATEXADDIN" val="\documentclass{article}&#10;\usepackage{amsmath, amssymb, amsthm}&#10;\usepackage{xcolor}&#10;\pagestyle{empty}&#10;\begin{document}&#10;\setlength\parindent{0pt}&#10;&#10;\newcommand{\argmin}{\operatornamewithlimits{argmin}}&#10;\newcommand{\argmax}{\operatornamewithlimits{argmax}}&#10;\newcommand{\rtwo}{\mathbb{R}^2}&#10;\newcommand{\rone}{\mathbb{R}}&#10;\newcommand{\ex}{\mathbb{E}}&#10;\newcommand{\normal}{\mathcal{N}}&#10;\newcommand{\vor}{\mathcal{V}}&#10;\newcommand{\st}{\mid}&#10;\newcommand{\set}[1]{\left\{#1\right\}}&#10;\newcommand{\norm}[1]{\left\lVert #1\right\rVert}&#10;\newcommand{\rt}{\rightarrow}&#10;&#10;$k_2$&#10;&#10;\end{document}"/>
   <p:tag name="IGUANATEXSIZE" val="16"/>
-  <p:tag name="IGUANATEXCURSOR" val="559"/>
+  <p:tag name="IGUANATEXCURSOR" val="558"/>
   <p:tag name="TRANSPARENCY" val="True"/>
   <p:tag name="LATEXENGINEID" val="1"/>
   <p:tag name="TEMPFOLDER" val="c:\temp\"/>
@@ -13953,11 +15377,11 @@
 <file path=ppt/tags/tag21.xml><?xml version="1.0" encoding="utf-8"?>
 <p:tagLst xmlns:a="http://schemas.openxmlformats.org/drawingml/2006/main" xmlns:r="http://schemas.openxmlformats.org/officeDocument/2006/relationships" xmlns:p="http://schemas.openxmlformats.org/presentationml/2006/main">
   <p:tag name="OUTPUTDPI" val="1200"/>
-  <p:tag name="ORIGINALHEIGHT" val="113.2658"/>
-  <p:tag name="ORIGINALWIDTH" val="95.26331"/>
-  <p:tag name="LATEXADDIN" val="\documentclass{article}&#10;\usepackage{amsmath, amssymb, amsthm}&#10;\usepackage{xcolor}&#10;\pagestyle{empty}&#10;\begin{document}&#10;\setlength\parindent{0pt}&#10;&#10;\newcommand{\argmin}{\operatornamewithlimits{argmin}}&#10;\newcommand{\argmax}{\operatornamewithlimits{argmax}}&#10;\newcommand{\rtwo}{\mathbb{R}^2}&#10;\newcommand{\rone}{\mathbb{R}}&#10;\newcommand{\ex}{\mathbb{E}}&#10;\newcommand{\normal}{\mathcal{N}}&#10;\newcommand{\vor}{\mathcal{V}}&#10;\newcommand{\st}{\mid}&#10;\newcommand{\set}[1]{\left\{#1\right\}}&#10;\newcommand{\norm}[1]{\left\lVert #1\right\rVert}&#10;\newcommand{\rt}{\rightarrow}&#10;&#10;$f_1$&#10;&#10;\end{document}"/>
+  <p:tag name="ORIGINALHEIGHT" val="105.0146"/>
+  <p:tag name="ORIGINALWIDTH" val="102.0143"/>
+  <p:tag name="LATEXADDIN" val="\documentclass{article}&#10;\usepackage{amsmath, amssymb, amsthm}&#10;\usepackage{xcolor}&#10;\pagestyle{empty}&#10;\begin{document}&#10;\setlength\parindent{0pt}&#10;&#10;\newcommand{\argmin}{\operatornamewithlimits{argmin}}&#10;\newcommand{\argmax}{\operatornamewithlimits{argmax}}&#10;\newcommand{\rtwo}{\mathbb{R}^2}&#10;\newcommand{\rone}{\mathbb{R}}&#10;\newcommand{\ex}{\mathbb{E}}&#10;\newcommand{\normal}{\mathcal{N}}&#10;\newcommand{\vor}{\mathcal{V}}&#10;\newcommand{\st}{\mid}&#10;\newcommand{\set}[1]{\left\{#1\right\}}&#10;\newcommand{\norm}[1]{\left\lVert #1\right\rVert}&#10;\newcommand{\rt}{\rightarrow}&#10;&#10;$k_2$&#10;&#10;\end{document}"/>
   <p:tag name="IGUANATEXSIZE" val="16"/>
-  <p:tag name="IGUANATEXCURSOR" val="559"/>
+  <p:tag name="IGUANATEXCURSOR" val="558"/>
   <p:tag name="TRANSPARENCY" val="True"/>
   <p:tag name="LATEXENGINEID" val="1"/>
   <p:tag name="TEMPFOLDER" val="c:\temp\"/>
@@ -13971,9 +15395,9 @@
 <file path=ppt/tags/tag22.xml><?xml version="1.0" encoding="utf-8"?>
 <p:tagLst xmlns:a="http://schemas.openxmlformats.org/drawingml/2006/main" xmlns:r="http://schemas.openxmlformats.org/officeDocument/2006/relationships" xmlns:p="http://schemas.openxmlformats.org/presentationml/2006/main">
   <p:tag name="OUTPUTDPI" val="1200"/>
-  <p:tag name="ORIGINALHEIGHT" val="113.2658"/>
-  <p:tag name="ORIGINALWIDTH" val="98.2637"/>
-  <p:tag name="LATEXADDIN" val="\documentclass{article}&#10;\usepackage{amsmath, amssymb, amsthm}&#10;\usepackage{xcolor}&#10;\pagestyle{empty}&#10;\begin{document}&#10;\setlength\parindent{0pt}&#10;&#10;\newcommand{\argmin}{\operatornamewithlimits{argmin}}&#10;\newcommand{\argmax}{\operatornamewithlimits{argmax}}&#10;\newcommand{\rtwo}{\mathbb{R}^2}&#10;\newcommand{\rone}{\mathbb{R}}&#10;\newcommand{\ex}{\mathbb{E}}&#10;\newcommand{\normal}{\mathcal{N}}&#10;\newcommand{\vor}{\mathcal{V}}&#10;\newcommand{\st}{\mid}&#10;\newcommand{\set}[1]{\left\{#1\right\}}&#10;\newcommand{\norm}[1]{\left\lVert #1\right\rVert}&#10;\newcommand{\rt}{\rightarrow}&#10;&#10;$f_2$&#10;&#10;\end{document}"/>
+  <p:tag name="ORIGINALHEIGHT" val="105.0146"/>
+  <p:tag name="ORIGINALWIDTH" val="102.0143"/>
+  <p:tag name="LATEXADDIN" val="\documentclass{article}&#10;\usepackage{amsmath, amssymb, amsthm}&#10;\usepackage{xcolor}&#10;\pagestyle{empty}&#10;\begin{document}&#10;\setlength\parindent{0pt}&#10;&#10;\newcommand{\argmin}{\operatornamewithlimits{argmin}}&#10;\newcommand{\argmax}{\operatornamewithlimits{argmax}}&#10;\newcommand{\rtwo}{\mathbb{R}^2}&#10;\newcommand{\rone}{\mathbb{R}}&#10;\newcommand{\ex}{\mathbb{E}}&#10;\newcommand{\normal}{\mathcal{N}}&#10;\newcommand{\vor}{\mathcal{V}}&#10;\newcommand{\st}{\mid}&#10;\newcommand{\set}[1]{\left\{#1\right\}}&#10;\newcommand{\norm}[1]{\left\lVert #1\right\rVert}&#10;\newcommand{\rt}{\rightarrow}&#10;&#10;$k_2$&#10;&#10;\end{document}"/>
   <p:tag name="IGUANATEXSIZE" val="16"/>
   <p:tag name="IGUANATEXCURSOR" val="558"/>
   <p:tag name="TRANSPARENCY" val="True"/>
@@ -13989,11 +15413,11 @@
 <file path=ppt/tags/tag23.xml><?xml version="1.0" encoding="utf-8"?>
 <p:tagLst xmlns:a="http://schemas.openxmlformats.org/drawingml/2006/main" xmlns:r="http://schemas.openxmlformats.org/officeDocument/2006/relationships" xmlns:p="http://schemas.openxmlformats.org/presentationml/2006/main">
   <p:tag name="OUTPUTDPI" val="1200"/>
-  <p:tag name="ORIGINALHEIGHT" val="113.2658"/>
-  <p:tag name="ORIGINALWIDTH" val="99.01378"/>
-  <p:tag name="LATEXADDIN" val="\documentclass{article}&#10;\usepackage{amsmath, amssymb, amsthm}&#10;\usepackage{xcolor}&#10;\pagestyle{empty}&#10;\begin{document}&#10;\setlength\parindent{0pt}&#10;&#10;\newcommand{\argmin}{\operatornamewithlimits{argmin}}&#10;\newcommand{\argmax}{\operatornamewithlimits{argmax}}&#10;\newcommand{\rtwo}{\mathbb{R}^2}&#10;\newcommand{\rone}{\mathbb{R}}&#10;\newcommand{\ex}{\mathbb{E}}&#10;\newcommand{\normal}{\mathcal{N}}&#10;\newcommand{\vor}{\mathcal{V}}&#10;\newcommand{\st}{\mid}&#10;\newcommand{\set}[1]{\left\{#1\right\}}&#10;\newcommand{\norm}[1]{\left\lVert #1\right\rVert}&#10;\newcommand{\rt}{\rightarrow}&#10;&#10;$f_3$&#10;&#10;\end{document}"/>
+  <p:tag name="ORIGINALHEIGHT" val="87.76228"/>
+  <p:tag name="ORIGINALWIDTH" val="59.25827"/>
+  <p:tag name="LATEXADDIN" val="\documentclass{article}&#10;\usepackage{amsmath, amssymb, amsthm}&#10;\usepackage{xcolor}&#10;\pagestyle{empty}&#10;\begin{document}&#10;\setlength\parindent{0pt}&#10;&#10;\newcommand{\argmin}{\operatornamewithlimits{argmin}}&#10;\newcommand{\argmax}{\operatornamewithlimits{argmax}}&#10;\newcommand{\rtwo}{\mathbb{R}^2}&#10;\newcommand{\rone}{\mathbb{R}}&#10;\newcommand{\ex}{\mathbb{E}}&#10;\newcommand{\normal}{\mathcal{N}}&#10;\newcommand{\vor}{\mathcal{V}}&#10;\newcommand{\st}{\mid}&#10;\newcommand{\set}[1]{\left\{#1\right\}}&#10;\newcommand{\norm}[1]{\left\lVert #1\right\rVert}&#10;\newcommand{\rt}{\rightarrow}&#10;&#10;$d$&#10;&#10;\end{document}"/>
   <p:tag name="IGUANATEXSIZE" val="16"/>
-  <p:tag name="IGUANATEXCURSOR" val="558"/>
+  <p:tag name="IGUANATEXCURSOR" val="556"/>
   <p:tag name="TRANSPARENCY" val="True"/>
   <p:tag name="LATEXENGINEID" val="1"/>
   <p:tag name="TEMPFOLDER" val="c:\temp\"/>
@@ -14007,11 +15431,11 @@
 <file path=ppt/tags/tag24.xml><?xml version="1.0" encoding="utf-8"?>
 <p:tagLst xmlns:a="http://schemas.openxmlformats.org/drawingml/2006/main" xmlns:r="http://schemas.openxmlformats.org/officeDocument/2006/relationships" xmlns:p="http://schemas.openxmlformats.org/presentationml/2006/main">
   <p:tag name="OUTPUTDPI" val="1200"/>
-  <p:tag name="ORIGINALHEIGHT" val="73.51024"/>
-  <p:tag name="ORIGINALWIDTH" val="115.5161"/>
-  <p:tag name="LATEXADDIN" val="\documentclass{article}&#10;\usepackage{amsmath, amssymb, amsthm}&#10;\usepackage{xcolor}&#10;\pagestyle{empty}&#10;\begin{document}&#10;\setlength\parindent{0pt}&#10;&#10;\newcommand{\argmin}{\operatornamewithlimits{argmin}}&#10;\newcommand{\argmax}{\operatornamewithlimits{argmax}}&#10;\newcommand{\rtwo}{\mathbb{R}^2}&#10;\newcommand{\rone}{\mathbb{R}}&#10;\newcommand{\ex}{\mathbb{E}}&#10;\newcommand{\normal}{\mathcal{N}}&#10;\newcommand{\vor}{\mathcal{V}}&#10;\newcommand{\st}{\mid}&#10;\newcommand{\set}[1]{\left\{#1\right\}}&#10;\newcommand{\norm}[1]{\left\lVert #1\right\rVert}&#10;\newcommand{\rt}{\rightarrow}&#10;&#10;$n_2$&#10;&#10;\end{document}"/>
+  <p:tag name="ORIGINALHEIGHT" val="87.76228"/>
+  <p:tag name="ORIGINALWIDTH" val="59.25827"/>
+  <p:tag name="LATEXADDIN" val="\documentclass{article}&#10;\usepackage{amsmath, amssymb, amsthm}&#10;\usepackage{xcolor}&#10;\pagestyle{empty}&#10;\begin{document}&#10;\setlength\parindent{0pt}&#10;&#10;\newcommand{\argmin}{\operatornamewithlimits{argmin}}&#10;\newcommand{\argmax}{\operatornamewithlimits{argmax}}&#10;\newcommand{\rtwo}{\mathbb{R}^2}&#10;\newcommand{\rone}{\mathbb{R}}&#10;\newcommand{\ex}{\mathbb{E}}&#10;\newcommand{\normal}{\mathcal{N}}&#10;\newcommand{\vor}{\mathcal{V}}&#10;\newcommand{\st}{\mid}&#10;\newcommand{\set}[1]{\left\{#1\right\}}&#10;\newcommand{\norm}[1]{\left\lVert #1\right\rVert}&#10;\newcommand{\rt}{\rightarrow}&#10;&#10;$d$&#10;&#10;\end{document}"/>
   <p:tag name="IGUANATEXSIZE" val="16"/>
-  <p:tag name="IGUANATEXCURSOR" val="558"/>
+  <p:tag name="IGUANATEXCURSOR" val="556"/>
   <p:tag name="TRANSPARENCY" val="True"/>
   <p:tag name="LATEXENGINEID" val="1"/>
   <p:tag name="TEMPFOLDER" val="c:\temp\"/>
@@ -14025,11 +15449,11 @@
 <file path=ppt/tags/tag25.xml><?xml version="1.0" encoding="utf-8"?>
 <p:tagLst xmlns:a="http://schemas.openxmlformats.org/drawingml/2006/main" xmlns:r="http://schemas.openxmlformats.org/officeDocument/2006/relationships" xmlns:p="http://schemas.openxmlformats.org/presentationml/2006/main">
   <p:tag name="OUTPUTDPI" val="1200"/>
-  <p:tag name="ORIGINALHEIGHT" val="73.51024"/>
-  <p:tag name="ORIGINALWIDTH" val="113.2658"/>
-  <p:tag name="LATEXADDIN" val="\documentclass{article}&#10;\usepackage{amsmath, amssymb, amsthm}&#10;\usepackage{xcolor}&#10;\pagestyle{empty}&#10;\begin{document}&#10;\setlength\parindent{0pt}&#10;&#10;\newcommand{\argmin}{\operatornamewithlimits{argmin}}&#10;\newcommand{\argmax}{\operatornamewithlimits{argmax}}&#10;\newcommand{\rtwo}{\mathbb{R}^2}&#10;\newcommand{\rone}{\mathbb{R}}&#10;\newcommand{\ex}{\mathbb{E}}&#10;\newcommand{\normal}{\mathcal{N}}&#10;\newcommand{\vor}{\mathcal{V}}&#10;\newcommand{\st}{\mid}&#10;\newcommand{\set}[1]{\left\{#1\right\}}&#10;\newcommand{\norm}[1]{\left\lVert #1\right\rVert}&#10;\newcommand{\rt}{\rightarrow}&#10;&#10;$n_1$&#10;&#10;\end{document}"/>
+  <p:tag name="ORIGINALHEIGHT" val="89.26244"/>
+  <p:tag name="ORIGINALWIDTH" val="48.75677"/>
+  <p:tag name="LATEXADDIN" val="\documentclass{article}&#10;\usepackage{amsmath, amssymb, amsthm}&#10;\usepackage{xcolor}&#10;\pagestyle{empty}&#10;\begin{document}&#10;\setlength\parindent{0pt}&#10;&#10;\newcommand{\argmin}{\operatornamewithlimits{argmin}}&#10;\newcommand{\argmax}{\operatornamewithlimits{argmax}}&#10;\newcommand{\rtwo}{\mathbb{R}^2}&#10;\newcommand{\rone}{\mathbb{R}}&#10;\newcommand{\ex}{\mathbb{E}}&#10;\newcommand{\normal}{\mathcal{N}}&#10;\newcommand{\vor}{\mathcal{V}}&#10;\newcommand{\st}{\mid}&#10;\newcommand{\set}[1]{\left\{#1\right\}}&#10;\newcommand{\norm}[1]{\left\lVert #1\right\rVert}&#10;\newcommand{\rt}{\rightarrow}&#10;&#10;$\ell$&#10;&#10;\end{document}"/>
   <p:tag name="IGUANATEXSIZE" val="16"/>
-  <p:tag name="IGUANATEXCURSOR" val="558"/>
+  <p:tag name="IGUANATEXCURSOR" val="559"/>
   <p:tag name="TRANSPARENCY" val="True"/>
   <p:tag name="LATEXENGINEID" val="1"/>
   <p:tag name="TEMPFOLDER" val="c:\temp\"/>
@@ -14151,9 +15575,27 @@
 <file path=ppt/tags/tag31.xml><?xml version="1.0" encoding="utf-8"?>
 <p:tagLst xmlns:a="http://schemas.openxmlformats.org/drawingml/2006/main" xmlns:r="http://schemas.openxmlformats.org/officeDocument/2006/relationships" xmlns:p="http://schemas.openxmlformats.org/presentationml/2006/main">
   <p:tag name="OUTPUTDPI" val="1200"/>
-  <p:tag name="ORIGINALHEIGHT" val="105.0146"/>
-  <p:tag name="ORIGINALWIDTH" val="99.76394"/>
-  <p:tag name="LATEXADDIN" val="\documentclass{article}&#10;\usepackage{amsmath, amssymb, amsthm}&#10;\usepackage{xcolor}&#10;\pagestyle{empty}&#10;\begin{document}&#10;\setlength\parindent{0pt}&#10;&#10;\newcommand{\argmin}{\operatornamewithlimits{argmin}}&#10;\newcommand{\argmax}{\operatornamewithlimits{argmax}}&#10;\newcommand{\rtwo}{\mathbb{R}^2}&#10;\newcommand{\rone}{\mathbb{R}}&#10;\newcommand{\ex}{\mathbb{E}}&#10;\newcommand{\normal}{\mathcal{N}}&#10;\newcommand{\vor}{\mathcal{V}}&#10;\newcommand{\st}{\mid}&#10;\newcommand{\set}[1]{\left\{#1\right\}}&#10;\newcommand{\norm}[1]{\left\lVert #1\right\rVert}&#10;\newcommand{\rt}{\rightarrow}&#10;&#10;$k_1$&#10;&#10;\end{document}"/>
+  <p:tag name="ORIGINALHEIGHT" val="113.2658"/>
+  <p:tag name="ORIGINALWIDTH" val="95.26331"/>
+  <p:tag name="LATEXADDIN" val="\documentclass{article}&#10;\usepackage{amsmath, amssymb, amsthm}&#10;\usepackage{xcolor}&#10;\pagestyle{empty}&#10;\begin{document}&#10;\setlength\parindent{0pt}&#10;&#10;\newcommand{\argmin}{\operatornamewithlimits{argmin}}&#10;\newcommand{\argmax}{\operatornamewithlimits{argmax}}&#10;\newcommand{\rtwo}{\mathbb{R}^2}&#10;\newcommand{\rone}{\mathbb{R}}&#10;\newcommand{\ex}{\mathbb{E}}&#10;\newcommand{\normal}{\mathcal{N}}&#10;\newcommand{\vor}{\mathcal{V}}&#10;\newcommand{\st}{\mid}&#10;\newcommand{\set}[1]{\left\{#1\right\}}&#10;\newcommand{\norm}[1]{\left\lVert #1\right\rVert}&#10;\newcommand{\rt}{\rightarrow}&#10;&#10;$f_1$&#10;&#10;\end{document}"/>
+  <p:tag name="IGUANATEXSIZE" val="16"/>
+  <p:tag name="IGUANATEXCURSOR" val="559"/>
+  <p:tag name="TRANSPARENCY" val="True"/>
+  <p:tag name="LATEXENGINEID" val="1"/>
+  <p:tag name="TEMPFOLDER" val="c:\temp\"/>
+  <p:tag name="LATEXFORMHEIGHT" val="424"/>
+  <p:tag name="LATEXFORMWIDTH" val="384"/>
+  <p:tag name="LATEXFORMWRAP" val="True"/>
+  <p:tag name="BITMAPVECTOR" val="0"/>
+</p:tagLst>
+</file>
+
+<file path=ppt/tags/tag32.xml><?xml version="1.0" encoding="utf-8"?>
+<p:tagLst xmlns:a="http://schemas.openxmlformats.org/drawingml/2006/main" xmlns:r="http://schemas.openxmlformats.org/officeDocument/2006/relationships" xmlns:p="http://schemas.openxmlformats.org/presentationml/2006/main">
+  <p:tag name="OUTPUTDPI" val="1200"/>
+  <p:tag name="ORIGINALHEIGHT" val="113.2658"/>
+  <p:tag name="ORIGINALWIDTH" val="98.2637"/>
+  <p:tag name="LATEXADDIN" val="\documentclass{article}&#10;\usepackage{amsmath, amssymb, amsthm}&#10;\usepackage{xcolor}&#10;\pagestyle{empty}&#10;\begin{document}&#10;\setlength\parindent{0pt}&#10;&#10;\newcommand{\argmin}{\operatornamewithlimits{argmin}}&#10;\newcommand{\argmax}{\operatornamewithlimits{argmax}}&#10;\newcommand{\rtwo}{\mathbb{R}^2}&#10;\newcommand{\rone}{\mathbb{R}}&#10;\newcommand{\ex}{\mathbb{E}}&#10;\newcommand{\normal}{\mathcal{N}}&#10;\newcommand{\vor}{\mathcal{V}}&#10;\newcommand{\st}{\mid}&#10;\newcommand{\set}[1]{\left\{#1\right\}}&#10;\newcommand{\norm}[1]{\left\lVert #1\right\rVert}&#10;\newcommand{\rt}{\rightarrow}&#10;&#10;$f_2$&#10;&#10;\end{document}"/>
   <p:tag name="IGUANATEXSIZE" val="16"/>
   <p:tag name="IGUANATEXCURSOR" val="558"/>
   <p:tag name="TRANSPARENCY" val="True"/>
@@ -14166,7 +15608,61 @@
 </p:tagLst>
 </file>
 
-<file path=ppt/tags/tag32.xml><?xml version="1.0" encoding="utf-8"?>
+<file path=ppt/tags/tag33.xml><?xml version="1.0" encoding="utf-8"?>
+<p:tagLst xmlns:a="http://schemas.openxmlformats.org/drawingml/2006/main" xmlns:r="http://schemas.openxmlformats.org/officeDocument/2006/relationships" xmlns:p="http://schemas.openxmlformats.org/presentationml/2006/main">
+  <p:tag name="OUTPUTDPI" val="1200"/>
+  <p:tag name="ORIGINALHEIGHT" val="113.2658"/>
+  <p:tag name="ORIGINALWIDTH" val="99.01378"/>
+  <p:tag name="LATEXADDIN" val="\documentclass{article}&#10;\usepackage{amsmath, amssymb, amsthm}&#10;\usepackage{xcolor}&#10;\pagestyle{empty}&#10;\begin{document}&#10;\setlength\parindent{0pt}&#10;&#10;\newcommand{\argmin}{\operatornamewithlimits{argmin}}&#10;\newcommand{\argmax}{\operatornamewithlimits{argmax}}&#10;\newcommand{\rtwo}{\mathbb{R}^2}&#10;\newcommand{\rone}{\mathbb{R}}&#10;\newcommand{\ex}{\mathbb{E}}&#10;\newcommand{\normal}{\mathcal{N}}&#10;\newcommand{\vor}{\mathcal{V}}&#10;\newcommand{\st}{\mid}&#10;\newcommand{\set}[1]{\left\{#1\right\}}&#10;\newcommand{\norm}[1]{\left\lVert #1\right\rVert}&#10;\newcommand{\rt}{\rightarrow}&#10;&#10;$f_3$&#10;&#10;\end{document}"/>
+  <p:tag name="IGUANATEXSIZE" val="16"/>
+  <p:tag name="IGUANATEXCURSOR" val="558"/>
+  <p:tag name="TRANSPARENCY" val="True"/>
+  <p:tag name="LATEXENGINEID" val="1"/>
+  <p:tag name="TEMPFOLDER" val="c:\temp\"/>
+  <p:tag name="LATEXFORMHEIGHT" val="424"/>
+  <p:tag name="LATEXFORMWIDTH" val="384"/>
+  <p:tag name="LATEXFORMWRAP" val="True"/>
+  <p:tag name="BITMAPVECTOR" val="0"/>
+</p:tagLst>
+</file>
+
+<file path=ppt/tags/tag34.xml><?xml version="1.0" encoding="utf-8"?>
+<p:tagLst xmlns:a="http://schemas.openxmlformats.org/drawingml/2006/main" xmlns:r="http://schemas.openxmlformats.org/officeDocument/2006/relationships" xmlns:p="http://schemas.openxmlformats.org/presentationml/2006/main">
+  <p:tag name="OUTPUTDPI" val="1200"/>
+  <p:tag name="ORIGINALHEIGHT" val="73.51024"/>
+  <p:tag name="ORIGINALWIDTH" val="115.5161"/>
+  <p:tag name="LATEXADDIN" val="\documentclass{article}&#10;\usepackage{amsmath, amssymb, amsthm}&#10;\usepackage{xcolor}&#10;\pagestyle{empty}&#10;\begin{document}&#10;\setlength\parindent{0pt}&#10;&#10;\newcommand{\argmin}{\operatornamewithlimits{argmin}}&#10;\newcommand{\argmax}{\operatornamewithlimits{argmax}}&#10;\newcommand{\rtwo}{\mathbb{R}^2}&#10;\newcommand{\rone}{\mathbb{R}}&#10;\newcommand{\ex}{\mathbb{E}}&#10;\newcommand{\normal}{\mathcal{N}}&#10;\newcommand{\vor}{\mathcal{V}}&#10;\newcommand{\st}{\mid}&#10;\newcommand{\set}[1]{\left\{#1\right\}}&#10;\newcommand{\norm}[1]{\left\lVert #1\right\rVert}&#10;\newcommand{\rt}{\rightarrow}&#10;&#10;$n_2$&#10;&#10;\end{document}"/>
+  <p:tag name="IGUANATEXSIZE" val="16"/>
+  <p:tag name="IGUANATEXCURSOR" val="558"/>
+  <p:tag name="TRANSPARENCY" val="True"/>
+  <p:tag name="LATEXENGINEID" val="1"/>
+  <p:tag name="TEMPFOLDER" val="c:\temp\"/>
+  <p:tag name="LATEXFORMHEIGHT" val="424"/>
+  <p:tag name="LATEXFORMWIDTH" val="384"/>
+  <p:tag name="LATEXFORMWRAP" val="True"/>
+  <p:tag name="BITMAPVECTOR" val="0"/>
+</p:tagLst>
+</file>
+
+<file path=ppt/tags/tag35.xml><?xml version="1.0" encoding="utf-8"?>
+<p:tagLst xmlns:a="http://schemas.openxmlformats.org/drawingml/2006/main" xmlns:r="http://schemas.openxmlformats.org/officeDocument/2006/relationships" xmlns:p="http://schemas.openxmlformats.org/presentationml/2006/main">
+  <p:tag name="OUTPUTDPI" val="1200"/>
+  <p:tag name="ORIGINALHEIGHT" val="73.51024"/>
+  <p:tag name="ORIGINALWIDTH" val="113.2658"/>
+  <p:tag name="LATEXADDIN" val="\documentclass{article}&#10;\usepackage{amsmath, amssymb, amsthm}&#10;\usepackage{xcolor}&#10;\pagestyle{empty}&#10;\begin{document}&#10;\setlength\parindent{0pt}&#10;&#10;\newcommand{\argmin}{\operatornamewithlimits{argmin}}&#10;\newcommand{\argmax}{\operatornamewithlimits{argmax}}&#10;\newcommand{\rtwo}{\mathbb{R}^2}&#10;\newcommand{\rone}{\mathbb{R}}&#10;\newcommand{\ex}{\mathbb{E}}&#10;\newcommand{\normal}{\mathcal{N}}&#10;\newcommand{\vor}{\mathcal{V}}&#10;\newcommand{\st}{\mid}&#10;\newcommand{\set}[1]{\left\{#1\right\}}&#10;\newcommand{\norm}[1]{\left\lVert #1\right\rVert}&#10;\newcommand{\rt}{\rightarrow}&#10;&#10;$n_1$&#10;&#10;\end{document}"/>
+  <p:tag name="IGUANATEXSIZE" val="16"/>
+  <p:tag name="IGUANATEXCURSOR" val="558"/>
+  <p:tag name="TRANSPARENCY" val="True"/>
+  <p:tag name="LATEXENGINEID" val="1"/>
+  <p:tag name="TEMPFOLDER" val="c:\temp\"/>
+  <p:tag name="LATEXFORMHEIGHT" val="424"/>
+  <p:tag name="LATEXFORMWIDTH" val="384"/>
+  <p:tag name="LATEXFORMWRAP" val="True"/>
+  <p:tag name="BITMAPVECTOR" val="0"/>
+</p:tagLst>
+</file>
+
+<file path=ppt/tags/tag36.xml><?xml version="1.0" encoding="utf-8"?>
 <p:tagLst xmlns:a="http://schemas.openxmlformats.org/drawingml/2006/main" xmlns:r="http://schemas.openxmlformats.org/officeDocument/2006/relationships" xmlns:p="http://schemas.openxmlformats.org/presentationml/2006/main">
   <p:tag name="OUTPUTDPI" val="1200"/>
   <p:tag name="ORIGINALHEIGHT" val="105.0146"/>
@@ -14184,7 +15680,25 @@
 </p:tagLst>
 </file>
 
-<file path=ppt/tags/tag33.xml><?xml version="1.0" encoding="utf-8"?>
+<file path=ppt/tags/tag37.xml><?xml version="1.0" encoding="utf-8"?>
+<p:tagLst xmlns:a="http://schemas.openxmlformats.org/drawingml/2006/main" xmlns:r="http://schemas.openxmlformats.org/officeDocument/2006/relationships" xmlns:p="http://schemas.openxmlformats.org/presentationml/2006/main">
+  <p:tag name="OUTPUTDPI" val="1200"/>
+  <p:tag name="ORIGINALHEIGHT" val="105.0146"/>
+  <p:tag name="ORIGINALWIDTH" val="99.76394"/>
+  <p:tag name="LATEXADDIN" val="\documentclass{article}&#10;\usepackage{amsmath, amssymb, amsthm}&#10;\usepackage{xcolor}&#10;\pagestyle{empty}&#10;\begin{document}&#10;\setlength\parindent{0pt}&#10;&#10;\newcommand{\argmin}{\operatornamewithlimits{argmin}}&#10;\newcommand{\argmax}{\operatornamewithlimits{argmax}}&#10;\newcommand{\rtwo}{\mathbb{R}^2}&#10;\newcommand{\rone}{\mathbb{R}}&#10;\newcommand{\ex}{\mathbb{E}}&#10;\newcommand{\normal}{\mathcal{N}}&#10;\newcommand{\vor}{\mathcal{V}}&#10;\newcommand{\st}{\mid}&#10;\newcommand{\set}[1]{\left\{#1\right\}}&#10;\newcommand{\norm}[1]{\left\lVert #1\right\rVert}&#10;\newcommand{\rt}{\rightarrow}&#10;&#10;$k_1$&#10;&#10;\end{document}"/>
+  <p:tag name="IGUANATEXSIZE" val="16"/>
+  <p:tag name="IGUANATEXCURSOR" val="558"/>
+  <p:tag name="TRANSPARENCY" val="True"/>
+  <p:tag name="LATEXENGINEID" val="1"/>
+  <p:tag name="TEMPFOLDER" val="c:\temp\"/>
+  <p:tag name="LATEXFORMHEIGHT" val="424"/>
+  <p:tag name="LATEXFORMWIDTH" val="384"/>
+  <p:tag name="LATEXFORMWRAP" val="True"/>
+  <p:tag name="BITMAPVECTOR" val="0"/>
+</p:tagLst>
+</file>
+
+<file path=ppt/tags/tag38.xml><?xml version="1.0" encoding="utf-8"?>
 <p:tagLst xmlns:a="http://schemas.openxmlformats.org/drawingml/2006/main" xmlns:r="http://schemas.openxmlformats.org/officeDocument/2006/relationships" xmlns:p="http://schemas.openxmlformats.org/presentationml/2006/main">
   <p:tag name="OUTPUTDPI" val="1200"/>
   <p:tag name="ORIGINALHEIGHT" val="105.0146"/>
@@ -14202,7 +15716,7 @@
 </p:tagLst>
 </file>
 
-<file path=ppt/tags/tag34.xml><?xml version="1.0" encoding="utf-8"?>
+<file path=ppt/tags/tag39.xml><?xml version="1.0" encoding="utf-8"?>
 <p:tagLst xmlns:a="http://schemas.openxmlformats.org/drawingml/2006/main" xmlns:r="http://schemas.openxmlformats.org/officeDocument/2006/relationships" xmlns:p="http://schemas.openxmlformats.org/presentationml/2006/main">
   <p:tag name="OUTPUTDPI" val="1200"/>
   <p:tag name="ORIGINALHEIGHT" val="105.0146"/>
@@ -14210,96 +15724,6 @@
   <p:tag name="LATEXADDIN" val="\documentclass{article}&#10;\usepackage{amsmath, amssymb, amsthm}&#10;\usepackage{xcolor}&#10;\pagestyle{empty}&#10;\begin{document}&#10;\setlength\parindent{0pt}&#10;&#10;\newcommand{\argmin}{\operatornamewithlimits{argmin}}&#10;\newcommand{\argmax}{\operatornamewithlimits{argmax}}&#10;\newcommand{\rtwo}{\mathbb{R}^2}&#10;\newcommand{\rone}{\mathbb{R}}&#10;\newcommand{\ex}{\mathbb{E}}&#10;\newcommand{\normal}{\mathcal{N}}&#10;\newcommand{\vor}{\mathcal{V}}&#10;\newcommand{\st}{\mid}&#10;\newcommand{\set}[1]{\left\{#1\right\}}&#10;\newcommand{\norm}[1]{\left\lVert #1\right\rVert}&#10;\newcommand{\rt}{\rightarrow}&#10;&#10;$k_2$&#10;&#10;\end{document}"/>
   <p:tag name="IGUANATEXSIZE" val="16"/>
   <p:tag name="IGUANATEXCURSOR" val="558"/>
-  <p:tag name="TRANSPARENCY" val="True"/>
-  <p:tag name="LATEXENGINEID" val="1"/>
-  <p:tag name="TEMPFOLDER" val="c:\temp\"/>
-  <p:tag name="LATEXFORMHEIGHT" val="424"/>
-  <p:tag name="LATEXFORMWIDTH" val="384"/>
-  <p:tag name="LATEXFORMWRAP" val="True"/>
-  <p:tag name="BITMAPVECTOR" val="0"/>
-</p:tagLst>
-</file>
-
-<file path=ppt/tags/tag35.xml><?xml version="1.0" encoding="utf-8"?>
-<p:tagLst xmlns:a="http://schemas.openxmlformats.org/drawingml/2006/main" xmlns:r="http://schemas.openxmlformats.org/officeDocument/2006/relationships" xmlns:p="http://schemas.openxmlformats.org/presentationml/2006/main">
-  <p:tag name="OUTPUTDPI" val="1200"/>
-  <p:tag name="ORIGINALHEIGHT" val="105.0146"/>
-  <p:tag name="ORIGINALWIDTH" val="102.0143"/>
-  <p:tag name="LATEXADDIN" val="\documentclass{article}&#10;\usepackage{amsmath, amssymb, amsthm}&#10;\usepackage{xcolor}&#10;\pagestyle{empty}&#10;\begin{document}&#10;\setlength\parindent{0pt}&#10;&#10;\newcommand{\argmin}{\operatornamewithlimits{argmin}}&#10;\newcommand{\argmax}{\operatornamewithlimits{argmax}}&#10;\newcommand{\rtwo}{\mathbb{R}^2}&#10;\newcommand{\rone}{\mathbb{R}}&#10;\newcommand{\ex}{\mathbb{E}}&#10;\newcommand{\normal}{\mathcal{N}}&#10;\newcommand{\vor}{\mathcal{V}}&#10;\newcommand{\st}{\mid}&#10;\newcommand{\set}[1]{\left\{#1\right\}}&#10;\newcommand{\norm}[1]{\left\lVert #1\right\rVert}&#10;\newcommand{\rt}{\rightarrow}&#10;&#10;$k_2$&#10;&#10;\end{document}"/>
-  <p:tag name="IGUANATEXSIZE" val="16"/>
-  <p:tag name="IGUANATEXCURSOR" val="558"/>
-  <p:tag name="TRANSPARENCY" val="True"/>
-  <p:tag name="LATEXENGINEID" val="1"/>
-  <p:tag name="TEMPFOLDER" val="c:\temp\"/>
-  <p:tag name="LATEXFORMHEIGHT" val="424"/>
-  <p:tag name="LATEXFORMWIDTH" val="384"/>
-  <p:tag name="LATEXFORMWRAP" val="True"/>
-  <p:tag name="BITMAPVECTOR" val="0"/>
-</p:tagLst>
-</file>
-
-<file path=ppt/tags/tag36.xml><?xml version="1.0" encoding="utf-8"?>
-<p:tagLst xmlns:a="http://schemas.openxmlformats.org/drawingml/2006/main" xmlns:r="http://schemas.openxmlformats.org/officeDocument/2006/relationships" xmlns:p="http://schemas.openxmlformats.org/presentationml/2006/main">
-  <p:tag name="OUTPUTDPI" val="1200"/>
-  <p:tag name="ORIGINALHEIGHT" val="105.0146"/>
-  <p:tag name="ORIGINALWIDTH" val="102.0143"/>
-  <p:tag name="LATEXADDIN" val="\documentclass{article}&#10;\usepackage{amsmath, amssymb, amsthm}&#10;\usepackage{xcolor}&#10;\pagestyle{empty}&#10;\begin{document}&#10;\setlength\parindent{0pt}&#10;&#10;\newcommand{\argmin}{\operatornamewithlimits{argmin}}&#10;\newcommand{\argmax}{\operatornamewithlimits{argmax}}&#10;\newcommand{\rtwo}{\mathbb{R}^2}&#10;\newcommand{\rone}{\mathbb{R}}&#10;\newcommand{\ex}{\mathbb{E}}&#10;\newcommand{\normal}{\mathcal{N}}&#10;\newcommand{\vor}{\mathcal{V}}&#10;\newcommand{\st}{\mid}&#10;\newcommand{\set}[1]{\left\{#1\right\}}&#10;\newcommand{\norm}[1]{\left\lVert #1\right\rVert}&#10;\newcommand{\rt}{\rightarrow}&#10;&#10;$k_2$&#10;&#10;\end{document}"/>
-  <p:tag name="IGUANATEXSIZE" val="16"/>
-  <p:tag name="IGUANATEXCURSOR" val="558"/>
-  <p:tag name="TRANSPARENCY" val="True"/>
-  <p:tag name="LATEXENGINEID" val="1"/>
-  <p:tag name="TEMPFOLDER" val="c:\temp\"/>
-  <p:tag name="LATEXFORMHEIGHT" val="424"/>
-  <p:tag name="LATEXFORMWIDTH" val="384"/>
-  <p:tag name="LATEXFORMWRAP" val="True"/>
-  <p:tag name="BITMAPVECTOR" val="0"/>
-</p:tagLst>
-</file>
-
-<file path=ppt/tags/tag37.xml><?xml version="1.0" encoding="utf-8"?>
-<p:tagLst xmlns:a="http://schemas.openxmlformats.org/drawingml/2006/main" xmlns:r="http://schemas.openxmlformats.org/officeDocument/2006/relationships" xmlns:p="http://schemas.openxmlformats.org/presentationml/2006/main">
-  <p:tag name="OUTPUTDPI" val="1200"/>
-  <p:tag name="ORIGINALHEIGHT" val="105.0146"/>
-  <p:tag name="ORIGINALWIDTH" val="102.0143"/>
-  <p:tag name="LATEXADDIN" val="\documentclass{article}&#10;\usepackage{amsmath, amssymb, amsthm}&#10;\usepackage{xcolor}&#10;\pagestyle{empty}&#10;\begin{document}&#10;\setlength\parindent{0pt}&#10;&#10;\newcommand{\argmin}{\operatornamewithlimits{argmin}}&#10;\newcommand{\argmax}{\operatornamewithlimits{argmax}}&#10;\newcommand{\rtwo}{\mathbb{R}^2}&#10;\newcommand{\rone}{\mathbb{R}}&#10;\newcommand{\ex}{\mathbb{E}}&#10;\newcommand{\normal}{\mathcal{N}}&#10;\newcommand{\vor}{\mathcal{V}}&#10;\newcommand{\st}{\mid}&#10;\newcommand{\set}[1]{\left\{#1\right\}}&#10;\newcommand{\norm}[1]{\left\lVert #1\right\rVert}&#10;\newcommand{\rt}{\rightarrow}&#10;&#10;$k_2$&#10;&#10;\end{document}"/>
-  <p:tag name="IGUANATEXSIZE" val="16"/>
-  <p:tag name="IGUANATEXCURSOR" val="558"/>
-  <p:tag name="TRANSPARENCY" val="True"/>
-  <p:tag name="LATEXENGINEID" val="1"/>
-  <p:tag name="TEMPFOLDER" val="c:\temp\"/>
-  <p:tag name="LATEXFORMHEIGHT" val="424"/>
-  <p:tag name="LATEXFORMWIDTH" val="384"/>
-  <p:tag name="LATEXFORMWRAP" val="True"/>
-  <p:tag name="BITMAPVECTOR" val="0"/>
-</p:tagLst>
-</file>
-
-<file path=ppt/tags/tag38.xml><?xml version="1.0" encoding="utf-8"?>
-<p:tagLst xmlns:a="http://schemas.openxmlformats.org/drawingml/2006/main" xmlns:r="http://schemas.openxmlformats.org/officeDocument/2006/relationships" xmlns:p="http://schemas.openxmlformats.org/presentationml/2006/main">
-  <p:tag name="OUTPUTDPI" val="1200"/>
-  <p:tag name="ORIGINALHEIGHT" val="87.76228"/>
-  <p:tag name="ORIGINALWIDTH" val="59.25827"/>
-  <p:tag name="LATEXADDIN" val="\documentclass{article}&#10;\usepackage{amsmath, amssymb, amsthm}&#10;\usepackage{xcolor}&#10;\pagestyle{empty}&#10;\begin{document}&#10;\setlength\parindent{0pt}&#10;&#10;\newcommand{\argmin}{\operatornamewithlimits{argmin}}&#10;\newcommand{\argmax}{\operatornamewithlimits{argmax}}&#10;\newcommand{\rtwo}{\mathbb{R}^2}&#10;\newcommand{\rone}{\mathbb{R}}&#10;\newcommand{\ex}{\mathbb{E}}&#10;\newcommand{\normal}{\mathcal{N}}&#10;\newcommand{\vor}{\mathcal{V}}&#10;\newcommand{\st}{\mid}&#10;\newcommand{\set}[1]{\left\{#1\right\}}&#10;\newcommand{\norm}[1]{\left\lVert #1\right\rVert}&#10;\newcommand{\rt}{\rightarrow}&#10;&#10;$d$&#10;&#10;\end{document}"/>
-  <p:tag name="IGUANATEXSIZE" val="16"/>
-  <p:tag name="IGUANATEXCURSOR" val="556"/>
-  <p:tag name="TRANSPARENCY" val="True"/>
-  <p:tag name="LATEXENGINEID" val="1"/>
-  <p:tag name="TEMPFOLDER" val="c:\temp\"/>
-  <p:tag name="LATEXFORMHEIGHT" val="424"/>
-  <p:tag name="LATEXFORMWIDTH" val="384"/>
-  <p:tag name="LATEXFORMWRAP" val="True"/>
-  <p:tag name="BITMAPVECTOR" val="0"/>
-</p:tagLst>
-</file>
-
-<file path=ppt/tags/tag39.xml><?xml version="1.0" encoding="utf-8"?>
-<p:tagLst xmlns:a="http://schemas.openxmlformats.org/drawingml/2006/main" xmlns:r="http://schemas.openxmlformats.org/officeDocument/2006/relationships" xmlns:p="http://schemas.openxmlformats.org/presentationml/2006/main">
-  <p:tag name="OUTPUTDPI" val="1200"/>
-  <p:tag name="ORIGINALHEIGHT" val="87.76228"/>
-  <p:tag name="ORIGINALWIDTH" val="59.25827"/>
-  <p:tag name="LATEXADDIN" val="\documentclass{article}&#10;\usepackage{amsmath, amssymb, amsthm}&#10;\usepackage{xcolor}&#10;\pagestyle{empty}&#10;\begin{document}&#10;\setlength\parindent{0pt}&#10;&#10;\newcommand{\argmin}{\operatornamewithlimits{argmin}}&#10;\newcommand{\argmax}{\operatornamewithlimits{argmax}}&#10;\newcommand{\rtwo}{\mathbb{R}^2}&#10;\newcommand{\rone}{\mathbb{R}}&#10;\newcommand{\ex}{\mathbb{E}}&#10;\newcommand{\normal}{\mathcal{N}}&#10;\newcommand{\vor}{\mathcal{V}}&#10;\newcommand{\st}{\mid}&#10;\newcommand{\set}[1]{\left\{#1\right\}}&#10;\newcommand{\norm}[1]{\left\lVert #1\right\rVert}&#10;\newcommand{\rt}{\rightarrow}&#10;&#10;$d$&#10;&#10;\end{document}"/>
-  <p:tag name="IGUANATEXSIZE" val="16"/>
-  <p:tag name="IGUANATEXCURSOR" val="556"/>
   <p:tag name="TRANSPARENCY" val="True"/>
   <p:tag name="LATEXENGINEID" val="1"/>
   <p:tag name="TEMPFOLDER" val="c:\temp\"/>
@@ -14329,6 +15753,96 @@
 </file>
 
 <file path=ppt/tags/tag40.xml><?xml version="1.0" encoding="utf-8"?>
+<p:tagLst xmlns:a="http://schemas.openxmlformats.org/drawingml/2006/main" xmlns:r="http://schemas.openxmlformats.org/officeDocument/2006/relationships" xmlns:p="http://schemas.openxmlformats.org/presentationml/2006/main">
+  <p:tag name="OUTPUTDPI" val="1200"/>
+  <p:tag name="ORIGINALHEIGHT" val="105.0146"/>
+  <p:tag name="ORIGINALWIDTH" val="102.0143"/>
+  <p:tag name="LATEXADDIN" val="\documentclass{article}&#10;\usepackage{amsmath, amssymb, amsthm}&#10;\usepackage{xcolor}&#10;\pagestyle{empty}&#10;\begin{document}&#10;\setlength\parindent{0pt}&#10;&#10;\newcommand{\argmin}{\operatornamewithlimits{argmin}}&#10;\newcommand{\argmax}{\operatornamewithlimits{argmax}}&#10;\newcommand{\rtwo}{\mathbb{R}^2}&#10;\newcommand{\rone}{\mathbb{R}}&#10;\newcommand{\ex}{\mathbb{E}}&#10;\newcommand{\normal}{\mathcal{N}}&#10;\newcommand{\vor}{\mathcal{V}}&#10;\newcommand{\st}{\mid}&#10;\newcommand{\set}[1]{\left\{#1\right\}}&#10;\newcommand{\norm}[1]{\left\lVert #1\right\rVert}&#10;\newcommand{\rt}{\rightarrow}&#10;&#10;$k_2$&#10;&#10;\end{document}"/>
+  <p:tag name="IGUANATEXSIZE" val="16"/>
+  <p:tag name="IGUANATEXCURSOR" val="558"/>
+  <p:tag name="TRANSPARENCY" val="True"/>
+  <p:tag name="LATEXENGINEID" val="1"/>
+  <p:tag name="TEMPFOLDER" val="c:\temp\"/>
+  <p:tag name="LATEXFORMHEIGHT" val="424"/>
+  <p:tag name="LATEXFORMWIDTH" val="384"/>
+  <p:tag name="LATEXFORMWRAP" val="True"/>
+  <p:tag name="BITMAPVECTOR" val="0"/>
+</p:tagLst>
+</file>
+
+<file path=ppt/tags/tag41.xml><?xml version="1.0" encoding="utf-8"?>
+<p:tagLst xmlns:a="http://schemas.openxmlformats.org/drawingml/2006/main" xmlns:r="http://schemas.openxmlformats.org/officeDocument/2006/relationships" xmlns:p="http://schemas.openxmlformats.org/presentationml/2006/main">
+  <p:tag name="OUTPUTDPI" val="1200"/>
+  <p:tag name="ORIGINALHEIGHT" val="105.0146"/>
+  <p:tag name="ORIGINALWIDTH" val="102.0143"/>
+  <p:tag name="LATEXADDIN" val="\documentclass{article}&#10;\usepackage{amsmath, amssymb, amsthm}&#10;\usepackage{xcolor}&#10;\pagestyle{empty}&#10;\begin{document}&#10;\setlength\parindent{0pt}&#10;&#10;\newcommand{\argmin}{\operatornamewithlimits{argmin}}&#10;\newcommand{\argmax}{\operatornamewithlimits{argmax}}&#10;\newcommand{\rtwo}{\mathbb{R}^2}&#10;\newcommand{\rone}{\mathbb{R}}&#10;\newcommand{\ex}{\mathbb{E}}&#10;\newcommand{\normal}{\mathcal{N}}&#10;\newcommand{\vor}{\mathcal{V}}&#10;\newcommand{\st}{\mid}&#10;\newcommand{\set}[1]{\left\{#1\right\}}&#10;\newcommand{\norm}[1]{\left\lVert #1\right\rVert}&#10;\newcommand{\rt}{\rightarrow}&#10;&#10;$k_2$&#10;&#10;\end{document}"/>
+  <p:tag name="IGUANATEXSIZE" val="16"/>
+  <p:tag name="IGUANATEXCURSOR" val="558"/>
+  <p:tag name="TRANSPARENCY" val="True"/>
+  <p:tag name="LATEXENGINEID" val="1"/>
+  <p:tag name="TEMPFOLDER" val="c:\temp\"/>
+  <p:tag name="LATEXFORMHEIGHT" val="424"/>
+  <p:tag name="LATEXFORMWIDTH" val="384"/>
+  <p:tag name="LATEXFORMWRAP" val="True"/>
+  <p:tag name="BITMAPVECTOR" val="0"/>
+</p:tagLst>
+</file>
+
+<file path=ppt/tags/tag42.xml><?xml version="1.0" encoding="utf-8"?>
+<p:tagLst xmlns:a="http://schemas.openxmlformats.org/drawingml/2006/main" xmlns:r="http://schemas.openxmlformats.org/officeDocument/2006/relationships" xmlns:p="http://schemas.openxmlformats.org/presentationml/2006/main">
+  <p:tag name="OUTPUTDPI" val="1200"/>
+  <p:tag name="ORIGINALHEIGHT" val="105.0146"/>
+  <p:tag name="ORIGINALWIDTH" val="102.0143"/>
+  <p:tag name="LATEXADDIN" val="\documentclass{article}&#10;\usepackage{amsmath, amssymb, amsthm}&#10;\usepackage{xcolor}&#10;\pagestyle{empty}&#10;\begin{document}&#10;\setlength\parindent{0pt}&#10;&#10;\newcommand{\argmin}{\operatornamewithlimits{argmin}}&#10;\newcommand{\argmax}{\operatornamewithlimits{argmax}}&#10;\newcommand{\rtwo}{\mathbb{R}^2}&#10;\newcommand{\rone}{\mathbb{R}}&#10;\newcommand{\ex}{\mathbb{E}}&#10;\newcommand{\normal}{\mathcal{N}}&#10;\newcommand{\vor}{\mathcal{V}}&#10;\newcommand{\st}{\mid}&#10;\newcommand{\set}[1]{\left\{#1\right\}}&#10;\newcommand{\norm}[1]{\left\lVert #1\right\rVert}&#10;\newcommand{\rt}{\rightarrow}&#10;&#10;$k_2$&#10;&#10;\end{document}"/>
+  <p:tag name="IGUANATEXSIZE" val="16"/>
+  <p:tag name="IGUANATEXCURSOR" val="558"/>
+  <p:tag name="TRANSPARENCY" val="True"/>
+  <p:tag name="LATEXENGINEID" val="1"/>
+  <p:tag name="TEMPFOLDER" val="c:\temp\"/>
+  <p:tag name="LATEXFORMHEIGHT" val="424"/>
+  <p:tag name="LATEXFORMWIDTH" val="384"/>
+  <p:tag name="LATEXFORMWRAP" val="True"/>
+  <p:tag name="BITMAPVECTOR" val="0"/>
+</p:tagLst>
+</file>
+
+<file path=ppt/tags/tag43.xml><?xml version="1.0" encoding="utf-8"?>
+<p:tagLst xmlns:a="http://schemas.openxmlformats.org/drawingml/2006/main" xmlns:r="http://schemas.openxmlformats.org/officeDocument/2006/relationships" xmlns:p="http://schemas.openxmlformats.org/presentationml/2006/main">
+  <p:tag name="OUTPUTDPI" val="1200"/>
+  <p:tag name="ORIGINALHEIGHT" val="87.76228"/>
+  <p:tag name="ORIGINALWIDTH" val="59.25827"/>
+  <p:tag name="LATEXADDIN" val="\documentclass{article}&#10;\usepackage{amsmath, amssymb, amsthm}&#10;\usepackage{xcolor}&#10;\pagestyle{empty}&#10;\begin{document}&#10;\setlength\parindent{0pt}&#10;&#10;\newcommand{\argmin}{\operatornamewithlimits{argmin}}&#10;\newcommand{\argmax}{\operatornamewithlimits{argmax}}&#10;\newcommand{\rtwo}{\mathbb{R}^2}&#10;\newcommand{\rone}{\mathbb{R}}&#10;\newcommand{\ex}{\mathbb{E}}&#10;\newcommand{\normal}{\mathcal{N}}&#10;\newcommand{\vor}{\mathcal{V}}&#10;\newcommand{\st}{\mid}&#10;\newcommand{\set}[1]{\left\{#1\right\}}&#10;\newcommand{\norm}[1]{\left\lVert #1\right\rVert}&#10;\newcommand{\rt}{\rightarrow}&#10;&#10;$d$&#10;&#10;\end{document}"/>
+  <p:tag name="IGUANATEXSIZE" val="16"/>
+  <p:tag name="IGUANATEXCURSOR" val="556"/>
+  <p:tag name="TRANSPARENCY" val="True"/>
+  <p:tag name="LATEXENGINEID" val="1"/>
+  <p:tag name="TEMPFOLDER" val="c:\temp\"/>
+  <p:tag name="LATEXFORMHEIGHT" val="424"/>
+  <p:tag name="LATEXFORMWIDTH" val="384"/>
+  <p:tag name="LATEXFORMWRAP" val="True"/>
+  <p:tag name="BITMAPVECTOR" val="0"/>
+</p:tagLst>
+</file>
+
+<file path=ppt/tags/tag44.xml><?xml version="1.0" encoding="utf-8"?>
+<p:tagLst xmlns:a="http://schemas.openxmlformats.org/drawingml/2006/main" xmlns:r="http://schemas.openxmlformats.org/officeDocument/2006/relationships" xmlns:p="http://schemas.openxmlformats.org/presentationml/2006/main">
+  <p:tag name="OUTPUTDPI" val="1200"/>
+  <p:tag name="ORIGINALHEIGHT" val="87.76228"/>
+  <p:tag name="ORIGINALWIDTH" val="59.25827"/>
+  <p:tag name="LATEXADDIN" val="\documentclass{article}&#10;\usepackage{amsmath, amssymb, amsthm}&#10;\usepackage{xcolor}&#10;\pagestyle{empty}&#10;\begin{document}&#10;\setlength\parindent{0pt}&#10;&#10;\newcommand{\argmin}{\operatornamewithlimits{argmin}}&#10;\newcommand{\argmax}{\operatornamewithlimits{argmax}}&#10;\newcommand{\rtwo}{\mathbb{R}^2}&#10;\newcommand{\rone}{\mathbb{R}}&#10;\newcommand{\ex}{\mathbb{E}}&#10;\newcommand{\normal}{\mathcal{N}}&#10;\newcommand{\vor}{\mathcal{V}}&#10;\newcommand{\st}{\mid}&#10;\newcommand{\set}[1]{\left\{#1\right\}}&#10;\newcommand{\norm}[1]{\left\lVert #1\right\rVert}&#10;\newcommand{\rt}{\rightarrow}&#10;&#10;$d$&#10;&#10;\end{document}"/>
+  <p:tag name="IGUANATEXSIZE" val="16"/>
+  <p:tag name="IGUANATEXCURSOR" val="556"/>
+  <p:tag name="TRANSPARENCY" val="True"/>
+  <p:tag name="LATEXENGINEID" val="1"/>
+  <p:tag name="TEMPFOLDER" val="c:\temp\"/>
+  <p:tag name="LATEXFORMHEIGHT" val="424"/>
+  <p:tag name="LATEXFORMWIDTH" val="384"/>
+  <p:tag name="LATEXFORMWRAP" val="True"/>
+  <p:tag name="BITMAPVECTOR" val="0"/>
+</p:tagLst>
+</file>
+
+<file path=ppt/tags/tag45.xml><?xml version="1.0" encoding="utf-8"?>
 <p:tagLst xmlns:a="http://schemas.openxmlformats.org/drawingml/2006/main" xmlns:r="http://schemas.openxmlformats.org/officeDocument/2006/relationships" xmlns:p="http://schemas.openxmlformats.org/presentationml/2006/main">
   <p:tag name="OUTPUTDPI" val="1200"/>
   <p:tag name="ORIGINALHEIGHT" val="89.26244"/>

--- a/figs/architectures.pptx
+++ b/figs/architectures.pptx
@@ -6699,7 +6699,7 @@
               <a:avLst/>
             </a:prstGeom>
             <a:solidFill>
-              <a:srgbClr val="FFFF00"/>
+              <a:srgbClr val="00FFFF"/>
             </a:solidFill>
             <a:ln>
               <a:noFill/>
@@ -10130,10 +10130,10 @@
       </p:grpSpPr>
       <p:grpSp>
         <p:nvGrpSpPr>
-          <p:cNvPr id="11" name="Group 10">
+          <p:cNvPr id="2" name="Group 1">
             <a:extLst>
               <a:ext uri="{FF2B5EF4-FFF2-40B4-BE49-F238E27FC236}">
-                <a16:creationId xmlns:a16="http://schemas.microsoft.com/office/drawing/2014/main" id="{637A1F73-AAE6-4957-B17E-6A458F3EBEB5}"/>
+                <a16:creationId xmlns:a16="http://schemas.microsoft.com/office/drawing/2014/main" id="{815F98E6-CE33-4B00-9908-CBD528CD0B2A}"/>
               </a:ext>
             </a:extLst>
           </p:cNvPr>
@@ -10142,10 +10142,10 @@
         </p:nvGrpSpPr>
         <p:grpSpPr>
           <a:xfrm>
-            <a:off x="954966" y="853440"/>
-            <a:ext cx="10744510" cy="9464040"/>
-            <a:chOff x="954966" y="853440"/>
-            <a:chExt cx="10744510" cy="9464040"/>
+            <a:off x="871597" y="853440"/>
+            <a:ext cx="10922236" cy="9464040"/>
+            <a:chOff x="871597" y="853440"/>
+            <a:chExt cx="10922236" cy="9464040"/>
           </a:xfrm>
         </p:grpSpPr>
         <p:sp>
@@ -10162,8 +10162,8 @@
           </p:nvSpPr>
           <p:spPr>
             <a:xfrm>
-              <a:off x="954966" y="853440"/>
-              <a:ext cx="10744510" cy="9464040"/>
+              <a:off x="871597" y="853440"/>
+              <a:ext cx="10922236" cy="9464040"/>
             </a:xfrm>
             <a:prstGeom prst="rect">
               <a:avLst/>
@@ -10200,3481 +10200,3334 @@
             </a:p>
           </p:txBody>
         </p:sp>
-        <p:grpSp>
-          <p:nvGrpSpPr>
-            <p:cNvPr id="7" name="Group 6">
+        <p:sp>
+          <p:nvSpPr>
+            <p:cNvPr id="5" name="Rectangle 4">
               <a:extLst>
                 <a:ext uri="{FF2B5EF4-FFF2-40B4-BE49-F238E27FC236}">
-                  <a16:creationId xmlns:a16="http://schemas.microsoft.com/office/drawing/2014/main" id="{AC4BC9CF-6F50-45FA-A3CB-DA6B21C878DA}"/>
+                  <a16:creationId xmlns:a16="http://schemas.microsoft.com/office/drawing/2014/main" id="{4C314C17-7D9F-4679-BB52-3B92E03E5AD9}"/>
                 </a:ext>
               </a:extLst>
             </p:cNvPr>
-            <p:cNvGrpSpPr/>
+            <p:cNvSpPr/>
             <p:nvPr/>
-          </p:nvGrpSpPr>
-          <p:grpSpPr>
+          </p:nvSpPr>
+          <p:spPr>
+            <a:xfrm rot="16200000">
+              <a:off x="1624215" y="8585389"/>
+              <a:ext cx="1556548" cy="174103"/>
+            </a:xfrm>
+            <a:prstGeom prst="rect">
+              <a:avLst/>
+            </a:prstGeom>
+            <a:solidFill>
+              <a:srgbClr val="FF00FF"/>
+            </a:solidFill>
+            <a:ln>
+              <a:noFill/>
+            </a:ln>
+          </p:spPr>
+          <p:style>
+            <a:lnRef idx="2">
+              <a:schemeClr val="accent1">
+                <a:shade val="50000"/>
+              </a:schemeClr>
+            </a:lnRef>
+            <a:fillRef idx="1">
+              <a:schemeClr val="accent1"/>
+            </a:fillRef>
+            <a:effectRef idx="0">
+              <a:schemeClr val="accent1"/>
+            </a:effectRef>
+            <a:fontRef idx="minor">
+              <a:schemeClr val="lt1"/>
+            </a:fontRef>
+          </p:style>
+          <p:txBody>
+            <a:bodyPr rtlCol="0" anchor="ctr"/>
+            <a:lstStyle/>
+            <a:p>
+              <a:pPr algn="ctr"/>
+              <a:r>
+                <a:rPr lang="en-US" sz="1200" dirty="0">
+                  <a:solidFill>
+                    <a:schemeClr val="tx1"/>
+                  </a:solidFill>
+                  <a:latin typeface="DejaVu Sans" panose="020B0603030804020204" pitchFamily="34" charset="0"/>
+                  <a:ea typeface="DejaVu Sans" panose="020B0603030804020204" pitchFamily="34" charset="0"/>
+                  <a:cs typeface="DejaVu Sans" panose="020B0603030804020204" pitchFamily="34" charset="0"/>
+                </a:rPr>
+                <a:t>Conv</a:t>
+              </a:r>
+            </a:p>
+          </p:txBody>
+        </p:sp>
+        <p:sp>
+          <p:nvSpPr>
+            <p:cNvPr id="6" name="Rectangle 5">
+              <a:extLst>
+                <a:ext uri="{FF2B5EF4-FFF2-40B4-BE49-F238E27FC236}">
+                  <a16:creationId xmlns:a16="http://schemas.microsoft.com/office/drawing/2014/main" id="{BB5421BE-E655-4117-BD1D-12CC982CF853}"/>
+                </a:ext>
+              </a:extLst>
+            </p:cNvPr>
+            <p:cNvSpPr/>
+            <p:nvPr/>
+          </p:nvSpPr>
+          <p:spPr>
+            <a:xfrm rot="16200000">
+              <a:off x="1858954" y="8585389"/>
+              <a:ext cx="1556548" cy="174103"/>
+            </a:xfrm>
+            <a:prstGeom prst="rect">
+              <a:avLst/>
+            </a:prstGeom>
+            <a:solidFill>
+              <a:srgbClr val="00FFFF"/>
+            </a:solidFill>
+            <a:ln>
+              <a:noFill/>
+            </a:ln>
+          </p:spPr>
+          <p:style>
+            <a:lnRef idx="2">
+              <a:schemeClr val="accent1">
+                <a:shade val="50000"/>
+              </a:schemeClr>
+            </a:lnRef>
+            <a:fillRef idx="1">
+              <a:schemeClr val="accent1"/>
+            </a:fillRef>
+            <a:effectRef idx="0">
+              <a:schemeClr val="accent1"/>
+            </a:effectRef>
+            <a:fontRef idx="minor">
+              <a:schemeClr val="lt1"/>
+            </a:fontRef>
+          </p:style>
+          <p:txBody>
+            <a:bodyPr rtlCol="0" anchor="ctr"/>
+            <a:lstStyle/>
+            <a:p>
+              <a:pPr algn="ctr"/>
+              <a:r>
+                <a:rPr lang="en-US" sz="1200" dirty="0">
+                  <a:solidFill>
+                    <a:schemeClr val="tx1"/>
+                  </a:solidFill>
+                  <a:latin typeface="DejaVu Sans" panose="020B0603030804020204" pitchFamily="34" charset="0"/>
+                  <a:ea typeface="DejaVu Sans" panose="020B0603030804020204" pitchFamily="34" charset="0"/>
+                  <a:cs typeface="DejaVu Sans" panose="020B0603030804020204" pitchFamily="34" charset="0"/>
+                </a:rPr>
+                <a:t>PReLU</a:t>
+              </a:r>
+            </a:p>
+          </p:txBody>
+        </p:sp>
+        <p:cxnSp>
+          <p:nvCxnSpPr>
+            <p:cNvPr id="12" name="Straight Arrow Connector 11">
+              <a:extLst>
+                <a:ext uri="{FF2B5EF4-FFF2-40B4-BE49-F238E27FC236}">
+                  <a16:creationId xmlns:a16="http://schemas.microsoft.com/office/drawing/2014/main" id="{0EDA0DAF-DF58-4BC7-927A-8B04084726D8}"/>
+                </a:ext>
+              </a:extLst>
+            </p:cNvPr>
+            <p:cNvCxnSpPr/>
+            <p:nvPr/>
+          </p:nvCxnSpPr>
+          <p:spPr>
+            <a:xfrm flipV="1">
+              <a:off x="2725662" y="8672437"/>
+              <a:ext cx="158276" cy="1"/>
+            </a:xfrm>
+            <a:prstGeom prst="straightConnector1">
+              <a:avLst/>
+            </a:prstGeom>
+            <a:ln w="38100">
+              <a:solidFill>
+                <a:schemeClr val="tx1"/>
+              </a:solidFill>
+              <a:tailEnd type="triangle"/>
+            </a:ln>
+          </p:spPr>
+          <p:style>
+            <a:lnRef idx="1">
+              <a:schemeClr val="accent1"/>
+            </a:lnRef>
+            <a:fillRef idx="0">
+              <a:schemeClr val="accent1"/>
+            </a:fillRef>
+            <a:effectRef idx="0">
+              <a:schemeClr val="accent1"/>
+            </a:effectRef>
+            <a:fontRef idx="minor">
+              <a:schemeClr val="tx1"/>
+            </a:fontRef>
+          </p:style>
+        </p:cxnSp>
+        <p:cxnSp>
+          <p:nvCxnSpPr>
+            <p:cNvPr id="16" name="Straight Arrow Connector 15">
+              <a:extLst>
+                <a:ext uri="{FF2B5EF4-FFF2-40B4-BE49-F238E27FC236}">
+                  <a16:creationId xmlns:a16="http://schemas.microsoft.com/office/drawing/2014/main" id="{2B0B034B-0C1B-4285-9838-179272BBAE72}"/>
+                </a:ext>
+              </a:extLst>
+            </p:cNvPr>
+            <p:cNvCxnSpPr>
+              <a:cxnSpLocks/>
+            </p:cNvCxnSpPr>
+            <p:nvPr/>
+          </p:nvCxnSpPr>
+          <p:spPr>
             <a:xfrm>
-              <a:off x="954966" y="7177784"/>
-              <a:ext cx="10744510" cy="2877898"/>
-              <a:chOff x="3561370" y="4872175"/>
-              <a:chExt cx="10744510" cy="2877898"/>
+              <a:off x="1907231" y="8672436"/>
+              <a:ext cx="291699" cy="0"/>
             </a:xfrm>
-          </p:grpSpPr>
-          <p:sp>
-            <p:nvSpPr>
-              <p:cNvPr id="5" name="Rectangle 4">
-                <a:extLst>
-                  <a:ext uri="{FF2B5EF4-FFF2-40B4-BE49-F238E27FC236}">
-                    <a16:creationId xmlns:a16="http://schemas.microsoft.com/office/drawing/2014/main" id="{4C314C17-7D9F-4679-BB52-3B92E03E5AD9}"/>
-                  </a:ext>
-                </a:extLst>
-              </p:cNvPr>
-              <p:cNvSpPr/>
-              <p:nvPr/>
-            </p:nvSpPr>
-            <p:spPr>
-              <a:xfrm rot="16200000">
-                <a:off x="4230619" y="6279780"/>
-                <a:ext cx="1556548" cy="174103"/>
-              </a:xfrm>
-              <a:prstGeom prst="rect">
-                <a:avLst/>
-              </a:prstGeom>
+            <a:prstGeom prst="straightConnector1">
+              <a:avLst/>
+            </a:prstGeom>
+            <a:ln w="38100">
               <a:solidFill>
-                <a:srgbClr val="FF00FF"/>
+                <a:schemeClr val="tx1"/>
               </a:solidFill>
-              <a:ln>
-                <a:noFill/>
-              </a:ln>
-            </p:spPr>
-            <p:style>
-              <a:lnRef idx="2">
-                <a:schemeClr val="accent1">
-                  <a:shade val="50000"/>
-                </a:schemeClr>
-              </a:lnRef>
-              <a:fillRef idx="1">
-                <a:schemeClr val="accent1"/>
-              </a:fillRef>
-              <a:effectRef idx="0">
-                <a:schemeClr val="accent1"/>
-              </a:effectRef>
-              <a:fontRef idx="minor">
-                <a:schemeClr val="lt1"/>
-              </a:fontRef>
-            </p:style>
-            <p:txBody>
-              <a:bodyPr rtlCol="0" anchor="ctr"/>
-              <a:lstStyle/>
-              <a:p>
-                <a:pPr algn="ctr"/>
-                <a:r>
-                  <a:rPr lang="en-US" sz="1200" dirty="0">
-                    <a:solidFill>
-                      <a:schemeClr val="tx1"/>
-                    </a:solidFill>
-                    <a:latin typeface="DejaVu Sans" panose="020B0603030804020204" pitchFamily="34" charset="0"/>
-                    <a:ea typeface="DejaVu Sans" panose="020B0603030804020204" pitchFamily="34" charset="0"/>
-                    <a:cs typeface="DejaVu Sans" panose="020B0603030804020204" pitchFamily="34" charset="0"/>
-                  </a:rPr>
-                  <a:t>Conv</a:t>
-                </a:r>
-              </a:p>
-            </p:txBody>
-          </p:sp>
-          <p:sp>
-            <p:nvSpPr>
-              <p:cNvPr id="6" name="Rectangle 5">
-                <a:extLst>
-                  <a:ext uri="{FF2B5EF4-FFF2-40B4-BE49-F238E27FC236}">
-                    <a16:creationId xmlns:a16="http://schemas.microsoft.com/office/drawing/2014/main" id="{BB5421BE-E655-4117-BD1D-12CC982CF853}"/>
-                  </a:ext>
-                </a:extLst>
-              </p:cNvPr>
-              <p:cNvSpPr/>
-              <p:nvPr/>
-            </p:nvSpPr>
-            <p:spPr>
-              <a:xfrm rot="16200000">
-                <a:off x="4465358" y="6279780"/>
-                <a:ext cx="1556548" cy="174103"/>
-              </a:xfrm>
-              <a:prstGeom prst="rect">
-                <a:avLst/>
-              </a:prstGeom>
+              <a:tailEnd type="triangle"/>
+            </a:ln>
+          </p:spPr>
+          <p:style>
+            <a:lnRef idx="1">
+              <a:schemeClr val="accent1"/>
+            </a:lnRef>
+            <a:fillRef idx="0">
+              <a:schemeClr val="accent1"/>
+            </a:fillRef>
+            <a:effectRef idx="0">
+              <a:schemeClr val="accent1"/>
+            </a:effectRef>
+            <a:fontRef idx="minor">
+              <a:schemeClr val="tx1"/>
+            </a:fontRef>
+          </p:style>
+        </p:cxnSp>
+        <p:sp>
+          <p:nvSpPr>
+            <p:cNvPr id="20" name="TextBox 19">
+              <a:extLst>
+                <a:ext uri="{FF2B5EF4-FFF2-40B4-BE49-F238E27FC236}">
+                  <a16:creationId xmlns:a16="http://schemas.microsoft.com/office/drawing/2014/main" id="{BD48993C-F3D0-4F91-839E-033B6199FBF2}"/>
+                </a:ext>
+              </a:extLst>
+            </p:cNvPr>
+            <p:cNvSpPr txBox="1"/>
+            <p:nvPr/>
+          </p:nvSpPr>
+          <p:spPr>
+            <a:xfrm>
+              <a:off x="954966" y="8524404"/>
+              <a:ext cx="1045595" cy="461665"/>
+            </a:xfrm>
+            <a:prstGeom prst="rect">
+              <a:avLst/>
+            </a:prstGeom>
+            <a:noFill/>
+          </p:spPr>
+          <p:txBody>
+            <a:bodyPr wrap="square" rtlCol="0">
+              <a:spAutoFit/>
+            </a:bodyPr>
+            <a:lstStyle/>
+            <a:p>
+              <a:pPr algn="ctr"/>
+              <a:r>
+                <a:rPr lang="en-US" sz="1200" dirty="0">
+                  <a:latin typeface="DejaVu Sans" panose="020B0603030804020204" pitchFamily="34" charset="0"/>
+                  <a:ea typeface="DejaVu Sans" panose="020B0603030804020204" pitchFamily="34" charset="0"/>
+                  <a:cs typeface="DejaVu Sans" panose="020B0603030804020204" pitchFamily="34" charset="0"/>
+                </a:rPr>
+                <a:t>LR Patch</a:t>
+              </a:r>
+            </a:p>
+            <a:p>
+              <a:pPr algn="ctr"/>
+              <a:r>
+                <a:rPr lang="en-US" sz="1200" dirty="0">
+                  <a:latin typeface="DejaVu Sans" panose="020B0603030804020204" pitchFamily="34" charset="0"/>
+                  <a:ea typeface="DejaVu Sans" panose="020B0603030804020204" pitchFamily="34" charset="0"/>
+                  <a:cs typeface="DejaVu Sans" panose="020B0603030804020204" pitchFamily="34" charset="0"/>
+                </a:rPr>
+                <a:t>2x64x64</a:t>
+              </a:r>
+            </a:p>
+          </p:txBody>
+        </p:sp>
+        <p:sp>
+          <p:nvSpPr>
+            <p:cNvPr id="25" name="Oval 24">
+              <a:extLst>
+                <a:ext uri="{FF2B5EF4-FFF2-40B4-BE49-F238E27FC236}">
+                  <a16:creationId xmlns:a16="http://schemas.microsoft.com/office/drawing/2014/main" id="{1C59870A-B308-4D34-9A51-936851F45642}"/>
+                </a:ext>
+              </a:extLst>
+            </p:cNvPr>
+            <p:cNvSpPr/>
+            <p:nvPr/>
+          </p:nvSpPr>
+          <p:spPr>
+            <a:xfrm>
+              <a:off x="5883594" y="8551095"/>
+              <a:ext cx="242689" cy="242689"/>
+            </a:xfrm>
+            <a:prstGeom prst="ellipse">
+              <a:avLst/>
+            </a:prstGeom>
+            <a:noFill/>
+            <a:ln>
               <a:solidFill>
-                <a:srgbClr val="00FFFF"/>
+                <a:schemeClr val="tx1"/>
               </a:solidFill>
-              <a:ln>
-                <a:noFill/>
-              </a:ln>
-            </p:spPr>
-            <p:style>
-              <a:lnRef idx="2">
-                <a:schemeClr val="accent1">
-                  <a:shade val="50000"/>
-                </a:schemeClr>
-              </a:lnRef>
-              <a:fillRef idx="1">
-                <a:schemeClr val="accent1"/>
-              </a:fillRef>
-              <a:effectRef idx="0">
-                <a:schemeClr val="accent1"/>
-              </a:effectRef>
-              <a:fontRef idx="minor">
-                <a:schemeClr val="lt1"/>
-              </a:fontRef>
-            </p:style>
-            <p:txBody>
-              <a:bodyPr rtlCol="0" anchor="ctr"/>
-              <a:lstStyle/>
-              <a:p>
-                <a:pPr algn="ctr"/>
-                <a:r>
-                  <a:rPr lang="en-US" sz="1200" dirty="0">
-                    <a:solidFill>
-                      <a:schemeClr val="tx1"/>
-                    </a:solidFill>
-                    <a:latin typeface="DejaVu Sans" panose="020B0603030804020204" pitchFamily="34" charset="0"/>
-                    <a:ea typeface="DejaVu Sans" panose="020B0603030804020204" pitchFamily="34" charset="0"/>
-                    <a:cs typeface="DejaVu Sans" panose="020B0603030804020204" pitchFamily="34" charset="0"/>
-                  </a:rPr>
-                  <a:t>PReLU</a:t>
-                </a:r>
-              </a:p>
-            </p:txBody>
-          </p:sp>
-          <p:cxnSp>
-            <p:nvCxnSpPr>
-              <p:cNvPr id="12" name="Straight Arrow Connector 11">
-                <a:extLst>
-                  <a:ext uri="{FF2B5EF4-FFF2-40B4-BE49-F238E27FC236}">
-                    <a16:creationId xmlns:a16="http://schemas.microsoft.com/office/drawing/2014/main" id="{0EDA0DAF-DF58-4BC7-927A-8B04084726D8}"/>
-                  </a:ext>
-                </a:extLst>
-              </p:cNvPr>
-              <p:cNvCxnSpPr/>
-              <p:nvPr/>
-            </p:nvCxnSpPr>
-            <p:spPr>
-              <a:xfrm flipV="1">
-                <a:off x="5332066" y="6366828"/>
-                <a:ext cx="158276" cy="1"/>
-              </a:xfrm>
-              <a:prstGeom prst="straightConnector1">
-                <a:avLst/>
-              </a:prstGeom>
-              <a:ln w="38100">
-                <a:solidFill>
-                  <a:schemeClr val="tx1"/>
-                </a:solidFill>
-                <a:tailEnd type="triangle"/>
-              </a:ln>
-            </p:spPr>
-            <p:style>
-              <a:lnRef idx="1">
-                <a:schemeClr val="accent1"/>
-              </a:lnRef>
-              <a:fillRef idx="0">
-                <a:schemeClr val="accent1"/>
-              </a:fillRef>
-              <a:effectRef idx="0">
-                <a:schemeClr val="accent1"/>
-              </a:effectRef>
-              <a:fontRef idx="minor">
+            </a:ln>
+          </p:spPr>
+          <p:style>
+            <a:lnRef idx="2">
+              <a:schemeClr val="accent1">
+                <a:shade val="50000"/>
+              </a:schemeClr>
+            </a:lnRef>
+            <a:fillRef idx="1">
+              <a:schemeClr val="accent1"/>
+            </a:fillRef>
+            <a:effectRef idx="0">
+              <a:schemeClr val="accent1"/>
+            </a:effectRef>
+            <a:fontRef idx="minor">
+              <a:schemeClr val="lt1"/>
+            </a:fontRef>
+          </p:style>
+          <p:txBody>
+            <a:bodyPr rtlCol="0" anchor="ctr"/>
+            <a:lstStyle/>
+            <a:p>
+              <a:pPr algn="ctr"/>
+              <a:r>
+                <a:rPr lang="en-US" sz="1200" dirty="0">
+                  <a:solidFill>
+                    <a:schemeClr val="tx1"/>
+                  </a:solidFill>
+                  <a:latin typeface="DejaVu Sans" panose="020B0603030804020204" pitchFamily="34" charset="0"/>
+                  <a:ea typeface="DejaVu Sans" panose="020B0603030804020204" pitchFamily="34" charset="0"/>
+                  <a:cs typeface="DejaVu Sans" panose="020B0603030804020204" pitchFamily="34" charset="0"/>
+                </a:rPr>
+                <a:t>+</a:t>
+              </a:r>
+            </a:p>
+          </p:txBody>
+        </p:sp>
+        <p:cxnSp>
+          <p:nvCxnSpPr>
+            <p:cNvPr id="31" name="Straight Arrow Connector 30">
+              <a:extLst>
+                <a:ext uri="{FF2B5EF4-FFF2-40B4-BE49-F238E27FC236}">
+                  <a16:creationId xmlns:a16="http://schemas.microsoft.com/office/drawing/2014/main" id="{ED159E46-82CD-41F7-AD0B-39F1CE38E739}"/>
+                </a:ext>
+              </a:extLst>
+            </p:cNvPr>
+            <p:cNvCxnSpPr>
+              <a:cxnSpLocks/>
+            </p:cNvCxnSpPr>
+            <p:nvPr/>
+          </p:nvCxnSpPr>
+          <p:spPr>
+            <a:xfrm flipV="1">
+              <a:off x="6116609" y="8672441"/>
+              <a:ext cx="446343" cy="1"/>
+            </a:xfrm>
+            <a:prstGeom prst="straightConnector1">
+              <a:avLst/>
+            </a:prstGeom>
+            <a:ln w="38100">
+              <a:solidFill>
                 <a:schemeClr val="tx1"/>
-              </a:fontRef>
-            </p:style>
-          </p:cxnSp>
-          <p:cxnSp>
-            <p:nvCxnSpPr>
-              <p:cNvPr id="16" name="Straight Arrow Connector 15">
-                <a:extLst>
-                  <a:ext uri="{FF2B5EF4-FFF2-40B4-BE49-F238E27FC236}">
-                    <a16:creationId xmlns:a16="http://schemas.microsoft.com/office/drawing/2014/main" id="{2B0B034B-0C1B-4285-9838-179272BBAE72}"/>
-                  </a:ext>
-                </a:extLst>
-              </p:cNvPr>
-              <p:cNvCxnSpPr>
-                <a:cxnSpLocks/>
-              </p:cNvCxnSpPr>
-              <p:nvPr/>
-            </p:nvCxnSpPr>
-            <p:spPr>
-              <a:xfrm>
-                <a:off x="4513635" y="6366827"/>
-                <a:ext cx="291699" cy="0"/>
-              </a:xfrm>
-              <a:prstGeom prst="straightConnector1">
-                <a:avLst/>
-              </a:prstGeom>
-              <a:ln w="38100">
-                <a:solidFill>
-                  <a:schemeClr val="tx1"/>
-                </a:solidFill>
-                <a:tailEnd type="triangle"/>
-              </a:ln>
-            </p:spPr>
-            <p:style>
-              <a:lnRef idx="1">
-                <a:schemeClr val="accent1"/>
-              </a:lnRef>
-              <a:fillRef idx="0">
-                <a:schemeClr val="accent1"/>
-              </a:fillRef>
-              <a:effectRef idx="0">
-                <a:schemeClr val="accent1"/>
-              </a:effectRef>
-              <a:fontRef idx="minor">
+              </a:solidFill>
+              <a:tailEnd type="triangle"/>
+            </a:ln>
+          </p:spPr>
+          <p:style>
+            <a:lnRef idx="1">
+              <a:schemeClr val="accent1"/>
+            </a:lnRef>
+            <a:fillRef idx="0">
+              <a:schemeClr val="accent1"/>
+            </a:fillRef>
+            <a:effectRef idx="0">
+              <a:schemeClr val="accent1"/>
+            </a:effectRef>
+            <a:fontRef idx="minor">
+              <a:schemeClr val="tx1"/>
+            </a:fontRef>
+          </p:style>
+        </p:cxnSp>
+        <p:cxnSp>
+          <p:nvCxnSpPr>
+            <p:cNvPr id="32" name="Straight Arrow Connector 31">
+              <a:extLst>
+                <a:ext uri="{FF2B5EF4-FFF2-40B4-BE49-F238E27FC236}">
+                  <a16:creationId xmlns:a16="http://schemas.microsoft.com/office/drawing/2014/main" id="{F7F9F711-929E-4BD0-B444-70E5D2E7C32C}"/>
+                </a:ext>
+              </a:extLst>
+            </p:cNvPr>
+            <p:cNvCxnSpPr>
+              <a:cxnSpLocks/>
+            </p:cNvCxnSpPr>
+            <p:nvPr/>
+          </p:nvCxnSpPr>
+          <p:spPr>
+            <a:xfrm>
+              <a:off x="3699455" y="8672437"/>
+              <a:ext cx="898149" cy="0"/>
+            </a:xfrm>
+            <a:prstGeom prst="straightConnector1">
+              <a:avLst/>
+            </a:prstGeom>
+            <a:ln w="38100">
+              <a:solidFill>
                 <a:schemeClr val="tx1"/>
-              </a:fontRef>
-            </p:style>
-          </p:cxnSp>
-          <p:sp>
-            <p:nvSpPr>
-              <p:cNvPr id="20" name="TextBox 19">
-                <a:extLst>
-                  <a:ext uri="{FF2B5EF4-FFF2-40B4-BE49-F238E27FC236}">
-                    <a16:creationId xmlns:a16="http://schemas.microsoft.com/office/drawing/2014/main" id="{BD48993C-F3D0-4F91-839E-033B6199FBF2}"/>
-                  </a:ext>
-                </a:extLst>
-              </p:cNvPr>
-              <p:cNvSpPr txBox="1"/>
-              <p:nvPr/>
-            </p:nvSpPr>
-            <p:spPr>
-              <a:xfrm>
-                <a:off x="3561370" y="6218795"/>
-                <a:ext cx="1045595" cy="461665"/>
-              </a:xfrm>
-              <a:prstGeom prst="rect">
-                <a:avLst/>
-              </a:prstGeom>
+              </a:solidFill>
+              <a:tailEnd type="triangle"/>
+            </a:ln>
+          </p:spPr>
+          <p:style>
+            <a:lnRef idx="1">
+              <a:schemeClr val="accent1"/>
+            </a:lnRef>
+            <a:fillRef idx="0">
+              <a:schemeClr val="accent1"/>
+            </a:fillRef>
+            <a:effectRef idx="0">
+              <a:schemeClr val="accent1"/>
+            </a:effectRef>
+            <a:fontRef idx="minor">
+              <a:schemeClr val="tx1"/>
+            </a:fontRef>
+          </p:style>
+        </p:cxnSp>
+        <p:cxnSp>
+          <p:nvCxnSpPr>
+            <p:cNvPr id="33" name="Straight Connector 32">
+              <a:extLst>
+                <a:ext uri="{FF2B5EF4-FFF2-40B4-BE49-F238E27FC236}">
+                  <a16:creationId xmlns:a16="http://schemas.microsoft.com/office/drawing/2014/main" id="{D829C855-DB41-49D6-8299-EFA8B6B5AB33}"/>
+                </a:ext>
+              </a:extLst>
+            </p:cNvPr>
+            <p:cNvCxnSpPr>
+              <a:cxnSpLocks/>
+            </p:cNvCxnSpPr>
+            <p:nvPr/>
+          </p:nvCxnSpPr>
+          <p:spPr>
+            <a:xfrm flipV="1">
+              <a:off x="4349696" y="7725427"/>
+              <a:ext cx="0" cy="947013"/>
+            </a:xfrm>
+            <a:prstGeom prst="line">
+              <a:avLst/>
+            </a:prstGeom>
+            <a:ln w="38100">
+              <a:solidFill>
+                <a:schemeClr val="tx1"/>
+              </a:solidFill>
+            </a:ln>
+          </p:spPr>
+          <p:style>
+            <a:lnRef idx="1">
+              <a:schemeClr val="accent1"/>
+            </a:lnRef>
+            <a:fillRef idx="0">
+              <a:schemeClr val="accent1"/>
+            </a:fillRef>
+            <a:effectRef idx="0">
+              <a:schemeClr val="accent1"/>
+            </a:effectRef>
+            <a:fontRef idx="minor">
+              <a:schemeClr val="tx1"/>
+            </a:fontRef>
+          </p:style>
+        </p:cxnSp>
+        <p:cxnSp>
+          <p:nvCxnSpPr>
+            <p:cNvPr id="34" name="Straight Arrow Connector 33">
+              <a:extLst>
+                <a:ext uri="{FF2B5EF4-FFF2-40B4-BE49-F238E27FC236}">
+                  <a16:creationId xmlns:a16="http://schemas.microsoft.com/office/drawing/2014/main" id="{DB1E31F7-6D6A-418D-A6F7-0176765E6A06}"/>
+                </a:ext>
+              </a:extLst>
+            </p:cNvPr>
+            <p:cNvCxnSpPr>
+              <a:cxnSpLocks/>
+            </p:cNvCxnSpPr>
+            <p:nvPr/>
+          </p:nvCxnSpPr>
+          <p:spPr>
+            <a:xfrm>
+              <a:off x="6004936" y="7725427"/>
+              <a:ext cx="0" cy="754445"/>
+            </a:xfrm>
+            <a:prstGeom prst="straightConnector1">
+              <a:avLst/>
+            </a:prstGeom>
+            <a:ln w="38100">
+              <a:solidFill>
+                <a:schemeClr val="tx1"/>
+              </a:solidFill>
+              <a:tailEnd type="triangle"/>
+            </a:ln>
+          </p:spPr>
+          <p:style>
+            <a:lnRef idx="1">
+              <a:schemeClr val="accent1"/>
+            </a:lnRef>
+            <a:fillRef idx="0">
+              <a:schemeClr val="accent1"/>
+            </a:fillRef>
+            <a:effectRef idx="0">
+              <a:schemeClr val="accent1"/>
+            </a:effectRef>
+            <a:fontRef idx="minor">
+              <a:schemeClr val="tx1"/>
+            </a:fontRef>
+          </p:style>
+        </p:cxnSp>
+        <p:cxnSp>
+          <p:nvCxnSpPr>
+            <p:cNvPr id="35" name="Straight Connector 34">
+              <a:extLst>
+                <a:ext uri="{FF2B5EF4-FFF2-40B4-BE49-F238E27FC236}">
+                  <a16:creationId xmlns:a16="http://schemas.microsoft.com/office/drawing/2014/main" id="{688D5B6B-6FCB-4625-9F05-8E3F206F9E74}"/>
+                </a:ext>
+              </a:extLst>
+            </p:cNvPr>
+            <p:cNvCxnSpPr>
+              <a:cxnSpLocks/>
+            </p:cNvCxnSpPr>
+            <p:nvPr/>
+          </p:nvCxnSpPr>
+          <p:spPr>
+            <a:xfrm>
+              <a:off x="4349696" y="7725424"/>
+              <a:ext cx="1655240" cy="0"/>
+            </a:xfrm>
+            <a:prstGeom prst="line">
+              <a:avLst/>
+            </a:prstGeom>
+            <a:ln w="38100">
+              <a:solidFill>
+                <a:schemeClr val="tx1"/>
+              </a:solidFill>
+            </a:ln>
+          </p:spPr>
+          <p:style>
+            <a:lnRef idx="1">
+              <a:schemeClr val="accent1"/>
+            </a:lnRef>
+            <a:fillRef idx="0">
+              <a:schemeClr val="accent1"/>
+            </a:fillRef>
+            <a:effectRef idx="0">
+              <a:schemeClr val="accent1"/>
+            </a:effectRef>
+            <a:fontRef idx="minor">
+              <a:schemeClr val="tx1"/>
+            </a:fontRef>
+          </p:style>
+        </p:cxnSp>
+        <p:sp>
+          <p:nvSpPr>
+            <p:cNvPr id="49" name="Rectangle 48">
+              <a:extLst>
+                <a:ext uri="{FF2B5EF4-FFF2-40B4-BE49-F238E27FC236}">
+                  <a16:creationId xmlns:a16="http://schemas.microsoft.com/office/drawing/2014/main" id="{F6430801-9FB5-4BA9-B422-4983E4964B52}"/>
+                </a:ext>
+              </a:extLst>
+            </p:cNvPr>
+            <p:cNvSpPr/>
+            <p:nvPr/>
+          </p:nvSpPr>
+          <p:spPr>
+            <a:xfrm rot="16200000">
+              <a:off x="3984998" y="8585386"/>
+              <a:ext cx="1556548" cy="174103"/>
+            </a:xfrm>
+            <a:prstGeom prst="rect">
+              <a:avLst/>
+            </a:prstGeom>
+            <a:solidFill>
+              <a:srgbClr val="FF00FF"/>
+            </a:solidFill>
+            <a:ln>
               <a:noFill/>
-            </p:spPr>
-            <p:txBody>
-              <a:bodyPr wrap="square" rtlCol="0">
-                <a:spAutoFit/>
-              </a:bodyPr>
-              <a:lstStyle/>
-              <a:p>
-                <a:pPr algn="ctr"/>
-                <a:r>
-                  <a:rPr lang="en-US" sz="1200" dirty="0">
-                    <a:latin typeface="DejaVu Sans" panose="020B0603030804020204" pitchFamily="34" charset="0"/>
-                    <a:ea typeface="DejaVu Sans" panose="020B0603030804020204" pitchFamily="34" charset="0"/>
-                    <a:cs typeface="DejaVu Sans" panose="020B0603030804020204" pitchFamily="34" charset="0"/>
-                  </a:rPr>
-                  <a:t>LR Patch</a:t>
-                </a:r>
-              </a:p>
-              <a:p>
-                <a:pPr algn="ctr"/>
-                <a:r>
-                  <a:rPr lang="en-US" sz="1200" dirty="0">
-                    <a:latin typeface="DejaVu Sans" panose="020B0603030804020204" pitchFamily="34" charset="0"/>
-                    <a:ea typeface="DejaVu Sans" panose="020B0603030804020204" pitchFamily="34" charset="0"/>
-                    <a:cs typeface="DejaVu Sans" panose="020B0603030804020204" pitchFamily="34" charset="0"/>
-                  </a:rPr>
-                  <a:t>2x64x64</a:t>
-                </a:r>
-              </a:p>
-            </p:txBody>
-          </p:sp>
-          <p:sp>
-            <p:nvSpPr>
-              <p:cNvPr id="25" name="Oval 24">
-                <a:extLst>
-                  <a:ext uri="{FF2B5EF4-FFF2-40B4-BE49-F238E27FC236}">
-                    <a16:creationId xmlns:a16="http://schemas.microsoft.com/office/drawing/2014/main" id="{1C59870A-B308-4D34-9A51-936851F45642}"/>
-                  </a:ext>
-                </a:extLst>
-              </p:cNvPr>
-              <p:cNvSpPr/>
-              <p:nvPr/>
-            </p:nvSpPr>
-            <p:spPr>
-              <a:xfrm>
-                <a:off x="8489998" y="6245486"/>
-                <a:ext cx="242689" cy="242689"/>
-              </a:xfrm>
-              <a:prstGeom prst="ellipse">
-                <a:avLst/>
-              </a:prstGeom>
+            </a:ln>
+          </p:spPr>
+          <p:style>
+            <a:lnRef idx="2">
+              <a:schemeClr val="accent1">
+                <a:shade val="50000"/>
+              </a:schemeClr>
+            </a:lnRef>
+            <a:fillRef idx="1">
+              <a:schemeClr val="accent1"/>
+            </a:fillRef>
+            <a:effectRef idx="0">
+              <a:schemeClr val="accent1"/>
+            </a:effectRef>
+            <a:fontRef idx="minor">
+              <a:schemeClr val="lt1"/>
+            </a:fontRef>
+          </p:style>
+          <p:txBody>
+            <a:bodyPr rtlCol="0" anchor="ctr"/>
+            <a:lstStyle/>
+            <a:p>
+              <a:pPr algn="ctr"/>
+              <a:r>
+                <a:rPr lang="en-US" sz="1200" dirty="0">
+                  <a:solidFill>
+                    <a:schemeClr val="tx1"/>
+                  </a:solidFill>
+                  <a:latin typeface="DejaVu Sans" panose="020B0603030804020204" pitchFamily="34" charset="0"/>
+                  <a:ea typeface="DejaVu Sans" panose="020B0603030804020204" pitchFamily="34" charset="0"/>
+                  <a:cs typeface="DejaVu Sans" panose="020B0603030804020204" pitchFamily="34" charset="0"/>
+                </a:rPr>
+                <a:t>Conv</a:t>
+              </a:r>
+            </a:p>
+          </p:txBody>
+        </p:sp>
+        <p:sp>
+          <p:nvSpPr>
+            <p:cNvPr id="50" name="Rectangle 49">
+              <a:extLst>
+                <a:ext uri="{FF2B5EF4-FFF2-40B4-BE49-F238E27FC236}">
+                  <a16:creationId xmlns:a16="http://schemas.microsoft.com/office/drawing/2014/main" id="{6D184B1C-382F-4719-A1D2-2286D0F9D151}"/>
+                </a:ext>
+              </a:extLst>
+            </p:cNvPr>
+            <p:cNvSpPr/>
+            <p:nvPr/>
+          </p:nvSpPr>
+          <p:spPr>
+            <a:xfrm rot="16200000">
+              <a:off x="4219737" y="8585386"/>
+              <a:ext cx="1556548" cy="174103"/>
+            </a:xfrm>
+            <a:prstGeom prst="rect">
+              <a:avLst/>
+            </a:prstGeom>
+            <a:solidFill>
+              <a:srgbClr val="FFFF00"/>
+            </a:solidFill>
+            <a:ln>
               <a:noFill/>
-              <a:ln>
-                <a:solidFill>
-                  <a:schemeClr val="tx1"/>
-                </a:solidFill>
-              </a:ln>
-            </p:spPr>
-            <p:style>
-              <a:lnRef idx="2">
-                <a:schemeClr val="accent1">
-                  <a:shade val="50000"/>
-                </a:schemeClr>
-              </a:lnRef>
-              <a:fillRef idx="1">
-                <a:schemeClr val="accent1"/>
-              </a:fillRef>
-              <a:effectRef idx="0">
-                <a:schemeClr val="accent1"/>
-              </a:effectRef>
-              <a:fontRef idx="minor">
-                <a:schemeClr val="lt1"/>
-              </a:fontRef>
-            </p:style>
-            <p:txBody>
-              <a:bodyPr rtlCol="0" anchor="ctr"/>
-              <a:lstStyle/>
-              <a:p>
-                <a:pPr algn="ctr"/>
-                <a:r>
-                  <a:rPr lang="en-US" sz="1200" dirty="0">
-                    <a:solidFill>
-                      <a:schemeClr val="tx1"/>
-                    </a:solidFill>
-                    <a:latin typeface="DejaVu Sans" panose="020B0603030804020204" pitchFamily="34" charset="0"/>
-                    <a:ea typeface="DejaVu Sans" panose="020B0603030804020204" pitchFamily="34" charset="0"/>
-                    <a:cs typeface="DejaVu Sans" panose="020B0603030804020204" pitchFamily="34" charset="0"/>
-                  </a:rPr>
-                  <a:t>+</a:t>
-                </a:r>
-              </a:p>
-            </p:txBody>
-          </p:sp>
-          <p:cxnSp>
-            <p:nvCxnSpPr>
-              <p:cNvPr id="31" name="Straight Arrow Connector 30">
-                <a:extLst>
-                  <a:ext uri="{FF2B5EF4-FFF2-40B4-BE49-F238E27FC236}">
-                    <a16:creationId xmlns:a16="http://schemas.microsoft.com/office/drawing/2014/main" id="{ED159E46-82CD-41F7-AD0B-39F1CE38E739}"/>
-                  </a:ext>
-                </a:extLst>
-              </p:cNvPr>
-              <p:cNvCxnSpPr>
-                <a:cxnSpLocks/>
-              </p:cNvCxnSpPr>
-              <p:nvPr/>
-            </p:nvCxnSpPr>
-            <p:spPr>
-              <a:xfrm flipV="1">
-                <a:off x="8723013" y="6366832"/>
-                <a:ext cx="446343" cy="1"/>
-              </a:xfrm>
-              <a:prstGeom prst="straightConnector1">
-                <a:avLst/>
-              </a:prstGeom>
-              <a:ln w="38100">
-                <a:solidFill>
-                  <a:schemeClr val="tx1"/>
-                </a:solidFill>
-                <a:tailEnd type="triangle"/>
-              </a:ln>
-            </p:spPr>
-            <p:style>
-              <a:lnRef idx="1">
-                <a:schemeClr val="accent1"/>
-              </a:lnRef>
-              <a:fillRef idx="0">
-                <a:schemeClr val="accent1"/>
-              </a:fillRef>
-              <a:effectRef idx="0">
-                <a:schemeClr val="accent1"/>
-              </a:effectRef>
-              <a:fontRef idx="minor">
+            </a:ln>
+          </p:spPr>
+          <p:style>
+            <a:lnRef idx="2">
+              <a:schemeClr val="accent1">
+                <a:shade val="50000"/>
+              </a:schemeClr>
+            </a:lnRef>
+            <a:fillRef idx="1">
+              <a:schemeClr val="accent1"/>
+            </a:fillRef>
+            <a:effectRef idx="0">
+              <a:schemeClr val="accent1"/>
+            </a:effectRef>
+            <a:fontRef idx="minor">
+              <a:schemeClr val="lt1"/>
+            </a:fontRef>
+          </p:style>
+          <p:txBody>
+            <a:bodyPr rtlCol="0" anchor="ctr"/>
+            <a:lstStyle/>
+            <a:p>
+              <a:pPr algn="ctr"/>
+              <a:r>
+                <a:rPr lang="en-US" sz="1200" dirty="0">
+                  <a:solidFill>
+                    <a:schemeClr val="tx1"/>
+                  </a:solidFill>
+                  <a:latin typeface="DejaVu Sans" panose="020B0603030804020204" pitchFamily="34" charset="0"/>
+                  <a:ea typeface="DejaVu Sans" panose="020B0603030804020204" pitchFamily="34" charset="0"/>
+                  <a:cs typeface="DejaVu Sans" panose="020B0603030804020204" pitchFamily="34" charset="0"/>
+                </a:rPr>
+                <a:t>BN</a:t>
+              </a:r>
+            </a:p>
+          </p:txBody>
+        </p:sp>
+        <p:sp>
+          <p:nvSpPr>
+            <p:cNvPr id="51" name="Rectangle 50">
+              <a:extLst>
+                <a:ext uri="{FF2B5EF4-FFF2-40B4-BE49-F238E27FC236}">
+                  <a16:creationId xmlns:a16="http://schemas.microsoft.com/office/drawing/2014/main" id="{923037E5-17F9-403C-ACCC-947BE16D3721}"/>
+                </a:ext>
+              </a:extLst>
+            </p:cNvPr>
+            <p:cNvSpPr/>
+            <p:nvPr/>
+          </p:nvSpPr>
+          <p:spPr>
+            <a:xfrm rot="16200000">
+              <a:off x="4452753" y="8585386"/>
+              <a:ext cx="1556548" cy="174103"/>
+            </a:xfrm>
+            <a:prstGeom prst="rect">
+              <a:avLst/>
+            </a:prstGeom>
+            <a:solidFill>
+              <a:srgbClr val="00FFFF"/>
+            </a:solidFill>
+            <a:ln>
+              <a:noFill/>
+            </a:ln>
+          </p:spPr>
+          <p:style>
+            <a:lnRef idx="2">
+              <a:schemeClr val="accent1">
+                <a:shade val="50000"/>
+              </a:schemeClr>
+            </a:lnRef>
+            <a:fillRef idx="1">
+              <a:schemeClr val="accent1"/>
+            </a:fillRef>
+            <a:effectRef idx="0">
+              <a:schemeClr val="accent1"/>
+            </a:effectRef>
+            <a:fontRef idx="minor">
+              <a:schemeClr val="lt1"/>
+            </a:fontRef>
+          </p:style>
+          <p:txBody>
+            <a:bodyPr rtlCol="0" anchor="ctr"/>
+            <a:lstStyle/>
+            <a:p>
+              <a:pPr algn="ctr"/>
+              <a:r>
+                <a:rPr lang="en-US" sz="1200" dirty="0">
+                  <a:solidFill>
+                    <a:schemeClr val="tx1"/>
+                  </a:solidFill>
+                  <a:latin typeface="DejaVu Sans" panose="020B0603030804020204" pitchFamily="34" charset="0"/>
+                  <a:ea typeface="DejaVu Sans" panose="020B0603030804020204" pitchFamily="34" charset="0"/>
+                  <a:cs typeface="DejaVu Sans" panose="020B0603030804020204" pitchFamily="34" charset="0"/>
+                </a:rPr>
+                <a:t>PReLU</a:t>
+              </a:r>
+            </a:p>
+          </p:txBody>
+        </p:sp>
+        <p:sp>
+          <p:nvSpPr>
+            <p:cNvPr id="52" name="Rectangle 51">
+              <a:extLst>
+                <a:ext uri="{FF2B5EF4-FFF2-40B4-BE49-F238E27FC236}">
+                  <a16:creationId xmlns:a16="http://schemas.microsoft.com/office/drawing/2014/main" id="{019C7BD5-D390-4566-AF6D-5231F3EE6D9E}"/>
+                </a:ext>
+              </a:extLst>
+            </p:cNvPr>
+            <p:cNvSpPr/>
+            <p:nvPr/>
+          </p:nvSpPr>
+          <p:spPr>
+            <a:xfrm rot="16200000">
+              <a:off x="4685072" y="8585386"/>
+              <a:ext cx="1556548" cy="174103"/>
+            </a:xfrm>
+            <a:prstGeom prst="rect">
+              <a:avLst/>
+            </a:prstGeom>
+            <a:solidFill>
+              <a:srgbClr val="FF00FF"/>
+            </a:solidFill>
+            <a:ln>
+              <a:noFill/>
+            </a:ln>
+          </p:spPr>
+          <p:style>
+            <a:lnRef idx="2">
+              <a:schemeClr val="accent1">
+                <a:shade val="50000"/>
+              </a:schemeClr>
+            </a:lnRef>
+            <a:fillRef idx="1">
+              <a:schemeClr val="accent1"/>
+            </a:fillRef>
+            <a:effectRef idx="0">
+              <a:schemeClr val="accent1"/>
+            </a:effectRef>
+            <a:fontRef idx="minor">
+              <a:schemeClr val="lt1"/>
+            </a:fontRef>
+          </p:style>
+          <p:txBody>
+            <a:bodyPr rtlCol="0" anchor="ctr"/>
+            <a:lstStyle/>
+            <a:p>
+              <a:pPr algn="ctr"/>
+              <a:r>
+                <a:rPr lang="en-US" sz="1200" dirty="0">
+                  <a:solidFill>
+                    <a:schemeClr val="tx1"/>
+                  </a:solidFill>
+                  <a:latin typeface="DejaVu Sans" panose="020B0603030804020204" pitchFamily="34" charset="0"/>
+                  <a:ea typeface="DejaVu Sans" panose="020B0603030804020204" pitchFamily="34" charset="0"/>
+                  <a:cs typeface="DejaVu Sans" panose="020B0603030804020204" pitchFamily="34" charset="0"/>
+                </a:rPr>
+                <a:t>Conv</a:t>
+              </a:r>
+            </a:p>
+          </p:txBody>
+        </p:sp>
+        <p:sp>
+          <p:nvSpPr>
+            <p:cNvPr id="53" name="Rectangle 52">
+              <a:extLst>
+                <a:ext uri="{FF2B5EF4-FFF2-40B4-BE49-F238E27FC236}">
+                  <a16:creationId xmlns:a16="http://schemas.microsoft.com/office/drawing/2014/main" id="{19E63813-05B7-4FED-A5CC-28B299E0BEA6}"/>
+                </a:ext>
+              </a:extLst>
+            </p:cNvPr>
+            <p:cNvSpPr/>
+            <p:nvPr/>
+          </p:nvSpPr>
+          <p:spPr>
+            <a:xfrm rot="16200000">
+              <a:off x="4919811" y="8585386"/>
+              <a:ext cx="1556548" cy="174103"/>
+            </a:xfrm>
+            <a:prstGeom prst="rect">
+              <a:avLst/>
+            </a:prstGeom>
+            <a:solidFill>
+              <a:srgbClr val="FFFF00"/>
+            </a:solidFill>
+            <a:ln>
+              <a:noFill/>
+            </a:ln>
+          </p:spPr>
+          <p:style>
+            <a:lnRef idx="2">
+              <a:schemeClr val="accent1">
+                <a:shade val="50000"/>
+              </a:schemeClr>
+            </a:lnRef>
+            <a:fillRef idx="1">
+              <a:schemeClr val="accent1"/>
+            </a:fillRef>
+            <a:effectRef idx="0">
+              <a:schemeClr val="accent1"/>
+            </a:effectRef>
+            <a:fontRef idx="minor">
+              <a:schemeClr val="lt1"/>
+            </a:fontRef>
+          </p:style>
+          <p:txBody>
+            <a:bodyPr rtlCol="0" anchor="ctr"/>
+            <a:lstStyle/>
+            <a:p>
+              <a:pPr algn="ctr"/>
+              <a:r>
+                <a:rPr lang="en-US" sz="1200" dirty="0">
+                  <a:solidFill>
+                    <a:schemeClr val="tx1"/>
+                  </a:solidFill>
+                  <a:latin typeface="DejaVu Sans" panose="020B0603030804020204" pitchFamily="34" charset="0"/>
+                  <a:ea typeface="DejaVu Sans" panose="020B0603030804020204" pitchFamily="34" charset="0"/>
+                  <a:cs typeface="DejaVu Sans" panose="020B0603030804020204" pitchFamily="34" charset="0"/>
+                </a:rPr>
+                <a:t>BN</a:t>
+              </a:r>
+            </a:p>
+          </p:txBody>
+        </p:sp>
+        <p:sp>
+          <p:nvSpPr>
+            <p:cNvPr id="54" name="Rectangle 53">
+              <a:extLst>
+                <a:ext uri="{FF2B5EF4-FFF2-40B4-BE49-F238E27FC236}">
+                  <a16:creationId xmlns:a16="http://schemas.microsoft.com/office/drawing/2014/main" id="{8FABFAC0-C74D-48C9-B78F-30F8F24FCCFA}"/>
+                </a:ext>
+              </a:extLst>
+            </p:cNvPr>
+            <p:cNvSpPr/>
+            <p:nvPr/>
+          </p:nvSpPr>
+          <p:spPr>
+            <a:xfrm>
+              <a:off x="4117955" y="7526005"/>
+              <a:ext cx="2242024" cy="2342235"/>
+            </a:xfrm>
+            <a:prstGeom prst="rect">
+              <a:avLst/>
+            </a:prstGeom>
+            <a:noFill/>
+            <a:ln w="38100">
+              <a:solidFill>
                 <a:schemeClr val="tx1"/>
-              </a:fontRef>
-            </p:style>
-          </p:cxnSp>
-          <p:cxnSp>
-            <p:nvCxnSpPr>
-              <p:cNvPr id="32" name="Straight Arrow Connector 31">
-                <a:extLst>
-                  <a:ext uri="{FF2B5EF4-FFF2-40B4-BE49-F238E27FC236}">
-                    <a16:creationId xmlns:a16="http://schemas.microsoft.com/office/drawing/2014/main" id="{F7F9F711-929E-4BD0-B444-70E5D2E7C32C}"/>
-                  </a:ext>
-                </a:extLst>
-              </p:cNvPr>
-              <p:cNvCxnSpPr>
-                <a:cxnSpLocks/>
-              </p:cNvCxnSpPr>
-              <p:nvPr/>
-            </p:nvCxnSpPr>
-            <p:spPr>
-              <a:xfrm>
-                <a:off x="6305859" y="6366828"/>
-                <a:ext cx="898149" cy="0"/>
-              </a:xfrm>
-              <a:prstGeom prst="straightConnector1">
-                <a:avLst/>
-              </a:prstGeom>
-              <a:ln w="38100">
-                <a:solidFill>
-                  <a:schemeClr val="tx1"/>
-                </a:solidFill>
-                <a:tailEnd type="triangle"/>
-              </a:ln>
-            </p:spPr>
-            <p:style>
-              <a:lnRef idx="1">
-                <a:schemeClr val="accent1"/>
-              </a:lnRef>
-              <a:fillRef idx="0">
-                <a:schemeClr val="accent1"/>
-              </a:fillRef>
-              <a:effectRef idx="0">
-                <a:schemeClr val="accent1"/>
-              </a:effectRef>
-              <a:fontRef idx="minor">
+              </a:solidFill>
+            </a:ln>
+          </p:spPr>
+          <p:style>
+            <a:lnRef idx="2">
+              <a:schemeClr val="accent1">
+                <a:shade val="50000"/>
+              </a:schemeClr>
+            </a:lnRef>
+            <a:fillRef idx="1">
+              <a:schemeClr val="accent1"/>
+            </a:fillRef>
+            <a:effectRef idx="0">
+              <a:schemeClr val="accent1"/>
+            </a:effectRef>
+            <a:fontRef idx="minor">
+              <a:schemeClr val="lt1"/>
+            </a:fontRef>
+          </p:style>
+          <p:txBody>
+            <a:bodyPr rtlCol="0" anchor="ctr"/>
+            <a:lstStyle/>
+            <a:p>
+              <a:pPr algn="ctr"/>
+              <a:endParaRPr lang="en-US"/>
+            </a:p>
+          </p:txBody>
+        </p:sp>
+        <p:sp>
+          <p:nvSpPr>
+            <p:cNvPr id="55" name="TextBox 54">
+              <a:extLst>
+                <a:ext uri="{FF2B5EF4-FFF2-40B4-BE49-F238E27FC236}">
+                  <a16:creationId xmlns:a16="http://schemas.microsoft.com/office/drawing/2014/main" id="{13FD578E-1AA5-4310-9A15-EDC06DCA284D}"/>
+                </a:ext>
+              </a:extLst>
+            </p:cNvPr>
+            <p:cNvSpPr txBox="1"/>
+            <p:nvPr/>
+          </p:nvSpPr>
+          <p:spPr>
+            <a:xfrm>
+              <a:off x="4621876" y="7177784"/>
+              <a:ext cx="1450264" cy="276999"/>
+            </a:xfrm>
+            <a:prstGeom prst="rect">
+              <a:avLst/>
+            </a:prstGeom>
+            <a:noFill/>
+          </p:spPr>
+          <p:txBody>
+            <a:bodyPr wrap="square" rtlCol="0">
+              <a:spAutoFit/>
+            </a:bodyPr>
+            <a:lstStyle/>
+            <a:p>
+              <a:pPr algn="ctr"/>
+              <a:r>
+                <a:rPr lang="en-US" sz="1200" dirty="0">
+                  <a:latin typeface="DejaVu Sans" panose="020B0603030804020204" pitchFamily="34" charset="0"/>
+                  <a:ea typeface="DejaVu Sans" panose="020B0603030804020204" pitchFamily="34" charset="0"/>
+                  <a:cs typeface="DejaVu Sans" panose="020B0603030804020204" pitchFamily="34" charset="0"/>
+                </a:rPr>
+                <a:t>Residual Blocks</a:t>
+              </a:r>
+            </a:p>
+          </p:txBody>
+        </p:sp>
+        <p:pic>
+          <p:nvPicPr>
+            <p:cNvPr id="65" name="Picture 64" descr="\documentclass{article}&#10;\usepackage{amsmath, amssymb, amsthm}&#10;\usepackage{xcolor}&#10;\pagestyle{empty}&#10;\begin{document}&#10;\setlength\parindent{0pt}&#10;&#10;\newcommand{\argmin}{\operatornamewithlimits{argmin}}&#10;\newcommand{\argmax}{\operatornamewithlimits{argmax}}&#10;\newcommand{\rtwo}{\mathbb{R}^2}&#10;\newcommand{\rone}{\mathbb{R}}&#10;\newcommand{\ex}{\mathbb{E}}&#10;\newcommand{\normal}{\mathcal{N}}&#10;\newcommand{\vor}{\mathcal{V}}&#10;\newcommand{\st}{\mid}&#10;\newcommand{\set}[1]{\left\{#1\right\}}&#10;\newcommand{\norm}[1]{\left\lVert #1\right\rVert}&#10;\newcommand{\rt}{\rightarrow}&#10;&#10;$\ell$&#10;&#10;\end{document}" title="IguanaTex Bitmap Display">
+              <a:extLst>
+                <a:ext uri="{FF2B5EF4-FFF2-40B4-BE49-F238E27FC236}">
+                  <a16:creationId xmlns:a16="http://schemas.microsoft.com/office/drawing/2014/main" id="{15B2C9F7-A208-4D45-9A55-5E3A966CEEF3}"/>
+                </a:ext>
+              </a:extLst>
+            </p:cNvPr>
+            <p:cNvPicPr>
+              <a:picLocks noChangeAspect="1"/>
+            </p:cNvPicPr>
+            <p:nvPr>
+              <p:custDataLst>
+                <p:tags r:id="rId1"/>
+              </p:custDataLst>
+            </p:nvPr>
+          </p:nvPicPr>
+          <p:blipFill>
+            <a:blip r:embed="rId23">
+              <a:extLst>
+                <a:ext uri="{28A0092B-C50C-407E-A947-70E740481C1C}">
+                  <a14:useLocalDpi xmlns:a14="http://schemas.microsoft.com/office/drawing/2010/main" val="0"/>
+                </a:ext>
+              </a:extLst>
+            </a:blip>
+            <a:stretch>
+              <a:fillRect/>
+            </a:stretch>
+          </p:blipFill>
+          <p:spPr>
+            <a:xfrm>
+              <a:off x="4564019" y="7243730"/>
+              <a:ext cx="79259" cy="145105"/>
+            </a:xfrm>
+            <a:prstGeom prst="rect">
+              <a:avLst/>
+            </a:prstGeom>
+          </p:spPr>
+        </p:pic>
+        <p:sp>
+          <p:nvSpPr>
+            <p:cNvPr id="68" name="Oval 67">
+              <a:extLst>
+                <a:ext uri="{FF2B5EF4-FFF2-40B4-BE49-F238E27FC236}">
+                  <a16:creationId xmlns:a16="http://schemas.microsoft.com/office/drawing/2014/main" id="{CCD3887A-B8EB-4FB8-A8B5-BB6BC6DBF5EB}"/>
+                </a:ext>
+              </a:extLst>
+            </p:cNvPr>
+            <p:cNvSpPr/>
+            <p:nvPr/>
+          </p:nvSpPr>
+          <p:spPr>
+            <a:xfrm>
+              <a:off x="7163007" y="8551095"/>
+              <a:ext cx="242689" cy="242689"/>
+            </a:xfrm>
+            <a:prstGeom prst="ellipse">
+              <a:avLst/>
+            </a:prstGeom>
+            <a:noFill/>
+            <a:ln>
+              <a:solidFill>
                 <a:schemeClr val="tx1"/>
-              </a:fontRef>
-            </p:style>
-          </p:cxnSp>
-          <p:cxnSp>
-            <p:nvCxnSpPr>
-              <p:cNvPr id="33" name="Straight Connector 32">
-                <a:extLst>
-                  <a:ext uri="{FF2B5EF4-FFF2-40B4-BE49-F238E27FC236}">
-                    <a16:creationId xmlns:a16="http://schemas.microsoft.com/office/drawing/2014/main" id="{D829C855-DB41-49D6-8299-EFA8B6B5AB33}"/>
-                  </a:ext>
-                </a:extLst>
-              </p:cNvPr>
-              <p:cNvCxnSpPr>
-                <a:cxnSpLocks/>
-              </p:cNvCxnSpPr>
-              <p:nvPr/>
-            </p:nvCxnSpPr>
-            <p:spPr>
-              <a:xfrm flipV="1">
-                <a:off x="6956100" y="5419818"/>
-                <a:ext cx="0" cy="947013"/>
-              </a:xfrm>
-              <a:prstGeom prst="line">
-                <a:avLst/>
-              </a:prstGeom>
-              <a:ln w="38100">
-                <a:solidFill>
-                  <a:schemeClr val="tx1"/>
-                </a:solidFill>
-              </a:ln>
-            </p:spPr>
-            <p:style>
-              <a:lnRef idx="1">
-                <a:schemeClr val="accent1"/>
-              </a:lnRef>
-              <a:fillRef idx="0">
-                <a:schemeClr val="accent1"/>
-              </a:fillRef>
-              <a:effectRef idx="0">
-                <a:schemeClr val="accent1"/>
-              </a:effectRef>
-              <a:fontRef idx="minor">
+              </a:solidFill>
+            </a:ln>
+          </p:spPr>
+          <p:style>
+            <a:lnRef idx="2">
+              <a:schemeClr val="accent1">
+                <a:shade val="50000"/>
+              </a:schemeClr>
+            </a:lnRef>
+            <a:fillRef idx="1">
+              <a:schemeClr val="accent1"/>
+            </a:fillRef>
+            <a:effectRef idx="0">
+              <a:schemeClr val="accent1"/>
+            </a:effectRef>
+            <a:fontRef idx="minor">
+              <a:schemeClr val="lt1"/>
+            </a:fontRef>
+          </p:style>
+          <p:txBody>
+            <a:bodyPr rtlCol="0" anchor="ctr"/>
+            <a:lstStyle/>
+            <a:p>
+              <a:pPr algn="ctr"/>
+              <a:r>
+                <a:rPr lang="en-US" sz="1200" dirty="0">
+                  <a:solidFill>
+                    <a:schemeClr val="tx1"/>
+                  </a:solidFill>
+                  <a:latin typeface="DejaVu Sans" panose="020B0603030804020204" pitchFamily="34" charset="0"/>
+                  <a:ea typeface="DejaVu Sans" panose="020B0603030804020204" pitchFamily="34" charset="0"/>
+                  <a:cs typeface="DejaVu Sans" panose="020B0603030804020204" pitchFamily="34" charset="0"/>
+                </a:rPr>
+                <a:t>+</a:t>
+              </a:r>
+            </a:p>
+          </p:txBody>
+        </p:sp>
+        <p:sp>
+          <p:nvSpPr>
+            <p:cNvPr id="69" name="Rectangle 68">
+              <a:extLst>
+                <a:ext uri="{FF2B5EF4-FFF2-40B4-BE49-F238E27FC236}">
+                  <a16:creationId xmlns:a16="http://schemas.microsoft.com/office/drawing/2014/main" id="{2AC489E8-1528-40EA-B767-EB389B0B07CD}"/>
+                </a:ext>
+              </a:extLst>
+            </p:cNvPr>
+            <p:cNvSpPr/>
+            <p:nvPr/>
+          </p:nvSpPr>
+          <p:spPr>
+            <a:xfrm rot="16200000">
+              <a:off x="5964485" y="8585386"/>
+              <a:ext cx="1556548" cy="174103"/>
+            </a:xfrm>
+            <a:prstGeom prst="rect">
+              <a:avLst/>
+            </a:prstGeom>
+            <a:solidFill>
+              <a:srgbClr val="FF00FF"/>
+            </a:solidFill>
+            <a:ln>
+              <a:noFill/>
+            </a:ln>
+          </p:spPr>
+          <p:style>
+            <a:lnRef idx="2">
+              <a:schemeClr val="accent1">
+                <a:shade val="50000"/>
+              </a:schemeClr>
+            </a:lnRef>
+            <a:fillRef idx="1">
+              <a:schemeClr val="accent1"/>
+            </a:fillRef>
+            <a:effectRef idx="0">
+              <a:schemeClr val="accent1"/>
+            </a:effectRef>
+            <a:fontRef idx="minor">
+              <a:schemeClr val="lt1"/>
+            </a:fontRef>
+          </p:style>
+          <p:txBody>
+            <a:bodyPr rtlCol="0" anchor="ctr"/>
+            <a:lstStyle/>
+            <a:p>
+              <a:pPr algn="ctr"/>
+              <a:r>
+                <a:rPr lang="en-US" sz="1200" dirty="0">
+                  <a:solidFill>
+                    <a:schemeClr val="tx1"/>
+                  </a:solidFill>
+                  <a:latin typeface="DejaVu Sans" panose="020B0603030804020204" pitchFamily="34" charset="0"/>
+                  <a:ea typeface="DejaVu Sans" panose="020B0603030804020204" pitchFamily="34" charset="0"/>
+                  <a:cs typeface="DejaVu Sans" panose="020B0603030804020204" pitchFamily="34" charset="0"/>
+                </a:rPr>
+                <a:t>Conv</a:t>
+              </a:r>
+            </a:p>
+          </p:txBody>
+        </p:sp>
+        <p:sp>
+          <p:nvSpPr>
+            <p:cNvPr id="70" name="Rectangle 69">
+              <a:extLst>
+                <a:ext uri="{FF2B5EF4-FFF2-40B4-BE49-F238E27FC236}">
+                  <a16:creationId xmlns:a16="http://schemas.microsoft.com/office/drawing/2014/main" id="{B0AE84BB-BDC1-45DC-852F-D20DC0625B38}"/>
+                </a:ext>
+              </a:extLst>
+            </p:cNvPr>
+            <p:cNvSpPr/>
+            <p:nvPr/>
+          </p:nvSpPr>
+          <p:spPr>
+            <a:xfrm rot="16200000">
+              <a:off x="6199224" y="8585386"/>
+              <a:ext cx="1556548" cy="174103"/>
+            </a:xfrm>
+            <a:prstGeom prst="rect">
+              <a:avLst/>
+            </a:prstGeom>
+            <a:solidFill>
+              <a:srgbClr val="FFFF00"/>
+            </a:solidFill>
+            <a:ln>
+              <a:noFill/>
+            </a:ln>
+          </p:spPr>
+          <p:style>
+            <a:lnRef idx="2">
+              <a:schemeClr val="accent1">
+                <a:shade val="50000"/>
+              </a:schemeClr>
+            </a:lnRef>
+            <a:fillRef idx="1">
+              <a:schemeClr val="accent1"/>
+            </a:fillRef>
+            <a:effectRef idx="0">
+              <a:schemeClr val="accent1"/>
+            </a:effectRef>
+            <a:fontRef idx="minor">
+              <a:schemeClr val="lt1"/>
+            </a:fontRef>
+          </p:style>
+          <p:txBody>
+            <a:bodyPr rtlCol="0" anchor="ctr"/>
+            <a:lstStyle/>
+            <a:p>
+              <a:pPr algn="ctr"/>
+              <a:r>
+                <a:rPr lang="en-US" sz="1200" dirty="0">
+                  <a:solidFill>
+                    <a:schemeClr val="tx1"/>
+                  </a:solidFill>
+                  <a:latin typeface="DejaVu Sans" panose="020B0603030804020204" pitchFamily="34" charset="0"/>
+                  <a:ea typeface="DejaVu Sans" panose="020B0603030804020204" pitchFamily="34" charset="0"/>
+                  <a:cs typeface="DejaVu Sans" panose="020B0603030804020204" pitchFamily="34" charset="0"/>
+                </a:rPr>
+                <a:t>BN</a:t>
+              </a:r>
+            </a:p>
+          </p:txBody>
+        </p:sp>
+        <p:cxnSp>
+          <p:nvCxnSpPr>
+            <p:cNvPr id="72" name="Straight Connector 71">
+              <a:extLst>
+                <a:ext uri="{FF2B5EF4-FFF2-40B4-BE49-F238E27FC236}">
+                  <a16:creationId xmlns:a16="http://schemas.microsoft.com/office/drawing/2014/main" id="{E757F88A-9604-4302-BF5B-B98E8BEAD1AF}"/>
+                </a:ext>
+              </a:extLst>
+            </p:cNvPr>
+            <p:cNvCxnSpPr>
+              <a:cxnSpLocks/>
+            </p:cNvCxnSpPr>
+            <p:nvPr/>
+          </p:nvCxnSpPr>
+          <p:spPr>
+            <a:xfrm>
+              <a:off x="3893415" y="8654522"/>
+              <a:ext cx="0" cy="1401160"/>
+            </a:xfrm>
+            <a:prstGeom prst="line">
+              <a:avLst/>
+            </a:prstGeom>
+            <a:ln w="38100">
+              <a:solidFill>
                 <a:schemeClr val="tx1"/>
-              </a:fontRef>
-            </p:style>
-          </p:cxnSp>
-          <p:cxnSp>
-            <p:nvCxnSpPr>
-              <p:cNvPr id="34" name="Straight Arrow Connector 33">
-                <a:extLst>
-                  <a:ext uri="{FF2B5EF4-FFF2-40B4-BE49-F238E27FC236}">
-                    <a16:creationId xmlns:a16="http://schemas.microsoft.com/office/drawing/2014/main" id="{DB1E31F7-6D6A-418D-A6F7-0176765E6A06}"/>
-                  </a:ext>
-                </a:extLst>
-              </p:cNvPr>
-              <p:cNvCxnSpPr>
-                <a:cxnSpLocks/>
-              </p:cNvCxnSpPr>
-              <p:nvPr/>
-            </p:nvCxnSpPr>
-            <p:spPr>
-              <a:xfrm>
-                <a:off x="8611340" y="5419818"/>
-                <a:ext cx="0" cy="754445"/>
-              </a:xfrm>
-              <a:prstGeom prst="straightConnector1">
-                <a:avLst/>
-              </a:prstGeom>
-              <a:ln w="38100">
-                <a:solidFill>
-                  <a:schemeClr val="tx1"/>
-                </a:solidFill>
-                <a:tailEnd type="triangle"/>
-              </a:ln>
-            </p:spPr>
-            <p:style>
-              <a:lnRef idx="1">
-                <a:schemeClr val="accent1"/>
-              </a:lnRef>
-              <a:fillRef idx="0">
-                <a:schemeClr val="accent1"/>
-              </a:fillRef>
-              <a:effectRef idx="0">
-                <a:schemeClr val="accent1"/>
-              </a:effectRef>
-              <a:fontRef idx="minor">
+              </a:solidFill>
+            </a:ln>
+          </p:spPr>
+          <p:style>
+            <a:lnRef idx="1">
+              <a:schemeClr val="accent1"/>
+            </a:lnRef>
+            <a:fillRef idx="0">
+              <a:schemeClr val="accent1"/>
+            </a:fillRef>
+            <a:effectRef idx="0">
+              <a:schemeClr val="accent1"/>
+            </a:effectRef>
+            <a:fontRef idx="minor">
+              <a:schemeClr val="tx1"/>
+            </a:fontRef>
+          </p:style>
+        </p:cxnSp>
+        <p:cxnSp>
+          <p:nvCxnSpPr>
+            <p:cNvPr id="73" name="Straight Arrow Connector 72">
+              <a:extLst>
+                <a:ext uri="{FF2B5EF4-FFF2-40B4-BE49-F238E27FC236}">
+                  <a16:creationId xmlns:a16="http://schemas.microsoft.com/office/drawing/2014/main" id="{CC2DB075-E0ED-4352-9E8E-1087C35840BB}"/>
+                </a:ext>
+              </a:extLst>
+            </p:cNvPr>
+            <p:cNvCxnSpPr>
+              <a:cxnSpLocks/>
+            </p:cNvCxnSpPr>
+            <p:nvPr/>
+          </p:nvCxnSpPr>
+          <p:spPr>
+            <a:xfrm flipV="1">
+              <a:off x="7287825" y="8844102"/>
+              <a:ext cx="0" cy="1211580"/>
+            </a:xfrm>
+            <a:prstGeom prst="straightConnector1">
+              <a:avLst/>
+            </a:prstGeom>
+            <a:ln w="38100">
+              <a:solidFill>
                 <a:schemeClr val="tx1"/>
-              </a:fontRef>
-            </p:style>
-          </p:cxnSp>
-          <p:cxnSp>
-            <p:nvCxnSpPr>
-              <p:cNvPr id="35" name="Straight Connector 34">
-                <a:extLst>
-                  <a:ext uri="{FF2B5EF4-FFF2-40B4-BE49-F238E27FC236}">
-                    <a16:creationId xmlns:a16="http://schemas.microsoft.com/office/drawing/2014/main" id="{688D5B6B-6FCB-4625-9F05-8E3F206F9E74}"/>
-                  </a:ext>
-                </a:extLst>
-              </p:cNvPr>
-              <p:cNvCxnSpPr>
-                <a:cxnSpLocks/>
-              </p:cNvCxnSpPr>
-              <p:nvPr/>
-            </p:nvCxnSpPr>
-            <p:spPr>
-              <a:xfrm>
-                <a:off x="6956100" y="5419815"/>
-                <a:ext cx="1655240" cy="0"/>
-              </a:xfrm>
-              <a:prstGeom prst="line">
-                <a:avLst/>
-              </a:prstGeom>
-              <a:ln w="38100">
-                <a:solidFill>
-                  <a:schemeClr val="tx1"/>
-                </a:solidFill>
-              </a:ln>
-            </p:spPr>
-            <p:style>
-              <a:lnRef idx="1">
-                <a:schemeClr val="accent1"/>
-              </a:lnRef>
-              <a:fillRef idx="0">
-                <a:schemeClr val="accent1"/>
-              </a:fillRef>
-              <a:effectRef idx="0">
-                <a:schemeClr val="accent1"/>
-              </a:effectRef>
-              <a:fontRef idx="minor">
+              </a:solidFill>
+              <a:tailEnd type="triangle"/>
+            </a:ln>
+          </p:spPr>
+          <p:style>
+            <a:lnRef idx="1">
+              <a:schemeClr val="accent1"/>
+            </a:lnRef>
+            <a:fillRef idx="0">
+              <a:schemeClr val="accent1"/>
+            </a:fillRef>
+            <a:effectRef idx="0">
+              <a:schemeClr val="accent1"/>
+            </a:effectRef>
+            <a:fontRef idx="minor">
+              <a:schemeClr val="tx1"/>
+            </a:fontRef>
+          </p:style>
+        </p:cxnSp>
+        <p:cxnSp>
+          <p:nvCxnSpPr>
+            <p:cNvPr id="74" name="Straight Connector 73">
+              <a:extLst>
+                <a:ext uri="{FF2B5EF4-FFF2-40B4-BE49-F238E27FC236}">
+                  <a16:creationId xmlns:a16="http://schemas.microsoft.com/office/drawing/2014/main" id="{A67AA587-91EE-410A-BE36-61BBDA6D37AC}"/>
+                </a:ext>
+              </a:extLst>
+            </p:cNvPr>
+            <p:cNvCxnSpPr>
+              <a:cxnSpLocks/>
+            </p:cNvCxnSpPr>
+            <p:nvPr/>
+          </p:nvCxnSpPr>
+          <p:spPr>
+            <a:xfrm>
+              <a:off x="3893415" y="10035880"/>
+              <a:ext cx="3394410" cy="0"/>
+            </a:xfrm>
+            <a:prstGeom prst="line">
+              <a:avLst/>
+            </a:prstGeom>
+            <a:ln w="38100">
+              <a:solidFill>
                 <a:schemeClr val="tx1"/>
-              </a:fontRef>
-            </p:style>
-          </p:cxnSp>
-          <p:sp>
-            <p:nvSpPr>
-              <p:cNvPr id="49" name="Rectangle 48">
-                <a:extLst>
-                  <a:ext uri="{FF2B5EF4-FFF2-40B4-BE49-F238E27FC236}">
-                    <a16:creationId xmlns:a16="http://schemas.microsoft.com/office/drawing/2014/main" id="{F6430801-9FB5-4BA9-B422-4983E4964B52}"/>
-                  </a:ext>
-                </a:extLst>
-              </p:cNvPr>
-              <p:cNvSpPr/>
-              <p:nvPr/>
-            </p:nvSpPr>
-            <p:spPr>
-              <a:xfrm rot="16200000">
-                <a:off x="6591402" y="6279777"/>
-                <a:ext cx="1556548" cy="174103"/>
-              </a:xfrm>
-              <a:prstGeom prst="rect">
-                <a:avLst/>
-              </a:prstGeom>
+              </a:solidFill>
+            </a:ln>
+          </p:spPr>
+          <p:style>
+            <a:lnRef idx="1">
+              <a:schemeClr val="accent1"/>
+            </a:lnRef>
+            <a:fillRef idx="0">
+              <a:schemeClr val="accent1"/>
+            </a:fillRef>
+            <a:effectRef idx="0">
+              <a:schemeClr val="accent1"/>
+            </a:effectRef>
+            <a:fontRef idx="minor">
+              <a:schemeClr val="tx1"/>
+            </a:fontRef>
+          </p:style>
+        </p:cxnSp>
+        <p:sp>
+          <p:nvSpPr>
+            <p:cNvPr id="78" name="Rectangle 77">
+              <a:extLst>
+                <a:ext uri="{FF2B5EF4-FFF2-40B4-BE49-F238E27FC236}">
+                  <a16:creationId xmlns:a16="http://schemas.microsoft.com/office/drawing/2014/main" id="{E924F0C6-8111-4BDD-A4B3-17CA3D0F1C91}"/>
+                </a:ext>
+              </a:extLst>
+            </p:cNvPr>
+            <p:cNvSpPr/>
+            <p:nvPr/>
+          </p:nvSpPr>
+          <p:spPr>
+            <a:xfrm rot="16200000">
+              <a:off x="7201084" y="8585390"/>
+              <a:ext cx="1556548" cy="174103"/>
+            </a:xfrm>
+            <a:prstGeom prst="rect">
+              <a:avLst/>
+            </a:prstGeom>
+            <a:solidFill>
+              <a:srgbClr val="FF00FF"/>
+            </a:solidFill>
+            <a:ln>
+              <a:noFill/>
+            </a:ln>
+          </p:spPr>
+          <p:style>
+            <a:lnRef idx="2">
+              <a:schemeClr val="accent1">
+                <a:shade val="50000"/>
+              </a:schemeClr>
+            </a:lnRef>
+            <a:fillRef idx="1">
+              <a:schemeClr val="accent1"/>
+            </a:fillRef>
+            <a:effectRef idx="0">
+              <a:schemeClr val="accent1"/>
+            </a:effectRef>
+            <a:fontRef idx="minor">
+              <a:schemeClr val="lt1"/>
+            </a:fontRef>
+          </p:style>
+          <p:txBody>
+            <a:bodyPr rtlCol="0" anchor="ctr"/>
+            <a:lstStyle/>
+            <a:p>
+              <a:pPr algn="ctr"/>
+              <a:r>
+                <a:rPr lang="en-US" sz="1200" dirty="0">
+                  <a:solidFill>
+                    <a:schemeClr val="tx1"/>
+                  </a:solidFill>
+                  <a:latin typeface="DejaVu Sans" panose="020B0603030804020204" pitchFamily="34" charset="0"/>
+                  <a:ea typeface="DejaVu Sans" panose="020B0603030804020204" pitchFamily="34" charset="0"/>
+                  <a:cs typeface="DejaVu Sans" panose="020B0603030804020204" pitchFamily="34" charset="0"/>
+                </a:rPr>
+                <a:t>Conv</a:t>
+              </a:r>
+            </a:p>
+          </p:txBody>
+        </p:sp>
+        <p:sp>
+          <p:nvSpPr>
+            <p:cNvPr id="79" name="Rectangle 78">
+              <a:extLst>
+                <a:ext uri="{FF2B5EF4-FFF2-40B4-BE49-F238E27FC236}">
+                  <a16:creationId xmlns:a16="http://schemas.microsoft.com/office/drawing/2014/main" id="{41E75FCD-28C4-4BCE-8C60-8559A601615F}"/>
+                </a:ext>
+              </a:extLst>
+            </p:cNvPr>
+            <p:cNvSpPr/>
+            <p:nvPr/>
+          </p:nvSpPr>
+          <p:spPr>
+            <a:xfrm rot="16200000">
+              <a:off x="7435823" y="8585390"/>
+              <a:ext cx="1556548" cy="174103"/>
+            </a:xfrm>
+            <a:prstGeom prst="rect">
+              <a:avLst/>
+            </a:prstGeom>
+            <a:solidFill>
+              <a:srgbClr val="00FFFF"/>
+            </a:solidFill>
+            <a:ln>
+              <a:noFill/>
+            </a:ln>
+          </p:spPr>
+          <p:style>
+            <a:lnRef idx="2">
+              <a:schemeClr val="accent1">
+                <a:shade val="50000"/>
+              </a:schemeClr>
+            </a:lnRef>
+            <a:fillRef idx="1">
+              <a:schemeClr val="accent1"/>
+            </a:fillRef>
+            <a:effectRef idx="0">
+              <a:schemeClr val="accent1"/>
+            </a:effectRef>
+            <a:fontRef idx="minor">
+              <a:schemeClr val="lt1"/>
+            </a:fontRef>
+          </p:style>
+          <p:txBody>
+            <a:bodyPr rtlCol="0" anchor="ctr"/>
+            <a:lstStyle/>
+            <a:p>
+              <a:pPr algn="ctr"/>
+              <a:r>
+                <a:rPr lang="en-US" sz="1200" dirty="0">
+                  <a:solidFill>
+                    <a:schemeClr val="tx1"/>
+                  </a:solidFill>
+                  <a:latin typeface="DejaVu Sans" panose="020B0603030804020204" pitchFamily="34" charset="0"/>
+                  <a:ea typeface="DejaVu Sans" panose="020B0603030804020204" pitchFamily="34" charset="0"/>
+                  <a:cs typeface="DejaVu Sans" panose="020B0603030804020204" pitchFamily="34" charset="0"/>
+                </a:rPr>
+                <a:t>PReLU</a:t>
+              </a:r>
+            </a:p>
+          </p:txBody>
+        </p:sp>
+        <p:cxnSp>
+          <p:nvCxnSpPr>
+            <p:cNvPr id="82" name="Straight Arrow Connector 81">
+              <a:extLst>
+                <a:ext uri="{FF2B5EF4-FFF2-40B4-BE49-F238E27FC236}">
+                  <a16:creationId xmlns:a16="http://schemas.microsoft.com/office/drawing/2014/main" id="{42FBBB83-158B-4859-8307-1FD7BEDB575E}"/>
+                </a:ext>
+              </a:extLst>
+            </p:cNvPr>
+            <p:cNvCxnSpPr>
+              <a:cxnSpLocks/>
+            </p:cNvCxnSpPr>
+            <p:nvPr/>
+          </p:nvCxnSpPr>
+          <p:spPr>
+            <a:xfrm>
+              <a:off x="7405695" y="8672436"/>
+              <a:ext cx="374806" cy="0"/>
+            </a:xfrm>
+            <a:prstGeom prst="straightConnector1">
+              <a:avLst/>
+            </a:prstGeom>
+            <a:ln w="38100">
               <a:solidFill>
-                <a:srgbClr val="FF00FF"/>
+                <a:schemeClr val="tx1"/>
               </a:solidFill>
-              <a:ln>
-                <a:noFill/>
-              </a:ln>
-            </p:spPr>
-            <p:style>
-              <a:lnRef idx="2">
-                <a:schemeClr val="accent1">
-                  <a:shade val="50000"/>
-                </a:schemeClr>
-              </a:lnRef>
-              <a:fillRef idx="1">
-                <a:schemeClr val="accent1"/>
-              </a:fillRef>
-              <a:effectRef idx="0">
-                <a:schemeClr val="accent1"/>
-              </a:effectRef>
-              <a:fontRef idx="minor">
-                <a:schemeClr val="lt1"/>
-              </a:fontRef>
-            </p:style>
-            <p:txBody>
-              <a:bodyPr rtlCol="0" anchor="ctr"/>
-              <a:lstStyle/>
-              <a:p>
-                <a:pPr algn="ctr"/>
-                <a:r>
-                  <a:rPr lang="en-US" sz="1200" dirty="0">
-                    <a:solidFill>
-                      <a:schemeClr val="tx1"/>
-                    </a:solidFill>
-                    <a:latin typeface="DejaVu Sans" panose="020B0603030804020204" pitchFamily="34" charset="0"/>
-                    <a:ea typeface="DejaVu Sans" panose="020B0603030804020204" pitchFamily="34" charset="0"/>
-                    <a:cs typeface="DejaVu Sans" panose="020B0603030804020204" pitchFamily="34" charset="0"/>
-                  </a:rPr>
-                  <a:t>Conv</a:t>
-                </a:r>
-              </a:p>
-            </p:txBody>
-          </p:sp>
-          <p:sp>
-            <p:nvSpPr>
-              <p:cNvPr id="50" name="Rectangle 49">
-                <a:extLst>
-                  <a:ext uri="{FF2B5EF4-FFF2-40B4-BE49-F238E27FC236}">
-                    <a16:creationId xmlns:a16="http://schemas.microsoft.com/office/drawing/2014/main" id="{6D184B1C-382F-4719-A1D2-2286D0F9D151}"/>
-                  </a:ext>
-                </a:extLst>
-              </p:cNvPr>
-              <p:cNvSpPr/>
-              <p:nvPr/>
-            </p:nvSpPr>
-            <p:spPr>
-              <a:xfrm rot="16200000">
-                <a:off x="6826141" y="6279777"/>
-                <a:ext cx="1556548" cy="174103"/>
-              </a:xfrm>
-              <a:prstGeom prst="rect">
-                <a:avLst/>
-              </a:prstGeom>
+              <a:tailEnd type="triangle"/>
+            </a:ln>
+          </p:spPr>
+          <p:style>
+            <a:lnRef idx="1">
+              <a:schemeClr val="accent1"/>
+            </a:lnRef>
+            <a:fillRef idx="0">
+              <a:schemeClr val="accent1"/>
+            </a:fillRef>
+            <a:effectRef idx="0">
+              <a:schemeClr val="accent1"/>
+            </a:effectRef>
+            <a:fontRef idx="minor">
+              <a:schemeClr val="tx1"/>
+            </a:fontRef>
+          </p:style>
+        </p:cxnSp>
+        <p:sp>
+          <p:nvSpPr>
+            <p:cNvPr id="83" name="Rectangle 82">
+              <a:extLst>
+                <a:ext uri="{FF2B5EF4-FFF2-40B4-BE49-F238E27FC236}">
+                  <a16:creationId xmlns:a16="http://schemas.microsoft.com/office/drawing/2014/main" id="{FDC5FF45-0181-4A85-BD22-8ED2654B24A4}"/>
+                </a:ext>
+              </a:extLst>
+            </p:cNvPr>
+            <p:cNvSpPr/>
+            <p:nvPr/>
+          </p:nvSpPr>
+          <p:spPr>
+            <a:xfrm rot="16200000">
+              <a:off x="7688768" y="8585390"/>
+              <a:ext cx="1556548" cy="174103"/>
+            </a:xfrm>
+            <a:prstGeom prst="rect">
+              <a:avLst/>
+            </a:prstGeom>
+            <a:solidFill>
+              <a:srgbClr val="FF00FF"/>
+            </a:solidFill>
+            <a:ln>
+              <a:noFill/>
+            </a:ln>
+          </p:spPr>
+          <p:style>
+            <a:lnRef idx="2">
+              <a:schemeClr val="accent1">
+                <a:shade val="50000"/>
+              </a:schemeClr>
+            </a:lnRef>
+            <a:fillRef idx="1">
+              <a:schemeClr val="accent1"/>
+            </a:fillRef>
+            <a:effectRef idx="0">
+              <a:schemeClr val="accent1"/>
+            </a:effectRef>
+            <a:fontRef idx="minor">
+              <a:schemeClr val="lt1"/>
+            </a:fontRef>
+          </p:style>
+          <p:txBody>
+            <a:bodyPr rtlCol="0" anchor="ctr"/>
+            <a:lstStyle/>
+            <a:p>
+              <a:pPr algn="ctr"/>
+              <a:r>
+                <a:rPr lang="en-US" sz="1200" dirty="0">
+                  <a:solidFill>
+                    <a:schemeClr val="tx1"/>
+                  </a:solidFill>
+                  <a:latin typeface="DejaVu Sans" panose="020B0603030804020204" pitchFamily="34" charset="0"/>
+                  <a:ea typeface="DejaVu Sans" panose="020B0603030804020204" pitchFamily="34" charset="0"/>
+                  <a:cs typeface="DejaVu Sans" panose="020B0603030804020204" pitchFamily="34" charset="0"/>
+                </a:rPr>
+                <a:t>Conv</a:t>
+              </a:r>
+            </a:p>
+          </p:txBody>
+        </p:sp>
+        <p:sp>
+          <p:nvSpPr>
+            <p:cNvPr id="84" name="Rectangle 83">
+              <a:extLst>
+                <a:ext uri="{FF2B5EF4-FFF2-40B4-BE49-F238E27FC236}">
+                  <a16:creationId xmlns:a16="http://schemas.microsoft.com/office/drawing/2014/main" id="{52C58F3B-1F1A-477D-8130-0AC0260850D0}"/>
+                </a:ext>
+              </a:extLst>
+            </p:cNvPr>
+            <p:cNvSpPr/>
+            <p:nvPr/>
+          </p:nvSpPr>
+          <p:spPr>
+            <a:xfrm rot="16200000">
+              <a:off x="7923507" y="8585390"/>
+              <a:ext cx="1556548" cy="174103"/>
+            </a:xfrm>
+            <a:prstGeom prst="rect">
+              <a:avLst/>
+            </a:prstGeom>
+            <a:solidFill>
+              <a:srgbClr val="00FFFF"/>
+            </a:solidFill>
+            <a:ln>
+              <a:noFill/>
+            </a:ln>
+          </p:spPr>
+          <p:style>
+            <a:lnRef idx="2">
+              <a:schemeClr val="accent1">
+                <a:shade val="50000"/>
+              </a:schemeClr>
+            </a:lnRef>
+            <a:fillRef idx="1">
+              <a:schemeClr val="accent1"/>
+            </a:fillRef>
+            <a:effectRef idx="0">
+              <a:schemeClr val="accent1"/>
+            </a:effectRef>
+            <a:fontRef idx="minor">
+              <a:schemeClr val="lt1"/>
+            </a:fontRef>
+          </p:style>
+          <p:txBody>
+            <a:bodyPr rtlCol="0" anchor="ctr"/>
+            <a:lstStyle/>
+            <a:p>
+              <a:pPr algn="ctr"/>
+              <a:r>
+                <a:rPr lang="en-US" sz="1200" dirty="0">
+                  <a:solidFill>
+                    <a:schemeClr val="tx1"/>
+                  </a:solidFill>
+                  <a:latin typeface="DejaVu Sans" panose="020B0603030804020204" pitchFamily="34" charset="0"/>
+                  <a:ea typeface="DejaVu Sans" panose="020B0603030804020204" pitchFamily="34" charset="0"/>
+                  <a:cs typeface="DejaVu Sans" panose="020B0603030804020204" pitchFamily="34" charset="0"/>
+                </a:rPr>
+                <a:t>PReLU</a:t>
+              </a:r>
+            </a:p>
+          </p:txBody>
+        </p:sp>
+        <p:cxnSp>
+          <p:nvCxnSpPr>
+            <p:cNvPr id="85" name="Straight Arrow Connector 84">
+              <a:extLst>
+                <a:ext uri="{FF2B5EF4-FFF2-40B4-BE49-F238E27FC236}">
+                  <a16:creationId xmlns:a16="http://schemas.microsoft.com/office/drawing/2014/main" id="{85D4FB73-4A32-43D8-BD27-8EDBC642BEA9}"/>
+                </a:ext>
+              </a:extLst>
+            </p:cNvPr>
+            <p:cNvCxnSpPr/>
+            <p:nvPr/>
+          </p:nvCxnSpPr>
+          <p:spPr>
+            <a:xfrm flipV="1">
+              <a:off x="8783335" y="8672437"/>
+              <a:ext cx="158276" cy="1"/>
+            </a:xfrm>
+            <a:prstGeom prst="straightConnector1">
+              <a:avLst/>
+            </a:prstGeom>
+            <a:ln w="38100">
               <a:solidFill>
-                <a:srgbClr val="FFFF00"/>
+                <a:schemeClr val="tx1"/>
               </a:solidFill>
-              <a:ln>
-                <a:noFill/>
-              </a:ln>
-            </p:spPr>
-            <p:style>
-              <a:lnRef idx="2">
-                <a:schemeClr val="accent1">
-                  <a:shade val="50000"/>
-                </a:schemeClr>
-              </a:lnRef>
-              <a:fillRef idx="1">
-                <a:schemeClr val="accent1"/>
-              </a:fillRef>
-              <a:effectRef idx="0">
-                <a:schemeClr val="accent1"/>
-              </a:effectRef>
-              <a:fontRef idx="minor">
-                <a:schemeClr val="lt1"/>
-              </a:fontRef>
-            </p:style>
-            <p:txBody>
-              <a:bodyPr rtlCol="0" anchor="ctr"/>
-              <a:lstStyle/>
-              <a:p>
-                <a:pPr algn="ctr"/>
-                <a:r>
-                  <a:rPr lang="en-US" sz="1200" dirty="0">
-                    <a:solidFill>
-                      <a:schemeClr val="tx1"/>
-                    </a:solidFill>
-                    <a:latin typeface="DejaVu Sans" panose="020B0603030804020204" pitchFamily="34" charset="0"/>
-                    <a:ea typeface="DejaVu Sans" panose="020B0603030804020204" pitchFamily="34" charset="0"/>
-                    <a:cs typeface="DejaVu Sans" panose="020B0603030804020204" pitchFamily="34" charset="0"/>
-                  </a:rPr>
-                  <a:t>BN</a:t>
-                </a:r>
-              </a:p>
-            </p:txBody>
-          </p:sp>
-          <p:sp>
-            <p:nvSpPr>
-              <p:cNvPr id="51" name="Rectangle 50">
-                <a:extLst>
-                  <a:ext uri="{FF2B5EF4-FFF2-40B4-BE49-F238E27FC236}">
-                    <a16:creationId xmlns:a16="http://schemas.microsoft.com/office/drawing/2014/main" id="{923037E5-17F9-403C-ACCC-947BE16D3721}"/>
-                  </a:ext>
-                </a:extLst>
-              </p:cNvPr>
-              <p:cNvSpPr/>
-              <p:nvPr/>
-            </p:nvSpPr>
-            <p:spPr>
-              <a:xfrm rot="16200000">
-                <a:off x="7059157" y="6279777"/>
-                <a:ext cx="1556548" cy="174103"/>
-              </a:xfrm>
-              <a:prstGeom prst="rect">
-                <a:avLst/>
-              </a:prstGeom>
+              <a:tailEnd type="triangle"/>
+            </a:ln>
+          </p:spPr>
+          <p:style>
+            <a:lnRef idx="1">
+              <a:schemeClr val="accent1"/>
+            </a:lnRef>
+            <a:fillRef idx="0">
+              <a:schemeClr val="accent1"/>
+            </a:fillRef>
+            <a:effectRef idx="0">
+              <a:schemeClr val="accent1"/>
+            </a:effectRef>
+            <a:fontRef idx="minor">
+              <a:schemeClr val="tx1"/>
+            </a:fontRef>
+          </p:style>
+        </p:cxnSp>
+        <p:cxnSp>
+          <p:nvCxnSpPr>
+            <p:cNvPr id="87" name="Straight Arrow Connector 86">
+              <a:extLst>
+                <a:ext uri="{FF2B5EF4-FFF2-40B4-BE49-F238E27FC236}">
+                  <a16:creationId xmlns:a16="http://schemas.microsoft.com/office/drawing/2014/main" id="{F36789BF-12D5-4982-86A4-9725AC4F9583}"/>
+                </a:ext>
+              </a:extLst>
+            </p:cNvPr>
+            <p:cNvCxnSpPr>
+              <a:cxnSpLocks/>
+            </p:cNvCxnSpPr>
+            <p:nvPr/>
+          </p:nvCxnSpPr>
+          <p:spPr>
+            <a:xfrm>
+              <a:off x="9783135" y="8672436"/>
+              <a:ext cx="374806" cy="0"/>
+            </a:xfrm>
+            <a:prstGeom prst="straightConnector1">
+              <a:avLst/>
+            </a:prstGeom>
+            <a:ln w="38100">
               <a:solidFill>
-                <a:srgbClr val="00FFFF"/>
+                <a:schemeClr val="tx1"/>
               </a:solidFill>
-              <a:ln>
-                <a:noFill/>
-              </a:ln>
-            </p:spPr>
-            <p:style>
-              <a:lnRef idx="2">
-                <a:schemeClr val="accent1">
-                  <a:shade val="50000"/>
-                </a:schemeClr>
-              </a:lnRef>
-              <a:fillRef idx="1">
-                <a:schemeClr val="accent1"/>
-              </a:fillRef>
-              <a:effectRef idx="0">
-                <a:schemeClr val="accent1"/>
-              </a:effectRef>
-              <a:fontRef idx="minor">
-                <a:schemeClr val="lt1"/>
-              </a:fontRef>
-            </p:style>
-            <p:txBody>
-              <a:bodyPr rtlCol="0" anchor="ctr"/>
-              <a:lstStyle/>
-              <a:p>
-                <a:pPr algn="ctr"/>
-                <a:r>
-                  <a:rPr lang="en-US" sz="1200" dirty="0">
-                    <a:solidFill>
-                      <a:schemeClr val="tx1"/>
-                    </a:solidFill>
-                    <a:latin typeface="DejaVu Sans" panose="020B0603030804020204" pitchFamily="34" charset="0"/>
-                    <a:ea typeface="DejaVu Sans" panose="020B0603030804020204" pitchFamily="34" charset="0"/>
-                    <a:cs typeface="DejaVu Sans" panose="020B0603030804020204" pitchFamily="34" charset="0"/>
-                  </a:rPr>
-                  <a:t>PReLU</a:t>
-                </a:r>
-              </a:p>
-            </p:txBody>
-          </p:sp>
-          <p:sp>
-            <p:nvSpPr>
-              <p:cNvPr id="52" name="Rectangle 51">
-                <a:extLst>
-                  <a:ext uri="{FF2B5EF4-FFF2-40B4-BE49-F238E27FC236}">
-                    <a16:creationId xmlns:a16="http://schemas.microsoft.com/office/drawing/2014/main" id="{019C7BD5-D390-4566-AF6D-5231F3EE6D9E}"/>
-                  </a:ext>
-                </a:extLst>
-              </p:cNvPr>
-              <p:cNvSpPr/>
-              <p:nvPr/>
-            </p:nvSpPr>
-            <p:spPr>
-              <a:xfrm rot="16200000">
-                <a:off x="7291476" y="6279777"/>
-                <a:ext cx="1556548" cy="174103"/>
-              </a:xfrm>
-              <a:prstGeom prst="rect">
-                <a:avLst/>
-              </a:prstGeom>
+              <a:tailEnd type="triangle"/>
+            </a:ln>
+          </p:spPr>
+          <p:style>
+            <a:lnRef idx="1">
+              <a:schemeClr val="accent1"/>
+            </a:lnRef>
+            <a:fillRef idx="0">
+              <a:schemeClr val="accent1"/>
+            </a:fillRef>
+            <a:effectRef idx="0">
+              <a:schemeClr val="accent1"/>
+            </a:effectRef>
+            <a:fontRef idx="minor">
+              <a:schemeClr val="tx1"/>
+            </a:fontRef>
+          </p:style>
+        </p:cxnSp>
+        <p:sp>
+          <p:nvSpPr>
+            <p:cNvPr id="88" name="Rectangle 87">
+              <a:extLst>
+                <a:ext uri="{FF2B5EF4-FFF2-40B4-BE49-F238E27FC236}">
+                  <a16:creationId xmlns:a16="http://schemas.microsoft.com/office/drawing/2014/main" id="{B3FBC194-92C4-4971-80B0-D3EAD4658368}"/>
+                </a:ext>
+              </a:extLst>
+            </p:cNvPr>
+            <p:cNvSpPr/>
+            <p:nvPr/>
+          </p:nvSpPr>
+          <p:spPr>
+            <a:xfrm rot="16200000">
+              <a:off x="9573336" y="8585390"/>
+              <a:ext cx="1556548" cy="174103"/>
+            </a:xfrm>
+            <a:prstGeom prst="rect">
+              <a:avLst/>
+            </a:prstGeom>
+            <a:solidFill>
+              <a:srgbClr val="FF00FF"/>
+            </a:solidFill>
+            <a:ln>
+              <a:noFill/>
+            </a:ln>
+          </p:spPr>
+          <p:style>
+            <a:lnRef idx="2">
+              <a:schemeClr val="accent1">
+                <a:shade val="50000"/>
+              </a:schemeClr>
+            </a:lnRef>
+            <a:fillRef idx="1">
+              <a:schemeClr val="accent1"/>
+            </a:fillRef>
+            <a:effectRef idx="0">
+              <a:schemeClr val="accent1"/>
+            </a:effectRef>
+            <a:fontRef idx="minor">
+              <a:schemeClr val="lt1"/>
+            </a:fontRef>
+          </p:style>
+          <p:txBody>
+            <a:bodyPr rtlCol="0" anchor="ctr"/>
+            <a:lstStyle/>
+            <a:p>
+              <a:pPr algn="ctr"/>
+              <a:r>
+                <a:rPr lang="en-US" sz="1200" dirty="0">
+                  <a:solidFill>
+                    <a:schemeClr val="tx1"/>
+                  </a:solidFill>
+                  <a:latin typeface="DejaVu Sans" panose="020B0603030804020204" pitchFamily="34" charset="0"/>
+                  <a:ea typeface="DejaVu Sans" panose="020B0603030804020204" pitchFamily="34" charset="0"/>
+                  <a:cs typeface="DejaVu Sans" panose="020B0603030804020204" pitchFamily="34" charset="0"/>
+                </a:rPr>
+                <a:t>Conv</a:t>
+              </a:r>
+            </a:p>
+          </p:txBody>
+        </p:sp>
+        <p:cxnSp>
+          <p:nvCxnSpPr>
+            <p:cNvPr id="89" name="Straight Arrow Connector 88">
+              <a:extLst>
+                <a:ext uri="{FF2B5EF4-FFF2-40B4-BE49-F238E27FC236}">
+                  <a16:creationId xmlns:a16="http://schemas.microsoft.com/office/drawing/2014/main" id="{8843644A-67C5-4EA1-ACBF-1FBE6DF61C45}"/>
+                </a:ext>
+              </a:extLst>
+            </p:cNvPr>
+            <p:cNvCxnSpPr>
+              <a:cxnSpLocks/>
+            </p:cNvCxnSpPr>
+            <p:nvPr/>
+          </p:nvCxnSpPr>
+          <p:spPr>
+            <a:xfrm>
+              <a:off x="10431042" y="8672436"/>
+              <a:ext cx="374806" cy="0"/>
+            </a:xfrm>
+            <a:prstGeom prst="straightConnector1">
+              <a:avLst/>
+            </a:prstGeom>
+            <a:ln w="38100">
               <a:solidFill>
-                <a:srgbClr val="FF00FF"/>
+                <a:schemeClr val="tx1"/>
               </a:solidFill>
-              <a:ln>
-                <a:noFill/>
-              </a:ln>
-            </p:spPr>
-            <p:style>
-              <a:lnRef idx="2">
-                <a:schemeClr val="accent1">
-                  <a:shade val="50000"/>
-                </a:schemeClr>
-              </a:lnRef>
-              <a:fillRef idx="1">
-                <a:schemeClr val="accent1"/>
-              </a:fillRef>
-              <a:effectRef idx="0">
-                <a:schemeClr val="accent1"/>
-              </a:effectRef>
-              <a:fontRef idx="minor">
-                <a:schemeClr val="lt1"/>
-              </a:fontRef>
-            </p:style>
-            <p:txBody>
-              <a:bodyPr rtlCol="0" anchor="ctr"/>
-              <a:lstStyle/>
-              <a:p>
-                <a:pPr algn="ctr"/>
-                <a:r>
-                  <a:rPr lang="en-US" sz="1200" dirty="0">
-                    <a:solidFill>
-                      <a:schemeClr val="tx1"/>
-                    </a:solidFill>
-                    <a:latin typeface="DejaVu Sans" panose="020B0603030804020204" pitchFamily="34" charset="0"/>
-                    <a:ea typeface="DejaVu Sans" panose="020B0603030804020204" pitchFamily="34" charset="0"/>
-                    <a:cs typeface="DejaVu Sans" panose="020B0603030804020204" pitchFamily="34" charset="0"/>
-                  </a:rPr>
-                  <a:t>Conv</a:t>
-                </a:r>
-              </a:p>
-            </p:txBody>
-          </p:sp>
-          <p:sp>
-            <p:nvSpPr>
-              <p:cNvPr id="53" name="Rectangle 52">
-                <a:extLst>
-                  <a:ext uri="{FF2B5EF4-FFF2-40B4-BE49-F238E27FC236}">
-                    <a16:creationId xmlns:a16="http://schemas.microsoft.com/office/drawing/2014/main" id="{19E63813-05B7-4FED-A5CC-28B299E0BEA6}"/>
-                  </a:ext>
-                </a:extLst>
-              </p:cNvPr>
-              <p:cNvSpPr/>
-              <p:nvPr/>
-            </p:nvSpPr>
-            <p:spPr>
-              <a:xfrm rot="16200000">
-                <a:off x="7526215" y="6279777"/>
-                <a:ext cx="1556548" cy="174103"/>
-              </a:xfrm>
-              <a:prstGeom prst="rect">
-                <a:avLst/>
-              </a:prstGeom>
+              <a:tailEnd type="triangle"/>
+            </a:ln>
+          </p:spPr>
+          <p:style>
+            <a:lnRef idx="1">
+              <a:schemeClr val="accent1"/>
+            </a:lnRef>
+            <a:fillRef idx="0">
+              <a:schemeClr val="accent1"/>
+            </a:fillRef>
+            <a:effectRef idx="0">
+              <a:schemeClr val="accent1"/>
+            </a:effectRef>
+            <a:fontRef idx="minor">
+              <a:schemeClr val="tx1"/>
+            </a:fontRef>
+          </p:style>
+        </p:cxnSp>
+        <p:sp>
+          <p:nvSpPr>
+            <p:cNvPr id="91" name="TextBox 90">
+              <a:extLst>
+                <a:ext uri="{FF2B5EF4-FFF2-40B4-BE49-F238E27FC236}">
+                  <a16:creationId xmlns:a16="http://schemas.microsoft.com/office/drawing/2014/main" id="{FF8D127F-83D4-4CA1-A031-30372BD227A8}"/>
+                </a:ext>
+              </a:extLst>
+            </p:cNvPr>
+            <p:cNvSpPr txBox="1"/>
+            <p:nvPr/>
+          </p:nvSpPr>
+          <p:spPr>
+            <a:xfrm>
+              <a:off x="10812366" y="8524404"/>
+              <a:ext cx="887110" cy="461665"/>
+            </a:xfrm>
+            <a:prstGeom prst="rect">
+              <a:avLst/>
+            </a:prstGeom>
+            <a:noFill/>
+          </p:spPr>
+          <p:txBody>
+            <a:bodyPr wrap="square" rtlCol="0">
+              <a:spAutoFit/>
+            </a:bodyPr>
+            <a:lstStyle/>
+            <a:p>
+              <a:r>
+                <a:rPr lang="en-US" sz="1200" dirty="0">
+                  <a:latin typeface="DejaVu Sans" panose="020B0603030804020204" pitchFamily="34" charset="0"/>
+                  <a:ea typeface="DejaVu Sans" panose="020B0603030804020204" pitchFamily="34" charset="0"/>
+                  <a:cs typeface="DejaVu Sans" panose="020B0603030804020204" pitchFamily="34" charset="0"/>
+                </a:rPr>
+                <a:t>SR Patch</a:t>
+              </a:r>
+            </a:p>
+            <a:p>
+              <a:r>
+                <a:rPr lang="en-US" sz="1200" dirty="0">
+                  <a:latin typeface="DejaVu Sans" panose="020B0603030804020204" pitchFamily="34" charset="0"/>
+                  <a:ea typeface="DejaVu Sans" panose="020B0603030804020204" pitchFamily="34" charset="0"/>
+                  <a:cs typeface="DejaVu Sans" panose="020B0603030804020204" pitchFamily="34" charset="0"/>
+                </a:rPr>
+                <a:t>2x64x64</a:t>
+              </a:r>
+            </a:p>
+          </p:txBody>
+        </p:sp>
+        <p:pic>
+          <p:nvPicPr>
+            <p:cNvPr id="94" name="Picture 93" descr="\documentclass{article}&#10;\usepackage{amsmath, amssymb, amsthm}&#10;\usepackage{xcolor}&#10;\pagestyle{empty}&#10;\begin{document}&#10;\setlength\parindent{0pt}&#10;&#10;\newcommand{\argmin}{\operatornamewithlimits{argmin}}&#10;\newcommand{\argmax}{\operatornamewithlimits{argmax}}&#10;\newcommand{\rtwo}{\mathbb{R}^2}&#10;\newcommand{\rone}{\mathbb{R}}&#10;\newcommand{\ex}{\mathbb{E}}&#10;\newcommand{\normal}{\mathcal{N}}&#10;\newcommand{\vor}{\mathcal{V}}&#10;\newcommand{\st}{\mid}&#10;\newcommand{\set}[1]{\left\{#1\right\}}&#10;\newcommand{\norm}[1]{\left\lVert #1\right\rVert}&#10;\newcommand{\rt}{\rightarrow}&#10;&#10;$k_1$&#10;&#10;\end{document}" title="IguanaTex Bitmap Display">
+              <a:extLst>
+                <a:ext uri="{FF2B5EF4-FFF2-40B4-BE49-F238E27FC236}">
+                  <a16:creationId xmlns:a16="http://schemas.microsoft.com/office/drawing/2014/main" id="{CD291FFC-55E3-48A8-9F16-9A54FE51BD4B}"/>
+                </a:ext>
+              </a:extLst>
+            </p:cNvPr>
+            <p:cNvPicPr>
+              <a:picLocks noChangeAspect="1"/>
+            </p:cNvPicPr>
+            <p:nvPr>
+              <p:custDataLst>
+                <p:tags r:id="rId2"/>
+              </p:custDataLst>
+            </p:nvPr>
+          </p:nvPicPr>
+          <p:blipFill>
+            <a:blip r:embed="rId24">
+              <a:extLst>
+                <a:ext uri="{28A0092B-C50C-407E-A947-70E740481C1C}">
+                  <a14:useLocalDpi xmlns:a14="http://schemas.microsoft.com/office/drawing/2010/main" val="0"/>
+                </a:ext>
+              </a:extLst>
+            </a:blip>
+            <a:stretch>
+              <a:fillRect/>
+            </a:stretch>
+          </p:blipFill>
+          <p:spPr>
+            <a:xfrm>
+              <a:off x="2315396" y="9561279"/>
+              <a:ext cx="162176" cy="170712"/>
+            </a:xfrm>
+            <a:prstGeom prst="rect">
+              <a:avLst/>
+            </a:prstGeom>
+          </p:spPr>
+        </p:pic>
+        <p:pic>
+          <p:nvPicPr>
+            <p:cNvPr id="95" name="Picture 94" descr="\documentclass{article}&#10;\usepackage{amsmath, amssymb, amsthm}&#10;\usepackage{xcolor}&#10;\pagestyle{empty}&#10;\begin{document}&#10;\setlength\parindent{0pt}&#10;&#10;\newcommand{\argmin}{\operatornamewithlimits{argmin}}&#10;\newcommand{\argmax}{\operatornamewithlimits{argmax}}&#10;\newcommand{\rtwo}{\mathbb{R}^2}&#10;\newcommand{\rone}{\mathbb{R}}&#10;\newcommand{\ex}{\mathbb{E}}&#10;\newcommand{\normal}{\mathcal{N}}&#10;\newcommand{\vor}{\mathcal{V}}&#10;\newcommand{\st}{\mid}&#10;\newcommand{\set}[1]{\left\{#1\right\}}&#10;\newcommand{\norm}[1]{\left\lVert #1\right\rVert}&#10;\newcommand{\rt}{\rightarrow}&#10;&#10;$k_1$&#10;&#10;\end{document}" title="IguanaTex Bitmap Display">
+              <a:extLst>
+                <a:ext uri="{FF2B5EF4-FFF2-40B4-BE49-F238E27FC236}">
+                  <a16:creationId xmlns:a16="http://schemas.microsoft.com/office/drawing/2014/main" id="{4D8D7FB2-A3C7-4567-BA5B-45EF55C2BF0A}"/>
+                </a:ext>
+              </a:extLst>
+            </p:cNvPr>
+            <p:cNvPicPr>
+              <a:picLocks noChangeAspect="1"/>
+            </p:cNvPicPr>
+            <p:nvPr>
+              <p:custDataLst>
+                <p:tags r:id="rId3"/>
+              </p:custDataLst>
+            </p:nvPr>
+          </p:nvPicPr>
+          <p:blipFill>
+            <a:blip r:embed="rId24">
+              <a:extLst>
+                <a:ext uri="{28A0092B-C50C-407E-A947-70E740481C1C}">
+                  <a14:useLocalDpi xmlns:a14="http://schemas.microsoft.com/office/drawing/2010/main" val="0"/>
+                </a:ext>
+              </a:extLst>
+            </a:blip>
+            <a:stretch>
+              <a:fillRect/>
+            </a:stretch>
+          </p:blipFill>
+          <p:spPr>
+            <a:xfrm>
+              <a:off x="10276486" y="9561279"/>
+              <a:ext cx="162176" cy="170712"/>
+            </a:xfrm>
+            <a:prstGeom prst="rect">
+              <a:avLst/>
+            </a:prstGeom>
+          </p:spPr>
+        </p:pic>
+        <p:pic>
+          <p:nvPicPr>
+            <p:cNvPr id="98" name="Picture 97" descr="\documentclass{article}&#10;\usepackage{amsmath, amssymb, amsthm}&#10;\usepackage{xcolor}&#10;\pagestyle{empty}&#10;\begin{document}&#10;\setlength\parindent{0pt}&#10;&#10;\newcommand{\argmin}{\operatornamewithlimits{argmin}}&#10;\newcommand{\argmax}{\operatornamewithlimits{argmax}}&#10;\newcommand{\rtwo}{\mathbb{R}^2}&#10;\newcommand{\rone}{\mathbb{R}}&#10;\newcommand{\ex}{\mathbb{E}}&#10;\newcommand{\normal}{\mathcal{N}}&#10;\newcommand{\vor}{\mathcal{V}}&#10;\newcommand{\st}{\mid}&#10;\newcommand{\set}[1]{\left\{#1\right\}}&#10;\newcommand{\norm}[1]{\left\lVert #1\right\rVert}&#10;\newcommand{\rt}{\rightarrow}&#10;&#10;$k_2$&#10;&#10;\end{document}" title="IguanaTex Bitmap Display">
+              <a:extLst>
+                <a:ext uri="{FF2B5EF4-FFF2-40B4-BE49-F238E27FC236}">
+                  <a16:creationId xmlns:a16="http://schemas.microsoft.com/office/drawing/2014/main" id="{F3768434-E03B-46EC-A9A2-4B7C042DA9CB}"/>
+                </a:ext>
+              </a:extLst>
+            </p:cNvPr>
+            <p:cNvPicPr>
+              <a:picLocks noChangeAspect="1"/>
+            </p:cNvPicPr>
+            <p:nvPr>
+              <p:custDataLst>
+                <p:tags r:id="rId4"/>
+              </p:custDataLst>
+            </p:nvPr>
+          </p:nvPicPr>
+          <p:blipFill>
+            <a:blip r:embed="rId25">
+              <a:extLst>
+                <a:ext uri="{28A0092B-C50C-407E-A947-70E740481C1C}">
+                  <a14:useLocalDpi xmlns:a14="http://schemas.microsoft.com/office/drawing/2010/main" val="0"/>
+                </a:ext>
+              </a:extLst>
+            </a:blip>
+            <a:stretch>
+              <a:fillRect/>
+            </a:stretch>
+          </p:blipFill>
+          <p:spPr>
+            <a:xfrm>
+              <a:off x="4703440" y="9561279"/>
+              <a:ext cx="165834" cy="170712"/>
+            </a:xfrm>
+            <a:prstGeom prst="rect">
+              <a:avLst/>
+            </a:prstGeom>
+          </p:spPr>
+        </p:pic>
+        <p:pic>
+          <p:nvPicPr>
+            <p:cNvPr id="99" name="Picture 98" descr="\documentclass{article}&#10;\usepackage{amsmath, amssymb, amsthm}&#10;\usepackage{xcolor}&#10;\pagestyle{empty}&#10;\begin{document}&#10;\setlength\parindent{0pt}&#10;&#10;\newcommand{\argmin}{\operatornamewithlimits{argmin}}&#10;\newcommand{\argmax}{\operatornamewithlimits{argmax}}&#10;\newcommand{\rtwo}{\mathbb{R}^2}&#10;\newcommand{\rone}{\mathbb{R}}&#10;\newcommand{\ex}{\mathbb{E}}&#10;\newcommand{\normal}{\mathcal{N}}&#10;\newcommand{\vor}{\mathcal{V}}&#10;\newcommand{\st}{\mid}&#10;\newcommand{\set}[1]{\left\{#1\right\}}&#10;\newcommand{\norm}[1]{\left\lVert #1\right\rVert}&#10;\newcommand{\rt}{\rightarrow}&#10;&#10;$k_2$&#10;&#10;\end{document}" title="IguanaTex Bitmap Display">
+              <a:extLst>
+                <a:ext uri="{FF2B5EF4-FFF2-40B4-BE49-F238E27FC236}">
+                  <a16:creationId xmlns:a16="http://schemas.microsoft.com/office/drawing/2014/main" id="{0ACBA4C4-212A-49A7-8FC6-DFE1F06578C6}"/>
+                </a:ext>
+              </a:extLst>
+            </p:cNvPr>
+            <p:cNvPicPr>
+              <a:picLocks noChangeAspect="1"/>
+            </p:cNvPicPr>
+            <p:nvPr>
+              <p:custDataLst>
+                <p:tags r:id="rId5"/>
+              </p:custDataLst>
+            </p:nvPr>
+          </p:nvPicPr>
+          <p:blipFill>
+            <a:blip r:embed="rId25">
+              <a:extLst>
+                <a:ext uri="{28A0092B-C50C-407E-A947-70E740481C1C}">
+                  <a14:useLocalDpi xmlns:a14="http://schemas.microsoft.com/office/drawing/2010/main" val="0"/>
+                </a:ext>
+              </a:extLst>
+            </a:blip>
+            <a:stretch>
+              <a:fillRect/>
+            </a:stretch>
+          </p:blipFill>
+          <p:spPr>
+            <a:xfrm>
+              <a:off x="5384564" y="9561279"/>
+              <a:ext cx="165834" cy="170712"/>
+            </a:xfrm>
+            <a:prstGeom prst="rect">
+              <a:avLst/>
+            </a:prstGeom>
+          </p:spPr>
+        </p:pic>
+        <p:pic>
+          <p:nvPicPr>
+            <p:cNvPr id="100" name="Picture 99" descr="\documentclass{article}&#10;\usepackage{amsmath, amssymb, amsthm}&#10;\usepackage{xcolor}&#10;\pagestyle{empty}&#10;\begin{document}&#10;\setlength\parindent{0pt}&#10;&#10;\newcommand{\argmin}{\operatornamewithlimits{argmin}}&#10;\newcommand{\argmax}{\operatornamewithlimits{argmax}}&#10;\newcommand{\rtwo}{\mathbb{R}^2}&#10;\newcommand{\rone}{\mathbb{R}}&#10;\newcommand{\ex}{\mathbb{E}}&#10;\newcommand{\normal}{\mathcal{N}}&#10;\newcommand{\vor}{\mathcal{V}}&#10;\newcommand{\st}{\mid}&#10;\newcommand{\set}[1]{\left\{#1\right\}}&#10;\newcommand{\norm}[1]{\left\lVert #1\right\rVert}&#10;\newcommand{\rt}{\rightarrow}&#10;&#10;$k_2$&#10;&#10;\end{document}" title="IguanaTex Bitmap Display">
+              <a:extLst>
+                <a:ext uri="{FF2B5EF4-FFF2-40B4-BE49-F238E27FC236}">
+                  <a16:creationId xmlns:a16="http://schemas.microsoft.com/office/drawing/2014/main" id="{A24CBECF-80C7-47C5-BEEB-5C0B402CBD6F}"/>
+                </a:ext>
+              </a:extLst>
+            </p:cNvPr>
+            <p:cNvPicPr>
+              <a:picLocks noChangeAspect="1"/>
+            </p:cNvPicPr>
+            <p:nvPr>
+              <p:custDataLst>
+                <p:tags r:id="rId6"/>
+              </p:custDataLst>
+            </p:nvPr>
+          </p:nvPicPr>
+          <p:blipFill>
+            <a:blip r:embed="rId25">
+              <a:extLst>
+                <a:ext uri="{28A0092B-C50C-407E-A947-70E740481C1C}">
+                  <a14:useLocalDpi xmlns:a14="http://schemas.microsoft.com/office/drawing/2010/main" val="0"/>
+                </a:ext>
+              </a:extLst>
+            </a:blip>
+            <a:stretch>
+              <a:fillRect/>
+            </a:stretch>
+          </p:blipFill>
+          <p:spPr>
+            <a:xfrm>
+              <a:off x="6658068" y="9561279"/>
+              <a:ext cx="165834" cy="170712"/>
+            </a:xfrm>
+            <a:prstGeom prst="rect">
+              <a:avLst/>
+            </a:prstGeom>
+          </p:spPr>
+        </p:pic>
+        <p:pic>
+          <p:nvPicPr>
+            <p:cNvPr id="101" name="Picture 100" descr="\documentclass{article}&#10;\usepackage{amsmath, amssymb, amsthm}&#10;\usepackage{xcolor}&#10;\pagestyle{empty}&#10;\begin{document}&#10;\setlength\parindent{0pt}&#10;&#10;\newcommand{\argmin}{\operatornamewithlimits{argmin}}&#10;\newcommand{\argmax}{\operatornamewithlimits{argmax}}&#10;\newcommand{\rtwo}{\mathbb{R}^2}&#10;\newcommand{\rone}{\mathbb{R}}&#10;\newcommand{\ex}{\mathbb{E}}&#10;\newcommand{\normal}{\mathcal{N}}&#10;\newcommand{\vor}{\mathcal{V}}&#10;\newcommand{\st}{\mid}&#10;\newcommand{\set}[1]{\left\{#1\right\}}&#10;\newcommand{\norm}[1]{\left\lVert #1\right\rVert}&#10;\newcommand{\rt}{\rightarrow}&#10;&#10;$k_2$&#10;&#10;\end{document}" title="IguanaTex Bitmap Display">
+              <a:extLst>
+                <a:ext uri="{FF2B5EF4-FFF2-40B4-BE49-F238E27FC236}">
+                  <a16:creationId xmlns:a16="http://schemas.microsoft.com/office/drawing/2014/main" id="{C5E9BF41-E9D4-4B3A-A748-CF14C1D23A41}"/>
+                </a:ext>
+              </a:extLst>
+            </p:cNvPr>
+            <p:cNvPicPr>
+              <a:picLocks noChangeAspect="1"/>
+            </p:cNvPicPr>
+            <p:nvPr>
+              <p:custDataLst>
+                <p:tags r:id="rId7"/>
+              </p:custDataLst>
+            </p:nvPr>
+          </p:nvPicPr>
+          <p:blipFill>
+            <a:blip r:embed="rId25">
+              <a:extLst>
+                <a:ext uri="{28A0092B-C50C-407E-A947-70E740481C1C}">
+                  <a14:useLocalDpi xmlns:a14="http://schemas.microsoft.com/office/drawing/2010/main" val="0"/>
+                </a:ext>
+              </a:extLst>
+            </a:blip>
+            <a:stretch>
+              <a:fillRect/>
+            </a:stretch>
+          </p:blipFill>
+          <p:spPr>
+            <a:xfrm>
+              <a:off x="7892306" y="9561279"/>
+              <a:ext cx="165834" cy="170712"/>
+            </a:xfrm>
+            <a:prstGeom prst="rect">
+              <a:avLst/>
+            </a:prstGeom>
+          </p:spPr>
+        </p:pic>
+        <p:pic>
+          <p:nvPicPr>
+            <p:cNvPr id="102" name="Picture 101" descr="\documentclass{article}&#10;\usepackage{amsmath, amssymb, amsthm}&#10;\usepackage{xcolor}&#10;\pagestyle{empty}&#10;\begin{document}&#10;\setlength\parindent{0pt}&#10;&#10;\newcommand{\argmin}{\operatornamewithlimits{argmin}}&#10;\newcommand{\argmax}{\operatornamewithlimits{argmax}}&#10;\newcommand{\rtwo}{\mathbb{R}^2}&#10;\newcommand{\rone}{\mathbb{R}}&#10;\newcommand{\ex}{\mathbb{E}}&#10;\newcommand{\normal}{\mathcal{N}}&#10;\newcommand{\vor}{\mathcal{V}}&#10;\newcommand{\st}{\mid}&#10;\newcommand{\set}[1]{\left\{#1\right\}}&#10;\newcommand{\norm}[1]{\left\lVert #1\right\rVert}&#10;\newcommand{\rt}{\rightarrow}&#10;&#10;$k_2$&#10;&#10;\end{document}" title="IguanaTex Bitmap Display">
+              <a:extLst>
+                <a:ext uri="{FF2B5EF4-FFF2-40B4-BE49-F238E27FC236}">
+                  <a16:creationId xmlns:a16="http://schemas.microsoft.com/office/drawing/2014/main" id="{11E8C89E-5AEE-4177-9DE2-CA538C427674}"/>
+                </a:ext>
+              </a:extLst>
+            </p:cNvPr>
+            <p:cNvPicPr>
+              <a:picLocks noChangeAspect="1"/>
+            </p:cNvPicPr>
+            <p:nvPr>
+              <p:custDataLst>
+                <p:tags r:id="rId8"/>
+              </p:custDataLst>
+            </p:nvPr>
+          </p:nvPicPr>
+          <p:blipFill>
+            <a:blip r:embed="rId25">
+              <a:extLst>
+                <a:ext uri="{28A0092B-C50C-407E-A947-70E740481C1C}">
+                  <a14:useLocalDpi xmlns:a14="http://schemas.microsoft.com/office/drawing/2010/main" val="0"/>
+                </a:ext>
+              </a:extLst>
+            </a:blip>
+            <a:stretch>
+              <a:fillRect/>
+            </a:stretch>
+          </p:blipFill>
+          <p:spPr>
+            <a:xfrm>
+              <a:off x="8388260" y="9561279"/>
+              <a:ext cx="165834" cy="170712"/>
+            </a:xfrm>
+            <a:prstGeom prst="rect">
+              <a:avLst/>
+            </a:prstGeom>
+          </p:spPr>
+        </p:pic>
+        <p:sp>
+          <p:nvSpPr>
+            <p:cNvPr id="108" name="TextBox 107">
+              <a:extLst>
+                <a:ext uri="{FF2B5EF4-FFF2-40B4-BE49-F238E27FC236}">
+                  <a16:creationId xmlns:a16="http://schemas.microsoft.com/office/drawing/2014/main" id="{F4326218-F5A1-4ACF-B823-88CEDA7D6463}"/>
+                </a:ext>
+              </a:extLst>
+            </p:cNvPr>
+            <p:cNvSpPr txBox="1"/>
+            <p:nvPr/>
+          </p:nvSpPr>
+          <p:spPr>
+            <a:xfrm>
+              <a:off x="2757402" y="8524404"/>
+              <a:ext cx="1045595" cy="461665"/>
+            </a:xfrm>
+            <a:prstGeom prst="rect">
+              <a:avLst/>
+            </a:prstGeom>
+            <a:noFill/>
+          </p:spPr>
+          <p:txBody>
+            <a:bodyPr wrap="square" rtlCol="0">
+              <a:spAutoFit/>
+            </a:bodyPr>
+            <a:lstStyle/>
+            <a:p>
+              <a:pPr algn="ctr"/>
+              <a:r>
+                <a:rPr lang="en-US" sz="1200" dirty="0">
+                  <a:latin typeface="DejaVu Sans" panose="020B0603030804020204" pitchFamily="34" charset="0"/>
+                  <a:ea typeface="DejaVu Sans" panose="020B0603030804020204" pitchFamily="34" charset="0"/>
+                  <a:cs typeface="DejaVu Sans" panose="020B0603030804020204" pitchFamily="34" charset="0"/>
+                </a:rPr>
+                <a:t>Tensor</a:t>
+              </a:r>
+            </a:p>
+            <a:p>
+              <a:pPr algn="ctr"/>
+              <a:r>
+                <a:rPr lang="en-US" sz="1200" dirty="0">
+                  <a:latin typeface="DejaVu Sans" panose="020B0603030804020204" pitchFamily="34" charset="0"/>
+                  <a:ea typeface="DejaVu Sans" panose="020B0603030804020204" pitchFamily="34" charset="0"/>
+                  <a:cs typeface="DejaVu Sans" panose="020B0603030804020204" pitchFamily="34" charset="0"/>
+                </a:rPr>
+                <a:t>   x64x64</a:t>
+              </a:r>
+            </a:p>
+          </p:txBody>
+        </p:sp>
+        <p:pic>
+          <p:nvPicPr>
+            <p:cNvPr id="109" name="Picture 108" descr="\documentclass{article}&#10;\usepackage{amsmath, amssymb, amsthm}&#10;\usepackage{xcolor}&#10;\pagestyle{empty}&#10;\begin{document}&#10;\setlength\parindent{0pt}&#10;&#10;\newcommand{\argmin}{\operatornamewithlimits{argmin}}&#10;\newcommand{\argmax}{\operatornamewithlimits{argmax}}&#10;\newcommand{\rtwo}{\mathbb{R}^2}&#10;\newcommand{\rone}{\mathbb{R}}&#10;\newcommand{\ex}{\mathbb{E}}&#10;\newcommand{\normal}{\mathcal{N}}&#10;\newcommand{\vor}{\mathcal{V}}&#10;\newcommand{\st}{\mid}&#10;\newcommand{\set}[1]{\left\{#1\right\}}&#10;\newcommand{\norm}[1]{\left\lVert #1\right\rVert}&#10;\newcommand{\rt}{\rightarrow}&#10;&#10;$d$&#10;&#10;\end{document}" title="IguanaTex Bitmap Display">
+              <a:extLst>
+                <a:ext uri="{FF2B5EF4-FFF2-40B4-BE49-F238E27FC236}">
+                  <a16:creationId xmlns:a16="http://schemas.microsoft.com/office/drawing/2014/main" id="{28E3CFAF-D3C1-459A-883B-D41BCFEEA1AA}"/>
+                </a:ext>
+              </a:extLst>
+            </p:cNvPr>
+            <p:cNvPicPr>
+              <a:picLocks noChangeAspect="1"/>
+            </p:cNvPicPr>
+            <p:nvPr>
+              <p:custDataLst>
+                <p:tags r:id="rId9"/>
+              </p:custDataLst>
+            </p:nvPr>
+          </p:nvPicPr>
+          <p:blipFill>
+            <a:blip r:embed="rId26">
+              <a:extLst>
+                <a:ext uri="{28A0092B-C50C-407E-A947-70E740481C1C}">
+                  <a14:useLocalDpi xmlns:a14="http://schemas.microsoft.com/office/drawing/2010/main" val="0"/>
+                </a:ext>
+              </a:extLst>
+            </a:blip>
+            <a:stretch>
+              <a:fillRect/>
+            </a:stretch>
+          </p:blipFill>
+          <p:spPr>
+            <a:xfrm>
+              <a:off x="2933890" y="8765150"/>
+              <a:ext cx="96330" cy="142666"/>
+            </a:xfrm>
+            <a:prstGeom prst="rect">
+              <a:avLst/>
+            </a:prstGeom>
+          </p:spPr>
+        </p:pic>
+        <p:sp>
+          <p:nvSpPr>
+            <p:cNvPr id="118" name="TextBox 117">
+              <a:extLst>
+                <a:ext uri="{FF2B5EF4-FFF2-40B4-BE49-F238E27FC236}">
+                  <a16:creationId xmlns:a16="http://schemas.microsoft.com/office/drawing/2014/main" id="{4D0CC126-7745-4639-BBF2-3061A86881F4}"/>
+                </a:ext>
+              </a:extLst>
+            </p:cNvPr>
+            <p:cNvSpPr txBox="1"/>
+            <p:nvPr/>
+          </p:nvSpPr>
+          <p:spPr>
+            <a:xfrm>
+              <a:off x="8842341" y="8524404"/>
+              <a:ext cx="1045595" cy="461665"/>
+            </a:xfrm>
+            <a:prstGeom prst="rect">
+              <a:avLst/>
+            </a:prstGeom>
+            <a:noFill/>
+          </p:spPr>
+          <p:txBody>
+            <a:bodyPr wrap="square" rtlCol="0">
+              <a:spAutoFit/>
+            </a:bodyPr>
+            <a:lstStyle/>
+            <a:p>
+              <a:pPr algn="ctr"/>
+              <a:r>
+                <a:rPr lang="en-US" sz="1200" dirty="0">
+                  <a:latin typeface="DejaVu Sans" panose="020B0603030804020204" pitchFamily="34" charset="0"/>
+                  <a:ea typeface="DejaVu Sans" panose="020B0603030804020204" pitchFamily="34" charset="0"/>
+                  <a:cs typeface="DejaVu Sans" panose="020B0603030804020204" pitchFamily="34" charset="0"/>
+                </a:rPr>
+                <a:t>Tensor</a:t>
+              </a:r>
+            </a:p>
+            <a:p>
+              <a:pPr algn="ctr"/>
+              <a:r>
+                <a:rPr lang="en-US" sz="1200" dirty="0">
+                  <a:latin typeface="DejaVu Sans" panose="020B0603030804020204" pitchFamily="34" charset="0"/>
+                  <a:ea typeface="DejaVu Sans" panose="020B0603030804020204" pitchFamily="34" charset="0"/>
+                  <a:cs typeface="DejaVu Sans" panose="020B0603030804020204" pitchFamily="34" charset="0"/>
+                </a:rPr>
+                <a:t>   x64x64</a:t>
+              </a:r>
+            </a:p>
+          </p:txBody>
+        </p:sp>
+        <p:pic>
+          <p:nvPicPr>
+            <p:cNvPr id="119" name="Picture 118" descr="\documentclass{article}&#10;\usepackage{amsmath, amssymb, amsthm}&#10;\usepackage{xcolor}&#10;\pagestyle{empty}&#10;\begin{document}&#10;\setlength\parindent{0pt}&#10;&#10;\newcommand{\argmin}{\operatornamewithlimits{argmin}}&#10;\newcommand{\argmax}{\operatornamewithlimits{argmax}}&#10;\newcommand{\rtwo}{\mathbb{R}^2}&#10;\newcommand{\rone}{\mathbb{R}}&#10;\newcommand{\ex}{\mathbb{E}}&#10;\newcommand{\normal}{\mathcal{N}}&#10;\newcommand{\vor}{\mathcal{V}}&#10;\newcommand{\st}{\mid}&#10;\newcommand{\set}[1]{\left\{#1\right\}}&#10;\newcommand{\norm}[1]{\left\lVert #1\right\rVert}&#10;\newcommand{\rt}{\rightarrow}&#10;&#10;$d$&#10;&#10;\end{document}" title="IguanaTex Bitmap Display">
+              <a:extLst>
+                <a:ext uri="{FF2B5EF4-FFF2-40B4-BE49-F238E27FC236}">
+                  <a16:creationId xmlns:a16="http://schemas.microsoft.com/office/drawing/2014/main" id="{D8BCDB26-BB4D-4D54-8665-520314AD891D}"/>
+                </a:ext>
+              </a:extLst>
+            </p:cNvPr>
+            <p:cNvPicPr>
+              <a:picLocks noChangeAspect="1"/>
+            </p:cNvPicPr>
+            <p:nvPr>
+              <p:custDataLst>
+                <p:tags r:id="rId10"/>
+              </p:custDataLst>
+            </p:nvPr>
+          </p:nvPicPr>
+          <p:blipFill>
+            <a:blip r:embed="rId26">
+              <a:extLst>
+                <a:ext uri="{28A0092B-C50C-407E-A947-70E740481C1C}">
+                  <a14:useLocalDpi xmlns:a14="http://schemas.microsoft.com/office/drawing/2010/main" val="0"/>
+                </a:ext>
+              </a:extLst>
+            </a:blip>
+            <a:stretch>
+              <a:fillRect/>
+            </a:stretch>
+          </p:blipFill>
+          <p:spPr>
+            <a:xfrm>
+              <a:off x="9018829" y="8765150"/>
+              <a:ext cx="96330" cy="142666"/>
+            </a:xfrm>
+            <a:prstGeom prst="rect">
+              <a:avLst/>
+            </a:prstGeom>
+          </p:spPr>
+        </p:pic>
+        <p:sp>
+          <p:nvSpPr>
+            <p:cNvPr id="114" name="Rectangle 113">
+              <a:extLst>
+                <a:ext uri="{FF2B5EF4-FFF2-40B4-BE49-F238E27FC236}">
+                  <a16:creationId xmlns:a16="http://schemas.microsoft.com/office/drawing/2014/main" id="{D58DD7D5-159F-46E4-8A48-59537EA21811}"/>
+                </a:ext>
+              </a:extLst>
+            </p:cNvPr>
+            <p:cNvSpPr/>
+            <p:nvPr/>
+          </p:nvSpPr>
+          <p:spPr>
+            <a:xfrm rot="16200000">
+              <a:off x="3739706" y="1906097"/>
+              <a:ext cx="1556548" cy="174103"/>
+            </a:xfrm>
+            <a:prstGeom prst="rect">
+              <a:avLst/>
+            </a:prstGeom>
+            <a:solidFill>
+              <a:srgbClr val="FF00FF"/>
+            </a:solidFill>
+            <a:ln>
+              <a:noFill/>
+            </a:ln>
+          </p:spPr>
+          <p:style>
+            <a:lnRef idx="2">
+              <a:schemeClr val="accent1">
+                <a:shade val="50000"/>
+              </a:schemeClr>
+            </a:lnRef>
+            <a:fillRef idx="1">
+              <a:schemeClr val="accent1"/>
+            </a:fillRef>
+            <a:effectRef idx="0">
+              <a:schemeClr val="accent1"/>
+            </a:effectRef>
+            <a:fontRef idx="minor">
+              <a:schemeClr val="lt1"/>
+            </a:fontRef>
+          </p:style>
+          <p:txBody>
+            <a:bodyPr rtlCol="0" anchor="ctr"/>
+            <a:lstStyle/>
+            <a:p>
+              <a:pPr algn="ctr"/>
+              <a:r>
+                <a:rPr lang="en-US" sz="1200" dirty="0">
+                  <a:solidFill>
+                    <a:schemeClr val="tx1"/>
+                  </a:solidFill>
+                  <a:latin typeface="DejaVu Sans" panose="020B0603030804020204" pitchFamily="34" charset="0"/>
+                  <a:ea typeface="DejaVu Sans" panose="020B0603030804020204" pitchFamily="34" charset="0"/>
+                  <a:cs typeface="DejaVu Sans" panose="020B0603030804020204" pitchFamily="34" charset="0"/>
+                </a:rPr>
+                <a:t>Conv</a:t>
+              </a:r>
+            </a:p>
+          </p:txBody>
+        </p:sp>
+        <p:sp>
+          <p:nvSpPr>
+            <p:cNvPr id="115" name="Rectangle 114">
+              <a:extLst>
+                <a:ext uri="{FF2B5EF4-FFF2-40B4-BE49-F238E27FC236}">
+                  <a16:creationId xmlns:a16="http://schemas.microsoft.com/office/drawing/2014/main" id="{B2329104-12F2-4CA1-B602-BED2C8E25208}"/>
+                </a:ext>
+              </a:extLst>
+            </p:cNvPr>
+            <p:cNvSpPr/>
+            <p:nvPr/>
+          </p:nvSpPr>
+          <p:spPr>
+            <a:xfrm rot="16200000">
+              <a:off x="3974445" y="1906097"/>
+              <a:ext cx="1556548" cy="174103"/>
+            </a:xfrm>
+            <a:prstGeom prst="rect">
+              <a:avLst/>
+            </a:prstGeom>
+            <a:solidFill>
+              <a:srgbClr val="00FFFF"/>
+            </a:solidFill>
+            <a:ln>
+              <a:noFill/>
+            </a:ln>
+          </p:spPr>
+          <p:style>
+            <a:lnRef idx="2">
+              <a:schemeClr val="accent1">
+                <a:shade val="50000"/>
+              </a:schemeClr>
+            </a:lnRef>
+            <a:fillRef idx="1">
+              <a:schemeClr val="accent1"/>
+            </a:fillRef>
+            <a:effectRef idx="0">
+              <a:schemeClr val="accent1"/>
+            </a:effectRef>
+            <a:fontRef idx="minor">
+              <a:schemeClr val="lt1"/>
+            </a:fontRef>
+          </p:style>
+          <p:txBody>
+            <a:bodyPr rtlCol="0" anchor="ctr"/>
+            <a:lstStyle/>
+            <a:p>
+              <a:pPr algn="ctr"/>
+              <a:r>
+                <a:rPr lang="en-US" sz="1200" dirty="0">
+                  <a:solidFill>
+                    <a:schemeClr val="tx1"/>
+                  </a:solidFill>
+                  <a:latin typeface="DejaVu Sans" panose="020B0603030804020204" pitchFamily="34" charset="0"/>
+                  <a:ea typeface="DejaVu Sans" panose="020B0603030804020204" pitchFamily="34" charset="0"/>
+                  <a:cs typeface="DejaVu Sans" panose="020B0603030804020204" pitchFamily="34" charset="0"/>
+                </a:rPr>
+                <a:t>ReLU</a:t>
+              </a:r>
+            </a:p>
+          </p:txBody>
+        </p:sp>
+        <p:cxnSp>
+          <p:nvCxnSpPr>
+            <p:cNvPr id="116" name="Straight Arrow Connector 115">
+              <a:extLst>
+                <a:ext uri="{FF2B5EF4-FFF2-40B4-BE49-F238E27FC236}">
+                  <a16:creationId xmlns:a16="http://schemas.microsoft.com/office/drawing/2014/main" id="{1FC61E31-67C6-4B8D-94C0-1D265757ABCF}"/>
+                </a:ext>
+              </a:extLst>
+            </p:cNvPr>
+            <p:cNvCxnSpPr/>
+            <p:nvPr/>
+          </p:nvCxnSpPr>
+          <p:spPr>
+            <a:xfrm flipV="1">
+              <a:off x="4841153" y="1993145"/>
+              <a:ext cx="158276" cy="1"/>
+            </a:xfrm>
+            <a:prstGeom prst="straightConnector1">
+              <a:avLst/>
+            </a:prstGeom>
+            <a:ln w="38100">
               <a:solidFill>
-                <a:srgbClr val="FFFF00"/>
+                <a:schemeClr val="tx1"/>
               </a:solidFill>
-              <a:ln>
-                <a:noFill/>
-              </a:ln>
-            </p:spPr>
-            <p:style>
-              <a:lnRef idx="2">
-                <a:schemeClr val="accent1">
-                  <a:shade val="50000"/>
-                </a:schemeClr>
-              </a:lnRef>
-              <a:fillRef idx="1">
-                <a:schemeClr val="accent1"/>
-              </a:fillRef>
-              <a:effectRef idx="0">
-                <a:schemeClr val="accent1"/>
-              </a:effectRef>
-              <a:fontRef idx="minor">
-                <a:schemeClr val="lt1"/>
-              </a:fontRef>
-            </p:style>
-            <p:txBody>
-              <a:bodyPr rtlCol="0" anchor="ctr"/>
-              <a:lstStyle/>
-              <a:p>
-                <a:pPr algn="ctr"/>
-                <a:r>
-                  <a:rPr lang="en-US" sz="1200" dirty="0">
-                    <a:solidFill>
-                      <a:schemeClr val="tx1"/>
-                    </a:solidFill>
-                    <a:latin typeface="DejaVu Sans" panose="020B0603030804020204" pitchFamily="34" charset="0"/>
-                    <a:ea typeface="DejaVu Sans" panose="020B0603030804020204" pitchFamily="34" charset="0"/>
-                    <a:cs typeface="DejaVu Sans" panose="020B0603030804020204" pitchFamily="34" charset="0"/>
-                  </a:rPr>
-                  <a:t>BN</a:t>
-                </a:r>
-              </a:p>
-            </p:txBody>
-          </p:sp>
-          <p:sp>
-            <p:nvSpPr>
-              <p:cNvPr id="54" name="Rectangle 53">
-                <a:extLst>
-                  <a:ext uri="{FF2B5EF4-FFF2-40B4-BE49-F238E27FC236}">
-                    <a16:creationId xmlns:a16="http://schemas.microsoft.com/office/drawing/2014/main" id="{8FABFAC0-C74D-48C9-B78F-30F8F24FCCFA}"/>
-                  </a:ext>
-                </a:extLst>
-              </p:cNvPr>
-              <p:cNvSpPr/>
-              <p:nvPr/>
-            </p:nvSpPr>
-            <p:spPr>
-              <a:xfrm>
-                <a:off x="6724359" y="5220396"/>
-                <a:ext cx="2242024" cy="2342235"/>
-              </a:xfrm>
-              <a:prstGeom prst="rect">
-                <a:avLst/>
-              </a:prstGeom>
+              <a:tailEnd type="triangle"/>
+            </a:ln>
+          </p:spPr>
+          <p:style>
+            <a:lnRef idx="1">
+              <a:schemeClr val="accent1"/>
+            </a:lnRef>
+            <a:fillRef idx="0">
+              <a:schemeClr val="accent1"/>
+            </a:fillRef>
+            <a:effectRef idx="0">
+              <a:schemeClr val="accent1"/>
+            </a:effectRef>
+            <a:fontRef idx="minor">
+              <a:schemeClr val="tx1"/>
+            </a:fontRef>
+          </p:style>
+        </p:cxnSp>
+        <p:sp>
+          <p:nvSpPr>
+            <p:cNvPr id="120" name="TextBox 119">
+              <a:extLst>
+                <a:ext uri="{FF2B5EF4-FFF2-40B4-BE49-F238E27FC236}">
+                  <a16:creationId xmlns:a16="http://schemas.microsoft.com/office/drawing/2014/main" id="{E30EF318-5CB6-416D-9D91-C2F6750C44F8}"/>
+                </a:ext>
+              </a:extLst>
+            </p:cNvPr>
+            <p:cNvSpPr txBox="1"/>
+            <p:nvPr/>
+          </p:nvSpPr>
+          <p:spPr>
+            <a:xfrm>
+              <a:off x="2986635" y="1845112"/>
+              <a:ext cx="1045595" cy="461665"/>
+            </a:xfrm>
+            <a:prstGeom prst="rect">
+              <a:avLst/>
+            </a:prstGeom>
+            <a:noFill/>
+          </p:spPr>
+          <p:txBody>
+            <a:bodyPr wrap="square" rtlCol="0">
+              <a:spAutoFit/>
+            </a:bodyPr>
+            <a:lstStyle/>
+            <a:p>
+              <a:pPr algn="ctr"/>
+              <a:r>
+                <a:rPr lang="en-US" sz="1200" dirty="0">
+                  <a:latin typeface="DejaVu Sans" panose="020B0603030804020204" pitchFamily="34" charset="0"/>
+                  <a:ea typeface="DejaVu Sans" panose="020B0603030804020204" pitchFamily="34" charset="0"/>
+                  <a:cs typeface="DejaVu Sans" panose="020B0603030804020204" pitchFamily="34" charset="0"/>
+                </a:rPr>
+                <a:t>LR Patch</a:t>
+              </a:r>
+            </a:p>
+            <a:p>
+              <a:pPr algn="ctr"/>
+              <a:r>
+                <a:rPr lang="en-US" sz="1200" dirty="0">
+                  <a:latin typeface="DejaVu Sans" panose="020B0603030804020204" pitchFamily="34" charset="0"/>
+                  <a:ea typeface="DejaVu Sans" panose="020B0603030804020204" pitchFamily="34" charset="0"/>
+                  <a:cs typeface="DejaVu Sans" panose="020B0603030804020204" pitchFamily="34" charset="0"/>
+                </a:rPr>
+                <a:t>2x64x64</a:t>
+              </a:r>
+            </a:p>
+          </p:txBody>
+        </p:sp>
+        <p:sp>
+          <p:nvSpPr>
+            <p:cNvPr id="121" name="TextBox 120">
+              <a:extLst>
+                <a:ext uri="{FF2B5EF4-FFF2-40B4-BE49-F238E27FC236}">
+                  <a16:creationId xmlns:a16="http://schemas.microsoft.com/office/drawing/2014/main" id="{C52086D7-4DB2-4EBD-97C8-BF2FCA54ADE0}"/>
+                </a:ext>
+              </a:extLst>
+            </p:cNvPr>
+            <p:cNvSpPr txBox="1"/>
+            <p:nvPr/>
+          </p:nvSpPr>
+          <p:spPr>
+            <a:xfrm>
+              <a:off x="8622213" y="1845112"/>
+              <a:ext cx="1045595" cy="461665"/>
+            </a:xfrm>
+            <a:prstGeom prst="rect">
+              <a:avLst/>
+            </a:prstGeom>
+            <a:noFill/>
+          </p:spPr>
+          <p:txBody>
+            <a:bodyPr wrap="square" rtlCol="0">
+              <a:spAutoFit/>
+            </a:bodyPr>
+            <a:lstStyle/>
+            <a:p>
+              <a:pPr algn="ctr"/>
+              <a:r>
+                <a:rPr lang="en-US" sz="1200" dirty="0">
+                  <a:latin typeface="DejaVu Sans" panose="020B0603030804020204" pitchFamily="34" charset="0"/>
+                  <a:ea typeface="DejaVu Sans" panose="020B0603030804020204" pitchFamily="34" charset="0"/>
+                  <a:cs typeface="DejaVu Sans" panose="020B0603030804020204" pitchFamily="34" charset="0"/>
+                </a:rPr>
+                <a:t>SR Patch</a:t>
+              </a:r>
+            </a:p>
+            <a:p>
+              <a:pPr algn="ctr"/>
+              <a:r>
+                <a:rPr lang="en-US" sz="1200" dirty="0">
+                  <a:latin typeface="DejaVu Sans" panose="020B0603030804020204" pitchFamily="34" charset="0"/>
+                  <a:ea typeface="DejaVu Sans" panose="020B0603030804020204" pitchFamily="34" charset="0"/>
+                  <a:cs typeface="DejaVu Sans" panose="020B0603030804020204" pitchFamily="34" charset="0"/>
+                </a:rPr>
+                <a:t>2x64x64</a:t>
+              </a:r>
+            </a:p>
+          </p:txBody>
+        </p:sp>
+        <p:pic>
+          <p:nvPicPr>
+            <p:cNvPr id="122" name="Picture 121" descr="\documentclass{article}&#10;\usepackage{amsmath, amssymb, amsthm}&#10;\usepackage{xcolor}&#10;\pagestyle{empty}&#10;\begin{document}&#10;\setlength\parindent{0pt}&#10;&#10;\newcommand{\argmin}{\operatornamewithlimits{argmin}}&#10;\newcommand{\argmax}{\operatornamewithlimits{argmax}}&#10;\newcommand{\rtwo}{\mathbb{R}^2}&#10;\newcommand{\rone}{\mathbb{R}}&#10;\newcommand{\ex}{\mathbb{E}}&#10;\newcommand{\normal}{\mathcal{N}}&#10;\newcommand{\vor}{\mathcal{V}}&#10;\newcommand{\st}{\mid}&#10;\newcommand{\set}[1]{\left\{#1\right\}}&#10;\newcommand{\norm}[1]{\left\lVert #1\right\rVert}&#10;\newcommand{\rt}{\rightarrow}&#10;&#10;$f_1$&#10;&#10;\end{document}" title="IguanaTex Bitmap Display">
+              <a:extLst>
+                <a:ext uri="{FF2B5EF4-FFF2-40B4-BE49-F238E27FC236}">
+                  <a16:creationId xmlns:a16="http://schemas.microsoft.com/office/drawing/2014/main" id="{26D3F7C5-E84A-4EA2-852A-CFE0B7A0F540}"/>
+                </a:ext>
+              </a:extLst>
+            </p:cNvPr>
+            <p:cNvPicPr>
+              <a:picLocks noChangeAspect="1"/>
+            </p:cNvPicPr>
+            <p:nvPr>
+              <p:custDataLst>
+                <p:tags r:id="rId11"/>
+              </p:custDataLst>
+            </p:nvPr>
+          </p:nvPicPr>
+          <p:blipFill>
+            <a:blip r:embed="rId27">
+              <a:extLst>
+                <a:ext uri="{28A0092B-C50C-407E-A947-70E740481C1C}">
+                  <a14:useLocalDpi xmlns:a14="http://schemas.microsoft.com/office/drawing/2010/main" val="0"/>
+                </a:ext>
+              </a:extLst>
+            </a:blip>
+            <a:stretch>
+              <a:fillRect/>
+            </a:stretch>
+          </p:blipFill>
+          <p:spPr>
+            <a:xfrm>
+              <a:off x="4423308" y="2859127"/>
+              <a:ext cx="154860" cy="184126"/>
+            </a:xfrm>
+            <a:prstGeom prst="rect">
+              <a:avLst/>
+            </a:prstGeom>
+          </p:spPr>
+        </p:pic>
+        <p:sp>
+          <p:nvSpPr>
+            <p:cNvPr id="124" name="TextBox 123">
+              <a:extLst>
+                <a:ext uri="{FF2B5EF4-FFF2-40B4-BE49-F238E27FC236}">
+                  <a16:creationId xmlns:a16="http://schemas.microsoft.com/office/drawing/2014/main" id="{7A1E8335-747A-4D1D-A3C3-168057CDAEA6}"/>
+                </a:ext>
+              </a:extLst>
+            </p:cNvPr>
+            <p:cNvSpPr txBox="1"/>
+            <p:nvPr/>
+          </p:nvSpPr>
+          <p:spPr>
+            <a:xfrm>
+              <a:off x="4872893" y="1845112"/>
+              <a:ext cx="1045595" cy="461665"/>
+            </a:xfrm>
+            <a:prstGeom prst="rect">
+              <a:avLst/>
+            </a:prstGeom>
+            <a:noFill/>
+          </p:spPr>
+          <p:txBody>
+            <a:bodyPr wrap="square" rtlCol="0">
+              <a:spAutoFit/>
+            </a:bodyPr>
+            <a:lstStyle/>
+            <a:p>
+              <a:pPr algn="ctr"/>
+              <a:r>
+                <a:rPr lang="en-US" sz="1200" dirty="0">
+                  <a:latin typeface="DejaVu Sans" panose="020B0603030804020204" pitchFamily="34" charset="0"/>
+                  <a:ea typeface="DejaVu Sans" panose="020B0603030804020204" pitchFamily="34" charset="0"/>
+                  <a:cs typeface="DejaVu Sans" panose="020B0603030804020204" pitchFamily="34" charset="0"/>
+                </a:rPr>
+                <a:t>Tensor</a:t>
+              </a:r>
+            </a:p>
+            <a:p>
+              <a:pPr algn="ctr"/>
+              <a:r>
+                <a:rPr lang="en-US" sz="1200" dirty="0">
+                  <a:latin typeface="DejaVu Sans" panose="020B0603030804020204" pitchFamily="34" charset="0"/>
+                  <a:ea typeface="DejaVu Sans" panose="020B0603030804020204" pitchFamily="34" charset="0"/>
+                  <a:cs typeface="DejaVu Sans" panose="020B0603030804020204" pitchFamily="34" charset="0"/>
+                </a:rPr>
+                <a:t>    x64x64</a:t>
+              </a:r>
+            </a:p>
+          </p:txBody>
+        </p:sp>
+        <p:pic>
+          <p:nvPicPr>
+            <p:cNvPr id="125" name="Picture 124" descr="\documentclass{article}&#10;\usepackage{amsmath, amssymb, amsthm}&#10;\usepackage{xcolor}&#10;\pagestyle{empty}&#10;\begin{document}&#10;\setlength\parindent{0pt}&#10;&#10;\newcommand{\argmin}{\operatornamewithlimits{argmin}}&#10;\newcommand{\argmax}{\operatornamewithlimits{argmax}}&#10;\newcommand{\rtwo}{\mathbb{R}^2}&#10;\newcommand{\rone}{\mathbb{R}}&#10;\newcommand{\ex}{\mathbb{E}}&#10;\newcommand{\normal}{\mathcal{N}}&#10;\newcommand{\vor}{\mathcal{V}}&#10;\newcommand{\st}{\mid}&#10;\newcommand{\set}[1]{\left\{#1\right\}}&#10;\newcommand{\norm}[1]{\left\lVert #1\right\rVert}&#10;\newcommand{\rt}{\rightarrow}&#10;&#10;$n_1$&#10;&#10;\end{document}" title="IguanaTex Bitmap Display">
+              <a:extLst>
+                <a:ext uri="{FF2B5EF4-FFF2-40B4-BE49-F238E27FC236}">
+                  <a16:creationId xmlns:a16="http://schemas.microsoft.com/office/drawing/2014/main" id="{A7CA4650-6729-4C6E-BF06-0530E66F3910}"/>
+                </a:ext>
+              </a:extLst>
+            </p:cNvPr>
+            <p:cNvPicPr>
+              <a:picLocks noChangeAspect="1"/>
+            </p:cNvPicPr>
+            <p:nvPr>
+              <p:custDataLst>
+                <p:tags r:id="rId12"/>
+              </p:custDataLst>
+            </p:nvPr>
+          </p:nvPicPr>
+          <p:blipFill>
+            <a:blip r:embed="rId28">
+              <a:extLst>
+                <a:ext uri="{28A0092B-C50C-407E-A947-70E740481C1C}">
+                  <a14:useLocalDpi xmlns:a14="http://schemas.microsoft.com/office/drawing/2010/main" val="0"/>
+                </a:ext>
+              </a:extLst>
+            </a:blip>
+            <a:stretch>
+              <a:fillRect/>
+            </a:stretch>
+          </p:blipFill>
+          <p:spPr>
+            <a:xfrm>
+              <a:off x="4988421" y="2123958"/>
+              <a:ext cx="184124" cy="119498"/>
+            </a:xfrm>
+            <a:prstGeom prst="rect">
+              <a:avLst/>
+            </a:prstGeom>
+          </p:spPr>
+        </p:pic>
+        <p:cxnSp>
+          <p:nvCxnSpPr>
+            <p:cNvPr id="126" name="Straight Arrow Connector 125">
+              <a:extLst>
+                <a:ext uri="{FF2B5EF4-FFF2-40B4-BE49-F238E27FC236}">
+                  <a16:creationId xmlns:a16="http://schemas.microsoft.com/office/drawing/2014/main" id="{76FF830F-5278-4808-81A2-49A8AE6C0FED}"/>
+                </a:ext>
+              </a:extLst>
+            </p:cNvPr>
+            <p:cNvCxnSpPr>
+              <a:cxnSpLocks/>
+            </p:cNvCxnSpPr>
+            <p:nvPr/>
+          </p:nvCxnSpPr>
+          <p:spPr>
+            <a:xfrm>
+              <a:off x="3938899" y="1993144"/>
+              <a:ext cx="437486" cy="0"/>
+            </a:xfrm>
+            <a:prstGeom prst="straightConnector1">
+              <a:avLst/>
+            </a:prstGeom>
+            <a:ln w="38100">
+              <a:solidFill>
+                <a:schemeClr val="tx1"/>
+              </a:solidFill>
+              <a:tailEnd type="triangle"/>
+            </a:ln>
+          </p:spPr>
+          <p:style>
+            <a:lnRef idx="1">
+              <a:schemeClr val="accent1"/>
+            </a:lnRef>
+            <a:fillRef idx="0">
+              <a:schemeClr val="accent1"/>
+            </a:fillRef>
+            <a:effectRef idx="0">
+              <a:schemeClr val="accent1"/>
+            </a:effectRef>
+            <a:fontRef idx="minor">
+              <a:schemeClr val="tx1"/>
+            </a:fontRef>
+          </p:style>
+        </p:cxnSp>
+        <p:sp>
+          <p:nvSpPr>
+            <p:cNvPr id="127" name="Rectangle 126">
+              <a:extLst>
+                <a:ext uri="{FF2B5EF4-FFF2-40B4-BE49-F238E27FC236}">
+                  <a16:creationId xmlns:a16="http://schemas.microsoft.com/office/drawing/2014/main" id="{C47E7816-07FE-4D0B-AA15-EDDE7993C0FC}"/>
+                </a:ext>
+              </a:extLst>
+            </p:cNvPr>
+            <p:cNvSpPr/>
+            <p:nvPr/>
+          </p:nvSpPr>
+          <p:spPr>
+            <a:xfrm rot="16200000">
+              <a:off x="5589634" y="1906097"/>
+              <a:ext cx="1556548" cy="174103"/>
+            </a:xfrm>
+            <a:prstGeom prst="rect">
+              <a:avLst/>
+            </a:prstGeom>
+            <a:solidFill>
+              <a:srgbClr val="FF00FF"/>
+            </a:solidFill>
+            <a:ln>
               <a:noFill/>
-              <a:ln w="38100">
-                <a:solidFill>
-                  <a:schemeClr val="tx1"/>
-                </a:solidFill>
-              </a:ln>
-            </p:spPr>
-            <p:style>
-              <a:lnRef idx="2">
-                <a:schemeClr val="accent1">
-                  <a:shade val="50000"/>
-                </a:schemeClr>
-              </a:lnRef>
-              <a:fillRef idx="1">
-                <a:schemeClr val="accent1"/>
-              </a:fillRef>
-              <a:effectRef idx="0">
-                <a:schemeClr val="accent1"/>
-              </a:effectRef>
-              <a:fontRef idx="minor">
-                <a:schemeClr val="lt1"/>
-              </a:fontRef>
-            </p:style>
-            <p:txBody>
-              <a:bodyPr rtlCol="0" anchor="ctr"/>
-              <a:lstStyle/>
-              <a:p>
-                <a:pPr algn="ctr"/>
-                <a:endParaRPr lang="en-US"/>
-              </a:p>
-            </p:txBody>
-          </p:sp>
-          <p:grpSp>
-            <p:nvGrpSpPr>
-              <p:cNvPr id="66" name="Group 65">
-                <a:extLst>
-                  <a:ext uri="{FF2B5EF4-FFF2-40B4-BE49-F238E27FC236}">
-                    <a16:creationId xmlns:a16="http://schemas.microsoft.com/office/drawing/2014/main" id="{0119BB55-02B6-4CDB-83B7-CA53589758C5}"/>
-                  </a:ext>
-                </a:extLst>
-              </p:cNvPr>
-              <p:cNvGrpSpPr/>
-              <p:nvPr/>
-            </p:nvGrpSpPr>
-            <p:grpSpPr>
-              <a:xfrm>
-                <a:off x="7170423" y="4872175"/>
-                <a:ext cx="1508121" cy="276999"/>
-                <a:chOff x="3864985" y="1828016"/>
-                <a:chExt cx="1508121" cy="276999"/>
-              </a:xfrm>
-            </p:grpSpPr>
-            <p:sp>
-              <p:nvSpPr>
-                <p:cNvPr id="55" name="TextBox 54">
-                  <a:extLst>
-                    <a:ext uri="{FF2B5EF4-FFF2-40B4-BE49-F238E27FC236}">
-                      <a16:creationId xmlns:a16="http://schemas.microsoft.com/office/drawing/2014/main" id="{13FD578E-1AA5-4310-9A15-EDC06DCA284D}"/>
-                    </a:ext>
-                  </a:extLst>
-                </p:cNvPr>
-                <p:cNvSpPr txBox="1"/>
-                <p:nvPr/>
-              </p:nvSpPr>
-              <p:spPr>
-                <a:xfrm>
-                  <a:off x="3922842" y="1828016"/>
-                  <a:ext cx="1450264" cy="276999"/>
-                </a:xfrm>
-                <a:prstGeom prst="rect">
-                  <a:avLst/>
-                </a:prstGeom>
-                <a:noFill/>
-              </p:spPr>
-              <p:txBody>
-                <a:bodyPr wrap="square" rtlCol="0">
-                  <a:spAutoFit/>
-                </a:bodyPr>
-                <a:lstStyle/>
-                <a:p>
-                  <a:pPr algn="ctr"/>
-                  <a:r>
-                    <a:rPr lang="en-US" sz="1200" dirty="0">
-                      <a:latin typeface="DejaVu Sans" panose="020B0603030804020204" pitchFamily="34" charset="0"/>
-                      <a:ea typeface="DejaVu Sans" panose="020B0603030804020204" pitchFamily="34" charset="0"/>
-                      <a:cs typeface="DejaVu Sans" panose="020B0603030804020204" pitchFamily="34" charset="0"/>
-                    </a:rPr>
-                    <a:t>Residual Blocks</a:t>
-                  </a:r>
-                </a:p>
-              </p:txBody>
-            </p:sp>
-            <p:pic>
-              <p:nvPicPr>
-                <p:cNvPr id="65" name="Picture 64" descr="\documentclass{article}&#10;\usepackage{amsmath, amssymb, amsthm}&#10;\usepackage{xcolor}&#10;\pagestyle{empty}&#10;\begin{document}&#10;\setlength\parindent{0pt}&#10;&#10;\newcommand{\argmin}{\operatornamewithlimits{argmin}}&#10;\newcommand{\argmax}{\operatornamewithlimits{argmax}}&#10;\newcommand{\rtwo}{\mathbb{R}^2}&#10;\newcommand{\rone}{\mathbb{R}}&#10;\newcommand{\ex}{\mathbb{E}}&#10;\newcommand{\normal}{\mathcal{N}}&#10;\newcommand{\vor}{\mathcal{V}}&#10;\newcommand{\st}{\mid}&#10;\newcommand{\set}[1]{\left\{#1\right\}}&#10;\newcommand{\norm}[1]{\left\lVert #1\right\rVert}&#10;\newcommand{\rt}{\rightarrow}&#10;&#10;$\ell$&#10;&#10;\end{document}" title="IguanaTex Bitmap Display">
-                  <a:extLst>
-                    <a:ext uri="{FF2B5EF4-FFF2-40B4-BE49-F238E27FC236}">
-                      <a16:creationId xmlns:a16="http://schemas.microsoft.com/office/drawing/2014/main" id="{15B2C9F7-A208-4D45-9A55-5E3A966CEEF3}"/>
-                    </a:ext>
-                  </a:extLst>
-                </p:cNvPr>
-                <p:cNvPicPr>
-                  <a:picLocks noChangeAspect="1"/>
-                </p:cNvPicPr>
-                <p:nvPr>
-                  <p:custDataLst>
-                    <p:tags r:id="rId20"/>
-                  </p:custDataLst>
-                </p:nvPr>
-              </p:nvPicPr>
-              <p:blipFill>
-                <a:blip r:embed="rId23">
-                  <a:extLst>
-                    <a:ext uri="{28A0092B-C50C-407E-A947-70E740481C1C}">
-                      <a14:useLocalDpi xmlns:a14="http://schemas.microsoft.com/office/drawing/2010/main" val="0"/>
-                    </a:ext>
-                  </a:extLst>
-                </a:blip>
-                <a:stretch>
-                  <a:fillRect/>
-                </a:stretch>
-              </p:blipFill>
-              <p:spPr>
-                <a:xfrm>
-                  <a:off x="3864985" y="1893962"/>
-                  <a:ext cx="79259" cy="145105"/>
-                </a:xfrm>
-                <a:prstGeom prst="rect">
-                  <a:avLst/>
-                </a:prstGeom>
-              </p:spPr>
-            </p:pic>
-          </p:grpSp>
-          <p:sp>
-            <p:nvSpPr>
-              <p:cNvPr id="68" name="Oval 67">
-                <a:extLst>
-                  <a:ext uri="{FF2B5EF4-FFF2-40B4-BE49-F238E27FC236}">
-                    <a16:creationId xmlns:a16="http://schemas.microsoft.com/office/drawing/2014/main" id="{CCD3887A-B8EB-4FB8-A8B5-BB6BC6DBF5EB}"/>
-                  </a:ext>
-                </a:extLst>
-              </p:cNvPr>
-              <p:cNvSpPr/>
-              <p:nvPr/>
-            </p:nvSpPr>
-            <p:spPr>
-              <a:xfrm>
-                <a:off x="9769411" y="6245486"/>
-                <a:ext cx="242689" cy="242689"/>
-              </a:xfrm>
-              <a:prstGeom prst="ellipse">
-                <a:avLst/>
-              </a:prstGeom>
+            </a:ln>
+          </p:spPr>
+          <p:style>
+            <a:lnRef idx="2">
+              <a:schemeClr val="accent1">
+                <a:shade val="50000"/>
+              </a:schemeClr>
+            </a:lnRef>
+            <a:fillRef idx="1">
+              <a:schemeClr val="accent1"/>
+            </a:fillRef>
+            <a:effectRef idx="0">
+              <a:schemeClr val="accent1"/>
+            </a:effectRef>
+            <a:fontRef idx="minor">
+              <a:schemeClr val="lt1"/>
+            </a:fontRef>
+          </p:style>
+          <p:txBody>
+            <a:bodyPr rtlCol="0" anchor="ctr"/>
+            <a:lstStyle/>
+            <a:p>
+              <a:pPr algn="ctr"/>
+              <a:r>
+                <a:rPr lang="en-US" sz="1200" dirty="0">
+                  <a:solidFill>
+                    <a:schemeClr val="tx1"/>
+                  </a:solidFill>
+                  <a:latin typeface="DejaVu Sans" panose="020B0603030804020204" pitchFamily="34" charset="0"/>
+                  <a:ea typeface="DejaVu Sans" panose="020B0603030804020204" pitchFamily="34" charset="0"/>
+                  <a:cs typeface="DejaVu Sans" panose="020B0603030804020204" pitchFamily="34" charset="0"/>
+                </a:rPr>
+                <a:t>Conv</a:t>
+              </a:r>
+            </a:p>
+          </p:txBody>
+        </p:sp>
+        <p:sp>
+          <p:nvSpPr>
+            <p:cNvPr id="128" name="Rectangle 127">
+              <a:extLst>
+                <a:ext uri="{FF2B5EF4-FFF2-40B4-BE49-F238E27FC236}">
+                  <a16:creationId xmlns:a16="http://schemas.microsoft.com/office/drawing/2014/main" id="{41304881-5C7D-41CA-B85E-1000C4ABD603}"/>
+                </a:ext>
+              </a:extLst>
+            </p:cNvPr>
+            <p:cNvSpPr/>
+            <p:nvPr/>
+          </p:nvSpPr>
+          <p:spPr>
+            <a:xfrm rot="16200000">
+              <a:off x="5824373" y="1906097"/>
+              <a:ext cx="1556548" cy="174103"/>
+            </a:xfrm>
+            <a:prstGeom prst="rect">
+              <a:avLst/>
+            </a:prstGeom>
+            <a:solidFill>
+              <a:srgbClr val="00FFFF"/>
+            </a:solidFill>
+            <a:ln>
               <a:noFill/>
-              <a:ln>
-                <a:solidFill>
-                  <a:schemeClr val="tx1"/>
-                </a:solidFill>
-              </a:ln>
-            </p:spPr>
-            <p:style>
-              <a:lnRef idx="2">
-                <a:schemeClr val="accent1">
-                  <a:shade val="50000"/>
-                </a:schemeClr>
-              </a:lnRef>
-              <a:fillRef idx="1">
-                <a:schemeClr val="accent1"/>
-              </a:fillRef>
-              <a:effectRef idx="0">
-                <a:schemeClr val="accent1"/>
-              </a:effectRef>
-              <a:fontRef idx="minor">
-                <a:schemeClr val="lt1"/>
-              </a:fontRef>
-            </p:style>
-            <p:txBody>
-              <a:bodyPr rtlCol="0" anchor="ctr"/>
-              <a:lstStyle/>
-              <a:p>
-                <a:pPr algn="ctr"/>
-                <a:r>
-                  <a:rPr lang="en-US" sz="1200" dirty="0">
-                    <a:solidFill>
-                      <a:schemeClr val="tx1"/>
-                    </a:solidFill>
-                    <a:latin typeface="DejaVu Sans" panose="020B0603030804020204" pitchFamily="34" charset="0"/>
-                    <a:ea typeface="DejaVu Sans" panose="020B0603030804020204" pitchFamily="34" charset="0"/>
-                    <a:cs typeface="DejaVu Sans" panose="020B0603030804020204" pitchFamily="34" charset="0"/>
-                  </a:rPr>
-                  <a:t>+</a:t>
-                </a:r>
-              </a:p>
-            </p:txBody>
-          </p:sp>
-          <p:sp>
-            <p:nvSpPr>
-              <p:cNvPr id="69" name="Rectangle 68">
-                <a:extLst>
-                  <a:ext uri="{FF2B5EF4-FFF2-40B4-BE49-F238E27FC236}">
-                    <a16:creationId xmlns:a16="http://schemas.microsoft.com/office/drawing/2014/main" id="{2AC489E8-1528-40EA-B767-EB389B0B07CD}"/>
-                  </a:ext>
-                </a:extLst>
-              </p:cNvPr>
-              <p:cNvSpPr/>
-              <p:nvPr/>
-            </p:nvSpPr>
-            <p:spPr>
-              <a:xfrm rot="16200000">
-                <a:off x="8570889" y="6279777"/>
-                <a:ext cx="1556548" cy="174103"/>
-              </a:xfrm>
-              <a:prstGeom prst="rect">
-                <a:avLst/>
-              </a:prstGeom>
+            </a:ln>
+          </p:spPr>
+          <p:style>
+            <a:lnRef idx="2">
+              <a:schemeClr val="accent1">
+                <a:shade val="50000"/>
+              </a:schemeClr>
+            </a:lnRef>
+            <a:fillRef idx="1">
+              <a:schemeClr val="accent1"/>
+            </a:fillRef>
+            <a:effectRef idx="0">
+              <a:schemeClr val="accent1"/>
+            </a:effectRef>
+            <a:fontRef idx="minor">
+              <a:schemeClr val="lt1"/>
+            </a:fontRef>
+          </p:style>
+          <p:txBody>
+            <a:bodyPr rtlCol="0" anchor="ctr"/>
+            <a:lstStyle/>
+            <a:p>
+              <a:pPr algn="ctr"/>
+              <a:r>
+                <a:rPr lang="en-US" sz="1200" dirty="0">
+                  <a:solidFill>
+                    <a:schemeClr val="tx1"/>
+                  </a:solidFill>
+                  <a:latin typeface="DejaVu Sans" panose="020B0603030804020204" pitchFamily="34" charset="0"/>
+                  <a:ea typeface="DejaVu Sans" panose="020B0603030804020204" pitchFamily="34" charset="0"/>
+                  <a:cs typeface="DejaVu Sans" panose="020B0603030804020204" pitchFamily="34" charset="0"/>
+                </a:rPr>
+                <a:t>ReLU</a:t>
+              </a:r>
+            </a:p>
+          </p:txBody>
+        </p:sp>
+        <p:cxnSp>
+          <p:nvCxnSpPr>
+            <p:cNvPr id="129" name="Straight Arrow Connector 128">
+              <a:extLst>
+                <a:ext uri="{FF2B5EF4-FFF2-40B4-BE49-F238E27FC236}">
+                  <a16:creationId xmlns:a16="http://schemas.microsoft.com/office/drawing/2014/main" id="{C1FC02B6-7E35-47A0-818F-8B6AAA42CFD2}"/>
+                </a:ext>
+              </a:extLst>
+            </p:cNvPr>
+            <p:cNvCxnSpPr/>
+            <p:nvPr/>
+          </p:nvCxnSpPr>
+          <p:spPr>
+            <a:xfrm flipV="1">
+              <a:off x="6691081" y="1993145"/>
+              <a:ext cx="158276" cy="1"/>
+            </a:xfrm>
+            <a:prstGeom prst="straightConnector1">
+              <a:avLst/>
+            </a:prstGeom>
+            <a:ln w="38100">
               <a:solidFill>
-                <a:srgbClr val="FF00FF"/>
+                <a:schemeClr val="tx1"/>
               </a:solidFill>
-              <a:ln>
-                <a:noFill/>
-              </a:ln>
-            </p:spPr>
-            <p:style>
-              <a:lnRef idx="2">
-                <a:schemeClr val="accent1">
-                  <a:shade val="50000"/>
-                </a:schemeClr>
-              </a:lnRef>
-              <a:fillRef idx="1">
-                <a:schemeClr val="accent1"/>
-              </a:fillRef>
-              <a:effectRef idx="0">
-                <a:schemeClr val="accent1"/>
-              </a:effectRef>
-              <a:fontRef idx="minor">
-                <a:schemeClr val="lt1"/>
-              </a:fontRef>
-            </p:style>
-            <p:txBody>
-              <a:bodyPr rtlCol="0" anchor="ctr"/>
-              <a:lstStyle/>
-              <a:p>
-                <a:pPr algn="ctr"/>
-                <a:r>
-                  <a:rPr lang="en-US" sz="1200" dirty="0">
-                    <a:solidFill>
-                      <a:schemeClr val="tx1"/>
-                    </a:solidFill>
-                    <a:latin typeface="DejaVu Sans" panose="020B0603030804020204" pitchFamily="34" charset="0"/>
-                    <a:ea typeface="DejaVu Sans" panose="020B0603030804020204" pitchFamily="34" charset="0"/>
-                    <a:cs typeface="DejaVu Sans" panose="020B0603030804020204" pitchFamily="34" charset="0"/>
-                  </a:rPr>
-                  <a:t>Conv</a:t>
-                </a:r>
-              </a:p>
-            </p:txBody>
-          </p:sp>
-          <p:sp>
-            <p:nvSpPr>
-              <p:cNvPr id="70" name="Rectangle 69">
-                <a:extLst>
-                  <a:ext uri="{FF2B5EF4-FFF2-40B4-BE49-F238E27FC236}">
-                    <a16:creationId xmlns:a16="http://schemas.microsoft.com/office/drawing/2014/main" id="{B0AE84BB-BDC1-45DC-852F-D20DC0625B38}"/>
-                  </a:ext>
-                </a:extLst>
-              </p:cNvPr>
-              <p:cNvSpPr/>
-              <p:nvPr/>
-            </p:nvSpPr>
-            <p:spPr>
-              <a:xfrm rot="16200000">
-                <a:off x="8805628" y="6279777"/>
-                <a:ext cx="1556548" cy="174103"/>
-              </a:xfrm>
-              <a:prstGeom prst="rect">
-                <a:avLst/>
-              </a:prstGeom>
+              <a:tailEnd type="triangle"/>
+            </a:ln>
+          </p:spPr>
+          <p:style>
+            <a:lnRef idx="1">
+              <a:schemeClr val="accent1"/>
+            </a:lnRef>
+            <a:fillRef idx="0">
+              <a:schemeClr val="accent1"/>
+            </a:fillRef>
+            <a:effectRef idx="0">
+              <a:schemeClr val="accent1"/>
+            </a:effectRef>
+            <a:fontRef idx="minor">
+              <a:schemeClr val="tx1"/>
+            </a:fontRef>
+          </p:style>
+        </p:cxnSp>
+        <p:pic>
+          <p:nvPicPr>
+            <p:cNvPr id="130" name="Picture 129" descr="\documentclass{article}&#10;\usepackage{amsmath, amssymb, amsthm}&#10;\usepackage{xcolor}&#10;\pagestyle{empty}&#10;\begin{document}&#10;\setlength\parindent{0pt}&#10;&#10;\newcommand{\argmin}{\operatornamewithlimits{argmin}}&#10;\newcommand{\argmax}{\operatornamewithlimits{argmax}}&#10;\newcommand{\rtwo}{\mathbb{R}^2}&#10;\newcommand{\rone}{\mathbb{R}}&#10;\newcommand{\ex}{\mathbb{E}}&#10;\newcommand{\normal}{\mathcal{N}}&#10;\newcommand{\vor}{\mathcal{V}}&#10;\newcommand{\st}{\mid}&#10;\newcommand{\set}[1]{\left\{#1\right\}}&#10;\newcommand{\norm}[1]{\left\lVert #1\right\rVert}&#10;\newcommand{\rt}{\rightarrow}&#10;&#10;$f_2$&#10;&#10;\end{document}" title="IguanaTex Bitmap Display">
+              <a:extLst>
+                <a:ext uri="{FF2B5EF4-FFF2-40B4-BE49-F238E27FC236}">
+                  <a16:creationId xmlns:a16="http://schemas.microsoft.com/office/drawing/2014/main" id="{458BB14B-C4AF-4088-A156-000D856D0715}"/>
+                </a:ext>
+              </a:extLst>
+            </p:cNvPr>
+            <p:cNvPicPr>
+              <a:picLocks noChangeAspect="1"/>
+            </p:cNvPicPr>
+            <p:nvPr>
+              <p:custDataLst>
+                <p:tags r:id="rId13"/>
+              </p:custDataLst>
+            </p:nvPr>
+          </p:nvPicPr>
+          <p:blipFill>
+            <a:blip r:embed="rId29">
+              <a:extLst>
+                <a:ext uri="{28A0092B-C50C-407E-A947-70E740481C1C}">
+                  <a14:useLocalDpi xmlns:a14="http://schemas.microsoft.com/office/drawing/2010/main" val="0"/>
+                </a:ext>
+              </a:extLst>
+            </a:blip>
+            <a:stretch>
+              <a:fillRect/>
+            </a:stretch>
+          </p:blipFill>
+          <p:spPr>
+            <a:xfrm>
+              <a:off x="6273237" y="2859127"/>
+              <a:ext cx="159737" cy="184126"/>
+            </a:xfrm>
+            <a:prstGeom prst="rect">
+              <a:avLst/>
+            </a:prstGeom>
+          </p:spPr>
+        </p:pic>
+        <p:sp>
+          <p:nvSpPr>
+            <p:cNvPr id="132" name="TextBox 131">
+              <a:extLst>
+                <a:ext uri="{FF2B5EF4-FFF2-40B4-BE49-F238E27FC236}">
+                  <a16:creationId xmlns:a16="http://schemas.microsoft.com/office/drawing/2014/main" id="{DD9F9986-7ED2-494A-8FE9-205E619FD653}"/>
+                </a:ext>
+              </a:extLst>
+            </p:cNvPr>
+            <p:cNvSpPr txBox="1"/>
+            <p:nvPr/>
+          </p:nvSpPr>
+          <p:spPr>
+            <a:xfrm>
+              <a:off x="6722821" y="1845112"/>
+              <a:ext cx="1045595" cy="461665"/>
+            </a:xfrm>
+            <a:prstGeom prst="rect">
+              <a:avLst/>
+            </a:prstGeom>
+            <a:noFill/>
+          </p:spPr>
+          <p:txBody>
+            <a:bodyPr wrap="square" rtlCol="0">
+              <a:spAutoFit/>
+            </a:bodyPr>
+            <a:lstStyle/>
+            <a:p>
+              <a:pPr algn="ctr"/>
+              <a:r>
+                <a:rPr lang="en-US" sz="1200" dirty="0">
+                  <a:latin typeface="DejaVu Sans" panose="020B0603030804020204" pitchFamily="34" charset="0"/>
+                  <a:ea typeface="DejaVu Sans" panose="020B0603030804020204" pitchFamily="34" charset="0"/>
+                  <a:cs typeface="DejaVu Sans" panose="020B0603030804020204" pitchFamily="34" charset="0"/>
+                </a:rPr>
+                <a:t>Tensor</a:t>
+              </a:r>
+            </a:p>
+            <a:p>
+              <a:pPr algn="ctr"/>
+              <a:r>
+                <a:rPr lang="en-US" sz="1200" dirty="0">
+                  <a:latin typeface="DejaVu Sans" panose="020B0603030804020204" pitchFamily="34" charset="0"/>
+                  <a:ea typeface="DejaVu Sans" panose="020B0603030804020204" pitchFamily="34" charset="0"/>
+                  <a:cs typeface="DejaVu Sans" panose="020B0603030804020204" pitchFamily="34" charset="0"/>
+                </a:rPr>
+                <a:t>    x64x64</a:t>
+              </a:r>
+            </a:p>
+          </p:txBody>
+        </p:sp>
+        <p:pic>
+          <p:nvPicPr>
+            <p:cNvPr id="133" name="Picture 132" descr="\documentclass{article}&#10;\usepackage{amsmath, amssymb, amsthm}&#10;\usepackage{xcolor}&#10;\pagestyle{empty}&#10;\begin{document}&#10;\setlength\parindent{0pt}&#10;&#10;\newcommand{\argmin}{\operatornamewithlimits{argmin}}&#10;\newcommand{\argmax}{\operatornamewithlimits{argmax}}&#10;\newcommand{\rtwo}{\mathbb{R}^2}&#10;\newcommand{\rone}{\mathbb{R}}&#10;\newcommand{\ex}{\mathbb{E}}&#10;\newcommand{\normal}{\mathcal{N}}&#10;\newcommand{\vor}{\mathcal{V}}&#10;\newcommand{\st}{\mid}&#10;\newcommand{\set}[1]{\left\{#1\right\}}&#10;\newcommand{\norm}[1]{\left\lVert #1\right\rVert}&#10;\newcommand{\rt}{\rightarrow}&#10;&#10;$n_2$&#10;&#10;\end{document}" title="IguanaTex Bitmap Display">
+              <a:extLst>
+                <a:ext uri="{FF2B5EF4-FFF2-40B4-BE49-F238E27FC236}">
+                  <a16:creationId xmlns:a16="http://schemas.microsoft.com/office/drawing/2014/main" id="{02DA188B-6CDF-449C-B233-963CA8B3A338}"/>
+                </a:ext>
+              </a:extLst>
+            </p:cNvPr>
+            <p:cNvPicPr>
+              <a:picLocks noChangeAspect="1"/>
+            </p:cNvPicPr>
+            <p:nvPr>
+              <p:custDataLst>
+                <p:tags r:id="rId14"/>
+              </p:custDataLst>
+            </p:nvPr>
+          </p:nvPicPr>
+          <p:blipFill>
+            <a:blip r:embed="rId30">
+              <a:extLst>
+                <a:ext uri="{28A0092B-C50C-407E-A947-70E740481C1C}">
+                  <a14:useLocalDpi xmlns:a14="http://schemas.microsoft.com/office/drawing/2010/main" val="0"/>
+                </a:ext>
+              </a:extLst>
+            </a:blip>
+            <a:stretch>
+              <a:fillRect/>
+            </a:stretch>
+          </p:blipFill>
+          <p:spPr>
+            <a:xfrm>
+              <a:off x="6838349" y="2123958"/>
+              <a:ext cx="187782" cy="119498"/>
+            </a:xfrm>
+            <a:prstGeom prst="rect">
+              <a:avLst/>
+            </a:prstGeom>
+          </p:spPr>
+        </p:pic>
+        <p:cxnSp>
+          <p:nvCxnSpPr>
+            <p:cNvPr id="134" name="Straight Arrow Connector 133">
+              <a:extLst>
+                <a:ext uri="{FF2B5EF4-FFF2-40B4-BE49-F238E27FC236}">
+                  <a16:creationId xmlns:a16="http://schemas.microsoft.com/office/drawing/2014/main" id="{0C2493B0-A4C8-4C1B-9B99-48A7EDF11F0D}"/>
+                </a:ext>
+              </a:extLst>
+            </p:cNvPr>
+            <p:cNvCxnSpPr>
+              <a:cxnSpLocks/>
+            </p:cNvCxnSpPr>
+            <p:nvPr/>
+          </p:nvCxnSpPr>
+          <p:spPr>
+            <a:xfrm>
+              <a:off x="5788827" y="1993144"/>
+              <a:ext cx="437486" cy="0"/>
+            </a:xfrm>
+            <a:prstGeom prst="straightConnector1">
+              <a:avLst/>
+            </a:prstGeom>
+            <a:ln w="38100">
               <a:solidFill>
-                <a:srgbClr val="FFFF00"/>
+                <a:schemeClr val="tx1"/>
               </a:solidFill>
-              <a:ln>
-                <a:noFill/>
-              </a:ln>
-            </p:spPr>
-            <p:style>
-              <a:lnRef idx="2">
-                <a:schemeClr val="accent1">
-                  <a:shade val="50000"/>
-                </a:schemeClr>
-              </a:lnRef>
-              <a:fillRef idx="1">
-                <a:schemeClr val="accent1"/>
-              </a:fillRef>
-              <a:effectRef idx="0">
-                <a:schemeClr val="accent1"/>
-              </a:effectRef>
-              <a:fontRef idx="minor">
-                <a:schemeClr val="lt1"/>
-              </a:fontRef>
-            </p:style>
-            <p:txBody>
-              <a:bodyPr rtlCol="0" anchor="ctr"/>
-              <a:lstStyle/>
-              <a:p>
-                <a:pPr algn="ctr"/>
-                <a:r>
-                  <a:rPr lang="en-US" sz="1200" dirty="0">
-                    <a:solidFill>
-                      <a:schemeClr val="tx1"/>
-                    </a:solidFill>
-                    <a:latin typeface="DejaVu Sans" panose="020B0603030804020204" pitchFamily="34" charset="0"/>
-                    <a:ea typeface="DejaVu Sans" panose="020B0603030804020204" pitchFamily="34" charset="0"/>
-                    <a:cs typeface="DejaVu Sans" panose="020B0603030804020204" pitchFamily="34" charset="0"/>
-                  </a:rPr>
-                  <a:t>BN</a:t>
-                </a:r>
-              </a:p>
-            </p:txBody>
-          </p:sp>
-          <p:cxnSp>
-            <p:nvCxnSpPr>
-              <p:cNvPr id="72" name="Straight Connector 71">
-                <a:extLst>
-                  <a:ext uri="{FF2B5EF4-FFF2-40B4-BE49-F238E27FC236}">
-                    <a16:creationId xmlns:a16="http://schemas.microsoft.com/office/drawing/2014/main" id="{E757F88A-9604-4302-BF5B-B98E8BEAD1AF}"/>
-                  </a:ext>
-                </a:extLst>
-              </p:cNvPr>
-              <p:cNvCxnSpPr>
-                <a:cxnSpLocks/>
-              </p:cNvCxnSpPr>
-              <p:nvPr/>
-            </p:nvCxnSpPr>
-            <p:spPr>
-              <a:xfrm>
-                <a:off x="6499819" y="6348913"/>
-                <a:ext cx="0" cy="1401160"/>
-              </a:xfrm>
-              <a:prstGeom prst="line">
-                <a:avLst/>
-              </a:prstGeom>
-              <a:ln w="38100">
-                <a:solidFill>
-                  <a:schemeClr val="tx1"/>
-                </a:solidFill>
-              </a:ln>
-            </p:spPr>
-            <p:style>
-              <a:lnRef idx="1">
-                <a:schemeClr val="accent1"/>
-              </a:lnRef>
-              <a:fillRef idx="0">
-                <a:schemeClr val="accent1"/>
-              </a:fillRef>
-              <a:effectRef idx="0">
-                <a:schemeClr val="accent1"/>
-              </a:effectRef>
-              <a:fontRef idx="minor">
+              <a:tailEnd type="triangle"/>
+            </a:ln>
+          </p:spPr>
+          <p:style>
+            <a:lnRef idx="1">
+              <a:schemeClr val="accent1"/>
+            </a:lnRef>
+            <a:fillRef idx="0">
+              <a:schemeClr val="accent1"/>
+            </a:fillRef>
+            <a:effectRef idx="0">
+              <a:schemeClr val="accent1"/>
+            </a:effectRef>
+            <a:fontRef idx="minor">
+              <a:schemeClr val="tx1"/>
+            </a:fontRef>
+          </p:style>
+        </p:cxnSp>
+        <p:sp>
+          <p:nvSpPr>
+            <p:cNvPr id="135" name="Rectangle 134">
+              <a:extLst>
+                <a:ext uri="{FF2B5EF4-FFF2-40B4-BE49-F238E27FC236}">
+                  <a16:creationId xmlns:a16="http://schemas.microsoft.com/office/drawing/2014/main" id="{71D3073C-8E1B-4D15-A152-04D00C0F0599}"/>
+                </a:ext>
+              </a:extLst>
+            </p:cNvPr>
+            <p:cNvSpPr/>
+            <p:nvPr/>
+          </p:nvSpPr>
+          <p:spPr>
+            <a:xfrm rot="16200000">
+              <a:off x="7441627" y="1906098"/>
+              <a:ext cx="1556548" cy="174103"/>
+            </a:xfrm>
+            <a:prstGeom prst="rect">
+              <a:avLst/>
+            </a:prstGeom>
+            <a:solidFill>
+              <a:srgbClr val="FF00FF"/>
+            </a:solidFill>
+            <a:ln>
+              <a:noFill/>
+            </a:ln>
+          </p:spPr>
+          <p:style>
+            <a:lnRef idx="2">
+              <a:schemeClr val="accent1">
+                <a:shade val="50000"/>
+              </a:schemeClr>
+            </a:lnRef>
+            <a:fillRef idx="1">
+              <a:schemeClr val="accent1"/>
+            </a:fillRef>
+            <a:effectRef idx="0">
+              <a:schemeClr val="accent1"/>
+            </a:effectRef>
+            <a:fontRef idx="minor">
+              <a:schemeClr val="lt1"/>
+            </a:fontRef>
+          </p:style>
+          <p:txBody>
+            <a:bodyPr rtlCol="0" anchor="ctr"/>
+            <a:lstStyle/>
+            <a:p>
+              <a:pPr algn="ctr"/>
+              <a:r>
+                <a:rPr lang="en-US" sz="1200" dirty="0">
+                  <a:solidFill>
+                    <a:schemeClr val="tx1"/>
+                  </a:solidFill>
+                  <a:latin typeface="DejaVu Sans" panose="020B0603030804020204" pitchFamily="34" charset="0"/>
+                  <a:ea typeface="DejaVu Sans" panose="020B0603030804020204" pitchFamily="34" charset="0"/>
+                  <a:cs typeface="DejaVu Sans" panose="020B0603030804020204" pitchFamily="34" charset="0"/>
+                </a:rPr>
+                <a:t>Conv</a:t>
+              </a:r>
+            </a:p>
+          </p:txBody>
+        </p:sp>
+        <p:sp>
+          <p:nvSpPr>
+            <p:cNvPr id="136" name="Rectangle 135">
+              <a:extLst>
+                <a:ext uri="{FF2B5EF4-FFF2-40B4-BE49-F238E27FC236}">
+                  <a16:creationId xmlns:a16="http://schemas.microsoft.com/office/drawing/2014/main" id="{5E73718A-19CF-49FD-962A-EACDFE05A506}"/>
+                </a:ext>
+              </a:extLst>
+            </p:cNvPr>
+            <p:cNvSpPr/>
+            <p:nvPr/>
+          </p:nvSpPr>
+          <p:spPr>
+            <a:xfrm rot="16200000">
+              <a:off x="7676366" y="1906098"/>
+              <a:ext cx="1556548" cy="174103"/>
+            </a:xfrm>
+            <a:prstGeom prst="rect">
+              <a:avLst/>
+            </a:prstGeom>
+            <a:solidFill>
+              <a:srgbClr val="00FFFF"/>
+            </a:solidFill>
+            <a:ln>
+              <a:noFill/>
+            </a:ln>
+          </p:spPr>
+          <p:style>
+            <a:lnRef idx="2">
+              <a:schemeClr val="accent1">
+                <a:shade val="50000"/>
+              </a:schemeClr>
+            </a:lnRef>
+            <a:fillRef idx="1">
+              <a:schemeClr val="accent1"/>
+            </a:fillRef>
+            <a:effectRef idx="0">
+              <a:schemeClr val="accent1"/>
+            </a:effectRef>
+            <a:fontRef idx="minor">
+              <a:schemeClr val="lt1"/>
+            </a:fontRef>
+          </p:style>
+          <p:txBody>
+            <a:bodyPr rtlCol="0" anchor="ctr"/>
+            <a:lstStyle/>
+            <a:p>
+              <a:pPr algn="ctr"/>
+              <a:r>
+                <a:rPr lang="en-US" sz="1200" dirty="0">
+                  <a:solidFill>
+                    <a:schemeClr val="tx1"/>
+                  </a:solidFill>
+                  <a:latin typeface="DejaVu Sans" panose="020B0603030804020204" pitchFamily="34" charset="0"/>
+                  <a:ea typeface="DejaVu Sans" panose="020B0603030804020204" pitchFamily="34" charset="0"/>
+                  <a:cs typeface="DejaVu Sans" panose="020B0603030804020204" pitchFamily="34" charset="0"/>
+                </a:rPr>
+                <a:t>ReLU</a:t>
+              </a:r>
+            </a:p>
+          </p:txBody>
+        </p:sp>
+        <p:cxnSp>
+          <p:nvCxnSpPr>
+            <p:cNvPr id="137" name="Straight Arrow Connector 136">
+              <a:extLst>
+                <a:ext uri="{FF2B5EF4-FFF2-40B4-BE49-F238E27FC236}">
+                  <a16:creationId xmlns:a16="http://schemas.microsoft.com/office/drawing/2014/main" id="{D87BD41F-795F-4349-8193-A77586829E0D}"/>
+                </a:ext>
+              </a:extLst>
+            </p:cNvPr>
+            <p:cNvCxnSpPr/>
+            <p:nvPr/>
+          </p:nvCxnSpPr>
+          <p:spPr>
+            <a:xfrm flipV="1">
+              <a:off x="8543074" y="1993146"/>
+              <a:ext cx="158276" cy="1"/>
+            </a:xfrm>
+            <a:prstGeom prst="straightConnector1">
+              <a:avLst/>
+            </a:prstGeom>
+            <a:ln w="38100">
+              <a:solidFill>
                 <a:schemeClr val="tx1"/>
-              </a:fontRef>
-            </p:style>
-          </p:cxnSp>
-          <p:cxnSp>
-            <p:nvCxnSpPr>
-              <p:cNvPr id="73" name="Straight Arrow Connector 72">
-                <a:extLst>
-                  <a:ext uri="{FF2B5EF4-FFF2-40B4-BE49-F238E27FC236}">
-                    <a16:creationId xmlns:a16="http://schemas.microsoft.com/office/drawing/2014/main" id="{CC2DB075-E0ED-4352-9E8E-1087C35840BB}"/>
-                  </a:ext>
-                </a:extLst>
-              </p:cNvPr>
-              <p:cNvCxnSpPr>
-                <a:cxnSpLocks/>
-              </p:cNvCxnSpPr>
-              <p:nvPr/>
-            </p:nvCxnSpPr>
-            <p:spPr>
-              <a:xfrm flipV="1">
-                <a:off x="9894229" y="6538493"/>
-                <a:ext cx="0" cy="1211580"/>
-              </a:xfrm>
-              <a:prstGeom prst="straightConnector1">
-                <a:avLst/>
-              </a:prstGeom>
-              <a:ln w="38100">
-                <a:solidFill>
-                  <a:schemeClr val="tx1"/>
-                </a:solidFill>
-                <a:tailEnd type="triangle"/>
-              </a:ln>
-            </p:spPr>
-            <p:style>
-              <a:lnRef idx="1">
-                <a:schemeClr val="accent1"/>
-              </a:lnRef>
-              <a:fillRef idx="0">
-                <a:schemeClr val="accent1"/>
-              </a:fillRef>
-              <a:effectRef idx="0">
-                <a:schemeClr val="accent1"/>
-              </a:effectRef>
-              <a:fontRef idx="minor">
+              </a:solidFill>
+              <a:tailEnd type="triangle"/>
+            </a:ln>
+          </p:spPr>
+          <p:style>
+            <a:lnRef idx="1">
+              <a:schemeClr val="accent1"/>
+            </a:lnRef>
+            <a:fillRef idx="0">
+              <a:schemeClr val="accent1"/>
+            </a:fillRef>
+            <a:effectRef idx="0">
+              <a:schemeClr val="accent1"/>
+            </a:effectRef>
+            <a:fontRef idx="minor">
+              <a:schemeClr val="tx1"/>
+            </a:fontRef>
+          </p:style>
+        </p:cxnSp>
+        <p:pic>
+          <p:nvPicPr>
+            <p:cNvPr id="138" name="Picture 137" descr="\documentclass{article}&#10;\usepackage{amsmath, amssymb, amsthm}&#10;\usepackage{xcolor}&#10;\pagestyle{empty}&#10;\begin{document}&#10;\setlength\parindent{0pt}&#10;&#10;\newcommand{\argmin}{\operatornamewithlimits{argmin}}&#10;\newcommand{\argmax}{\operatornamewithlimits{argmax}}&#10;\newcommand{\rtwo}{\mathbb{R}^2}&#10;\newcommand{\rone}{\mathbb{R}}&#10;\newcommand{\ex}{\mathbb{E}}&#10;\newcommand{\normal}{\mathcal{N}}&#10;\newcommand{\vor}{\mathcal{V}}&#10;\newcommand{\st}{\mid}&#10;\newcommand{\set}[1]{\left\{#1\right\}}&#10;\newcommand{\norm}[1]{\left\lVert #1\right\rVert}&#10;\newcommand{\rt}{\rightarrow}&#10;&#10;$f_3$&#10;&#10;\end{document}" title="IguanaTex Bitmap Display">
+              <a:extLst>
+                <a:ext uri="{FF2B5EF4-FFF2-40B4-BE49-F238E27FC236}">
+                  <a16:creationId xmlns:a16="http://schemas.microsoft.com/office/drawing/2014/main" id="{6D988CC6-0387-4F81-B45C-3950183E9FED}"/>
+                </a:ext>
+              </a:extLst>
+            </p:cNvPr>
+            <p:cNvPicPr>
+              <a:picLocks noChangeAspect="1"/>
+            </p:cNvPicPr>
+            <p:nvPr>
+              <p:custDataLst>
+                <p:tags r:id="rId15"/>
+              </p:custDataLst>
+            </p:nvPr>
+          </p:nvPicPr>
+          <p:blipFill>
+            <a:blip r:embed="rId31">
+              <a:extLst>
+                <a:ext uri="{28A0092B-C50C-407E-A947-70E740481C1C}">
+                  <a14:useLocalDpi xmlns:a14="http://schemas.microsoft.com/office/drawing/2010/main" val="0"/>
+                </a:ext>
+              </a:extLst>
+            </a:blip>
+            <a:stretch>
+              <a:fillRect/>
+            </a:stretch>
+          </p:blipFill>
+          <p:spPr>
+            <a:xfrm>
+              <a:off x="8125229" y="2859128"/>
+              <a:ext cx="160956" cy="184126"/>
+            </a:xfrm>
+            <a:prstGeom prst="rect">
+              <a:avLst/>
+            </a:prstGeom>
+          </p:spPr>
+        </p:pic>
+        <p:cxnSp>
+          <p:nvCxnSpPr>
+            <p:cNvPr id="139" name="Straight Arrow Connector 138">
+              <a:extLst>
+                <a:ext uri="{FF2B5EF4-FFF2-40B4-BE49-F238E27FC236}">
+                  <a16:creationId xmlns:a16="http://schemas.microsoft.com/office/drawing/2014/main" id="{A945BB8D-CBAD-44BC-93A3-97C62703BD46}"/>
+                </a:ext>
+              </a:extLst>
+            </p:cNvPr>
+            <p:cNvCxnSpPr>
+              <a:cxnSpLocks/>
+            </p:cNvCxnSpPr>
+            <p:nvPr/>
+          </p:nvCxnSpPr>
+          <p:spPr>
+            <a:xfrm>
+              <a:off x="7640820" y="1993145"/>
+              <a:ext cx="437486" cy="0"/>
+            </a:xfrm>
+            <a:prstGeom prst="straightConnector1">
+              <a:avLst/>
+            </a:prstGeom>
+            <a:ln w="38100">
+              <a:solidFill>
                 <a:schemeClr val="tx1"/>
-              </a:fontRef>
-            </p:style>
-          </p:cxnSp>
-          <p:cxnSp>
-            <p:nvCxnSpPr>
-              <p:cNvPr id="74" name="Straight Connector 73">
-                <a:extLst>
-                  <a:ext uri="{FF2B5EF4-FFF2-40B4-BE49-F238E27FC236}">
-                    <a16:creationId xmlns:a16="http://schemas.microsoft.com/office/drawing/2014/main" id="{A67AA587-91EE-410A-BE36-61BBDA6D37AC}"/>
-                  </a:ext>
-                </a:extLst>
-              </p:cNvPr>
-              <p:cNvCxnSpPr>
-                <a:cxnSpLocks/>
-              </p:cNvCxnSpPr>
-              <p:nvPr/>
-            </p:nvCxnSpPr>
-            <p:spPr>
-              <a:xfrm>
-                <a:off x="6499819" y="7730271"/>
-                <a:ext cx="3394410" cy="0"/>
-              </a:xfrm>
-              <a:prstGeom prst="line">
-                <a:avLst/>
-              </a:prstGeom>
-              <a:ln w="38100">
-                <a:solidFill>
-                  <a:schemeClr val="tx1"/>
-                </a:solidFill>
-              </a:ln>
-            </p:spPr>
-            <p:style>
-              <a:lnRef idx="1">
-                <a:schemeClr val="accent1"/>
-              </a:lnRef>
-              <a:fillRef idx="0">
-                <a:schemeClr val="accent1"/>
-              </a:fillRef>
-              <a:effectRef idx="0">
-                <a:schemeClr val="accent1"/>
-              </a:effectRef>
-              <a:fontRef idx="minor">
-                <a:schemeClr val="tx1"/>
-              </a:fontRef>
-            </p:style>
-          </p:cxnSp>
-          <p:sp>
-            <p:nvSpPr>
-              <p:cNvPr id="78" name="Rectangle 77">
-                <a:extLst>
-                  <a:ext uri="{FF2B5EF4-FFF2-40B4-BE49-F238E27FC236}">
-                    <a16:creationId xmlns:a16="http://schemas.microsoft.com/office/drawing/2014/main" id="{E924F0C6-8111-4BDD-A4B3-17CA3D0F1C91}"/>
-                  </a:ext>
-                </a:extLst>
-              </p:cNvPr>
-              <p:cNvSpPr/>
-              <p:nvPr/>
-            </p:nvSpPr>
-            <p:spPr>
-              <a:xfrm rot="16200000">
-                <a:off x="9807488" y="6279781"/>
-                <a:ext cx="1556548" cy="174103"/>
-              </a:xfrm>
-              <a:prstGeom prst="rect">
-                <a:avLst/>
-              </a:prstGeom>
-              <a:solidFill>
-                <a:srgbClr val="FF00FF"/>
               </a:solidFill>
-              <a:ln>
-                <a:noFill/>
-              </a:ln>
-            </p:spPr>
-            <p:style>
-              <a:lnRef idx="2">
-                <a:schemeClr val="accent1">
-                  <a:shade val="50000"/>
-                </a:schemeClr>
-              </a:lnRef>
-              <a:fillRef idx="1">
-                <a:schemeClr val="accent1"/>
-              </a:fillRef>
-              <a:effectRef idx="0">
-                <a:schemeClr val="accent1"/>
-              </a:effectRef>
-              <a:fontRef idx="minor">
-                <a:schemeClr val="lt1"/>
-              </a:fontRef>
-            </p:style>
-            <p:txBody>
-              <a:bodyPr rtlCol="0" anchor="ctr"/>
-              <a:lstStyle/>
-              <a:p>
-                <a:pPr algn="ctr"/>
-                <a:r>
-                  <a:rPr lang="en-US" sz="1200" dirty="0">
-                    <a:solidFill>
-                      <a:schemeClr val="tx1"/>
-                    </a:solidFill>
-                    <a:latin typeface="DejaVu Sans" panose="020B0603030804020204" pitchFamily="34" charset="0"/>
-                    <a:ea typeface="DejaVu Sans" panose="020B0603030804020204" pitchFamily="34" charset="0"/>
-                    <a:cs typeface="DejaVu Sans" panose="020B0603030804020204" pitchFamily="34" charset="0"/>
-                  </a:rPr>
-                  <a:t>Conv</a:t>
-                </a:r>
-              </a:p>
-            </p:txBody>
-          </p:sp>
-          <p:sp>
-            <p:nvSpPr>
-              <p:cNvPr id="79" name="Rectangle 78">
-                <a:extLst>
-                  <a:ext uri="{FF2B5EF4-FFF2-40B4-BE49-F238E27FC236}">
-                    <a16:creationId xmlns:a16="http://schemas.microsoft.com/office/drawing/2014/main" id="{41E75FCD-28C4-4BCE-8C60-8559A601615F}"/>
-                  </a:ext>
-                </a:extLst>
-              </p:cNvPr>
-              <p:cNvSpPr/>
-              <p:nvPr/>
-            </p:nvSpPr>
-            <p:spPr>
-              <a:xfrm rot="16200000">
-                <a:off x="10042227" y="6279781"/>
-                <a:ext cx="1556548" cy="174103"/>
-              </a:xfrm>
-              <a:prstGeom prst="rect">
-                <a:avLst/>
-              </a:prstGeom>
-              <a:solidFill>
-                <a:srgbClr val="00FFFF"/>
-              </a:solidFill>
-              <a:ln>
-                <a:noFill/>
-              </a:ln>
-            </p:spPr>
-            <p:style>
-              <a:lnRef idx="2">
-                <a:schemeClr val="accent1">
-                  <a:shade val="50000"/>
-                </a:schemeClr>
-              </a:lnRef>
-              <a:fillRef idx="1">
-                <a:schemeClr val="accent1"/>
-              </a:fillRef>
-              <a:effectRef idx="0">
-                <a:schemeClr val="accent1"/>
-              </a:effectRef>
-              <a:fontRef idx="minor">
-                <a:schemeClr val="lt1"/>
-              </a:fontRef>
-            </p:style>
-            <p:txBody>
-              <a:bodyPr rtlCol="0" anchor="ctr"/>
-              <a:lstStyle/>
-              <a:p>
-                <a:pPr algn="ctr"/>
-                <a:r>
-                  <a:rPr lang="en-US" sz="1200" dirty="0">
-                    <a:solidFill>
-                      <a:schemeClr val="tx1"/>
-                    </a:solidFill>
-                    <a:latin typeface="DejaVu Sans" panose="020B0603030804020204" pitchFamily="34" charset="0"/>
-                    <a:ea typeface="DejaVu Sans" panose="020B0603030804020204" pitchFamily="34" charset="0"/>
-                    <a:cs typeface="DejaVu Sans" panose="020B0603030804020204" pitchFamily="34" charset="0"/>
-                  </a:rPr>
-                  <a:t>PReLU</a:t>
-                </a:r>
-              </a:p>
-            </p:txBody>
-          </p:sp>
-          <p:cxnSp>
-            <p:nvCxnSpPr>
-              <p:cNvPr id="82" name="Straight Arrow Connector 81">
-                <a:extLst>
-                  <a:ext uri="{FF2B5EF4-FFF2-40B4-BE49-F238E27FC236}">
-                    <a16:creationId xmlns:a16="http://schemas.microsoft.com/office/drawing/2014/main" id="{42FBBB83-158B-4859-8307-1FD7BEDB575E}"/>
-                  </a:ext>
-                </a:extLst>
-              </p:cNvPr>
-              <p:cNvCxnSpPr>
-                <a:cxnSpLocks/>
-              </p:cNvCxnSpPr>
-              <p:nvPr/>
-            </p:nvCxnSpPr>
-            <p:spPr>
-              <a:xfrm>
-                <a:off x="10012099" y="6366827"/>
-                <a:ext cx="374806" cy="0"/>
-              </a:xfrm>
-              <a:prstGeom prst="straightConnector1">
-                <a:avLst/>
-              </a:prstGeom>
-              <a:ln w="38100">
-                <a:solidFill>
-                  <a:schemeClr val="tx1"/>
-                </a:solidFill>
-                <a:tailEnd type="triangle"/>
-              </a:ln>
-            </p:spPr>
-            <p:style>
-              <a:lnRef idx="1">
-                <a:schemeClr val="accent1"/>
-              </a:lnRef>
-              <a:fillRef idx="0">
-                <a:schemeClr val="accent1"/>
-              </a:fillRef>
-              <a:effectRef idx="0">
-                <a:schemeClr val="accent1"/>
-              </a:effectRef>
-              <a:fontRef idx="minor">
-                <a:schemeClr val="tx1"/>
-              </a:fontRef>
-            </p:style>
-          </p:cxnSp>
-          <p:sp>
-            <p:nvSpPr>
-              <p:cNvPr id="83" name="Rectangle 82">
-                <a:extLst>
-                  <a:ext uri="{FF2B5EF4-FFF2-40B4-BE49-F238E27FC236}">
-                    <a16:creationId xmlns:a16="http://schemas.microsoft.com/office/drawing/2014/main" id="{FDC5FF45-0181-4A85-BD22-8ED2654B24A4}"/>
-                  </a:ext>
-                </a:extLst>
-              </p:cNvPr>
-              <p:cNvSpPr/>
-              <p:nvPr/>
-            </p:nvSpPr>
-            <p:spPr>
-              <a:xfrm rot="16200000">
-                <a:off x="10295172" y="6279781"/>
-                <a:ext cx="1556548" cy="174103"/>
-              </a:xfrm>
-              <a:prstGeom prst="rect">
-                <a:avLst/>
-              </a:prstGeom>
-              <a:solidFill>
-                <a:srgbClr val="FF00FF"/>
-              </a:solidFill>
-              <a:ln>
-                <a:noFill/>
-              </a:ln>
-            </p:spPr>
-            <p:style>
-              <a:lnRef idx="2">
-                <a:schemeClr val="accent1">
-                  <a:shade val="50000"/>
-                </a:schemeClr>
-              </a:lnRef>
-              <a:fillRef idx="1">
-                <a:schemeClr val="accent1"/>
-              </a:fillRef>
-              <a:effectRef idx="0">
-                <a:schemeClr val="accent1"/>
-              </a:effectRef>
-              <a:fontRef idx="minor">
-                <a:schemeClr val="lt1"/>
-              </a:fontRef>
-            </p:style>
-            <p:txBody>
-              <a:bodyPr rtlCol="0" anchor="ctr"/>
-              <a:lstStyle/>
-              <a:p>
-                <a:pPr algn="ctr"/>
-                <a:r>
-                  <a:rPr lang="en-US" sz="1200" dirty="0">
-                    <a:solidFill>
-                      <a:schemeClr val="tx1"/>
-                    </a:solidFill>
-                    <a:latin typeface="DejaVu Sans" panose="020B0603030804020204" pitchFamily="34" charset="0"/>
-                    <a:ea typeface="DejaVu Sans" panose="020B0603030804020204" pitchFamily="34" charset="0"/>
-                    <a:cs typeface="DejaVu Sans" panose="020B0603030804020204" pitchFamily="34" charset="0"/>
-                  </a:rPr>
-                  <a:t>Conv</a:t>
-                </a:r>
-              </a:p>
-            </p:txBody>
-          </p:sp>
-          <p:sp>
-            <p:nvSpPr>
-              <p:cNvPr id="84" name="Rectangle 83">
-                <a:extLst>
-                  <a:ext uri="{FF2B5EF4-FFF2-40B4-BE49-F238E27FC236}">
-                    <a16:creationId xmlns:a16="http://schemas.microsoft.com/office/drawing/2014/main" id="{52C58F3B-1F1A-477D-8130-0AC0260850D0}"/>
-                  </a:ext>
-                </a:extLst>
-              </p:cNvPr>
-              <p:cNvSpPr/>
-              <p:nvPr/>
-            </p:nvSpPr>
-            <p:spPr>
-              <a:xfrm rot="16200000">
-                <a:off x="10529911" y="6279781"/>
-                <a:ext cx="1556548" cy="174103"/>
-              </a:xfrm>
-              <a:prstGeom prst="rect">
-                <a:avLst/>
-              </a:prstGeom>
-              <a:solidFill>
-                <a:srgbClr val="00FFFF"/>
-              </a:solidFill>
-              <a:ln>
-                <a:noFill/>
-              </a:ln>
-            </p:spPr>
-            <p:style>
-              <a:lnRef idx="2">
-                <a:schemeClr val="accent1">
-                  <a:shade val="50000"/>
-                </a:schemeClr>
-              </a:lnRef>
-              <a:fillRef idx="1">
-                <a:schemeClr val="accent1"/>
-              </a:fillRef>
-              <a:effectRef idx="0">
-                <a:schemeClr val="accent1"/>
-              </a:effectRef>
-              <a:fontRef idx="minor">
-                <a:schemeClr val="lt1"/>
-              </a:fontRef>
-            </p:style>
-            <p:txBody>
-              <a:bodyPr rtlCol="0" anchor="ctr"/>
-              <a:lstStyle/>
-              <a:p>
-                <a:pPr algn="ctr"/>
-                <a:r>
-                  <a:rPr lang="en-US" sz="1200" dirty="0">
-                    <a:solidFill>
-                      <a:schemeClr val="tx1"/>
-                    </a:solidFill>
-                    <a:latin typeface="DejaVu Sans" panose="020B0603030804020204" pitchFamily="34" charset="0"/>
-                    <a:ea typeface="DejaVu Sans" panose="020B0603030804020204" pitchFamily="34" charset="0"/>
-                    <a:cs typeface="DejaVu Sans" panose="020B0603030804020204" pitchFamily="34" charset="0"/>
-                  </a:rPr>
-                  <a:t>PReLU</a:t>
-                </a:r>
-              </a:p>
-            </p:txBody>
-          </p:sp>
-          <p:cxnSp>
-            <p:nvCxnSpPr>
-              <p:cNvPr id="85" name="Straight Arrow Connector 84">
-                <a:extLst>
-                  <a:ext uri="{FF2B5EF4-FFF2-40B4-BE49-F238E27FC236}">
-                    <a16:creationId xmlns:a16="http://schemas.microsoft.com/office/drawing/2014/main" id="{85D4FB73-4A32-43D8-BD27-8EDBC642BEA9}"/>
-                  </a:ext>
-                </a:extLst>
-              </p:cNvPr>
-              <p:cNvCxnSpPr/>
-              <p:nvPr/>
-            </p:nvCxnSpPr>
-            <p:spPr>
-              <a:xfrm flipV="1">
-                <a:off x="11389739" y="6366828"/>
-                <a:ext cx="158276" cy="1"/>
-              </a:xfrm>
-              <a:prstGeom prst="straightConnector1">
-                <a:avLst/>
-              </a:prstGeom>
-              <a:ln w="38100">
-                <a:solidFill>
-                  <a:schemeClr val="tx1"/>
-                </a:solidFill>
-                <a:tailEnd type="triangle"/>
-              </a:ln>
-            </p:spPr>
-            <p:style>
-              <a:lnRef idx="1">
-                <a:schemeClr val="accent1"/>
-              </a:lnRef>
-              <a:fillRef idx="0">
-                <a:schemeClr val="accent1"/>
-              </a:fillRef>
-              <a:effectRef idx="0">
-                <a:schemeClr val="accent1"/>
-              </a:effectRef>
-              <a:fontRef idx="minor">
-                <a:schemeClr val="tx1"/>
-              </a:fontRef>
-            </p:style>
-          </p:cxnSp>
-          <p:cxnSp>
-            <p:nvCxnSpPr>
-              <p:cNvPr id="87" name="Straight Arrow Connector 86">
-                <a:extLst>
-                  <a:ext uri="{FF2B5EF4-FFF2-40B4-BE49-F238E27FC236}">
-                    <a16:creationId xmlns:a16="http://schemas.microsoft.com/office/drawing/2014/main" id="{F36789BF-12D5-4982-86A4-9725AC4F9583}"/>
-                  </a:ext>
-                </a:extLst>
-              </p:cNvPr>
-              <p:cNvCxnSpPr>
-                <a:cxnSpLocks/>
-              </p:cNvCxnSpPr>
-              <p:nvPr/>
-            </p:nvCxnSpPr>
-            <p:spPr>
-              <a:xfrm>
-                <a:off x="12389539" y="6366827"/>
-                <a:ext cx="374806" cy="0"/>
-              </a:xfrm>
-              <a:prstGeom prst="straightConnector1">
-                <a:avLst/>
-              </a:prstGeom>
-              <a:ln w="38100">
-                <a:solidFill>
-                  <a:schemeClr val="tx1"/>
-                </a:solidFill>
-                <a:tailEnd type="triangle"/>
-              </a:ln>
-            </p:spPr>
-            <p:style>
-              <a:lnRef idx="1">
-                <a:schemeClr val="accent1"/>
-              </a:lnRef>
-              <a:fillRef idx="0">
-                <a:schemeClr val="accent1"/>
-              </a:fillRef>
-              <a:effectRef idx="0">
-                <a:schemeClr val="accent1"/>
-              </a:effectRef>
-              <a:fontRef idx="minor">
-                <a:schemeClr val="tx1"/>
-              </a:fontRef>
-            </p:style>
-          </p:cxnSp>
-          <p:sp>
-            <p:nvSpPr>
-              <p:cNvPr id="88" name="Rectangle 87">
-                <a:extLst>
-                  <a:ext uri="{FF2B5EF4-FFF2-40B4-BE49-F238E27FC236}">
-                    <a16:creationId xmlns:a16="http://schemas.microsoft.com/office/drawing/2014/main" id="{B3FBC194-92C4-4971-80B0-D3EAD4658368}"/>
-                  </a:ext>
-                </a:extLst>
-              </p:cNvPr>
-              <p:cNvSpPr/>
-              <p:nvPr/>
-            </p:nvSpPr>
-            <p:spPr>
-              <a:xfrm rot="16200000">
-                <a:off x="12179740" y="6279781"/>
-                <a:ext cx="1556548" cy="174103"/>
-              </a:xfrm>
-              <a:prstGeom prst="rect">
-                <a:avLst/>
-              </a:prstGeom>
-              <a:solidFill>
-                <a:srgbClr val="FF00FF"/>
-              </a:solidFill>
-              <a:ln>
-                <a:noFill/>
-              </a:ln>
-            </p:spPr>
-            <p:style>
-              <a:lnRef idx="2">
-                <a:schemeClr val="accent1">
-                  <a:shade val="50000"/>
-                </a:schemeClr>
-              </a:lnRef>
-              <a:fillRef idx="1">
-                <a:schemeClr val="accent1"/>
-              </a:fillRef>
-              <a:effectRef idx="0">
-                <a:schemeClr val="accent1"/>
-              </a:effectRef>
-              <a:fontRef idx="minor">
-                <a:schemeClr val="lt1"/>
-              </a:fontRef>
-            </p:style>
-            <p:txBody>
-              <a:bodyPr rtlCol="0" anchor="ctr"/>
-              <a:lstStyle/>
-              <a:p>
-                <a:pPr algn="ctr"/>
-                <a:r>
-                  <a:rPr lang="en-US" sz="1200" dirty="0">
-                    <a:solidFill>
-                      <a:schemeClr val="tx1"/>
-                    </a:solidFill>
-                    <a:latin typeface="DejaVu Sans" panose="020B0603030804020204" pitchFamily="34" charset="0"/>
-                    <a:ea typeface="DejaVu Sans" panose="020B0603030804020204" pitchFamily="34" charset="0"/>
-                    <a:cs typeface="DejaVu Sans" panose="020B0603030804020204" pitchFamily="34" charset="0"/>
-                  </a:rPr>
-                  <a:t>Conv</a:t>
-                </a:r>
-              </a:p>
-            </p:txBody>
-          </p:sp>
-          <p:cxnSp>
-            <p:nvCxnSpPr>
-              <p:cNvPr id="89" name="Straight Arrow Connector 88">
-                <a:extLst>
-                  <a:ext uri="{FF2B5EF4-FFF2-40B4-BE49-F238E27FC236}">
-                    <a16:creationId xmlns:a16="http://schemas.microsoft.com/office/drawing/2014/main" id="{8843644A-67C5-4EA1-ACBF-1FBE6DF61C45}"/>
-                  </a:ext>
-                </a:extLst>
-              </p:cNvPr>
-              <p:cNvCxnSpPr>
-                <a:cxnSpLocks/>
-              </p:cNvCxnSpPr>
-              <p:nvPr/>
-            </p:nvCxnSpPr>
-            <p:spPr>
-              <a:xfrm>
-                <a:off x="13037446" y="6366827"/>
-                <a:ext cx="374806" cy="0"/>
-              </a:xfrm>
-              <a:prstGeom prst="straightConnector1">
-                <a:avLst/>
-              </a:prstGeom>
-              <a:ln w="38100">
-                <a:solidFill>
-                  <a:schemeClr val="tx1"/>
-                </a:solidFill>
-                <a:tailEnd type="triangle"/>
-              </a:ln>
-            </p:spPr>
-            <p:style>
-              <a:lnRef idx="1">
-                <a:schemeClr val="accent1"/>
-              </a:lnRef>
-              <a:fillRef idx="0">
-                <a:schemeClr val="accent1"/>
-              </a:fillRef>
-              <a:effectRef idx="0">
-                <a:schemeClr val="accent1"/>
-              </a:effectRef>
-              <a:fontRef idx="minor">
-                <a:schemeClr val="tx1"/>
-              </a:fontRef>
-            </p:style>
-          </p:cxnSp>
-          <p:sp>
-            <p:nvSpPr>
-              <p:cNvPr id="91" name="TextBox 90">
-                <a:extLst>
-                  <a:ext uri="{FF2B5EF4-FFF2-40B4-BE49-F238E27FC236}">
-                    <a16:creationId xmlns:a16="http://schemas.microsoft.com/office/drawing/2014/main" id="{FF8D127F-83D4-4CA1-A031-30372BD227A8}"/>
-                  </a:ext>
-                </a:extLst>
-              </p:cNvPr>
-              <p:cNvSpPr txBox="1"/>
-              <p:nvPr/>
-            </p:nvSpPr>
-            <p:spPr>
-              <a:xfrm>
-                <a:off x="13418770" y="6218795"/>
-                <a:ext cx="887110" cy="461665"/>
-              </a:xfrm>
-              <a:prstGeom prst="rect">
-                <a:avLst/>
-              </a:prstGeom>
-              <a:noFill/>
-            </p:spPr>
-            <p:txBody>
-              <a:bodyPr wrap="square" rtlCol="0">
-                <a:spAutoFit/>
-              </a:bodyPr>
-              <a:lstStyle/>
-              <a:p>
-                <a:r>
-                  <a:rPr lang="en-US" sz="1200" dirty="0">
-                    <a:latin typeface="DejaVu Sans" panose="020B0603030804020204" pitchFamily="34" charset="0"/>
-                    <a:ea typeface="DejaVu Sans" panose="020B0603030804020204" pitchFamily="34" charset="0"/>
-                    <a:cs typeface="DejaVu Sans" panose="020B0603030804020204" pitchFamily="34" charset="0"/>
-                  </a:rPr>
-                  <a:t>SR Patch</a:t>
-                </a:r>
-              </a:p>
-              <a:p>
-                <a:r>
-                  <a:rPr lang="en-US" sz="1200" dirty="0">
-                    <a:latin typeface="DejaVu Sans" panose="020B0603030804020204" pitchFamily="34" charset="0"/>
-                    <a:ea typeface="DejaVu Sans" panose="020B0603030804020204" pitchFamily="34" charset="0"/>
-                    <a:cs typeface="DejaVu Sans" panose="020B0603030804020204" pitchFamily="34" charset="0"/>
-                  </a:rPr>
-                  <a:t>2x64x64</a:t>
-                </a:r>
-              </a:p>
-            </p:txBody>
-          </p:sp>
-          <p:pic>
-            <p:nvPicPr>
-              <p:cNvPr id="94" name="Picture 93" descr="\documentclass{article}&#10;\usepackage{amsmath, amssymb, amsthm}&#10;\usepackage{xcolor}&#10;\pagestyle{empty}&#10;\begin{document}&#10;\setlength\parindent{0pt}&#10;&#10;\newcommand{\argmin}{\operatornamewithlimits{argmin}}&#10;\newcommand{\argmax}{\operatornamewithlimits{argmax}}&#10;\newcommand{\rtwo}{\mathbb{R}^2}&#10;\newcommand{\rone}{\mathbb{R}}&#10;\newcommand{\ex}{\mathbb{E}}&#10;\newcommand{\normal}{\mathcal{N}}&#10;\newcommand{\vor}{\mathcal{V}}&#10;\newcommand{\st}{\mid}&#10;\newcommand{\set}[1]{\left\{#1\right\}}&#10;\newcommand{\norm}[1]{\left\lVert #1\right\rVert}&#10;\newcommand{\rt}{\rightarrow}&#10;&#10;$k_1$&#10;&#10;\end{document}" title="IguanaTex Bitmap Display">
-                <a:extLst>
-                  <a:ext uri="{FF2B5EF4-FFF2-40B4-BE49-F238E27FC236}">
-                    <a16:creationId xmlns:a16="http://schemas.microsoft.com/office/drawing/2014/main" id="{CD291FFC-55E3-48A8-9F16-9A54FE51BD4B}"/>
-                  </a:ext>
-                </a:extLst>
-              </p:cNvPr>
-              <p:cNvPicPr>
-                <a:picLocks noChangeAspect="1"/>
-              </p:cNvPicPr>
-              <p:nvPr>
-                <p:custDataLst>
-                  <p:tags r:id="rId11"/>
-                </p:custDataLst>
-              </p:nvPr>
-            </p:nvPicPr>
-            <p:blipFill>
-              <a:blip r:embed="rId24">
-                <a:extLst>
-                  <a:ext uri="{28A0092B-C50C-407E-A947-70E740481C1C}">
-                    <a14:useLocalDpi xmlns:a14="http://schemas.microsoft.com/office/drawing/2010/main" val="0"/>
-                  </a:ext>
-                </a:extLst>
-              </a:blip>
-              <a:stretch>
-                <a:fillRect/>
-              </a:stretch>
-            </p:blipFill>
-            <p:spPr>
-              <a:xfrm>
-                <a:off x="4921800" y="7255670"/>
-                <a:ext cx="162176" cy="170712"/>
-              </a:xfrm>
-              <a:prstGeom prst="rect">
-                <a:avLst/>
-              </a:prstGeom>
-            </p:spPr>
-          </p:pic>
-          <p:pic>
-            <p:nvPicPr>
-              <p:cNvPr id="95" name="Picture 94" descr="\documentclass{article}&#10;\usepackage{amsmath, amssymb, amsthm}&#10;\usepackage{xcolor}&#10;\pagestyle{empty}&#10;\begin{document}&#10;\setlength\parindent{0pt}&#10;&#10;\newcommand{\argmin}{\operatornamewithlimits{argmin}}&#10;\newcommand{\argmax}{\operatornamewithlimits{argmax}}&#10;\newcommand{\rtwo}{\mathbb{R}^2}&#10;\newcommand{\rone}{\mathbb{R}}&#10;\newcommand{\ex}{\mathbb{E}}&#10;\newcommand{\normal}{\mathcal{N}}&#10;\newcommand{\vor}{\mathcal{V}}&#10;\newcommand{\st}{\mid}&#10;\newcommand{\set}[1]{\left\{#1\right\}}&#10;\newcommand{\norm}[1]{\left\lVert #1\right\rVert}&#10;\newcommand{\rt}{\rightarrow}&#10;&#10;$k_1$&#10;&#10;\end{document}" title="IguanaTex Bitmap Display">
-                <a:extLst>
-                  <a:ext uri="{FF2B5EF4-FFF2-40B4-BE49-F238E27FC236}">
-                    <a16:creationId xmlns:a16="http://schemas.microsoft.com/office/drawing/2014/main" id="{4D8D7FB2-A3C7-4567-BA5B-45EF55C2BF0A}"/>
-                  </a:ext>
-                </a:extLst>
-              </p:cNvPr>
-              <p:cNvPicPr>
-                <a:picLocks noChangeAspect="1"/>
-              </p:cNvPicPr>
-              <p:nvPr>
-                <p:custDataLst>
-                  <p:tags r:id="rId12"/>
-                </p:custDataLst>
-              </p:nvPr>
-            </p:nvPicPr>
-            <p:blipFill>
-              <a:blip r:embed="rId24">
-                <a:extLst>
-                  <a:ext uri="{28A0092B-C50C-407E-A947-70E740481C1C}">
-                    <a14:useLocalDpi xmlns:a14="http://schemas.microsoft.com/office/drawing/2010/main" val="0"/>
-                  </a:ext>
-                </a:extLst>
-              </a:blip>
-              <a:stretch>
-                <a:fillRect/>
-              </a:stretch>
-            </p:blipFill>
-            <p:spPr>
-              <a:xfrm>
-                <a:off x="12882890" y="7255670"/>
-                <a:ext cx="162176" cy="170712"/>
-              </a:xfrm>
-              <a:prstGeom prst="rect">
-                <a:avLst/>
-              </a:prstGeom>
-            </p:spPr>
-          </p:pic>
-          <p:pic>
-            <p:nvPicPr>
-              <p:cNvPr id="98" name="Picture 97" descr="\documentclass{article}&#10;\usepackage{amsmath, amssymb, amsthm}&#10;\usepackage{xcolor}&#10;\pagestyle{empty}&#10;\begin{document}&#10;\setlength\parindent{0pt}&#10;&#10;\newcommand{\argmin}{\operatornamewithlimits{argmin}}&#10;\newcommand{\argmax}{\operatornamewithlimits{argmax}}&#10;\newcommand{\rtwo}{\mathbb{R}^2}&#10;\newcommand{\rone}{\mathbb{R}}&#10;\newcommand{\ex}{\mathbb{E}}&#10;\newcommand{\normal}{\mathcal{N}}&#10;\newcommand{\vor}{\mathcal{V}}&#10;\newcommand{\st}{\mid}&#10;\newcommand{\set}[1]{\left\{#1\right\}}&#10;\newcommand{\norm}[1]{\left\lVert #1\right\rVert}&#10;\newcommand{\rt}{\rightarrow}&#10;&#10;$k_2$&#10;&#10;\end{document}" title="IguanaTex Bitmap Display">
-                <a:extLst>
-                  <a:ext uri="{FF2B5EF4-FFF2-40B4-BE49-F238E27FC236}">
-                    <a16:creationId xmlns:a16="http://schemas.microsoft.com/office/drawing/2014/main" id="{F3768434-E03B-46EC-A9A2-4B7C042DA9CB}"/>
-                  </a:ext>
-                </a:extLst>
-              </p:cNvPr>
-              <p:cNvPicPr>
-                <a:picLocks noChangeAspect="1"/>
-              </p:cNvPicPr>
-              <p:nvPr>
-                <p:custDataLst>
-                  <p:tags r:id="rId13"/>
-                </p:custDataLst>
-              </p:nvPr>
-            </p:nvPicPr>
-            <p:blipFill>
-              <a:blip r:embed="rId25">
-                <a:extLst>
-                  <a:ext uri="{28A0092B-C50C-407E-A947-70E740481C1C}">
-                    <a14:useLocalDpi xmlns:a14="http://schemas.microsoft.com/office/drawing/2010/main" val="0"/>
-                  </a:ext>
-                </a:extLst>
-              </a:blip>
-              <a:stretch>
-                <a:fillRect/>
-              </a:stretch>
-            </p:blipFill>
-            <p:spPr>
-              <a:xfrm>
-                <a:off x="7309844" y="7255670"/>
-                <a:ext cx="165834" cy="170712"/>
-              </a:xfrm>
-              <a:prstGeom prst="rect">
-                <a:avLst/>
-              </a:prstGeom>
-            </p:spPr>
-          </p:pic>
-          <p:pic>
-            <p:nvPicPr>
-              <p:cNvPr id="99" name="Picture 98" descr="\documentclass{article}&#10;\usepackage{amsmath, amssymb, amsthm}&#10;\usepackage{xcolor}&#10;\pagestyle{empty}&#10;\begin{document}&#10;\setlength\parindent{0pt}&#10;&#10;\newcommand{\argmin}{\operatornamewithlimits{argmin}}&#10;\newcommand{\argmax}{\operatornamewithlimits{argmax}}&#10;\newcommand{\rtwo}{\mathbb{R}^2}&#10;\newcommand{\rone}{\mathbb{R}}&#10;\newcommand{\ex}{\mathbb{E}}&#10;\newcommand{\normal}{\mathcal{N}}&#10;\newcommand{\vor}{\mathcal{V}}&#10;\newcommand{\st}{\mid}&#10;\newcommand{\set}[1]{\left\{#1\right\}}&#10;\newcommand{\norm}[1]{\left\lVert #1\right\rVert}&#10;\newcommand{\rt}{\rightarrow}&#10;&#10;$k_2$&#10;&#10;\end{document}" title="IguanaTex Bitmap Display">
-                <a:extLst>
-                  <a:ext uri="{FF2B5EF4-FFF2-40B4-BE49-F238E27FC236}">
-                    <a16:creationId xmlns:a16="http://schemas.microsoft.com/office/drawing/2014/main" id="{0ACBA4C4-212A-49A7-8FC6-DFE1F06578C6}"/>
-                  </a:ext>
-                </a:extLst>
-              </p:cNvPr>
-              <p:cNvPicPr>
-                <a:picLocks noChangeAspect="1"/>
-              </p:cNvPicPr>
-              <p:nvPr>
-                <p:custDataLst>
-                  <p:tags r:id="rId14"/>
-                </p:custDataLst>
-              </p:nvPr>
-            </p:nvPicPr>
-            <p:blipFill>
-              <a:blip r:embed="rId25">
-                <a:extLst>
-                  <a:ext uri="{28A0092B-C50C-407E-A947-70E740481C1C}">
-                    <a14:useLocalDpi xmlns:a14="http://schemas.microsoft.com/office/drawing/2010/main" val="0"/>
-                  </a:ext>
-                </a:extLst>
-              </a:blip>
-              <a:stretch>
-                <a:fillRect/>
-              </a:stretch>
-            </p:blipFill>
-            <p:spPr>
-              <a:xfrm>
-                <a:off x="7990968" y="7255670"/>
-                <a:ext cx="165834" cy="170712"/>
-              </a:xfrm>
-              <a:prstGeom prst="rect">
-                <a:avLst/>
-              </a:prstGeom>
-            </p:spPr>
-          </p:pic>
-          <p:pic>
-            <p:nvPicPr>
-              <p:cNvPr id="100" name="Picture 99" descr="\documentclass{article}&#10;\usepackage{amsmath, amssymb, amsthm}&#10;\usepackage{xcolor}&#10;\pagestyle{empty}&#10;\begin{document}&#10;\setlength\parindent{0pt}&#10;&#10;\newcommand{\argmin}{\operatornamewithlimits{argmin}}&#10;\newcommand{\argmax}{\operatornamewithlimits{argmax}}&#10;\newcommand{\rtwo}{\mathbb{R}^2}&#10;\newcommand{\rone}{\mathbb{R}}&#10;\newcommand{\ex}{\mathbb{E}}&#10;\newcommand{\normal}{\mathcal{N}}&#10;\newcommand{\vor}{\mathcal{V}}&#10;\newcommand{\st}{\mid}&#10;\newcommand{\set}[1]{\left\{#1\right\}}&#10;\newcommand{\norm}[1]{\left\lVert #1\right\rVert}&#10;\newcommand{\rt}{\rightarrow}&#10;&#10;$k_2$&#10;&#10;\end{document}" title="IguanaTex Bitmap Display">
-                <a:extLst>
-                  <a:ext uri="{FF2B5EF4-FFF2-40B4-BE49-F238E27FC236}">
-                    <a16:creationId xmlns:a16="http://schemas.microsoft.com/office/drawing/2014/main" id="{A24CBECF-80C7-47C5-BEEB-5C0B402CBD6F}"/>
-                  </a:ext>
-                </a:extLst>
-              </p:cNvPr>
-              <p:cNvPicPr>
-                <a:picLocks noChangeAspect="1"/>
-              </p:cNvPicPr>
-              <p:nvPr>
-                <p:custDataLst>
-                  <p:tags r:id="rId15"/>
-                </p:custDataLst>
-              </p:nvPr>
-            </p:nvPicPr>
-            <p:blipFill>
-              <a:blip r:embed="rId25">
-                <a:extLst>
-                  <a:ext uri="{28A0092B-C50C-407E-A947-70E740481C1C}">
-                    <a14:useLocalDpi xmlns:a14="http://schemas.microsoft.com/office/drawing/2010/main" val="0"/>
-                  </a:ext>
-                </a:extLst>
-              </a:blip>
-              <a:stretch>
-                <a:fillRect/>
-              </a:stretch>
-            </p:blipFill>
-            <p:spPr>
-              <a:xfrm>
-                <a:off x="9264472" y="7255670"/>
-                <a:ext cx="165834" cy="170712"/>
-              </a:xfrm>
-              <a:prstGeom prst="rect">
-                <a:avLst/>
-              </a:prstGeom>
-            </p:spPr>
-          </p:pic>
-          <p:pic>
-            <p:nvPicPr>
-              <p:cNvPr id="101" name="Picture 100" descr="\documentclass{article}&#10;\usepackage{amsmath, amssymb, amsthm}&#10;\usepackage{xcolor}&#10;\pagestyle{empty}&#10;\begin{document}&#10;\setlength\parindent{0pt}&#10;&#10;\newcommand{\argmin}{\operatornamewithlimits{argmin}}&#10;\newcommand{\argmax}{\operatornamewithlimits{argmax}}&#10;\newcommand{\rtwo}{\mathbb{R}^2}&#10;\newcommand{\rone}{\mathbb{R}}&#10;\newcommand{\ex}{\mathbb{E}}&#10;\newcommand{\normal}{\mathcal{N}}&#10;\newcommand{\vor}{\mathcal{V}}&#10;\newcommand{\st}{\mid}&#10;\newcommand{\set}[1]{\left\{#1\right\}}&#10;\newcommand{\norm}[1]{\left\lVert #1\right\rVert}&#10;\newcommand{\rt}{\rightarrow}&#10;&#10;$k_2$&#10;&#10;\end{document}" title="IguanaTex Bitmap Display">
-                <a:extLst>
-                  <a:ext uri="{FF2B5EF4-FFF2-40B4-BE49-F238E27FC236}">
-                    <a16:creationId xmlns:a16="http://schemas.microsoft.com/office/drawing/2014/main" id="{C5E9BF41-E9D4-4B3A-A748-CF14C1D23A41}"/>
-                  </a:ext>
-                </a:extLst>
-              </p:cNvPr>
-              <p:cNvPicPr>
-                <a:picLocks noChangeAspect="1"/>
-              </p:cNvPicPr>
-              <p:nvPr>
-                <p:custDataLst>
-                  <p:tags r:id="rId16"/>
-                </p:custDataLst>
-              </p:nvPr>
-            </p:nvPicPr>
-            <p:blipFill>
-              <a:blip r:embed="rId25">
-                <a:extLst>
-                  <a:ext uri="{28A0092B-C50C-407E-A947-70E740481C1C}">
-                    <a14:useLocalDpi xmlns:a14="http://schemas.microsoft.com/office/drawing/2010/main" val="0"/>
-                  </a:ext>
-                </a:extLst>
-              </a:blip>
-              <a:stretch>
-                <a:fillRect/>
-              </a:stretch>
-            </p:blipFill>
-            <p:spPr>
-              <a:xfrm>
-                <a:off x="10498710" y="7255670"/>
-                <a:ext cx="165834" cy="170712"/>
-              </a:xfrm>
-              <a:prstGeom prst="rect">
-                <a:avLst/>
-              </a:prstGeom>
-            </p:spPr>
-          </p:pic>
-          <p:pic>
-            <p:nvPicPr>
-              <p:cNvPr id="102" name="Picture 101" descr="\documentclass{article}&#10;\usepackage{amsmath, amssymb, amsthm}&#10;\usepackage{xcolor}&#10;\pagestyle{empty}&#10;\begin{document}&#10;\setlength\parindent{0pt}&#10;&#10;\newcommand{\argmin}{\operatornamewithlimits{argmin}}&#10;\newcommand{\argmax}{\operatornamewithlimits{argmax}}&#10;\newcommand{\rtwo}{\mathbb{R}^2}&#10;\newcommand{\rone}{\mathbb{R}}&#10;\newcommand{\ex}{\mathbb{E}}&#10;\newcommand{\normal}{\mathcal{N}}&#10;\newcommand{\vor}{\mathcal{V}}&#10;\newcommand{\st}{\mid}&#10;\newcommand{\set}[1]{\left\{#1\right\}}&#10;\newcommand{\norm}[1]{\left\lVert #1\right\rVert}&#10;\newcommand{\rt}{\rightarrow}&#10;&#10;$k_2$&#10;&#10;\end{document}" title="IguanaTex Bitmap Display">
-                <a:extLst>
-                  <a:ext uri="{FF2B5EF4-FFF2-40B4-BE49-F238E27FC236}">
-                    <a16:creationId xmlns:a16="http://schemas.microsoft.com/office/drawing/2014/main" id="{11E8C89E-5AEE-4177-9DE2-CA538C427674}"/>
-                  </a:ext>
-                </a:extLst>
-              </p:cNvPr>
-              <p:cNvPicPr>
-                <a:picLocks noChangeAspect="1"/>
-              </p:cNvPicPr>
-              <p:nvPr>
-                <p:custDataLst>
-                  <p:tags r:id="rId17"/>
-                </p:custDataLst>
-              </p:nvPr>
-            </p:nvPicPr>
-            <p:blipFill>
-              <a:blip r:embed="rId25">
-                <a:extLst>
-                  <a:ext uri="{28A0092B-C50C-407E-A947-70E740481C1C}">
-                    <a14:useLocalDpi xmlns:a14="http://schemas.microsoft.com/office/drawing/2010/main" val="0"/>
-                  </a:ext>
-                </a:extLst>
-              </a:blip>
-              <a:stretch>
-                <a:fillRect/>
-              </a:stretch>
-            </p:blipFill>
-            <p:spPr>
-              <a:xfrm>
-                <a:off x="10994664" y="7255670"/>
-                <a:ext cx="165834" cy="170712"/>
-              </a:xfrm>
-              <a:prstGeom prst="rect">
-                <a:avLst/>
-              </a:prstGeom>
-            </p:spPr>
-          </p:pic>
-          <p:grpSp>
-            <p:nvGrpSpPr>
-              <p:cNvPr id="110" name="Group 109">
-                <a:extLst>
-                  <a:ext uri="{FF2B5EF4-FFF2-40B4-BE49-F238E27FC236}">
-                    <a16:creationId xmlns:a16="http://schemas.microsoft.com/office/drawing/2014/main" id="{BDEF5E04-07B6-4769-810D-1FE2954F288E}"/>
-                  </a:ext>
-                </a:extLst>
-              </p:cNvPr>
-              <p:cNvGrpSpPr/>
-              <p:nvPr/>
-            </p:nvGrpSpPr>
-            <p:grpSpPr>
-              <a:xfrm>
-                <a:off x="5363806" y="6218795"/>
-                <a:ext cx="1045595" cy="461665"/>
-                <a:chOff x="1962691" y="3109301"/>
-                <a:chExt cx="1045595" cy="461665"/>
-              </a:xfrm>
-            </p:grpSpPr>
-            <p:sp>
-              <p:nvSpPr>
-                <p:cNvPr id="108" name="TextBox 107">
-                  <a:extLst>
-                    <a:ext uri="{FF2B5EF4-FFF2-40B4-BE49-F238E27FC236}">
-                      <a16:creationId xmlns:a16="http://schemas.microsoft.com/office/drawing/2014/main" id="{F4326218-F5A1-4ACF-B823-88CEDA7D6463}"/>
-                    </a:ext>
-                  </a:extLst>
-                </p:cNvPr>
-                <p:cNvSpPr txBox="1"/>
-                <p:nvPr/>
-              </p:nvSpPr>
-              <p:spPr>
-                <a:xfrm>
-                  <a:off x="1962691" y="3109301"/>
-                  <a:ext cx="1045595" cy="461665"/>
-                </a:xfrm>
-                <a:prstGeom prst="rect">
-                  <a:avLst/>
-                </a:prstGeom>
-                <a:noFill/>
-              </p:spPr>
-              <p:txBody>
-                <a:bodyPr wrap="square" rtlCol="0">
-                  <a:spAutoFit/>
-                </a:bodyPr>
-                <a:lstStyle/>
-                <a:p>
-                  <a:pPr algn="ctr"/>
-                  <a:r>
-                    <a:rPr lang="en-US" sz="1200" dirty="0">
-                      <a:latin typeface="DejaVu Sans" panose="020B0603030804020204" pitchFamily="34" charset="0"/>
-                      <a:ea typeface="DejaVu Sans" panose="020B0603030804020204" pitchFamily="34" charset="0"/>
-                      <a:cs typeface="DejaVu Sans" panose="020B0603030804020204" pitchFamily="34" charset="0"/>
-                    </a:rPr>
-                    <a:t>Tensor</a:t>
-                  </a:r>
-                </a:p>
-                <a:p>
-                  <a:pPr algn="ctr"/>
-                  <a:r>
-                    <a:rPr lang="en-US" sz="1200" dirty="0">
-                      <a:latin typeface="DejaVu Sans" panose="020B0603030804020204" pitchFamily="34" charset="0"/>
-                      <a:ea typeface="DejaVu Sans" panose="020B0603030804020204" pitchFamily="34" charset="0"/>
-                      <a:cs typeface="DejaVu Sans" panose="020B0603030804020204" pitchFamily="34" charset="0"/>
-                    </a:rPr>
-                    <a:t>   x64x64</a:t>
-                  </a:r>
-                </a:p>
-              </p:txBody>
-            </p:sp>
-            <p:pic>
-              <p:nvPicPr>
-                <p:cNvPr id="109" name="Picture 108" descr="\documentclass{article}&#10;\usepackage{amsmath, amssymb, amsthm}&#10;\usepackage{xcolor}&#10;\pagestyle{empty}&#10;\begin{document}&#10;\setlength\parindent{0pt}&#10;&#10;\newcommand{\argmin}{\operatornamewithlimits{argmin}}&#10;\newcommand{\argmax}{\operatornamewithlimits{argmax}}&#10;\newcommand{\rtwo}{\mathbb{R}^2}&#10;\newcommand{\rone}{\mathbb{R}}&#10;\newcommand{\ex}{\mathbb{E}}&#10;\newcommand{\normal}{\mathcal{N}}&#10;\newcommand{\vor}{\mathcal{V}}&#10;\newcommand{\st}{\mid}&#10;\newcommand{\set}[1]{\left\{#1\right\}}&#10;\newcommand{\norm}[1]{\left\lVert #1\right\rVert}&#10;\newcommand{\rt}{\rightarrow}&#10;&#10;$d$&#10;&#10;\end{document}" title="IguanaTex Bitmap Display">
-                  <a:extLst>
-                    <a:ext uri="{FF2B5EF4-FFF2-40B4-BE49-F238E27FC236}">
-                      <a16:creationId xmlns:a16="http://schemas.microsoft.com/office/drawing/2014/main" id="{28E3CFAF-D3C1-459A-883B-D41BCFEEA1AA}"/>
-                    </a:ext>
-                  </a:extLst>
-                </p:cNvPr>
-                <p:cNvPicPr>
-                  <a:picLocks noChangeAspect="1"/>
-                </p:cNvPicPr>
-                <p:nvPr>
-                  <p:custDataLst>
-                    <p:tags r:id="rId19"/>
-                  </p:custDataLst>
-                </p:nvPr>
-              </p:nvPicPr>
-              <p:blipFill>
-                <a:blip r:embed="rId26">
-                  <a:extLst>
-                    <a:ext uri="{28A0092B-C50C-407E-A947-70E740481C1C}">
-                      <a14:useLocalDpi xmlns:a14="http://schemas.microsoft.com/office/drawing/2010/main" val="0"/>
-                    </a:ext>
-                  </a:extLst>
-                </a:blip>
-                <a:stretch>
-                  <a:fillRect/>
-                </a:stretch>
-              </p:blipFill>
-              <p:spPr>
-                <a:xfrm>
-                  <a:off x="2139179" y="3350047"/>
-                  <a:ext cx="96330" cy="142666"/>
-                </a:xfrm>
-                <a:prstGeom prst="rect">
-                  <a:avLst/>
-                </a:prstGeom>
-              </p:spPr>
-            </p:pic>
-          </p:grpSp>
-          <p:grpSp>
-            <p:nvGrpSpPr>
-              <p:cNvPr id="117" name="Group 116">
-                <a:extLst>
-                  <a:ext uri="{FF2B5EF4-FFF2-40B4-BE49-F238E27FC236}">
-                    <a16:creationId xmlns:a16="http://schemas.microsoft.com/office/drawing/2014/main" id="{92D3491D-4D55-4CE6-8FC0-DDBECD473FA1}"/>
-                  </a:ext>
-                </a:extLst>
-              </p:cNvPr>
-              <p:cNvGrpSpPr/>
-              <p:nvPr/>
-            </p:nvGrpSpPr>
-            <p:grpSpPr>
-              <a:xfrm>
-                <a:off x="11448745" y="6218795"/>
-                <a:ext cx="1045595" cy="461665"/>
-                <a:chOff x="1962691" y="3109301"/>
-                <a:chExt cx="1045595" cy="461665"/>
-              </a:xfrm>
-            </p:grpSpPr>
-            <p:sp>
-              <p:nvSpPr>
-                <p:cNvPr id="118" name="TextBox 117">
-                  <a:extLst>
-                    <a:ext uri="{FF2B5EF4-FFF2-40B4-BE49-F238E27FC236}">
-                      <a16:creationId xmlns:a16="http://schemas.microsoft.com/office/drawing/2014/main" id="{4D0CC126-7745-4639-BBF2-3061A86881F4}"/>
-                    </a:ext>
-                  </a:extLst>
-                </p:cNvPr>
-                <p:cNvSpPr txBox="1"/>
-                <p:nvPr/>
-              </p:nvSpPr>
-              <p:spPr>
-                <a:xfrm>
-                  <a:off x="1962691" y="3109301"/>
-                  <a:ext cx="1045595" cy="461665"/>
-                </a:xfrm>
-                <a:prstGeom prst="rect">
-                  <a:avLst/>
-                </a:prstGeom>
-                <a:noFill/>
-              </p:spPr>
-              <p:txBody>
-                <a:bodyPr wrap="square" rtlCol="0">
-                  <a:spAutoFit/>
-                </a:bodyPr>
-                <a:lstStyle/>
-                <a:p>
-                  <a:pPr algn="ctr"/>
-                  <a:r>
-                    <a:rPr lang="en-US" sz="1200" dirty="0">
-                      <a:latin typeface="DejaVu Sans" panose="020B0603030804020204" pitchFamily="34" charset="0"/>
-                      <a:ea typeface="DejaVu Sans" panose="020B0603030804020204" pitchFamily="34" charset="0"/>
-                      <a:cs typeface="DejaVu Sans" panose="020B0603030804020204" pitchFamily="34" charset="0"/>
-                    </a:rPr>
-                    <a:t>Tensor</a:t>
-                  </a:r>
-                </a:p>
-                <a:p>
-                  <a:pPr algn="ctr"/>
-                  <a:r>
-                    <a:rPr lang="en-US" sz="1200" dirty="0">
-                      <a:latin typeface="DejaVu Sans" panose="020B0603030804020204" pitchFamily="34" charset="0"/>
-                      <a:ea typeface="DejaVu Sans" panose="020B0603030804020204" pitchFamily="34" charset="0"/>
-                      <a:cs typeface="DejaVu Sans" panose="020B0603030804020204" pitchFamily="34" charset="0"/>
-                    </a:rPr>
-                    <a:t>   x64x64</a:t>
-                  </a:r>
-                </a:p>
-              </p:txBody>
-            </p:sp>
-            <p:pic>
-              <p:nvPicPr>
-                <p:cNvPr id="119" name="Picture 118" descr="\documentclass{article}&#10;\usepackage{amsmath, amssymb, amsthm}&#10;\usepackage{xcolor}&#10;\pagestyle{empty}&#10;\begin{document}&#10;\setlength\parindent{0pt}&#10;&#10;\newcommand{\argmin}{\operatornamewithlimits{argmin}}&#10;\newcommand{\argmax}{\operatornamewithlimits{argmax}}&#10;\newcommand{\rtwo}{\mathbb{R}^2}&#10;\newcommand{\rone}{\mathbb{R}}&#10;\newcommand{\ex}{\mathbb{E}}&#10;\newcommand{\normal}{\mathcal{N}}&#10;\newcommand{\vor}{\mathcal{V}}&#10;\newcommand{\st}{\mid}&#10;\newcommand{\set}[1]{\left\{#1\right\}}&#10;\newcommand{\norm}[1]{\left\lVert #1\right\rVert}&#10;\newcommand{\rt}{\rightarrow}&#10;&#10;$d$&#10;&#10;\end{document}" title="IguanaTex Bitmap Display">
-                  <a:extLst>
-                    <a:ext uri="{FF2B5EF4-FFF2-40B4-BE49-F238E27FC236}">
-                      <a16:creationId xmlns:a16="http://schemas.microsoft.com/office/drawing/2014/main" id="{D8BCDB26-BB4D-4D54-8665-520314AD891D}"/>
-                    </a:ext>
-                  </a:extLst>
-                </p:cNvPr>
-                <p:cNvPicPr>
-                  <a:picLocks noChangeAspect="1"/>
-                </p:cNvPicPr>
-                <p:nvPr>
-                  <p:custDataLst>
-                    <p:tags r:id="rId18"/>
-                  </p:custDataLst>
-                </p:nvPr>
-              </p:nvPicPr>
-              <p:blipFill>
-                <a:blip r:embed="rId26">
-                  <a:extLst>
-                    <a:ext uri="{28A0092B-C50C-407E-A947-70E740481C1C}">
-                      <a14:useLocalDpi xmlns:a14="http://schemas.microsoft.com/office/drawing/2010/main" val="0"/>
-                    </a:ext>
-                  </a:extLst>
-                </a:blip>
-                <a:stretch>
-                  <a:fillRect/>
-                </a:stretch>
-              </p:blipFill>
-              <p:spPr>
-                <a:xfrm>
-                  <a:off x="2139179" y="3350047"/>
-                  <a:ext cx="96330" cy="142666"/>
-                </a:xfrm>
-                <a:prstGeom prst="rect">
-                  <a:avLst/>
-                </a:prstGeom>
-              </p:spPr>
-            </p:pic>
-          </p:grpSp>
-        </p:grpSp>
-        <p:grpSp>
-          <p:nvGrpSpPr>
-            <p:cNvPr id="3" name="Group 2">
-              <a:extLst>
-                <a:ext uri="{FF2B5EF4-FFF2-40B4-BE49-F238E27FC236}">
-                  <a16:creationId xmlns:a16="http://schemas.microsoft.com/office/drawing/2014/main" id="{D8D12A33-0676-4F72-BD7D-40D1813CFF7F}"/>
-                </a:ext>
-              </a:extLst>
-            </p:cNvPr>
-            <p:cNvGrpSpPr/>
-            <p:nvPr/>
-          </p:nvGrpSpPr>
-          <p:grpSpPr>
-            <a:xfrm>
-              <a:off x="2986635" y="1214875"/>
-              <a:ext cx="6681173" cy="1828379"/>
-              <a:chOff x="5588834" y="573974"/>
-              <a:chExt cx="6681173" cy="1828379"/>
-            </a:xfrm>
-          </p:grpSpPr>
-          <p:sp>
-            <p:nvSpPr>
-              <p:cNvPr id="114" name="Rectangle 113">
-                <a:extLst>
-                  <a:ext uri="{FF2B5EF4-FFF2-40B4-BE49-F238E27FC236}">
-                    <a16:creationId xmlns:a16="http://schemas.microsoft.com/office/drawing/2014/main" id="{D58DD7D5-159F-46E4-8A48-59537EA21811}"/>
-                  </a:ext>
-                </a:extLst>
-              </p:cNvPr>
-              <p:cNvSpPr/>
-              <p:nvPr/>
-            </p:nvSpPr>
-            <p:spPr>
-              <a:xfrm rot="16200000">
-                <a:off x="6341905" y="1265196"/>
-                <a:ext cx="1556548" cy="174103"/>
-              </a:xfrm>
-              <a:prstGeom prst="rect">
-                <a:avLst/>
-              </a:prstGeom>
-              <a:solidFill>
-                <a:srgbClr val="FF00FF"/>
-              </a:solidFill>
-              <a:ln>
-                <a:noFill/>
-              </a:ln>
-            </p:spPr>
-            <p:style>
-              <a:lnRef idx="2">
-                <a:schemeClr val="accent1">
-                  <a:shade val="50000"/>
-                </a:schemeClr>
-              </a:lnRef>
-              <a:fillRef idx="1">
-                <a:schemeClr val="accent1"/>
-              </a:fillRef>
-              <a:effectRef idx="0">
-                <a:schemeClr val="accent1"/>
-              </a:effectRef>
-              <a:fontRef idx="minor">
-                <a:schemeClr val="lt1"/>
-              </a:fontRef>
-            </p:style>
-            <p:txBody>
-              <a:bodyPr rtlCol="0" anchor="ctr"/>
-              <a:lstStyle/>
-              <a:p>
-                <a:pPr algn="ctr"/>
-                <a:r>
-                  <a:rPr lang="en-US" sz="1200" dirty="0">
-                    <a:solidFill>
-                      <a:schemeClr val="tx1"/>
-                    </a:solidFill>
-                    <a:latin typeface="DejaVu Sans" panose="020B0603030804020204" pitchFamily="34" charset="0"/>
-                    <a:ea typeface="DejaVu Sans" panose="020B0603030804020204" pitchFamily="34" charset="0"/>
-                    <a:cs typeface="DejaVu Sans" panose="020B0603030804020204" pitchFamily="34" charset="0"/>
-                  </a:rPr>
-                  <a:t>Conv</a:t>
-                </a:r>
-              </a:p>
-            </p:txBody>
-          </p:sp>
-          <p:sp>
-            <p:nvSpPr>
-              <p:cNvPr id="115" name="Rectangle 114">
-                <a:extLst>
-                  <a:ext uri="{FF2B5EF4-FFF2-40B4-BE49-F238E27FC236}">
-                    <a16:creationId xmlns:a16="http://schemas.microsoft.com/office/drawing/2014/main" id="{B2329104-12F2-4CA1-B602-BED2C8E25208}"/>
-                  </a:ext>
-                </a:extLst>
-              </p:cNvPr>
-              <p:cNvSpPr/>
-              <p:nvPr/>
-            </p:nvSpPr>
-            <p:spPr>
-              <a:xfrm rot="16200000">
-                <a:off x="6576644" y="1265196"/>
-                <a:ext cx="1556548" cy="174103"/>
-              </a:xfrm>
-              <a:prstGeom prst="rect">
-                <a:avLst/>
-              </a:prstGeom>
-              <a:solidFill>
-                <a:srgbClr val="00FFFF"/>
-              </a:solidFill>
-              <a:ln>
-                <a:noFill/>
-              </a:ln>
-            </p:spPr>
-            <p:style>
-              <a:lnRef idx="2">
-                <a:schemeClr val="accent1">
-                  <a:shade val="50000"/>
-                </a:schemeClr>
-              </a:lnRef>
-              <a:fillRef idx="1">
-                <a:schemeClr val="accent1"/>
-              </a:fillRef>
-              <a:effectRef idx="0">
-                <a:schemeClr val="accent1"/>
-              </a:effectRef>
-              <a:fontRef idx="minor">
-                <a:schemeClr val="lt1"/>
-              </a:fontRef>
-            </p:style>
-            <p:txBody>
-              <a:bodyPr rtlCol="0" anchor="ctr"/>
-              <a:lstStyle/>
-              <a:p>
-                <a:pPr algn="ctr"/>
-                <a:r>
-                  <a:rPr lang="en-US" sz="1200" dirty="0">
-                    <a:solidFill>
-                      <a:schemeClr val="tx1"/>
-                    </a:solidFill>
-                    <a:latin typeface="DejaVu Sans" panose="020B0603030804020204" pitchFamily="34" charset="0"/>
-                    <a:ea typeface="DejaVu Sans" panose="020B0603030804020204" pitchFamily="34" charset="0"/>
-                    <a:cs typeface="DejaVu Sans" panose="020B0603030804020204" pitchFamily="34" charset="0"/>
-                  </a:rPr>
-                  <a:t>ReLU</a:t>
-                </a:r>
-              </a:p>
-            </p:txBody>
-          </p:sp>
-          <p:cxnSp>
-            <p:nvCxnSpPr>
-              <p:cNvPr id="116" name="Straight Arrow Connector 115">
-                <a:extLst>
-                  <a:ext uri="{FF2B5EF4-FFF2-40B4-BE49-F238E27FC236}">
-                    <a16:creationId xmlns:a16="http://schemas.microsoft.com/office/drawing/2014/main" id="{1FC61E31-67C6-4B8D-94C0-1D265757ABCF}"/>
-                  </a:ext>
-                </a:extLst>
-              </p:cNvPr>
-              <p:cNvCxnSpPr/>
-              <p:nvPr/>
-            </p:nvCxnSpPr>
-            <p:spPr>
-              <a:xfrm flipV="1">
-                <a:off x="7443352" y="1352244"/>
-                <a:ext cx="158276" cy="1"/>
-              </a:xfrm>
-              <a:prstGeom prst="straightConnector1">
-                <a:avLst/>
-              </a:prstGeom>
-              <a:ln w="38100">
-                <a:solidFill>
-                  <a:schemeClr val="tx1"/>
-                </a:solidFill>
-                <a:tailEnd type="triangle"/>
-              </a:ln>
-            </p:spPr>
-            <p:style>
-              <a:lnRef idx="1">
-                <a:schemeClr val="accent1"/>
-              </a:lnRef>
-              <a:fillRef idx="0">
-                <a:schemeClr val="accent1"/>
-              </a:fillRef>
-              <a:effectRef idx="0">
-                <a:schemeClr val="accent1"/>
-              </a:effectRef>
-              <a:fontRef idx="minor">
-                <a:schemeClr val="tx1"/>
-              </a:fontRef>
-            </p:style>
-          </p:cxnSp>
-          <p:sp>
-            <p:nvSpPr>
-              <p:cNvPr id="120" name="TextBox 119">
-                <a:extLst>
-                  <a:ext uri="{FF2B5EF4-FFF2-40B4-BE49-F238E27FC236}">
-                    <a16:creationId xmlns:a16="http://schemas.microsoft.com/office/drawing/2014/main" id="{E30EF318-5CB6-416D-9D91-C2F6750C44F8}"/>
-                  </a:ext>
-                </a:extLst>
-              </p:cNvPr>
-              <p:cNvSpPr txBox="1"/>
-              <p:nvPr/>
-            </p:nvSpPr>
-            <p:spPr>
-              <a:xfrm>
-                <a:off x="5588834" y="1204211"/>
-                <a:ext cx="1045595" cy="461665"/>
-              </a:xfrm>
-              <a:prstGeom prst="rect">
-                <a:avLst/>
-              </a:prstGeom>
-              <a:noFill/>
-            </p:spPr>
-            <p:txBody>
-              <a:bodyPr wrap="square" rtlCol="0">
-                <a:spAutoFit/>
-              </a:bodyPr>
-              <a:lstStyle/>
-              <a:p>
-                <a:pPr algn="ctr"/>
-                <a:r>
-                  <a:rPr lang="en-US" sz="1200" dirty="0">
-                    <a:latin typeface="DejaVu Sans" panose="020B0603030804020204" pitchFamily="34" charset="0"/>
-                    <a:ea typeface="DejaVu Sans" panose="020B0603030804020204" pitchFamily="34" charset="0"/>
-                    <a:cs typeface="DejaVu Sans" panose="020B0603030804020204" pitchFamily="34" charset="0"/>
-                  </a:rPr>
-                  <a:t>LR Patch</a:t>
-                </a:r>
-              </a:p>
-              <a:p>
-                <a:pPr algn="ctr"/>
-                <a:r>
-                  <a:rPr lang="en-US" sz="1200" dirty="0">
-                    <a:latin typeface="DejaVu Sans" panose="020B0603030804020204" pitchFamily="34" charset="0"/>
-                    <a:ea typeface="DejaVu Sans" panose="020B0603030804020204" pitchFamily="34" charset="0"/>
-                    <a:cs typeface="DejaVu Sans" panose="020B0603030804020204" pitchFamily="34" charset="0"/>
-                  </a:rPr>
-                  <a:t>2x64x64</a:t>
-                </a:r>
-              </a:p>
-            </p:txBody>
-          </p:sp>
-          <p:sp>
-            <p:nvSpPr>
-              <p:cNvPr id="121" name="TextBox 120">
-                <a:extLst>
-                  <a:ext uri="{FF2B5EF4-FFF2-40B4-BE49-F238E27FC236}">
-                    <a16:creationId xmlns:a16="http://schemas.microsoft.com/office/drawing/2014/main" id="{C52086D7-4DB2-4EBD-97C8-BF2FCA54ADE0}"/>
-                  </a:ext>
-                </a:extLst>
-              </p:cNvPr>
-              <p:cNvSpPr txBox="1"/>
-              <p:nvPr/>
-            </p:nvSpPr>
-            <p:spPr>
-              <a:xfrm>
-                <a:off x="11224412" y="1204211"/>
-                <a:ext cx="1045595" cy="461665"/>
-              </a:xfrm>
-              <a:prstGeom prst="rect">
-                <a:avLst/>
-              </a:prstGeom>
-              <a:noFill/>
-            </p:spPr>
-            <p:txBody>
-              <a:bodyPr wrap="square" rtlCol="0">
-                <a:spAutoFit/>
-              </a:bodyPr>
-              <a:lstStyle/>
-              <a:p>
-                <a:pPr algn="ctr"/>
-                <a:r>
-                  <a:rPr lang="en-US" sz="1200" dirty="0">
-                    <a:latin typeface="DejaVu Sans" panose="020B0603030804020204" pitchFamily="34" charset="0"/>
-                    <a:ea typeface="DejaVu Sans" panose="020B0603030804020204" pitchFamily="34" charset="0"/>
-                    <a:cs typeface="DejaVu Sans" panose="020B0603030804020204" pitchFamily="34" charset="0"/>
-                  </a:rPr>
-                  <a:t>SR Patch</a:t>
-                </a:r>
-              </a:p>
-              <a:p>
-                <a:pPr algn="ctr"/>
-                <a:r>
-                  <a:rPr lang="en-US" sz="1200" dirty="0">
-                    <a:latin typeface="DejaVu Sans" panose="020B0603030804020204" pitchFamily="34" charset="0"/>
-                    <a:ea typeface="DejaVu Sans" panose="020B0603030804020204" pitchFamily="34" charset="0"/>
-                    <a:cs typeface="DejaVu Sans" panose="020B0603030804020204" pitchFamily="34" charset="0"/>
-                  </a:rPr>
-                  <a:t>2x64x64</a:t>
-                </a:r>
-              </a:p>
-            </p:txBody>
-          </p:sp>
-          <p:pic>
-            <p:nvPicPr>
-              <p:cNvPr id="122" name="Picture 121" descr="\documentclass{article}&#10;\usepackage{amsmath, amssymb, amsthm}&#10;\usepackage{xcolor}&#10;\pagestyle{empty}&#10;\begin{document}&#10;\setlength\parindent{0pt}&#10;&#10;\newcommand{\argmin}{\operatornamewithlimits{argmin}}&#10;\newcommand{\argmax}{\operatornamewithlimits{argmax}}&#10;\newcommand{\rtwo}{\mathbb{R}^2}&#10;\newcommand{\rone}{\mathbb{R}}&#10;\newcommand{\ex}{\mathbb{E}}&#10;\newcommand{\normal}{\mathcal{N}}&#10;\newcommand{\vor}{\mathcal{V}}&#10;\newcommand{\st}{\mid}&#10;\newcommand{\set}[1]{\left\{#1\right\}}&#10;\newcommand{\norm}[1]{\left\lVert #1\right\rVert}&#10;\newcommand{\rt}{\rightarrow}&#10;&#10;$f_1$&#10;&#10;\end{document}" title="IguanaTex Bitmap Display">
-                <a:extLst>
-                  <a:ext uri="{FF2B5EF4-FFF2-40B4-BE49-F238E27FC236}">
-                    <a16:creationId xmlns:a16="http://schemas.microsoft.com/office/drawing/2014/main" id="{26D3F7C5-E84A-4EA2-852A-CFE0B7A0F540}"/>
-                  </a:ext>
-                </a:extLst>
-              </p:cNvPr>
-              <p:cNvPicPr>
-                <a:picLocks noChangeAspect="1"/>
-              </p:cNvPicPr>
-              <p:nvPr>
-                <p:custDataLst>
-                  <p:tags r:id="rId6"/>
-                </p:custDataLst>
-              </p:nvPr>
-            </p:nvPicPr>
-            <p:blipFill>
-              <a:blip r:embed="rId27">
-                <a:extLst>
-                  <a:ext uri="{28A0092B-C50C-407E-A947-70E740481C1C}">
-                    <a14:useLocalDpi xmlns:a14="http://schemas.microsoft.com/office/drawing/2010/main" val="0"/>
-                  </a:ext>
-                </a:extLst>
-              </a:blip>
-              <a:stretch>
-                <a:fillRect/>
-              </a:stretch>
-            </p:blipFill>
-            <p:spPr>
-              <a:xfrm>
-                <a:off x="7025507" y="2218226"/>
-                <a:ext cx="154860" cy="184126"/>
-              </a:xfrm>
-              <a:prstGeom prst="rect">
-                <a:avLst/>
-              </a:prstGeom>
-            </p:spPr>
-          </p:pic>
-          <p:grpSp>
-            <p:nvGrpSpPr>
-              <p:cNvPr id="123" name="Group 122">
-                <a:extLst>
-                  <a:ext uri="{FF2B5EF4-FFF2-40B4-BE49-F238E27FC236}">
-                    <a16:creationId xmlns:a16="http://schemas.microsoft.com/office/drawing/2014/main" id="{2653D6AF-3347-4ED2-8508-2312331AAB62}"/>
-                  </a:ext>
-                </a:extLst>
-              </p:cNvPr>
-              <p:cNvGrpSpPr/>
-              <p:nvPr/>
-            </p:nvGrpSpPr>
-            <p:grpSpPr>
-              <a:xfrm>
-                <a:off x="7475092" y="1204211"/>
-                <a:ext cx="1045595" cy="461665"/>
-                <a:chOff x="2252252" y="3109301"/>
-                <a:chExt cx="1045595" cy="461665"/>
-              </a:xfrm>
-            </p:grpSpPr>
-            <p:sp>
-              <p:nvSpPr>
-                <p:cNvPr id="124" name="TextBox 123">
-                  <a:extLst>
-                    <a:ext uri="{FF2B5EF4-FFF2-40B4-BE49-F238E27FC236}">
-                      <a16:creationId xmlns:a16="http://schemas.microsoft.com/office/drawing/2014/main" id="{7A1E8335-747A-4D1D-A3C3-168057CDAEA6}"/>
-                    </a:ext>
-                  </a:extLst>
-                </p:cNvPr>
-                <p:cNvSpPr txBox="1"/>
-                <p:nvPr/>
-              </p:nvSpPr>
-              <p:spPr>
-                <a:xfrm>
-                  <a:off x="2252252" y="3109301"/>
-                  <a:ext cx="1045595" cy="461665"/>
-                </a:xfrm>
-                <a:prstGeom prst="rect">
-                  <a:avLst/>
-                </a:prstGeom>
-                <a:noFill/>
-              </p:spPr>
-              <p:txBody>
-                <a:bodyPr wrap="square" rtlCol="0">
-                  <a:spAutoFit/>
-                </a:bodyPr>
-                <a:lstStyle/>
-                <a:p>
-                  <a:pPr algn="ctr"/>
-                  <a:r>
-                    <a:rPr lang="en-US" sz="1200" dirty="0">
-                      <a:latin typeface="DejaVu Sans" panose="020B0603030804020204" pitchFamily="34" charset="0"/>
-                      <a:ea typeface="DejaVu Sans" panose="020B0603030804020204" pitchFamily="34" charset="0"/>
-                      <a:cs typeface="DejaVu Sans" panose="020B0603030804020204" pitchFamily="34" charset="0"/>
-                    </a:rPr>
-                    <a:t>Tensor</a:t>
-                  </a:r>
-                </a:p>
-                <a:p>
-                  <a:pPr algn="ctr"/>
-                  <a:r>
-                    <a:rPr lang="en-US" sz="1200" dirty="0">
-                      <a:latin typeface="DejaVu Sans" panose="020B0603030804020204" pitchFamily="34" charset="0"/>
-                      <a:ea typeface="DejaVu Sans" panose="020B0603030804020204" pitchFamily="34" charset="0"/>
-                      <a:cs typeface="DejaVu Sans" panose="020B0603030804020204" pitchFamily="34" charset="0"/>
-                    </a:rPr>
-                    <a:t>    x64x64</a:t>
-                  </a:r>
-                </a:p>
-              </p:txBody>
-            </p:sp>
-            <p:pic>
-              <p:nvPicPr>
-                <p:cNvPr id="125" name="Picture 124" descr="\documentclass{article}&#10;\usepackage{amsmath, amssymb, amsthm}&#10;\usepackage{xcolor}&#10;\pagestyle{empty}&#10;\begin{document}&#10;\setlength\parindent{0pt}&#10;&#10;\newcommand{\argmin}{\operatornamewithlimits{argmin}}&#10;\newcommand{\argmax}{\operatornamewithlimits{argmax}}&#10;\newcommand{\rtwo}{\mathbb{R}^2}&#10;\newcommand{\rone}{\mathbb{R}}&#10;\newcommand{\ex}{\mathbb{E}}&#10;\newcommand{\normal}{\mathcal{N}}&#10;\newcommand{\vor}{\mathcal{V}}&#10;\newcommand{\st}{\mid}&#10;\newcommand{\set}[1]{\left\{#1\right\}}&#10;\newcommand{\norm}[1]{\left\lVert #1\right\rVert}&#10;\newcommand{\rt}{\rightarrow}&#10;&#10;$n_1$&#10;&#10;\end{document}" title="IguanaTex Bitmap Display">
-                  <a:extLst>
-                    <a:ext uri="{FF2B5EF4-FFF2-40B4-BE49-F238E27FC236}">
-                      <a16:creationId xmlns:a16="http://schemas.microsoft.com/office/drawing/2014/main" id="{A7CA4650-6729-4C6E-BF06-0530E66F3910}"/>
-                    </a:ext>
-                  </a:extLst>
-                </p:cNvPr>
-                <p:cNvPicPr>
-                  <a:picLocks noChangeAspect="1"/>
-                </p:cNvPicPr>
-                <p:nvPr>
-                  <p:custDataLst>
-                    <p:tags r:id="rId10"/>
-                  </p:custDataLst>
-                </p:nvPr>
-              </p:nvPicPr>
-              <p:blipFill>
-                <a:blip r:embed="rId28">
-                  <a:extLst>
-                    <a:ext uri="{28A0092B-C50C-407E-A947-70E740481C1C}">
-                      <a14:useLocalDpi xmlns:a14="http://schemas.microsoft.com/office/drawing/2010/main" val="0"/>
-                    </a:ext>
-                  </a:extLst>
-                </a:blip>
-                <a:stretch>
-                  <a:fillRect/>
-                </a:stretch>
-              </p:blipFill>
-              <p:spPr>
-                <a:xfrm>
-                  <a:off x="2367780" y="3388147"/>
-                  <a:ext cx="184124" cy="119498"/>
-                </a:xfrm>
-                <a:prstGeom prst="rect">
-                  <a:avLst/>
-                </a:prstGeom>
-              </p:spPr>
-            </p:pic>
-          </p:grpSp>
-          <p:cxnSp>
-            <p:nvCxnSpPr>
-              <p:cNvPr id="126" name="Straight Arrow Connector 125">
-                <a:extLst>
-                  <a:ext uri="{FF2B5EF4-FFF2-40B4-BE49-F238E27FC236}">
-                    <a16:creationId xmlns:a16="http://schemas.microsoft.com/office/drawing/2014/main" id="{76FF830F-5278-4808-81A2-49A8AE6C0FED}"/>
-                  </a:ext>
-                </a:extLst>
-              </p:cNvPr>
-              <p:cNvCxnSpPr>
-                <a:cxnSpLocks/>
-              </p:cNvCxnSpPr>
-              <p:nvPr/>
-            </p:nvCxnSpPr>
-            <p:spPr>
-              <a:xfrm>
-                <a:off x="6541098" y="1352243"/>
-                <a:ext cx="437486" cy="0"/>
-              </a:xfrm>
-              <a:prstGeom prst="straightConnector1">
-                <a:avLst/>
-              </a:prstGeom>
-              <a:ln w="38100">
-                <a:solidFill>
-                  <a:schemeClr val="tx1"/>
-                </a:solidFill>
-                <a:tailEnd type="triangle"/>
-              </a:ln>
-            </p:spPr>
-            <p:style>
-              <a:lnRef idx="1">
-                <a:schemeClr val="accent1"/>
-              </a:lnRef>
-              <a:fillRef idx="0">
-                <a:schemeClr val="accent1"/>
-              </a:fillRef>
-              <a:effectRef idx="0">
-                <a:schemeClr val="accent1"/>
-              </a:effectRef>
-              <a:fontRef idx="minor">
-                <a:schemeClr val="tx1"/>
-              </a:fontRef>
-            </p:style>
-          </p:cxnSp>
-          <p:sp>
-            <p:nvSpPr>
-              <p:cNvPr id="127" name="Rectangle 126">
-                <a:extLst>
-                  <a:ext uri="{FF2B5EF4-FFF2-40B4-BE49-F238E27FC236}">
-                    <a16:creationId xmlns:a16="http://schemas.microsoft.com/office/drawing/2014/main" id="{C47E7816-07FE-4D0B-AA15-EDDE7993C0FC}"/>
-                  </a:ext>
-                </a:extLst>
-              </p:cNvPr>
-              <p:cNvSpPr/>
-              <p:nvPr/>
-            </p:nvSpPr>
-            <p:spPr>
-              <a:xfrm rot="16200000">
-                <a:off x="8191833" y="1265196"/>
-                <a:ext cx="1556548" cy="174103"/>
-              </a:xfrm>
-              <a:prstGeom prst="rect">
-                <a:avLst/>
-              </a:prstGeom>
-              <a:solidFill>
-                <a:srgbClr val="FF00FF"/>
-              </a:solidFill>
-              <a:ln>
-                <a:noFill/>
-              </a:ln>
-            </p:spPr>
-            <p:style>
-              <a:lnRef idx="2">
-                <a:schemeClr val="accent1">
-                  <a:shade val="50000"/>
-                </a:schemeClr>
-              </a:lnRef>
-              <a:fillRef idx="1">
-                <a:schemeClr val="accent1"/>
-              </a:fillRef>
-              <a:effectRef idx="0">
-                <a:schemeClr val="accent1"/>
-              </a:effectRef>
-              <a:fontRef idx="minor">
-                <a:schemeClr val="lt1"/>
-              </a:fontRef>
-            </p:style>
-            <p:txBody>
-              <a:bodyPr rtlCol="0" anchor="ctr"/>
-              <a:lstStyle/>
-              <a:p>
-                <a:pPr algn="ctr"/>
-                <a:r>
-                  <a:rPr lang="en-US" sz="1200" dirty="0">
-                    <a:solidFill>
-                      <a:schemeClr val="tx1"/>
-                    </a:solidFill>
-                    <a:latin typeface="DejaVu Sans" panose="020B0603030804020204" pitchFamily="34" charset="0"/>
-                    <a:ea typeface="DejaVu Sans" panose="020B0603030804020204" pitchFamily="34" charset="0"/>
-                    <a:cs typeface="DejaVu Sans" panose="020B0603030804020204" pitchFamily="34" charset="0"/>
-                  </a:rPr>
-                  <a:t>Conv</a:t>
-                </a:r>
-              </a:p>
-            </p:txBody>
-          </p:sp>
-          <p:sp>
-            <p:nvSpPr>
-              <p:cNvPr id="128" name="Rectangle 127">
-                <a:extLst>
-                  <a:ext uri="{FF2B5EF4-FFF2-40B4-BE49-F238E27FC236}">
-                    <a16:creationId xmlns:a16="http://schemas.microsoft.com/office/drawing/2014/main" id="{41304881-5C7D-41CA-B85E-1000C4ABD603}"/>
-                  </a:ext>
-                </a:extLst>
-              </p:cNvPr>
-              <p:cNvSpPr/>
-              <p:nvPr/>
-            </p:nvSpPr>
-            <p:spPr>
-              <a:xfrm rot="16200000">
-                <a:off x="8426572" y="1265196"/>
-                <a:ext cx="1556548" cy="174103"/>
-              </a:xfrm>
-              <a:prstGeom prst="rect">
-                <a:avLst/>
-              </a:prstGeom>
-              <a:solidFill>
-                <a:srgbClr val="00FFFF"/>
-              </a:solidFill>
-              <a:ln>
-                <a:noFill/>
-              </a:ln>
-            </p:spPr>
-            <p:style>
-              <a:lnRef idx="2">
-                <a:schemeClr val="accent1">
-                  <a:shade val="50000"/>
-                </a:schemeClr>
-              </a:lnRef>
-              <a:fillRef idx="1">
-                <a:schemeClr val="accent1"/>
-              </a:fillRef>
-              <a:effectRef idx="0">
-                <a:schemeClr val="accent1"/>
-              </a:effectRef>
-              <a:fontRef idx="minor">
-                <a:schemeClr val="lt1"/>
-              </a:fontRef>
-            </p:style>
-            <p:txBody>
-              <a:bodyPr rtlCol="0" anchor="ctr"/>
-              <a:lstStyle/>
-              <a:p>
-                <a:pPr algn="ctr"/>
-                <a:r>
-                  <a:rPr lang="en-US" sz="1200" dirty="0">
-                    <a:solidFill>
-                      <a:schemeClr val="tx1"/>
-                    </a:solidFill>
-                    <a:latin typeface="DejaVu Sans" panose="020B0603030804020204" pitchFamily="34" charset="0"/>
-                    <a:ea typeface="DejaVu Sans" panose="020B0603030804020204" pitchFamily="34" charset="0"/>
-                    <a:cs typeface="DejaVu Sans" panose="020B0603030804020204" pitchFamily="34" charset="0"/>
-                  </a:rPr>
-                  <a:t>ReLU</a:t>
-                </a:r>
-              </a:p>
-            </p:txBody>
-          </p:sp>
-          <p:cxnSp>
-            <p:nvCxnSpPr>
-              <p:cNvPr id="129" name="Straight Arrow Connector 128">
-                <a:extLst>
-                  <a:ext uri="{FF2B5EF4-FFF2-40B4-BE49-F238E27FC236}">
-                    <a16:creationId xmlns:a16="http://schemas.microsoft.com/office/drawing/2014/main" id="{C1FC02B6-7E35-47A0-818F-8B6AAA42CFD2}"/>
-                  </a:ext>
-                </a:extLst>
-              </p:cNvPr>
-              <p:cNvCxnSpPr/>
-              <p:nvPr/>
-            </p:nvCxnSpPr>
-            <p:spPr>
-              <a:xfrm flipV="1">
-                <a:off x="9293280" y="1352244"/>
-                <a:ext cx="158276" cy="1"/>
-              </a:xfrm>
-              <a:prstGeom prst="straightConnector1">
-                <a:avLst/>
-              </a:prstGeom>
-              <a:ln w="38100">
-                <a:solidFill>
-                  <a:schemeClr val="tx1"/>
-                </a:solidFill>
-                <a:tailEnd type="triangle"/>
-              </a:ln>
-            </p:spPr>
-            <p:style>
-              <a:lnRef idx="1">
-                <a:schemeClr val="accent1"/>
-              </a:lnRef>
-              <a:fillRef idx="0">
-                <a:schemeClr val="accent1"/>
-              </a:fillRef>
-              <a:effectRef idx="0">
-                <a:schemeClr val="accent1"/>
-              </a:effectRef>
-              <a:fontRef idx="minor">
-                <a:schemeClr val="tx1"/>
-              </a:fontRef>
-            </p:style>
-          </p:cxnSp>
-          <p:pic>
-            <p:nvPicPr>
-              <p:cNvPr id="130" name="Picture 129" descr="\documentclass{article}&#10;\usepackage{amsmath, amssymb, amsthm}&#10;\usepackage{xcolor}&#10;\pagestyle{empty}&#10;\begin{document}&#10;\setlength\parindent{0pt}&#10;&#10;\newcommand{\argmin}{\operatornamewithlimits{argmin}}&#10;\newcommand{\argmax}{\operatornamewithlimits{argmax}}&#10;\newcommand{\rtwo}{\mathbb{R}^2}&#10;\newcommand{\rone}{\mathbb{R}}&#10;\newcommand{\ex}{\mathbb{E}}&#10;\newcommand{\normal}{\mathcal{N}}&#10;\newcommand{\vor}{\mathcal{V}}&#10;\newcommand{\st}{\mid}&#10;\newcommand{\set}[1]{\left\{#1\right\}}&#10;\newcommand{\norm}[1]{\left\lVert #1\right\rVert}&#10;\newcommand{\rt}{\rightarrow}&#10;&#10;$f_2$&#10;&#10;\end{document}" title="IguanaTex Bitmap Display">
-                <a:extLst>
-                  <a:ext uri="{FF2B5EF4-FFF2-40B4-BE49-F238E27FC236}">
-                    <a16:creationId xmlns:a16="http://schemas.microsoft.com/office/drawing/2014/main" id="{458BB14B-C4AF-4088-A156-000D856D0715}"/>
-                  </a:ext>
-                </a:extLst>
-              </p:cNvPr>
-              <p:cNvPicPr>
-                <a:picLocks noChangeAspect="1"/>
-              </p:cNvPicPr>
-              <p:nvPr>
-                <p:custDataLst>
-                  <p:tags r:id="rId7"/>
-                </p:custDataLst>
-              </p:nvPr>
-            </p:nvPicPr>
-            <p:blipFill>
-              <a:blip r:embed="rId29">
-                <a:extLst>
-                  <a:ext uri="{28A0092B-C50C-407E-A947-70E740481C1C}">
-                    <a14:useLocalDpi xmlns:a14="http://schemas.microsoft.com/office/drawing/2010/main" val="0"/>
-                  </a:ext>
-                </a:extLst>
-              </a:blip>
-              <a:stretch>
-                <a:fillRect/>
-              </a:stretch>
-            </p:blipFill>
-            <p:spPr>
-              <a:xfrm>
-                <a:off x="8875436" y="2218226"/>
-                <a:ext cx="159737" cy="184126"/>
-              </a:xfrm>
-              <a:prstGeom prst="rect">
-                <a:avLst/>
-              </a:prstGeom>
-            </p:spPr>
-          </p:pic>
-          <p:grpSp>
-            <p:nvGrpSpPr>
-              <p:cNvPr id="131" name="Group 130">
-                <a:extLst>
-                  <a:ext uri="{FF2B5EF4-FFF2-40B4-BE49-F238E27FC236}">
-                    <a16:creationId xmlns:a16="http://schemas.microsoft.com/office/drawing/2014/main" id="{825ADE3C-0612-48AD-BDBC-6C22DE94ABA8}"/>
-                  </a:ext>
-                </a:extLst>
-              </p:cNvPr>
-              <p:cNvGrpSpPr/>
-              <p:nvPr/>
-            </p:nvGrpSpPr>
-            <p:grpSpPr>
-              <a:xfrm>
-                <a:off x="9325020" y="1204211"/>
-                <a:ext cx="1045595" cy="461665"/>
-                <a:chOff x="3850721" y="3109301"/>
-                <a:chExt cx="1045595" cy="461665"/>
-              </a:xfrm>
-            </p:grpSpPr>
-            <p:sp>
-              <p:nvSpPr>
-                <p:cNvPr id="132" name="TextBox 131">
-                  <a:extLst>
-                    <a:ext uri="{FF2B5EF4-FFF2-40B4-BE49-F238E27FC236}">
-                      <a16:creationId xmlns:a16="http://schemas.microsoft.com/office/drawing/2014/main" id="{DD9F9986-7ED2-494A-8FE9-205E619FD653}"/>
-                    </a:ext>
-                  </a:extLst>
-                </p:cNvPr>
-                <p:cNvSpPr txBox="1"/>
-                <p:nvPr/>
-              </p:nvSpPr>
-              <p:spPr>
-                <a:xfrm>
-                  <a:off x="3850721" y="3109301"/>
-                  <a:ext cx="1045595" cy="461665"/>
-                </a:xfrm>
-                <a:prstGeom prst="rect">
-                  <a:avLst/>
-                </a:prstGeom>
-                <a:noFill/>
-              </p:spPr>
-              <p:txBody>
-                <a:bodyPr wrap="square" rtlCol="0">
-                  <a:spAutoFit/>
-                </a:bodyPr>
-                <a:lstStyle/>
-                <a:p>
-                  <a:pPr algn="ctr"/>
-                  <a:r>
-                    <a:rPr lang="en-US" sz="1200" dirty="0">
-                      <a:latin typeface="DejaVu Sans" panose="020B0603030804020204" pitchFamily="34" charset="0"/>
-                      <a:ea typeface="DejaVu Sans" panose="020B0603030804020204" pitchFamily="34" charset="0"/>
-                      <a:cs typeface="DejaVu Sans" panose="020B0603030804020204" pitchFamily="34" charset="0"/>
-                    </a:rPr>
-                    <a:t>Tensor</a:t>
-                  </a:r>
-                </a:p>
-                <a:p>
-                  <a:pPr algn="ctr"/>
-                  <a:r>
-                    <a:rPr lang="en-US" sz="1200" dirty="0">
-                      <a:latin typeface="DejaVu Sans" panose="020B0603030804020204" pitchFamily="34" charset="0"/>
-                      <a:ea typeface="DejaVu Sans" panose="020B0603030804020204" pitchFamily="34" charset="0"/>
-                      <a:cs typeface="DejaVu Sans" panose="020B0603030804020204" pitchFamily="34" charset="0"/>
-                    </a:rPr>
-                    <a:t>    x64x64</a:t>
-                  </a:r>
-                </a:p>
-              </p:txBody>
-            </p:sp>
-            <p:pic>
-              <p:nvPicPr>
-                <p:cNvPr id="133" name="Picture 132" descr="\documentclass{article}&#10;\usepackage{amsmath, amssymb, amsthm}&#10;\usepackage{xcolor}&#10;\pagestyle{empty}&#10;\begin{document}&#10;\setlength\parindent{0pt}&#10;&#10;\newcommand{\argmin}{\operatornamewithlimits{argmin}}&#10;\newcommand{\argmax}{\operatornamewithlimits{argmax}}&#10;\newcommand{\rtwo}{\mathbb{R}^2}&#10;\newcommand{\rone}{\mathbb{R}}&#10;\newcommand{\ex}{\mathbb{E}}&#10;\newcommand{\normal}{\mathcal{N}}&#10;\newcommand{\vor}{\mathcal{V}}&#10;\newcommand{\st}{\mid}&#10;\newcommand{\set}[1]{\left\{#1\right\}}&#10;\newcommand{\norm}[1]{\left\lVert #1\right\rVert}&#10;\newcommand{\rt}{\rightarrow}&#10;&#10;$n_2$&#10;&#10;\end{document}" title="IguanaTex Bitmap Display">
-                  <a:extLst>
-                    <a:ext uri="{FF2B5EF4-FFF2-40B4-BE49-F238E27FC236}">
-                      <a16:creationId xmlns:a16="http://schemas.microsoft.com/office/drawing/2014/main" id="{02DA188B-6CDF-449C-B233-963CA8B3A338}"/>
-                    </a:ext>
-                  </a:extLst>
-                </p:cNvPr>
-                <p:cNvPicPr>
-                  <a:picLocks noChangeAspect="1"/>
-                </p:cNvPicPr>
-                <p:nvPr>
-                  <p:custDataLst>
-                    <p:tags r:id="rId9"/>
-                  </p:custDataLst>
-                </p:nvPr>
-              </p:nvPicPr>
-              <p:blipFill>
-                <a:blip r:embed="rId30">
-                  <a:extLst>
-                    <a:ext uri="{28A0092B-C50C-407E-A947-70E740481C1C}">
-                      <a14:useLocalDpi xmlns:a14="http://schemas.microsoft.com/office/drawing/2010/main" val="0"/>
-                    </a:ext>
-                  </a:extLst>
-                </a:blip>
-                <a:stretch>
-                  <a:fillRect/>
-                </a:stretch>
-              </p:blipFill>
-              <p:spPr>
-                <a:xfrm>
-                  <a:off x="3966249" y="3388147"/>
-                  <a:ext cx="187782" cy="119498"/>
-                </a:xfrm>
-                <a:prstGeom prst="rect">
-                  <a:avLst/>
-                </a:prstGeom>
-              </p:spPr>
-            </p:pic>
-          </p:grpSp>
-          <p:cxnSp>
-            <p:nvCxnSpPr>
-              <p:cNvPr id="134" name="Straight Arrow Connector 133">
-                <a:extLst>
-                  <a:ext uri="{FF2B5EF4-FFF2-40B4-BE49-F238E27FC236}">
-                    <a16:creationId xmlns:a16="http://schemas.microsoft.com/office/drawing/2014/main" id="{0C2493B0-A4C8-4C1B-9B99-48A7EDF11F0D}"/>
-                  </a:ext>
-                </a:extLst>
-              </p:cNvPr>
-              <p:cNvCxnSpPr>
-                <a:cxnSpLocks/>
-              </p:cNvCxnSpPr>
-              <p:nvPr/>
-            </p:nvCxnSpPr>
-            <p:spPr>
-              <a:xfrm>
-                <a:off x="8391026" y="1352243"/>
-                <a:ext cx="437486" cy="0"/>
-              </a:xfrm>
-              <a:prstGeom prst="straightConnector1">
-                <a:avLst/>
-              </a:prstGeom>
-              <a:ln w="38100">
-                <a:solidFill>
-                  <a:schemeClr val="tx1"/>
-                </a:solidFill>
-                <a:tailEnd type="triangle"/>
-              </a:ln>
-            </p:spPr>
-            <p:style>
-              <a:lnRef idx="1">
-                <a:schemeClr val="accent1"/>
-              </a:lnRef>
-              <a:fillRef idx="0">
-                <a:schemeClr val="accent1"/>
-              </a:fillRef>
-              <a:effectRef idx="0">
-                <a:schemeClr val="accent1"/>
-              </a:effectRef>
-              <a:fontRef idx="minor">
-                <a:schemeClr val="tx1"/>
-              </a:fontRef>
-            </p:style>
-          </p:cxnSp>
-          <p:sp>
-            <p:nvSpPr>
-              <p:cNvPr id="135" name="Rectangle 134">
-                <a:extLst>
-                  <a:ext uri="{FF2B5EF4-FFF2-40B4-BE49-F238E27FC236}">
-                    <a16:creationId xmlns:a16="http://schemas.microsoft.com/office/drawing/2014/main" id="{71D3073C-8E1B-4D15-A152-04D00C0F0599}"/>
-                  </a:ext>
-                </a:extLst>
-              </p:cNvPr>
-              <p:cNvSpPr/>
-              <p:nvPr/>
-            </p:nvSpPr>
-            <p:spPr>
-              <a:xfrm rot="16200000">
-                <a:off x="10043826" y="1265197"/>
-                <a:ext cx="1556548" cy="174103"/>
-              </a:xfrm>
-              <a:prstGeom prst="rect">
-                <a:avLst/>
-              </a:prstGeom>
-              <a:solidFill>
-                <a:srgbClr val="FF00FF"/>
-              </a:solidFill>
-              <a:ln>
-                <a:noFill/>
-              </a:ln>
-            </p:spPr>
-            <p:style>
-              <a:lnRef idx="2">
-                <a:schemeClr val="accent1">
-                  <a:shade val="50000"/>
-                </a:schemeClr>
-              </a:lnRef>
-              <a:fillRef idx="1">
-                <a:schemeClr val="accent1"/>
-              </a:fillRef>
-              <a:effectRef idx="0">
-                <a:schemeClr val="accent1"/>
-              </a:effectRef>
-              <a:fontRef idx="minor">
-                <a:schemeClr val="lt1"/>
-              </a:fontRef>
-            </p:style>
-            <p:txBody>
-              <a:bodyPr rtlCol="0" anchor="ctr"/>
-              <a:lstStyle/>
-              <a:p>
-                <a:pPr algn="ctr"/>
-                <a:r>
-                  <a:rPr lang="en-US" sz="1200" dirty="0">
-                    <a:solidFill>
-                      <a:schemeClr val="tx1"/>
-                    </a:solidFill>
-                    <a:latin typeface="DejaVu Sans" panose="020B0603030804020204" pitchFamily="34" charset="0"/>
-                    <a:ea typeface="DejaVu Sans" panose="020B0603030804020204" pitchFamily="34" charset="0"/>
-                    <a:cs typeface="DejaVu Sans" panose="020B0603030804020204" pitchFamily="34" charset="0"/>
-                  </a:rPr>
-                  <a:t>Conv</a:t>
-                </a:r>
-              </a:p>
-            </p:txBody>
-          </p:sp>
-          <p:sp>
-            <p:nvSpPr>
-              <p:cNvPr id="136" name="Rectangle 135">
-                <a:extLst>
-                  <a:ext uri="{FF2B5EF4-FFF2-40B4-BE49-F238E27FC236}">
-                    <a16:creationId xmlns:a16="http://schemas.microsoft.com/office/drawing/2014/main" id="{5E73718A-19CF-49FD-962A-EACDFE05A506}"/>
-                  </a:ext>
-                </a:extLst>
-              </p:cNvPr>
-              <p:cNvSpPr/>
-              <p:nvPr/>
-            </p:nvSpPr>
-            <p:spPr>
-              <a:xfrm rot="16200000">
-                <a:off x="10278565" y="1265197"/>
-                <a:ext cx="1556548" cy="174103"/>
-              </a:xfrm>
-              <a:prstGeom prst="rect">
-                <a:avLst/>
-              </a:prstGeom>
-              <a:solidFill>
-                <a:srgbClr val="00FFFF"/>
-              </a:solidFill>
-              <a:ln>
-                <a:noFill/>
-              </a:ln>
-            </p:spPr>
-            <p:style>
-              <a:lnRef idx="2">
-                <a:schemeClr val="accent1">
-                  <a:shade val="50000"/>
-                </a:schemeClr>
-              </a:lnRef>
-              <a:fillRef idx="1">
-                <a:schemeClr val="accent1"/>
-              </a:fillRef>
-              <a:effectRef idx="0">
-                <a:schemeClr val="accent1"/>
-              </a:effectRef>
-              <a:fontRef idx="minor">
-                <a:schemeClr val="lt1"/>
-              </a:fontRef>
-            </p:style>
-            <p:txBody>
-              <a:bodyPr rtlCol="0" anchor="ctr"/>
-              <a:lstStyle/>
-              <a:p>
-                <a:pPr algn="ctr"/>
-                <a:r>
-                  <a:rPr lang="en-US" sz="1200" dirty="0">
-                    <a:solidFill>
-                      <a:schemeClr val="tx1"/>
-                    </a:solidFill>
-                    <a:latin typeface="DejaVu Sans" panose="020B0603030804020204" pitchFamily="34" charset="0"/>
-                    <a:ea typeface="DejaVu Sans" panose="020B0603030804020204" pitchFamily="34" charset="0"/>
-                    <a:cs typeface="DejaVu Sans" panose="020B0603030804020204" pitchFamily="34" charset="0"/>
-                  </a:rPr>
-                  <a:t>ReLU</a:t>
-                </a:r>
-              </a:p>
-            </p:txBody>
-          </p:sp>
-          <p:cxnSp>
-            <p:nvCxnSpPr>
-              <p:cNvPr id="137" name="Straight Arrow Connector 136">
-                <a:extLst>
-                  <a:ext uri="{FF2B5EF4-FFF2-40B4-BE49-F238E27FC236}">
-                    <a16:creationId xmlns:a16="http://schemas.microsoft.com/office/drawing/2014/main" id="{D87BD41F-795F-4349-8193-A77586829E0D}"/>
-                  </a:ext>
-                </a:extLst>
-              </p:cNvPr>
-              <p:cNvCxnSpPr/>
-              <p:nvPr/>
-            </p:nvCxnSpPr>
-            <p:spPr>
-              <a:xfrm flipV="1">
-                <a:off x="11145273" y="1352245"/>
-                <a:ext cx="158276" cy="1"/>
-              </a:xfrm>
-              <a:prstGeom prst="straightConnector1">
-                <a:avLst/>
-              </a:prstGeom>
-              <a:ln w="38100">
-                <a:solidFill>
-                  <a:schemeClr val="tx1"/>
-                </a:solidFill>
-                <a:tailEnd type="triangle"/>
-              </a:ln>
-            </p:spPr>
-            <p:style>
-              <a:lnRef idx="1">
-                <a:schemeClr val="accent1"/>
-              </a:lnRef>
-              <a:fillRef idx="0">
-                <a:schemeClr val="accent1"/>
-              </a:fillRef>
-              <a:effectRef idx="0">
-                <a:schemeClr val="accent1"/>
-              </a:effectRef>
-              <a:fontRef idx="minor">
-                <a:schemeClr val="tx1"/>
-              </a:fontRef>
-            </p:style>
-          </p:cxnSp>
-          <p:pic>
-            <p:nvPicPr>
-              <p:cNvPr id="138" name="Picture 137" descr="\documentclass{article}&#10;\usepackage{amsmath, amssymb, amsthm}&#10;\usepackage{xcolor}&#10;\pagestyle{empty}&#10;\begin{document}&#10;\setlength\parindent{0pt}&#10;&#10;\newcommand{\argmin}{\operatornamewithlimits{argmin}}&#10;\newcommand{\argmax}{\operatornamewithlimits{argmax}}&#10;\newcommand{\rtwo}{\mathbb{R}^2}&#10;\newcommand{\rone}{\mathbb{R}}&#10;\newcommand{\ex}{\mathbb{E}}&#10;\newcommand{\normal}{\mathcal{N}}&#10;\newcommand{\vor}{\mathcal{V}}&#10;\newcommand{\st}{\mid}&#10;\newcommand{\set}[1]{\left\{#1\right\}}&#10;\newcommand{\norm}[1]{\left\lVert #1\right\rVert}&#10;\newcommand{\rt}{\rightarrow}&#10;&#10;$f_3$&#10;&#10;\end{document}" title="IguanaTex Bitmap Display">
-                <a:extLst>
-                  <a:ext uri="{FF2B5EF4-FFF2-40B4-BE49-F238E27FC236}">
-                    <a16:creationId xmlns:a16="http://schemas.microsoft.com/office/drawing/2014/main" id="{6D988CC6-0387-4F81-B45C-3950183E9FED}"/>
-                  </a:ext>
-                </a:extLst>
-              </p:cNvPr>
-              <p:cNvPicPr>
-                <a:picLocks noChangeAspect="1"/>
-              </p:cNvPicPr>
-              <p:nvPr>
-                <p:custDataLst>
-                  <p:tags r:id="rId8"/>
-                </p:custDataLst>
-              </p:nvPr>
-            </p:nvPicPr>
-            <p:blipFill>
-              <a:blip r:embed="rId31">
-                <a:extLst>
-                  <a:ext uri="{28A0092B-C50C-407E-A947-70E740481C1C}">
-                    <a14:useLocalDpi xmlns:a14="http://schemas.microsoft.com/office/drawing/2010/main" val="0"/>
-                  </a:ext>
-                </a:extLst>
-              </a:blip>
-              <a:stretch>
-                <a:fillRect/>
-              </a:stretch>
-            </p:blipFill>
-            <p:spPr>
-              <a:xfrm>
-                <a:off x="10727428" y="2218227"/>
-                <a:ext cx="160956" cy="184126"/>
-              </a:xfrm>
-              <a:prstGeom prst="rect">
-                <a:avLst/>
-              </a:prstGeom>
-            </p:spPr>
-          </p:pic>
-          <p:cxnSp>
-            <p:nvCxnSpPr>
-              <p:cNvPr id="139" name="Straight Arrow Connector 138">
-                <a:extLst>
-                  <a:ext uri="{FF2B5EF4-FFF2-40B4-BE49-F238E27FC236}">
-                    <a16:creationId xmlns:a16="http://schemas.microsoft.com/office/drawing/2014/main" id="{A945BB8D-CBAD-44BC-93A3-97C62703BD46}"/>
-                  </a:ext>
-                </a:extLst>
-              </p:cNvPr>
-              <p:cNvCxnSpPr>
-                <a:cxnSpLocks/>
-              </p:cNvCxnSpPr>
-              <p:nvPr/>
-            </p:nvCxnSpPr>
-            <p:spPr>
-              <a:xfrm>
-                <a:off x="10243019" y="1352244"/>
-                <a:ext cx="437486" cy="0"/>
-              </a:xfrm>
-              <a:prstGeom prst="straightConnector1">
-                <a:avLst/>
-              </a:prstGeom>
-              <a:ln w="38100">
-                <a:solidFill>
-                  <a:schemeClr val="tx1"/>
-                </a:solidFill>
-                <a:tailEnd type="triangle"/>
-              </a:ln>
-            </p:spPr>
-            <p:style>
-              <a:lnRef idx="1">
-                <a:schemeClr val="accent1"/>
-              </a:lnRef>
-              <a:fillRef idx="0">
-                <a:schemeClr val="accent1"/>
-              </a:fillRef>
-              <a:effectRef idx="0">
-                <a:schemeClr val="accent1"/>
-              </a:effectRef>
-              <a:fontRef idx="minor">
-                <a:schemeClr val="tx1"/>
-              </a:fontRef>
-            </p:style>
-          </p:cxnSp>
-        </p:grpSp>
+              <a:tailEnd type="triangle"/>
+            </a:ln>
+          </p:spPr>
+          <p:style>
+            <a:lnRef idx="1">
+              <a:schemeClr val="accent1"/>
+            </a:lnRef>
+            <a:fillRef idx="0">
+              <a:schemeClr val="accent1"/>
+            </a:fillRef>
+            <a:effectRef idx="0">
+              <a:schemeClr val="accent1"/>
+            </a:effectRef>
+            <a:fontRef idx="minor">
+              <a:schemeClr val="tx1"/>
+            </a:fontRef>
+          </p:style>
+        </p:cxnSp>
         <p:sp>
           <p:nvSpPr>
             <p:cNvPr id="141" name="TextBox 140">
@@ -13792,1340 +13645,1277 @@
             </a:p>
           </p:txBody>
         </p:sp>
-        <p:grpSp>
-          <p:nvGrpSpPr>
-            <p:cNvPr id="10" name="Group 9">
+        <p:sp>
+          <p:nvSpPr>
+            <p:cNvPr id="144" name="Rectangle 143">
               <a:extLst>
                 <a:ext uri="{FF2B5EF4-FFF2-40B4-BE49-F238E27FC236}">
-                  <a16:creationId xmlns:a16="http://schemas.microsoft.com/office/drawing/2014/main" id="{2A21AA70-E394-4896-BF33-0D543ADF986E}"/>
+                  <a16:creationId xmlns:a16="http://schemas.microsoft.com/office/drawing/2014/main" id="{97FFC3D1-440B-4C1F-9727-5FDDEE45A4A1}"/>
                 </a:ext>
               </a:extLst>
             </p:cNvPr>
-            <p:cNvGrpSpPr/>
+            <p:cNvSpPr/>
             <p:nvPr/>
-          </p:nvGrpSpPr>
-          <p:grpSpPr>
+          </p:nvSpPr>
+          <p:spPr>
+            <a:xfrm rot="16200000">
+              <a:off x="3692945" y="4970174"/>
+              <a:ext cx="1556548" cy="174103"/>
+            </a:xfrm>
+            <a:prstGeom prst="rect">
+              <a:avLst/>
+            </a:prstGeom>
+            <a:solidFill>
+              <a:srgbClr val="FF00FF"/>
+            </a:solidFill>
+            <a:ln>
+              <a:noFill/>
+            </a:ln>
+          </p:spPr>
+          <p:style>
+            <a:lnRef idx="2">
+              <a:schemeClr val="accent1">
+                <a:shade val="50000"/>
+              </a:schemeClr>
+            </a:lnRef>
+            <a:fillRef idx="1">
+              <a:schemeClr val="accent1"/>
+            </a:fillRef>
+            <a:effectRef idx="0">
+              <a:schemeClr val="accent1"/>
+            </a:effectRef>
+            <a:fontRef idx="minor">
+              <a:schemeClr val="lt1"/>
+            </a:fontRef>
+          </p:style>
+          <p:txBody>
+            <a:bodyPr rtlCol="0" anchor="ctr"/>
+            <a:lstStyle/>
+            <a:p>
+              <a:pPr algn="ctr"/>
+              <a:r>
+                <a:rPr lang="en-US" sz="1200" dirty="0">
+                  <a:solidFill>
+                    <a:schemeClr val="tx1"/>
+                  </a:solidFill>
+                  <a:latin typeface="DejaVu Sans" panose="020B0603030804020204" pitchFamily="34" charset="0"/>
+                  <a:ea typeface="DejaVu Sans" panose="020B0603030804020204" pitchFamily="34" charset="0"/>
+                  <a:cs typeface="DejaVu Sans" panose="020B0603030804020204" pitchFamily="34" charset="0"/>
+                </a:rPr>
+                <a:t>Conv</a:t>
+              </a:r>
+            </a:p>
+          </p:txBody>
+        </p:sp>
+        <p:sp>
+          <p:nvSpPr>
+            <p:cNvPr id="145" name="Rectangle 144">
+              <a:extLst>
+                <a:ext uri="{FF2B5EF4-FFF2-40B4-BE49-F238E27FC236}">
+                  <a16:creationId xmlns:a16="http://schemas.microsoft.com/office/drawing/2014/main" id="{665689A4-5B0A-41CF-80CF-0AB8BBA26F9D}"/>
+                </a:ext>
+              </a:extLst>
+            </p:cNvPr>
+            <p:cNvSpPr/>
+            <p:nvPr/>
+          </p:nvSpPr>
+          <p:spPr>
+            <a:xfrm rot="16200000">
+              <a:off x="3927684" y="4970174"/>
+              <a:ext cx="1556548" cy="174103"/>
+            </a:xfrm>
+            <a:prstGeom prst="rect">
+              <a:avLst/>
+            </a:prstGeom>
+            <a:solidFill>
+              <a:srgbClr val="00FFFF"/>
+            </a:solidFill>
+            <a:ln>
+              <a:noFill/>
+            </a:ln>
+          </p:spPr>
+          <p:style>
+            <a:lnRef idx="2">
+              <a:schemeClr val="accent1">
+                <a:shade val="50000"/>
+              </a:schemeClr>
+            </a:lnRef>
+            <a:fillRef idx="1">
+              <a:schemeClr val="accent1"/>
+            </a:fillRef>
+            <a:effectRef idx="0">
+              <a:schemeClr val="accent1"/>
+            </a:effectRef>
+            <a:fontRef idx="minor">
+              <a:schemeClr val="lt1"/>
+            </a:fontRef>
+          </p:style>
+          <p:txBody>
+            <a:bodyPr rtlCol="0" anchor="ctr"/>
+            <a:lstStyle/>
+            <a:p>
+              <a:pPr algn="ctr"/>
+              <a:r>
+                <a:rPr lang="en-US" sz="1200" dirty="0">
+                  <a:solidFill>
+                    <a:schemeClr val="tx1"/>
+                  </a:solidFill>
+                  <a:latin typeface="DejaVu Sans" panose="020B0603030804020204" pitchFamily="34" charset="0"/>
+                  <a:ea typeface="DejaVu Sans" panose="020B0603030804020204" pitchFamily="34" charset="0"/>
+                  <a:cs typeface="DejaVu Sans" panose="020B0603030804020204" pitchFamily="34" charset="0"/>
+                </a:rPr>
+                <a:t>ReLU</a:t>
+              </a:r>
+            </a:p>
+          </p:txBody>
+        </p:sp>
+        <p:cxnSp>
+          <p:nvCxnSpPr>
+            <p:cNvPr id="146" name="Straight Arrow Connector 145">
+              <a:extLst>
+                <a:ext uri="{FF2B5EF4-FFF2-40B4-BE49-F238E27FC236}">
+                  <a16:creationId xmlns:a16="http://schemas.microsoft.com/office/drawing/2014/main" id="{F782E9E9-0075-494A-938F-6D71609D6DD6}"/>
+                </a:ext>
+              </a:extLst>
+            </p:cNvPr>
+            <p:cNvCxnSpPr>
+              <a:cxnSpLocks/>
+            </p:cNvCxnSpPr>
+            <p:nvPr/>
+          </p:nvCxnSpPr>
+          <p:spPr>
             <a:xfrm>
-              <a:off x="2924448" y="3799325"/>
-              <a:ext cx="6805547" cy="2641141"/>
-              <a:chOff x="2647704" y="3799325"/>
-              <a:chExt cx="6805547" cy="2641141"/>
+              <a:off x="5702761" y="5057220"/>
+              <a:ext cx="437486" cy="0"/>
             </a:xfrm>
-          </p:grpSpPr>
-          <p:sp>
-            <p:nvSpPr>
-              <p:cNvPr id="144" name="Rectangle 143">
-                <a:extLst>
-                  <a:ext uri="{FF2B5EF4-FFF2-40B4-BE49-F238E27FC236}">
-                    <a16:creationId xmlns:a16="http://schemas.microsoft.com/office/drawing/2014/main" id="{97FFC3D1-440B-4C1F-9727-5FDDEE45A4A1}"/>
-                  </a:ext>
-                </a:extLst>
-              </p:cNvPr>
-              <p:cNvSpPr/>
-              <p:nvPr/>
-            </p:nvSpPr>
-            <p:spPr>
-              <a:xfrm rot="16200000">
-                <a:off x="3416201" y="4970174"/>
-                <a:ext cx="1556548" cy="174103"/>
-              </a:xfrm>
-              <a:prstGeom prst="rect">
-                <a:avLst/>
-              </a:prstGeom>
+            <a:prstGeom prst="straightConnector1">
+              <a:avLst/>
+            </a:prstGeom>
+            <a:ln w="38100">
               <a:solidFill>
-                <a:srgbClr val="FF00FF"/>
+                <a:schemeClr val="tx1"/>
               </a:solidFill>
-              <a:ln>
-                <a:noFill/>
-              </a:ln>
-            </p:spPr>
-            <p:style>
-              <a:lnRef idx="2">
-                <a:schemeClr val="accent1">
-                  <a:shade val="50000"/>
-                </a:schemeClr>
-              </a:lnRef>
-              <a:fillRef idx="1">
-                <a:schemeClr val="accent1"/>
-              </a:fillRef>
-              <a:effectRef idx="0">
-                <a:schemeClr val="accent1"/>
-              </a:effectRef>
-              <a:fontRef idx="minor">
-                <a:schemeClr val="lt1"/>
-              </a:fontRef>
-            </p:style>
-            <p:txBody>
-              <a:bodyPr rtlCol="0" anchor="ctr"/>
-              <a:lstStyle/>
-              <a:p>
-                <a:pPr algn="ctr"/>
-                <a:r>
-                  <a:rPr lang="en-US" sz="1200" dirty="0">
-                    <a:solidFill>
-                      <a:schemeClr val="tx1"/>
-                    </a:solidFill>
-                    <a:latin typeface="DejaVu Sans" panose="020B0603030804020204" pitchFamily="34" charset="0"/>
-                    <a:ea typeface="DejaVu Sans" panose="020B0603030804020204" pitchFamily="34" charset="0"/>
-                    <a:cs typeface="DejaVu Sans" panose="020B0603030804020204" pitchFamily="34" charset="0"/>
-                  </a:rPr>
-                  <a:t>Conv</a:t>
-                </a:r>
-              </a:p>
-            </p:txBody>
-          </p:sp>
-          <p:sp>
-            <p:nvSpPr>
-              <p:cNvPr id="145" name="Rectangle 144">
-                <a:extLst>
-                  <a:ext uri="{FF2B5EF4-FFF2-40B4-BE49-F238E27FC236}">
-                    <a16:creationId xmlns:a16="http://schemas.microsoft.com/office/drawing/2014/main" id="{665689A4-5B0A-41CF-80CF-0AB8BBA26F9D}"/>
-                  </a:ext>
-                </a:extLst>
-              </p:cNvPr>
-              <p:cNvSpPr/>
-              <p:nvPr/>
-            </p:nvSpPr>
-            <p:spPr>
-              <a:xfrm rot="16200000">
-                <a:off x="3650940" y="4970174"/>
-                <a:ext cx="1556548" cy="174103"/>
-              </a:xfrm>
-              <a:prstGeom prst="rect">
-                <a:avLst/>
-              </a:prstGeom>
+              <a:tailEnd type="triangle"/>
+            </a:ln>
+          </p:spPr>
+          <p:style>
+            <a:lnRef idx="1">
+              <a:schemeClr val="accent1"/>
+            </a:lnRef>
+            <a:fillRef idx="0">
+              <a:schemeClr val="accent1"/>
+            </a:fillRef>
+            <a:effectRef idx="0">
+              <a:schemeClr val="accent1"/>
+            </a:effectRef>
+            <a:fontRef idx="minor">
+              <a:schemeClr val="tx1"/>
+            </a:fontRef>
+          </p:style>
+        </p:cxnSp>
+        <p:sp>
+          <p:nvSpPr>
+            <p:cNvPr id="147" name="TextBox 146">
+              <a:extLst>
+                <a:ext uri="{FF2B5EF4-FFF2-40B4-BE49-F238E27FC236}">
+                  <a16:creationId xmlns:a16="http://schemas.microsoft.com/office/drawing/2014/main" id="{14944FF7-8455-4097-BCA1-E5030F395776}"/>
+                </a:ext>
+              </a:extLst>
+            </p:cNvPr>
+            <p:cNvSpPr txBox="1"/>
+            <p:nvPr/>
+          </p:nvSpPr>
+          <p:spPr>
+            <a:xfrm>
+              <a:off x="2924448" y="4909189"/>
+              <a:ext cx="1045595" cy="461665"/>
+            </a:xfrm>
+            <a:prstGeom prst="rect">
+              <a:avLst/>
+            </a:prstGeom>
+            <a:noFill/>
+          </p:spPr>
+          <p:txBody>
+            <a:bodyPr wrap="square" rtlCol="0">
+              <a:spAutoFit/>
+            </a:bodyPr>
+            <a:lstStyle/>
+            <a:p>
+              <a:pPr algn="ctr"/>
+              <a:r>
+                <a:rPr lang="en-US" sz="1200" dirty="0">
+                  <a:latin typeface="DejaVu Sans" panose="020B0603030804020204" pitchFamily="34" charset="0"/>
+                  <a:ea typeface="DejaVu Sans" panose="020B0603030804020204" pitchFamily="34" charset="0"/>
+                  <a:cs typeface="DejaVu Sans" panose="020B0603030804020204" pitchFamily="34" charset="0"/>
+                </a:rPr>
+                <a:t>LR Patch</a:t>
+              </a:r>
+            </a:p>
+            <a:p>
+              <a:pPr algn="ctr"/>
+              <a:r>
+                <a:rPr lang="en-US" sz="1200" dirty="0">
+                  <a:latin typeface="DejaVu Sans" panose="020B0603030804020204" pitchFamily="34" charset="0"/>
+                  <a:ea typeface="DejaVu Sans" panose="020B0603030804020204" pitchFamily="34" charset="0"/>
+                  <a:cs typeface="DejaVu Sans" panose="020B0603030804020204" pitchFamily="34" charset="0"/>
+                </a:rPr>
+                <a:t>2x64x64</a:t>
+              </a:r>
+            </a:p>
+          </p:txBody>
+        </p:sp>
+        <p:sp>
+          <p:nvSpPr>
+            <p:cNvPr id="148" name="Rectangle 147">
+              <a:extLst>
+                <a:ext uri="{FF2B5EF4-FFF2-40B4-BE49-F238E27FC236}">
+                  <a16:creationId xmlns:a16="http://schemas.microsoft.com/office/drawing/2014/main" id="{EF9887DC-3777-4DBF-B176-0A9154BC6601}"/>
+                </a:ext>
+              </a:extLst>
+            </p:cNvPr>
+            <p:cNvSpPr/>
+            <p:nvPr/>
+          </p:nvSpPr>
+          <p:spPr>
+            <a:xfrm rot="16200000">
+              <a:off x="5524847" y="4970171"/>
+              <a:ext cx="1556548" cy="174103"/>
+            </a:xfrm>
+            <a:prstGeom prst="rect">
+              <a:avLst/>
+            </a:prstGeom>
+            <a:solidFill>
+              <a:srgbClr val="FF00FF"/>
+            </a:solidFill>
+            <a:ln>
+              <a:noFill/>
+            </a:ln>
+          </p:spPr>
+          <p:style>
+            <a:lnRef idx="2">
+              <a:schemeClr val="accent1">
+                <a:shade val="50000"/>
+              </a:schemeClr>
+            </a:lnRef>
+            <a:fillRef idx="1">
+              <a:schemeClr val="accent1"/>
+            </a:fillRef>
+            <a:effectRef idx="0">
+              <a:schemeClr val="accent1"/>
+            </a:effectRef>
+            <a:fontRef idx="minor">
+              <a:schemeClr val="lt1"/>
+            </a:fontRef>
+          </p:style>
+          <p:txBody>
+            <a:bodyPr rtlCol="0" anchor="ctr"/>
+            <a:lstStyle/>
+            <a:p>
+              <a:pPr algn="ctr"/>
+              <a:r>
+                <a:rPr lang="en-US" sz="1200" dirty="0">
+                  <a:solidFill>
+                    <a:schemeClr val="tx1"/>
+                  </a:solidFill>
+                  <a:latin typeface="DejaVu Sans" panose="020B0603030804020204" pitchFamily="34" charset="0"/>
+                  <a:ea typeface="DejaVu Sans" panose="020B0603030804020204" pitchFamily="34" charset="0"/>
+                  <a:cs typeface="DejaVu Sans" panose="020B0603030804020204" pitchFamily="34" charset="0"/>
+                </a:rPr>
+                <a:t>Conv</a:t>
+              </a:r>
+            </a:p>
+          </p:txBody>
+        </p:sp>
+        <p:sp>
+          <p:nvSpPr>
+            <p:cNvPr id="149" name="Rectangle 148">
+              <a:extLst>
+                <a:ext uri="{FF2B5EF4-FFF2-40B4-BE49-F238E27FC236}">
+                  <a16:creationId xmlns:a16="http://schemas.microsoft.com/office/drawing/2014/main" id="{BC6C4EAC-0C0F-431E-AE98-2A226BA2DA1C}"/>
+                </a:ext>
+              </a:extLst>
+            </p:cNvPr>
+            <p:cNvSpPr/>
+            <p:nvPr/>
+          </p:nvSpPr>
+          <p:spPr>
+            <a:xfrm rot="16200000">
+              <a:off x="5759586" y="4970171"/>
+              <a:ext cx="1556548" cy="174103"/>
+            </a:xfrm>
+            <a:prstGeom prst="rect">
+              <a:avLst/>
+            </a:prstGeom>
+            <a:solidFill>
+              <a:srgbClr val="00FFFF"/>
+            </a:solidFill>
+            <a:ln>
+              <a:noFill/>
+            </a:ln>
+          </p:spPr>
+          <p:style>
+            <a:lnRef idx="2">
+              <a:schemeClr val="accent1">
+                <a:shade val="50000"/>
+              </a:schemeClr>
+            </a:lnRef>
+            <a:fillRef idx="1">
+              <a:schemeClr val="accent1"/>
+            </a:fillRef>
+            <a:effectRef idx="0">
+              <a:schemeClr val="accent1"/>
+            </a:effectRef>
+            <a:fontRef idx="minor">
+              <a:schemeClr val="lt1"/>
+            </a:fontRef>
+          </p:style>
+          <p:txBody>
+            <a:bodyPr rtlCol="0" anchor="ctr"/>
+            <a:lstStyle/>
+            <a:p>
+              <a:pPr algn="ctr"/>
+              <a:r>
+                <a:rPr lang="en-US" sz="1200" dirty="0">
+                  <a:solidFill>
+                    <a:schemeClr val="tx1"/>
+                  </a:solidFill>
+                  <a:latin typeface="DejaVu Sans" panose="020B0603030804020204" pitchFamily="34" charset="0"/>
+                  <a:ea typeface="DejaVu Sans" panose="020B0603030804020204" pitchFamily="34" charset="0"/>
+                  <a:cs typeface="DejaVu Sans" panose="020B0603030804020204" pitchFamily="34" charset="0"/>
+                </a:rPr>
+                <a:t>ReLU</a:t>
+              </a:r>
+            </a:p>
+          </p:txBody>
+        </p:sp>
+        <p:sp>
+          <p:nvSpPr>
+            <p:cNvPr id="150" name="Rectangle 149">
+              <a:extLst>
+                <a:ext uri="{FF2B5EF4-FFF2-40B4-BE49-F238E27FC236}">
+                  <a16:creationId xmlns:a16="http://schemas.microsoft.com/office/drawing/2014/main" id="{0A5C676F-6DF7-4E69-B058-B2644BC8A929}"/>
+                </a:ext>
+              </a:extLst>
+            </p:cNvPr>
+            <p:cNvSpPr/>
+            <p:nvPr/>
+          </p:nvSpPr>
+          <p:spPr>
+            <a:xfrm>
+              <a:off x="5848550" y="4131607"/>
+              <a:ext cx="932379" cy="2121416"/>
+            </a:xfrm>
+            <a:prstGeom prst="rect">
+              <a:avLst/>
+            </a:prstGeom>
+            <a:noFill/>
+            <a:ln w="38100">
               <a:solidFill>
-                <a:srgbClr val="00FFFF"/>
+                <a:schemeClr val="tx1"/>
               </a:solidFill>
-              <a:ln>
-                <a:noFill/>
-              </a:ln>
-            </p:spPr>
-            <p:style>
-              <a:lnRef idx="2">
-                <a:schemeClr val="accent1">
-                  <a:shade val="50000"/>
-                </a:schemeClr>
-              </a:lnRef>
-              <a:fillRef idx="1">
-                <a:schemeClr val="accent1"/>
-              </a:fillRef>
-              <a:effectRef idx="0">
-                <a:schemeClr val="accent1"/>
-              </a:effectRef>
-              <a:fontRef idx="minor">
-                <a:schemeClr val="lt1"/>
-              </a:fontRef>
-            </p:style>
-            <p:txBody>
-              <a:bodyPr rtlCol="0" anchor="ctr"/>
-              <a:lstStyle/>
-              <a:p>
-                <a:pPr algn="ctr"/>
-                <a:r>
-                  <a:rPr lang="en-US" sz="1200" dirty="0">
-                    <a:solidFill>
-                      <a:schemeClr val="tx1"/>
-                    </a:solidFill>
-                    <a:latin typeface="DejaVu Sans" panose="020B0603030804020204" pitchFamily="34" charset="0"/>
-                    <a:ea typeface="DejaVu Sans" panose="020B0603030804020204" pitchFamily="34" charset="0"/>
-                    <a:cs typeface="DejaVu Sans" panose="020B0603030804020204" pitchFamily="34" charset="0"/>
-                  </a:rPr>
-                  <a:t>ReLU</a:t>
-                </a:r>
-              </a:p>
-            </p:txBody>
-          </p:sp>
-          <p:cxnSp>
-            <p:nvCxnSpPr>
-              <p:cNvPr id="146" name="Straight Arrow Connector 145">
-                <a:extLst>
-                  <a:ext uri="{FF2B5EF4-FFF2-40B4-BE49-F238E27FC236}">
-                    <a16:creationId xmlns:a16="http://schemas.microsoft.com/office/drawing/2014/main" id="{F782E9E9-0075-494A-938F-6D71609D6DD6}"/>
-                  </a:ext>
-                </a:extLst>
-              </p:cNvPr>
-              <p:cNvCxnSpPr>
-                <a:cxnSpLocks/>
-              </p:cNvCxnSpPr>
-              <p:nvPr/>
-            </p:nvCxnSpPr>
-            <p:spPr>
-              <a:xfrm>
-                <a:off x="5426017" y="5057220"/>
-                <a:ext cx="437486" cy="0"/>
-              </a:xfrm>
-              <a:prstGeom prst="straightConnector1">
-                <a:avLst/>
-              </a:prstGeom>
-              <a:ln w="38100">
-                <a:solidFill>
-                  <a:schemeClr val="tx1"/>
-                </a:solidFill>
-                <a:tailEnd type="triangle"/>
-              </a:ln>
-            </p:spPr>
-            <p:style>
-              <a:lnRef idx="1">
-                <a:schemeClr val="accent1"/>
-              </a:lnRef>
-              <a:fillRef idx="0">
-                <a:schemeClr val="accent1"/>
-              </a:fillRef>
-              <a:effectRef idx="0">
-                <a:schemeClr val="accent1"/>
-              </a:effectRef>
-              <a:fontRef idx="minor">
+            </a:ln>
+          </p:spPr>
+          <p:style>
+            <a:lnRef idx="2">
+              <a:schemeClr val="accent1">
+                <a:shade val="50000"/>
+              </a:schemeClr>
+            </a:lnRef>
+            <a:fillRef idx="1">
+              <a:schemeClr val="accent1"/>
+            </a:fillRef>
+            <a:effectRef idx="0">
+              <a:schemeClr val="accent1"/>
+            </a:effectRef>
+            <a:fontRef idx="minor">
+              <a:schemeClr val="lt1"/>
+            </a:fontRef>
+          </p:style>
+          <p:txBody>
+            <a:bodyPr rtlCol="0" anchor="ctr"/>
+            <a:lstStyle/>
+            <a:p>
+              <a:pPr algn="ctr"/>
+              <a:endParaRPr lang="en-US"/>
+            </a:p>
+          </p:txBody>
+        </p:sp>
+        <p:sp>
+          <p:nvSpPr>
+            <p:cNvPr id="170" name="TextBox 169">
+              <a:extLst>
+                <a:ext uri="{FF2B5EF4-FFF2-40B4-BE49-F238E27FC236}">
+                  <a16:creationId xmlns:a16="http://schemas.microsoft.com/office/drawing/2014/main" id="{35CE3660-19AF-419B-920C-872D8CE39C6B}"/>
+                </a:ext>
+              </a:extLst>
+            </p:cNvPr>
+            <p:cNvSpPr txBox="1"/>
+            <p:nvPr/>
+          </p:nvSpPr>
+          <p:spPr>
+            <a:xfrm>
+              <a:off x="6258379" y="3799325"/>
+              <a:ext cx="684274" cy="276999"/>
+            </a:xfrm>
+            <a:prstGeom prst="rect">
+              <a:avLst/>
+            </a:prstGeom>
+            <a:noFill/>
+          </p:spPr>
+          <p:txBody>
+            <a:bodyPr wrap="square" rtlCol="0">
+              <a:spAutoFit/>
+            </a:bodyPr>
+            <a:lstStyle/>
+            <a:p>
+              <a:pPr algn="ctr"/>
+              <a:r>
+                <a:rPr lang="en-US" sz="1200" dirty="0">
+                  <a:latin typeface="DejaVu Sans" panose="020B0603030804020204" pitchFamily="34" charset="0"/>
+                  <a:ea typeface="DejaVu Sans" panose="020B0603030804020204" pitchFamily="34" charset="0"/>
+                  <a:cs typeface="DejaVu Sans" panose="020B0603030804020204" pitchFamily="34" charset="0"/>
+                </a:rPr>
+                <a:t>Blocks</a:t>
+              </a:r>
+            </a:p>
+          </p:txBody>
+        </p:sp>
+        <p:pic>
+          <p:nvPicPr>
+            <p:cNvPr id="171" name="Picture 170" descr="\documentclass{article}&#10;\usepackage{amsmath, amssymb, amsthm}&#10;\usepackage{xcolor}&#10;\pagestyle{empty}&#10;\begin{document}&#10;\setlength\parindent{0pt}&#10;&#10;\newcommand{\argmin}{\operatornamewithlimits{argmin}}&#10;\newcommand{\argmax}{\operatornamewithlimits{argmax}}&#10;\newcommand{\rtwo}{\mathbb{R}^2}&#10;\newcommand{\rone}{\mathbb{R}}&#10;\newcommand{\ex}{\mathbb{E}}&#10;\newcommand{\normal}{\mathcal{N}}&#10;\newcommand{\vor}{\mathcal{V}}&#10;\newcommand{\st}{\mid}&#10;\newcommand{\set}[1]{\left\{#1\right\}}&#10;\newcommand{\norm}[1]{\left\lVert #1\right\rVert}&#10;\newcommand{\rt}{\rightarrow}&#10;&#10;$\ell-2$&#10;&#10;\end{document}" title="IguanaTex Bitmap Display">
+              <a:extLst>
+                <a:ext uri="{FF2B5EF4-FFF2-40B4-BE49-F238E27FC236}">
+                  <a16:creationId xmlns:a16="http://schemas.microsoft.com/office/drawing/2014/main" id="{9A446ABA-5107-4C31-A548-A9379A4BBCEC}"/>
+                </a:ext>
+              </a:extLst>
+            </p:cNvPr>
+            <p:cNvPicPr>
+              <a:picLocks noChangeAspect="1"/>
+            </p:cNvPicPr>
+            <p:nvPr>
+              <p:custDataLst>
+                <p:tags r:id="rId16"/>
+              </p:custDataLst>
+            </p:nvPr>
+          </p:nvPicPr>
+          <p:blipFill>
+            <a:blip r:embed="rId32">
+              <a:extLst>
+                <a:ext uri="{28A0092B-C50C-407E-A947-70E740481C1C}">
+                  <a14:useLocalDpi xmlns:a14="http://schemas.microsoft.com/office/drawing/2010/main" val="0"/>
+                </a:ext>
+              </a:extLst>
+            </a:blip>
+            <a:stretch>
+              <a:fillRect/>
+            </a:stretch>
+          </p:blipFill>
+          <p:spPr>
+            <a:xfrm>
+              <a:off x="5837696" y="3857651"/>
+              <a:ext cx="420683" cy="145105"/>
+            </a:xfrm>
+            <a:prstGeom prst="rect">
+              <a:avLst/>
+            </a:prstGeom>
+          </p:spPr>
+        </p:pic>
+        <p:sp>
+          <p:nvSpPr>
+            <p:cNvPr id="152" name="Oval 151">
+              <a:extLst>
+                <a:ext uri="{FF2B5EF4-FFF2-40B4-BE49-F238E27FC236}">
+                  <a16:creationId xmlns:a16="http://schemas.microsoft.com/office/drawing/2014/main" id="{C8720980-B28C-4031-8515-D61690E82E15}"/>
+                </a:ext>
+              </a:extLst>
+            </p:cNvPr>
+            <p:cNvSpPr/>
+            <p:nvPr/>
+          </p:nvSpPr>
+          <p:spPr>
+            <a:xfrm>
+              <a:off x="7142504" y="4935880"/>
+              <a:ext cx="242689" cy="242689"/>
+            </a:xfrm>
+            <a:prstGeom prst="ellipse">
+              <a:avLst/>
+            </a:prstGeom>
+            <a:noFill/>
+            <a:ln>
+              <a:solidFill>
                 <a:schemeClr val="tx1"/>
-              </a:fontRef>
-            </p:style>
-          </p:cxnSp>
-          <p:sp>
-            <p:nvSpPr>
-              <p:cNvPr id="147" name="TextBox 146">
-                <a:extLst>
-                  <a:ext uri="{FF2B5EF4-FFF2-40B4-BE49-F238E27FC236}">
-                    <a16:creationId xmlns:a16="http://schemas.microsoft.com/office/drawing/2014/main" id="{14944FF7-8455-4097-BCA1-E5030F395776}"/>
-                  </a:ext>
-                </a:extLst>
-              </p:cNvPr>
-              <p:cNvSpPr txBox="1"/>
-              <p:nvPr/>
-            </p:nvSpPr>
-            <p:spPr>
-              <a:xfrm>
-                <a:off x="2647704" y="4909189"/>
-                <a:ext cx="1045595" cy="461665"/>
-              </a:xfrm>
-              <a:prstGeom prst="rect">
-                <a:avLst/>
-              </a:prstGeom>
+              </a:solidFill>
+            </a:ln>
+          </p:spPr>
+          <p:style>
+            <a:lnRef idx="2">
+              <a:schemeClr val="accent1">
+                <a:shade val="50000"/>
+              </a:schemeClr>
+            </a:lnRef>
+            <a:fillRef idx="1">
+              <a:schemeClr val="accent1"/>
+            </a:fillRef>
+            <a:effectRef idx="0">
+              <a:schemeClr val="accent1"/>
+            </a:effectRef>
+            <a:fontRef idx="minor">
+              <a:schemeClr val="lt1"/>
+            </a:fontRef>
+          </p:style>
+          <p:txBody>
+            <a:bodyPr rtlCol="0" anchor="ctr"/>
+            <a:lstStyle/>
+            <a:p>
+              <a:pPr algn="ctr"/>
+              <a:r>
+                <a:rPr lang="en-US" sz="1200" dirty="0">
+                  <a:solidFill>
+                    <a:schemeClr val="tx1"/>
+                  </a:solidFill>
+                  <a:latin typeface="DejaVu Sans" panose="020B0603030804020204" pitchFamily="34" charset="0"/>
+                  <a:ea typeface="DejaVu Sans" panose="020B0603030804020204" pitchFamily="34" charset="0"/>
+                  <a:cs typeface="DejaVu Sans" panose="020B0603030804020204" pitchFamily="34" charset="0"/>
+                </a:rPr>
+                <a:t>+</a:t>
+              </a:r>
+            </a:p>
+          </p:txBody>
+        </p:sp>
+        <p:cxnSp>
+          <p:nvCxnSpPr>
+            <p:cNvPr id="153" name="Straight Connector 152">
+              <a:extLst>
+                <a:ext uri="{FF2B5EF4-FFF2-40B4-BE49-F238E27FC236}">
+                  <a16:creationId xmlns:a16="http://schemas.microsoft.com/office/drawing/2014/main" id="{D48650F7-2A6D-4E18-B02E-CA244913BA45}"/>
+                </a:ext>
+              </a:extLst>
+            </p:cNvPr>
+            <p:cNvCxnSpPr>
+              <a:cxnSpLocks/>
+            </p:cNvCxnSpPr>
+            <p:nvPr/>
+          </p:nvCxnSpPr>
+          <p:spPr>
+            <a:xfrm>
+              <a:off x="5320494" y="5411766"/>
+              <a:ext cx="0" cy="1028700"/>
+            </a:xfrm>
+            <a:prstGeom prst="line">
+              <a:avLst/>
+            </a:prstGeom>
+            <a:ln w="38100">
+              <a:solidFill>
+                <a:schemeClr val="tx1"/>
+              </a:solidFill>
+            </a:ln>
+          </p:spPr>
+          <p:style>
+            <a:lnRef idx="1">
+              <a:schemeClr val="accent1"/>
+            </a:lnRef>
+            <a:fillRef idx="0">
+              <a:schemeClr val="accent1"/>
+            </a:fillRef>
+            <a:effectRef idx="0">
+              <a:schemeClr val="accent1"/>
+            </a:effectRef>
+            <a:fontRef idx="minor">
+              <a:schemeClr val="tx1"/>
+            </a:fontRef>
+          </p:style>
+        </p:cxnSp>
+        <p:cxnSp>
+          <p:nvCxnSpPr>
+            <p:cNvPr id="154" name="Straight Arrow Connector 153">
+              <a:extLst>
+                <a:ext uri="{FF2B5EF4-FFF2-40B4-BE49-F238E27FC236}">
+                  <a16:creationId xmlns:a16="http://schemas.microsoft.com/office/drawing/2014/main" id="{FA1D2928-3A9D-4E89-BC66-D6D29DF6B3EA}"/>
+                </a:ext>
+              </a:extLst>
+            </p:cNvPr>
+            <p:cNvCxnSpPr>
+              <a:cxnSpLocks/>
+            </p:cNvCxnSpPr>
+            <p:nvPr/>
+          </p:nvCxnSpPr>
+          <p:spPr>
+            <a:xfrm flipV="1">
+              <a:off x="7263846" y="5228886"/>
+              <a:ext cx="0" cy="1211580"/>
+            </a:xfrm>
+            <a:prstGeom prst="straightConnector1">
+              <a:avLst/>
+            </a:prstGeom>
+            <a:ln w="38100">
+              <a:solidFill>
+                <a:schemeClr val="tx1"/>
+              </a:solidFill>
+              <a:tailEnd type="triangle"/>
+            </a:ln>
+          </p:spPr>
+          <p:style>
+            <a:lnRef idx="1">
+              <a:schemeClr val="accent1"/>
+            </a:lnRef>
+            <a:fillRef idx="0">
+              <a:schemeClr val="accent1"/>
+            </a:fillRef>
+            <a:effectRef idx="0">
+              <a:schemeClr val="accent1"/>
+            </a:effectRef>
+            <a:fontRef idx="minor">
+              <a:schemeClr val="tx1"/>
+            </a:fontRef>
+          </p:style>
+        </p:cxnSp>
+        <p:cxnSp>
+          <p:nvCxnSpPr>
+            <p:cNvPr id="155" name="Straight Connector 154">
+              <a:extLst>
+                <a:ext uri="{FF2B5EF4-FFF2-40B4-BE49-F238E27FC236}">
+                  <a16:creationId xmlns:a16="http://schemas.microsoft.com/office/drawing/2014/main" id="{68D73656-226E-4392-9176-5FF873C131B3}"/>
+                </a:ext>
+              </a:extLst>
+            </p:cNvPr>
+            <p:cNvCxnSpPr>
+              <a:cxnSpLocks/>
+            </p:cNvCxnSpPr>
+            <p:nvPr/>
+          </p:nvCxnSpPr>
+          <p:spPr>
+            <a:xfrm>
+              <a:off x="5320494" y="6420664"/>
+              <a:ext cx="1943352" cy="0"/>
+            </a:xfrm>
+            <a:prstGeom prst="line">
+              <a:avLst/>
+            </a:prstGeom>
+            <a:ln w="38100">
+              <a:solidFill>
+                <a:schemeClr val="tx1"/>
+              </a:solidFill>
+            </a:ln>
+          </p:spPr>
+          <p:style>
+            <a:lnRef idx="1">
+              <a:schemeClr val="accent1"/>
+            </a:lnRef>
+            <a:fillRef idx="0">
+              <a:schemeClr val="accent1"/>
+            </a:fillRef>
+            <a:effectRef idx="0">
+              <a:schemeClr val="accent1"/>
+            </a:effectRef>
+            <a:fontRef idx="minor">
+              <a:schemeClr val="tx1"/>
+            </a:fontRef>
+          </p:style>
+        </p:cxnSp>
+        <p:sp>
+          <p:nvSpPr>
+            <p:cNvPr id="156" name="TextBox 155">
+              <a:extLst>
+                <a:ext uri="{FF2B5EF4-FFF2-40B4-BE49-F238E27FC236}">
+                  <a16:creationId xmlns:a16="http://schemas.microsoft.com/office/drawing/2014/main" id="{D701762A-486C-4A91-9785-FAA4C0E86BE4}"/>
+                </a:ext>
+              </a:extLst>
+            </p:cNvPr>
+            <p:cNvSpPr txBox="1"/>
+            <p:nvPr/>
+          </p:nvSpPr>
+          <p:spPr>
+            <a:xfrm>
+              <a:off x="8684400" y="4909189"/>
+              <a:ext cx="1045595" cy="461665"/>
+            </a:xfrm>
+            <a:prstGeom prst="rect">
+              <a:avLst/>
+            </a:prstGeom>
+            <a:noFill/>
+          </p:spPr>
+          <p:txBody>
+            <a:bodyPr wrap="square" rtlCol="0">
+              <a:spAutoFit/>
+            </a:bodyPr>
+            <a:lstStyle/>
+            <a:p>
+              <a:pPr algn="ctr"/>
+              <a:r>
+                <a:rPr lang="en-US" sz="1200" dirty="0">
+                  <a:latin typeface="DejaVu Sans" panose="020B0603030804020204" pitchFamily="34" charset="0"/>
+                  <a:ea typeface="DejaVu Sans" panose="020B0603030804020204" pitchFamily="34" charset="0"/>
+                  <a:cs typeface="DejaVu Sans" panose="020B0603030804020204" pitchFamily="34" charset="0"/>
+                </a:rPr>
+                <a:t>SR Patch</a:t>
+              </a:r>
+            </a:p>
+            <a:p>
+              <a:pPr algn="ctr"/>
+              <a:r>
+                <a:rPr lang="en-US" sz="1200" dirty="0">
+                  <a:latin typeface="DejaVu Sans" panose="020B0603030804020204" pitchFamily="34" charset="0"/>
+                  <a:ea typeface="DejaVu Sans" panose="020B0603030804020204" pitchFamily="34" charset="0"/>
+                  <a:cs typeface="DejaVu Sans" panose="020B0603030804020204" pitchFamily="34" charset="0"/>
+                </a:rPr>
+                <a:t>2x64x64</a:t>
+              </a:r>
+            </a:p>
+          </p:txBody>
+        </p:sp>
+        <p:pic>
+          <p:nvPicPr>
+            <p:cNvPr id="157" name="Picture 156" descr="\documentclass{article}&#10;\usepackage{amsmath, amssymb, amsthm}&#10;\usepackage{xcolor}&#10;\pagestyle{empty}&#10;\begin{document}&#10;\setlength\parindent{0pt}&#10;&#10;\newcommand{\argmin}{\operatornamewithlimits{argmin}}&#10;\newcommand{\argmax}{\operatornamewithlimits{argmax}}&#10;\newcommand{\rtwo}{\mathbb{R}^2}&#10;\newcommand{\rone}{\mathbb{R}}&#10;\newcommand{\ex}{\mathbb{E}}&#10;\newcommand{\normal}{\mathcal{N}}&#10;\newcommand{\vor}{\mathcal{V}}&#10;\newcommand{\st}{\mid}&#10;\newcommand{\set}[1]{\left\{#1\right\}}&#10;\newcommand{\norm}[1]{\left\lVert #1\right\rVert}&#10;\newcommand{\rt}{\rightarrow}&#10;&#10;$k$&#10;&#10;\end{document}" title="IguanaTex Bitmap Display">
+              <a:extLst>
+                <a:ext uri="{FF2B5EF4-FFF2-40B4-BE49-F238E27FC236}">
+                  <a16:creationId xmlns:a16="http://schemas.microsoft.com/office/drawing/2014/main" id="{0F17DAD1-CABA-4BC1-99B9-AC5FDCA28CFE}"/>
+                </a:ext>
+              </a:extLst>
+            </p:cNvPr>
+            <p:cNvPicPr>
+              <a:picLocks noChangeAspect="1"/>
+            </p:cNvPicPr>
+            <p:nvPr>
+              <p:custDataLst>
+                <p:tags r:id="rId17"/>
+              </p:custDataLst>
+            </p:nvPr>
+          </p:nvPicPr>
+          <p:blipFill>
+            <a:blip r:embed="rId33">
+              <a:extLst>
+                <a:ext uri="{28A0092B-C50C-407E-A947-70E740481C1C}">
+                  <a14:useLocalDpi xmlns:a14="http://schemas.microsoft.com/office/drawing/2010/main" val="0"/>
+                </a:ext>
+              </a:extLst>
+            </a:blip>
+            <a:stretch>
+              <a:fillRect/>
+            </a:stretch>
+          </p:blipFill>
+          <p:spPr>
+            <a:xfrm>
+              <a:off x="4399368" y="5946065"/>
+              <a:ext cx="91453" cy="142667"/>
+            </a:xfrm>
+            <a:prstGeom prst="rect">
+              <a:avLst/>
+            </a:prstGeom>
+          </p:spPr>
+        </p:pic>
+        <p:sp>
+          <p:nvSpPr>
+            <p:cNvPr id="168" name="TextBox 167">
+              <a:extLst>
+                <a:ext uri="{FF2B5EF4-FFF2-40B4-BE49-F238E27FC236}">
+                  <a16:creationId xmlns:a16="http://schemas.microsoft.com/office/drawing/2014/main" id="{0019FE9F-C9C3-4B11-89DB-2C6F08EDF989}"/>
+                </a:ext>
+              </a:extLst>
+            </p:cNvPr>
+            <p:cNvSpPr txBox="1"/>
+            <p:nvPr/>
+          </p:nvSpPr>
+          <p:spPr>
+            <a:xfrm>
+              <a:off x="4797697" y="4909189"/>
+              <a:ext cx="1045595" cy="461665"/>
+            </a:xfrm>
+            <a:prstGeom prst="rect">
+              <a:avLst/>
+            </a:prstGeom>
+            <a:noFill/>
+          </p:spPr>
+          <p:txBody>
+            <a:bodyPr wrap="square" rtlCol="0">
+              <a:spAutoFit/>
+            </a:bodyPr>
+            <a:lstStyle/>
+            <a:p>
+              <a:pPr algn="ctr"/>
+              <a:r>
+                <a:rPr lang="en-US" sz="1200" dirty="0">
+                  <a:latin typeface="DejaVu Sans" panose="020B0603030804020204" pitchFamily="34" charset="0"/>
+                  <a:ea typeface="DejaVu Sans" panose="020B0603030804020204" pitchFamily="34" charset="0"/>
+                  <a:cs typeface="DejaVu Sans" panose="020B0603030804020204" pitchFamily="34" charset="0"/>
+                </a:rPr>
+                <a:t>Tensor</a:t>
+              </a:r>
+            </a:p>
+            <a:p>
+              <a:pPr algn="ctr"/>
+              <a:r>
+                <a:rPr lang="en-US" sz="1200" dirty="0">
+                  <a:latin typeface="DejaVu Sans" panose="020B0603030804020204" pitchFamily="34" charset="0"/>
+                  <a:ea typeface="DejaVu Sans" panose="020B0603030804020204" pitchFamily="34" charset="0"/>
+                  <a:cs typeface="DejaVu Sans" panose="020B0603030804020204" pitchFamily="34" charset="0"/>
+                </a:rPr>
+                <a:t>   x64x64</a:t>
+              </a:r>
+            </a:p>
+          </p:txBody>
+        </p:sp>
+        <p:pic>
+          <p:nvPicPr>
+            <p:cNvPr id="169" name="Picture 168" descr="\documentclass{article}&#10;\usepackage{amsmath, amssymb, amsthm}&#10;\usepackage{xcolor}&#10;\pagestyle{empty}&#10;\begin{document}&#10;\setlength\parindent{0pt}&#10;&#10;\newcommand{\argmin}{\operatornamewithlimits{argmin}}&#10;\newcommand{\argmax}{\operatornamewithlimits{argmax}}&#10;\newcommand{\rtwo}{\mathbb{R}^2}&#10;\newcommand{\rone}{\mathbb{R}}&#10;\newcommand{\ex}{\mathbb{E}}&#10;\newcommand{\normal}{\mathcal{N}}&#10;\newcommand{\vor}{\mathcal{V}}&#10;\newcommand{\st}{\mid}&#10;\newcommand{\set}[1]{\left\{#1\right\}}&#10;\newcommand{\norm}[1]{\left\lVert #1\right\rVert}&#10;\newcommand{\rt}{\rightarrow}&#10;&#10;$d$&#10;&#10;\end{document}" title="IguanaTex Bitmap Display">
+              <a:extLst>
+                <a:ext uri="{FF2B5EF4-FFF2-40B4-BE49-F238E27FC236}">
+                  <a16:creationId xmlns:a16="http://schemas.microsoft.com/office/drawing/2014/main" id="{524DF5DC-F61F-485E-928A-C7303CF096DA}"/>
+                </a:ext>
+              </a:extLst>
+            </p:cNvPr>
+            <p:cNvPicPr>
+              <a:picLocks noChangeAspect="1"/>
+            </p:cNvPicPr>
+            <p:nvPr>
+              <p:custDataLst>
+                <p:tags r:id="rId18"/>
+              </p:custDataLst>
+            </p:nvPr>
+          </p:nvPicPr>
+          <p:blipFill>
+            <a:blip r:embed="rId26">
+              <a:extLst>
+                <a:ext uri="{28A0092B-C50C-407E-A947-70E740481C1C}">
+                  <a14:useLocalDpi xmlns:a14="http://schemas.microsoft.com/office/drawing/2010/main" val="0"/>
+                </a:ext>
+              </a:extLst>
+            </a:blip>
+            <a:stretch>
+              <a:fillRect/>
+            </a:stretch>
+          </p:blipFill>
+          <p:spPr>
+            <a:xfrm>
+              <a:off x="4974185" y="5149935"/>
+              <a:ext cx="96330" cy="142666"/>
+            </a:xfrm>
+            <a:prstGeom prst="rect">
+              <a:avLst/>
+            </a:prstGeom>
+          </p:spPr>
+        </p:pic>
+        <p:sp>
+          <p:nvSpPr>
+            <p:cNvPr id="159" name="Rectangle 158">
+              <a:extLst>
+                <a:ext uri="{FF2B5EF4-FFF2-40B4-BE49-F238E27FC236}">
+                  <a16:creationId xmlns:a16="http://schemas.microsoft.com/office/drawing/2014/main" id="{6B9A7B41-C79C-45E0-A72C-B284439D62EB}"/>
+                </a:ext>
+              </a:extLst>
+            </p:cNvPr>
+            <p:cNvSpPr/>
+            <p:nvPr/>
+          </p:nvSpPr>
+          <p:spPr>
+            <a:xfrm rot="16200000">
+              <a:off x="7237009" y="4970175"/>
+              <a:ext cx="1556548" cy="174103"/>
+            </a:xfrm>
+            <a:prstGeom prst="rect">
+              <a:avLst/>
+            </a:prstGeom>
+            <a:solidFill>
+              <a:srgbClr val="FF00FF"/>
+            </a:solidFill>
+            <a:ln>
               <a:noFill/>
-            </p:spPr>
-            <p:txBody>
-              <a:bodyPr wrap="square" rtlCol="0">
-                <a:spAutoFit/>
-              </a:bodyPr>
-              <a:lstStyle/>
-              <a:p>
-                <a:pPr algn="ctr"/>
-                <a:r>
-                  <a:rPr lang="en-US" sz="1200" dirty="0">
-                    <a:latin typeface="DejaVu Sans" panose="020B0603030804020204" pitchFamily="34" charset="0"/>
-                    <a:ea typeface="DejaVu Sans" panose="020B0603030804020204" pitchFamily="34" charset="0"/>
-                    <a:cs typeface="DejaVu Sans" panose="020B0603030804020204" pitchFamily="34" charset="0"/>
-                  </a:rPr>
-                  <a:t>LR Patch</a:t>
-                </a:r>
-              </a:p>
-              <a:p>
-                <a:pPr algn="ctr"/>
-                <a:r>
-                  <a:rPr lang="en-US" sz="1200" dirty="0">
-                    <a:latin typeface="DejaVu Sans" panose="020B0603030804020204" pitchFamily="34" charset="0"/>
-                    <a:ea typeface="DejaVu Sans" panose="020B0603030804020204" pitchFamily="34" charset="0"/>
-                    <a:cs typeface="DejaVu Sans" panose="020B0603030804020204" pitchFamily="34" charset="0"/>
-                  </a:rPr>
-                  <a:t>2x64x64</a:t>
-                </a:r>
-              </a:p>
-            </p:txBody>
-          </p:sp>
-          <p:sp>
-            <p:nvSpPr>
-              <p:cNvPr id="148" name="Rectangle 147">
-                <a:extLst>
-                  <a:ext uri="{FF2B5EF4-FFF2-40B4-BE49-F238E27FC236}">
-                    <a16:creationId xmlns:a16="http://schemas.microsoft.com/office/drawing/2014/main" id="{EF9887DC-3777-4DBF-B176-0A9154BC6601}"/>
-                  </a:ext>
-                </a:extLst>
-              </p:cNvPr>
-              <p:cNvSpPr/>
-              <p:nvPr/>
-            </p:nvSpPr>
-            <p:spPr>
-              <a:xfrm rot="16200000">
-                <a:off x="5248103" y="4970171"/>
-                <a:ext cx="1556548" cy="174103"/>
-              </a:xfrm>
-              <a:prstGeom prst="rect">
-                <a:avLst/>
-              </a:prstGeom>
+            </a:ln>
+          </p:spPr>
+          <p:style>
+            <a:lnRef idx="2">
+              <a:schemeClr val="accent1">
+                <a:shade val="50000"/>
+              </a:schemeClr>
+            </a:lnRef>
+            <a:fillRef idx="1">
+              <a:schemeClr val="accent1"/>
+            </a:fillRef>
+            <a:effectRef idx="0">
+              <a:schemeClr val="accent1"/>
+            </a:effectRef>
+            <a:fontRef idx="minor">
+              <a:schemeClr val="lt1"/>
+            </a:fontRef>
+          </p:style>
+          <p:txBody>
+            <a:bodyPr rtlCol="0" anchor="ctr"/>
+            <a:lstStyle/>
+            <a:p>
+              <a:pPr algn="ctr"/>
+              <a:r>
+                <a:rPr lang="en-US" sz="1200" dirty="0">
+                  <a:solidFill>
+                    <a:schemeClr val="tx1"/>
+                  </a:solidFill>
+                  <a:latin typeface="DejaVu Sans" panose="020B0603030804020204" pitchFamily="34" charset="0"/>
+                  <a:ea typeface="DejaVu Sans" panose="020B0603030804020204" pitchFamily="34" charset="0"/>
+                  <a:cs typeface="DejaVu Sans" panose="020B0603030804020204" pitchFamily="34" charset="0"/>
+                </a:rPr>
+                <a:t>Conv</a:t>
+              </a:r>
+            </a:p>
+          </p:txBody>
+        </p:sp>
+        <p:sp>
+          <p:nvSpPr>
+            <p:cNvPr id="160" name="Rectangle 159">
+              <a:extLst>
+                <a:ext uri="{FF2B5EF4-FFF2-40B4-BE49-F238E27FC236}">
+                  <a16:creationId xmlns:a16="http://schemas.microsoft.com/office/drawing/2014/main" id="{412B3B58-BAB7-42A6-9067-82BA4DE65CCF}"/>
+                </a:ext>
+              </a:extLst>
+            </p:cNvPr>
+            <p:cNvSpPr/>
+            <p:nvPr/>
+          </p:nvSpPr>
+          <p:spPr>
+            <a:xfrm rot="16200000">
+              <a:off x="7471748" y="4970175"/>
+              <a:ext cx="1556548" cy="174103"/>
+            </a:xfrm>
+            <a:prstGeom prst="rect">
+              <a:avLst/>
+            </a:prstGeom>
+            <a:solidFill>
+              <a:srgbClr val="00FFFF"/>
+            </a:solidFill>
+            <a:ln>
+              <a:noFill/>
+            </a:ln>
+          </p:spPr>
+          <p:style>
+            <a:lnRef idx="2">
+              <a:schemeClr val="accent1">
+                <a:shade val="50000"/>
+              </a:schemeClr>
+            </a:lnRef>
+            <a:fillRef idx="1">
+              <a:schemeClr val="accent1"/>
+            </a:fillRef>
+            <a:effectRef idx="0">
+              <a:schemeClr val="accent1"/>
+            </a:effectRef>
+            <a:fontRef idx="minor">
+              <a:schemeClr val="lt1"/>
+            </a:fontRef>
+          </p:style>
+          <p:txBody>
+            <a:bodyPr rtlCol="0" anchor="ctr"/>
+            <a:lstStyle/>
+            <a:p>
+              <a:pPr algn="ctr"/>
+              <a:r>
+                <a:rPr lang="en-US" sz="1200" dirty="0">
+                  <a:solidFill>
+                    <a:schemeClr val="tx1"/>
+                  </a:solidFill>
+                  <a:latin typeface="DejaVu Sans" panose="020B0603030804020204" pitchFamily="34" charset="0"/>
+                  <a:ea typeface="DejaVu Sans" panose="020B0603030804020204" pitchFamily="34" charset="0"/>
+                  <a:cs typeface="DejaVu Sans" panose="020B0603030804020204" pitchFamily="34" charset="0"/>
+                </a:rPr>
+                <a:t>ReLU</a:t>
+              </a:r>
+            </a:p>
+          </p:txBody>
+        </p:sp>
+        <p:pic>
+          <p:nvPicPr>
+            <p:cNvPr id="161" name="Picture 160" descr="\documentclass{article}&#10;\usepackage{amsmath, amssymb, amsthm}&#10;\usepackage{xcolor}&#10;\pagestyle{empty}&#10;\begin{document}&#10;\setlength\parindent{0pt}&#10;&#10;\newcommand{\argmin}{\operatornamewithlimits{argmin}}&#10;\newcommand{\argmax}{\operatornamewithlimits{argmax}}&#10;\newcommand{\rtwo}{\mathbb{R}^2}&#10;\newcommand{\rone}{\mathbb{R}}&#10;\newcommand{\ex}{\mathbb{E}}&#10;\newcommand{\normal}{\mathcal{N}}&#10;\newcommand{\vor}{\mathcal{V}}&#10;\newcommand{\st}{\mid}&#10;\newcommand{\set}[1]{\left\{#1\right\}}&#10;\newcommand{\norm}[1]{\left\lVert #1\right\rVert}&#10;\newcommand{\rt}{\rightarrow}&#10;&#10;$k$&#10;&#10;\end{document}" title="IguanaTex Bitmap Display">
+              <a:extLst>
+                <a:ext uri="{FF2B5EF4-FFF2-40B4-BE49-F238E27FC236}">
+                  <a16:creationId xmlns:a16="http://schemas.microsoft.com/office/drawing/2014/main" id="{3AFC9295-41E8-49B1-A31C-0FBCF6FF576C}"/>
+                </a:ext>
+              </a:extLst>
+            </p:cNvPr>
+            <p:cNvPicPr>
+              <a:picLocks noChangeAspect="1"/>
+            </p:cNvPicPr>
+            <p:nvPr>
+              <p:custDataLst>
+                <p:tags r:id="rId19"/>
+              </p:custDataLst>
+            </p:nvPr>
+          </p:nvPicPr>
+          <p:blipFill>
+            <a:blip r:embed="rId33">
+              <a:extLst>
+                <a:ext uri="{28A0092B-C50C-407E-A947-70E740481C1C}">
+                  <a14:useLocalDpi xmlns:a14="http://schemas.microsoft.com/office/drawing/2010/main" val="0"/>
+                </a:ext>
+              </a:extLst>
+            </a:blip>
+            <a:stretch>
+              <a:fillRect/>
+            </a:stretch>
+          </p:blipFill>
+          <p:spPr>
+            <a:xfrm>
+              <a:off x="7943432" y="5946066"/>
+              <a:ext cx="91453" cy="142667"/>
+            </a:xfrm>
+            <a:prstGeom prst="rect">
+              <a:avLst/>
+            </a:prstGeom>
+          </p:spPr>
+        </p:pic>
+        <p:cxnSp>
+          <p:nvCxnSpPr>
+            <p:cNvPr id="162" name="Straight Arrow Connector 161">
+              <a:extLst>
+                <a:ext uri="{FF2B5EF4-FFF2-40B4-BE49-F238E27FC236}">
+                  <a16:creationId xmlns:a16="http://schemas.microsoft.com/office/drawing/2014/main" id="{1E75FF6D-0A60-4742-B047-F5707FB87307}"/>
+                </a:ext>
+              </a:extLst>
+            </p:cNvPr>
+            <p:cNvCxnSpPr>
+              <a:cxnSpLocks/>
+            </p:cNvCxnSpPr>
+            <p:nvPr/>
+          </p:nvCxnSpPr>
+          <p:spPr>
+            <a:xfrm>
+              <a:off x="6624912" y="5057220"/>
+              <a:ext cx="437486" cy="0"/>
+            </a:xfrm>
+            <a:prstGeom prst="straightConnector1">
+              <a:avLst/>
+            </a:prstGeom>
+            <a:ln w="38100">
               <a:solidFill>
-                <a:srgbClr val="FF00FF"/>
+                <a:schemeClr val="tx1"/>
               </a:solidFill>
-              <a:ln>
-                <a:noFill/>
-              </a:ln>
-            </p:spPr>
-            <p:style>
-              <a:lnRef idx="2">
-                <a:schemeClr val="accent1">
-                  <a:shade val="50000"/>
-                </a:schemeClr>
-              </a:lnRef>
-              <a:fillRef idx="1">
-                <a:schemeClr val="accent1"/>
-              </a:fillRef>
-              <a:effectRef idx="0">
-                <a:schemeClr val="accent1"/>
-              </a:effectRef>
-              <a:fontRef idx="minor">
-                <a:schemeClr val="lt1"/>
-              </a:fontRef>
-            </p:style>
-            <p:txBody>
-              <a:bodyPr rtlCol="0" anchor="ctr"/>
-              <a:lstStyle/>
-              <a:p>
-                <a:pPr algn="ctr"/>
-                <a:r>
-                  <a:rPr lang="en-US" sz="1200" dirty="0">
-                    <a:solidFill>
-                      <a:schemeClr val="tx1"/>
-                    </a:solidFill>
-                    <a:latin typeface="DejaVu Sans" panose="020B0603030804020204" pitchFamily="34" charset="0"/>
-                    <a:ea typeface="DejaVu Sans" panose="020B0603030804020204" pitchFamily="34" charset="0"/>
-                    <a:cs typeface="DejaVu Sans" panose="020B0603030804020204" pitchFamily="34" charset="0"/>
-                  </a:rPr>
-                  <a:t>Conv</a:t>
-                </a:r>
-              </a:p>
-            </p:txBody>
-          </p:sp>
-          <p:sp>
-            <p:nvSpPr>
-              <p:cNvPr id="149" name="Rectangle 148">
-                <a:extLst>
-                  <a:ext uri="{FF2B5EF4-FFF2-40B4-BE49-F238E27FC236}">
-                    <a16:creationId xmlns:a16="http://schemas.microsoft.com/office/drawing/2014/main" id="{BC6C4EAC-0C0F-431E-AE98-2A226BA2DA1C}"/>
-                  </a:ext>
-                </a:extLst>
-              </p:cNvPr>
-              <p:cNvSpPr/>
-              <p:nvPr/>
-            </p:nvSpPr>
-            <p:spPr>
-              <a:xfrm rot="16200000">
-                <a:off x="5482842" y="4970171"/>
-                <a:ext cx="1556548" cy="174103"/>
-              </a:xfrm>
-              <a:prstGeom prst="rect">
-                <a:avLst/>
-              </a:prstGeom>
+              <a:tailEnd type="triangle"/>
+            </a:ln>
+          </p:spPr>
+          <p:style>
+            <a:lnRef idx="1">
+              <a:schemeClr val="accent1"/>
+            </a:lnRef>
+            <a:fillRef idx="0">
+              <a:schemeClr val="accent1"/>
+            </a:fillRef>
+            <a:effectRef idx="0">
+              <a:schemeClr val="accent1"/>
+            </a:effectRef>
+            <a:fontRef idx="minor">
+              <a:schemeClr val="tx1"/>
+            </a:fontRef>
+          </p:style>
+        </p:cxnSp>
+        <p:cxnSp>
+          <p:nvCxnSpPr>
+            <p:cNvPr id="163" name="Straight Arrow Connector 162">
+              <a:extLst>
+                <a:ext uri="{FF2B5EF4-FFF2-40B4-BE49-F238E27FC236}">
+                  <a16:creationId xmlns:a16="http://schemas.microsoft.com/office/drawing/2014/main" id="{AF5A9D03-99C5-4ED3-8764-B34EA18372C6}"/>
+                </a:ext>
+              </a:extLst>
+            </p:cNvPr>
+            <p:cNvCxnSpPr/>
+            <p:nvPr/>
+          </p:nvCxnSpPr>
+          <p:spPr>
+            <a:xfrm flipV="1">
+              <a:off x="4795458" y="5057222"/>
+              <a:ext cx="158276" cy="1"/>
+            </a:xfrm>
+            <a:prstGeom prst="straightConnector1">
+              <a:avLst/>
+            </a:prstGeom>
+            <a:ln w="38100">
               <a:solidFill>
-                <a:srgbClr val="FFFF00"/>
+                <a:schemeClr val="tx1"/>
               </a:solidFill>
-              <a:ln>
-                <a:noFill/>
-              </a:ln>
-            </p:spPr>
-            <p:style>
-              <a:lnRef idx="2">
-                <a:schemeClr val="accent1">
-                  <a:shade val="50000"/>
-                </a:schemeClr>
-              </a:lnRef>
-              <a:fillRef idx="1">
-                <a:schemeClr val="accent1"/>
-              </a:fillRef>
-              <a:effectRef idx="0">
-                <a:schemeClr val="accent1"/>
-              </a:effectRef>
-              <a:fontRef idx="minor">
-                <a:schemeClr val="lt1"/>
-              </a:fontRef>
-            </p:style>
-            <p:txBody>
-              <a:bodyPr rtlCol="0" anchor="ctr"/>
-              <a:lstStyle/>
-              <a:p>
-                <a:pPr algn="ctr"/>
-                <a:r>
-                  <a:rPr lang="en-US" sz="1200" dirty="0">
-                    <a:solidFill>
-                      <a:schemeClr val="tx1"/>
-                    </a:solidFill>
-                    <a:latin typeface="DejaVu Sans" panose="020B0603030804020204" pitchFamily="34" charset="0"/>
-                    <a:ea typeface="DejaVu Sans" panose="020B0603030804020204" pitchFamily="34" charset="0"/>
-                    <a:cs typeface="DejaVu Sans" panose="020B0603030804020204" pitchFamily="34" charset="0"/>
-                  </a:rPr>
-                  <a:t>ReLU</a:t>
-                </a:r>
-              </a:p>
-            </p:txBody>
-          </p:sp>
-          <p:sp>
-            <p:nvSpPr>
-              <p:cNvPr id="150" name="Rectangle 149">
-                <a:extLst>
-                  <a:ext uri="{FF2B5EF4-FFF2-40B4-BE49-F238E27FC236}">
-                    <a16:creationId xmlns:a16="http://schemas.microsoft.com/office/drawing/2014/main" id="{0A5C676F-6DF7-4E69-B058-B2644BC8A929}"/>
-                  </a:ext>
-                </a:extLst>
-              </p:cNvPr>
-              <p:cNvSpPr/>
-              <p:nvPr/>
-            </p:nvSpPr>
-            <p:spPr>
-              <a:xfrm>
-                <a:off x="5571806" y="4131607"/>
-                <a:ext cx="932379" cy="2121416"/>
-              </a:xfrm>
-              <a:prstGeom prst="rect">
-                <a:avLst/>
-              </a:prstGeom>
-              <a:noFill/>
-              <a:ln w="38100">
-                <a:solidFill>
-                  <a:schemeClr val="tx1"/>
-                </a:solidFill>
-              </a:ln>
-            </p:spPr>
-            <p:style>
-              <a:lnRef idx="2">
-                <a:schemeClr val="accent1">
-                  <a:shade val="50000"/>
-                </a:schemeClr>
-              </a:lnRef>
-              <a:fillRef idx="1">
-                <a:schemeClr val="accent1"/>
-              </a:fillRef>
-              <a:effectRef idx="0">
-                <a:schemeClr val="accent1"/>
-              </a:effectRef>
-              <a:fontRef idx="minor">
-                <a:schemeClr val="lt1"/>
-              </a:fontRef>
-            </p:style>
-            <p:txBody>
-              <a:bodyPr rtlCol="0" anchor="ctr"/>
-              <a:lstStyle/>
-              <a:p>
-                <a:pPr algn="ctr"/>
-                <a:endParaRPr lang="en-US"/>
-              </a:p>
-            </p:txBody>
-          </p:sp>
-          <p:grpSp>
-            <p:nvGrpSpPr>
-              <p:cNvPr id="151" name="Group 150">
-                <a:extLst>
-                  <a:ext uri="{FF2B5EF4-FFF2-40B4-BE49-F238E27FC236}">
-                    <a16:creationId xmlns:a16="http://schemas.microsoft.com/office/drawing/2014/main" id="{168F18C4-1DB2-4198-BE98-0A58EAEB2E05}"/>
-                  </a:ext>
-                </a:extLst>
-              </p:cNvPr>
-              <p:cNvGrpSpPr/>
-              <p:nvPr/>
-            </p:nvGrpSpPr>
-            <p:grpSpPr>
-              <a:xfrm>
-                <a:off x="5560952" y="3799325"/>
-                <a:ext cx="1104957" cy="276999"/>
-                <a:chOff x="963306" y="5313601"/>
-                <a:chExt cx="1104957" cy="276999"/>
-              </a:xfrm>
-            </p:grpSpPr>
-            <p:sp>
-              <p:nvSpPr>
-                <p:cNvPr id="170" name="TextBox 169">
-                  <a:extLst>
-                    <a:ext uri="{FF2B5EF4-FFF2-40B4-BE49-F238E27FC236}">
-                      <a16:creationId xmlns:a16="http://schemas.microsoft.com/office/drawing/2014/main" id="{35CE3660-19AF-419B-920C-872D8CE39C6B}"/>
-                    </a:ext>
-                  </a:extLst>
-                </p:cNvPr>
-                <p:cNvSpPr txBox="1"/>
-                <p:nvPr/>
-              </p:nvSpPr>
-              <p:spPr>
-                <a:xfrm>
-                  <a:off x="1383989" y="5313601"/>
-                  <a:ext cx="684274" cy="276999"/>
-                </a:xfrm>
-                <a:prstGeom prst="rect">
-                  <a:avLst/>
-                </a:prstGeom>
-                <a:noFill/>
-              </p:spPr>
-              <p:txBody>
-                <a:bodyPr wrap="square" rtlCol="0">
-                  <a:spAutoFit/>
-                </a:bodyPr>
-                <a:lstStyle/>
-                <a:p>
-                  <a:pPr algn="ctr"/>
-                  <a:r>
-                    <a:rPr lang="en-US" sz="1200" dirty="0">
-                      <a:latin typeface="DejaVu Sans" panose="020B0603030804020204" pitchFamily="34" charset="0"/>
-                      <a:ea typeface="DejaVu Sans" panose="020B0603030804020204" pitchFamily="34" charset="0"/>
-                      <a:cs typeface="DejaVu Sans" panose="020B0603030804020204" pitchFamily="34" charset="0"/>
-                    </a:rPr>
-                    <a:t>Blocks</a:t>
-                  </a:r>
-                </a:p>
-              </p:txBody>
-            </p:sp>
-            <p:pic>
-              <p:nvPicPr>
-                <p:cNvPr id="171" name="Picture 170" descr="\documentclass{article}&#10;\usepackage{amsmath, amssymb, amsthm}&#10;\usepackage{xcolor}&#10;\pagestyle{empty}&#10;\begin{document}&#10;\setlength\parindent{0pt}&#10;&#10;\newcommand{\argmin}{\operatornamewithlimits{argmin}}&#10;\newcommand{\argmax}{\operatornamewithlimits{argmax}}&#10;\newcommand{\rtwo}{\mathbb{R}^2}&#10;\newcommand{\rone}{\mathbb{R}}&#10;\newcommand{\ex}{\mathbb{E}}&#10;\newcommand{\normal}{\mathcal{N}}&#10;\newcommand{\vor}{\mathcal{V}}&#10;\newcommand{\st}{\mid}&#10;\newcommand{\set}[1]{\left\{#1\right\}}&#10;\newcommand{\norm}[1]{\left\lVert #1\right\rVert}&#10;\newcommand{\rt}{\rightarrow}&#10;&#10;$\ell-2$&#10;&#10;\end{document}" title="IguanaTex Bitmap Display">
-                  <a:extLst>
-                    <a:ext uri="{FF2B5EF4-FFF2-40B4-BE49-F238E27FC236}">
-                      <a16:creationId xmlns:a16="http://schemas.microsoft.com/office/drawing/2014/main" id="{9A446ABA-5107-4C31-A548-A9379A4BBCEC}"/>
-                    </a:ext>
-                  </a:extLst>
-                </p:cNvPr>
-                <p:cNvPicPr>
-                  <a:picLocks noChangeAspect="1"/>
-                </p:cNvPicPr>
-                <p:nvPr>
-                  <p:custDataLst>
-                    <p:tags r:id="rId5"/>
-                  </p:custDataLst>
-                </p:nvPr>
-              </p:nvPicPr>
-              <p:blipFill>
-                <a:blip r:embed="rId32">
-                  <a:extLst>
-                    <a:ext uri="{28A0092B-C50C-407E-A947-70E740481C1C}">
-                      <a14:useLocalDpi xmlns:a14="http://schemas.microsoft.com/office/drawing/2010/main" val="0"/>
-                    </a:ext>
-                  </a:extLst>
-                </a:blip>
-                <a:stretch>
-                  <a:fillRect/>
-                </a:stretch>
-              </p:blipFill>
-              <p:spPr>
-                <a:xfrm>
-                  <a:off x="963306" y="5371927"/>
-                  <a:ext cx="420683" cy="145105"/>
-                </a:xfrm>
-                <a:prstGeom prst="rect">
-                  <a:avLst/>
-                </a:prstGeom>
-              </p:spPr>
-            </p:pic>
-          </p:grpSp>
-          <p:sp>
-            <p:nvSpPr>
-              <p:cNvPr id="152" name="Oval 151">
-                <a:extLst>
-                  <a:ext uri="{FF2B5EF4-FFF2-40B4-BE49-F238E27FC236}">
-                    <a16:creationId xmlns:a16="http://schemas.microsoft.com/office/drawing/2014/main" id="{C8720980-B28C-4031-8515-D61690E82E15}"/>
-                  </a:ext>
-                </a:extLst>
-              </p:cNvPr>
-              <p:cNvSpPr/>
-              <p:nvPr/>
-            </p:nvSpPr>
-            <p:spPr>
-              <a:xfrm>
-                <a:off x="6865760" y="4935880"/>
-                <a:ext cx="242689" cy="242689"/>
-              </a:xfrm>
-              <a:prstGeom prst="ellipse">
-                <a:avLst/>
-              </a:prstGeom>
-              <a:noFill/>
-              <a:ln>
-                <a:solidFill>
-                  <a:schemeClr val="tx1"/>
-                </a:solidFill>
-              </a:ln>
-            </p:spPr>
-            <p:style>
-              <a:lnRef idx="2">
-                <a:schemeClr val="accent1">
-                  <a:shade val="50000"/>
-                </a:schemeClr>
-              </a:lnRef>
-              <a:fillRef idx="1">
-                <a:schemeClr val="accent1"/>
-              </a:fillRef>
-              <a:effectRef idx="0">
-                <a:schemeClr val="accent1"/>
-              </a:effectRef>
-              <a:fontRef idx="minor">
-                <a:schemeClr val="lt1"/>
-              </a:fontRef>
-            </p:style>
-            <p:txBody>
-              <a:bodyPr rtlCol="0" anchor="ctr"/>
-              <a:lstStyle/>
-              <a:p>
-                <a:pPr algn="ctr"/>
-                <a:r>
-                  <a:rPr lang="en-US" sz="1200" dirty="0">
-                    <a:solidFill>
-                      <a:schemeClr val="tx1"/>
-                    </a:solidFill>
-                    <a:latin typeface="DejaVu Sans" panose="020B0603030804020204" pitchFamily="34" charset="0"/>
-                    <a:ea typeface="DejaVu Sans" panose="020B0603030804020204" pitchFamily="34" charset="0"/>
-                    <a:cs typeface="DejaVu Sans" panose="020B0603030804020204" pitchFamily="34" charset="0"/>
-                  </a:rPr>
-                  <a:t>+</a:t>
-                </a:r>
-              </a:p>
-            </p:txBody>
-          </p:sp>
-          <p:cxnSp>
-            <p:nvCxnSpPr>
-              <p:cNvPr id="153" name="Straight Connector 152">
-                <a:extLst>
-                  <a:ext uri="{FF2B5EF4-FFF2-40B4-BE49-F238E27FC236}">
-                    <a16:creationId xmlns:a16="http://schemas.microsoft.com/office/drawing/2014/main" id="{D48650F7-2A6D-4E18-B02E-CA244913BA45}"/>
-                  </a:ext>
-                </a:extLst>
-              </p:cNvPr>
-              <p:cNvCxnSpPr>
-                <a:cxnSpLocks/>
-              </p:cNvCxnSpPr>
-              <p:nvPr/>
-            </p:nvCxnSpPr>
-            <p:spPr>
-              <a:xfrm>
-                <a:off x="5043750" y="5411766"/>
-                <a:ext cx="0" cy="1028700"/>
-              </a:xfrm>
-              <a:prstGeom prst="line">
-                <a:avLst/>
-              </a:prstGeom>
-              <a:ln w="38100">
-                <a:solidFill>
-                  <a:schemeClr val="tx1"/>
-                </a:solidFill>
-              </a:ln>
-            </p:spPr>
-            <p:style>
-              <a:lnRef idx="1">
-                <a:schemeClr val="accent1"/>
-              </a:lnRef>
-              <a:fillRef idx="0">
-                <a:schemeClr val="accent1"/>
-              </a:fillRef>
-              <a:effectRef idx="0">
-                <a:schemeClr val="accent1"/>
-              </a:effectRef>
-              <a:fontRef idx="minor">
+              <a:tailEnd type="triangle"/>
+            </a:ln>
+          </p:spPr>
+          <p:style>
+            <a:lnRef idx="1">
+              <a:schemeClr val="accent1"/>
+            </a:lnRef>
+            <a:fillRef idx="0">
+              <a:schemeClr val="accent1"/>
+            </a:fillRef>
+            <a:effectRef idx="0">
+              <a:schemeClr val="accent1"/>
+            </a:effectRef>
+            <a:fontRef idx="minor">
+              <a:schemeClr val="tx1"/>
+            </a:fontRef>
+          </p:style>
+        </p:cxnSp>
+        <p:cxnSp>
+          <p:nvCxnSpPr>
+            <p:cNvPr id="164" name="Straight Arrow Connector 163">
+              <a:extLst>
+                <a:ext uri="{FF2B5EF4-FFF2-40B4-BE49-F238E27FC236}">
+                  <a16:creationId xmlns:a16="http://schemas.microsoft.com/office/drawing/2014/main" id="{488E17F2-1B89-4E96-A63F-589489DCA483}"/>
+                </a:ext>
+              </a:extLst>
+            </p:cNvPr>
+            <p:cNvCxnSpPr>
+              <a:cxnSpLocks/>
+            </p:cNvCxnSpPr>
+            <p:nvPr/>
+          </p:nvCxnSpPr>
+          <p:spPr>
+            <a:xfrm>
+              <a:off x="7385193" y="5057220"/>
+              <a:ext cx="437486" cy="0"/>
+            </a:xfrm>
+            <a:prstGeom prst="straightConnector1">
+              <a:avLst/>
+            </a:prstGeom>
+            <a:ln w="38100">
+              <a:solidFill>
                 <a:schemeClr val="tx1"/>
-              </a:fontRef>
-            </p:style>
-          </p:cxnSp>
-          <p:cxnSp>
-            <p:nvCxnSpPr>
-              <p:cNvPr id="154" name="Straight Arrow Connector 153">
-                <a:extLst>
-                  <a:ext uri="{FF2B5EF4-FFF2-40B4-BE49-F238E27FC236}">
-                    <a16:creationId xmlns:a16="http://schemas.microsoft.com/office/drawing/2014/main" id="{FA1D2928-3A9D-4E89-BC66-D6D29DF6B3EA}"/>
-                  </a:ext>
-                </a:extLst>
-              </p:cNvPr>
-              <p:cNvCxnSpPr>
-                <a:cxnSpLocks/>
-              </p:cNvCxnSpPr>
-              <p:nvPr/>
-            </p:nvCxnSpPr>
-            <p:spPr>
-              <a:xfrm flipV="1">
-                <a:off x="6987102" y="5228886"/>
-                <a:ext cx="0" cy="1211580"/>
-              </a:xfrm>
-              <a:prstGeom prst="straightConnector1">
-                <a:avLst/>
-              </a:prstGeom>
-              <a:ln w="38100">
-                <a:solidFill>
-                  <a:schemeClr val="tx1"/>
-                </a:solidFill>
-                <a:tailEnd type="triangle"/>
-              </a:ln>
-            </p:spPr>
-            <p:style>
-              <a:lnRef idx="1">
-                <a:schemeClr val="accent1"/>
-              </a:lnRef>
-              <a:fillRef idx="0">
-                <a:schemeClr val="accent1"/>
-              </a:fillRef>
-              <a:effectRef idx="0">
-                <a:schemeClr val="accent1"/>
-              </a:effectRef>
-              <a:fontRef idx="minor">
+              </a:solidFill>
+              <a:tailEnd type="triangle"/>
+            </a:ln>
+          </p:spPr>
+          <p:style>
+            <a:lnRef idx="1">
+              <a:schemeClr val="accent1"/>
+            </a:lnRef>
+            <a:fillRef idx="0">
+              <a:schemeClr val="accent1"/>
+            </a:fillRef>
+            <a:effectRef idx="0">
+              <a:schemeClr val="accent1"/>
+            </a:effectRef>
+            <a:fontRef idx="minor">
+              <a:schemeClr val="tx1"/>
+            </a:fontRef>
+          </p:style>
+        </p:cxnSp>
+        <p:pic>
+          <p:nvPicPr>
+            <p:cNvPr id="165" name="Picture 164" descr="\documentclass{article}&#10;\usepackage{amsmath, amssymb, amsthm}&#10;\usepackage{xcolor}&#10;\pagestyle{empty}&#10;\begin{document}&#10;\setlength\parindent{0pt}&#10;&#10;\newcommand{\argmin}{\operatornamewithlimits{argmin}}&#10;\newcommand{\argmax}{\operatornamewithlimits{argmax}}&#10;\newcommand{\rtwo}{\mathbb{R}^2}&#10;\newcommand{\rone}{\mathbb{R}}&#10;\newcommand{\ex}{\mathbb{E}}&#10;\newcommand{\normal}{\mathcal{N}}&#10;\newcommand{\vor}{\mathcal{V}}&#10;\newcommand{\st}{\mid}&#10;\newcommand{\set}[1]{\left\{#1\right\}}&#10;\newcommand{\norm}[1]{\left\lVert #1\right\rVert}&#10;\newcommand{\rt}{\rightarrow}&#10;&#10;$k$&#10;&#10;\end{document}" title="IguanaTex Bitmap Display">
+              <a:extLst>
+                <a:ext uri="{FF2B5EF4-FFF2-40B4-BE49-F238E27FC236}">
+                  <a16:creationId xmlns:a16="http://schemas.microsoft.com/office/drawing/2014/main" id="{57E21907-4382-48E6-BA7A-2CE95055998D}"/>
+                </a:ext>
+              </a:extLst>
+            </p:cNvPr>
+            <p:cNvPicPr>
+              <a:picLocks noChangeAspect="1"/>
+            </p:cNvPicPr>
+            <p:nvPr>
+              <p:custDataLst>
+                <p:tags r:id="rId20"/>
+              </p:custDataLst>
+            </p:nvPr>
+          </p:nvPicPr>
+          <p:blipFill>
+            <a:blip r:embed="rId33">
+              <a:extLst>
+                <a:ext uri="{28A0092B-C50C-407E-A947-70E740481C1C}">
+                  <a14:useLocalDpi xmlns:a14="http://schemas.microsoft.com/office/drawing/2010/main" val="0"/>
+                </a:ext>
+              </a:extLst>
+            </a:blip>
+            <a:stretch>
+              <a:fillRect/>
+            </a:stretch>
+          </p:blipFill>
+          <p:spPr>
+            <a:xfrm>
+              <a:off x="6223286" y="5946066"/>
+              <a:ext cx="91453" cy="142667"/>
+            </a:xfrm>
+            <a:prstGeom prst="rect">
+              <a:avLst/>
+            </a:prstGeom>
+          </p:spPr>
+        </p:pic>
+        <p:cxnSp>
+          <p:nvCxnSpPr>
+            <p:cNvPr id="166" name="Straight Arrow Connector 165">
+              <a:extLst>
+                <a:ext uri="{FF2B5EF4-FFF2-40B4-BE49-F238E27FC236}">
+                  <a16:creationId xmlns:a16="http://schemas.microsoft.com/office/drawing/2014/main" id="{2F7B8CCE-11FC-4E71-95DB-5E6E1FDF896F}"/>
+                </a:ext>
+              </a:extLst>
+            </p:cNvPr>
+            <p:cNvCxnSpPr>
+              <a:cxnSpLocks/>
+            </p:cNvCxnSpPr>
+            <p:nvPr/>
+          </p:nvCxnSpPr>
+          <p:spPr>
+            <a:xfrm>
+              <a:off x="8337074" y="5057220"/>
+              <a:ext cx="437486" cy="0"/>
+            </a:xfrm>
+            <a:prstGeom prst="straightConnector1">
+              <a:avLst/>
+            </a:prstGeom>
+            <a:ln w="38100">
+              <a:solidFill>
                 <a:schemeClr val="tx1"/>
-              </a:fontRef>
-            </p:style>
-          </p:cxnSp>
-          <p:cxnSp>
-            <p:nvCxnSpPr>
-              <p:cNvPr id="155" name="Straight Connector 154">
-                <a:extLst>
-                  <a:ext uri="{FF2B5EF4-FFF2-40B4-BE49-F238E27FC236}">
-                    <a16:creationId xmlns:a16="http://schemas.microsoft.com/office/drawing/2014/main" id="{68D73656-226E-4392-9176-5FF873C131B3}"/>
-                  </a:ext>
-                </a:extLst>
-              </p:cNvPr>
-              <p:cNvCxnSpPr>
-                <a:cxnSpLocks/>
-              </p:cNvCxnSpPr>
-              <p:nvPr/>
-            </p:nvCxnSpPr>
-            <p:spPr>
-              <a:xfrm>
-                <a:off x="5043750" y="6420664"/>
-                <a:ext cx="1943352" cy="0"/>
-              </a:xfrm>
-              <a:prstGeom prst="line">
-                <a:avLst/>
-              </a:prstGeom>
-              <a:ln w="38100">
-                <a:solidFill>
-                  <a:schemeClr val="tx1"/>
-                </a:solidFill>
-              </a:ln>
-            </p:spPr>
-            <p:style>
-              <a:lnRef idx="1">
-                <a:schemeClr val="accent1"/>
-              </a:lnRef>
-              <a:fillRef idx="0">
-                <a:schemeClr val="accent1"/>
-              </a:fillRef>
-              <a:effectRef idx="0">
-                <a:schemeClr val="accent1"/>
-              </a:effectRef>
-              <a:fontRef idx="minor">
+              </a:solidFill>
+              <a:tailEnd type="triangle"/>
+            </a:ln>
+          </p:spPr>
+          <p:style>
+            <a:lnRef idx="1">
+              <a:schemeClr val="accent1"/>
+            </a:lnRef>
+            <a:fillRef idx="0">
+              <a:schemeClr val="accent1"/>
+            </a:fillRef>
+            <a:effectRef idx="0">
+              <a:schemeClr val="accent1"/>
+            </a:effectRef>
+            <a:fontRef idx="minor">
+              <a:schemeClr val="tx1"/>
+            </a:fontRef>
+          </p:style>
+        </p:cxnSp>
+        <p:cxnSp>
+          <p:nvCxnSpPr>
+            <p:cNvPr id="167" name="Straight Arrow Connector 166">
+              <a:extLst>
+                <a:ext uri="{FF2B5EF4-FFF2-40B4-BE49-F238E27FC236}">
+                  <a16:creationId xmlns:a16="http://schemas.microsoft.com/office/drawing/2014/main" id="{9FF39B85-4366-4192-B69B-1BF7CAC432C4}"/>
+                </a:ext>
+              </a:extLst>
+            </p:cNvPr>
+            <p:cNvCxnSpPr>
+              <a:cxnSpLocks/>
+            </p:cNvCxnSpPr>
+            <p:nvPr/>
+          </p:nvCxnSpPr>
+          <p:spPr>
+            <a:xfrm>
+              <a:off x="3876711" y="5057220"/>
+              <a:ext cx="437486" cy="0"/>
+            </a:xfrm>
+            <a:prstGeom prst="straightConnector1">
+              <a:avLst/>
+            </a:prstGeom>
+            <a:ln w="38100">
+              <a:solidFill>
                 <a:schemeClr val="tx1"/>
-              </a:fontRef>
-            </p:style>
-          </p:cxnSp>
-          <p:sp>
-            <p:nvSpPr>
-              <p:cNvPr id="156" name="TextBox 155">
-                <a:extLst>
-                  <a:ext uri="{FF2B5EF4-FFF2-40B4-BE49-F238E27FC236}">
-                    <a16:creationId xmlns:a16="http://schemas.microsoft.com/office/drawing/2014/main" id="{D701762A-486C-4A91-9785-FAA4C0E86BE4}"/>
-                  </a:ext>
-                </a:extLst>
-              </p:cNvPr>
-              <p:cNvSpPr txBox="1"/>
-              <p:nvPr/>
-            </p:nvSpPr>
-            <p:spPr>
-              <a:xfrm>
-                <a:off x="8407656" y="4909189"/>
-                <a:ext cx="1045595" cy="461665"/>
-              </a:xfrm>
-              <a:prstGeom prst="rect">
-                <a:avLst/>
-              </a:prstGeom>
-              <a:noFill/>
-            </p:spPr>
-            <p:txBody>
-              <a:bodyPr wrap="square" rtlCol="0">
-                <a:spAutoFit/>
-              </a:bodyPr>
-              <a:lstStyle/>
-              <a:p>
-                <a:pPr algn="ctr"/>
-                <a:r>
-                  <a:rPr lang="en-US" sz="1200" dirty="0">
-                    <a:latin typeface="DejaVu Sans" panose="020B0603030804020204" pitchFamily="34" charset="0"/>
-                    <a:ea typeface="DejaVu Sans" panose="020B0603030804020204" pitchFamily="34" charset="0"/>
-                    <a:cs typeface="DejaVu Sans" panose="020B0603030804020204" pitchFamily="34" charset="0"/>
-                  </a:rPr>
-                  <a:t>SR Patch</a:t>
-                </a:r>
-              </a:p>
-              <a:p>
-                <a:pPr algn="ctr"/>
-                <a:r>
-                  <a:rPr lang="en-US" sz="1200" dirty="0">
-                    <a:latin typeface="DejaVu Sans" panose="020B0603030804020204" pitchFamily="34" charset="0"/>
-                    <a:ea typeface="DejaVu Sans" panose="020B0603030804020204" pitchFamily="34" charset="0"/>
-                    <a:cs typeface="DejaVu Sans" panose="020B0603030804020204" pitchFamily="34" charset="0"/>
-                  </a:rPr>
-                  <a:t>2x64x64</a:t>
-                </a:r>
-              </a:p>
-            </p:txBody>
-          </p:sp>
-          <p:pic>
-            <p:nvPicPr>
-              <p:cNvPr id="157" name="Picture 156" descr="\documentclass{article}&#10;\usepackage{amsmath, amssymb, amsthm}&#10;\usepackage{xcolor}&#10;\pagestyle{empty}&#10;\begin{document}&#10;\setlength\parindent{0pt}&#10;&#10;\newcommand{\argmin}{\operatornamewithlimits{argmin}}&#10;\newcommand{\argmax}{\operatornamewithlimits{argmax}}&#10;\newcommand{\rtwo}{\mathbb{R}^2}&#10;\newcommand{\rone}{\mathbb{R}}&#10;\newcommand{\ex}{\mathbb{E}}&#10;\newcommand{\normal}{\mathcal{N}}&#10;\newcommand{\vor}{\mathcal{V}}&#10;\newcommand{\st}{\mid}&#10;\newcommand{\set}[1]{\left\{#1\right\}}&#10;\newcommand{\norm}[1]{\left\lVert #1\right\rVert}&#10;\newcommand{\rt}{\rightarrow}&#10;&#10;$k$&#10;&#10;\end{document}" title="IguanaTex Bitmap Display">
-                <a:extLst>
-                  <a:ext uri="{FF2B5EF4-FFF2-40B4-BE49-F238E27FC236}">
-                    <a16:creationId xmlns:a16="http://schemas.microsoft.com/office/drawing/2014/main" id="{0F17DAD1-CABA-4BC1-99B9-AC5FDCA28CFE}"/>
-                  </a:ext>
-                </a:extLst>
-              </p:cNvPr>
-              <p:cNvPicPr>
-                <a:picLocks noChangeAspect="1"/>
-              </p:cNvPicPr>
-              <p:nvPr>
-                <p:custDataLst>
-                  <p:tags r:id="rId1"/>
-                </p:custDataLst>
-              </p:nvPr>
-            </p:nvPicPr>
-            <p:blipFill>
-              <a:blip r:embed="rId33">
-                <a:extLst>
-                  <a:ext uri="{28A0092B-C50C-407E-A947-70E740481C1C}">
-                    <a14:useLocalDpi xmlns:a14="http://schemas.microsoft.com/office/drawing/2010/main" val="0"/>
-                  </a:ext>
-                </a:extLst>
-              </a:blip>
-              <a:stretch>
-                <a:fillRect/>
-              </a:stretch>
-            </p:blipFill>
-            <p:spPr>
-              <a:xfrm>
-                <a:off x="4122624" y="5946065"/>
-                <a:ext cx="91453" cy="142667"/>
-              </a:xfrm>
-              <a:prstGeom prst="rect">
-                <a:avLst/>
-              </a:prstGeom>
-            </p:spPr>
-          </p:pic>
-          <p:grpSp>
-            <p:nvGrpSpPr>
-              <p:cNvPr id="158" name="Group 157">
-                <a:extLst>
-                  <a:ext uri="{FF2B5EF4-FFF2-40B4-BE49-F238E27FC236}">
-                    <a16:creationId xmlns:a16="http://schemas.microsoft.com/office/drawing/2014/main" id="{44CD4810-BA4F-4DBC-9ECE-05898D7DA3DF}"/>
-                  </a:ext>
-                </a:extLst>
-              </p:cNvPr>
-              <p:cNvGrpSpPr/>
-              <p:nvPr/>
-            </p:nvGrpSpPr>
-            <p:grpSpPr>
-              <a:xfrm>
-                <a:off x="4520953" y="4909189"/>
-                <a:ext cx="1045595" cy="461665"/>
-                <a:chOff x="1962691" y="3109301"/>
-                <a:chExt cx="1045595" cy="461665"/>
-              </a:xfrm>
-            </p:grpSpPr>
-            <p:sp>
-              <p:nvSpPr>
-                <p:cNvPr id="168" name="TextBox 167">
-                  <a:extLst>
-                    <a:ext uri="{FF2B5EF4-FFF2-40B4-BE49-F238E27FC236}">
-                      <a16:creationId xmlns:a16="http://schemas.microsoft.com/office/drawing/2014/main" id="{0019FE9F-C9C3-4B11-89DB-2C6F08EDF989}"/>
-                    </a:ext>
-                  </a:extLst>
-                </p:cNvPr>
-                <p:cNvSpPr txBox="1"/>
-                <p:nvPr/>
-              </p:nvSpPr>
-              <p:spPr>
-                <a:xfrm>
-                  <a:off x="1962691" y="3109301"/>
-                  <a:ext cx="1045595" cy="461665"/>
-                </a:xfrm>
-                <a:prstGeom prst="rect">
-                  <a:avLst/>
-                </a:prstGeom>
-                <a:noFill/>
-              </p:spPr>
-              <p:txBody>
-                <a:bodyPr wrap="square" rtlCol="0">
-                  <a:spAutoFit/>
-                </a:bodyPr>
-                <a:lstStyle/>
-                <a:p>
-                  <a:pPr algn="ctr"/>
-                  <a:r>
-                    <a:rPr lang="en-US" sz="1200" dirty="0">
-                      <a:latin typeface="DejaVu Sans" panose="020B0603030804020204" pitchFamily="34" charset="0"/>
-                      <a:ea typeface="DejaVu Sans" panose="020B0603030804020204" pitchFamily="34" charset="0"/>
-                      <a:cs typeface="DejaVu Sans" panose="020B0603030804020204" pitchFamily="34" charset="0"/>
-                    </a:rPr>
-                    <a:t>Tensor</a:t>
-                  </a:r>
-                </a:p>
-                <a:p>
-                  <a:pPr algn="ctr"/>
-                  <a:r>
-                    <a:rPr lang="en-US" sz="1200" dirty="0">
-                      <a:latin typeface="DejaVu Sans" panose="020B0603030804020204" pitchFamily="34" charset="0"/>
-                      <a:ea typeface="DejaVu Sans" panose="020B0603030804020204" pitchFamily="34" charset="0"/>
-                      <a:cs typeface="DejaVu Sans" panose="020B0603030804020204" pitchFamily="34" charset="0"/>
-                    </a:rPr>
-                    <a:t>   x64x64</a:t>
-                  </a:r>
-                </a:p>
-              </p:txBody>
-            </p:sp>
-            <p:pic>
-              <p:nvPicPr>
-                <p:cNvPr id="169" name="Picture 168" descr="\documentclass{article}&#10;\usepackage{amsmath, amssymb, amsthm}&#10;\usepackage{xcolor}&#10;\pagestyle{empty}&#10;\begin{document}&#10;\setlength\parindent{0pt}&#10;&#10;\newcommand{\argmin}{\operatornamewithlimits{argmin}}&#10;\newcommand{\argmax}{\operatornamewithlimits{argmax}}&#10;\newcommand{\rtwo}{\mathbb{R}^2}&#10;\newcommand{\rone}{\mathbb{R}}&#10;\newcommand{\ex}{\mathbb{E}}&#10;\newcommand{\normal}{\mathcal{N}}&#10;\newcommand{\vor}{\mathcal{V}}&#10;\newcommand{\st}{\mid}&#10;\newcommand{\set}[1]{\left\{#1\right\}}&#10;\newcommand{\norm}[1]{\left\lVert #1\right\rVert}&#10;\newcommand{\rt}{\rightarrow}&#10;&#10;$d$&#10;&#10;\end{document}" title="IguanaTex Bitmap Display">
-                  <a:extLst>
-                    <a:ext uri="{FF2B5EF4-FFF2-40B4-BE49-F238E27FC236}">
-                      <a16:creationId xmlns:a16="http://schemas.microsoft.com/office/drawing/2014/main" id="{524DF5DC-F61F-485E-928A-C7303CF096DA}"/>
-                    </a:ext>
-                  </a:extLst>
-                </p:cNvPr>
-                <p:cNvPicPr>
-                  <a:picLocks noChangeAspect="1"/>
-                </p:cNvPicPr>
-                <p:nvPr>
-                  <p:custDataLst>
-                    <p:tags r:id="rId4"/>
-                  </p:custDataLst>
-                </p:nvPr>
-              </p:nvPicPr>
-              <p:blipFill>
-                <a:blip r:embed="rId26">
-                  <a:extLst>
-                    <a:ext uri="{28A0092B-C50C-407E-A947-70E740481C1C}">
-                      <a14:useLocalDpi xmlns:a14="http://schemas.microsoft.com/office/drawing/2010/main" val="0"/>
-                    </a:ext>
-                  </a:extLst>
-                </a:blip>
-                <a:stretch>
-                  <a:fillRect/>
-                </a:stretch>
-              </p:blipFill>
-              <p:spPr>
-                <a:xfrm>
-                  <a:off x="2139179" y="3350047"/>
-                  <a:ext cx="96330" cy="142666"/>
-                </a:xfrm>
-                <a:prstGeom prst="rect">
-                  <a:avLst/>
-                </a:prstGeom>
-              </p:spPr>
-            </p:pic>
-          </p:grpSp>
-          <p:sp>
-            <p:nvSpPr>
-              <p:cNvPr id="159" name="Rectangle 158">
-                <a:extLst>
-                  <a:ext uri="{FF2B5EF4-FFF2-40B4-BE49-F238E27FC236}">
-                    <a16:creationId xmlns:a16="http://schemas.microsoft.com/office/drawing/2014/main" id="{6B9A7B41-C79C-45E0-A72C-B284439D62EB}"/>
-                  </a:ext>
-                </a:extLst>
-              </p:cNvPr>
-              <p:cNvSpPr/>
-              <p:nvPr/>
-            </p:nvSpPr>
-            <p:spPr>
-              <a:xfrm rot="16200000">
-                <a:off x="6960265" y="4970175"/>
-                <a:ext cx="1556548" cy="174103"/>
-              </a:xfrm>
-              <a:prstGeom prst="rect">
-                <a:avLst/>
-              </a:prstGeom>
-              <a:solidFill>
-                <a:srgbClr val="FF00FF"/>
               </a:solidFill>
-              <a:ln>
-                <a:noFill/>
-              </a:ln>
-            </p:spPr>
-            <p:style>
-              <a:lnRef idx="2">
-                <a:schemeClr val="accent1">
-                  <a:shade val="50000"/>
-                </a:schemeClr>
-              </a:lnRef>
-              <a:fillRef idx="1">
-                <a:schemeClr val="accent1"/>
-              </a:fillRef>
-              <a:effectRef idx="0">
-                <a:schemeClr val="accent1"/>
-              </a:effectRef>
-              <a:fontRef idx="minor">
-                <a:schemeClr val="lt1"/>
-              </a:fontRef>
-            </p:style>
-            <p:txBody>
-              <a:bodyPr rtlCol="0" anchor="ctr"/>
-              <a:lstStyle/>
-              <a:p>
-                <a:pPr algn="ctr"/>
-                <a:r>
-                  <a:rPr lang="en-US" sz="1200" dirty="0">
-                    <a:solidFill>
-                      <a:schemeClr val="tx1"/>
-                    </a:solidFill>
-                    <a:latin typeface="DejaVu Sans" panose="020B0603030804020204" pitchFamily="34" charset="0"/>
-                    <a:ea typeface="DejaVu Sans" panose="020B0603030804020204" pitchFamily="34" charset="0"/>
-                    <a:cs typeface="DejaVu Sans" panose="020B0603030804020204" pitchFamily="34" charset="0"/>
-                  </a:rPr>
-                  <a:t>Conv</a:t>
-                </a:r>
-              </a:p>
-            </p:txBody>
-          </p:sp>
-          <p:sp>
-            <p:nvSpPr>
-              <p:cNvPr id="160" name="Rectangle 159">
-                <a:extLst>
-                  <a:ext uri="{FF2B5EF4-FFF2-40B4-BE49-F238E27FC236}">
-                    <a16:creationId xmlns:a16="http://schemas.microsoft.com/office/drawing/2014/main" id="{412B3B58-BAB7-42A6-9067-82BA4DE65CCF}"/>
-                  </a:ext>
-                </a:extLst>
-              </p:cNvPr>
-              <p:cNvSpPr/>
-              <p:nvPr/>
-            </p:nvSpPr>
-            <p:spPr>
-              <a:xfrm rot="16200000">
-                <a:off x="7195004" y="4970175"/>
-                <a:ext cx="1556548" cy="174103"/>
-              </a:xfrm>
-              <a:prstGeom prst="rect">
-                <a:avLst/>
-              </a:prstGeom>
-              <a:solidFill>
-                <a:srgbClr val="00FFFF"/>
-              </a:solidFill>
-              <a:ln>
-                <a:noFill/>
-              </a:ln>
-            </p:spPr>
-            <p:style>
-              <a:lnRef idx="2">
-                <a:schemeClr val="accent1">
-                  <a:shade val="50000"/>
-                </a:schemeClr>
-              </a:lnRef>
-              <a:fillRef idx="1">
-                <a:schemeClr val="accent1"/>
-              </a:fillRef>
-              <a:effectRef idx="0">
-                <a:schemeClr val="accent1"/>
-              </a:effectRef>
-              <a:fontRef idx="minor">
-                <a:schemeClr val="lt1"/>
-              </a:fontRef>
-            </p:style>
-            <p:txBody>
-              <a:bodyPr rtlCol="0" anchor="ctr"/>
-              <a:lstStyle/>
-              <a:p>
-                <a:pPr algn="ctr"/>
-                <a:r>
-                  <a:rPr lang="en-US" sz="1200" dirty="0">
-                    <a:solidFill>
-                      <a:schemeClr val="tx1"/>
-                    </a:solidFill>
-                    <a:latin typeface="DejaVu Sans" panose="020B0603030804020204" pitchFamily="34" charset="0"/>
-                    <a:ea typeface="DejaVu Sans" panose="020B0603030804020204" pitchFamily="34" charset="0"/>
-                    <a:cs typeface="DejaVu Sans" panose="020B0603030804020204" pitchFamily="34" charset="0"/>
-                  </a:rPr>
-                  <a:t>ReLU</a:t>
-                </a:r>
-              </a:p>
-            </p:txBody>
-          </p:sp>
-          <p:pic>
-            <p:nvPicPr>
-              <p:cNvPr id="161" name="Picture 160" descr="\documentclass{article}&#10;\usepackage{amsmath, amssymb, amsthm}&#10;\usepackage{xcolor}&#10;\pagestyle{empty}&#10;\begin{document}&#10;\setlength\parindent{0pt}&#10;&#10;\newcommand{\argmin}{\operatornamewithlimits{argmin}}&#10;\newcommand{\argmax}{\operatornamewithlimits{argmax}}&#10;\newcommand{\rtwo}{\mathbb{R}^2}&#10;\newcommand{\rone}{\mathbb{R}}&#10;\newcommand{\ex}{\mathbb{E}}&#10;\newcommand{\normal}{\mathcal{N}}&#10;\newcommand{\vor}{\mathcal{V}}&#10;\newcommand{\st}{\mid}&#10;\newcommand{\set}[1]{\left\{#1\right\}}&#10;\newcommand{\norm}[1]{\left\lVert #1\right\rVert}&#10;\newcommand{\rt}{\rightarrow}&#10;&#10;$k$&#10;&#10;\end{document}" title="IguanaTex Bitmap Display">
-                <a:extLst>
-                  <a:ext uri="{FF2B5EF4-FFF2-40B4-BE49-F238E27FC236}">
-                    <a16:creationId xmlns:a16="http://schemas.microsoft.com/office/drawing/2014/main" id="{3AFC9295-41E8-49B1-A31C-0FBCF6FF576C}"/>
-                  </a:ext>
-                </a:extLst>
-              </p:cNvPr>
-              <p:cNvPicPr>
-                <a:picLocks noChangeAspect="1"/>
-              </p:cNvPicPr>
-              <p:nvPr>
-                <p:custDataLst>
-                  <p:tags r:id="rId2"/>
-                </p:custDataLst>
-              </p:nvPr>
-            </p:nvPicPr>
-            <p:blipFill>
-              <a:blip r:embed="rId33">
-                <a:extLst>
-                  <a:ext uri="{28A0092B-C50C-407E-A947-70E740481C1C}">
-                    <a14:useLocalDpi xmlns:a14="http://schemas.microsoft.com/office/drawing/2010/main" val="0"/>
-                  </a:ext>
-                </a:extLst>
-              </a:blip>
-              <a:stretch>
-                <a:fillRect/>
-              </a:stretch>
-            </p:blipFill>
-            <p:spPr>
-              <a:xfrm>
-                <a:off x="7666688" y="5946066"/>
-                <a:ext cx="91453" cy="142667"/>
-              </a:xfrm>
-              <a:prstGeom prst="rect">
-                <a:avLst/>
-              </a:prstGeom>
-            </p:spPr>
-          </p:pic>
-          <p:cxnSp>
-            <p:nvCxnSpPr>
-              <p:cNvPr id="162" name="Straight Arrow Connector 161">
-                <a:extLst>
-                  <a:ext uri="{FF2B5EF4-FFF2-40B4-BE49-F238E27FC236}">
-                    <a16:creationId xmlns:a16="http://schemas.microsoft.com/office/drawing/2014/main" id="{1E75FF6D-0A60-4742-B047-F5707FB87307}"/>
-                  </a:ext>
-                </a:extLst>
-              </p:cNvPr>
-              <p:cNvCxnSpPr>
-                <a:cxnSpLocks/>
-              </p:cNvCxnSpPr>
-              <p:nvPr/>
-            </p:nvCxnSpPr>
-            <p:spPr>
-              <a:xfrm>
-                <a:off x="6348168" y="5057220"/>
-                <a:ext cx="437486" cy="0"/>
-              </a:xfrm>
-              <a:prstGeom prst="straightConnector1">
-                <a:avLst/>
-              </a:prstGeom>
-              <a:ln w="38100">
-                <a:solidFill>
-                  <a:schemeClr val="tx1"/>
-                </a:solidFill>
-                <a:tailEnd type="triangle"/>
-              </a:ln>
-            </p:spPr>
-            <p:style>
-              <a:lnRef idx="1">
-                <a:schemeClr val="accent1"/>
-              </a:lnRef>
-              <a:fillRef idx="0">
-                <a:schemeClr val="accent1"/>
-              </a:fillRef>
-              <a:effectRef idx="0">
-                <a:schemeClr val="accent1"/>
-              </a:effectRef>
-              <a:fontRef idx="minor">
-                <a:schemeClr val="tx1"/>
-              </a:fontRef>
-            </p:style>
-          </p:cxnSp>
-          <p:cxnSp>
-            <p:nvCxnSpPr>
-              <p:cNvPr id="163" name="Straight Arrow Connector 162">
-                <a:extLst>
-                  <a:ext uri="{FF2B5EF4-FFF2-40B4-BE49-F238E27FC236}">
-                    <a16:creationId xmlns:a16="http://schemas.microsoft.com/office/drawing/2014/main" id="{AF5A9D03-99C5-4ED3-8764-B34EA18372C6}"/>
-                  </a:ext>
-                </a:extLst>
-              </p:cNvPr>
-              <p:cNvCxnSpPr/>
-              <p:nvPr/>
-            </p:nvCxnSpPr>
-            <p:spPr>
-              <a:xfrm flipV="1">
-                <a:off x="4518714" y="5057222"/>
-                <a:ext cx="158276" cy="1"/>
-              </a:xfrm>
-              <a:prstGeom prst="straightConnector1">
-                <a:avLst/>
-              </a:prstGeom>
-              <a:ln w="38100">
-                <a:solidFill>
-                  <a:schemeClr val="tx1"/>
-                </a:solidFill>
-                <a:tailEnd type="triangle"/>
-              </a:ln>
-            </p:spPr>
-            <p:style>
-              <a:lnRef idx="1">
-                <a:schemeClr val="accent1"/>
-              </a:lnRef>
-              <a:fillRef idx="0">
-                <a:schemeClr val="accent1"/>
-              </a:fillRef>
-              <a:effectRef idx="0">
-                <a:schemeClr val="accent1"/>
-              </a:effectRef>
-              <a:fontRef idx="minor">
-                <a:schemeClr val="tx1"/>
-              </a:fontRef>
-            </p:style>
-          </p:cxnSp>
-          <p:cxnSp>
-            <p:nvCxnSpPr>
-              <p:cNvPr id="164" name="Straight Arrow Connector 163">
-                <a:extLst>
-                  <a:ext uri="{FF2B5EF4-FFF2-40B4-BE49-F238E27FC236}">
-                    <a16:creationId xmlns:a16="http://schemas.microsoft.com/office/drawing/2014/main" id="{488E17F2-1B89-4E96-A63F-589489DCA483}"/>
-                  </a:ext>
-                </a:extLst>
-              </p:cNvPr>
-              <p:cNvCxnSpPr>
-                <a:cxnSpLocks/>
-              </p:cNvCxnSpPr>
-              <p:nvPr/>
-            </p:nvCxnSpPr>
-            <p:spPr>
-              <a:xfrm>
-                <a:off x="7108449" y="5057220"/>
-                <a:ext cx="437486" cy="0"/>
-              </a:xfrm>
-              <a:prstGeom prst="straightConnector1">
-                <a:avLst/>
-              </a:prstGeom>
-              <a:ln w="38100">
-                <a:solidFill>
-                  <a:schemeClr val="tx1"/>
-                </a:solidFill>
-                <a:tailEnd type="triangle"/>
-              </a:ln>
-            </p:spPr>
-            <p:style>
-              <a:lnRef idx="1">
-                <a:schemeClr val="accent1"/>
-              </a:lnRef>
-              <a:fillRef idx="0">
-                <a:schemeClr val="accent1"/>
-              </a:fillRef>
-              <a:effectRef idx="0">
-                <a:schemeClr val="accent1"/>
-              </a:effectRef>
-              <a:fontRef idx="minor">
-                <a:schemeClr val="tx1"/>
-              </a:fontRef>
-            </p:style>
-          </p:cxnSp>
-          <p:pic>
-            <p:nvPicPr>
-              <p:cNvPr id="165" name="Picture 164" descr="\documentclass{article}&#10;\usepackage{amsmath, amssymb, amsthm}&#10;\usepackage{xcolor}&#10;\pagestyle{empty}&#10;\begin{document}&#10;\setlength\parindent{0pt}&#10;&#10;\newcommand{\argmin}{\operatornamewithlimits{argmin}}&#10;\newcommand{\argmax}{\operatornamewithlimits{argmax}}&#10;\newcommand{\rtwo}{\mathbb{R}^2}&#10;\newcommand{\rone}{\mathbb{R}}&#10;\newcommand{\ex}{\mathbb{E}}&#10;\newcommand{\normal}{\mathcal{N}}&#10;\newcommand{\vor}{\mathcal{V}}&#10;\newcommand{\st}{\mid}&#10;\newcommand{\set}[1]{\left\{#1\right\}}&#10;\newcommand{\norm}[1]{\left\lVert #1\right\rVert}&#10;\newcommand{\rt}{\rightarrow}&#10;&#10;$k$&#10;&#10;\end{document}" title="IguanaTex Bitmap Display">
-                <a:extLst>
-                  <a:ext uri="{FF2B5EF4-FFF2-40B4-BE49-F238E27FC236}">
-                    <a16:creationId xmlns:a16="http://schemas.microsoft.com/office/drawing/2014/main" id="{57E21907-4382-48E6-BA7A-2CE95055998D}"/>
-                  </a:ext>
-                </a:extLst>
-              </p:cNvPr>
-              <p:cNvPicPr>
-                <a:picLocks noChangeAspect="1"/>
-              </p:cNvPicPr>
-              <p:nvPr>
-                <p:custDataLst>
-                  <p:tags r:id="rId3"/>
-                </p:custDataLst>
-              </p:nvPr>
-            </p:nvPicPr>
-            <p:blipFill>
-              <a:blip r:embed="rId33">
-                <a:extLst>
-                  <a:ext uri="{28A0092B-C50C-407E-A947-70E740481C1C}">
-                    <a14:useLocalDpi xmlns:a14="http://schemas.microsoft.com/office/drawing/2010/main" val="0"/>
-                  </a:ext>
-                </a:extLst>
-              </a:blip>
-              <a:stretch>
-                <a:fillRect/>
-              </a:stretch>
-            </p:blipFill>
-            <p:spPr>
-              <a:xfrm>
-                <a:off x="5946542" y="5946066"/>
-                <a:ext cx="91453" cy="142667"/>
-              </a:xfrm>
-              <a:prstGeom prst="rect">
-                <a:avLst/>
-              </a:prstGeom>
-            </p:spPr>
-          </p:pic>
-          <p:cxnSp>
-            <p:nvCxnSpPr>
-              <p:cNvPr id="166" name="Straight Arrow Connector 165">
-                <a:extLst>
-                  <a:ext uri="{FF2B5EF4-FFF2-40B4-BE49-F238E27FC236}">
-                    <a16:creationId xmlns:a16="http://schemas.microsoft.com/office/drawing/2014/main" id="{2F7B8CCE-11FC-4E71-95DB-5E6E1FDF896F}"/>
-                  </a:ext>
-                </a:extLst>
-              </p:cNvPr>
-              <p:cNvCxnSpPr>
-                <a:cxnSpLocks/>
-              </p:cNvCxnSpPr>
-              <p:nvPr/>
-            </p:nvCxnSpPr>
-            <p:spPr>
-              <a:xfrm>
-                <a:off x="8060330" y="5057220"/>
-                <a:ext cx="437486" cy="0"/>
-              </a:xfrm>
-              <a:prstGeom prst="straightConnector1">
-                <a:avLst/>
-              </a:prstGeom>
-              <a:ln w="38100">
-                <a:solidFill>
-                  <a:schemeClr val="tx1"/>
-                </a:solidFill>
-                <a:tailEnd type="triangle"/>
-              </a:ln>
-            </p:spPr>
-            <p:style>
-              <a:lnRef idx="1">
-                <a:schemeClr val="accent1"/>
-              </a:lnRef>
-              <a:fillRef idx="0">
-                <a:schemeClr val="accent1"/>
-              </a:fillRef>
-              <a:effectRef idx="0">
-                <a:schemeClr val="accent1"/>
-              </a:effectRef>
-              <a:fontRef idx="minor">
-                <a:schemeClr val="tx1"/>
-              </a:fontRef>
-            </p:style>
-          </p:cxnSp>
-          <p:cxnSp>
-            <p:nvCxnSpPr>
-              <p:cNvPr id="167" name="Straight Arrow Connector 166">
-                <a:extLst>
-                  <a:ext uri="{FF2B5EF4-FFF2-40B4-BE49-F238E27FC236}">
-                    <a16:creationId xmlns:a16="http://schemas.microsoft.com/office/drawing/2014/main" id="{9FF39B85-4366-4192-B69B-1BF7CAC432C4}"/>
-                  </a:ext>
-                </a:extLst>
-              </p:cNvPr>
-              <p:cNvCxnSpPr>
-                <a:cxnSpLocks/>
-              </p:cNvCxnSpPr>
-              <p:nvPr/>
-            </p:nvCxnSpPr>
-            <p:spPr>
-              <a:xfrm>
-                <a:off x="3599967" y="5057220"/>
-                <a:ext cx="437486" cy="0"/>
-              </a:xfrm>
-              <a:prstGeom prst="straightConnector1">
-                <a:avLst/>
-              </a:prstGeom>
-              <a:ln w="38100">
-                <a:solidFill>
-                  <a:schemeClr val="tx1"/>
-                </a:solidFill>
-                <a:tailEnd type="triangle"/>
-              </a:ln>
-            </p:spPr>
-            <p:style>
-              <a:lnRef idx="1">
-                <a:schemeClr val="accent1"/>
-              </a:lnRef>
-              <a:fillRef idx="0">
-                <a:schemeClr val="accent1"/>
-              </a:fillRef>
-              <a:effectRef idx="0">
-                <a:schemeClr val="accent1"/>
-              </a:effectRef>
-              <a:fontRef idx="minor">
-                <a:schemeClr val="tx1"/>
-              </a:fontRef>
-            </p:style>
-          </p:cxnSp>
-        </p:grpSp>
+              <a:tailEnd type="triangle"/>
+            </a:ln>
+          </p:spPr>
+          <p:style>
+            <a:lnRef idx="1">
+              <a:schemeClr val="accent1"/>
+            </a:lnRef>
+            <a:fillRef idx="0">
+              <a:schemeClr val="accent1"/>
+            </a:fillRef>
+            <a:effectRef idx="0">
+              <a:schemeClr val="accent1"/>
+            </a:effectRef>
+            <a:fontRef idx="minor">
+              <a:schemeClr val="tx1"/>
+            </a:fontRef>
+          </p:style>
+        </p:cxnSp>
       </p:grpSp>
     </p:spTree>
     <p:extLst>
@@ -15467,11 +15257,11 @@
 <file path=ppt/tags/tag26.xml><?xml version="1.0" encoding="utf-8"?>
 <p:tagLst xmlns:a="http://schemas.openxmlformats.org/drawingml/2006/main" xmlns:r="http://schemas.openxmlformats.org/officeDocument/2006/relationships" xmlns:p="http://schemas.openxmlformats.org/presentationml/2006/main">
   <p:tag name="OUTPUTDPI" val="1200"/>
-  <p:tag name="ORIGINALHEIGHT" val="87.76228"/>
-  <p:tag name="ORIGINALWIDTH" val="56.25787"/>
-  <p:tag name="LATEXADDIN" val="\documentclass{article}&#10;\usepackage{amsmath, amssymb, amsthm}&#10;\usepackage{xcolor}&#10;\pagestyle{empty}&#10;\begin{document}&#10;\setlength\parindent{0pt}&#10;&#10;\newcommand{\argmin}{\operatornamewithlimits{argmin}}&#10;\newcommand{\argmax}{\operatornamewithlimits{argmax}}&#10;\newcommand{\rtwo}{\mathbb{R}^2}&#10;\newcommand{\rone}{\mathbb{R}}&#10;\newcommand{\ex}{\mathbb{E}}&#10;\newcommand{\normal}{\mathcal{N}}&#10;\newcommand{\vor}{\mathcal{V}}&#10;\newcommand{\st}{\mid}&#10;\newcommand{\set}[1]{\left\{#1\right\}}&#10;\newcommand{\norm}[1]{\left\lVert #1\right\rVert}&#10;\newcommand{\rt}{\rightarrow}&#10;&#10;$k$&#10;&#10;\end{document}"/>
+  <p:tag name="ORIGINALHEIGHT" val="89.26244"/>
+  <p:tag name="ORIGINALWIDTH" val="48.75677"/>
+  <p:tag name="LATEXADDIN" val="\documentclass{article}&#10;\usepackage{amsmath, amssymb, amsthm}&#10;\usepackage{xcolor}&#10;\pagestyle{empty}&#10;\begin{document}&#10;\setlength\parindent{0pt}&#10;&#10;\newcommand{\argmin}{\operatornamewithlimits{argmin}}&#10;\newcommand{\argmax}{\operatornamewithlimits{argmax}}&#10;\newcommand{\rtwo}{\mathbb{R}^2}&#10;\newcommand{\rone}{\mathbb{R}}&#10;\newcommand{\ex}{\mathbb{E}}&#10;\newcommand{\normal}{\mathcal{N}}&#10;\newcommand{\vor}{\mathcal{V}}&#10;\newcommand{\st}{\mid}&#10;\newcommand{\set}[1]{\left\{#1\right\}}&#10;\newcommand{\norm}[1]{\left\lVert #1\right\rVert}&#10;\newcommand{\rt}{\rightarrow}&#10;&#10;$\ell$&#10;&#10;\end{document}"/>
   <p:tag name="IGUANATEXSIZE" val="16"/>
-  <p:tag name="IGUANATEXCURSOR" val="556"/>
+  <p:tag name="IGUANATEXCURSOR" val="559"/>
   <p:tag name="TRANSPARENCY" val="True"/>
   <p:tag name="LATEXENGINEID" val="1"/>
   <p:tag name="TEMPFOLDER" val="c:\temp\"/>
@@ -15485,11 +15275,11 @@
 <file path=ppt/tags/tag27.xml><?xml version="1.0" encoding="utf-8"?>
 <p:tagLst xmlns:a="http://schemas.openxmlformats.org/drawingml/2006/main" xmlns:r="http://schemas.openxmlformats.org/officeDocument/2006/relationships" xmlns:p="http://schemas.openxmlformats.org/presentationml/2006/main">
   <p:tag name="OUTPUTDPI" val="1200"/>
-  <p:tag name="ORIGINALHEIGHT" val="87.76228"/>
-  <p:tag name="ORIGINALWIDTH" val="56.25787"/>
-  <p:tag name="LATEXADDIN" val="\documentclass{article}&#10;\usepackage{amsmath, amssymb, amsthm}&#10;\usepackage{xcolor}&#10;\pagestyle{empty}&#10;\begin{document}&#10;\setlength\parindent{0pt}&#10;&#10;\newcommand{\argmin}{\operatornamewithlimits{argmin}}&#10;\newcommand{\argmax}{\operatornamewithlimits{argmax}}&#10;\newcommand{\rtwo}{\mathbb{R}^2}&#10;\newcommand{\rone}{\mathbb{R}}&#10;\newcommand{\ex}{\mathbb{E}}&#10;\newcommand{\normal}{\mathcal{N}}&#10;\newcommand{\vor}{\mathcal{V}}&#10;\newcommand{\st}{\mid}&#10;\newcommand{\set}[1]{\left\{#1\right\}}&#10;\newcommand{\norm}[1]{\left\lVert #1\right\rVert}&#10;\newcommand{\rt}{\rightarrow}&#10;&#10;$k$&#10;&#10;\end{document}"/>
+  <p:tag name="ORIGINALHEIGHT" val="105.0146"/>
+  <p:tag name="ORIGINALWIDTH" val="99.76394"/>
+  <p:tag name="LATEXADDIN" val="\documentclass{article}&#10;\usepackage{amsmath, amssymb, amsthm}&#10;\usepackage{xcolor}&#10;\pagestyle{empty}&#10;\begin{document}&#10;\setlength\parindent{0pt}&#10;&#10;\newcommand{\argmin}{\operatornamewithlimits{argmin}}&#10;\newcommand{\argmax}{\operatornamewithlimits{argmax}}&#10;\newcommand{\rtwo}{\mathbb{R}^2}&#10;\newcommand{\rone}{\mathbb{R}}&#10;\newcommand{\ex}{\mathbb{E}}&#10;\newcommand{\normal}{\mathcal{N}}&#10;\newcommand{\vor}{\mathcal{V}}&#10;\newcommand{\st}{\mid}&#10;\newcommand{\set}[1]{\left\{#1\right\}}&#10;\newcommand{\norm}[1]{\left\lVert #1\right\rVert}&#10;\newcommand{\rt}{\rightarrow}&#10;&#10;$k_1$&#10;&#10;\end{document}"/>
   <p:tag name="IGUANATEXSIZE" val="16"/>
-  <p:tag name="IGUANATEXCURSOR" val="556"/>
+  <p:tag name="IGUANATEXCURSOR" val="558"/>
   <p:tag name="TRANSPARENCY" val="True"/>
   <p:tag name="LATEXENGINEID" val="1"/>
   <p:tag name="TEMPFOLDER" val="c:\temp\"/>
@@ -15503,11 +15293,11 @@
 <file path=ppt/tags/tag28.xml><?xml version="1.0" encoding="utf-8"?>
 <p:tagLst xmlns:a="http://schemas.openxmlformats.org/drawingml/2006/main" xmlns:r="http://schemas.openxmlformats.org/officeDocument/2006/relationships" xmlns:p="http://schemas.openxmlformats.org/presentationml/2006/main">
   <p:tag name="OUTPUTDPI" val="1200"/>
-  <p:tag name="ORIGINALHEIGHT" val="87.76228"/>
-  <p:tag name="ORIGINALWIDTH" val="56.25787"/>
-  <p:tag name="LATEXADDIN" val="\documentclass{article}&#10;\usepackage{amsmath, amssymb, amsthm}&#10;\usepackage{xcolor}&#10;\pagestyle{empty}&#10;\begin{document}&#10;\setlength\parindent{0pt}&#10;&#10;\newcommand{\argmin}{\operatornamewithlimits{argmin}}&#10;\newcommand{\argmax}{\operatornamewithlimits{argmax}}&#10;\newcommand{\rtwo}{\mathbb{R}^2}&#10;\newcommand{\rone}{\mathbb{R}}&#10;\newcommand{\ex}{\mathbb{E}}&#10;\newcommand{\normal}{\mathcal{N}}&#10;\newcommand{\vor}{\mathcal{V}}&#10;\newcommand{\st}{\mid}&#10;\newcommand{\set}[1]{\left\{#1\right\}}&#10;\newcommand{\norm}[1]{\left\lVert #1\right\rVert}&#10;\newcommand{\rt}{\rightarrow}&#10;&#10;$k$&#10;&#10;\end{document}"/>
+  <p:tag name="ORIGINALHEIGHT" val="105.0146"/>
+  <p:tag name="ORIGINALWIDTH" val="99.76394"/>
+  <p:tag name="LATEXADDIN" val="\documentclass{article}&#10;\usepackage{amsmath, amssymb, amsthm}&#10;\usepackage{xcolor}&#10;\pagestyle{empty}&#10;\begin{document}&#10;\setlength\parindent{0pt}&#10;&#10;\newcommand{\argmin}{\operatornamewithlimits{argmin}}&#10;\newcommand{\argmax}{\operatornamewithlimits{argmax}}&#10;\newcommand{\rtwo}{\mathbb{R}^2}&#10;\newcommand{\rone}{\mathbb{R}}&#10;\newcommand{\ex}{\mathbb{E}}&#10;\newcommand{\normal}{\mathcal{N}}&#10;\newcommand{\vor}{\mathcal{V}}&#10;\newcommand{\st}{\mid}&#10;\newcommand{\set}[1]{\left\{#1\right\}}&#10;\newcommand{\norm}[1]{\left\lVert #1\right\rVert}&#10;\newcommand{\rt}{\rightarrow}&#10;&#10;$k_1$&#10;&#10;\end{document}"/>
   <p:tag name="IGUANATEXSIZE" val="16"/>
-  <p:tag name="IGUANATEXCURSOR" val="556"/>
+  <p:tag name="IGUANATEXCURSOR" val="558"/>
   <p:tag name="TRANSPARENCY" val="True"/>
   <p:tag name="LATEXENGINEID" val="1"/>
   <p:tag name="TEMPFOLDER" val="c:\temp\"/>
@@ -15521,11 +15311,11 @@
 <file path=ppt/tags/tag29.xml><?xml version="1.0" encoding="utf-8"?>
 <p:tagLst xmlns:a="http://schemas.openxmlformats.org/drawingml/2006/main" xmlns:r="http://schemas.openxmlformats.org/officeDocument/2006/relationships" xmlns:p="http://schemas.openxmlformats.org/presentationml/2006/main">
   <p:tag name="OUTPUTDPI" val="1200"/>
-  <p:tag name="ORIGINALHEIGHT" val="87.76228"/>
-  <p:tag name="ORIGINALWIDTH" val="59.25827"/>
-  <p:tag name="LATEXADDIN" val="\documentclass{article}&#10;\usepackage{amsmath, amssymb, amsthm}&#10;\usepackage{xcolor}&#10;\pagestyle{empty}&#10;\begin{document}&#10;\setlength\parindent{0pt}&#10;&#10;\newcommand{\argmin}{\operatornamewithlimits{argmin}}&#10;\newcommand{\argmax}{\operatornamewithlimits{argmax}}&#10;\newcommand{\rtwo}{\mathbb{R}^2}&#10;\newcommand{\rone}{\mathbb{R}}&#10;\newcommand{\ex}{\mathbb{E}}&#10;\newcommand{\normal}{\mathcal{N}}&#10;\newcommand{\vor}{\mathcal{V}}&#10;\newcommand{\st}{\mid}&#10;\newcommand{\set}[1]{\left\{#1\right\}}&#10;\newcommand{\norm}[1]{\left\lVert #1\right\rVert}&#10;\newcommand{\rt}{\rightarrow}&#10;&#10;$d$&#10;&#10;\end{document}"/>
+  <p:tag name="ORIGINALHEIGHT" val="105.0146"/>
+  <p:tag name="ORIGINALWIDTH" val="102.0143"/>
+  <p:tag name="LATEXADDIN" val="\documentclass{article}&#10;\usepackage{amsmath, amssymb, amsthm}&#10;\usepackage{xcolor}&#10;\pagestyle{empty}&#10;\begin{document}&#10;\setlength\parindent{0pt}&#10;&#10;\newcommand{\argmin}{\operatornamewithlimits{argmin}}&#10;\newcommand{\argmax}{\operatornamewithlimits{argmax}}&#10;\newcommand{\rtwo}{\mathbb{R}^2}&#10;\newcommand{\rone}{\mathbb{R}}&#10;\newcommand{\ex}{\mathbb{E}}&#10;\newcommand{\normal}{\mathcal{N}}&#10;\newcommand{\vor}{\mathcal{V}}&#10;\newcommand{\st}{\mid}&#10;\newcommand{\set}[1]{\left\{#1\right\}}&#10;\newcommand{\norm}[1]{\left\lVert #1\right\rVert}&#10;\newcommand{\rt}{\rightarrow}&#10;&#10;$k_2$&#10;&#10;\end{document}"/>
   <p:tag name="IGUANATEXSIZE" val="16"/>
-  <p:tag name="IGUANATEXCURSOR" val="556"/>
+  <p:tag name="IGUANATEXCURSOR" val="558"/>
   <p:tag name="TRANSPARENCY" val="True"/>
   <p:tag name="LATEXENGINEID" val="1"/>
   <p:tag name="TEMPFOLDER" val="c:\temp\"/>
@@ -15557,11 +15347,11 @@
 <file path=ppt/tags/tag30.xml><?xml version="1.0" encoding="utf-8"?>
 <p:tagLst xmlns:a="http://schemas.openxmlformats.org/drawingml/2006/main" xmlns:r="http://schemas.openxmlformats.org/officeDocument/2006/relationships" xmlns:p="http://schemas.openxmlformats.org/presentationml/2006/main">
   <p:tag name="OUTPUTDPI" val="1200"/>
-  <p:tag name="ORIGINALHEIGHT" val="89.26244"/>
-  <p:tag name="ORIGINALWIDTH" val="258.7861"/>
-  <p:tag name="LATEXADDIN" val="\documentclass{article}&#10;\usepackage{amsmath, amssymb, amsthm}&#10;\usepackage{xcolor}&#10;\pagestyle{empty}&#10;\begin{document}&#10;\setlength\parindent{0pt}&#10;&#10;\newcommand{\argmin}{\operatornamewithlimits{argmin}}&#10;\newcommand{\argmax}{\operatornamewithlimits{argmax}}&#10;\newcommand{\rtwo}{\mathbb{R}^2}&#10;\newcommand{\rone}{\mathbb{R}}&#10;\newcommand{\ex}{\mathbb{E}}&#10;\newcommand{\normal}{\mathcal{N}}&#10;\newcommand{\vor}{\mathcal{V}}&#10;\newcommand{\st}{\mid}&#10;\newcommand{\set}[1]{\left\{#1\right\}}&#10;\newcommand{\norm}[1]{\left\lVert #1\right\rVert}&#10;\newcommand{\rt}{\rightarrow}&#10;&#10;$\ell-2$&#10;&#10;\end{document}"/>
+  <p:tag name="ORIGINALHEIGHT" val="105.0146"/>
+  <p:tag name="ORIGINALWIDTH" val="102.0143"/>
+  <p:tag name="LATEXADDIN" val="\documentclass{article}&#10;\usepackage{amsmath, amssymb, amsthm}&#10;\usepackage{xcolor}&#10;\pagestyle{empty}&#10;\begin{document}&#10;\setlength\parindent{0pt}&#10;&#10;\newcommand{\argmin}{\operatornamewithlimits{argmin}}&#10;\newcommand{\argmax}{\operatornamewithlimits{argmax}}&#10;\newcommand{\rtwo}{\mathbb{R}^2}&#10;\newcommand{\rone}{\mathbb{R}}&#10;\newcommand{\ex}{\mathbb{E}}&#10;\newcommand{\normal}{\mathcal{N}}&#10;\newcommand{\vor}{\mathcal{V}}&#10;\newcommand{\st}{\mid}&#10;\newcommand{\set}[1]{\left\{#1\right\}}&#10;\newcommand{\norm}[1]{\left\lVert #1\right\rVert}&#10;\newcommand{\rt}{\rightarrow}&#10;&#10;$k_2$&#10;&#10;\end{document}"/>
   <p:tag name="IGUANATEXSIZE" val="16"/>
-  <p:tag name="IGUANATEXCURSOR" val="561"/>
+  <p:tag name="IGUANATEXCURSOR" val="558"/>
   <p:tag name="TRANSPARENCY" val="True"/>
   <p:tag name="LATEXENGINEID" val="1"/>
   <p:tag name="TEMPFOLDER" val="c:\temp\"/>
@@ -15573,6 +15363,96 @@
 </file>
 
 <file path=ppt/tags/tag31.xml><?xml version="1.0" encoding="utf-8"?>
+<p:tagLst xmlns:a="http://schemas.openxmlformats.org/drawingml/2006/main" xmlns:r="http://schemas.openxmlformats.org/officeDocument/2006/relationships" xmlns:p="http://schemas.openxmlformats.org/presentationml/2006/main">
+  <p:tag name="OUTPUTDPI" val="1200"/>
+  <p:tag name="ORIGINALHEIGHT" val="105.0146"/>
+  <p:tag name="ORIGINALWIDTH" val="102.0143"/>
+  <p:tag name="LATEXADDIN" val="\documentclass{article}&#10;\usepackage{amsmath, amssymb, amsthm}&#10;\usepackage{xcolor}&#10;\pagestyle{empty}&#10;\begin{document}&#10;\setlength\parindent{0pt}&#10;&#10;\newcommand{\argmin}{\operatornamewithlimits{argmin}}&#10;\newcommand{\argmax}{\operatornamewithlimits{argmax}}&#10;\newcommand{\rtwo}{\mathbb{R}^2}&#10;\newcommand{\rone}{\mathbb{R}}&#10;\newcommand{\ex}{\mathbb{E}}&#10;\newcommand{\normal}{\mathcal{N}}&#10;\newcommand{\vor}{\mathcal{V}}&#10;\newcommand{\st}{\mid}&#10;\newcommand{\set}[1]{\left\{#1\right\}}&#10;\newcommand{\norm}[1]{\left\lVert #1\right\rVert}&#10;\newcommand{\rt}{\rightarrow}&#10;&#10;$k_2$&#10;&#10;\end{document}"/>
+  <p:tag name="IGUANATEXSIZE" val="16"/>
+  <p:tag name="IGUANATEXCURSOR" val="558"/>
+  <p:tag name="TRANSPARENCY" val="True"/>
+  <p:tag name="LATEXENGINEID" val="1"/>
+  <p:tag name="TEMPFOLDER" val="c:\temp\"/>
+  <p:tag name="LATEXFORMHEIGHT" val="424"/>
+  <p:tag name="LATEXFORMWIDTH" val="384"/>
+  <p:tag name="LATEXFORMWRAP" val="True"/>
+  <p:tag name="BITMAPVECTOR" val="0"/>
+</p:tagLst>
+</file>
+
+<file path=ppt/tags/tag32.xml><?xml version="1.0" encoding="utf-8"?>
+<p:tagLst xmlns:a="http://schemas.openxmlformats.org/drawingml/2006/main" xmlns:r="http://schemas.openxmlformats.org/officeDocument/2006/relationships" xmlns:p="http://schemas.openxmlformats.org/presentationml/2006/main">
+  <p:tag name="OUTPUTDPI" val="1200"/>
+  <p:tag name="ORIGINALHEIGHT" val="105.0146"/>
+  <p:tag name="ORIGINALWIDTH" val="102.0143"/>
+  <p:tag name="LATEXADDIN" val="\documentclass{article}&#10;\usepackage{amsmath, amssymb, amsthm}&#10;\usepackage{xcolor}&#10;\pagestyle{empty}&#10;\begin{document}&#10;\setlength\parindent{0pt}&#10;&#10;\newcommand{\argmin}{\operatornamewithlimits{argmin}}&#10;\newcommand{\argmax}{\operatornamewithlimits{argmax}}&#10;\newcommand{\rtwo}{\mathbb{R}^2}&#10;\newcommand{\rone}{\mathbb{R}}&#10;\newcommand{\ex}{\mathbb{E}}&#10;\newcommand{\normal}{\mathcal{N}}&#10;\newcommand{\vor}{\mathcal{V}}&#10;\newcommand{\st}{\mid}&#10;\newcommand{\set}[1]{\left\{#1\right\}}&#10;\newcommand{\norm}[1]{\left\lVert #1\right\rVert}&#10;\newcommand{\rt}{\rightarrow}&#10;&#10;$k_2$&#10;&#10;\end{document}"/>
+  <p:tag name="IGUANATEXSIZE" val="16"/>
+  <p:tag name="IGUANATEXCURSOR" val="558"/>
+  <p:tag name="TRANSPARENCY" val="True"/>
+  <p:tag name="LATEXENGINEID" val="1"/>
+  <p:tag name="TEMPFOLDER" val="c:\temp\"/>
+  <p:tag name="LATEXFORMHEIGHT" val="424"/>
+  <p:tag name="LATEXFORMWIDTH" val="384"/>
+  <p:tag name="LATEXFORMWRAP" val="True"/>
+  <p:tag name="BITMAPVECTOR" val="0"/>
+</p:tagLst>
+</file>
+
+<file path=ppt/tags/tag33.xml><?xml version="1.0" encoding="utf-8"?>
+<p:tagLst xmlns:a="http://schemas.openxmlformats.org/drawingml/2006/main" xmlns:r="http://schemas.openxmlformats.org/officeDocument/2006/relationships" xmlns:p="http://schemas.openxmlformats.org/presentationml/2006/main">
+  <p:tag name="OUTPUTDPI" val="1200"/>
+  <p:tag name="ORIGINALHEIGHT" val="105.0146"/>
+  <p:tag name="ORIGINALWIDTH" val="102.0143"/>
+  <p:tag name="LATEXADDIN" val="\documentclass{article}&#10;\usepackage{amsmath, amssymb, amsthm}&#10;\usepackage{xcolor}&#10;\pagestyle{empty}&#10;\begin{document}&#10;\setlength\parindent{0pt}&#10;&#10;\newcommand{\argmin}{\operatornamewithlimits{argmin}}&#10;\newcommand{\argmax}{\operatornamewithlimits{argmax}}&#10;\newcommand{\rtwo}{\mathbb{R}^2}&#10;\newcommand{\rone}{\mathbb{R}}&#10;\newcommand{\ex}{\mathbb{E}}&#10;\newcommand{\normal}{\mathcal{N}}&#10;\newcommand{\vor}{\mathcal{V}}&#10;\newcommand{\st}{\mid}&#10;\newcommand{\set}[1]{\left\{#1\right\}}&#10;\newcommand{\norm}[1]{\left\lVert #1\right\rVert}&#10;\newcommand{\rt}{\rightarrow}&#10;&#10;$k_2$&#10;&#10;\end{document}"/>
+  <p:tag name="IGUANATEXSIZE" val="16"/>
+  <p:tag name="IGUANATEXCURSOR" val="558"/>
+  <p:tag name="TRANSPARENCY" val="True"/>
+  <p:tag name="LATEXENGINEID" val="1"/>
+  <p:tag name="TEMPFOLDER" val="c:\temp\"/>
+  <p:tag name="LATEXFORMHEIGHT" val="424"/>
+  <p:tag name="LATEXFORMWIDTH" val="384"/>
+  <p:tag name="LATEXFORMWRAP" val="True"/>
+  <p:tag name="BITMAPVECTOR" val="0"/>
+</p:tagLst>
+</file>
+
+<file path=ppt/tags/tag34.xml><?xml version="1.0" encoding="utf-8"?>
+<p:tagLst xmlns:a="http://schemas.openxmlformats.org/drawingml/2006/main" xmlns:r="http://schemas.openxmlformats.org/officeDocument/2006/relationships" xmlns:p="http://schemas.openxmlformats.org/presentationml/2006/main">
+  <p:tag name="OUTPUTDPI" val="1200"/>
+  <p:tag name="ORIGINALHEIGHT" val="87.76228"/>
+  <p:tag name="ORIGINALWIDTH" val="59.25827"/>
+  <p:tag name="LATEXADDIN" val="\documentclass{article}&#10;\usepackage{amsmath, amssymb, amsthm}&#10;\usepackage{xcolor}&#10;\pagestyle{empty}&#10;\begin{document}&#10;\setlength\parindent{0pt}&#10;&#10;\newcommand{\argmin}{\operatornamewithlimits{argmin}}&#10;\newcommand{\argmax}{\operatornamewithlimits{argmax}}&#10;\newcommand{\rtwo}{\mathbb{R}^2}&#10;\newcommand{\rone}{\mathbb{R}}&#10;\newcommand{\ex}{\mathbb{E}}&#10;\newcommand{\normal}{\mathcal{N}}&#10;\newcommand{\vor}{\mathcal{V}}&#10;\newcommand{\st}{\mid}&#10;\newcommand{\set}[1]{\left\{#1\right\}}&#10;\newcommand{\norm}[1]{\left\lVert #1\right\rVert}&#10;\newcommand{\rt}{\rightarrow}&#10;&#10;$d$&#10;&#10;\end{document}"/>
+  <p:tag name="IGUANATEXSIZE" val="16"/>
+  <p:tag name="IGUANATEXCURSOR" val="556"/>
+  <p:tag name="TRANSPARENCY" val="True"/>
+  <p:tag name="LATEXENGINEID" val="1"/>
+  <p:tag name="TEMPFOLDER" val="c:\temp\"/>
+  <p:tag name="LATEXFORMHEIGHT" val="424"/>
+  <p:tag name="LATEXFORMWIDTH" val="384"/>
+  <p:tag name="LATEXFORMWRAP" val="True"/>
+  <p:tag name="BITMAPVECTOR" val="0"/>
+</p:tagLst>
+</file>
+
+<file path=ppt/tags/tag35.xml><?xml version="1.0" encoding="utf-8"?>
+<p:tagLst xmlns:a="http://schemas.openxmlformats.org/drawingml/2006/main" xmlns:r="http://schemas.openxmlformats.org/officeDocument/2006/relationships" xmlns:p="http://schemas.openxmlformats.org/presentationml/2006/main">
+  <p:tag name="OUTPUTDPI" val="1200"/>
+  <p:tag name="ORIGINALHEIGHT" val="87.76228"/>
+  <p:tag name="ORIGINALWIDTH" val="59.25827"/>
+  <p:tag name="LATEXADDIN" val="\documentclass{article}&#10;\usepackage{amsmath, amssymb, amsthm}&#10;\usepackage{xcolor}&#10;\pagestyle{empty}&#10;\begin{document}&#10;\setlength\parindent{0pt}&#10;&#10;\newcommand{\argmin}{\operatornamewithlimits{argmin}}&#10;\newcommand{\argmax}{\operatornamewithlimits{argmax}}&#10;\newcommand{\rtwo}{\mathbb{R}^2}&#10;\newcommand{\rone}{\mathbb{R}}&#10;\newcommand{\ex}{\mathbb{E}}&#10;\newcommand{\normal}{\mathcal{N}}&#10;\newcommand{\vor}{\mathcal{V}}&#10;\newcommand{\st}{\mid}&#10;\newcommand{\set}[1]{\left\{#1\right\}}&#10;\newcommand{\norm}[1]{\left\lVert #1\right\rVert}&#10;\newcommand{\rt}{\rightarrow}&#10;&#10;$d$&#10;&#10;\end{document}"/>
+  <p:tag name="IGUANATEXSIZE" val="16"/>
+  <p:tag name="IGUANATEXCURSOR" val="556"/>
+  <p:tag name="TRANSPARENCY" val="True"/>
+  <p:tag name="LATEXENGINEID" val="1"/>
+  <p:tag name="TEMPFOLDER" val="c:\temp\"/>
+  <p:tag name="LATEXFORMHEIGHT" val="424"/>
+  <p:tag name="LATEXFORMWIDTH" val="384"/>
+  <p:tag name="LATEXFORMWRAP" val="True"/>
+  <p:tag name="BITMAPVECTOR" val="0"/>
+</p:tagLst>
+</file>
+
+<file path=ppt/tags/tag36.xml><?xml version="1.0" encoding="utf-8"?>
 <p:tagLst xmlns:a="http://schemas.openxmlformats.org/drawingml/2006/main" xmlns:r="http://schemas.openxmlformats.org/officeDocument/2006/relationships" xmlns:p="http://schemas.openxmlformats.org/presentationml/2006/main">
   <p:tag name="OUTPUTDPI" val="1200"/>
   <p:tag name="ORIGINALHEIGHT" val="113.2658"/>
@@ -15590,7 +15470,25 @@
 </p:tagLst>
 </file>
 
-<file path=ppt/tags/tag32.xml><?xml version="1.0" encoding="utf-8"?>
+<file path=ppt/tags/tag37.xml><?xml version="1.0" encoding="utf-8"?>
+<p:tagLst xmlns:a="http://schemas.openxmlformats.org/drawingml/2006/main" xmlns:r="http://schemas.openxmlformats.org/officeDocument/2006/relationships" xmlns:p="http://schemas.openxmlformats.org/presentationml/2006/main">
+  <p:tag name="OUTPUTDPI" val="1200"/>
+  <p:tag name="ORIGINALHEIGHT" val="73.51024"/>
+  <p:tag name="ORIGINALWIDTH" val="113.2658"/>
+  <p:tag name="LATEXADDIN" val="\documentclass{article}&#10;\usepackage{amsmath, amssymb, amsthm}&#10;\usepackage{xcolor}&#10;\pagestyle{empty}&#10;\begin{document}&#10;\setlength\parindent{0pt}&#10;&#10;\newcommand{\argmin}{\operatornamewithlimits{argmin}}&#10;\newcommand{\argmax}{\operatornamewithlimits{argmax}}&#10;\newcommand{\rtwo}{\mathbb{R}^2}&#10;\newcommand{\rone}{\mathbb{R}}&#10;\newcommand{\ex}{\mathbb{E}}&#10;\newcommand{\normal}{\mathcal{N}}&#10;\newcommand{\vor}{\mathcal{V}}&#10;\newcommand{\st}{\mid}&#10;\newcommand{\set}[1]{\left\{#1\right\}}&#10;\newcommand{\norm}[1]{\left\lVert #1\right\rVert}&#10;\newcommand{\rt}{\rightarrow}&#10;&#10;$n_1$&#10;&#10;\end{document}"/>
+  <p:tag name="IGUANATEXSIZE" val="16"/>
+  <p:tag name="IGUANATEXCURSOR" val="558"/>
+  <p:tag name="TRANSPARENCY" val="True"/>
+  <p:tag name="LATEXENGINEID" val="1"/>
+  <p:tag name="TEMPFOLDER" val="c:\temp\"/>
+  <p:tag name="LATEXFORMHEIGHT" val="424"/>
+  <p:tag name="LATEXFORMWIDTH" val="384"/>
+  <p:tag name="LATEXFORMWRAP" val="True"/>
+  <p:tag name="BITMAPVECTOR" val="0"/>
+</p:tagLst>
+</file>
+
+<file path=ppt/tags/tag38.xml><?xml version="1.0" encoding="utf-8"?>
 <p:tagLst xmlns:a="http://schemas.openxmlformats.org/drawingml/2006/main" xmlns:r="http://schemas.openxmlformats.org/officeDocument/2006/relationships" xmlns:p="http://schemas.openxmlformats.org/presentationml/2006/main">
   <p:tag name="OUTPUTDPI" val="1200"/>
   <p:tag name="ORIGINALHEIGHT" val="113.2658"/>
@@ -15608,120 +15506,12 @@
 </p:tagLst>
 </file>
 
-<file path=ppt/tags/tag33.xml><?xml version="1.0" encoding="utf-8"?>
-<p:tagLst xmlns:a="http://schemas.openxmlformats.org/drawingml/2006/main" xmlns:r="http://schemas.openxmlformats.org/officeDocument/2006/relationships" xmlns:p="http://schemas.openxmlformats.org/presentationml/2006/main">
-  <p:tag name="OUTPUTDPI" val="1200"/>
-  <p:tag name="ORIGINALHEIGHT" val="113.2658"/>
-  <p:tag name="ORIGINALWIDTH" val="99.01378"/>
-  <p:tag name="LATEXADDIN" val="\documentclass{article}&#10;\usepackage{amsmath, amssymb, amsthm}&#10;\usepackage{xcolor}&#10;\pagestyle{empty}&#10;\begin{document}&#10;\setlength\parindent{0pt}&#10;&#10;\newcommand{\argmin}{\operatornamewithlimits{argmin}}&#10;\newcommand{\argmax}{\operatornamewithlimits{argmax}}&#10;\newcommand{\rtwo}{\mathbb{R}^2}&#10;\newcommand{\rone}{\mathbb{R}}&#10;\newcommand{\ex}{\mathbb{E}}&#10;\newcommand{\normal}{\mathcal{N}}&#10;\newcommand{\vor}{\mathcal{V}}&#10;\newcommand{\st}{\mid}&#10;\newcommand{\set}[1]{\left\{#1\right\}}&#10;\newcommand{\norm}[1]{\left\lVert #1\right\rVert}&#10;\newcommand{\rt}{\rightarrow}&#10;&#10;$f_3$&#10;&#10;\end{document}"/>
-  <p:tag name="IGUANATEXSIZE" val="16"/>
-  <p:tag name="IGUANATEXCURSOR" val="558"/>
-  <p:tag name="TRANSPARENCY" val="True"/>
-  <p:tag name="LATEXENGINEID" val="1"/>
-  <p:tag name="TEMPFOLDER" val="c:\temp\"/>
-  <p:tag name="LATEXFORMHEIGHT" val="424"/>
-  <p:tag name="LATEXFORMWIDTH" val="384"/>
-  <p:tag name="LATEXFORMWRAP" val="True"/>
-  <p:tag name="BITMAPVECTOR" val="0"/>
-</p:tagLst>
-</file>
-
-<file path=ppt/tags/tag34.xml><?xml version="1.0" encoding="utf-8"?>
+<file path=ppt/tags/tag39.xml><?xml version="1.0" encoding="utf-8"?>
 <p:tagLst xmlns:a="http://schemas.openxmlformats.org/drawingml/2006/main" xmlns:r="http://schemas.openxmlformats.org/officeDocument/2006/relationships" xmlns:p="http://schemas.openxmlformats.org/presentationml/2006/main">
   <p:tag name="OUTPUTDPI" val="1200"/>
   <p:tag name="ORIGINALHEIGHT" val="73.51024"/>
   <p:tag name="ORIGINALWIDTH" val="115.5161"/>
   <p:tag name="LATEXADDIN" val="\documentclass{article}&#10;\usepackage{amsmath, amssymb, amsthm}&#10;\usepackage{xcolor}&#10;\pagestyle{empty}&#10;\begin{document}&#10;\setlength\parindent{0pt}&#10;&#10;\newcommand{\argmin}{\operatornamewithlimits{argmin}}&#10;\newcommand{\argmax}{\operatornamewithlimits{argmax}}&#10;\newcommand{\rtwo}{\mathbb{R}^2}&#10;\newcommand{\rone}{\mathbb{R}}&#10;\newcommand{\ex}{\mathbb{E}}&#10;\newcommand{\normal}{\mathcal{N}}&#10;\newcommand{\vor}{\mathcal{V}}&#10;\newcommand{\st}{\mid}&#10;\newcommand{\set}[1]{\left\{#1\right\}}&#10;\newcommand{\norm}[1]{\left\lVert #1\right\rVert}&#10;\newcommand{\rt}{\rightarrow}&#10;&#10;$n_2$&#10;&#10;\end{document}"/>
-  <p:tag name="IGUANATEXSIZE" val="16"/>
-  <p:tag name="IGUANATEXCURSOR" val="558"/>
-  <p:tag name="TRANSPARENCY" val="True"/>
-  <p:tag name="LATEXENGINEID" val="1"/>
-  <p:tag name="TEMPFOLDER" val="c:\temp\"/>
-  <p:tag name="LATEXFORMHEIGHT" val="424"/>
-  <p:tag name="LATEXFORMWIDTH" val="384"/>
-  <p:tag name="LATEXFORMWRAP" val="True"/>
-  <p:tag name="BITMAPVECTOR" val="0"/>
-</p:tagLst>
-</file>
-
-<file path=ppt/tags/tag35.xml><?xml version="1.0" encoding="utf-8"?>
-<p:tagLst xmlns:a="http://schemas.openxmlformats.org/drawingml/2006/main" xmlns:r="http://schemas.openxmlformats.org/officeDocument/2006/relationships" xmlns:p="http://schemas.openxmlformats.org/presentationml/2006/main">
-  <p:tag name="OUTPUTDPI" val="1200"/>
-  <p:tag name="ORIGINALHEIGHT" val="73.51024"/>
-  <p:tag name="ORIGINALWIDTH" val="113.2658"/>
-  <p:tag name="LATEXADDIN" val="\documentclass{article}&#10;\usepackage{amsmath, amssymb, amsthm}&#10;\usepackage{xcolor}&#10;\pagestyle{empty}&#10;\begin{document}&#10;\setlength\parindent{0pt}&#10;&#10;\newcommand{\argmin}{\operatornamewithlimits{argmin}}&#10;\newcommand{\argmax}{\operatornamewithlimits{argmax}}&#10;\newcommand{\rtwo}{\mathbb{R}^2}&#10;\newcommand{\rone}{\mathbb{R}}&#10;\newcommand{\ex}{\mathbb{E}}&#10;\newcommand{\normal}{\mathcal{N}}&#10;\newcommand{\vor}{\mathcal{V}}&#10;\newcommand{\st}{\mid}&#10;\newcommand{\set}[1]{\left\{#1\right\}}&#10;\newcommand{\norm}[1]{\left\lVert #1\right\rVert}&#10;\newcommand{\rt}{\rightarrow}&#10;&#10;$n_1$&#10;&#10;\end{document}"/>
-  <p:tag name="IGUANATEXSIZE" val="16"/>
-  <p:tag name="IGUANATEXCURSOR" val="558"/>
-  <p:tag name="TRANSPARENCY" val="True"/>
-  <p:tag name="LATEXENGINEID" val="1"/>
-  <p:tag name="TEMPFOLDER" val="c:\temp\"/>
-  <p:tag name="LATEXFORMHEIGHT" val="424"/>
-  <p:tag name="LATEXFORMWIDTH" val="384"/>
-  <p:tag name="LATEXFORMWRAP" val="True"/>
-  <p:tag name="BITMAPVECTOR" val="0"/>
-</p:tagLst>
-</file>
-
-<file path=ppt/tags/tag36.xml><?xml version="1.0" encoding="utf-8"?>
-<p:tagLst xmlns:a="http://schemas.openxmlformats.org/drawingml/2006/main" xmlns:r="http://schemas.openxmlformats.org/officeDocument/2006/relationships" xmlns:p="http://schemas.openxmlformats.org/presentationml/2006/main">
-  <p:tag name="OUTPUTDPI" val="1200"/>
-  <p:tag name="ORIGINALHEIGHT" val="105.0146"/>
-  <p:tag name="ORIGINALWIDTH" val="99.76394"/>
-  <p:tag name="LATEXADDIN" val="\documentclass{article}&#10;\usepackage{amsmath, amssymb, amsthm}&#10;\usepackage{xcolor}&#10;\pagestyle{empty}&#10;\begin{document}&#10;\setlength\parindent{0pt}&#10;&#10;\newcommand{\argmin}{\operatornamewithlimits{argmin}}&#10;\newcommand{\argmax}{\operatornamewithlimits{argmax}}&#10;\newcommand{\rtwo}{\mathbb{R}^2}&#10;\newcommand{\rone}{\mathbb{R}}&#10;\newcommand{\ex}{\mathbb{E}}&#10;\newcommand{\normal}{\mathcal{N}}&#10;\newcommand{\vor}{\mathcal{V}}&#10;\newcommand{\st}{\mid}&#10;\newcommand{\set}[1]{\left\{#1\right\}}&#10;\newcommand{\norm}[1]{\left\lVert #1\right\rVert}&#10;\newcommand{\rt}{\rightarrow}&#10;&#10;$k_1$&#10;&#10;\end{document}"/>
-  <p:tag name="IGUANATEXSIZE" val="16"/>
-  <p:tag name="IGUANATEXCURSOR" val="558"/>
-  <p:tag name="TRANSPARENCY" val="True"/>
-  <p:tag name="LATEXENGINEID" val="1"/>
-  <p:tag name="TEMPFOLDER" val="c:\temp\"/>
-  <p:tag name="LATEXFORMHEIGHT" val="424"/>
-  <p:tag name="LATEXFORMWIDTH" val="384"/>
-  <p:tag name="LATEXFORMWRAP" val="True"/>
-  <p:tag name="BITMAPVECTOR" val="0"/>
-</p:tagLst>
-</file>
-
-<file path=ppt/tags/tag37.xml><?xml version="1.0" encoding="utf-8"?>
-<p:tagLst xmlns:a="http://schemas.openxmlformats.org/drawingml/2006/main" xmlns:r="http://schemas.openxmlformats.org/officeDocument/2006/relationships" xmlns:p="http://schemas.openxmlformats.org/presentationml/2006/main">
-  <p:tag name="OUTPUTDPI" val="1200"/>
-  <p:tag name="ORIGINALHEIGHT" val="105.0146"/>
-  <p:tag name="ORIGINALWIDTH" val="99.76394"/>
-  <p:tag name="LATEXADDIN" val="\documentclass{article}&#10;\usepackage{amsmath, amssymb, amsthm}&#10;\usepackage{xcolor}&#10;\pagestyle{empty}&#10;\begin{document}&#10;\setlength\parindent{0pt}&#10;&#10;\newcommand{\argmin}{\operatornamewithlimits{argmin}}&#10;\newcommand{\argmax}{\operatornamewithlimits{argmax}}&#10;\newcommand{\rtwo}{\mathbb{R}^2}&#10;\newcommand{\rone}{\mathbb{R}}&#10;\newcommand{\ex}{\mathbb{E}}&#10;\newcommand{\normal}{\mathcal{N}}&#10;\newcommand{\vor}{\mathcal{V}}&#10;\newcommand{\st}{\mid}&#10;\newcommand{\set}[1]{\left\{#1\right\}}&#10;\newcommand{\norm}[1]{\left\lVert #1\right\rVert}&#10;\newcommand{\rt}{\rightarrow}&#10;&#10;$k_1$&#10;&#10;\end{document}"/>
-  <p:tag name="IGUANATEXSIZE" val="16"/>
-  <p:tag name="IGUANATEXCURSOR" val="558"/>
-  <p:tag name="TRANSPARENCY" val="True"/>
-  <p:tag name="LATEXENGINEID" val="1"/>
-  <p:tag name="TEMPFOLDER" val="c:\temp\"/>
-  <p:tag name="LATEXFORMHEIGHT" val="424"/>
-  <p:tag name="LATEXFORMWIDTH" val="384"/>
-  <p:tag name="LATEXFORMWRAP" val="True"/>
-  <p:tag name="BITMAPVECTOR" val="0"/>
-</p:tagLst>
-</file>
-
-<file path=ppt/tags/tag38.xml><?xml version="1.0" encoding="utf-8"?>
-<p:tagLst xmlns:a="http://schemas.openxmlformats.org/drawingml/2006/main" xmlns:r="http://schemas.openxmlformats.org/officeDocument/2006/relationships" xmlns:p="http://schemas.openxmlformats.org/presentationml/2006/main">
-  <p:tag name="OUTPUTDPI" val="1200"/>
-  <p:tag name="ORIGINALHEIGHT" val="105.0146"/>
-  <p:tag name="ORIGINALWIDTH" val="102.0143"/>
-  <p:tag name="LATEXADDIN" val="\documentclass{article}&#10;\usepackage{amsmath, amssymb, amsthm}&#10;\usepackage{xcolor}&#10;\pagestyle{empty}&#10;\begin{document}&#10;\setlength\parindent{0pt}&#10;&#10;\newcommand{\argmin}{\operatornamewithlimits{argmin}}&#10;\newcommand{\argmax}{\operatornamewithlimits{argmax}}&#10;\newcommand{\rtwo}{\mathbb{R}^2}&#10;\newcommand{\rone}{\mathbb{R}}&#10;\newcommand{\ex}{\mathbb{E}}&#10;\newcommand{\normal}{\mathcal{N}}&#10;\newcommand{\vor}{\mathcal{V}}&#10;\newcommand{\st}{\mid}&#10;\newcommand{\set}[1]{\left\{#1\right\}}&#10;\newcommand{\norm}[1]{\left\lVert #1\right\rVert}&#10;\newcommand{\rt}{\rightarrow}&#10;&#10;$k_2$&#10;&#10;\end{document}"/>
-  <p:tag name="IGUANATEXSIZE" val="16"/>
-  <p:tag name="IGUANATEXCURSOR" val="558"/>
-  <p:tag name="TRANSPARENCY" val="True"/>
-  <p:tag name="LATEXENGINEID" val="1"/>
-  <p:tag name="TEMPFOLDER" val="c:\temp\"/>
-  <p:tag name="LATEXFORMHEIGHT" val="424"/>
-  <p:tag name="LATEXFORMWIDTH" val="384"/>
-  <p:tag name="LATEXFORMWRAP" val="True"/>
-  <p:tag name="BITMAPVECTOR" val="0"/>
-</p:tagLst>
-</file>
-
-<file path=ppt/tags/tag39.xml><?xml version="1.0" encoding="utf-8"?>
-<p:tagLst xmlns:a="http://schemas.openxmlformats.org/drawingml/2006/main" xmlns:r="http://schemas.openxmlformats.org/officeDocument/2006/relationships" xmlns:p="http://schemas.openxmlformats.org/presentationml/2006/main">
-  <p:tag name="OUTPUTDPI" val="1200"/>
-  <p:tag name="ORIGINALHEIGHT" val="105.0146"/>
-  <p:tag name="ORIGINALWIDTH" val="102.0143"/>
-  <p:tag name="LATEXADDIN" val="\documentclass{article}&#10;\usepackage{amsmath, amssymb, amsthm}&#10;\usepackage{xcolor}&#10;\pagestyle{empty}&#10;\begin{document}&#10;\setlength\parindent{0pt}&#10;&#10;\newcommand{\argmin}{\operatornamewithlimits{argmin}}&#10;\newcommand{\argmax}{\operatornamewithlimits{argmax}}&#10;\newcommand{\rtwo}{\mathbb{R}^2}&#10;\newcommand{\rone}{\mathbb{R}}&#10;\newcommand{\ex}{\mathbb{E}}&#10;\newcommand{\normal}{\mathcal{N}}&#10;\newcommand{\vor}{\mathcal{V}}&#10;\newcommand{\st}{\mid}&#10;\newcommand{\set}[1]{\left\{#1\right\}}&#10;\newcommand{\norm}[1]{\left\lVert #1\right\rVert}&#10;\newcommand{\rt}{\rightarrow}&#10;&#10;$k_2$&#10;&#10;\end{document}"/>
   <p:tag name="IGUANATEXSIZE" val="16"/>
   <p:tag name="IGUANATEXCURSOR" val="558"/>
   <p:tag name="TRANSPARENCY" val="True"/>
@@ -15755,9 +15545,9 @@
 <file path=ppt/tags/tag40.xml><?xml version="1.0" encoding="utf-8"?>
 <p:tagLst xmlns:a="http://schemas.openxmlformats.org/drawingml/2006/main" xmlns:r="http://schemas.openxmlformats.org/officeDocument/2006/relationships" xmlns:p="http://schemas.openxmlformats.org/presentationml/2006/main">
   <p:tag name="OUTPUTDPI" val="1200"/>
-  <p:tag name="ORIGINALHEIGHT" val="105.0146"/>
-  <p:tag name="ORIGINALWIDTH" val="102.0143"/>
-  <p:tag name="LATEXADDIN" val="\documentclass{article}&#10;\usepackage{amsmath, amssymb, amsthm}&#10;\usepackage{xcolor}&#10;\pagestyle{empty}&#10;\begin{document}&#10;\setlength\parindent{0pt}&#10;&#10;\newcommand{\argmin}{\operatornamewithlimits{argmin}}&#10;\newcommand{\argmax}{\operatornamewithlimits{argmax}}&#10;\newcommand{\rtwo}{\mathbb{R}^2}&#10;\newcommand{\rone}{\mathbb{R}}&#10;\newcommand{\ex}{\mathbb{E}}&#10;\newcommand{\normal}{\mathcal{N}}&#10;\newcommand{\vor}{\mathcal{V}}&#10;\newcommand{\st}{\mid}&#10;\newcommand{\set}[1]{\left\{#1\right\}}&#10;\newcommand{\norm}[1]{\left\lVert #1\right\rVert}&#10;\newcommand{\rt}{\rightarrow}&#10;&#10;$k_2$&#10;&#10;\end{document}"/>
+  <p:tag name="ORIGINALHEIGHT" val="113.2658"/>
+  <p:tag name="ORIGINALWIDTH" val="99.01378"/>
+  <p:tag name="LATEXADDIN" val="\documentclass{article}&#10;\usepackage{amsmath, amssymb, amsthm}&#10;\usepackage{xcolor}&#10;\pagestyle{empty}&#10;\begin{document}&#10;\setlength\parindent{0pt}&#10;&#10;\newcommand{\argmin}{\operatornamewithlimits{argmin}}&#10;\newcommand{\argmax}{\operatornamewithlimits{argmax}}&#10;\newcommand{\rtwo}{\mathbb{R}^2}&#10;\newcommand{\rone}{\mathbb{R}}&#10;\newcommand{\ex}{\mathbb{E}}&#10;\newcommand{\normal}{\mathcal{N}}&#10;\newcommand{\vor}{\mathcal{V}}&#10;\newcommand{\st}{\mid}&#10;\newcommand{\set}[1]{\left\{#1\right\}}&#10;\newcommand{\norm}[1]{\left\lVert #1\right\rVert}&#10;\newcommand{\rt}{\rightarrow}&#10;&#10;$f_3$&#10;&#10;\end{document}"/>
   <p:tag name="IGUANATEXSIZE" val="16"/>
   <p:tag name="IGUANATEXCURSOR" val="558"/>
   <p:tag name="TRANSPARENCY" val="True"/>
@@ -15773,11 +15563,11 @@
 <file path=ppt/tags/tag41.xml><?xml version="1.0" encoding="utf-8"?>
 <p:tagLst xmlns:a="http://schemas.openxmlformats.org/drawingml/2006/main" xmlns:r="http://schemas.openxmlformats.org/officeDocument/2006/relationships" xmlns:p="http://schemas.openxmlformats.org/presentationml/2006/main">
   <p:tag name="OUTPUTDPI" val="1200"/>
-  <p:tag name="ORIGINALHEIGHT" val="105.0146"/>
-  <p:tag name="ORIGINALWIDTH" val="102.0143"/>
-  <p:tag name="LATEXADDIN" val="\documentclass{article}&#10;\usepackage{amsmath, amssymb, amsthm}&#10;\usepackage{xcolor}&#10;\pagestyle{empty}&#10;\begin{document}&#10;\setlength\parindent{0pt}&#10;&#10;\newcommand{\argmin}{\operatornamewithlimits{argmin}}&#10;\newcommand{\argmax}{\operatornamewithlimits{argmax}}&#10;\newcommand{\rtwo}{\mathbb{R}^2}&#10;\newcommand{\rone}{\mathbb{R}}&#10;\newcommand{\ex}{\mathbb{E}}&#10;\newcommand{\normal}{\mathcal{N}}&#10;\newcommand{\vor}{\mathcal{V}}&#10;\newcommand{\st}{\mid}&#10;\newcommand{\set}[1]{\left\{#1\right\}}&#10;\newcommand{\norm}[1]{\left\lVert #1\right\rVert}&#10;\newcommand{\rt}{\rightarrow}&#10;&#10;$k_2$&#10;&#10;\end{document}"/>
+  <p:tag name="ORIGINALHEIGHT" val="89.26244"/>
+  <p:tag name="ORIGINALWIDTH" val="258.7861"/>
+  <p:tag name="LATEXADDIN" val="\documentclass{article}&#10;\usepackage{amsmath, amssymb, amsthm}&#10;\usepackage{xcolor}&#10;\pagestyle{empty}&#10;\begin{document}&#10;\setlength\parindent{0pt}&#10;&#10;\newcommand{\argmin}{\operatornamewithlimits{argmin}}&#10;\newcommand{\argmax}{\operatornamewithlimits{argmax}}&#10;\newcommand{\rtwo}{\mathbb{R}^2}&#10;\newcommand{\rone}{\mathbb{R}}&#10;\newcommand{\ex}{\mathbb{E}}&#10;\newcommand{\normal}{\mathcal{N}}&#10;\newcommand{\vor}{\mathcal{V}}&#10;\newcommand{\st}{\mid}&#10;\newcommand{\set}[1]{\left\{#1\right\}}&#10;\newcommand{\norm}[1]{\left\lVert #1\right\rVert}&#10;\newcommand{\rt}{\rightarrow}&#10;&#10;$\ell-2$&#10;&#10;\end{document}"/>
   <p:tag name="IGUANATEXSIZE" val="16"/>
-  <p:tag name="IGUANATEXCURSOR" val="558"/>
+  <p:tag name="IGUANATEXCURSOR" val="561"/>
   <p:tag name="TRANSPARENCY" val="True"/>
   <p:tag name="LATEXENGINEID" val="1"/>
   <p:tag name="TEMPFOLDER" val="c:\temp\"/>
@@ -15791,11 +15581,11 @@
 <file path=ppt/tags/tag42.xml><?xml version="1.0" encoding="utf-8"?>
 <p:tagLst xmlns:a="http://schemas.openxmlformats.org/drawingml/2006/main" xmlns:r="http://schemas.openxmlformats.org/officeDocument/2006/relationships" xmlns:p="http://schemas.openxmlformats.org/presentationml/2006/main">
   <p:tag name="OUTPUTDPI" val="1200"/>
-  <p:tag name="ORIGINALHEIGHT" val="105.0146"/>
-  <p:tag name="ORIGINALWIDTH" val="102.0143"/>
-  <p:tag name="LATEXADDIN" val="\documentclass{article}&#10;\usepackage{amsmath, amssymb, amsthm}&#10;\usepackage{xcolor}&#10;\pagestyle{empty}&#10;\begin{document}&#10;\setlength\parindent{0pt}&#10;&#10;\newcommand{\argmin}{\operatornamewithlimits{argmin}}&#10;\newcommand{\argmax}{\operatornamewithlimits{argmax}}&#10;\newcommand{\rtwo}{\mathbb{R}^2}&#10;\newcommand{\rone}{\mathbb{R}}&#10;\newcommand{\ex}{\mathbb{E}}&#10;\newcommand{\normal}{\mathcal{N}}&#10;\newcommand{\vor}{\mathcal{V}}&#10;\newcommand{\st}{\mid}&#10;\newcommand{\set}[1]{\left\{#1\right\}}&#10;\newcommand{\norm}[1]{\left\lVert #1\right\rVert}&#10;\newcommand{\rt}{\rightarrow}&#10;&#10;$k_2$&#10;&#10;\end{document}"/>
+  <p:tag name="ORIGINALHEIGHT" val="87.76228"/>
+  <p:tag name="ORIGINALWIDTH" val="56.25787"/>
+  <p:tag name="LATEXADDIN" val="\documentclass{article}&#10;\usepackage{amsmath, amssymb, amsthm}&#10;\usepackage{xcolor}&#10;\pagestyle{empty}&#10;\begin{document}&#10;\setlength\parindent{0pt}&#10;&#10;\newcommand{\argmin}{\operatornamewithlimits{argmin}}&#10;\newcommand{\argmax}{\operatornamewithlimits{argmax}}&#10;\newcommand{\rtwo}{\mathbb{R}^2}&#10;\newcommand{\rone}{\mathbb{R}}&#10;\newcommand{\ex}{\mathbb{E}}&#10;\newcommand{\normal}{\mathcal{N}}&#10;\newcommand{\vor}{\mathcal{V}}&#10;\newcommand{\st}{\mid}&#10;\newcommand{\set}[1]{\left\{#1\right\}}&#10;\newcommand{\norm}[1]{\left\lVert #1\right\rVert}&#10;\newcommand{\rt}{\rightarrow}&#10;&#10;$k$&#10;&#10;\end{document}"/>
   <p:tag name="IGUANATEXSIZE" val="16"/>
-  <p:tag name="IGUANATEXCURSOR" val="558"/>
+  <p:tag name="IGUANATEXCURSOR" val="556"/>
   <p:tag name="TRANSPARENCY" val="True"/>
   <p:tag name="LATEXENGINEID" val="1"/>
   <p:tag name="TEMPFOLDER" val="c:\temp\"/>
@@ -15828,8 +15618,8 @@
 <p:tagLst xmlns:a="http://schemas.openxmlformats.org/drawingml/2006/main" xmlns:r="http://schemas.openxmlformats.org/officeDocument/2006/relationships" xmlns:p="http://schemas.openxmlformats.org/presentationml/2006/main">
   <p:tag name="OUTPUTDPI" val="1200"/>
   <p:tag name="ORIGINALHEIGHT" val="87.76228"/>
-  <p:tag name="ORIGINALWIDTH" val="59.25827"/>
-  <p:tag name="LATEXADDIN" val="\documentclass{article}&#10;\usepackage{amsmath, amssymb, amsthm}&#10;\usepackage{xcolor}&#10;\pagestyle{empty}&#10;\begin{document}&#10;\setlength\parindent{0pt}&#10;&#10;\newcommand{\argmin}{\operatornamewithlimits{argmin}}&#10;\newcommand{\argmax}{\operatornamewithlimits{argmax}}&#10;\newcommand{\rtwo}{\mathbb{R}^2}&#10;\newcommand{\rone}{\mathbb{R}}&#10;\newcommand{\ex}{\mathbb{E}}&#10;\newcommand{\normal}{\mathcal{N}}&#10;\newcommand{\vor}{\mathcal{V}}&#10;\newcommand{\st}{\mid}&#10;\newcommand{\set}[1]{\left\{#1\right\}}&#10;\newcommand{\norm}[1]{\left\lVert #1\right\rVert}&#10;\newcommand{\rt}{\rightarrow}&#10;&#10;$d$&#10;&#10;\end{document}"/>
+  <p:tag name="ORIGINALWIDTH" val="56.25787"/>
+  <p:tag name="LATEXADDIN" val="\documentclass{article}&#10;\usepackage{amsmath, amssymb, amsthm}&#10;\usepackage{xcolor}&#10;\pagestyle{empty}&#10;\begin{document}&#10;\setlength\parindent{0pt}&#10;&#10;\newcommand{\argmin}{\operatornamewithlimits{argmin}}&#10;\newcommand{\argmax}{\operatornamewithlimits{argmax}}&#10;\newcommand{\rtwo}{\mathbb{R}^2}&#10;\newcommand{\rone}{\mathbb{R}}&#10;\newcommand{\ex}{\mathbb{E}}&#10;\newcommand{\normal}{\mathcal{N}}&#10;\newcommand{\vor}{\mathcal{V}}&#10;\newcommand{\st}{\mid}&#10;\newcommand{\set}[1]{\left\{#1\right\}}&#10;\newcommand{\norm}[1]{\left\lVert #1\right\rVert}&#10;\newcommand{\rt}{\rightarrow}&#10;&#10;$k$&#10;&#10;\end{document}"/>
   <p:tag name="IGUANATEXSIZE" val="16"/>
   <p:tag name="IGUANATEXCURSOR" val="556"/>
   <p:tag name="TRANSPARENCY" val="True"/>
@@ -15845,11 +15635,11 @@
 <file path=ppt/tags/tag45.xml><?xml version="1.0" encoding="utf-8"?>
 <p:tagLst xmlns:a="http://schemas.openxmlformats.org/drawingml/2006/main" xmlns:r="http://schemas.openxmlformats.org/officeDocument/2006/relationships" xmlns:p="http://schemas.openxmlformats.org/presentationml/2006/main">
   <p:tag name="OUTPUTDPI" val="1200"/>
-  <p:tag name="ORIGINALHEIGHT" val="89.26244"/>
-  <p:tag name="ORIGINALWIDTH" val="48.75677"/>
-  <p:tag name="LATEXADDIN" val="\documentclass{article}&#10;\usepackage{amsmath, amssymb, amsthm}&#10;\usepackage{xcolor}&#10;\pagestyle{empty}&#10;\begin{document}&#10;\setlength\parindent{0pt}&#10;&#10;\newcommand{\argmin}{\operatornamewithlimits{argmin}}&#10;\newcommand{\argmax}{\operatornamewithlimits{argmax}}&#10;\newcommand{\rtwo}{\mathbb{R}^2}&#10;\newcommand{\rone}{\mathbb{R}}&#10;\newcommand{\ex}{\mathbb{E}}&#10;\newcommand{\normal}{\mathcal{N}}&#10;\newcommand{\vor}{\mathcal{V}}&#10;\newcommand{\st}{\mid}&#10;\newcommand{\set}[1]{\left\{#1\right\}}&#10;\newcommand{\norm}[1]{\left\lVert #1\right\rVert}&#10;\newcommand{\rt}{\rightarrow}&#10;&#10;$\ell$&#10;&#10;\end{document}"/>
+  <p:tag name="ORIGINALHEIGHT" val="87.76228"/>
+  <p:tag name="ORIGINALWIDTH" val="56.25787"/>
+  <p:tag name="LATEXADDIN" val="\documentclass{article}&#10;\usepackage{amsmath, amssymb, amsthm}&#10;\usepackage{xcolor}&#10;\pagestyle{empty}&#10;\begin{document}&#10;\setlength\parindent{0pt}&#10;&#10;\newcommand{\argmin}{\operatornamewithlimits{argmin}}&#10;\newcommand{\argmax}{\operatornamewithlimits{argmax}}&#10;\newcommand{\rtwo}{\mathbb{R}^2}&#10;\newcommand{\rone}{\mathbb{R}}&#10;\newcommand{\ex}{\mathbb{E}}&#10;\newcommand{\normal}{\mathcal{N}}&#10;\newcommand{\vor}{\mathcal{V}}&#10;\newcommand{\st}{\mid}&#10;\newcommand{\set}[1]{\left\{#1\right\}}&#10;\newcommand{\norm}[1]{\left\lVert #1\right\rVert}&#10;\newcommand{\rt}{\rightarrow}&#10;&#10;$k$&#10;&#10;\end{document}"/>
   <p:tag name="IGUANATEXSIZE" val="16"/>
-  <p:tag name="IGUANATEXCURSOR" val="559"/>
+  <p:tag name="IGUANATEXCURSOR" val="556"/>
   <p:tag name="TRANSPARENCY" val="True"/>
   <p:tag name="LATEXENGINEID" val="1"/>
   <p:tag name="TEMPFOLDER" val="c:\temp\"/>
